--- a/Matthias/02-Patients3MBq/Was_wird_wie_getestet.pptx
+++ b/Matthias/02-Patients3MBq/Was_wird_wie_getestet.pptx
@@ -8097,8 +8097,8 @@
         </p:nvSpPr>
         <p:spPr>
           <a:xfrm>
-            <a:off x="3222501" y="5303712"/>
-            <a:ext cx="7946572" cy="1477328"/>
+            <a:off x="3220942" y="5066437"/>
+            <a:ext cx="7946572" cy="1815882"/>
           </a:xfrm>
           <a:prstGeom prst="rect">
             <a:avLst/>
@@ -8112,34 +8112,78 @@
           <a:lstStyle/>
           <a:p>
             <a:r>
-              <a:rPr lang="de-DE" dirty="0"/>
-              <a:t>Alle Patienten haben die Dosen 3,0MBq -0,5MBq in 0,25MBq Schritten:</a:t>
+              <a:rPr lang="de-DE" sz="1600" dirty="0"/>
+              <a:t>Alle Patienten haben die Dosen 3,0MBq - 0,5MBq in 0,25MBq Schritten:</a:t>
             </a:r>
           </a:p>
           <a:p>
             <a:r>
-              <a:rPr lang="de-DE" dirty="0"/>
+              <a:rPr lang="de-DE" sz="1600" dirty="0"/>
               <a:t>11 versch. Dosen * 19 Patienten</a:t>
             </a:r>
           </a:p>
           <a:p>
             <a:r>
-              <a:rPr lang="de-DE" dirty="0"/>
+              <a:rPr lang="de-DE" sz="1600" dirty="0"/>
               <a:t>Die Patienten mit 12,13,14 versch. Dosen haben zusätzlich entsprechend dann noch die Dosen 3,5MBq, 4,0MBq und 4,5MBq</a:t>
             </a:r>
           </a:p>
           <a:p>
             <a:r>
-              <a:rPr lang="de-DE" dirty="0"/>
-              <a:t>n ≠ o ≠ p, aber </a:t>
+              <a:rPr lang="de-DE" sz="1600" dirty="0"/>
+              <a:t>n ≠ o ≠ p ≠ n, aber </a:t>
             </a:r>
             <a:r>
-              <a:rPr lang="de-DE" dirty="0" err="1"/>
+              <a:rPr lang="de-DE" sz="1600" dirty="0" err="1"/>
               <a:t>n,o,p</a:t>
             </a:r>
             <a:r>
-              <a:rPr lang="de-DE" dirty="0"/>
+              <a:rPr lang="de-DE" sz="1600" dirty="0"/>
               <a:t> &gt;=1</a:t>
+            </a:r>
+          </a:p>
+          <a:p>
+            <a:r>
+              <a:rPr lang="de-DE" sz="1600" dirty="0" err="1"/>
+              <a:t>Slicethickness</a:t>
+            </a:r>
+            <a:r>
+              <a:rPr lang="de-DE" sz="1600" dirty="0"/>
+              <a:t> = 2,0313 – </a:t>
+            </a:r>
+            <a:r>
+              <a:rPr lang="de-DE" sz="1600" dirty="0" err="1"/>
+              <a:t>Pixelspacing</a:t>
+            </a:r>
+            <a:r>
+              <a:rPr lang="de-DE" sz="1600" dirty="0"/>
+              <a:t> = 2,8034 (gleich wie bei </a:t>
+            </a:r>
+            <a:r>
+              <a:rPr lang="de-DE" sz="1600" dirty="0" err="1"/>
+              <a:t>NemaPhantom</a:t>
+            </a:r>
+            <a:r>
+              <a:rPr lang="de-DE" sz="1600" dirty="0"/>
+              <a:t>)</a:t>
+            </a:r>
+          </a:p>
+          <a:p>
+            <a:r>
+              <a:rPr lang="de-DE" sz="1600" dirty="0" err="1"/>
+              <a:t>One</a:t>
+            </a:r>
+            <a:r>
+              <a:rPr lang="de-DE" sz="1600" dirty="0"/>
+              <a:t> </a:t>
+            </a:r>
+            <a:r>
+              <a:rPr lang="de-DE" sz="1600" dirty="0" err="1"/>
+              <a:t>Voxelvolume</a:t>
+            </a:r>
+            <a:r>
+              <a:rPr lang="de-DE" sz="1600" dirty="0"/>
+              <a:t> = 0,01596cm³</a:t>
             </a:r>
           </a:p>
         </p:txBody>

--- a/Matthias/02-Patients3MBq/Was_wird_wie_getestet.pptx
+++ b/Matthias/02-Patients3MBq/Was_wird_wie_getestet.pptx
@@ -5734,7 +5734,7 @@
                       <a:prstClr val="white"/>
                     </a:solidFill>
                   </a:rPr>
-                  <a:t>… 5 weitere Dosen …</a:t>
+                  <a:t>… 11 weitere Dosen …</a:t>
                 </a:r>
               </a:p>
             </p:txBody>
@@ -6461,7 +6461,7 @@
                       <a:prstClr val="white"/>
                     </a:solidFill>
                   </a:rPr>
-                  <a:t>… 5 weitere Dosen …</a:t>
+                  <a:t>… 11 weitere Dosen …</a:t>
                 </a:r>
               </a:p>
             </p:txBody>
@@ -7188,7 +7188,7 @@
                       <a:prstClr val="white"/>
                     </a:solidFill>
                   </a:rPr>
-                  <a:t>… 5 weitere Dosen …</a:t>
+                  <a:t>… 11 weitere Dosen …</a:t>
                 </a:r>
               </a:p>
             </p:txBody>

--- a/Matthias/02-Patients3MBq/Was_wird_wie_getestet.pptx
+++ b/Matthias/02-Patients3MBq/Was_wird_wie_getestet.pptx
@@ -6,6 +6,7 @@
   </p:sldMasterIdLst>
   <p:sldIdLst>
     <p:sldId id="256" r:id="rId2"/>
+    <p:sldId id="257" r:id="rId3"/>
   </p:sldIdLst>
   <p:sldSz cx="12192000" cy="6858000"/>
   <p:notesSz cx="6858000" cy="9144000"/>
@@ -259,7 +260,7 @@
           <a:p>
             <a:fld id="{6E20447D-E185-4F8E-8A5E-B1C6AF407A2E}" type="datetimeFigureOut">
               <a:rPr lang="de-DE" smtClean="0"/>
-              <a:t>14.02.2018</a:t>
+              <a:t>24.03.2018</a:t>
             </a:fld>
             <a:endParaRPr lang="de-DE"/>
           </a:p>
@@ -457,7 +458,7 @@
           <a:p>
             <a:fld id="{6E20447D-E185-4F8E-8A5E-B1C6AF407A2E}" type="datetimeFigureOut">
               <a:rPr lang="de-DE" smtClean="0"/>
-              <a:t>14.02.2018</a:t>
+              <a:t>24.03.2018</a:t>
             </a:fld>
             <a:endParaRPr lang="de-DE"/>
           </a:p>
@@ -665,7 +666,7 @@
           <a:p>
             <a:fld id="{6E20447D-E185-4F8E-8A5E-B1C6AF407A2E}" type="datetimeFigureOut">
               <a:rPr lang="de-DE" smtClean="0"/>
-              <a:t>14.02.2018</a:t>
+              <a:t>24.03.2018</a:t>
             </a:fld>
             <a:endParaRPr lang="de-DE"/>
           </a:p>
@@ -863,7 +864,7 @@
           <a:p>
             <a:fld id="{6E20447D-E185-4F8E-8A5E-B1C6AF407A2E}" type="datetimeFigureOut">
               <a:rPr lang="de-DE" smtClean="0"/>
-              <a:t>14.02.2018</a:t>
+              <a:t>24.03.2018</a:t>
             </a:fld>
             <a:endParaRPr lang="de-DE"/>
           </a:p>
@@ -1138,7 +1139,7 @@
           <a:p>
             <a:fld id="{6E20447D-E185-4F8E-8A5E-B1C6AF407A2E}" type="datetimeFigureOut">
               <a:rPr lang="de-DE" smtClean="0"/>
-              <a:t>14.02.2018</a:t>
+              <a:t>24.03.2018</a:t>
             </a:fld>
             <a:endParaRPr lang="de-DE"/>
           </a:p>
@@ -1403,7 +1404,7 @@
           <a:p>
             <a:fld id="{6E20447D-E185-4F8E-8A5E-B1C6AF407A2E}" type="datetimeFigureOut">
               <a:rPr lang="de-DE" smtClean="0"/>
-              <a:t>14.02.2018</a:t>
+              <a:t>24.03.2018</a:t>
             </a:fld>
             <a:endParaRPr lang="de-DE"/>
           </a:p>
@@ -1815,7 +1816,7 @@
           <a:p>
             <a:fld id="{6E20447D-E185-4F8E-8A5E-B1C6AF407A2E}" type="datetimeFigureOut">
               <a:rPr lang="de-DE" smtClean="0"/>
-              <a:t>14.02.2018</a:t>
+              <a:t>24.03.2018</a:t>
             </a:fld>
             <a:endParaRPr lang="de-DE"/>
           </a:p>
@@ -1956,7 +1957,7 @@
           <a:p>
             <a:fld id="{6E20447D-E185-4F8E-8A5E-B1C6AF407A2E}" type="datetimeFigureOut">
               <a:rPr lang="de-DE" smtClean="0"/>
-              <a:t>14.02.2018</a:t>
+              <a:t>24.03.2018</a:t>
             </a:fld>
             <a:endParaRPr lang="de-DE"/>
           </a:p>
@@ -2069,7 +2070,7 @@
           <a:p>
             <a:fld id="{6E20447D-E185-4F8E-8A5E-B1C6AF407A2E}" type="datetimeFigureOut">
               <a:rPr lang="de-DE" smtClean="0"/>
-              <a:t>14.02.2018</a:t>
+              <a:t>24.03.2018</a:t>
             </a:fld>
             <a:endParaRPr lang="de-DE"/>
           </a:p>
@@ -2380,7 +2381,7 @@
           <a:p>
             <a:fld id="{6E20447D-E185-4F8E-8A5E-B1C6AF407A2E}" type="datetimeFigureOut">
               <a:rPr lang="de-DE" smtClean="0"/>
-              <a:t>14.02.2018</a:t>
+              <a:t>24.03.2018</a:t>
             </a:fld>
             <a:endParaRPr lang="de-DE"/>
           </a:p>
@@ -2668,7 +2669,7 @@
           <a:p>
             <a:fld id="{6E20447D-E185-4F8E-8A5E-B1C6AF407A2E}" type="datetimeFigureOut">
               <a:rPr lang="de-DE" smtClean="0"/>
-              <a:t>14.02.2018</a:t>
+              <a:t>24.03.2018</a:t>
             </a:fld>
             <a:endParaRPr lang="de-DE"/>
           </a:p>
@@ -2909,7 +2910,7 @@
           <a:p>
             <a:fld id="{6E20447D-E185-4F8E-8A5E-B1C6AF407A2E}" type="datetimeFigureOut">
               <a:rPr lang="de-DE" smtClean="0"/>
-              <a:t>14.02.2018</a:t>
+              <a:t>24.03.2018</a:t>
             </a:fld>
             <a:endParaRPr lang="de-DE"/>
           </a:p>
@@ -8125,7 +8126,7 @@
           <a:p>
             <a:r>
               <a:rPr lang="de-DE" sz="1600" dirty="0"/>
-              <a:t>Die Patienten mit 12,13,14 versch. Dosen haben zusätzlich entsprechend dann noch die Dosen 3,5MBq, 4,0MBq und 4,5MBq</a:t>
+              <a:t>Die Patienten mit 12,13,14 versch. Dosen haben zusätzlich entsprechend dann noch die Dosen 3,5MBq, 4,0MBq und 4,5MBq (werden ignoriert)</a:t>
             </a:r>
           </a:p>
           <a:p>
@@ -8188,10 +8189,1444 @@
           </a:p>
         </p:txBody>
       </p:sp>
+      <p:sp>
+        <p:nvSpPr>
+          <p:cNvPr id="6" name="Rechteck 5">
+            <a:extLst>
+              <a:ext uri="{FF2B5EF4-FFF2-40B4-BE49-F238E27FC236}">
+                <a16:creationId xmlns:a16="http://schemas.microsoft.com/office/drawing/2014/main" id="{E040E579-496A-4289-B991-B1809733A00F}"/>
+              </a:ext>
+            </a:extLst>
+          </p:cNvPr>
+          <p:cNvSpPr/>
+          <p:nvPr/>
+        </p:nvSpPr>
+        <p:spPr>
+          <a:xfrm>
+            <a:off x="4280439" y="3244334"/>
+            <a:ext cx="3631122" cy="369332"/>
+          </a:xfrm>
+          <a:prstGeom prst="rect">
+            <a:avLst/>
+          </a:prstGeom>
+        </p:spPr>
+        <p:txBody>
+          <a:bodyPr wrap="none">
+            <a:spAutoFit/>
+          </a:bodyPr>
+          <a:lstStyle/>
+          <a:p>
+            <a:r>
+              <a:rPr lang="en-US" dirty="0" err="1">
+                <a:solidFill>
+                  <a:srgbClr val="000000"/>
+                </a:solidFill>
+                <a:latin typeface="Courier New" panose="02070309020205020404" pitchFamily="49" charset="0"/>
+              </a:rPr>
+              <a:t>all_sizes_in_one_variable</a:t>
+            </a:r>
+            <a:endParaRPr lang="en-US" dirty="0">
+              <a:solidFill>
+                <a:srgbClr val="000000"/>
+              </a:solidFill>
+              <a:latin typeface="Courier New" panose="02070309020205020404" pitchFamily="49" charset="0"/>
+            </a:endParaRPr>
+          </a:p>
+        </p:txBody>
+      </p:sp>
     </p:spTree>
     <p:extLst>
       <p:ext uri="{BB962C8B-B14F-4D97-AF65-F5344CB8AC3E}">
         <p14:creationId xmlns:p14="http://schemas.microsoft.com/office/powerpoint/2010/main" val="263338697"/>
+      </p:ext>
+    </p:extLst>
+  </p:cSld>
+  <p:clrMapOvr>
+    <a:masterClrMapping/>
+  </p:clrMapOvr>
+</p:sld>
+</file>
+
+<file path=ppt/slides/slide2.xml><?xml version="1.0" encoding="utf-8"?>
+<p:sld xmlns:a="http://schemas.openxmlformats.org/drawingml/2006/main" xmlns:r="http://schemas.openxmlformats.org/officeDocument/2006/relationships" xmlns:p="http://schemas.openxmlformats.org/presentationml/2006/main">
+  <p:cSld>
+    <p:spTree>
+      <p:nvGrpSpPr>
+        <p:cNvPr id="1" name=""/>
+        <p:cNvGrpSpPr/>
+        <p:nvPr/>
+      </p:nvGrpSpPr>
+      <p:grpSpPr>
+        <a:xfrm>
+          <a:off x="0" y="0"/>
+          <a:ext cx="0" cy="0"/>
+          <a:chOff x="0" y="0"/>
+          <a:chExt cx="0" cy="0"/>
+        </a:xfrm>
+      </p:grpSpPr>
+      <p:sp>
+        <p:nvSpPr>
+          <p:cNvPr id="2" name="Titel 1">
+            <a:extLst>
+              <a:ext uri="{FF2B5EF4-FFF2-40B4-BE49-F238E27FC236}">
+                <a16:creationId xmlns:a16="http://schemas.microsoft.com/office/drawing/2014/main" id="{E17A9C01-F5C9-423E-9364-7C2359D6729D}"/>
+              </a:ext>
+            </a:extLst>
+          </p:cNvPr>
+          <p:cNvSpPr>
+            <a:spLocks noGrp="1"/>
+          </p:cNvSpPr>
+          <p:nvPr>
+            <p:ph type="title"/>
+          </p:nvPr>
+        </p:nvSpPr>
+        <p:spPr/>
+        <p:txBody>
+          <a:bodyPr/>
+          <a:lstStyle/>
+          <a:p>
+            <a:r>
+              <a:rPr lang="de-DE" dirty="0"/>
+              <a:t>ROI-Gruppen nach Größe</a:t>
+            </a:r>
+          </a:p>
+        </p:txBody>
+      </p:sp>
+      <p:graphicFrame>
+        <p:nvGraphicFramePr>
+          <p:cNvPr id="6" name="Tabelle 5">
+            <a:extLst>
+              <a:ext uri="{FF2B5EF4-FFF2-40B4-BE49-F238E27FC236}">
+                <a16:creationId xmlns:a16="http://schemas.microsoft.com/office/drawing/2014/main" id="{0E40907E-2C03-4438-93B6-1AF988B780EE}"/>
+              </a:ext>
+            </a:extLst>
+          </p:cNvPr>
+          <p:cNvGraphicFramePr>
+            <a:graphicFrameLocks noGrp="1"/>
+          </p:cNvGraphicFramePr>
+          <p:nvPr>
+            <p:extLst>
+              <p:ext uri="{D42A27DB-BD31-4B8C-83A1-F6EECF244321}">
+                <p14:modId xmlns:p14="http://schemas.microsoft.com/office/powerpoint/2010/main" val="3018586552"/>
+              </p:ext>
+            </p:extLst>
+          </p:nvPr>
+        </p:nvGraphicFramePr>
+        <p:xfrm>
+          <a:off x="390525" y="2501900"/>
+          <a:ext cx="9651016" cy="2209800"/>
+        </p:xfrm>
+        <a:graphic>
+          <a:graphicData uri="http://schemas.openxmlformats.org/drawingml/2006/table">
+            <a:tbl>
+              <a:tblPr firstRow="1" bandRow="1">
+                <a:tableStyleId>{5C22544A-7EE6-4342-B048-85BDC9FD1C3A}</a:tableStyleId>
+              </a:tblPr>
+              <a:tblGrid>
+                <a:gridCol w="2412754">
+                  <a:extLst>
+                    <a:ext uri="{9D8B030D-6E8A-4147-A177-3AD203B41FA5}">
+                      <a16:colId xmlns:a16="http://schemas.microsoft.com/office/drawing/2014/main" val="1975731961"/>
+                    </a:ext>
+                  </a:extLst>
+                </a:gridCol>
+                <a:gridCol w="2412754">
+                  <a:extLst>
+                    <a:ext uri="{9D8B030D-6E8A-4147-A177-3AD203B41FA5}">
+                      <a16:colId xmlns:a16="http://schemas.microsoft.com/office/drawing/2014/main" val="3147134053"/>
+                    </a:ext>
+                  </a:extLst>
+                </a:gridCol>
+                <a:gridCol w="2412754">
+                  <a:extLst>
+                    <a:ext uri="{9D8B030D-6E8A-4147-A177-3AD203B41FA5}">
+                      <a16:colId xmlns:a16="http://schemas.microsoft.com/office/drawing/2014/main" val="2673354287"/>
+                    </a:ext>
+                  </a:extLst>
+                </a:gridCol>
+                <a:gridCol w="2412754">
+                  <a:extLst>
+                    <a:ext uri="{9D8B030D-6E8A-4147-A177-3AD203B41FA5}">
+                      <a16:colId xmlns:a16="http://schemas.microsoft.com/office/drawing/2014/main" val="2795939657"/>
+                    </a:ext>
+                  </a:extLst>
+                </a:gridCol>
+              </a:tblGrid>
+              <a:tr h="370840">
+                <a:tc>
+                  <a:txBody>
+                    <a:bodyPr/>
+                    <a:lstStyle/>
+                    <a:p>
+                      <a:r>
+                        <a:rPr lang="de-DE" dirty="0"/>
+                        <a:t>Name</a:t>
+                      </a:r>
+                    </a:p>
+                  </a:txBody>
+                  <a:tcPr/>
+                </a:tc>
+                <a:tc>
+                  <a:txBody>
+                    <a:bodyPr/>
+                    <a:lstStyle/>
+                    <a:p>
+                      <a:r>
+                        <a:rPr lang="de-DE" dirty="0"/>
+                        <a:t>Größenbereich [Voxelanzahl]</a:t>
+                      </a:r>
+                    </a:p>
+                  </a:txBody>
+                  <a:tcPr/>
+                </a:tc>
+                <a:tc>
+                  <a:txBody>
+                    <a:bodyPr/>
+                    <a:lstStyle/>
+                    <a:p>
+                      <a:r>
+                        <a:rPr lang="de-DE" dirty="0" err="1"/>
+                        <a:t>Patient.ROIs</a:t>
+                      </a:r>
+                      <a:endParaRPr lang="de-DE" dirty="0"/>
+                    </a:p>
+                  </a:txBody>
+                  <a:tcPr/>
+                </a:tc>
+                <a:tc>
+                  <a:txBody>
+                    <a:bodyPr/>
+                    <a:lstStyle/>
+                    <a:p>
+                      <a:r>
+                        <a:rPr lang="de-DE" dirty="0"/>
+                        <a:t>Anzahl</a:t>
+                      </a:r>
+                    </a:p>
+                  </a:txBody>
+                  <a:tcPr/>
+                </a:tc>
+                <a:extLst>
+                  <a:ext uri="{0D108BD9-81ED-4DB2-BD59-A6C34878D82A}">
+                    <a16:rowId xmlns:a16="http://schemas.microsoft.com/office/drawing/2014/main" val="4233368179"/>
+                  </a:ext>
+                </a:extLst>
+              </a:tr>
+              <a:tr h="370840">
+                <a:tc>
+                  <a:txBody>
+                    <a:bodyPr/>
+                    <a:lstStyle/>
+                    <a:p>
+                      <a:r>
+                        <a:rPr lang="de-DE" dirty="0"/>
+                        <a:t>klein (Gruppe 1)</a:t>
+                      </a:r>
+                    </a:p>
+                  </a:txBody>
+                  <a:tcPr/>
+                </a:tc>
+                <a:tc>
+                  <a:txBody>
+                    <a:bodyPr/>
+                    <a:lstStyle/>
+                    <a:p>
+                      <a:r>
+                        <a:rPr lang="de-DE" dirty="0"/>
+                        <a:t>148 - 199 (</a:t>
+                      </a:r>
+                      <a:r>
+                        <a:rPr lang="el-GR" dirty="0"/>
+                        <a:t>Δ</a:t>
+                      </a:r>
+                      <a:r>
+                        <a:rPr lang="de-DE" dirty="0"/>
+                        <a:t> 51)</a:t>
+                      </a:r>
+                    </a:p>
+                  </a:txBody>
+                  <a:tcPr/>
+                </a:tc>
+                <a:tc>
+                  <a:txBody>
+                    <a:bodyPr/>
+                    <a:lstStyle/>
+                    <a:p>
+                      <a:r>
+                        <a:rPr lang="de-DE" sz="1200" dirty="0"/>
+                        <a:t>P3.5; P4.5; P6.5; P7.5; P11.6; P12.8; P14.5; P18.9; P19.7</a:t>
+                      </a:r>
+                    </a:p>
+                  </a:txBody>
+                  <a:tcPr/>
+                </a:tc>
+                <a:tc>
+                  <a:txBody>
+                    <a:bodyPr/>
+                    <a:lstStyle/>
+                    <a:p>
+                      <a:r>
+                        <a:rPr lang="de-DE" dirty="0"/>
+                        <a:t>9</a:t>
+                      </a:r>
+                    </a:p>
+                  </a:txBody>
+                  <a:tcPr/>
+                </a:tc>
+                <a:extLst>
+                  <a:ext uri="{0D108BD9-81ED-4DB2-BD59-A6C34878D82A}">
+                    <a16:rowId xmlns:a16="http://schemas.microsoft.com/office/drawing/2014/main" val="838003262"/>
+                  </a:ext>
+                </a:extLst>
+              </a:tr>
+              <a:tr h="370840">
+                <a:tc>
+                  <a:txBody>
+                    <a:bodyPr/>
+                    <a:lstStyle/>
+                    <a:p>
+                      <a:r>
+                        <a:rPr lang="de-DE" dirty="0"/>
+                        <a:t>mittel (Gruppe 2)</a:t>
+                      </a:r>
+                    </a:p>
+                  </a:txBody>
+                  <a:tcPr/>
+                </a:tc>
+                <a:tc>
+                  <a:txBody>
+                    <a:bodyPr/>
+                    <a:lstStyle/>
+                    <a:p>
+                      <a:r>
+                        <a:rPr lang="de-DE" dirty="0"/>
+                        <a:t>328 – 429 (</a:t>
+                      </a:r>
+                      <a:r>
+                        <a:rPr lang="el-GR" dirty="0"/>
+                        <a:t>Δ</a:t>
+                      </a:r>
+                      <a:r>
+                        <a:rPr lang="de-DE" dirty="0"/>
+                        <a:t> 101)</a:t>
+                      </a:r>
+                    </a:p>
+                  </a:txBody>
+                  <a:tcPr/>
+                </a:tc>
+                <a:tc>
+                  <a:txBody>
+                    <a:bodyPr/>
+                    <a:lstStyle/>
+                    <a:p>
+                      <a:r>
+                        <a:rPr lang="de-DE" sz="1200" dirty="0"/>
+                        <a:t>P7.7; P10.5; P12.6; P16.5; P19.6</a:t>
+                      </a:r>
+                    </a:p>
+                  </a:txBody>
+                  <a:tcPr/>
+                </a:tc>
+                <a:tc>
+                  <a:txBody>
+                    <a:bodyPr/>
+                    <a:lstStyle/>
+                    <a:p>
+                      <a:r>
+                        <a:rPr lang="de-DE" dirty="0"/>
+                        <a:t>5</a:t>
+                      </a:r>
+                    </a:p>
+                  </a:txBody>
+                  <a:tcPr/>
+                </a:tc>
+                <a:extLst>
+                  <a:ext uri="{0D108BD9-81ED-4DB2-BD59-A6C34878D82A}">
+                    <a16:rowId xmlns:a16="http://schemas.microsoft.com/office/drawing/2014/main" val="1895521726"/>
+                  </a:ext>
+                </a:extLst>
+              </a:tr>
+              <a:tr h="370840">
+                <a:tc>
+                  <a:txBody>
+                    <a:bodyPr/>
+                    <a:lstStyle/>
+                    <a:p>
+                      <a:r>
+                        <a:rPr lang="de-DE" dirty="0"/>
+                        <a:t>groß (Gruppe 3)</a:t>
+                      </a:r>
+                    </a:p>
+                  </a:txBody>
+                  <a:tcPr/>
+                </a:tc>
+                <a:tc>
+                  <a:txBody>
+                    <a:bodyPr/>
+                    <a:lstStyle/>
+                    <a:p>
+                      <a:r>
+                        <a:rPr lang="de-DE" dirty="0"/>
+                        <a:t>532 – 641 (</a:t>
+                      </a:r>
+                      <a:r>
+                        <a:rPr lang="el-GR" dirty="0"/>
+                        <a:t>Δ</a:t>
+                      </a:r>
+                      <a:r>
+                        <a:rPr lang="de-DE" dirty="0"/>
+                        <a:t> 109)</a:t>
+                      </a:r>
+                    </a:p>
+                  </a:txBody>
+                  <a:tcPr/>
+                </a:tc>
+                <a:tc>
+                  <a:txBody>
+                    <a:bodyPr/>
+                    <a:lstStyle/>
+                    <a:p>
+                      <a:r>
+                        <a:rPr lang="de-DE" sz="1200" dirty="0"/>
+                        <a:t>P5.5; P18.5; P19.5</a:t>
+                      </a:r>
+                    </a:p>
+                  </a:txBody>
+                  <a:tcPr/>
+                </a:tc>
+                <a:tc>
+                  <a:txBody>
+                    <a:bodyPr/>
+                    <a:lstStyle/>
+                    <a:p>
+                      <a:r>
+                        <a:rPr lang="de-DE" dirty="0"/>
+                        <a:t>3</a:t>
+                      </a:r>
+                    </a:p>
+                  </a:txBody>
+                  <a:tcPr/>
+                </a:tc>
+                <a:extLst>
+                  <a:ext uri="{0D108BD9-81ED-4DB2-BD59-A6C34878D82A}">
+                    <a16:rowId xmlns:a16="http://schemas.microsoft.com/office/drawing/2014/main" val="501268314"/>
+                  </a:ext>
+                </a:extLst>
+              </a:tr>
+              <a:tr h="370840">
+                <a:tc>
+                  <a:txBody>
+                    <a:bodyPr/>
+                    <a:lstStyle/>
+                    <a:p>
+                      <a:r>
+                        <a:rPr lang="de-DE" dirty="0" err="1"/>
+                        <a:t>rießig</a:t>
+                      </a:r>
+                      <a:r>
+                        <a:rPr lang="de-DE" dirty="0"/>
+                        <a:t> (Gruppe 4)</a:t>
+                      </a:r>
+                    </a:p>
+                  </a:txBody>
+                  <a:tcPr/>
+                </a:tc>
+                <a:tc>
+                  <a:txBody>
+                    <a:bodyPr/>
+                    <a:lstStyle/>
+                    <a:p>
+                      <a:r>
+                        <a:rPr lang="de-DE" dirty="0"/>
+                        <a:t>852 – 2190 (</a:t>
+                      </a:r>
+                      <a:r>
+                        <a:rPr lang="el-GR" dirty="0"/>
+                        <a:t>Δ</a:t>
+                      </a:r>
+                      <a:r>
+                        <a:rPr lang="de-DE" dirty="0"/>
+                        <a:t> 1338)</a:t>
+                      </a:r>
+                    </a:p>
+                  </a:txBody>
+                  <a:tcPr/>
+                </a:tc>
+                <a:tc>
+                  <a:txBody>
+                    <a:bodyPr/>
+                    <a:lstStyle/>
+                    <a:p>
+                      <a:r>
+                        <a:rPr lang="de-DE" sz="1200" dirty="0"/>
+                        <a:t>P11.7; P12.5; P18.8</a:t>
+                      </a:r>
+                    </a:p>
+                  </a:txBody>
+                  <a:tcPr/>
+                </a:tc>
+                <a:tc>
+                  <a:txBody>
+                    <a:bodyPr/>
+                    <a:lstStyle/>
+                    <a:p>
+                      <a:r>
+                        <a:rPr lang="de-DE" dirty="0"/>
+                        <a:t>3 </a:t>
+                      </a:r>
+                    </a:p>
+                  </a:txBody>
+                  <a:tcPr/>
+                </a:tc>
+                <a:extLst>
+                  <a:ext uri="{0D108BD9-81ED-4DB2-BD59-A6C34878D82A}">
+                    <a16:rowId xmlns:a16="http://schemas.microsoft.com/office/drawing/2014/main" val="976129848"/>
+                  </a:ext>
+                </a:extLst>
+              </a:tr>
+            </a:tbl>
+          </a:graphicData>
+        </a:graphic>
+      </p:graphicFrame>
+      <p:graphicFrame>
+        <p:nvGraphicFramePr>
+          <p:cNvPr id="7" name="Tabelle 6">
+            <a:extLst>
+              <a:ext uri="{FF2B5EF4-FFF2-40B4-BE49-F238E27FC236}">
+                <a16:creationId xmlns:a16="http://schemas.microsoft.com/office/drawing/2014/main" id="{29C69C98-C81C-406B-99E6-ABA860D634A8}"/>
+              </a:ext>
+            </a:extLst>
+          </p:cNvPr>
+          <p:cNvGraphicFramePr>
+            <a:graphicFrameLocks noGrp="1"/>
+          </p:cNvGraphicFramePr>
+          <p:nvPr>
+            <p:extLst>
+              <p:ext uri="{D42A27DB-BD31-4B8C-83A1-F6EECF244321}">
+                <p14:modId xmlns:p14="http://schemas.microsoft.com/office/powerpoint/2010/main" val="1761170035"/>
+              </p:ext>
+            </p:extLst>
+          </p:nvPr>
+        </p:nvGraphicFramePr>
+        <p:xfrm>
+          <a:off x="10334625" y="1234440"/>
+          <a:ext cx="1677266" cy="5029200"/>
+        </p:xfrm>
+        <a:graphic>
+          <a:graphicData uri="http://schemas.openxmlformats.org/drawingml/2006/table">
+            <a:tbl>
+              <a:tblPr firstRow="1" bandRow="1">
+                <a:tableStyleId>{21E4AEA4-8DFA-4A89-87EB-49C32662AFE0}</a:tableStyleId>
+              </a:tblPr>
+              <a:tblGrid>
+                <a:gridCol w="814898">
+                  <a:extLst>
+                    <a:ext uri="{9D8B030D-6E8A-4147-A177-3AD203B41FA5}">
+                      <a16:colId xmlns:a16="http://schemas.microsoft.com/office/drawing/2014/main" val="1975731961"/>
+                    </a:ext>
+                  </a:extLst>
+                </a:gridCol>
+                <a:gridCol w="862368">
+                  <a:extLst>
+                    <a:ext uri="{9D8B030D-6E8A-4147-A177-3AD203B41FA5}">
+                      <a16:colId xmlns:a16="http://schemas.microsoft.com/office/drawing/2014/main" val="3147134053"/>
+                    </a:ext>
+                  </a:extLst>
+                </a:gridCol>
+              </a:tblGrid>
+              <a:tr h="180000">
+                <a:tc>
+                  <a:txBody>
+                    <a:bodyPr/>
+                    <a:lstStyle/>
+                    <a:p>
+                      <a:r>
+                        <a:rPr lang="de-DE" sz="1000" dirty="0"/>
+                        <a:t>Name vereinfacht</a:t>
+                      </a:r>
+                    </a:p>
+                  </a:txBody>
+                  <a:tcPr/>
+                </a:tc>
+                <a:tc>
+                  <a:txBody>
+                    <a:bodyPr/>
+                    <a:lstStyle/>
+                    <a:p>
+                      <a:r>
+                        <a:rPr lang="de-DE" sz="1000" dirty="0"/>
+                        <a:t>Name in Studie</a:t>
+                      </a:r>
+                    </a:p>
+                  </a:txBody>
+                  <a:tcPr/>
+                </a:tc>
+                <a:extLst>
+                  <a:ext uri="{0D108BD9-81ED-4DB2-BD59-A6C34878D82A}">
+                    <a16:rowId xmlns:a16="http://schemas.microsoft.com/office/drawing/2014/main" val="4233368179"/>
+                  </a:ext>
+                </a:extLst>
+              </a:tr>
+              <a:tr h="180000">
+                <a:tc>
+                  <a:txBody>
+                    <a:bodyPr/>
+                    <a:lstStyle/>
+                    <a:p>
+                      <a:pPr algn="l" fontAlgn="b"/>
+                      <a:r>
+                        <a:rPr lang="de-DE" sz="1000" u="none" strike="noStrike" dirty="0">
+                          <a:effectLst/>
+                        </a:rPr>
+                        <a:t>P1</a:t>
+                      </a:r>
+                      <a:endParaRPr lang="de-DE" sz="1000" b="0" i="0" u="none" strike="noStrike" dirty="0">
+                        <a:solidFill>
+                          <a:srgbClr val="000000"/>
+                        </a:solidFill>
+                        <a:effectLst/>
+                        <a:latin typeface="Calibri" panose="020F0502020204030204" pitchFamily="34" charset="0"/>
+                      </a:endParaRPr>
+                    </a:p>
+                  </a:txBody>
+                  <a:tcPr marL="7620" marR="7620" marT="7620" marB="0" anchor="b"/>
+                </a:tc>
+                <a:tc>
+                  <a:txBody>
+                    <a:bodyPr/>
+                    <a:lstStyle/>
+                    <a:p>
+                      <a:r>
+                        <a:rPr lang="de-DE" sz="1000" dirty="0"/>
+                        <a:t>01</a:t>
+                      </a:r>
+                    </a:p>
+                  </a:txBody>
+                  <a:tcPr/>
+                </a:tc>
+                <a:extLst>
+                  <a:ext uri="{0D108BD9-81ED-4DB2-BD59-A6C34878D82A}">
+                    <a16:rowId xmlns:a16="http://schemas.microsoft.com/office/drawing/2014/main" val="838003262"/>
+                  </a:ext>
+                </a:extLst>
+              </a:tr>
+              <a:tr h="180000">
+                <a:tc>
+                  <a:txBody>
+                    <a:bodyPr/>
+                    <a:lstStyle/>
+                    <a:p>
+                      <a:pPr algn="l" fontAlgn="b"/>
+                      <a:r>
+                        <a:rPr lang="de-DE" sz="1000" u="none" strike="noStrike" dirty="0">
+                          <a:effectLst/>
+                        </a:rPr>
+                        <a:t>P2</a:t>
+                      </a:r>
+                      <a:endParaRPr lang="de-DE" sz="1000" b="0" i="0" u="none" strike="noStrike" dirty="0">
+                        <a:solidFill>
+                          <a:srgbClr val="000000"/>
+                        </a:solidFill>
+                        <a:effectLst/>
+                        <a:latin typeface="Calibri" panose="020F0502020204030204" pitchFamily="34" charset="0"/>
+                      </a:endParaRPr>
+                    </a:p>
+                  </a:txBody>
+                  <a:tcPr marL="7620" marR="7620" marT="7620" marB="0" anchor="b"/>
+                </a:tc>
+                <a:tc>
+                  <a:txBody>
+                    <a:bodyPr/>
+                    <a:lstStyle/>
+                    <a:p>
+                      <a:r>
+                        <a:rPr lang="de-DE" sz="1000" dirty="0"/>
+                        <a:t>03</a:t>
+                      </a:r>
+                    </a:p>
+                  </a:txBody>
+                  <a:tcPr/>
+                </a:tc>
+                <a:extLst>
+                  <a:ext uri="{0D108BD9-81ED-4DB2-BD59-A6C34878D82A}">
+                    <a16:rowId xmlns:a16="http://schemas.microsoft.com/office/drawing/2014/main" val="2037680900"/>
+                  </a:ext>
+                </a:extLst>
+              </a:tr>
+              <a:tr h="180000">
+                <a:tc>
+                  <a:txBody>
+                    <a:bodyPr/>
+                    <a:lstStyle/>
+                    <a:p>
+                      <a:pPr algn="l" fontAlgn="b"/>
+                      <a:r>
+                        <a:rPr lang="de-DE" sz="1000" u="none" strike="noStrike">
+                          <a:effectLst/>
+                        </a:rPr>
+                        <a:t>P3</a:t>
+                      </a:r>
+                      <a:endParaRPr lang="de-DE" sz="1000" b="0" i="0" u="none" strike="noStrike">
+                        <a:solidFill>
+                          <a:srgbClr val="000000"/>
+                        </a:solidFill>
+                        <a:effectLst/>
+                        <a:latin typeface="Calibri" panose="020F0502020204030204" pitchFamily="34" charset="0"/>
+                      </a:endParaRPr>
+                    </a:p>
+                  </a:txBody>
+                  <a:tcPr marL="7620" marR="7620" marT="7620" marB="0" anchor="b"/>
+                </a:tc>
+                <a:tc>
+                  <a:txBody>
+                    <a:bodyPr/>
+                    <a:lstStyle/>
+                    <a:p>
+                      <a:r>
+                        <a:rPr lang="de-DE" sz="1000" dirty="0"/>
+                        <a:t>06</a:t>
+                      </a:r>
+                    </a:p>
+                  </a:txBody>
+                  <a:tcPr/>
+                </a:tc>
+                <a:extLst>
+                  <a:ext uri="{0D108BD9-81ED-4DB2-BD59-A6C34878D82A}">
+                    <a16:rowId xmlns:a16="http://schemas.microsoft.com/office/drawing/2014/main" val="722062138"/>
+                  </a:ext>
+                </a:extLst>
+              </a:tr>
+              <a:tr h="180000">
+                <a:tc>
+                  <a:txBody>
+                    <a:bodyPr/>
+                    <a:lstStyle/>
+                    <a:p>
+                      <a:pPr algn="l" fontAlgn="b"/>
+                      <a:r>
+                        <a:rPr lang="de-DE" sz="1000" u="none" strike="noStrike">
+                          <a:effectLst/>
+                        </a:rPr>
+                        <a:t>P4</a:t>
+                      </a:r>
+                      <a:endParaRPr lang="de-DE" sz="1000" b="0" i="0" u="none" strike="noStrike">
+                        <a:solidFill>
+                          <a:srgbClr val="000000"/>
+                        </a:solidFill>
+                        <a:effectLst/>
+                        <a:latin typeface="Calibri" panose="020F0502020204030204" pitchFamily="34" charset="0"/>
+                      </a:endParaRPr>
+                    </a:p>
+                  </a:txBody>
+                  <a:tcPr marL="7620" marR="7620" marT="7620" marB="0" anchor="b"/>
+                </a:tc>
+                <a:tc>
+                  <a:txBody>
+                    <a:bodyPr/>
+                    <a:lstStyle/>
+                    <a:p>
+                      <a:r>
+                        <a:rPr lang="de-DE" sz="1000" dirty="0"/>
+                        <a:t>09</a:t>
+                      </a:r>
+                    </a:p>
+                  </a:txBody>
+                  <a:tcPr/>
+                </a:tc>
+                <a:extLst>
+                  <a:ext uri="{0D108BD9-81ED-4DB2-BD59-A6C34878D82A}">
+                    <a16:rowId xmlns:a16="http://schemas.microsoft.com/office/drawing/2014/main" val="459563783"/>
+                  </a:ext>
+                </a:extLst>
+              </a:tr>
+              <a:tr h="180000">
+                <a:tc>
+                  <a:txBody>
+                    <a:bodyPr/>
+                    <a:lstStyle/>
+                    <a:p>
+                      <a:pPr algn="l" fontAlgn="b"/>
+                      <a:r>
+                        <a:rPr lang="de-DE" sz="1000" u="none" strike="noStrike">
+                          <a:effectLst/>
+                        </a:rPr>
+                        <a:t>P5</a:t>
+                      </a:r>
+                      <a:endParaRPr lang="de-DE" sz="1000" b="0" i="0" u="none" strike="noStrike">
+                        <a:solidFill>
+                          <a:srgbClr val="000000"/>
+                        </a:solidFill>
+                        <a:effectLst/>
+                        <a:latin typeface="Calibri" panose="020F0502020204030204" pitchFamily="34" charset="0"/>
+                      </a:endParaRPr>
+                    </a:p>
+                  </a:txBody>
+                  <a:tcPr marL="7620" marR="7620" marT="7620" marB="0" anchor="b"/>
+                </a:tc>
+                <a:tc>
+                  <a:txBody>
+                    <a:bodyPr/>
+                    <a:lstStyle/>
+                    <a:p>
+                      <a:r>
+                        <a:rPr lang="de-DE" sz="1000" dirty="0"/>
+                        <a:t>10</a:t>
+                      </a:r>
+                    </a:p>
+                  </a:txBody>
+                  <a:tcPr/>
+                </a:tc>
+                <a:extLst>
+                  <a:ext uri="{0D108BD9-81ED-4DB2-BD59-A6C34878D82A}">
+                    <a16:rowId xmlns:a16="http://schemas.microsoft.com/office/drawing/2014/main" val="1636671969"/>
+                  </a:ext>
+                </a:extLst>
+              </a:tr>
+              <a:tr h="180000">
+                <a:tc>
+                  <a:txBody>
+                    <a:bodyPr/>
+                    <a:lstStyle/>
+                    <a:p>
+                      <a:pPr algn="l" fontAlgn="b"/>
+                      <a:r>
+                        <a:rPr lang="de-DE" sz="1000" u="none" strike="noStrike" dirty="0">
+                          <a:effectLst/>
+                        </a:rPr>
+                        <a:t>P6</a:t>
+                      </a:r>
+                      <a:endParaRPr lang="de-DE" sz="1000" b="0" i="0" u="none" strike="noStrike" dirty="0">
+                        <a:solidFill>
+                          <a:srgbClr val="000000"/>
+                        </a:solidFill>
+                        <a:effectLst/>
+                        <a:latin typeface="Calibri" panose="020F0502020204030204" pitchFamily="34" charset="0"/>
+                      </a:endParaRPr>
+                    </a:p>
+                  </a:txBody>
+                  <a:tcPr marL="7620" marR="7620" marT="7620" marB="0" anchor="b"/>
+                </a:tc>
+                <a:tc>
+                  <a:txBody>
+                    <a:bodyPr/>
+                    <a:lstStyle/>
+                    <a:p>
+                      <a:r>
+                        <a:rPr lang="de-DE" sz="1000" dirty="0"/>
+                        <a:t>13</a:t>
+                      </a:r>
+                    </a:p>
+                  </a:txBody>
+                  <a:tcPr/>
+                </a:tc>
+                <a:extLst>
+                  <a:ext uri="{0D108BD9-81ED-4DB2-BD59-A6C34878D82A}">
+                    <a16:rowId xmlns:a16="http://schemas.microsoft.com/office/drawing/2014/main" val="3760018317"/>
+                  </a:ext>
+                </a:extLst>
+              </a:tr>
+              <a:tr h="180000">
+                <a:tc>
+                  <a:txBody>
+                    <a:bodyPr/>
+                    <a:lstStyle/>
+                    <a:p>
+                      <a:pPr algn="l" fontAlgn="b"/>
+                      <a:r>
+                        <a:rPr lang="de-DE" sz="1000" u="none" strike="noStrike">
+                          <a:effectLst/>
+                        </a:rPr>
+                        <a:t>P7</a:t>
+                      </a:r>
+                      <a:endParaRPr lang="de-DE" sz="1000" b="0" i="0" u="none" strike="noStrike">
+                        <a:solidFill>
+                          <a:srgbClr val="000000"/>
+                        </a:solidFill>
+                        <a:effectLst/>
+                        <a:latin typeface="Calibri" panose="020F0502020204030204" pitchFamily="34" charset="0"/>
+                      </a:endParaRPr>
+                    </a:p>
+                  </a:txBody>
+                  <a:tcPr marL="7620" marR="7620" marT="7620" marB="0" anchor="b"/>
+                </a:tc>
+                <a:tc>
+                  <a:txBody>
+                    <a:bodyPr/>
+                    <a:lstStyle/>
+                    <a:p>
+                      <a:r>
+                        <a:rPr lang="de-DE" sz="1000" dirty="0"/>
+                        <a:t>14</a:t>
+                      </a:r>
+                    </a:p>
+                  </a:txBody>
+                  <a:tcPr/>
+                </a:tc>
+                <a:extLst>
+                  <a:ext uri="{0D108BD9-81ED-4DB2-BD59-A6C34878D82A}">
+                    <a16:rowId xmlns:a16="http://schemas.microsoft.com/office/drawing/2014/main" val="994391060"/>
+                  </a:ext>
+                </a:extLst>
+              </a:tr>
+              <a:tr h="180000">
+                <a:tc>
+                  <a:txBody>
+                    <a:bodyPr/>
+                    <a:lstStyle/>
+                    <a:p>
+                      <a:pPr algn="l" fontAlgn="b"/>
+                      <a:r>
+                        <a:rPr lang="de-DE" sz="1000" u="none" strike="noStrike">
+                          <a:effectLst/>
+                        </a:rPr>
+                        <a:t>P8</a:t>
+                      </a:r>
+                      <a:endParaRPr lang="de-DE" sz="1000" b="0" i="0" u="none" strike="noStrike">
+                        <a:solidFill>
+                          <a:srgbClr val="000000"/>
+                        </a:solidFill>
+                        <a:effectLst/>
+                        <a:latin typeface="Calibri" panose="020F0502020204030204" pitchFamily="34" charset="0"/>
+                      </a:endParaRPr>
+                    </a:p>
+                  </a:txBody>
+                  <a:tcPr marL="7620" marR="7620" marT="7620" marB="0" anchor="b"/>
+                </a:tc>
+                <a:tc>
+                  <a:txBody>
+                    <a:bodyPr/>
+                    <a:lstStyle/>
+                    <a:p>
+                      <a:r>
+                        <a:rPr lang="de-DE" sz="1000" dirty="0"/>
+                        <a:t>17</a:t>
+                      </a:r>
+                    </a:p>
+                  </a:txBody>
+                  <a:tcPr/>
+                </a:tc>
+                <a:extLst>
+                  <a:ext uri="{0D108BD9-81ED-4DB2-BD59-A6C34878D82A}">
+                    <a16:rowId xmlns:a16="http://schemas.microsoft.com/office/drawing/2014/main" val="2856202599"/>
+                  </a:ext>
+                </a:extLst>
+              </a:tr>
+              <a:tr h="180000">
+                <a:tc>
+                  <a:txBody>
+                    <a:bodyPr/>
+                    <a:lstStyle/>
+                    <a:p>
+                      <a:pPr algn="l" fontAlgn="b"/>
+                      <a:r>
+                        <a:rPr lang="de-DE" sz="1000" u="none" strike="noStrike">
+                          <a:effectLst/>
+                        </a:rPr>
+                        <a:t>P9</a:t>
+                      </a:r>
+                      <a:endParaRPr lang="de-DE" sz="1000" b="0" i="0" u="none" strike="noStrike">
+                        <a:solidFill>
+                          <a:srgbClr val="000000"/>
+                        </a:solidFill>
+                        <a:effectLst/>
+                        <a:latin typeface="Calibri" panose="020F0502020204030204" pitchFamily="34" charset="0"/>
+                      </a:endParaRPr>
+                    </a:p>
+                  </a:txBody>
+                  <a:tcPr marL="7620" marR="7620" marT="7620" marB="0" anchor="b"/>
+                </a:tc>
+                <a:tc>
+                  <a:txBody>
+                    <a:bodyPr/>
+                    <a:lstStyle/>
+                    <a:p>
+                      <a:r>
+                        <a:rPr lang="de-DE" sz="1000" dirty="0"/>
+                        <a:t>18</a:t>
+                      </a:r>
+                    </a:p>
+                  </a:txBody>
+                  <a:tcPr/>
+                </a:tc>
+                <a:extLst>
+                  <a:ext uri="{0D108BD9-81ED-4DB2-BD59-A6C34878D82A}">
+                    <a16:rowId xmlns:a16="http://schemas.microsoft.com/office/drawing/2014/main" val="3102006988"/>
+                  </a:ext>
+                </a:extLst>
+              </a:tr>
+              <a:tr h="180000">
+                <a:tc>
+                  <a:txBody>
+                    <a:bodyPr/>
+                    <a:lstStyle/>
+                    <a:p>
+                      <a:pPr algn="l" fontAlgn="b"/>
+                      <a:r>
+                        <a:rPr lang="de-DE" sz="1000" u="none" strike="noStrike">
+                          <a:effectLst/>
+                        </a:rPr>
+                        <a:t>P10</a:t>
+                      </a:r>
+                      <a:endParaRPr lang="de-DE" sz="1000" b="0" i="0" u="none" strike="noStrike">
+                        <a:solidFill>
+                          <a:srgbClr val="000000"/>
+                        </a:solidFill>
+                        <a:effectLst/>
+                        <a:latin typeface="Calibri" panose="020F0502020204030204" pitchFamily="34" charset="0"/>
+                      </a:endParaRPr>
+                    </a:p>
+                  </a:txBody>
+                  <a:tcPr marL="7620" marR="7620" marT="7620" marB="0" anchor="b"/>
+                </a:tc>
+                <a:tc>
+                  <a:txBody>
+                    <a:bodyPr/>
+                    <a:lstStyle/>
+                    <a:p>
+                      <a:r>
+                        <a:rPr lang="de-DE" sz="1000" dirty="0"/>
+                        <a:t>19</a:t>
+                      </a:r>
+                    </a:p>
+                  </a:txBody>
+                  <a:tcPr/>
+                </a:tc>
+                <a:extLst>
+                  <a:ext uri="{0D108BD9-81ED-4DB2-BD59-A6C34878D82A}">
+                    <a16:rowId xmlns:a16="http://schemas.microsoft.com/office/drawing/2014/main" val="2306867264"/>
+                  </a:ext>
+                </a:extLst>
+              </a:tr>
+              <a:tr h="180000">
+                <a:tc>
+                  <a:txBody>
+                    <a:bodyPr/>
+                    <a:lstStyle/>
+                    <a:p>
+                      <a:pPr algn="l" fontAlgn="b"/>
+                      <a:r>
+                        <a:rPr lang="de-DE" sz="1000" u="none" strike="noStrike">
+                          <a:effectLst/>
+                        </a:rPr>
+                        <a:t>P11</a:t>
+                      </a:r>
+                      <a:endParaRPr lang="de-DE" sz="1000" b="0" i="0" u="none" strike="noStrike">
+                        <a:solidFill>
+                          <a:srgbClr val="000000"/>
+                        </a:solidFill>
+                        <a:effectLst/>
+                        <a:latin typeface="Calibri" panose="020F0502020204030204" pitchFamily="34" charset="0"/>
+                      </a:endParaRPr>
+                    </a:p>
+                  </a:txBody>
+                  <a:tcPr marL="7620" marR="7620" marT="7620" marB="0" anchor="b"/>
+                </a:tc>
+                <a:tc>
+                  <a:txBody>
+                    <a:bodyPr/>
+                    <a:lstStyle/>
+                    <a:p>
+                      <a:r>
+                        <a:rPr lang="de-DE" sz="1000" dirty="0"/>
+                        <a:t>20</a:t>
+                      </a:r>
+                    </a:p>
+                  </a:txBody>
+                  <a:tcPr/>
+                </a:tc>
+                <a:extLst>
+                  <a:ext uri="{0D108BD9-81ED-4DB2-BD59-A6C34878D82A}">
+                    <a16:rowId xmlns:a16="http://schemas.microsoft.com/office/drawing/2014/main" val="522877056"/>
+                  </a:ext>
+                </a:extLst>
+              </a:tr>
+              <a:tr h="180000">
+                <a:tc>
+                  <a:txBody>
+                    <a:bodyPr/>
+                    <a:lstStyle/>
+                    <a:p>
+                      <a:pPr algn="l" fontAlgn="b"/>
+                      <a:r>
+                        <a:rPr lang="de-DE" sz="1000" u="none" strike="noStrike">
+                          <a:effectLst/>
+                        </a:rPr>
+                        <a:t>P12</a:t>
+                      </a:r>
+                      <a:endParaRPr lang="de-DE" sz="1000" b="0" i="0" u="none" strike="noStrike">
+                        <a:solidFill>
+                          <a:srgbClr val="000000"/>
+                        </a:solidFill>
+                        <a:effectLst/>
+                        <a:latin typeface="Calibri" panose="020F0502020204030204" pitchFamily="34" charset="0"/>
+                      </a:endParaRPr>
+                    </a:p>
+                  </a:txBody>
+                  <a:tcPr marL="7620" marR="7620" marT="7620" marB="0" anchor="b"/>
+                </a:tc>
+                <a:tc>
+                  <a:txBody>
+                    <a:bodyPr/>
+                    <a:lstStyle/>
+                    <a:p>
+                      <a:r>
+                        <a:rPr lang="de-DE" sz="1000" dirty="0"/>
+                        <a:t>21</a:t>
+                      </a:r>
+                    </a:p>
+                  </a:txBody>
+                  <a:tcPr/>
+                </a:tc>
+                <a:extLst>
+                  <a:ext uri="{0D108BD9-81ED-4DB2-BD59-A6C34878D82A}">
+                    <a16:rowId xmlns:a16="http://schemas.microsoft.com/office/drawing/2014/main" val="1434615662"/>
+                  </a:ext>
+                </a:extLst>
+              </a:tr>
+              <a:tr h="180000">
+                <a:tc>
+                  <a:txBody>
+                    <a:bodyPr/>
+                    <a:lstStyle/>
+                    <a:p>
+                      <a:pPr algn="l" fontAlgn="b"/>
+                      <a:r>
+                        <a:rPr lang="de-DE" sz="1000" u="none" strike="noStrike">
+                          <a:effectLst/>
+                        </a:rPr>
+                        <a:t>P13</a:t>
+                      </a:r>
+                      <a:endParaRPr lang="de-DE" sz="1000" b="0" i="0" u="none" strike="noStrike">
+                        <a:solidFill>
+                          <a:srgbClr val="000000"/>
+                        </a:solidFill>
+                        <a:effectLst/>
+                        <a:latin typeface="Calibri" panose="020F0502020204030204" pitchFamily="34" charset="0"/>
+                      </a:endParaRPr>
+                    </a:p>
+                  </a:txBody>
+                  <a:tcPr marL="7620" marR="7620" marT="7620" marB="0" anchor="b"/>
+                </a:tc>
+                <a:tc>
+                  <a:txBody>
+                    <a:bodyPr/>
+                    <a:lstStyle/>
+                    <a:p>
+                      <a:r>
+                        <a:rPr lang="de-DE" sz="1000" dirty="0"/>
+                        <a:t>22</a:t>
+                      </a:r>
+                    </a:p>
+                  </a:txBody>
+                  <a:tcPr/>
+                </a:tc>
+                <a:extLst>
+                  <a:ext uri="{0D108BD9-81ED-4DB2-BD59-A6C34878D82A}">
+                    <a16:rowId xmlns:a16="http://schemas.microsoft.com/office/drawing/2014/main" val="557139340"/>
+                  </a:ext>
+                </a:extLst>
+              </a:tr>
+              <a:tr h="180000">
+                <a:tc>
+                  <a:txBody>
+                    <a:bodyPr/>
+                    <a:lstStyle/>
+                    <a:p>
+                      <a:pPr algn="l" fontAlgn="b"/>
+                      <a:r>
+                        <a:rPr lang="de-DE" sz="1000" u="none" strike="noStrike">
+                          <a:effectLst/>
+                        </a:rPr>
+                        <a:t>P14</a:t>
+                      </a:r>
+                      <a:endParaRPr lang="de-DE" sz="1000" b="0" i="0" u="none" strike="noStrike">
+                        <a:solidFill>
+                          <a:srgbClr val="000000"/>
+                        </a:solidFill>
+                        <a:effectLst/>
+                        <a:latin typeface="Calibri" panose="020F0502020204030204" pitchFamily="34" charset="0"/>
+                      </a:endParaRPr>
+                    </a:p>
+                  </a:txBody>
+                  <a:tcPr marL="7620" marR="7620" marT="7620" marB="0" anchor="b"/>
+                </a:tc>
+                <a:tc>
+                  <a:txBody>
+                    <a:bodyPr/>
+                    <a:lstStyle/>
+                    <a:p>
+                      <a:r>
+                        <a:rPr lang="de-DE" sz="1000" dirty="0"/>
+                        <a:t>24</a:t>
+                      </a:r>
+                    </a:p>
+                  </a:txBody>
+                  <a:tcPr/>
+                </a:tc>
+                <a:extLst>
+                  <a:ext uri="{0D108BD9-81ED-4DB2-BD59-A6C34878D82A}">
+                    <a16:rowId xmlns:a16="http://schemas.microsoft.com/office/drawing/2014/main" val="1855355169"/>
+                  </a:ext>
+                </a:extLst>
+              </a:tr>
+              <a:tr h="180000">
+                <a:tc>
+                  <a:txBody>
+                    <a:bodyPr/>
+                    <a:lstStyle/>
+                    <a:p>
+                      <a:pPr algn="l" fontAlgn="b"/>
+                      <a:r>
+                        <a:rPr lang="de-DE" sz="1000" u="none" strike="noStrike">
+                          <a:effectLst/>
+                        </a:rPr>
+                        <a:t>P15</a:t>
+                      </a:r>
+                      <a:endParaRPr lang="de-DE" sz="1000" b="0" i="0" u="none" strike="noStrike">
+                        <a:solidFill>
+                          <a:srgbClr val="000000"/>
+                        </a:solidFill>
+                        <a:effectLst/>
+                        <a:latin typeface="Calibri" panose="020F0502020204030204" pitchFamily="34" charset="0"/>
+                      </a:endParaRPr>
+                    </a:p>
+                  </a:txBody>
+                  <a:tcPr marL="7620" marR="7620" marT="7620" marB="0" anchor="b"/>
+                </a:tc>
+                <a:tc>
+                  <a:txBody>
+                    <a:bodyPr/>
+                    <a:lstStyle/>
+                    <a:p>
+                      <a:r>
+                        <a:rPr lang="de-DE" sz="1000" dirty="0"/>
+                        <a:t>25</a:t>
+                      </a:r>
+                    </a:p>
+                  </a:txBody>
+                  <a:tcPr/>
+                </a:tc>
+                <a:extLst>
+                  <a:ext uri="{0D108BD9-81ED-4DB2-BD59-A6C34878D82A}">
+                    <a16:rowId xmlns:a16="http://schemas.microsoft.com/office/drawing/2014/main" val="1836365254"/>
+                  </a:ext>
+                </a:extLst>
+              </a:tr>
+              <a:tr h="180000">
+                <a:tc>
+                  <a:txBody>
+                    <a:bodyPr/>
+                    <a:lstStyle/>
+                    <a:p>
+                      <a:pPr algn="l" fontAlgn="b"/>
+                      <a:r>
+                        <a:rPr lang="de-DE" sz="1000" u="none" strike="noStrike">
+                          <a:effectLst/>
+                        </a:rPr>
+                        <a:t>P16</a:t>
+                      </a:r>
+                      <a:endParaRPr lang="de-DE" sz="1000" b="0" i="0" u="none" strike="noStrike">
+                        <a:solidFill>
+                          <a:srgbClr val="000000"/>
+                        </a:solidFill>
+                        <a:effectLst/>
+                        <a:latin typeface="Calibri" panose="020F0502020204030204" pitchFamily="34" charset="0"/>
+                      </a:endParaRPr>
+                    </a:p>
+                  </a:txBody>
+                  <a:tcPr marL="7620" marR="7620" marT="7620" marB="0" anchor="b"/>
+                </a:tc>
+                <a:tc>
+                  <a:txBody>
+                    <a:bodyPr/>
+                    <a:lstStyle/>
+                    <a:p>
+                      <a:r>
+                        <a:rPr lang="de-DE" sz="1000" dirty="0"/>
+                        <a:t>26</a:t>
+                      </a:r>
+                    </a:p>
+                  </a:txBody>
+                  <a:tcPr/>
+                </a:tc>
+                <a:extLst>
+                  <a:ext uri="{0D108BD9-81ED-4DB2-BD59-A6C34878D82A}">
+                    <a16:rowId xmlns:a16="http://schemas.microsoft.com/office/drawing/2014/main" val="2794397227"/>
+                  </a:ext>
+                </a:extLst>
+              </a:tr>
+              <a:tr h="180000">
+                <a:tc>
+                  <a:txBody>
+                    <a:bodyPr/>
+                    <a:lstStyle/>
+                    <a:p>
+                      <a:pPr algn="l" fontAlgn="b"/>
+                      <a:r>
+                        <a:rPr lang="de-DE" sz="1000" u="none" strike="noStrike">
+                          <a:effectLst/>
+                        </a:rPr>
+                        <a:t>P17</a:t>
+                      </a:r>
+                      <a:endParaRPr lang="de-DE" sz="1000" b="0" i="0" u="none" strike="noStrike">
+                        <a:solidFill>
+                          <a:srgbClr val="000000"/>
+                        </a:solidFill>
+                        <a:effectLst/>
+                        <a:latin typeface="Calibri" panose="020F0502020204030204" pitchFamily="34" charset="0"/>
+                      </a:endParaRPr>
+                    </a:p>
+                  </a:txBody>
+                  <a:tcPr marL="7620" marR="7620" marT="7620" marB="0" anchor="b"/>
+                </a:tc>
+                <a:tc>
+                  <a:txBody>
+                    <a:bodyPr/>
+                    <a:lstStyle/>
+                    <a:p>
+                      <a:r>
+                        <a:rPr lang="de-DE" sz="1000" dirty="0"/>
+                        <a:t>27</a:t>
+                      </a:r>
+                    </a:p>
+                  </a:txBody>
+                  <a:tcPr/>
+                </a:tc>
+                <a:extLst>
+                  <a:ext uri="{0D108BD9-81ED-4DB2-BD59-A6C34878D82A}">
+                    <a16:rowId xmlns:a16="http://schemas.microsoft.com/office/drawing/2014/main" val="1895521726"/>
+                  </a:ext>
+                </a:extLst>
+              </a:tr>
+              <a:tr h="180000">
+                <a:tc>
+                  <a:txBody>
+                    <a:bodyPr/>
+                    <a:lstStyle/>
+                    <a:p>
+                      <a:pPr algn="l" fontAlgn="b"/>
+                      <a:r>
+                        <a:rPr lang="de-DE" sz="1000" u="none" strike="noStrike">
+                          <a:effectLst/>
+                        </a:rPr>
+                        <a:t>P18</a:t>
+                      </a:r>
+                      <a:endParaRPr lang="de-DE" sz="1000" b="0" i="0" u="none" strike="noStrike">
+                        <a:solidFill>
+                          <a:srgbClr val="000000"/>
+                        </a:solidFill>
+                        <a:effectLst/>
+                        <a:latin typeface="Calibri" panose="020F0502020204030204" pitchFamily="34" charset="0"/>
+                      </a:endParaRPr>
+                    </a:p>
+                  </a:txBody>
+                  <a:tcPr marL="7620" marR="7620" marT="7620" marB="0" anchor="b"/>
+                </a:tc>
+                <a:tc>
+                  <a:txBody>
+                    <a:bodyPr/>
+                    <a:lstStyle/>
+                    <a:p>
+                      <a:r>
+                        <a:rPr lang="de-DE" sz="1000" dirty="0"/>
+                        <a:t>28</a:t>
+                      </a:r>
+                    </a:p>
+                  </a:txBody>
+                  <a:tcPr/>
+                </a:tc>
+                <a:extLst>
+                  <a:ext uri="{0D108BD9-81ED-4DB2-BD59-A6C34878D82A}">
+                    <a16:rowId xmlns:a16="http://schemas.microsoft.com/office/drawing/2014/main" val="501268314"/>
+                  </a:ext>
+                </a:extLst>
+              </a:tr>
+              <a:tr h="180000">
+                <a:tc>
+                  <a:txBody>
+                    <a:bodyPr/>
+                    <a:lstStyle/>
+                    <a:p>
+                      <a:pPr algn="l" fontAlgn="b"/>
+                      <a:r>
+                        <a:rPr lang="de-DE" sz="1000" u="none" strike="noStrike" dirty="0">
+                          <a:effectLst/>
+                        </a:rPr>
+                        <a:t>P19</a:t>
+                      </a:r>
+                      <a:endParaRPr lang="de-DE" sz="1000" b="0" i="0" u="none" strike="noStrike" dirty="0">
+                        <a:solidFill>
+                          <a:srgbClr val="000000"/>
+                        </a:solidFill>
+                        <a:effectLst/>
+                        <a:latin typeface="Calibri" panose="020F0502020204030204" pitchFamily="34" charset="0"/>
+                      </a:endParaRPr>
+                    </a:p>
+                  </a:txBody>
+                  <a:tcPr marL="7620" marR="7620" marT="7620" marB="0" anchor="b"/>
+                </a:tc>
+                <a:tc>
+                  <a:txBody>
+                    <a:bodyPr/>
+                    <a:lstStyle/>
+                    <a:p>
+                      <a:r>
+                        <a:rPr lang="de-DE" sz="1000" dirty="0"/>
+                        <a:t>29</a:t>
+                      </a:r>
+                    </a:p>
+                  </a:txBody>
+                  <a:tcPr/>
+                </a:tc>
+                <a:extLst>
+                  <a:ext uri="{0D108BD9-81ED-4DB2-BD59-A6C34878D82A}">
+                    <a16:rowId xmlns:a16="http://schemas.microsoft.com/office/drawing/2014/main" val="976129848"/>
+                  </a:ext>
+                </a:extLst>
+              </a:tr>
+            </a:tbl>
+          </a:graphicData>
+        </a:graphic>
+      </p:graphicFrame>
+      <p:sp>
+        <p:nvSpPr>
+          <p:cNvPr id="8" name="Textfeld 7">
+            <a:extLst>
+              <a:ext uri="{FF2B5EF4-FFF2-40B4-BE49-F238E27FC236}">
+                <a16:creationId xmlns:a16="http://schemas.microsoft.com/office/drawing/2014/main" id="{30EBF1C6-8534-41DE-B6F4-DF05D42FC137}"/>
+              </a:ext>
+            </a:extLst>
+          </p:cNvPr>
+          <p:cNvSpPr txBox="1"/>
+          <p:nvPr/>
+        </p:nvSpPr>
+        <p:spPr>
+          <a:xfrm>
+            <a:off x="10568733" y="843240"/>
+            <a:ext cx="1209049" cy="369332"/>
+          </a:xfrm>
+          <a:prstGeom prst="rect">
+            <a:avLst/>
+          </a:prstGeom>
+          <a:noFill/>
+        </p:spPr>
+        <p:txBody>
+          <a:bodyPr wrap="none" rtlCol="0">
+            <a:spAutoFit/>
+          </a:bodyPr>
+          <a:lstStyle/>
+          <a:p>
+            <a:r>
+              <a:rPr lang="de-DE" dirty="0"/>
+              <a:t>Zuordnung</a:t>
+            </a:r>
+          </a:p>
+        </p:txBody>
+      </p:sp>
+    </p:spTree>
+    <p:extLst>
+      <p:ext uri="{BB962C8B-B14F-4D97-AF65-F5344CB8AC3E}">
+        <p14:creationId xmlns:p14="http://schemas.microsoft.com/office/powerpoint/2010/main" val="1388193661"/>
       </p:ext>
     </p:extLst>
   </p:cSld>

--- a/Matthias/02-Patients3MBq/Was_wird_wie_getestet.pptx
+++ b/Matthias/02-Patients3MBq/Was_wird_wie_getestet.pptx
@@ -6,7 +6,8 @@
   </p:sldMasterIdLst>
   <p:sldIdLst>
     <p:sldId id="256" r:id="rId2"/>
-    <p:sldId id="257" r:id="rId3"/>
+    <p:sldId id="259" r:id="rId3"/>
+    <p:sldId id="257" r:id="rId4"/>
   </p:sldIdLst>
   <p:sldSz cx="12192000" cy="6858000"/>
   <p:notesSz cx="6858000" cy="9144000"/>
@@ -260,7 +261,7 @@
           <a:p>
             <a:fld id="{6E20447D-E185-4F8E-8A5E-B1C6AF407A2E}" type="datetimeFigureOut">
               <a:rPr lang="de-DE" smtClean="0"/>
-              <a:t>24.03.2018</a:t>
+              <a:t>27.03.2018</a:t>
             </a:fld>
             <a:endParaRPr lang="de-DE"/>
           </a:p>
@@ -458,7 +459,7 @@
           <a:p>
             <a:fld id="{6E20447D-E185-4F8E-8A5E-B1C6AF407A2E}" type="datetimeFigureOut">
               <a:rPr lang="de-DE" smtClean="0"/>
-              <a:t>24.03.2018</a:t>
+              <a:t>27.03.2018</a:t>
             </a:fld>
             <a:endParaRPr lang="de-DE"/>
           </a:p>
@@ -666,7 +667,7 @@
           <a:p>
             <a:fld id="{6E20447D-E185-4F8E-8A5E-B1C6AF407A2E}" type="datetimeFigureOut">
               <a:rPr lang="de-DE" smtClean="0"/>
-              <a:t>24.03.2018</a:t>
+              <a:t>27.03.2018</a:t>
             </a:fld>
             <a:endParaRPr lang="de-DE"/>
           </a:p>
@@ -864,7 +865,7 @@
           <a:p>
             <a:fld id="{6E20447D-E185-4F8E-8A5E-B1C6AF407A2E}" type="datetimeFigureOut">
               <a:rPr lang="de-DE" smtClean="0"/>
-              <a:t>24.03.2018</a:t>
+              <a:t>27.03.2018</a:t>
             </a:fld>
             <a:endParaRPr lang="de-DE"/>
           </a:p>
@@ -1139,7 +1140,7 @@
           <a:p>
             <a:fld id="{6E20447D-E185-4F8E-8A5E-B1C6AF407A2E}" type="datetimeFigureOut">
               <a:rPr lang="de-DE" smtClean="0"/>
-              <a:t>24.03.2018</a:t>
+              <a:t>27.03.2018</a:t>
             </a:fld>
             <a:endParaRPr lang="de-DE"/>
           </a:p>
@@ -1404,7 +1405,7 @@
           <a:p>
             <a:fld id="{6E20447D-E185-4F8E-8A5E-B1C6AF407A2E}" type="datetimeFigureOut">
               <a:rPr lang="de-DE" smtClean="0"/>
-              <a:t>24.03.2018</a:t>
+              <a:t>27.03.2018</a:t>
             </a:fld>
             <a:endParaRPr lang="de-DE"/>
           </a:p>
@@ -1816,7 +1817,7 @@
           <a:p>
             <a:fld id="{6E20447D-E185-4F8E-8A5E-B1C6AF407A2E}" type="datetimeFigureOut">
               <a:rPr lang="de-DE" smtClean="0"/>
-              <a:t>24.03.2018</a:t>
+              <a:t>27.03.2018</a:t>
             </a:fld>
             <a:endParaRPr lang="de-DE"/>
           </a:p>
@@ -1957,7 +1958,7 @@
           <a:p>
             <a:fld id="{6E20447D-E185-4F8E-8A5E-B1C6AF407A2E}" type="datetimeFigureOut">
               <a:rPr lang="de-DE" smtClean="0"/>
-              <a:t>24.03.2018</a:t>
+              <a:t>27.03.2018</a:t>
             </a:fld>
             <a:endParaRPr lang="de-DE"/>
           </a:p>
@@ -2070,7 +2071,7 @@
           <a:p>
             <a:fld id="{6E20447D-E185-4F8E-8A5E-B1C6AF407A2E}" type="datetimeFigureOut">
               <a:rPr lang="de-DE" smtClean="0"/>
-              <a:t>24.03.2018</a:t>
+              <a:t>27.03.2018</a:t>
             </a:fld>
             <a:endParaRPr lang="de-DE"/>
           </a:p>
@@ -2381,7 +2382,7 @@
           <a:p>
             <a:fld id="{6E20447D-E185-4F8E-8A5E-B1C6AF407A2E}" type="datetimeFigureOut">
               <a:rPr lang="de-DE" smtClean="0"/>
-              <a:t>24.03.2018</a:t>
+              <a:t>27.03.2018</a:t>
             </a:fld>
             <a:endParaRPr lang="de-DE"/>
           </a:p>
@@ -2669,7 +2670,7 @@
           <a:p>
             <a:fld id="{6E20447D-E185-4F8E-8A5E-B1C6AF407A2E}" type="datetimeFigureOut">
               <a:rPr lang="de-DE" smtClean="0"/>
-              <a:t>24.03.2018</a:t>
+              <a:t>27.03.2018</a:t>
             </a:fld>
             <a:endParaRPr lang="de-DE"/>
           </a:p>
@@ -2910,7 +2911,7 @@
           <a:p>
             <a:fld id="{6E20447D-E185-4F8E-8A5E-B1C6AF407A2E}" type="datetimeFigureOut">
               <a:rPr lang="de-DE" smtClean="0"/>
-              <a:t>24.03.2018</a:t>
+              <a:t>27.03.2018</a:t>
             </a:fld>
             <a:endParaRPr lang="de-DE"/>
           </a:p>
@@ -8189,51 +8190,6 @@
           </a:p>
         </p:txBody>
       </p:sp>
-      <p:sp>
-        <p:nvSpPr>
-          <p:cNvPr id="6" name="Rechteck 5">
-            <a:extLst>
-              <a:ext uri="{FF2B5EF4-FFF2-40B4-BE49-F238E27FC236}">
-                <a16:creationId xmlns:a16="http://schemas.microsoft.com/office/drawing/2014/main" id="{E040E579-496A-4289-B991-B1809733A00F}"/>
-              </a:ext>
-            </a:extLst>
-          </p:cNvPr>
-          <p:cNvSpPr/>
-          <p:nvPr/>
-        </p:nvSpPr>
-        <p:spPr>
-          <a:xfrm>
-            <a:off x="4280439" y="3244334"/>
-            <a:ext cx="3631122" cy="369332"/>
-          </a:xfrm>
-          <a:prstGeom prst="rect">
-            <a:avLst/>
-          </a:prstGeom>
-        </p:spPr>
-        <p:txBody>
-          <a:bodyPr wrap="none">
-            <a:spAutoFit/>
-          </a:bodyPr>
-          <a:lstStyle/>
-          <a:p>
-            <a:r>
-              <a:rPr lang="en-US" dirty="0" err="1">
-                <a:solidFill>
-                  <a:srgbClr val="000000"/>
-                </a:solidFill>
-                <a:latin typeface="Courier New" panose="02070309020205020404" pitchFamily="49" charset="0"/>
-              </a:rPr>
-              <a:t>all_sizes_in_one_variable</a:t>
-            </a:r>
-            <a:endParaRPr lang="en-US" dirty="0">
-              <a:solidFill>
-                <a:srgbClr val="000000"/>
-              </a:solidFill>
-              <a:latin typeface="Courier New" panose="02070309020205020404" pitchFamily="49" charset="0"/>
-            </a:endParaRPr>
-          </a:p>
-        </p:txBody>
-      </p:sp>
     </p:spTree>
     <p:extLst>
       <p:ext uri="{BB962C8B-B14F-4D97-AF65-F5344CB8AC3E}">
@@ -8248,6 +8204,2495 @@
 </file>
 
 <file path=ppt/slides/slide2.xml><?xml version="1.0" encoding="utf-8"?>
+<p:sld xmlns:a="http://schemas.openxmlformats.org/drawingml/2006/main" xmlns:r="http://schemas.openxmlformats.org/officeDocument/2006/relationships" xmlns:p="http://schemas.openxmlformats.org/presentationml/2006/main">
+  <p:cSld>
+    <p:spTree>
+      <p:nvGrpSpPr>
+        <p:cNvPr id="1" name=""/>
+        <p:cNvGrpSpPr/>
+        <p:nvPr/>
+      </p:nvGrpSpPr>
+      <p:grpSpPr>
+        <a:xfrm>
+          <a:off x="0" y="0"/>
+          <a:ext cx="0" cy="0"/>
+          <a:chOff x="0" y="0"/>
+          <a:chExt cx="0" cy="0"/>
+        </a:xfrm>
+      </p:grpSpPr>
+      <p:grpSp>
+        <p:nvGrpSpPr>
+          <p:cNvPr id="3" name="Gruppieren 2">
+            <a:extLst>
+              <a:ext uri="{FF2B5EF4-FFF2-40B4-BE49-F238E27FC236}">
+                <a16:creationId xmlns:a16="http://schemas.microsoft.com/office/drawing/2014/main" id="{1CB3A14A-7062-473D-BFB2-056059B9F9C7}"/>
+              </a:ext>
+            </a:extLst>
+          </p:cNvPr>
+          <p:cNvGrpSpPr/>
+          <p:nvPr/>
+        </p:nvGrpSpPr>
+        <p:grpSpPr>
+          <a:xfrm>
+            <a:off x="2393589" y="1212211"/>
+            <a:ext cx="9627877" cy="4030908"/>
+            <a:chOff x="1258349" y="843093"/>
+            <a:chExt cx="9627877" cy="4030908"/>
+          </a:xfrm>
+        </p:grpSpPr>
+        <p:sp>
+          <p:nvSpPr>
+            <p:cNvPr id="7" name="Rechteck 6">
+              <a:extLst>
+                <a:ext uri="{FF2B5EF4-FFF2-40B4-BE49-F238E27FC236}">
+                  <a16:creationId xmlns:a16="http://schemas.microsoft.com/office/drawing/2014/main" id="{1D9A9778-E9DA-4A02-8B6C-8C5B434A67D5}"/>
+                </a:ext>
+              </a:extLst>
+            </p:cNvPr>
+            <p:cNvSpPr/>
+            <p:nvPr/>
+          </p:nvSpPr>
+          <p:spPr>
+            <a:xfrm>
+              <a:off x="6241409" y="2371986"/>
+              <a:ext cx="2153287" cy="673400"/>
+            </a:xfrm>
+            <a:prstGeom prst="rect">
+              <a:avLst/>
+            </a:prstGeom>
+          </p:spPr>
+          <p:style>
+            <a:lnRef idx="2">
+              <a:schemeClr val="accent1">
+                <a:shade val="50000"/>
+              </a:schemeClr>
+            </a:lnRef>
+            <a:fillRef idx="1">
+              <a:schemeClr val="accent1"/>
+            </a:fillRef>
+            <a:effectRef idx="0">
+              <a:schemeClr val="accent1"/>
+            </a:effectRef>
+            <a:fontRef idx="minor">
+              <a:schemeClr val="lt1"/>
+            </a:fontRef>
+          </p:style>
+          <p:txBody>
+            <a:bodyPr rtlCol="0" anchor="ctr"/>
+            <a:lstStyle/>
+            <a:p>
+              <a:pPr lvl="0" algn="ctr"/>
+              <a:r>
+                <a:rPr lang="de-DE" sz="1500" dirty="0">
+                  <a:solidFill>
+                    <a:prstClr val="white"/>
+                  </a:solidFill>
+                </a:rPr>
+                <a:t>… 16 weitere Patienten …</a:t>
+              </a:r>
+            </a:p>
+          </p:txBody>
+        </p:sp>
+        <p:grpSp>
+          <p:nvGrpSpPr>
+            <p:cNvPr id="23" name="Gruppieren 22">
+              <a:extLst>
+                <a:ext uri="{FF2B5EF4-FFF2-40B4-BE49-F238E27FC236}">
+                  <a16:creationId xmlns:a16="http://schemas.microsoft.com/office/drawing/2014/main" id="{F970D5B1-E3F8-4C18-AD01-9227F934D6D9}"/>
+                </a:ext>
+              </a:extLst>
+            </p:cNvPr>
+            <p:cNvGrpSpPr/>
+            <p:nvPr/>
+          </p:nvGrpSpPr>
+          <p:grpSpPr>
+            <a:xfrm>
+              <a:off x="1258349" y="843093"/>
+              <a:ext cx="2080470" cy="4030908"/>
+              <a:chOff x="1224793" y="956345"/>
+              <a:chExt cx="1677798" cy="3565321"/>
+            </a:xfrm>
+          </p:grpSpPr>
+          <p:sp>
+            <p:nvSpPr>
+              <p:cNvPr id="4" name="Rechteck: abgerundete Ecken 3">
+                <a:extLst>
+                  <a:ext uri="{FF2B5EF4-FFF2-40B4-BE49-F238E27FC236}">
+                    <a16:creationId xmlns:a16="http://schemas.microsoft.com/office/drawing/2014/main" id="{8FAFE8AC-7C85-4D62-B131-0DBEA0D03875}"/>
+                  </a:ext>
+                </a:extLst>
+              </p:cNvPr>
+              <p:cNvSpPr/>
+              <p:nvPr/>
+            </p:nvSpPr>
+            <p:spPr>
+              <a:xfrm>
+                <a:off x="1224793" y="956345"/>
+                <a:ext cx="1677798" cy="3565321"/>
+              </a:xfrm>
+              <a:prstGeom prst="roundRect">
+                <a:avLst/>
+              </a:prstGeom>
+            </p:spPr>
+            <p:style>
+              <a:lnRef idx="2">
+                <a:schemeClr val="accent1">
+                  <a:shade val="50000"/>
+                </a:schemeClr>
+              </a:lnRef>
+              <a:fillRef idx="1">
+                <a:schemeClr val="accent1"/>
+              </a:fillRef>
+              <a:effectRef idx="0">
+                <a:schemeClr val="accent1"/>
+              </a:effectRef>
+              <a:fontRef idx="minor">
+                <a:schemeClr val="lt1"/>
+              </a:fontRef>
+            </p:style>
+            <p:txBody>
+              <a:bodyPr rtlCol="0" anchor="t"/>
+              <a:lstStyle/>
+              <a:p>
+                <a:pPr algn="ctr"/>
+                <a:r>
+                  <a:rPr lang="de-DE" dirty="0"/>
+                  <a:t>Patient 01 – ROI 1</a:t>
+                </a:r>
+              </a:p>
+            </p:txBody>
+          </p:sp>
+          <p:sp>
+            <p:nvSpPr>
+              <p:cNvPr id="9" name="Rechteck: abgerundete Ecken 8">
+                <a:extLst>
+                  <a:ext uri="{FF2B5EF4-FFF2-40B4-BE49-F238E27FC236}">
+                    <a16:creationId xmlns:a16="http://schemas.microsoft.com/office/drawing/2014/main" id="{FE7B439F-E1A2-4C5E-86E5-59709FFADE9E}"/>
+                  </a:ext>
+                </a:extLst>
+              </p:cNvPr>
+              <p:cNvSpPr/>
+              <p:nvPr/>
+            </p:nvSpPr>
+            <p:spPr>
+              <a:xfrm>
+                <a:off x="1368452" y="2543961"/>
+                <a:ext cx="1390477" cy="478173"/>
+              </a:xfrm>
+              <a:prstGeom prst="roundRect">
+                <a:avLst/>
+              </a:prstGeom>
+            </p:spPr>
+            <p:style>
+              <a:lnRef idx="2">
+                <a:schemeClr val="accent5">
+                  <a:shade val="50000"/>
+                </a:schemeClr>
+              </a:lnRef>
+              <a:fillRef idx="1">
+                <a:schemeClr val="accent5"/>
+              </a:fillRef>
+              <a:effectRef idx="0">
+                <a:schemeClr val="accent5"/>
+              </a:effectRef>
+              <a:fontRef idx="minor">
+                <a:schemeClr val="lt1"/>
+              </a:fontRef>
+            </p:style>
+            <p:txBody>
+              <a:bodyPr rtlCol="0" anchor="ctr"/>
+              <a:lstStyle/>
+              <a:p>
+                <a:pPr lvl="0" algn="ctr"/>
+                <a:r>
+                  <a:rPr lang="de-DE" sz="1200" dirty="0">
+                    <a:solidFill>
+                      <a:prstClr val="white"/>
+                    </a:solidFill>
+                  </a:rPr>
+                  <a:t>… 11 weitere Dosen …</a:t>
+                </a:r>
+              </a:p>
+            </p:txBody>
+          </p:sp>
+          <p:grpSp>
+            <p:nvGrpSpPr>
+              <p:cNvPr id="16" name="Gruppieren 15">
+                <a:extLst>
+                  <a:ext uri="{FF2B5EF4-FFF2-40B4-BE49-F238E27FC236}">
+                    <a16:creationId xmlns:a16="http://schemas.microsoft.com/office/drawing/2014/main" id="{468D5136-5AC5-4D60-8DBD-F20F91E28059}"/>
+                  </a:ext>
+                </a:extLst>
+              </p:cNvPr>
+              <p:cNvGrpSpPr/>
+              <p:nvPr/>
+            </p:nvGrpSpPr>
+            <p:grpSpPr>
+              <a:xfrm>
+                <a:off x="1368453" y="1421932"/>
+                <a:ext cx="1390477" cy="1044431"/>
+                <a:chOff x="1368453" y="1421932"/>
+                <a:chExt cx="1390477" cy="1044431"/>
+              </a:xfrm>
+            </p:grpSpPr>
+            <p:sp>
+              <p:nvSpPr>
+                <p:cNvPr id="8" name="Rechteck: abgerundete Ecken 7">
+                  <a:extLst>
+                    <a:ext uri="{FF2B5EF4-FFF2-40B4-BE49-F238E27FC236}">
+                      <a16:creationId xmlns:a16="http://schemas.microsoft.com/office/drawing/2014/main" id="{C90409C3-8D0C-4E89-BAF7-2BAF6920D654}"/>
+                    </a:ext>
+                  </a:extLst>
+                </p:cNvPr>
+                <p:cNvSpPr/>
+                <p:nvPr/>
+              </p:nvSpPr>
+              <p:spPr>
+                <a:xfrm>
+                  <a:off x="1368453" y="1421932"/>
+                  <a:ext cx="1390477" cy="1044431"/>
+                </a:xfrm>
+                <a:prstGeom prst="roundRect">
+                  <a:avLst/>
+                </a:prstGeom>
+              </p:spPr>
+              <p:style>
+                <a:lnRef idx="2">
+                  <a:schemeClr val="accent5">
+                    <a:shade val="50000"/>
+                  </a:schemeClr>
+                </a:lnRef>
+                <a:fillRef idx="1">
+                  <a:schemeClr val="accent5"/>
+                </a:fillRef>
+                <a:effectRef idx="0">
+                  <a:schemeClr val="accent5"/>
+                </a:effectRef>
+                <a:fontRef idx="minor">
+                  <a:schemeClr val="lt1"/>
+                </a:fontRef>
+              </p:style>
+              <p:txBody>
+                <a:bodyPr rtlCol="0" anchor="t"/>
+                <a:lstStyle/>
+                <a:p>
+                  <a:pPr algn="ctr"/>
+                  <a:r>
+                    <a:rPr lang="de-DE" sz="1000" dirty="0"/>
+                    <a:t>Dose 3.5</a:t>
+                  </a:r>
+                </a:p>
+              </p:txBody>
+            </p:sp>
+            <p:sp>
+              <p:nvSpPr>
+                <p:cNvPr id="12" name="Rechteck: abgerundete Ecken 11">
+                  <a:extLst>
+                    <a:ext uri="{FF2B5EF4-FFF2-40B4-BE49-F238E27FC236}">
+                      <a16:creationId xmlns:a16="http://schemas.microsoft.com/office/drawing/2014/main" id="{53C8FB86-682D-4453-87A0-40E8AD09B900}"/>
+                    </a:ext>
+                  </a:extLst>
+                </p:cNvPr>
+                <p:cNvSpPr/>
+                <p:nvPr/>
+              </p:nvSpPr>
+              <p:spPr>
+                <a:xfrm>
+                  <a:off x="1440281" y="1684089"/>
+                  <a:ext cx="547909" cy="260060"/>
+                </a:xfrm>
+                <a:prstGeom prst="roundRect">
+                  <a:avLst/>
+                </a:prstGeom>
+              </p:spPr>
+              <p:style>
+                <a:lnRef idx="2">
+                  <a:schemeClr val="accent4">
+                    <a:shade val="50000"/>
+                  </a:schemeClr>
+                </a:lnRef>
+                <a:fillRef idx="1">
+                  <a:schemeClr val="accent4"/>
+                </a:fillRef>
+                <a:effectRef idx="0">
+                  <a:schemeClr val="accent4"/>
+                </a:effectRef>
+                <a:fontRef idx="minor">
+                  <a:schemeClr val="lt1"/>
+                </a:fontRef>
+              </p:style>
+              <p:txBody>
+                <a:bodyPr rtlCol="0" anchor="ctr"/>
+                <a:lstStyle/>
+                <a:p>
+                  <a:pPr algn="ctr"/>
+                  <a:r>
+                    <a:rPr lang="de-DE" sz="1200" dirty="0">
+                      <a:solidFill>
+                        <a:schemeClr val="tx1"/>
+                      </a:solidFill>
+                    </a:rPr>
+                    <a:t>TF1</a:t>
+                  </a:r>
+                  <a:endParaRPr lang="de-DE" dirty="0">
+                    <a:solidFill>
+                      <a:schemeClr val="tx1"/>
+                    </a:solidFill>
+                  </a:endParaRPr>
+                </a:p>
+              </p:txBody>
+            </p:sp>
+            <p:sp>
+              <p:nvSpPr>
+                <p:cNvPr id="13" name="Rechteck: abgerundete Ecken 12">
+                  <a:extLst>
+                    <a:ext uri="{FF2B5EF4-FFF2-40B4-BE49-F238E27FC236}">
+                      <a16:creationId xmlns:a16="http://schemas.microsoft.com/office/drawing/2014/main" id="{01621A6F-615C-4B7E-B765-EFB03E5AD4A0}"/>
+                    </a:ext>
+                  </a:extLst>
+                </p:cNvPr>
+                <p:cNvSpPr/>
+                <p:nvPr/>
+              </p:nvSpPr>
+              <p:spPr>
+                <a:xfrm>
+                  <a:off x="2060017" y="1684089"/>
+                  <a:ext cx="547909" cy="260060"/>
+                </a:xfrm>
+                <a:prstGeom prst="roundRect">
+                  <a:avLst/>
+                </a:prstGeom>
+              </p:spPr>
+              <p:style>
+                <a:lnRef idx="2">
+                  <a:schemeClr val="accent4">
+                    <a:shade val="50000"/>
+                  </a:schemeClr>
+                </a:lnRef>
+                <a:fillRef idx="1">
+                  <a:schemeClr val="accent4"/>
+                </a:fillRef>
+                <a:effectRef idx="0">
+                  <a:schemeClr val="accent4"/>
+                </a:effectRef>
+                <a:fontRef idx="minor">
+                  <a:schemeClr val="lt1"/>
+                </a:fontRef>
+              </p:style>
+              <p:txBody>
+                <a:bodyPr rtlCol="0" anchor="ctr"/>
+                <a:lstStyle/>
+                <a:p>
+                  <a:pPr algn="ctr"/>
+                  <a:r>
+                    <a:rPr lang="de-DE" sz="1200" dirty="0">
+                      <a:solidFill>
+                        <a:schemeClr val="tx1"/>
+                      </a:solidFill>
+                    </a:rPr>
+                    <a:t>TF2</a:t>
+                  </a:r>
+                  <a:endParaRPr lang="de-DE" dirty="0">
+                    <a:solidFill>
+                      <a:schemeClr val="tx1"/>
+                    </a:solidFill>
+                  </a:endParaRPr>
+                </a:p>
+              </p:txBody>
+            </p:sp>
+            <p:sp>
+              <p:nvSpPr>
+                <p:cNvPr id="14" name="Rechteck: abgerundete Ecken 13">
+                  <a:extLst>
+                    <a:ext uri="{FF2B5EF4-FFF2-40B4-BE49-F238E27FC236}">
+                      <a16:creationId xmlns:a16="http://schemas.microsoft.com/office/drawing/2014/main" id="{EB6480CD-C7A6-4278-B561-953779DE0843}"/>
+                    </a:ext>
+                  </a:extLst>
+                </p:cNvPr>
+                <p:cNvSpPr/>
+                <p:nvPr/>
+              </p:nvSpPr>
+              <p:spPr>
+                <a:xfrm>
+                  <a:off x="1440281" y="2033280"/>
+                  <a:ext cx="547909" cy="260060"/>
+                </a:xfrm>
+                <a:prstGeom prst="roundRect">
+                  <a:avLst/>
+                </a:prstGeom>
+              </p:spPr>
+              <p:style>
+                <a:lnRef idx="2">
+                  <a:schemeClr val="accent4">
+                    <a:shade val="50000"/>
+                  </a:schemeClr>
+                </a:lnRef>
+                <a:fillRef idx="1">
+                  <a:schemeClr val="accent4"/>
+                </a:fillRef>
+                <a:effectRef idx="0">
+                  <a:schemeClr val="accent4"/>
+                </a:effectRef>
+                <a:fontRef idx="minor">
+                  <a:schemeClr val="lt1"/>
+                </a:fontRef>
+              </p:style>
+              <p:txBody>
+                <a:bodyPr rtlCol="0" anchor="ctr"/>
+                <a:lstStyle/>
+                <a:p>
+                  <a:pPr algn="ctr"/>
+                  <a:r>
+                    <a:rPr lang="de-DE" sz="1200" dirty="0">
+                      <a:solidFill>
+                        <a:schemeClr val="tx1"/>
+                      </a:solidFill>
+                    </a:rPr>
+                    <a:t>…</a:t>
+                  </a:r>
+                  <a:endParaRPr lang="de-DE" dirty="0">
+                    <a:solidFill>
+                      <a:schemeClr val="tx1"/>
+                    </a:solidFill>
+                  </a:endParaRPr>
+                </a:p>
+              </p:txBody>
+            </p:sp>
+            <p:sp>
+              <p:nvSpPr>
+                <p:cNvPr id="15" name="Rechteck: abgerundete Ecken 14">
+                  <a:extLst>
+                    <a:ext uri="{FF2B5EF4-FFF2-40B4-BE49-F238E27FC236}">
+                      <a16:creationId xmlns:a16="http://schemas.microsoft.com/office/drawing/2014/main" id="{5B07FBAE-40C5-4675-B251-9FE21340A298}"/>
+                    </a:ext>
+                  </a:extLst>
+                </p:cNvPr>
+                <p:cNvSpPr/>
+                <p:nvPr/>
+              </p:nvSpPr>
+              <p:spPr>
+                <a:xfrm>
+                  <a:off x="2060017" y="2036426"/>
+                  <a:ext cx="547909" cy="260060"/>
+                </a:xfrm>
+                <a:prstGeom prst="roundRect">
+                  <a:avLst/>
+                </a:prstGeom>
+              </p:spPr>
+              <p:style>
+                <a:lnRef idx="2">
+                  <a:schemeClr val="accent4">
+                    <a:shade val="50000"/>
+                  </a:schemeClr>
+                </a:lnRef>
+                <a:fillRef idx="1">
+                  <a:schemeClr val="accent4"/>
+                </a:fillRef>
+                <a:effectRef idx="0">
+                  <a:schemeClr val="accent4"/>
+                </a:effectRef>
+                <a:fontRef idx="minor">
+                  <a:schemeClr val="lt1"/>
+                </a:fontRef>
+              </p:style>
+              <p:txBody>
+                <a:bodyPr rtlCol="0" anchor="ctr"/>
+                <a:lstStyle/>
+                <a:p>
+                  <a:pPr algn="ctr"/>
+                  <a:r>
+                    <a:rPr lang="de-DE" sz="1200" dirty="0">
+                      <a:solidFill>
+                        <a:schemeClr val="tx1"/>
+                      </a:solidFill>
+                    </a:rPr>
+                    <a:t>TF42</a:t>
+                  </a:r>
+                  <a:endParaRPr lang="de-DE" dirty="0">
+                    <a:solidFill>
+                      <a:schemeClr val="tx1"/>
+                    </a:solidFill>
+                  </a:endParaRPr>
+                </a:p>
+              </p:txBody>
+            </p:sp>
+          </p:grpSp>
+          <p:grpSp>
+            <p:nvGrpSpPr>
+              <p:cNvPr id="17" name="Gruppieren 16">
+                <a:extLst>
+                  <a:ext uri="{FF2B5EF4-FFF2-40B4-BE49-F238E27FC236}">
+                    <a16:creationId xmlns:a16="http://schemas.microsoft.com/office/drawing/2014/main" id="{2FD86F3D-6D9D-4959-9F3F-C25DD16E508C}"/>
+                  </a:ext>
+                </a:extLst>
+              </p:cNvPr>
+              <p:cNvGrpSpPr/>
+              <p:nvPr/>
+            </p:nvGrpSpPr>
+            <p:grpSpPr>
+              <a:xfrm>
+                <a:off x="1364778" y="3099732"/>
+                <a:ext cx="1390477" cy="1044431"/>
+                <a:chOff x="1368453" y="1421932"/>
+                <a:chExt cx="1390477" cy="1044431"/>
+              </a:xfrm>
+            </p:grpSpPr>
+            <p:sp>
+              <p:nvSpPr>
+                <p:cNvPr id="18" name="Rechteck: abgerundete Ecken 17">
+                  <a:extLst>
+                    <a:ext uri="{FF2B5EF4-FFF2-40B4-BE49-F238E27FC236}">
+                      <a16:creationId xmlns:a16="http://schemas.microsoft.com/office/drawing/2014/main" id="{ABD0B937-FDA7-4819-9511-1B8EB3035FD0}"/>
+                    </a:ext>
+                  </a:extLst>
+                </p:cNvPr>
+                <p:cNvSpPr/>
+                <p:nvPr/>
+              </p:nvSpPr>
+              <p:spPr>
+                <a:xfrm>
+                  <a:off x="1368453" y="1421932"/>
+                  <a:ext cx="1390477" cy="1044431"/>
+                </a:xfrm>
+                <a:prstGeom prst="roundRect">
+                  <a:avLst/>
+                </a:prstGeom>
+              </p:spPr>
+              <p:style>
+                <a:lnRef idx="2">
+                  <a:schemeClr val="accent5">
+                    <a:shade val="50000"/>
+                  </a:schemeClr>
+                </a:lnRef>
+                <a:fillRef idx="1">
+                  <a:schemeClr val="accent5"/>
+                </a:fillRef>
+                <a:effectRef idx="0">
+                  <a:schemeClr val="accent5"/>
+                </a:effectRef>
+                <a:fontRef idx="minor">
+                  <a:schemeClr val="lt1"/>
+                </a:fontRef>
+              </p:style>
+              <p:txBody>
+                <a:bodyPr rtlCol="0" anchor="t"/>
+                <a:lstStyle/>
+                <a:p>
+                  <a:pPr algn="ctr"/>
+                  <a:r>
+                    <a:rPr lang="de-DE" sz="1000" dirty="0"/>
+                    <a:t>Dose 0.5</a:t>
+                  </a:r>
+                </a:p>
+              </p:txBody>
+            </p:sp>
+            <p:sp>
+              <p:nvSpPr>
+                <p:cNvPr id="19" name="Rechteck: abgerundete Ecken 18">
+                  <a:extLst>
+                    <a:ext uri="{FF2B5EF4-FFF2-40B4-BE49-F238E27FC236}">
+                      <a16:creationId xmlns:a16="http://schemas.microsoft.com/office/drawing/2014/main" id="{A68AC7ED-DBC3-4B75-9E20-8820FE2B2DB5}"/>
+                    </a:ext>
+                  </a:extLst>
+                </p:cNvPr>
+                <p:cNvSpPr/>
+                <p:nvPr/>
+              </p:nvSpPr>
+              <p:spPr>
+                <a:xfrm>
+                  <a:off x="1440281" y="1684089"/>
+                  <a:ext cx="547909" cy="260060"/>
+                </a:xfrm>
+                <a:prstGeom prst="roundRect">
+                  <a:avLst/>
+                </a:prstGeom>
+              </p:spPr>
+              <p:style>
+                <a:lnRef idx="2">
+                  <a:schemeClr val="accent4">
+                    <a:shade val="50000"/>
+                  </a:schemeClr>
+                </a:lnRef>
+                <a:fillRef idx="1">
+                  <a:schemeClr val="accent4"/>
+                </a:fillRef>
+                <a:effectRef idx="0">
+                  <a:schemeClr val="accent4"/>
+                </a:effectRef>
+                <a:fontRef idx="minor">
+                  <a:schemeClr val="lt1"/>
+                </a:fontRef>
+              </p:style>
+              <p:txBody>
+                <a:bodyPr rtlCol="0" anchor="ctr"/>
+                <a:lstStyle/>
+                <a:p>
+                  <a:pPr algn="ctr"/>
+                  <a:r>
+                    <a:rPr lang="de-DE" sz="1200" dirty="0">
+                      <a:solidFill>
+                        <a:schemeClr val="tx1"/>
+                      </a:solidFill>
+                    </a:rPr>
+                    <a:t>TF1</a:t>
+                  </a:r>
+                  <a:endParaRPr lang="de-DE" dirty="0">
+                    <a:solidFill>
+                      <a:schemeClr val="tx1"/>
+                    </a:solidFill>
+                  </a:endParaRPr>
+                </a:p>
+              </p:txBody>
+            </p:sp>
+            <p:sp>
+              <p:nvSpPr>
+                <p:cNvPr id="20" name="Rechteck: abgerundete Ecken 19">
+                  <a:extLst>
+                    <a:ext uri="{FF2B5EF4-FFF2-40B4-BE49-F238E27FC236}">
+                      <a16:creationId xmlns:a16="http://schemas.microsoft.com/office/drawing/2014/main" id="{5DF4B9FC-9F51-4CB3-8FBC-6EA44219F151}"/>
+                    </a:ext>
+                  </a:extLst>
+                </p:cNvPr>
+                <p:cNvSpPr/>
+                <p:nvPr/>
+              </p:nvSpPr>
+              <p:spPr>
+                <a:xfrm>
+                  <a:off x="2060017" y="1684089"/>
+                  <a:ext cx="547909" cy="260060"/>
+                </a:xfrm>
+                <a:prstGeom prst="roundRect">
+                  <a:avLst/>
+                </a:prstGeom>
+              </p:spPr>
+              <p:style>
+                <a:lnRef idx="2">
+                  <a:schemeClr val="accent4">
+                    <a:shade val="50000"/>
+                  </a:schemeClr>
+                </a:lnRef>
+                <a:fillRef idx="1">
+                  <a:schemeClr val="accent4"/>
+                </a:fillRef>
+                <a:effectRef idx="0">
+                  <a:schemeClr val="accent4"/>
+                </a:effectRef>
+                <a:fontRef idx="minor">
+                  <a:schemeClr val="lt1"/>
+                </a:fontRef>
+              </p:style>
+              <p:txBody>
+                <a:bodyPr rtlCol="0" anchor="ctr"/>
+                <a:lstStyle/>
+                <a:p>
+                  <a:pPr algn="ctr"/>
+                  <a:r>
+                    <a:rPr lang="de-DE" sz="1200" dirty="0">
+                      <a:solidFill>
+                        <a:schemeClr val="tx1"/>
+                      </a:solidFill>
+                    </a:rPr>
+                    <a:t>TF2</a:t>
+                  </a:r>
+                  <a:endParaRPr lang="de-DE" dirty="0">
+                    <a:solidFill>
+                      <a:schemeClr val="tx1"/>
+                    </a:solidFill>
+                  </a:endParaRPr>
+                </a:p>
+              </p:txBody>
+            </p:sp>
+            <p:sp>
+              <p:nvSpPr>
+                <p:cNvPr id="21" name="Rechteck: abgerundete Ecken 20">
+                  <a:extLst>
+                    <a:ext uri="{FF2B5EF4-FFF2-40B4-BE49-F238E27FC236}">
+                      <a16:creationId xmlns:a16="http://schemas.microsoft.com/office/drawing/2014/main" id="{0E0F4350-28C2-438F-92E2-7819A4BBFBAB}"/>
+                    </a:ext>
+                  </a:extLst>
+                </p:cNvPr>
+                <p:cNvSpPr/>
+                <p:nvPr/>
+              </p:nvSpPr>
+              <p:spPr>
+                <a:xfrm>
+                  <a:off x="1440281" y="2033280"/>
+                  <a:ext cx="547909" cy="260060"/>
+                </a:xfrm>
+                <a:prstGeom prst="roundRect">
+                  <a:avLst/>
+                </a:prstGeom>
+              </p:spPr>
+              <p:style>
+                <a:lnRef idx="2">
+                  <a:schemeClr val="accent4">
+                    <a:shade val="50000"/>
+                  </a:schemeClr>
+                </a:lnRef>
+                <a:fillRef idx="1">
+                  <a:schemeClr val="accent4"/>
+                </a:fillRef>
+                <a:effectRef idx="0">
+                  <a:schemeClr val="accent4"/>
+                </a:effectRef>
+                <a:fontRef idx="minor">
+                  <a:schemeClr val="lt1"/>
+                </a:fontRef>
+              </p:style>
+              <p:txBody>
+                <a:bodyPr rtlCol="0" anchor="ctr"/>
+                <a:lstStyle/>
+                <a:p>
+                  <a:pPr algn="ctr"/>
+                  <a:r>
+                    <a:rPr lang="de-DE" sz="1200" dirty="0">
+                      <a:solidFill>
+                        <a:schemeClr val="tx1"/>
+                      </a:solidFill>
+                    </a:rPr>
+                    <a:t>…</a:t>
+                  </a:r>
+                  <a:endParaRPr lang="de-DE" dirty="0">
+                    <a:solidFill>
+                      <a:schemeClr val="tx1"/>
+                    </a:solidFill>
+                  </a:endParaRPr>
+                </a:p>
+              </p:txBody>
+            </p:sp>
+            <p:sp>
+              <p:nvSpPr>
+                <p:cNvPr id="22" name="Rechteck: abgerundete Ecken 21">
+                  <a:extLst>
+                    <a:ext uri="{FF2B5EF4-FFF2-40B4-BE49-F238E27FC236}">
+                      <a16:creationId xmlns:a16="http://schemas.microsoft.com/office/drawing/2014/main" id="{BB08483E-354B-44FB-8D36-E542A62BAE4D}"/>
+                    </a:ext>
+                  </a:extLst>
+                </p:cNvPr>
+                <p:cNvSpPr/>
+                <p:nvPr/>
+              </p:nvSpPr>
+              <p:spPr>
+                <a:xfrm>
+                  <a:off x="2060017" y="2036426"/>
+                  <a:ext cx="547909" cy="260060"/>
+                </a:xfrm>
+                <a:prstGeom prst="roundRect">
+                  <a:avLst/>
+                </a:prstGeom>
+              </p:spPr>
+              <p:style>
+                <a:lnRef idx="2">
+                  <a:schemeClr val="accent4">
+                    <a:shade val="50000"/>
+                  </a:schemeClr>
+                </a:lnRef>
+                <a:fillRef idx="1">
+                  <a:schemeClr val="accent4"/>
+                </a:fillRef>
+                <a:effectRef idx="0">
+                  <a:schemeClr val="accent4"/>
+                </a:effectRef>
+                <a:fontRef idx="minor">
+                  <a:schemeClr val="lt1"/>
+                </a:fontRef>
+              </p:style>
+              <p:txBody>
+                <a:bodyPr rtlCol="0" anchor="ctr"/>
+                <a:lstStyle/>
+                <a:p>
+                  <a:pPr algn="ctr"/>
+                  <a:r>
+                    <a:rPr lang="de-DE" sz="1200" dirty="0">
+                      <a:solidFill>
+                        <a:schemeClr val="tx1"/>
+                      </a:solidFill>
+                    </a:rPr>
+                    <a:t>TF42</a:t>
+                  </a:r>
+                  <a:endParaRPr lang="de-DE" dirty="0">
+                    <a:solidFill>
+                      <a:schemeClr val="tx1"/>
+                    </a:solidFill>
+                  </a:endParaRPr>
+                </a:p>
+              </p:txBody>
+            </p:sp>
+          </p:grpSp>
+        </p:grpSp>
+        <p:grpSp>
+          <p:nvGrpSpPr>
+            <p:cNvPr id="54" name="Gruppieren 53">
+              <a:extLst>
+                <a:ext uri="{FF2B5EF4-FFF2-40B4-BE49-F238E27FC236}">
+                  <a16:creationId xmlns:a16="http://schemas.microsoft.com/office/drawing/2014/main" id="{56E947F7-E032-4850-B2E8-F3C86960BD69}"/>
+                </a:ext>
+              </a:extLst>
+            </p:cNvPr>
+            <p:cNvGrpSpPr/>
+            <p:nvPr/>
+          </p:nvGrpSpPr>
+          <p:grpSpPr>
+            <a:xfrm>
+              <a:off x="3749879" y="843093"/>
+              <a:ext cx="2080470" cy="4030908"/>
+              <a:chOff x="1224793" y="956345"/>
+              <a:chExt cx="1677798" cy="3565321"/>
+            </a:xfrm>
+          </p:grpSpPr>
+          <p:sp>
+            <p:nvSpPr>
+              <p:cNvPr id="55" name="Rechteck: abgerundete Ecken 54">
+                <a:extLst>
+                  <a:ext uri="{FF2B5EF4-FFF2-40B4-BE49-F238E27FC236}">
+                    <a16:creationId xmlns:a16="http://schemas.microsoft.com/office/drawing/2014/main" id="{B9AAE8AF-4DB9-4225-8F6D-98AE03574BB9}"/>
+                  </a:ext>
+                </a:extLst>
+              </p:cNvPr>
+              <p:cNvSpPr/>
+              <p:nvPr/>
+            </p:nvSpPr>
+            <p:spPr>
+              <a:xfrm>
+                <a:off x="1224793" y="956345"/>
+                <a:ext cx="1677798" cy="3565321"/>
+              </a:xfrm>
+              <a:prstGeom prst="roundRect">
+                <a:avLst/>
+              </a:prstGeom>
+            </p:spPr>
+            <p:style>
+              <a:lnRef idx="2">
+                <a:schemeClr val="accent1">
+                  <a:shade val="50000"/>
+                </a:schemeClr>
+              </a:lnRef>
+              <a:fillRef idx="1">
+                <a:schemeClr val="accent1"/>
+              </a:fillRef>
+              <a:effectRef idx="0">
+                <a:schemeClr val="accent1"/>
+              </a:effectRef>
+              <a:fontRef idx="minor">
+                <a:schemeClr val="lt1"/>
+              </a:fontRef>
+            </p:style>
+            <p:txBody>
+              <a:bodyPr rtlCol="0" anchor="t"/>
+              <a:lstStyle/>
+              <a:p>
+                <a:pPr algn="ctr"/>
+                <a:r>
+                  <a:rPr lang="de-DE" dirty="0"/>
+                  <a:t>Patient 03 – ROI 1</a:t>
+                </a:r>
+              </a:p>
+            </p:txBody>
+          </p:sp>
+          <p:sp>
+            <p:nvSpPr>
+              <p:cNvPr id="56" name="Rechteck: abgerundete Ecken 55">
+                <a:extLst>
+                  <a:ext uri="{FF2B5EF4-FFF2-40B4-BE49-F238E27FC236}">
+                    <a16:creationId xmlns:a16="http://schemas.microsoft.com/office/drawing/2014/main" id="{7BD72794-080E-46B2-907C-E5701BC74A9F}"/>
+                  </a:ext>
+                </a:extLst>
+              </p:cNvPr>
+              <p:cNvSpPr/>
+              <p:nvPr/>
+            </p:nvSpPr>
+            <p:spPr>
+              <a:xfrm>
+                <a:off x="1368452" y="2543961"/>
+                <a:ext cx="1390477" cy="478173"/>
+              </a:xfrm>
+              <a:prstGeom prst="roundRect">
+                <a:avLst/>
+              </a:prstGeom>
+            </p:spPr>
+            <p:style>
+              <a:lnRef idx="2">
+                <a:schemeClr val="accent5">
+                  <a:shade val="50000"/>
+                </a:schemeClr>
+              </a:lnRef>
+              <a:fillRef idx="1">
+                <a:schemeClr val="accent5"/>
+              </a:fillRef>
+              <a:effectRef idx="0">
+                <a:schemeClr val="accent5"/>
+              </a:effectRef>
+              <a:fontRef idx="minor">
+                <a:schemeClr val="lt1"/>
+              </a:fontRef>
+            </p:style>
+            <p:txBody>
+              <a:bodyPr rtlCol="0" anchor="ctr"/>
+              <a:lstStyle/>
+              <a:p>
+                <a:pPr lvl="0" algn="ctr"/>
+                <a:r>
+                  <a:rPr lang="de-DE" sz="1200" dirty="0">
+                    <a:solidFill>
+                      <a:prstClr val="white"/>
+                    </a:solidFill>
+                  </a:rPr>
+                  <a:t>… 11 weitere Dosen …</a:t>
+                </a:r>
+              </a:p>
+            </p:txBody>
+          </p:sp>
+          <p:grpSp>
+            <p:nvGrpSpPr>
+              <p:cNvPr id="57" name="Gruppieren 56">
+                <a:extLst>
+                  <a:ext uri="{FF2B5EF4-FFF2-40B4-BE49-F238E27FC236}">
+                    <a16:creationId xmlns:a16="http://schemas.microsoft.com/office/drawing/2014/main" id="{56DA3584-CFCF-4E0F-97B3-AE975DBFEF5C}"/>
+                  </a:ext>
+                </a:extLst>
+              </p:cNvPr>
+              <p:cNvGrpSpPr/>
+              <p:nvPr/>
+            </p:nvGrpSpPr>
+            <p:grpSpPr>
+              <a:xfrm>
+                <a:off x="1368453" y="1421932"/>
+                <a:ext cx="1390477" cy="1044431"/>
+                <a:chOff x="1368453" y="1421932"/>
+                <a:chExt cx="1390477" cy="1044431"/>
+              </a:xfrm>
+            </p:grpSpPr>
+            <p:sp>
+              <p:nvSpPr>
+                <p:cNvPr id="64" name="Rechteck: abgerundete Ecken 63">
+                  <a:extLst>
+                    <a:ext uri="{FF2B5EF4-FFF2-40B4-BE49-F238E27FC236}">
+                      <a16:creationId xmlns:a16="http://schemas.microsoft.com/office/drawing/2014/main" id="{16F3EA2C-ED23-4FAA-A787-8370D1218316}"/>
+                    </a:ext>
+                  </a:extLst>
+                </p:cNvPr>
+                <p:cNvSpPr/>
+                <p:nvPr/>
+              </p:nvSpPr>
+              <p:spPr>
+                <a:xfrm>
+                  <a:off x="1368453" y="1421932"/>
+                  <a:ext cx="1390477" cy="1044431"/>
+                </a:xfrm>
+                <a:prstGeom prst="roundRect">
+                  <a:avLst/>
+                </a:prstGeom>
+              </p:spPr>
+              <p:style>
+                <a:lnRef idx="2">
+                  <a:schemeClr val="accent5">
+                    <a:shade val="50000"/>
+                  </a:schemeClr>
+                </a:lnRef>
+                <a:fillRef idx="1">
+                  <a:schemeClr val="accent5"/>
+                </a:fillRef>
+                <a:effectRef idx="0">
+                  <a:schemeClr val="accent5"/>
+                </a:effectRef>
+                <a:fontRef idx="minor">
+                  <a:schemeClr val="lt1"/>
+                </a:fontRef>
+              </p:style>
+              <p:txBody>
+                <a:bodyPr rtlCol="0" anchor="t"/>
+                <a:lstStyle/>
+                <a:p>
+                  <a:pPr algn="ctr"/>
+                  <a:r>
+                    <a:rPr lang="de-DE" sz="1000" dirty="0"/>
+                    <a:t>Dose 3.5</a:t>
+                  </a:r>
+                </a:p>
+              </p:txBody>
+            </p:sp>
+            <p:sp>
+              <p:nvSpPr>
+                <p:cNvPr id="65" name="Rechteck: abgerundete Ecken 64">
+                  <a:extLst>
+                    <a:ext uri="{FF2B5EF4-FFF2-40B4-BE49-F238E27FC236}">
+                      <a16:creationId xmlns:a16="http://schemas.microsoft.com/office/drawing/2014/main" id="{A272C3B8-A7C2-4BB1-A926-8621884A030C}"/>
+                    </a:ext>
+                  </a:extLst>
+                </p:cNvPr>
+                <p:cNvSpPr/>
+                <p:nvPr/>
+              </p:nvSpPr>
+              <p:spPr>
+                <a:xfrm>
+                  <a:off x="1440281" y="1684089"/>
+                  <a:ext cx="547909" cy="260060"/>
+                </a:xfrm>
+                <a:prstGeom prst="roundRect">
+                  <a:avLst/>
+                </a:prstGeom>
+              </p:spPr>
+              <p:style>
+                <a:lnRef idx="2">
+                  <a:schemeClr val="accent4">
+                    <a:shade val="50000"/>
+                  </a:schemeClr>
+                </a:lnRef>
+                <a:fillRef idx="1">
+                  <a:schemeClr val="accent4"/>
+                </a:fillRef>
+                <a:effectRef idx="0">
+                  <a:schemeClr val="accent4"/>
+                </a:effectRef>
+                <a:fontRef idx="minor">
+                  <a:schemeClr val="lt1"/>
+                </a:fontRef>
+              </p:style>
+              <p:txBody>
+                <a:bodyPr rtlCol="0" anchor="ctr"/>
+                <a:lstStyle/>
+                <a:p>
+                  <a:pPr algn="ctr"/>
+                  <a:r>
+                    <a:rPr lang="de-DE" sz="1200" dirty="0">
+                      <a:solidFill>
+                        <a:schemeClr val="tx1"/>
+                      </a:solidFill>
+                    </a:rPr>
+                    <a:t>TF1</a:t>
+                  </a:r>
+                  <a:endParaRPr lang="de-DE" dirty="0">
+                    <a:solidFill>
+                      <a:schemeClr val="tx1"/>
+                    </a:solidFill>
+                  </a:endParaRPr>
+                </a:p>
+              </p:txBody>
+            </p:sp>
+            <p:sp>
+              <p:nvSpPr>
+                <p:cNvPr id="66" name="Rechteck: abgerundete Ecken 65">
+                  <a:extLst>
+                    <a:ext uri="{FF2B5EF4-FFF2-40B4-BE49-F238E27FC236}">
+                      <a16:creationId xmlns:a16="http://schemas.microsoft.com/office/drawing/2014/main" id="{450F57EB-F8FE-4B9E-B3EF-67AEB70A4AB4}"/>
+                    </a:ext>
+                  </a:extLst>
+                </p:cNvPr>
+                <p:cNvSpPr/>
+                <p:nvPr/>
+              </p:nvSpPr>
+              <p:spPr>
+                <a:xfrm>
+                  <a:off x="2060017" y="1684089"/>
+                  <a:ext cx="547909" cy="260060"/>
+                </a:xfrm>
+                <a:prstGeom prst="roundRect">
+                  <a:avLst/>
+                </a:prstGeom>
+              </p:spPr>
+              <p:style>
+                <a:lnRef idx="2">
+                  <a:schemeClr val="accent4">
+                    <a:shade val="50000"/>
+                  </a:schemeClr>
+                </a:lnRef>
+                <a:fillRef idx="1">
+                  <a:schemeClr val="accent4"/>
+                </a:fillRef>
+                <a:effectRef idx="0">
+                  <a:schemeClr val="accent4"/>
+                </a:effectRef>
+                <a:fontRef idx="minor">
+                  <a:schemeClr val="lt1"/>
+                </a:fontRef>
+              </p:style>
+              <p:txBody>
+                <a:bodyPr rtlCol="0" anchor="ctr"/>
+                <a:lstStyle/>
+                <a:p>
+                  <a:pPr algn="ctr"/>
+                  <a:r>
+                    <a:rPr lang="de-DE" sz="1200" dirty="0">
+                      <a:solidFill>
+                        <a:schemeClr val="tx1"/>
+                      </a:solidFill>
+                    </a:rPr>
+                    <a:t>TF2</a:t>
+                  </a:r>
+                  <a:endParaRPr lang="de-DE" dirty="0">
+                    <a:solidFill>
+                      <a:schemeClr val="tx1"/>
+                    </a:solidFill>
+                  </a:endParaRPr>
+                </a:p>
+              </p:txBody>
+            </p:sp>
+            <p:sp>
+              <p:nvSpPr>
+                <p:cNvPr id="67" name="Rechteck: abgerundete Ecken 66">
+                  <a:extLst>
+                    <a:ext uri="{FF2B5EF4-FFF2-40B4-BE49-F238E27FC236}">
+                      <a16:creationId xmlns:a16="http://schemas.microsoft.com/office/drawing/2014/main" id="{D45269C9-BF44-4BCD-AB49-68AAACD943FB}"/>
+                    </a:ext>
+                  </a:extLst>
+                </p:cNvPr>
+                <p:cNvSpPr/>
+                <p:nvPr/>
+              </p:nvSpPr>
+              <p:spPr>
+                <a:xfrm>
+                  <a:off x="1440281" y="2033280"/>
+                  <a:ext cx="547909" cy="260060"/>
+                </a:xfrm>
+                <a:prstGeom prst="roundRect">
+                  <a:avLst/>
+                </a:prstGeom>
+              </p:spPr>
+              <p:style>
+                <a:lnRef idx="2">
+                  <a:schemeClr val="accent4">
+                    <a:shade val="50000"/>
+                  </a:schemeClr>
+                </a:lnRef>
+                <a:fillRef idx="1">
+                  <a:schemeClr val="accent4"/>
+                </a:fillRef>
+                <a:effectRef idx="0">
+                  <a:schemeClr val="accent4"/>
+                </a:effectRef>
+                <a:fontRef idx="minor">
+                  <a:schemeClr val="lt1"/>
+                </a:fontRef>
+              </p:style>
+              <p:txBody>
+                <a:bodyPr rtlCol="0" anchor="ctr"/>
+                <a:lstStyle/>
+                <a:p>
+                  <a:pPr algn="ctr"/>
+                  <a:r>
+                    <a:rPr lang="de-DE" sz="1200" dirty="0">
+                      <a:solidFill>
+                        <a:schemeClr val="tx1"/>
+                      </a:solidFill>
+                    </a:rPr>
+                    <a:t>…</a:t>
+                  </a:r>
+                  <a:endParaRPr lang="de-DE" dirty="0">
+                    <a:solidFill>
+                      <a:schemeClr val="tx1"/>
+                    </a:solidFill>
+                  </a:endParaRPr>
+                </a:p>
+              </p:txBody>
+            </p:sp>
+            <p:sp>
+              <p:nvSpPr>
+                <p:cNvPr id="68" name="Rechteck: abgerundete Ecken 67">
+                  <a:extLst>
+                    <a:ext uri="{FF2B5EF4-FFF2-40B4-BE49-F238E27FC236}">
+                      <a16:creationId xmlns:a16="http://schemas.microsoft.com/office/drawing/2014/main" id="{9398ADDC-A53E-48DE-9C96-54BEA063351B}"/>
+                    </a:ext>
+                  </a:extLst>
+                </p:cNvPr>
+                <p:cNvSpPr/>
+                <p:nvPr/>
+              </p:nvSpPr>
+              <p:spPr>
+                <a:xfrm>
+                  <a:off x="2060017" y="2036426"/>
+                  <a:ext cx="547909" cy="260060"/>
+                </a:xfrm>
+                <a:prstGeom prst="roundRect">
+                  <a:avLst/>
+                </a:prstGeom>
+              </p:spPr>
+              <p:style>
+                <a:lnRef idx="2">
+                  <a:schemeClr val="accent4">
+                    <a:shade val="50000"/>
+                  </a:schemeClr>
+                </a:lnRef>
+                <a:fillRef idx="1">
+                  <a:schemeClr val="accent4"/>
+                </a:fillRef>
+                <a:effectRef idx="0">
+                  <a:schemeClr val="accent4"/>
+                </a:effectRef>
+                <a:fontRef idx="minor">
+                  <a:schemeClr val="lt1"/>
+                </a:fontRef>
+              </p:style>
+              <p:txBody>
+                <a:bodyPr rtlCol="0" anchor="ctr"/>
+                <a:lstStyle/>
+                <a:p>
+                  <a:pPr algn="ctr"/>
+                  <a:r>
+                    <a:rPr lang="de-DE" sz="1200" dirty="0">
+                      <a:solidFill>
+                        <a:schemeClr val="tx1"/>
+                      </a:solidFill>
+                    </a:rPr>
+                    <a:t>TF42</a:t>
+                  </a:r>
+                  <a:endParaRPr lang="de-DE" dirty="0">
+                    <a:solidFill>
+                      <a:schemeClr val="tx1"/>
+                    </a:solidFill>
+                  </a:endParaRPr>
+                </a:p>
+              </p:txBody>
+            </p:sp>
+          </p:grpSp>
+          <p:grpSp>
+            <p:nvGrpSpPr>
+              <p:cNvPr id="58" name="Gruppieren 57">
+                <a:extLst>
+                  <a:ext uri="{FF2B5EF4-FFF2-40B4-BE49-F238E27FC236}">
+                    <a16:creationId xmlns:a16="http://schemas.microsoft.com/office/drawing/2014/main" id="{8F77A783-7F7F-4C54-9A98-BFEC0424E16C}"/>
+                  </a:ext>
+                </a:extLst>
+              </p:cNvPr>
+              <p:cNvGrpSpPr/>
+              <p:nvPr/>
+            </p:nvGrpSpPr>
+            <p:grpSpPr>
+              <a:xfrm>
+                <a:off x="1364778" y="3099732"/>
+                <a:ext cx="1390477" cy="1044431"/>
+                <a:chOff x="1368453" y="1421932"/>
+                <a:chExt cx="1390477" cy="1044431"/>
+              </a:xfrm>
+            </p:grpSpPr>
+            <p:sp>
+              <p:nvSpPr>
+                <p:cNvPr id="59" name="Rechteck: abgerundete Ecken 58">
+                  <a:extLst>
+                    <a:ext uri="{FF2B5EF4-FFF2-40B4-BE49-F238E27FC236}">
+                      <a16:creationId xmlns:a16="http://schemas.microsoft.com/office/drawing/2014/main" id="{A0C781E4-92C5-45EB-9F14-BB342524F2AA}"/>
+                    </a:ext>
+                  </a:extLst>
+                </p:cNvPr>
+                <p:cNvSpPr/>
+                <p:nvPr/>
+              </p:nvSpPr>
+              <p:spPr>
+                <a:xfrm>
+                  <a:off x="1368453" y="1421932"/>
+                  <a:ext cx="1390477" cy="1044431"/>
+                </a:xfrm>
+                <a:prstGeom prst="roundRect">
+                  <a:avLst/>
+                </a:prstGeom>
+              </p:spPr>
+              <p:style>
+                <a:lnRef idx="2">
+                  <a:schemeClr val="accent5">
+                    <a:shade val="50000"/>
+                  </a:schemeClr>
+                </a:lnRef>
+                <a:fillRef idx="1">
+                  <a:schemeClr val="accent5"/>
+                </a:fillRef>
+                <a:effectRef idx="0">
+                  <a:schemeClr val="accent5"/>
+                </a:effectRef>
+                <a:fontRef idx="minor">
+                  <a:schemeClr val="lt1"/>
+                </a:fontRef>
+              </p:style>
+              <p:txBody>
+                <a:bodyPr rtlCol="0" anchor="t"/>
+                <a:lstStyle/>
+                <a:p>
+                  <a:pPr algn="ctr"/>
+                  <a:r>
+                    <a:rPr lang="de-DE" sz="1000" dirty="0"/>
+                    <a:t>Dose 0.5</a:t>
+                  </a:r>
+                </a:p>
+              </p:txBody>
+            </p:sp>
+            <p:sp>
+              <p:nvSpPr>
+                <p:cNvPr id="60" name="Rechteck: abgerundete Ecken 59">
+                  <a:extLst>
+                    <a:ext uri="{FF2B5EF4-FFF2-40B4-BE49-F238E27FC236}">
+                      <a16:creationId xmlns:a16="http://schemas.microsoft.com/office/drawing/2014/main" id="{55070ED3-B2B0-4A9E-8C3E-4472B7BD41C2}"/>
+                    </a:ext>
+                  </a:extLst>
+                </p:cNvPr>
+                <p:cNvSpPr/>
+                <p:nvPr/>
+              </p:nvSpPr>
+              <p:spPr>
+                <a:xfrm>
+                  <a:off x="1440281" y="1684089"/>
+                  <a:ext cx="547909" cy="260060"/>
+                </a:xfrm>
+                <a:prstGeom prst="roundRect">
+                  <a:avLst/>
+                </a:prstGeom>
+              </p:spPr>
+              <p:style>
+                <a:lnRef idx="2">
+                  <a:schemeClr val="accent4">
+                    <a:shade val="50000"/>
+                  </a:schemeClr>
+                </a:lnRef>
+                <a:fillRef idx="1">
+                  <a:schemeClr val="accent4"/>
+                </a:fillRef>
+                <a:effectRef idx="0">
+                  <a:schemeClr val="accent4"/>
+                </a:effectRef>
+                <a:fontRef idx="minor">
+                  <a:schemeClr val="lt1"/>
+                </a:fontRef>
+              </p:style>
+              <p:txBody>
+                <a:bodyPr rtlCol="0" anchor="ctr"/>
+                <a:lstStyle/>
+                <a:p>
+                  <a:pPr algn="ctr"/>
+                  <a:r>
+                    <a:rPr lang="de-DE" sz="1200" dirty="0">
+                      <a:solidFill>
+                        <a:schemeClr val="tx1"/>
+                      </a:solidFill>
+                    </a:rPr>
+                    <a:t>TF1</a:t>
+                  </a:r>
+                  <a:endParaRPr lang="de-DE" dirty="0">
+                    <a:solidFill>
+                      <a:schemeClr val="tx1"/>
+                    </a:solidFill>
+                  </a:endParaRPr>
+                </a:p>
+              </p:txBody>
+            </p:sp>
+            <p:sp>
+              <p:nvSpPr>
+                <p:cNvPr id="61" name="Rechteck: abgerundete Ecken 60">
+                  <a:extLst>
+                    <a:ext uri="{FF2B5EF4-FFF2-40B4-BE49-F238E27FC236}">
+                      <a16:creationId xmlns:a16="http://schemas.microsoft.com/office/drawing/2014/main" id="{A339BF6E-362F-4FD6-91D8-705CBF4E75C1}"/>
+                    </a:ext>
+                  </a:extLst>
+                </p:cNvPr>
+                <p:cNvSpPr/>
+                <p:nvPr/>
+              </p:nvSpPr>
+              <p:spPr>
+                <a:xfrm>
+                  <a:off x="2060017" y="1684089"/>
+                  <a:ext cx="547909" cy="260060"/>
+                </a:xfrm>
+                <a:prstGeom prst="roundRect">
+                  <a:avLst/>
+                </a:prstGeom>
+              </p:spPr>
+              <p:style>
+                <a:lnRef idx="2">
+                  <a:schemeClr val="accent4">
+                    <a:shade val="50000"/>
+                  </a:schemeClr>
+                </a:lnRef>
+                <a:fillRef idx="1">
+                  <a:schemeClr val="accent4"/>
+                </a:fillRef>
+                <a:effectRef idx="0">
+                  <a:schemeClr val="accent4"/>
+                </a:effectRef>
+                <a:fontRef idx="minor">
+                  <a:schemeClr val="lt1"/>
+                </a:fontRef>
+              </p:style>
+              <p:txBody>
+                <a:bodyPr rtlCol="0" anchor="ctr"/>
+                <a:lstStyle/>
+                <a:p>
+                  <a:pPr algn="ctr"/>
+                  <a:r>
+                    <a:rPr lang="de-DE" sz="1200" dirty="0">
+                      <a:solidFill>
+                        <a:schemeClr val="tx1"/>
+                      </a:solidFill>
+                    </a:rPr>
+                    <a:t>TF2</a:t>
+                  </a:r>
+                  <a:endParaRPr lang="de-DE" dirty="0">
+                    <a:solidFill>
+                      <a:schemeClr val="tx1"/>
+                    </a:solidFill>
+                  </a:endParaRPr>
+                </a:p>
+              </p:txBody>
+            </p:sp>
+            <p:sp>
+              <p:nvSpPr>
+                <p:cNvPr id="62" name="Rechteck: abgerundete Ecken 61">
+                  <a:extLst>
+                    <a:ext uri="{FF2B5EF4-FFF2-40B4-BE49-F238E27FC236}">
+                      <a16:creationId xmlns:a16="http://schemas.microsoft.com/office/drawing/2014/main" id="{7B262FF9-7BBD-41B5-8D71-3560B4CFD0E5}"/>
+                    </a:ext>
+                  </a:extLst>
+                </p:cNvPr>
+                <p:cNvSpPr/>
+                <p:nvPr/>
+              </p:nvSpPr>
+              <p:spPr>
+                <a:xfrm>
+                  <a:off x="1440281" y="2033280"/>
+                  <a:ext cx="547909" cy="260060"/>
+                </a:xfrm>
+                <a:prstGeom prst="roundRect">
+                  <a:avLst/>
+                </a:prstGeom>
+              </p:spPr>
+              <p:style>
+                <a:lnRef idx="2">
+                  <a:schemeClr val="accent4">
+                    <a:shade val="50000"/>
+                  </a:schemeClr>
+                </a:lnRef>
+                <a:fillRef idx="1">
+                  <a:schemeClr val="accent4"/>
+                </a:fillRef>
+                <a:effectRef idx="0">
+                  <a:schemeClr val="accent4"/>
+                </a:effectRef>
+                <a:fontRef idx="minor">
+                  <a:schemeClr val="lt1"/>
+                </a:fontRef>
+              </p:style>
+              <p:txBody>
+                <a:bodyPr rtlCol="0" anchor="ctr"/>
+                <a:lstStyle/>
+                <a:p>
+                  <a:pPr algn="ctr"/>
+                  <a:r>
+                    <a:rPr lang="de-DE" sz="1200" dirty="0">
+                      <a:solidFill>
+                        <a:schemeClr val="tx1"/>
+                      </a:solidFill>
+                    </a:rPr>
+                    <a:t>…</a:t>
+                  </a:r>
+                  <a:endParaRPr lang="de-DE" dirty="0">
+                    <a:solidFill>
+                      <a:schemeClr val="tx1"/>
+                    </a:solidFill>
+                  </a:endParaRPr>
+                </a:p>
+              </p:txBody>
+            </p:sp>
+            <p:sp>
+              <p:nvSpPr>
+                <p:cNvPr id="63" name="Rechteck: abgerundete Ecken 62">
+                  <a:extLst>
+                    <a:ext uri="{FF2B5EF4-FFF2-40B4-BE49-F238E27FC236}">
+                      <a16:creationId xmlns:a16="http://schemas.microsoft.com/office/drawing/2014/main" id="{C04A670C-D3B3-4595-8BC3-C6E2B51F80BD}"/>
+                    </a:ext>
+                  </a:extLst>
+                </p:cNvPr>
+                <p:cNvSpPr/>
+                <p:nvPr/>
+              </p:nvSpPr>
+              <p:spPr>
+                <a:xfrm>
+                  <a:off x="2060017" y="2036426"/>
+                  <a:ext cx="547909" cy="260060"/>
+                </a:xfrm>
+                <a:prstGeom prst="roundRect">
+                  <a:avLst/>
+                </a:prstGeom>
+              </p:spPr>
+              <p:style>
+                <a:lnRef idx="2">
+                  <a:schemeClr val="accent4">
+                    <a:shade val="50000"/>
+                  </a:schemeClr>
+                </a:lnRef>
+                <a:fillRef idx="1">
+                  <a:schemeClr val="accent4"/>
+                </a:fillRef>
+                <a:effectRef idx="0">
+                  <a:schemeClr val="accent4"/>
+                </a:effectRef>
+                <a:fontRef idx="minor">
+                  <a:schemeClr val="lt1"/>
+                </a:fontRef>
+              </p:style>
+              <p:txBody>
+                <a:bodyPr rtlCol="0" anchor="ctr"/>
+                <a:lstStyle/>
+                <a:p>
+                  <a:pPr algn="ctr"/>
+                  <a:r>
+                    <a:rPr lang="de-DE" sz="1200" dirty="0">
+                      <a:solidFill>
+                        <a:schemeClr val="tx1"/>
+                      </a:solidFill>
+                    </a:rPr>
+                    <a:t>TF42</a:t>
+                  </a:r>
+                  <a:endParaRPr lang="de-DE" dirty="0">
+                    <a:solidFill>
+                      <a:schemeClr val="tx1"/>
+                    </a:solidFill>
+                  </a:endParaRPr>
+                </a:p>
+              </p:txBody>
+            </p:sp>
+          </p:grpSp>
+        </p:grpSp>
+        <p:grpSp>
+          <p:nvGrpSpPr>
+            <p:cNvPr id="69" name="Gruppieren 68">
+              <a:extLst>
+                <a:ext uri="{FF2B5EF4-FFF2-40B4-BE49-F238E27FC236}">
+                  <a16:creationId xmlns:a16="http://schemas.microsoft.com/office/drawing/2014/main" id="{4D6550F9-9C9B-472D-9805-B6FA95AC66BE}"/>
+                </a:ext>
+              </a:extLst>
+            </p:cNvPr>
+            <p:cNvGrpSpPr/>
+            <p:nvPr/>
+          </p:nvGrpSpPr>
+          <p:grpSpPr>
+            <a:xfrm>
+              <a:off x="8805756" y="843093"/>
+              <a:ext cx="2080470" cy="4030908"/>
+              <a:chOff x="1224793" y="956345"/>
+              <a:chExt cx="1677798" cy="3565321"/>
+            </a:xfrm>
+          </p:grpSpPr>
+          <p:sp>
+            <p:nvSpPr>
+              <p:cNvPr id="70" name="Rechteck: abgerundete Ecken 69">
+                <a:extLst>
+                  <a:ext uri="{FF2B5EF4-FFF2-40B4-BE49-F238E27FC236}">
+                    <a16:creationId xmlns:a16="http://schemas.microsoft.com/office/drawing/2014/main" id="{AD721A68-FC74-40C5-BFD4-888478906D11}"/>
+                  </a:ext>
+                </a:extLst>
+              </p:cNvPr>
+              <p:cNvSpPr/>
+              <p:nvPr/>
+            </p:nvSpPr>
+            <p:spPr>
+              <a:xfrm>
+                <a:off x="1224793" y="956345"/>
+                <a:ext cx="1677798" cy="3565321"/>
+              </a:xfrm>
+              <a:prstGeom prst="roundRect">
+                <a:avLst/>
+              </a:prstGeom>
+            </p:spPr>
+            <p:style>
+              <a:lnRef idx="2">
+                <a:schemeClr val="accent1">
+                  <a:shade val="50000"/>
+                </a:schemeClr>
+              </a:lnRef>
+              <a:fillRef idx="1">
+                <a:schemeClr val="accent1"/>
+              </a:fillRef>
+              <a:effectRef idx="0">
+                <a:schemeClr val="accent1"/>
+              </a:effectRef>
+              <a:fontRef idx="minor">
+                <a:schemeClr val="lt1"/>
+              </a:fontRef>
+            </p:style>
+            <p:txBody>
+              <a:bodyPr rtlCol="0" anchor="t"/>
+              <a:lstStyle/>
+              <a:p>
+                <a:pPr algn="ctr"/>
+                <a:r>
+                  <a:rPr lang="de-DE" dirty="0"/>
+                  <a:t>Patient 29 – ROI 1</a:t>
+                </a:r>
+              </a:p>
+            </p:txBody>
+          </p:sp>
+          <p:sp>
+            <p:nvSpPr>
+              <p:cNvPr id="71" name="Rechteck: abgerundete Ecken 70">
+                <a:extLst>
+                  <a:ext uri="{FF2B5EF4-FFF2-40B4-BE49-F238E27FC236}">
+                    <a16:creationId xmlns:a16="http://schemas.microsoft.com/office/drawing/2014/main" id="{1F69CC88-6EDE-4B63-85F8-5F4749E2DFC8}"/>
+                  </a:ext>
+                </a:extLst>
+              </p:cNvPr>
+              <p:cNvSpPr/>
+              <p:nvPr/>
+            </p:nvSpPr>
+            <p:spPr>
+              <a:xfrm>
+                <a:off x="1368452" y="2543961"/>
+                <a:ext cx="1390477" cy="478173"/>
+              </a:xfrm>
+              <a:prstGeom prst="roundRect">
+                <a:avLst/>
+              </a:prstGeom>
+            </p:spPr>
+            <p:style>
+              <a:lnRef idx="2">
+                <a:schemeClr val="accent5">
+                  <a:shade val="50000"/>
+                </a:schemeClr>
+              </a:lnRef>
+              <a:fillRef idx="1">
+                <a:schemeClr val="accent5"/>
+              </a:fillRef>
+              <a:effectRef idx="0">
+                <a:schemeClr val="accent5"/>
+              </a:effectRef>
+              <a:fontRef idx="minor">
+                <a:schemeClr val="lt1"/>
+              </a:fontRef>
+            </p:style>
+            <p:txBody>
+              <a:bodyPr rtlCol="0" anchor="ctr"/>
+              <a:lstStyle/>
+              <a:p>
+                <a:pPr lvl="0" algn="ctr"/>
+                <a:r>
+                  <a:rPr lang="de-DE" sz="1200" dirty="0">
+                    <a:solidFill>
+                      <a:prstClr val="white"/>
+                    </a:solidFill>
+                  </a:rPr>
+                  <a:t>… 11 weitere Dosen …</a:t>
+                </a:r>
+              </a:p>
+            </p:txBody>
+          </p:sp>
+          <p:grpSp>
+            <p:nvGrpSpPr>
+              <p:cNvPr id="72" name="Gruppieren 71">
+                <a:extLst>
+                  <a:ext uri="{FF2B5EF4-FFF2-40B4-BE49-F238E27FC236}">
+                    <a16:creationId xmlns:a16="http://schemas.microsoft.com/office/drawing/2014/main" id="{A30EE417-5E53-46AE-8DE2-2CABA6AAE9DA}"/>
+                  </a:ext>
+                </a:extLst>
+              </p:cNvPr>
+              <p:cNvGrpSpPr/>
+              <p:nvPr/>
+            </p:nvGrpSpPr>
+            <p:grpSpPr>
+              <a:xfrm>
+                <a:off x="1368453" y="1421932"/>
+                <a:ext cx="1390477" cy="1044431"/>
+                <a:chOff x="1368453" y="1421932"/>
+                <a:chExt cx="1390477" cy="1044431"/>
+              </a:xfrm>
+            </p:grpSpPr>
+            <p:sp>
+              <p:nvSpPr>
+                <p:cNvPr id="79" name="Rechteck: abgerundete Ecken 78">
+                  <a:extLst>
+                    <a:ext uri="{FF2B5EF4-FFF2-40B4-BE49-F238E27FC236}">
+                      <a16:creationId xmlns:a16="http://schemas.microsoft.com/office/drawing/2014/main" id="{C9380762-65CE-4C3A-BAA2-E93ACAE10005}"/>
+                    </a:ext>
+                  </a:extLst>
+                </p:cNvPr>
+                <p:cNvSpPr/>
+                <p:nvPr/>
+              </p:nvSpPr>
+              <p:spPr>
+                <a:xfrm>
+                  <a:off x="1368453" y="1421932"/>
+                  <a:ext cx="1390477" cy="1044431"/>
+                </a:xfrm>
+                <a:prstGeom prst="roundRect">
+                  <a:avLst/>
+                </a:prstGeom>
+              </p:spPr>
+              <p:style>
+                <a:lnRef idx="2">
+                  <a:schemeClr val="accent5">
+                    <a:shade val="50000"/>
+                  </a:schemeClr>
+                </a:lnRef>
+                <a:fillRef idx="1">
+                  <a:schemeClr val="accent5"/>
+                </a:fillRef>
+                <a:effectRef idx="0">
+                  <a:schemeClr val="accent5"/>
+                </a:effectRef>
+                <a:fontRef idx="minor">
+                  <a:schemeClr val="lt1"/>
+                </a:fontRef>
+              </p:style>
+              <p:txBody>
+                <a:bodyPr rtlCol="0" anchor="t"/>
+                <a:lstStyle/>
+                <a:p>
+                  <a:pPr algn="ctr"/>
+                  <a:r>
+                    <a:rPr lang="de-DE" sz="1000" dirty="0"/>
+                    <a:t>Dose 3.5</a:t>
+                  </a:r>
+                </a:p>
+              </p:txBody>
+            </p:sp>
+            <p:sp>
+              <p:nvSpPr>
+                <p:cNvPr id="80" name="Rechteck: abgerundete Ecken 79">
+                  <a:extLst>
+                    <a:ext uri="{FF2B5EF4-FFF2-40B4-BE49-F238E27FC236}">
+                      <a16:creationId xmlns:a16="http://schemas.microsoft.com/office/drawing/2014/main" id="{01186BC2-FA90-47A1-988B-2708E79E9B08}"/>
+                    </a:ext>
+                  </a:extLst>
+                </p:cNvPr>
+                <p:cNvSpPr/>
+                <p:nvPr/>
+              </p:nvSpPr>
+              <p:spPr>
+                <a:xfrm>
+                  <a:off x="1440281" y="1684089"/>
+                  <a:ext cx="547909" cy="260060"/>
+                </a:xfrm>
+                <a:prstGeom prst="roundRect">
+                  <a:avLst/>
+                </a:prstGeom>
+              </p:spPr>
+              <p:style>
+                <a:lnRef idx="2">
+                  <a:schemeClr val="accent4">
+                    <a:shade val="50000"/>
+                  </a:schemeClr>
+                </a:lnRef>
+                <a:fillRef idx="1">
+                  <a:schemeClr val="accent4"/>
+                </a:fillRef>
+                <a:effectRef idx="0">
+                  <a:schemeClr val="accent4"/>
+                </a:effectRef>
+                <a:fontRef idx="minor">
+                  <a:schemeClr val="lt1"/>
+                </a:fontRef>
+              </p:style>
+              <p:txBody>
+                <a:bodyPr rtlCol="0" anchor="ctr"/>
+                <a:lstStyle/>
+                <a:p>
+                  <a:pPr algn="ctr"/>
+                  <a:r>
+                    <a:rPr lang="de-DE" sz="1200" dirty="0">
+                      <a:solidFill>
+                        <a:schemeClr val="tx1"/>
+                      </a:solidFill>
+                    </a:rPr>
+                    <a:t>TF1</a:t>
+                  </a:r>
+                  <a:endParaRPr lang="de-DE" dirty="0">
+                    <a:solidFill>
+                      <a:schemeClr val="tx1"/>
+                    </a:solidFill>
+                  </a:endParaRPr>
+                </a:p>
+              </p:txBody>
+            </p:sp>
+            <p:sp>
+              <p:nvSpPr>
+                <p:cNvPr id="81" name="Rechteck: abgerundete Ecken 80">
+                  <a:extLst>
+                    <a:ext uri="{FF2B5EF4-FFF2-40B4-BE49-F238E27FC236}">
+                      <a16:creationId xmlns:a16="http://schemas.microsoft.com/office/drawing/2014/main" id="{01F28520-CF4C-4C23-A538-0D5093B11FFB}"/>
+                    </a:ext>
+                  </a:extLst>
+                </p:cNvPr>
+                <p:cNvSpPr/>
+                <p:nvPr/>
+              </p:nvSpPr>
+              <p:spPr>
+                <a:xfrm>
+                  <a:off x="2060017" y="1684089"/>
+                  <a:ext cx="547909" cy="260060"/>
+                </a:xfrm>
+                <a:prstGeom prst="roundRect">
+                  <a:avLst/>
+                </a:prstGeom>
+              </p:spPr>
+              <p:style>
+                <a:lnRef idx="2">
+                  <a:schemeClr val="accent4">
+                    <a:shade val="50000"/>
+                  </a:schemeClr>
+                </a:lnRef>
+                <a:fillRef idx="1">
+                  <a:schemeClr val="accent4"/>
+                </a:fillRef>
+                <a:effectRef idx="0">
+                  <a:schemeClr val="accent4"/>
+                </a:effectRef>
+                <a:fontRef idx="minor">
+                  <a:schemeClr val="lt1"/>
+                </a:fontRef>
+              </p:style>
+              <p:txBody>
+                <a:bodyPr rtlCol="0" anchor="ctr"/>
+                <a:lstStyle/>
+                <a:p>
+                  <a:pPr algn="ctr"/>
+                  <a:r>
+                    <a:rPr lang="de-DE" sz="1200" dirty="0">
+                      <a:solidFill>
+                        <a:schemeClr val="tx1"/>
+                      </a:solidFill>
+                    </a:rPr>
+                    <a:t>TF2</a:t>
+                  </a:r>
+                  <a:endParaRPr lang="de-DE" dirty="0">
+                    <a:solidFill>
+                      <a:schemeClr val="tx1"/>
+                    </a:solidFill>
+                  </a:endParaRPr>
+                </a:p>
+              </p:txBody>
+            </p:sp>
+            <p:sp>
+              <p:nvSpPr>
+                <p:cNvPr id="82" name="Rechteck: abgerundete Ecken 81">
+                  <a:extLst>
+                    <a:ext uri="{FF2B5EF4-FFF2-40B4-BE49-F238E27FC236}">
+                      <a16:creationId xmlns:a16="http://schemas.microsoft.com/office/drawing/2014/main" id="{0F55CD09-6B7F-48B6-B4B5-482D3FD2E805}"/>
+                    </a:ext>
+                  </a:extLst>
+                </p:cNvPr>
+                <p:cNvSpPr/>
+                <p:nvPr/>
+              </p:nvSpPr>
+              <p:spPr>
+                <a:xfrm>
+                  <a:off x="1440281" y="2033280"/>
+                  <a:ext cx="547909" cy="260060"/>
+                </a:xfrm>
+                <a:prstGeom prst="roundRect">
+                  <a:avLst/>
+                </a:prstGeom>
+              </p:spPr>
+              <p:style>
+                <a:lnRef idx="2">
+                  <a:schemeClr val="accent4">
+                    <a:shade val="50000"/>
+                  </a:schemeClr>
+                </a:lnRef>
+                <a:fillRef idx="1">
+                  <a:schemeClr val="accent4"/>
+                </a:fillRef>
+                <a:effectRef idx="0">
+                  <a:schemeClr val="accent4"/>
+                </a:effectRef>
+                <a:fontRef idx="minor">
+                  <a:schemeClr val="lt1"/>
+                </a:fontRef>
+              </p:style>
+              <p:txBody>
+                <a:bodyPr rtlCol="0" anchor="ctr"/>
+                <a:lstStyle/>
+                <a:p>
+                  <a:pPr algn="ctr"/>
+                  <a:r>
+                    <a:rPr lang="de-DE" sz="1200" dirty="0">
+                      <a:solidFill>
+                        <a:schemeClr val="tx1"/>
+                      </a:solidFill>
+                    </a:rPr>
+                    <a:t>…</a:t>
+                  </a:r>
+                  <a:endParaRPr lang="de-DE" dirty="0">
+                    <a:solidFill>
+                      <a:schemeClr val="tx1"/>
+                    </a:solidFill>
+                  </a:endParaRPr>
+                </a:p>
+              </p:txBody>
+            </p:sp>
+            <p:sp>
+              <p:nvSpPr>
+                <p:cNvPr id="83" name="Rechteck: abgerundete Ecken 82">
+                  <a:extLst>
+                    <a:ext uri="{FF2B5EF4-FFF2-40B4-BE49-F238E27FC236}">
+                      <a16:creationId xmlns:a16="http://schemas.microsoft.com/office/drawing/2014/main" id="{D7C3A3FF-BB3A-46BF-8EB7-0EC068AB5367}"/>
+                    </a:ext>
+                  </a:extLst>
+                </p:cNvPr>
+                <p:cNvSpPr/>
+                <p:nvPr/>
+              </p:nvSpPr>
+              <p:spPr>
+                <a:xfrm>
+                  <a:off x="2060017" y="2036426"/>
+                  <a:ext cx="547909" cy="260060"/>
+                </a:xfrm>
+                <a:prstGeom prst="roundRect">
+                  <a:avLst/>
+                </a:prstGeom>
+              </p:spPr>
+              <p:style>
+                <a:lnRef idx="2">
+                  <a:schemeClr val="accent4">
+                    <a:shade val="50000"/>
+                  </a:schemeClr>
+                </a:lnRef>
+                <a:fillRef idx="1">
+                  <a:schemeClr val="accent4"/>
+                </a:fillRef>
+                <a:effectRef idx="0">
+                  <a:schemeClr val="accent4"/>
+                </a:effectRef>
+                <a:fontRef idx="minor">
+                  <a:schemeClr val="lt1"/>
+                </a:fontRef>
+              </p:style>
+              <p:txBody>
+                <a:bodyPr rtlCol="0" anchor="ctr"/>
+                <a:lstStyle/>
+                <a:p>
+                  <a:pPr algn="ctr"/>
+                  <a:r>
+                    <a:rPr lang="de-DE" sz="1200" dirty="0">
+                      <a:solidFill>
+                        <a:schemeClr val="tx1"/>
+                      </a:solidFill>
+                    </a:rPr>
+                    <a:t>TF42</a:t>
+                  </a:r>
+                  <a:endParaRPr lang="de-DE" dirty="0">
+                    <a:solidFill>
+                      <a:schemeClr val="tx1"/>
+                    </a:solidFill>
+                  </a:endParaRPr>
+                </a:p>
+              </p:txBody>
+            </p:sp>
+          </p:grpSp>
+          <p:grpSp>
+            <p:nvGrpSpPr>
+              <p:cNvPr id="73" name="Gruppieren 72">
+                <a:extLst>
+                  <a:ext uri="{FF2B5EF4-FFF2-40B4-BE49-F238E27FC236}">
+                    <a16:creationId xmlns:a16="http://schemas.microsoft.com/office/drawing/2014/main" id="{90FB3A8A-D4F4-4C2C-B4EE-044BDFB7837E}"/>
+                  </a:ext>
+                </a:extLst>
+              </p:cNvPr>
+              <p:cNvGrpSpPr/>
+              <p:nvPr/>
+            </p:nvGrpSpPr>
+            <p:grpSpPr>
+              <a:xfrm>
+                <a:off x="1364778" y="3099732"/>
+                <a:ext cx="1390477" cy="1044431"/>
+                <a:chOff x="1368453" y="1421932"/>
+                <a:chExt cx="1390477" cy="1044431"/>
+              </a:xfrm>
+            </p:grpSpPr>
+            <p:sp>
+              <p:nvSpPr>
+                <p:cNvPr id="74" name="Rechteck: abgerundete Ecken 73">
+                  <a:extLst>
+                    <a:ext uri="{FF2B5EF4-FFF2-40B4-BE49-F238E27FC236}">
+                      <a16:creationId xmlns:a16="http://schemas.microsoft.com/office/drawing/2014/main" id="{469451BE-A9BD-43CB-8D60-B5F1DDD2236A}"/>
+                    </a:ext>
+                  </a:extLst>
+                </p:cNvPr>
+                <p:cNvSpPr/>
+                <p:nvPr/>
+              </p:nvSpPr>
+              <p:spPr>
+                <a:xfrm>
+                  <a:off x="1368453" y="1421932"/>
+                  <a:ext cx="1390477" cy="1044431"/>
+                </a:xfrm>
+                <a:prstGeom prst="roundRect">
+                  <a:avLst/>
+                </a:prstGeom>
+              </p:spPr>
+              <p:style>
+                <a:lnRef idx="2">
+                  <a:schemeClr val="accent5">
+                    <a:shade val="50000"/>
+                  </a:schemeClr>
+                </a:lnRef>
+                <a:fillRef idx="1">
+                  <a:schemeClr val="accent5"/>
+                </a:fillRef>
+                <a:effectRef idx="0">
+                  <a:schemeClr val="accent5"/>
+                </a:effectRef>
+                <a:fontRef idx="minor">
+                  <a:schemeClr val="lt1"/>
+                </a:fontRef>
+              </p:style>
+              <p:txBody>
+                <a:bodyPr rtlCol="0" anchor="t"/>
+                <a:lstStyle/>
+                <a:p>
+                  <a:pPr algn="ctr"/>
+                  <a:r>
+                    <a:rPr lang="de-DE" sz="1000" dirty="0"/>
+                    <a:t>Dose 0.5</a:t>
+                  </a:r>
+                </a:p>
+              </p:txBody>
+            </p:sp>
+            <p:sp>
+              <p:nvSpPr>
+                <p:cNvPr id="75" name="Rechteck: abgerundete Ecken 74">
+                  <a:extLst>
+                    <a:ext uri="{FF2B5EF4-FFF2-40B4-BE49-F238E27FC236}">
+                      <a16:creationId xmlns:a16="http://schemas.microsoft.com/office/drawing/2014/main" id="{1048226B-F08A-4324-AA63-3FB0236619B6}"/>
+                    </a:ext>
+                  </a:extLst>
+                </p:cNvPr>
+                <p:cNvSpPr/>
+                <p:nvPr/>
+              </p:nvSpPr>
+              <p:spPr>
+                <a:xfrm>
+                  <a:off x="1440281" y="1684089"/>
+                  <a:ext cx="547909" cy="260060"/>
+                </a:xfrm>
+                <a:prstGeom prst="roundRect">
+                  <a:avLst/>
+                </a:prstGeom>
+              </p:spPr>
+              <p:style>
+                <a:lnRef idx="2">
+                  <a:schemeClr val="accent4">
+                    <a:shade val="50000"/>
+                  </a:schemeClr>
+                </a:lnRef>
+                <a:fillRef idx="1">
+                  <a:schemeClr val="accent4"/>
+                </a:fillRef>
+                <a:effectRef idx="0">
+                  <a:schemeClr val="accent4"/>
+                </a:effectRef>
+                <a:fontRef idx="minor">
+                  <a:schemeClr val="lt1"/>
+                </a:fontRef>
+              </p:style>
+              <p:txBody>
+                <a:bodyPr rtlCol="0" anchor="ctr"/>
+                <a:lstStyle/>
+                <a:p>
+                  <a:pPr algn="ctr"/>
+                  <a:r>
+                    <a:rPr lang="de-DE" sz="1200" dirty="0">
+                      <a:solidFill>
+                        <a:schemeClr val="tx1"/>
+                      </a:solidFill>
+                    </a:rPr>
+                    <a:t>TF1</a:t>
+                  </a:r>
+                  <a:endParaRPr lang="de-DE" dirty="0">
+                    <a:solidFill>
+                      <a:schemeClr val="tx1"/>
+                    </a:solidFill>
+                  </a:endParaRPr>
+                </a:p>
+              </p:txBody>
+            </p:sp>
+            <p:sp>
+              <p:nvSpPr>
+                <p:cNvPr id="76" name="Rechteck: abgerundete Ecken 75">
+                  <a:extLst>
+                    <a:ext uri="{FF2B5EF4-FFF2-40B4-BE49-F238E27FC236}">
+                      <a16:creationId xmlns:a16="http://schemas.microsoft.com/office/drawing/2014/main" id="{2C565888-C4FA-45DC-9035-142D8DE70B9F}"/>
+                    </a:ext>
+                  </a:extLst>
+                </p:cNvPr>
+                <p:cNvSpPr/>
+                <p:nvPr/>
+              </p:nvSpPr>
+              <p:spPr>
+                <a:xfrm>
+                  <a:off x="2060017" y="1684089"/>
+                  <a:ext cx="547909" cy="260060"/>
+                </a:xfrm>
+                <a:prstGeom prst="roundRect">
+                  <a:avLst/>
+                </a:prstGeom>
+              </p:spPr>
+              <p:style>
+                <a:lnRef idx="2">
+                  <a:schemeClr val="accent4">
+                    <a:shade val="50000"/>
+                  </a:schemeClr>
+                </a:lnRef>
+                <a:fillRef idx="1">
+                  <a:schemeClr val="accent4"/>
+                </a:fillRef>
+                <a:effectRef idx="0">
+                  <a:schemeClr val="accent4"/>
+                </a:effectRef>
+                <a:fontRef idx="minor">
+                  <a:schemeClr val="lt1"/>
+                </a:fontRef>
+              </p:style>
+              <p:txBody>
+                <a:bodyPr rtlCol="0" anchor="ctr"/>
+                <a:lstStyle/>
+                <a:p>
+                  <a:pPr algn="ctr"/>
+                  <a:r>
+                    <a:rPr lang="de-DE" sz="1200" dirty="0">
+                      <a:solidFill>
+                        <a:schemeClr val="tx1"/>
+                      </a:solidFill>
+                    </a:rPr>
+                    <a:t>TF2</a:t>
+                  </a:r>
+                  <a:endParaRPr lang="de-DE" dirty="0">
+                    <a:solidFill>
+                      <a:schemeClr val="tx1"/>
+                    </a:solidFill>
+                  </a:endParaRPr>
+                </a:p>
+              </p:txBody>
+            </p:sp>
+            <p:sp>
+              <p:nvSpPr>
+                <p:cNvPr id="77" name="Rechteck: abgerundete Ecken 76">
+                  <a:extLst>
+                    <a:ext uri="{FF2B5EF4-FFF2-40B4-BE49-F238E27FC236}">
+                      <a16:creationId xmlns:a16="http://schemas.microsoft.com/office/drawing/2014/main" id="{8473CDA9-0F94-4F92-B8B9-F4F77734EAC1}"/>
+                    </a:ext>
+                  </a:extLst>
+                </p:cNvPr>
+                <p:cNvSpPr/>
+                <p:nvPr/>
+              </p:nvSpPr>
+              <p:spPr>
+                <a:xfrm>
+                  <a:off x="1440281" y="2033280"/>
+                  <a:ext cx="547909" cy="260060"/>
+                </a:xfrm>
+                <a:prstGeom prst="roundRect">
+                  <a:avLst/>
+                </a:prstGeom>
+              </p:spPr>
+              <p:style>
+                <a:lnRef idx="2">
+                  <a:schemeClr val="accent4">
+                    <a:shade val="50000"/>
+                  </a:schemeClr>
+                </a:lnRef>
+                <a:fillRef idx="1">
+                  <a:schemeClr val="accent4"/>
+                </a:fillRef>
+                <a:effectRef idx="0">
+                  <a:schemeClr val="accent4"/>
+                </a:effectRef>
+                <a:fontRef idx="minor">
+                  <a:schemeClr val="lt1"/>
+                </a:fontRef>
+              </p:style>
+              <p:txBody>
+                <a:bodyPr rtlCol="0" anchor="ctr"/>
+                <a:lstStyle/>
+                <a:p>
+                  <a:pPr algn="ctr"/>
+                  <a:r>
+                    <a:rPr lang="de-DE" sz="1200" dirty="0">
+                      <a:solidFill>
+                        <a:schemeClr val="tx1"/>
+                      </a:solidFill>
+                    </a:rPr>
+                    <a:t>…</a:t>
+                  </a:r>
+                  <a:endParaRPr lang="de-DE" dirty="0">
+                    <a:solidFill>
+                      <a:schemeClr val="tx1"/>
+                    </a:solidFill>
+                  </a:endParaRPr>
+                </a:p>
+              </p:txBody>
+            </p:sp>
+            <p:sp>
+              <p:nvSpPr>
+                <p:cNvPr id="78" name="Rechteck: abgerundete Ecken 77">
+                  <a:extLst>
+                    <a:ext uri="{FF2B5EF4-FFF2-40B4-BE49-F238E27FC236}">
+                      <a16:creationId xmlns:a16="http://schemas.microsoft.com/office/drawing/2014/main" id="{D455D7C4-9A64-455C-B702-9456273AE4A6}"/>
+                    </a:ext>
+                  </a:extLst>
+                </p:cNvPr>
+                <p:cNvSpPr/>
+                <p:nvPr/>
+              </p:nvSpPr>
+              <p:spPr>
+                <a:xfrm>
+                  <a:off x="2060017" y="2036426"/>
+                  <a:ext cx="547909" cy="260060"/>
+                </a:xfrm>
+                <a:prstGeom prst="roundRect">
+                  <a:avLst/>
+                </a:prstGeom>
+              </p:spPr>
+              <p:style>
+                <a:lnRef idx="2">
+                  <a:schemeClr val="accent4">
+                    <a:shade val="50000"/>
+                  </a:schemeClr>
+                </a:lnRef>
+                <a:fillRef idx="1">
+                  <a:schemeClr val="accent4"/>
+                </a:fillRef>
+                <a:effectRef idx="0">
+                  <a:schemeClr val="accent4"/>
+                </a:effectRef>
+                <a:fontRef idx="minor">
+                  <a:schemeClr val="lt1"/>
+                </a:fontRef>
+              </p:style>
+              <p:txBody>
+                <a:bodyPr rtlCol="0" anchor="ctr"/>
+                <a:lstStyle/>
+                <a:p>
+                  <a:pPr algn="ctr"/>
+                  <a:r>
+                    <a:rPr lang="de-DE" sz="1200" dirty="0">
+                      <a:solidFill>
+                        <a:schemeClr val="tx1"/>
+                      </a:solidFill>
+                    </a:rPr>
+                    <a:t>TF42</a:t>
+                  </a:r>
+                  <a:endParaRPr lang="de-DE" dirty="0">
+                    <a:solidFill>
+                      <a:schemeClr val="tx1"/>
+                    </a:solidFill>
+                  </a:endParaRPr>
+                </a:p>
+              </p:txBody>
+            </p:sp>
+          </p:grpSp>
+        </p:grpSp>
+      </p:grpSp>
+      <p:sp>
+        <p:nvSpPr>
+          <p:cNvPr id="84" name="Textfeld 83">
+            <a:extLst>
+              <a:ext uri="{FF2B5EF4-FFF2-40B4-BE49-F238E27FC236}">
+                <a16:creationId xmlns:a16="http://schemas.microsoft.com/office/drawing/2014/main" id="{8A49F223-8579-43F3-B7D0-900E4BD2BF33}"/>
+              </a:ext>
+            </a:extLst>
+          </p:cNvPr>
+          <p:cNvSpPr txBox="1"/>
+          <p:nvPr/>
+        </p:nvSpPr>
+        <p:spPr>
+          <a:xfrm>
+            <a:off x="146794" y="-5107"/>
+            <a:ext cx="12192000" cy="523220"/>
+          </a:xfrm>
+          <a:prstGeom prst="rect">
+            <a:avLst/>
+          </a:prstGeom>
+          <a:noFill/>
+        </p:spPr>
+        <p:txBody>
+          <a:bodyPr wrap="square" rtlCol="0">
+            <a:spAutoFit/>
+          </a:bodyPr>
+          <a:lstStyle/>
+          <a:p>
+            <a:pPr algn="ctr"/>
+            <a:r>
+              <a:rPr lang="de-DE" sz="2800" dirty="0"/>
+              <a:t>Ausgangslage</a:t>
+            </a:r>
+          </a:p>
+        </p:txBody>
+      </p:sp>
+      <p:cxnSp>
+        <p:nvCxnSpPr>
+          <p:cNvPr id="10" name="Gerade Verbindung mit Pfeil 9">
+            <a:extLst>
+              <a:ext uri="{FF2B5EF4-FFF2-40B4-BE49-F238E27FC236}">
+                <a16:creationId xmlns:a16="http://schemas.microsoft.com/office/drawing/2014/main" id="{7F580476-7C7F-4046-8FD9-40ADACA9041E}"/>
+              </a:ext>
+            </a:extLst>
+          </p:cNvPr>
+          <p:cNvCxnSpPr/>
+          <p:nvPr/>
+        </p:nvCxnSpPr>
+        <p:spPr>
+          <a:xfrm>
+            <a:off x="1770077" y="1350812"/>
+            <a:ext cx="0" cy="4127383"/>
+          </a:xfrm>
+          <a:prstGeom prst="straightConnector1">
+            <a:avLst/>
+          </a:prstGeom>
+          <a:ln>
+            <a:tailEnd type="triangle"/>
+          </a:ln>
+        </p:spPr>
+        <p:style>
+          <a:lnRef idx="2">
+            <a:schemeClr val="accent6"/>
+          </a:lnRef>
+          <a:fillRef idx="0">
+            <a:schemeClr val="accent6"/>
+          </a:fillRef>
+          <a:effectRef idx="1">
+            <a:schemeClr val="accent6"/>
+          </a:effectRef>
+          <a:fontRef idx="minor">
+            <a:schemeClr val="tx1"/>
+          </a:fontRef>
+        </p:style>
+      </p:cxnSp>
+      <p:sp>
+        <p:nvSpPr>
+          <p:cNvPr id="11" name="Textfeld 10">
+            <a:extLst>
+              <a:ext uri="{FF2B5EF4-FFF2-40B4-BE49-F238E27FC236}">
+                <a16:creationId xmlns:a16="http://schemas.microsoft.com/office/drawing/2014/main" id="{87F6ABF8-6DA5-4D42-A016-5EA979F98DAB}"/>
+              </a:ext>
+            </a:extLst>
+          </p:cNvPr>
+          <p:cNvSpPr txBox="1"/>
+          <p:nvPr/>
+        </p:nvSpPr>
+        <p:spPr>
+          <a:xfrm>
+            <a:off x="85102" y="2539195"/>
+            <a:ext cx="1526350" cy="1569660"/>
+          </a:xfrm>
+          <a:prstGeom prst="rect">
+            <a:avLst/>
+          </a:prstGeom>
+          <a:noFill/>
+        </p:spPr>
+        <p:txBody>
+          <a:bodyPr wrap="square" rtlCol="0">
+            <a:spAutoFit/>
+          </a:bodyPr>
+          <a:lstStyle/>
+          <a:p>
+            <a:r>
+              <a:rPr lang="de-DE" sz="1600" dirty="0">
+                <a:solidFill>
+                  <a:schemeClr val="accent6"/>
+                </a:solidFill>
+              </a:rPr>
+              <a:t>Verbunden, da alle </a:t>
+            </a:r>
+          </a:p>
+          <a:p>
+            <a:r>
+              <a:rPr lang="de-DE" sz="1600" dirty="0">
+                <a:solidFill>
+                  <a:schemeClr val="accent6"/>
+                </a:solidFill>
+              </a:rPr>
+              <a:t>kleineren Dosen von 3MBq abhängen und gleicher Patient</a:t>
+            </a:r>
+          </a:p>
+        </p:txBody>
+      </p:sp>
+      <p:cxnSp>
+        <p:nvCxnSpPr>
+          <p:cNvPr id="131" name="Gerade Verbindung mit Pfeil 130">
+            <a:extLst>
+              <a:ext uri="{FF2B5EF4-FFF2-40B4-BE49-F238E27FC236}">
+                <a16:creationId xmlns:a16="http://schemas.microsoft.com/office/drawing/2014/main" id="{E08089CD-BBF9-4BD2-ADFB-B40E5892D4A7}"/>
+              </a:ext>
+            </a:extLst>
+          </p:cNvPr>
+          <p:cNvCxnSpPr>
+            <a:cxnSpLocks/>
+          </p:cNvCxnSpPr>
+          <p:nvPr/>
+        </p:nvCxnSpPr>
+        <p:spPr>
+          <a:xfrm>
+            <a:off x="1909712" y="907594"/>
+            <a:ext cx="9929057" cy="0"/>
+          </a:xfrm>
+          <a:prstGeom prst="straightConnector1">
+            <a:avLst/>
+          </a:prstGeom>
+          <a:ln>
+            <a:tailEnd type="triangle"/>
+          </a:ln>
+        </p:spPr>
+        <p:style>
+          <a:lnRef idx="2">
+            <a:schemeClr val="accent6"/>
+          </a:lnRef>
+          <a:fillRef idx="0">
+            <a:schemeClr val="accent6"/>
+          </a:fillRef>
+          <a:effectRef idx="1">
+            <a:schemeClr val="accent6"/>
+          </a:effectRef>
+          <a:fontRef idx="minor">
+            <a:schemeClr val="tx1"/>
+          </a:fontRef>
+        </p:style>
+      </p:cxnSp>
+      <p:sp>
+        <p:nvSpPr>
+          <p:cNvPr id="132" name="Textfeld 131">
+            <a:extLst>
+              <a:ext uri="{FF2B5EF4-FFF2-40B4-BE49-F238E27FC236}">
+                <a16:creationId xmlns:a16="http://schemas.microsoft.com/office/drawing/2014/main" id="{514CC544-36D7-46B8-9ECD-D87BA785E998}"/>
+              </a:ext>
+            </a:extLst>
+          </p:cNvPr>
+          <p:cNvSpPr txBox="1"/>
+          <p:nvPr/>
+        </p:nvSpPr>
+        <p:spPr>
+          <a:xfrm>
+            <a:off x="1869769" y="599670"/>
+            <a:ext cx="5647001" cy="338554"/>
+          </a:xfrm>
+          <a:prstGeom prst="rect">
+            <a:avLst/>
+          </a:prstGeom>
+          <a:noFill/>
+        </p:spPr>
+        <p:txBody>
+          <a:bodyPr wrap="square" rtlCol="0">
+            <a:spAutoFit/>
+          </a:bodyPr>
+          <a:lstStyle/>
+          <a:p>
+            <a:r>
+              <a:rPr lang="de-DE" sz="1600" dirty="0">
+                <a:solidFill>
+                  <a:schemeClr val="accent6"/>
+                </a:solidFill>
+              </a:rPr>
+              <a:t>Unverbunden, zufällig ausgewählte Patienten</a:t>
+            </a:r>
+          </a:p>
+        </p:txBody>
+      </p:sp>
+    </p:spTree>
+    <p:extLst>
+      <p:ext uri="{BB962C8B-B14F-4D97-AF65-F5344CB8AC3E}">
+        <p14:creationId xmlns:p14="http://schemas.microsoft.com/office/powerpoint/2010/main" val="2363987909"/>
+      </p:ext>
+    </p:extLst>
+  </p:cSld>
+  <p:clrMapOvr>
+    <a:masterClrMapping/>
+  </p:clrMapOvr>
+</p:sld>
+</file>
+
+<file path=ppt/slides/slide3.xml><?xml version="1.0" encoding="utf-8"?>
 <p:sld xmlns:a="http://schemas.openxmlformats.org/drawingml/2006/main" xmlns:r="http://schemas.openxmlformats.org/officeDocument/2006/relationships" xmlns:p="http://schemas.openxmlformats.org/presentationml/2006/main">
   <p:cSld>
     <p:spTree>
@@ -8280,14 +10725,22 @@
             <p:ph type="title"/>
           </p:nvPr>
         </p:nvSpPr>
-        <p:spPr/>
+        <p:spPr>
+          <a:xfrm>
+            <a:off x="2239861" y="116551"/>
+            <a:ext cx="7365533" cy="562957"/>
+          </a:xfrm>
+        </p:spPr>
         <p:txBody>
-          <a:bodyPr/>
+          <a:bodyPr>
+            <a:normAutofit/>
+          </a:bodyPr>
           <a:lstStyle/>
           <a:p>
+            <a:pPr algn="ctr"/>
             <a:r>
-              <a:rPr lang="de-DE" dirty="0"/>
-              <a:t>ROI-Gruppen nach Größe</a:t>
+              <a:rPr lang="de-DE" sz="1800" b="1" dirty="0"/>
+              <a:t>ROI-Gruppen nach Größe – für Studienarbeit Weinhold obsolet</a:t>
             </a:r>
           </a:p>
         </p:txBody>
@@ -8307,13 +10760,13 @@
           <p:nvPr>
             <p:extLst>
               <p:ext uri="{D42A27DB-BD31-4B8C-83A1-F6EECF244321}">
-                <p14:modId xmlns:p14="http://schemas.microsoft.com/office/powerpoint/2010/main" val="3018586552"/>
+                <p14:modId xmlns:p14="http://schemas.microsoft.com/office/powerpoint/2010/main" val="2972681841"/>
               </p:ext>
             </p:extLst>
           </p:nvPr>
         </p:nvGraphicFramePr>
         <p:xfrm>
-          <a:off x="390525" y="2501900"/>
+          <a:off x="434466" y="1690688"/>
           <a:ext cx="9651016" cy="2209800"/>
         </p:xfrm>
         <a:graphic>
@@ -8386,9 +10839,20 @@
                     <a:p>
                       <a:r>
                         <a:rPr lang="de-DE" dirty="0" err="1"/>
+                        <a:t>Patient.Maskennr</a:t>
+                      </a:r>
+                      <a:r>
+                        <a:rPr lang="de-DE" dirty="0"/>
+                        <a:t> (</a:t>
+                      </a:r>
+                      <a:r>
+                        <a:rPr lang="de-DE" dirty="0" err="1"/>
                         <a:t>Patient.ROIs</a:t>
                       </a:r>
-                      <a:endParaRPr lang="de-DE" dirty="0"/>
+                      <a:r>
+                        <a:rPr lang="de-DE" dirty="0"/>
+                        <a:t>)</a:t>
+                      </a:r>
                     </a:p>
                   </a:txBody>
                   <a:tcPr/>
@@ -9623,6 +12087,92 @@
           </a:p>
         </p:txBody>
       </p:sp>
+      <p:sp>
+        <p:nvSpPr>
+          <p:cNvPr id="3" name="Textfeld 2">
+            <a:extLst>
+              <a:ext uri="{FF2B5EF4-FFF2-40B4-BE49-F238E27FC236}">
+                <a16:creationId xmlns:a16="http://schemas.microsoft.com/office/drawing/2014/main" id="{02E1938A-0349-466D-BF38-44C192391E0D}"/>
+              </a:ext>
+            </a:extLst>
+          </p:cNvPr>
+          <p:cNvSpPr txBox="1"/>
+          <p:nvPr/>
+        </p:nvSpPr>
+        <p:spPr>
+          <a:xfrm>
+            <a:off x="390526" y="4232315"/>
+            <a:ext cx="9738896" cy="2031325"/>
+          </a:xfrm>
+          <a:prstGeom prst="rect">
+            <a:avLst/>
+          </a:prstGeom>
+          <a:noFill/>
+        </p:spPr>
+        <p:txBody>
+          <a:bodyPr wrap="square" rtlCol="0">
+            <a:spAutoFit/>
+          </a:bodyPr>
+          <a:lstStyle/>
+          <a:p>
+            <a:r>
+              <a:rPr lang="de-DE" dirty="0"/>
+              <a:t>Weitere Datensatzinfo:</a:t>
+            </a:r>
+          </a:p>
+          <a:p>
+            <a:pPr lvl="0"/>
+            <a:r>
+              <a:rPr lang="de-DE" dirty="0"/>
+              <a:t>Alle Patienten haben die Masken 1-4</a:t>
+            </a:r>
+          </a:p>
+          <a:p>
+            <a:pPr lvl="1"/>
+            <a:r>
+              <a:rPr lang="de-DE" dirty="0"/>
+              <a:t>Maske 1 ist die </a:t>
+            </a:r>
+            <a:r>
+              <a:rPr lang="de-DE" dirty="0" err="1"/>
+              <a:t>VergleichsROI</a:t>
+            </a:r>
+            <a:r>
+              <a:rPr lang="de-DE" dirty="0"/>
+              <a:t> in der Leber</a:t>
+            </a:r>
+          </a:p>
+          <a:p>
+            <a:pPr lvl="1"/>
+            <a:r>
+              <a:rPr lang="de-DE" dirty="0"/>
+              <a:t>Maske 2 auch in der Leber (ist noch zu klären, scheint aber auch einfach eine kleine </a:t>
+            </a:r>
+            <a:r>
+              <a:rPr lang="de-DE" dirty="0" err="1"/>
+              <a:t>VergleichsROI</a:t>
+            </a:r>
+            <a:r>
+              <a:rPr lang="de-DE" dirty="0"/>
+              <a:t> zu sein)</a:t>
+            </a:r>
+          </a:p>
+          <a:p>
+            <a:pPr lvl="1"/>
+            <a:r>
+              <a:rPr lang="de-DE" dirty="0"/>
+              <a:t>Maske 3 und 4 sind Schichtmasken (zweidimensional und sehr klein – sind nicht wichtig)</a:t>
+            </a:r>
+          </a:p>
+          <a:p>
+            <a:pPr lvl="0"/>
+            <a:r>
+              <a:rPr lang="de-DE" dirty="0"/>
+              <a:t>Ab Maske 5 – X wird krankhaftes Gewebe segmentiert</a:t>
+            </a:r>
+          </a:p>
+        </p:txBody>
+      </p:sp>
     </p:spTree>
     <p:extLst>
       <p:ext uri="{BB962C8B-B14F-4D97-AF65-F5344CB8AC3E}">

--- a/Matthias/02-Patients3MBq/Was_wird_wie_getestet.pptx
+++ b/Matthias/02-Patients3MBq/Was_wird_wie_getestet.pptx
@@ -7,7 +7,9 @@
   <p:sldIdLst>
     <p:sldId id="256" r:id="rId2"/>
     <p:sldId id="259" r:id="rId3"/>
-    <p:sldId id="257" r:id="rId4"/>
+    <p:sldId id="260" r:id="rId4"/>
+    <p:sldId id="261" r:id="rId5"/>
+    <p:sldId id="257" r:id="rId6"/>
   </p:sldIdLst>
   <p:sldSz cx="12192000" cy="6858000"/>
   <p:notesSz cx="6858000" cy="9144000"/>
@@ -261,7 +263,7 @@
           <a:p>
             <a:fld id="{6E20447D-E185-4F8E-8A5E-B1C6AF407A2E}" type="datetimeFigureOut">
               <a:rPr lang="de-DE" smtClean="0"/>
-              <a:t>27.03.2018</a:t>
+              <a:t>02.04.2018</a:t>
             </a:fld>
             <a:endParaRPr lang="de-DE"/>
           </a:p>
@@ -459,7 +461,7 @@
           <a:p>
             <a:fld id="{6E20447D-E185-4F8E-8A5E-B1C6AF407A2E}" type="datetimeFigureOut">
               <a:rPr lang="de-DE" smtClean="0"/>
-              <a:t>27.03.2018</a:t>
+              <a:t>02.04.2018</a:t>
             </a:fld>
             <a:endParaRPr lang="de-DE"/>
           </a:p>
@@ -667,7 +669,7 @@
           <a:p>
             <a:fld id="{6E20447D-E185-4F8E-8A5E-B1C6AF407A2E}" type="datetimeFigureOut">
               <a:rPr lang="de-DE" smtClean="0"/>
-              <a:t>27.03.2018</a:t>
+              <a:t>02.04.2018</a:t>
             </a:fld>
             <a:endParaRPr lang="de-DE"/>
           </a:p>
@@ -865,7 +867,7 @@
           <a:p>
             <a:fld id="{6E20447D-E185-4F8E-8A5E-B1C6AF407A2E}" type="datetimeFigureOut">
               <a:rPr lang="de-DE" smtClean="0"/>
-              <a:t>27.03.2018</a:t>
+              <a:t>02.04.2018</a:t>
             </a:fld>
             <a:endParaRPr lang="de-DE"/>
           </a:p>
@@ -1140,7 +1142,7 @@
           <a:p>
             <a:fld id="{6E20447D-E185-4F8E-8A5E-B1C6AF407A2E}" type="datetimeFigureOut">
               <a:rPr lang="de-DE" smtClean="0"/>
-              <a:t>27.03.2018</a:t>
+              <a:t>02.04.2018</a:t>
             </a:fld>
             <a:endParaRPr lang="de-DE"/>
           </a:p>
@@ -1405,7 +1407,7 @@
           <a:p>
             <a:fld id="{6E20447D-E185-4F8E-8A5E-B1C6AF407A2E}" type="datetimeFigureOut">
               <a:rPr lang="de-DE" smtClean="0"/>
-              <a:t>27.03.2018</a:t>
+              <a:t>02.04.2018</a:t>
             </a:fld>
             <a:endParaRPr lang="de-DE"/>
           </a:p>
@@ -1817,7 +1819,7 @@
           <a:p>
             <a:fld id="{6E20447D-E185-4F8E-8A5E-B1C6AF407A2E}" type="datetimeFigureOut">
               <a:rPr lang="de-DE" smtClean="0"/>
-              <a:t>27.03.2018</a:t>
+              <a:t>02.04.2018</a:t>
             </a:fld>
             <a:endParaRPr lang="de-DE"/>
           </a:p>
@@ -1958,7 +1960,7 @@
           <a:p>
             <a:fld id="{6E20447D-E185-4F8E-8A5E-B1C6AF407A2E}" type="datetimeFigureOut">
               <a:rPr lang="de-DE" smtClean="0"/>
-              <a:t>27.03.2018</a:t>
+              <a:t>02.04.2018</a:t>
             </a:fld>
             <a:endParaRPr lang="de-DE"/>
           </a:p>
@@ -2071,7 +2073,7 @@
           <a:p>
             <a:fld id="{6E20447D-E185-4F8E-8A5E-B1C6AF407A2E}" type="datetimeFigureOut">
               <a:rPr lang="de-DE" smtClean="0"/>
-              <a:t>27.03.2018</a:t>
+              <a:t>02.04.2018</a:t>
             </a:fld>
             <a:endParaRPr lang="de-DE"/>
           </a:p>
@@ -2382,7 +2384,7 @@
           <a:p>
             <a:fld id="{6E20447D-E185-4F8E-8A5E-B1C6AF407A2E}" type="datetimeFigureOut">
               <a:rPr lang="de-DE" smtClean="0"/>
-              <a:t>27.03.2018</a:t>
+              <a:t>02.04.2018</a:t>
             </a:fld>
             <a:endParaRPr lang="de-DE"/>
           </a:p>
@@ -2670,7 +2672,7 @@
           <a:p>
             <a:fld id="{6E20447D-E185-4F8E-8A5E-B1C6AF407A2E}" type="datetimeFigureOut">
               <a:rPr lang="de-DE" smtClean="0"/>
-              <a:t>27.03.2018</a:t>
+              <a:t>02.04.2018</a:t>
             </a:fld>
             <a:endParaRPr lang="de-DE"/>
           </a:p>
@@ -2911,7 +2913,7 @@
           <a:p>
             <a:fld id="{6E20447D-E185-4F8E-8A5E-B1C6AF407A2E}" type="datetimeFigureOut">
               <a:rPr lang="de-DE" smtClean="0"/>
-              <a:t>27.03.2018</a:t>
+              <a:t>02.04.2018</a:t>
             </a:fld>
             <a:endParaRPr lang="de-DE"/>
           </a:p>
@@ -10489,7 +10491,7 @@
         </p:nvSpPr>
         <p:spPr>
           <a:xfrm>
-            <a:off x="146794" y="-5107"/>
+            <a:off x="0" y="-5107"/>
             <a:ext cx="12192000" cy="523220"/>
           </a:xfrm>
           <a:prstGeom prst="rect">
@@ -10693,6 +10695,6088 @@
 </file>
 
 <file path=ppt/slides/slide3.xml><?xml version="1.0" encoding="utf-8"?>
+<p:sld xmlns:a="http://schemas.openxmlformats.org/drawingml/2006/main" xmlns:r="http://schemas.openxmlformats.org/officeDocument/2006/relationships" xmlns:p="http://schemas.openxmlformats.org/presentationml/2006/main">
+  <p:cSld>
+    <p:spTree>
+      <p:nvGrpSpPr>
+        <p:cNvPr id="1" name=""/>
+        <p:cNvGrpSpPr/>
+        <p:nvPr/>
+      </p:nvGrpSpPr>
+      <p:grpSpPr>
+        <a:xfrm>
+          <a:off x="0" y="0"/>
+          <a:ext cx="0" cy="0"/>
+          <a:chOff x="0" y="0"/>
+          <a:chExt cx="0" cy="0"/>
+        </a:xfrm>
+      </p:grpSpPr>
+      <p:sp>
+        <p:nvSpPr>
+          <p:cNvPr id="84" name="Textfeld 83">
+            <a:extLst>
+              <a:ext uri="{FF2B5EF4-FFF2-40B4-BE49-F238E27FC236}">
+                <a16:creationId xmlns:a16="http://schemas.microsoft.com/office/drawing/2014/main" id="{8A49F223-8579-43F3-B7D0-900E4BD2BF33}"/>
+              </a:ext>
+            </a:extLst>
+          </p:cNvPr>
+          <p:cNvSpPr txBox="1"/>
+          <p:nvPr/>
+        </p:nvSpPr>
+        <p:spPr>
+          <a:xfrm>
+            <a:off x="0" y="-5107"/>
+            <a:ext cx="12192000" cy="523220"/>
+          </a:xfrm>
+          <a:prstGeom prst="rect">
+            <a:avLst/>
+          </a:prstGeom>
+          <a:noFill/>
+        </p:spPr>
+        <p:txBody>
+          <a:bodyPr wrap="square" rtlCol="0">
+            <a:spAutoFit/>
+          </a:bodyPr>
+          <a:lstStyle/>
+          <a:p>
+            <a:pPr algn="ctr"/>
+            <a:r>
+              <a:rPr lang="de-DE" sz="2800" dirty="0"/>
+              <a:t>Grundmenge ROI 1 – absolut Werte</a:t>
+            </a:r>
+          </a:p>
+        </p:txBody>
+      </p:sp>
+      <p:graphicFrame>
+        <p:nvGraphicFramePr>
+          <p:cNvPr id="2" name="Tabelle 1">
+            <a:extLst>
+              <a:ext uri="{FF2B5EF4-FFF2-40B4-BE49-F238E27FC236}">
+                <a16:creationId xmlns:a16="http://schemas.microsoft.com/office/drawing/2014/main" id="{A202405E-8839-41E0-8B5B-F89F25E9DFCF}"/>
+              </a:ext>
+            </a:extLst>
+          </p:cNvPr>
+          <p:cNvGraphicFramePr>
+            <a:graphicFrameLocks noGrp="1"/>
+          </p:cNvGraphicFramePr>
+          <p:nvPr>
+            <p:extLst>
+              <p:ext uri="{D42A27DB-BD31-4B8C-83A1-F6EECF244321}">
+                <p14:modId xmlns:p14="http://schemas.microsoft.com/office/powerpoint/2010/main" val="2246780939"/>
+              </p:ext>
+            </p:extLst>
+          </p:nvPr>
+        </p:nvGraphicFramePr>
+        <p:xfrm>
+          <a:off x="1825234" y="1210976"/>
+          <a:ext cx="3194304" cy="3515360"/>
+        </p:xfrm>
+        <a:graphic>
+          <a:graphicData uri="http://schemas.openxmlformats.org/drawingml/2006/table">
+            <a:tbl>
+              <a:tblPr firstRow="1" bandRow="1">
+                <a:tableStyleId>{00A15C55-8517-42AA-B614-E9B94910E393}</a:tableStyleId>
+              </a:tblPr>
+              <a:tblGrid>
+                <a:gridCol w="414528">
+                  <a:extLst>
+                    <a:ext uri="{9D8B030D-6E8A-4147-A177-3AD203B41FA5}">
+                      <a16:colId xmlns:a16="http://schemas.microsoft.com/office/drawing/2014/main" val="955975988"/>
+                    </a:ext>
+                  </a:extLst>
+                </a:gridCol>
+                <a:gridCol w="841248">
+                  <a:extLst>
+                    <a:ext uri="{9D8B030D-6E8A-4147-A177-3AD203B41FA5}">
+                      <a16:colId xmlns:a16="http://schemas.microsoft.com/office/drawing/2014/main" val="555965979"/>
+                    </a:ext>
+                  </a:extLst>
+                </a:gridCol>
+                <a:gridCol w="896112">
+                  <a:extLst>
+                    <a:ext uri="{9D8B030D-6E8A-4147-A177-3AD203B41FA5}">
+                      <a16:colId xmlns:a16="http://schemas.microsoft.com/office/drawing/2014/main" val="3903549877"/>
+                    </a:ext>
+                  </a:extLst>
+                </a:gridCol>
+                <a:gridCol w="1042416">
+                  <a:extLst>
+                    <a:ext uri="{9D8B030D-6E8A-4147-A177-3AD203B41FA5}">
+                      <a16:colId xmlns:a16="http://schemas.microsoft.com/office/drawing/2014/main" val="1685591517"/>
+                    </a:ext>
+                  </a:extLst>
+                </a:gridCol>
+              </a:tblGrid>
+              <a:tr h="370840">
+                <a:tc>
+                  <a:txBody>
+                    <a:bodyPr/>
+                    <a:lstStyle/>
+                    <a:p>
+                      <a:r>
+                        <a:rPr lang="de-DE" sz="1000" dirty="0"/>
+                        <a:t>Nr.</a:t>
+                      </a:r>
+                    </a:p>
+                  </a:txBody>
+                  <a:tcPr/>
+                </a:tc>
+                <a:tc>
+                  <a:txBody>
+                    <a:bodyPr/>
+                    <a:lstStyle/>
+                    <a:p>
+                      <a:r>
+                        <a:rPr lang="de-DE" sz="1000" dirty="0"/>
+                        <a:t>Name vereinfacht</a:t>
+                      </a:r>
+                    </a:p>
+                  </a:txBody>
+                  <a:tcPr/>
+                </a:tc>
+                <a:tc>
+                  <a:txBody>
+                    <a:bodyPr/>
+                    <a:lstStyle/>
+                    <a:p>
+                      <a:r>
+                        <a:rPr lang="de-DE" sz="1000" dirty="0"/>
+                        <a:t>ROI Größe</a:t>
+                      </a:r>
+                    </a:p>
+                  </a:txBody>
+                  <a:tcPr/>
+                </a:tc>
+                <a:tc>
+                  <a:txBody>
+                    <a:bodyPr/>
+                    <a:lstStyle/>
+                    <a:p>
+                      <a:r>
+                        <a:rPr lang="de-DE" sz="1000" dirty="0"/>
+                        <a:t>Anzahl der Ausreißer über alle TFs</a:t>
+                      </a:r>
+                    </a:p>
+                  </a:txBody>
+                  <a:tcPr/>
+                </a:tc>
+                <a:extLst>
+                  <a:ext uri="{0D108BD9-81ED-4DB2-BD59-A6C34878D82A}">
+                    <a16:rowId xmlns:a16="http://schemas.microsoft.com/office/drawing/2014/main" val="470140596"/>
+                  </a:ext>
+                </a:extLst>
+              </a:tr>
+              <a:tr h="370840">
+                <a:tc>
+                  <a:txBody>
+                    <a:bodyPr/>
+                    <a:lstStyle/>
+                    <a:p>
+                      <a:r>
+                        <a:rPr lang="de-DE" sz="1000" dirty="0"/>
+                        <a:t>1</a:t>
+                      </a:r>
+                    </a:p>
+                  </a:txBody>
+                  <a:tcPr/>
+                </a:tc>
+                <a:tc>
+                  <a:txBody>
+                    <a:bodyPr/>
+                    <a:lstStyle/>
+                    <a:p>
+                      <a:r>
+                        <a:rPr lang="de-DE" sz="1000" dirty="0"/>
+                        <a:t>P13</a:t>
+                      </a:r>
+                    </a:p>
+                  </a:txBody>
+                  <a:tcPr/>
+                </a:tc>
+                <a:tc>
+                  <a:txBody>
+                    <a:bodyPr/>
+                    <a:lstStyle/>
+                    <a:p>
+                      <a:r>
+                        <a:rPr lang="de-DE" sz="1000" dirty="0"/>
+                        <a:t>7255</a:t>
+                      </a:r>
+                    </a:p>
+                  </a:txBody>
+                  <a:tcPr/>
+                </a:tc>
+                <a:tc>
+                  <a:txBody>
+                    <a:bodyPr/>
+                    <a:lstStyle/>
+                    <a:p>
+                      <a:r>
+                        <a:rPr lang="de-DE" sz="1000" dirty="0"/>
+                        <a:t>36</a:t>
+                      </a:r>
+                    </a:p>
+                  </a:txBody>
+                  <a:tcPr/>
+                </a:tc>
+                <a:extLst>
+                  <a:ext uri="{0D108BD9-81ED-4DB2-BD59-A6C34878D82A}">
+                    <a16:rowId xmlns:a16="http://schemas.microsoft.com/office/drawing/2014/main" val="1607950166"/>
+                  </a:ext>
+                </a:extLst>
+              </a:tr>
+              <a:tr h="370840">
+                <a:tc>
+                  <a:txBody>
+                    <a:bodyPr/>
+                    <a:lstStyle/>
+                    <a:p>
+                      <a:r>
+                        <a:rPr lang="de-DE" sz="1000" dirty="0"/>
+                        <a:t>2</a:t>
+                      </a:r>
+                    </a:p>
+                  </a:txBody>
+                  <a:tcPr/>
+                </a:tc>
+                <a:tc>
+                  <a:txBody>
+                    <a:bodyPr/>
+                    <a:lstStyle/>
+                    <a:p>
+                      <a:r>
+                        <a:rPr lang="de-DE" sz="1000" dirty="0"/>
+                        <a:t>P9</a:t>
+                      </a:r>
+                    </a:p>
+                  </a:txBody>
+                  <a:tcPr/>
+                </a:tc>
+                <a:tc>
+                  <a:txBody>
+                    <a:bodyPr/>
+                    <a:lstStyle/>
+                    <a:p>
+                      <a:r>
+                        <a:rPr lang="de-DE" sz="1000" dirty="0"/>
+                        <a:t>7194</a:t>
+                      </a:r>
+                    </a:p>
+                  </a:txBody>
+                  <a:tcPr/>
+                </a:tc>
+                <a:tc>
+                  <a:txBody>
+                    <a:bodyPr/>
+                    <a:lstStyle/>
+                    <a:p>
+                      <a:r>
+                        <a:rPr lang="de-DE" sz="1000" dirty="0"/>
+                        <a:t>34</a:t>
+                      </a:r>
+                    </a:p>
+                  </a:txBody>
+                  <a:tcPr/>
+                </a:tc>
+                <a:extLst>
+                  <a:ext uri="{0D108BD9-81ED-4DB2-BD59-A6C34878D82A}">
+                    <a16:rowId xmlns:a16="http://schemas.microsoft.com/office/drawing/2014/main" val="830403483"/>
+                  </a:ext>
+                </a:extLst>
+              </a:tr>
+              <a:tr h="370840">
+                <a:tc>
+                  <a:txBody>
+                    <a:bodyPr/>
+                    <a:lstStyle/>
+                    <a:p>
+                      <a:r>
+                        <a:rPr lang="de-DE" sz="1000" dirty="0"/>
+                        <a:t>3</a:t>
+                      </a:r>
+                    </a:p>
+                  </a:txBody>
+                  <a:tcPr/>
+                </a:tc>
+                <a:tc>
+                  <a:txBody>
+                    <a:bodyPr/>
+                    <a:lstStyle/>
+                    <a:p>
+                      <a:r>
+                        <a:rPr lang="de-DE" sz="1000" dirty="0"/>
+                        <a:t>P18</a:t>
+                      </a:r>
+                    </a:p>
+                  </a:txBody>
+                  <a:tcPr/>
+                </a:tc>
+                <a:tc>
+                  <a:txBody>
+                    <a:bodyPr/>
+                    <a:lstStyle/>
+                    <a:p>
+                      <a:r>
+                        <a:rPr lang="de-DE" sz="1000" dirty="0"/>
+                        <a:t>6602</a:t>
+                      </a:r>
+                    </a:p>
+                  </a:txBody>
+                  <a:tcPr/>
+                </a:tc>
+                <a:tc>
+                  <a:txBody>
+                    <a:bodyPr/>
+                    <a:lstStyle/>
+                    <a:p>
+                      <a:r>
+                        <a:rPr lang="de-DE" sz="1000" dirty="0"/>
+                        <a:t>17</a:t>
+                      </a:r>
+                    </a:p>
+                  </a:txBody>
+                  <a:tcPr/>
+                </a:tc>
+                <a:extLst>
+                  <a:ext uri="{0D108BD9-81ED-4DB2-BD59-A6C34878D82A}">
+                    <a16:rowId xmlns:a16="http://schemas.microsoft.com/office/drawing/2014/main" val="313824966"/>
+                  </a:ext>
+                </a:extLst>
+              </a:tr>
+              <a:tr h="370840">
+                <a:tc>
+                  <a:txBody>
+                    <a:bodyPr/>
+                    <a:lstStyle/>
+                    <a:p>
+                      <a:r>
+                        <a:rPr lang="de-DE" sz="1000" dirty="0"/>
+                        <a:t>4</a:t>
+                      </a:r>
+                    </a:p>
+                  </a:txBody>
+                  <a:tcPr/>
+                </a:tc>
+                <a:tc>
+                  <a:txBody>
+                    <a:bodyPr/>
+                    <a:lstStyle/>
+                    <a:p>
+                      <a:r>
+                        <a:rPr lang="de-DE" sz="1000" dirty="0"/>
+                        <a:t>P3</a:t>
+                      </a:r>
+                    </a:p>
+                  </a:txBody>
+                  <a:tcPr/>
+                </a:tc>
+                <a:tc>
+                  <a:txBody>
+                    <a:bodyPr/>
+                    <a:lstStyle/>
+                    <a:p>
+                      <a:r>
+                        <a:rPr lang="de-DE" sz="1000" dirty="0"/>
+                        <a:t>6694</a:t>
+                      </a:r>
+                    </a:p>
+                  </a:txBody>
+                  <a:tcPr/>
+                </a:tc>
+                <a:tc>
+                  <a:txBody>
+                    <a:bodyPr/>
+                    <a:lstStyle/>
+                    <a:p>
+                      <a:r>
+                        <a:rPr lang="de-DE" sz="1000" dirty="0"/>
+                        <a:t>15</a:t>
+                      </a:r>
+                    </a:p>
+                  </a:txBody>
+                  <a:tcPr/>
+                </a:tc>
+                <a:extLst>
+                  <a:ext uri="{0D108BD9-81ED-4DB2-BD59-A6C34878D82A}">
+                    <a16:rowId xmlns:a16="http://schemas.microsoft.com/office/drawing/2014/main" val="4041828381"/>
+                  </a:ext>
+                </a:extLst>
+              </a:tr>
+              <a:tr h="370840">
+                <a:tc>
+                  <a:txBody>
+                    <a:bodyPr/>
+                    <a:lstStyle/>
+                    <a:p>
+                      <a:r>
+                        <a:rPr lang="de-DE" sz="1000" dirty="0"/>
+                        <a:t>5</a:t>
+                      </a:r>
+                    </a:p>
+                  </a:txBody>
+                  <a:tcPr/>
+                </a:tc>
+                <a:tc>
+                  <a:txBody>
+                    <a:bodyPr/>
+                    <a:lstStyle/>
+                    <a:p>
+                      <a:r>
+                        <a:rPr lang="de-DE" sz="1000" dirty="0"/>
+                        <a:t>P12</a:t>
+                      </a:r>
+                    </a:p>
+                  </a:txBody>
+                  <a:tcPr/>
+                </a:tc>
+                <a:tc>
+                  <a:txBody>
+                    <a:bodyPr/>
+                    <a:lstStyle/>
+                    <a:p>
+                      <a:r>
+                        <a:rPr lang="de-DE" sz="1000" dirty="0"/>
+                        <a:t>2052</a:t>
+                      </a:r>
+                    </a:p>
+                  </a:txBody>
+                  <a:tcPr/>
+                </a:tc>
+                <a:tc>
+                  <a:txBody>
+                    <a:bodyPr/>
+                    <a:lstStyle/>
+                    <a:p>
+                      <a:r>
+                        <a:rPr lang="de-DE" sz="1000" dirty="0"/>
+                        <a:t>15</a:t>
+                      </a:r>
+                    </a:p>
+                  </a:txBody>
+                  <a:tcPr/>
+                </a:tc>
+                <a:extLst>
+                  <a:ext uri="{0D108BD9-81ED-4DB2-BD59-A6C34878D82A}">
+                    <a16:rowId xmlns:a16="http://schemas.microsoft.com/office/drawing/2014/main" val="3772716032"/>
+                  </a:ext>
+                </a:extLst>
+              </a:tr>
+              <a:tr h="370840">
+                <a:tc>
+                  <a:txBody>
+                    <a:bodyPr/>
+                    <a:lstStyle/>
+                    <a:p>
+                      <a:r>
+                        <a:rPr lang="de-DE" sz="1000" dirty="0"/>
+                        <a:t>6</a:t>
+                      </a:r>
+                    </a:p>
+                  </a:txBody>
+                  <a:tcPr/>
+                </a:tc>
+                <a:tc>
+                  <a:txBody>
+                    <a:bodyPr/>
+                    <a:lstStyle/>
+                    <a:p>
+                      <a:r>
+                        <a:rPr lang="de-DE" sz="1000" dirty="0"/>
+                        <a:t>P17</a:t>
+                      </a:r>
+                    </a:p>
+                  </a:txBody>
+                  <a:tcPr/>
+                </a:tc>
+                <a:tc>
+                  <a:txBody>
+                    <a:bodyPr/>
+                    <a:lstStyle/>
+                    <a:p>
+                      <a:r>
+                        <a:rPr lang="de-DE" sz="1000" dirty="0"/>
+                        <a:t>4692</a:t>
+                      </a:r>
+                    </a:p>
+                  </a:txBody>
+                  <a:tcPr/>
+                </a:tc>
+                <a:tc>
+                  <a:txBody>
+                    <a:bodyPr/>
+                    <a:lstStyle/>
+                    <a:p>
+                      <a:r>
+                        <a:rPr lang="de-DE" sz="1000" dirty="0"/>
+                        <a:t>12</a:t>
+                      </a:r>
+                    </a:p>
+                  </a:txBody>
+                  <a:tcPr/>
+                </a:tc>
+                <a:extLst>
+                  <a:ext uri="{0D108BD9-81ED-4DB2-BD59-A6C34878D82A}">
+                    <a16:rowId xmlns:a16="http://schemas.microsoft.com/office/drawing/2014/main" val="3119712114"/>
+                  </a:ext>
+                </a:extLst>
+              </a:tr>
+              <a:tr h="370840">
+                <a:tc>
+                  <a:txBody>
+                    <a:bodyPr/>
+                    <a:lstStyle/>
+                    <a:p>
+                      <a:r>
+                        <a:rPr lang="de-DE" sz="1000" dirty="0"/>
+                        <a:t>7</a:t>
+                      </a:r>
+                    </a:p>
+                  </a:txBody>
+                  <a:tcPr/>
+                </a:tc>
+                <a:tc>
+                  <a:txBody>
+                    <a:bodyPr/>
+                    <a:lstStyle/>
+                    <a:p>
+                      <a:r>
+                        <a:rPr lang="de-DE" sz="1000" dirty="0"/>
+                        <a:t>P4</a:t>
+                      </a:r>
+                    </a:p>
+                  </a:txBody>
+                  <a:tcPr/>
+                </a:tc>
+                <a:tc>
+                  <a:txBody>
+                    <a:bodyPr/>
+                    <a:lstStyle/>
+                    <a:p>
+                      <a:r>
+                        <a:rPr lang="de-DE" sz="1000" dirty="0"/>
+                        <a:t>2475</a:t>
+                      </a:r>
+                    </a:p>
+                  </a:txBody>
+                  <a:tcPr/>
+                </a:tc>
+                <a:tc>
+                  <a:txBody>
+                    <a:bodyPr/>
+                    <a:lstStyle/>
+                    <a:p>
+                      <a:r>
+                        <a:rPr lang="de-DE" sz="1000" dirty="0"/>
+                        <a:t>11</a:t>
+                      </a:r>
+                    </a:p>
+                  </a:txBody>
+                  <a:tcPr/>
+                </a:tc>
+                <a:extLst>
+                  <a:ext uri="{0D108BD9-81ED-4DB2-BD59-A6C34878D82A}">
+                    <a16:rowId xmlns:a16="http://schemas.microsoft.com/office/drawing/2014/main" val="755863571"/>
+                  </a:ext>
+                </a:extLst>
+              </a:tr>
+              <a:tr h="370840">
+                <a:tc>
+                  <a:txBody>
+                    <a:bodyPr/>
+                    <a:lstStyle/>
+                    <a:p>
+                      <a:r>
+                        <a:rPr lang="de-DE" sz="1000" dirty="0"/>
+                        <a:t>8</a:t>
+                      </a:r>
+                    </a:p>
+                  </a:txBody>
+                  <a:tcPr/>
+                </a:tc>
+                <a:tc>
+                  <a:txBody>
+                    <a:bodyPr/>
+                    <a:lstStyle/>
+                    <a:p>
+                      <a:r>
+                        <a:rPr lang="de-DE" sz="1000" dirty="0"/>
+                        <a:t>P14</a:t>
+                      </a:r>
+                    </a:p>
+                  </a:txBody>
+                  <a:tcPr/>
+                </a:tc>
+                <a:tc>
+                  <a:txBody>
+                    <a:bodyPr/>
+                    <a:lstStyle/>
+                    <a:p>
+                      <a:r>
+                        <a:rPr lang="de-DE" sz="1000" dirty="0"/>
+                        <a:t>7262</a:t>
+                      </a:r>
+                    </a:p>
+                  </a:txBody>
+                  <a:tcPr/>
+                </a:tc>
+                <a:tc>
+                  <a:txBody>
+                    <a:bodyPr/>
+                    <a:lstStyle/>
+                    <a:p>
+                      <a:r>
+                        <a:rPr lang="de-DE" sz="1000" dirty="0"/>
+                        <a:t>9</a:t>
+                      </a:r>
+                    </a:p>
+                  </a:txBody>
+                  <a:tcPr/>
+                </a:tc>
+                <a:extLst>
+                  <a:ext uri="{0D108BD9-81ED-4DB2-BD59-A6C34878D82A}">
+                    <a16:rowId xmlns:a16="http://schemas.microsoft.com/office/drawing/2014/main" val="397919606"/>
+                  </a:ext>
+                </a:extLst>
+              </a:tr>
+            </a:tbl>
+          </a:graphicData>
+        </a:graphic>
+      </p:graphicFrame>
+      <p:graphicFrame>
+        <p:nvGraphicFramePr>
+          <p:cNvPr id="85" name="Tabelle 84">
+            <a:extLst>
+              <a:ext uri="{FF2B5EF4-FFF2-40B4-BE49-F238E27FC236}">
+                <a16:creationId xmlns:a16="http://schemas.microsoft.com/office/drawing/2014/main" id="{9C0CC078-AB2E-4EC8-9C1F-4FCDA088CA4F}"/>
+              </a:ext>
+            </a:extLst>
+          </p:cNvPr>
+          <p:cNvGraphicFramePr>
+            <a:graphicFrameLocks noGrp="1"/>
+          </p:cNvGraphicFramePr>
+          <p:nvPr>
+            <p:extLst>
+              <p:ext uri="{D42A27DB-BD31-4B8C-83A1-F6EECF244321}">
+                <p14:modId xmlns:p14="http://schemas.microsoft.com/office/powerpoint/2010/main" val="3199902160"/>
+              </p:ext>
+            </p:extLst>
+          </p:nvPr>
+        </p:nvGraphicFramePr>
+        <p:xfrm>
+          <a:off x="10568731" y="1234440"/>
+          <a:ext cx="1416005" cy="4389120"/>
+        </p:xfrm>
+        <a:graphic>
+          <a:graphicData uri="http://schemas.openxmlformats.org/drawingml/2006/table">
+            <a:tbl>
+              <a:tblPr firstRow="1" bandRow="1">
+                <a:tableStyleId>{21E4AEA4-8DFA-4A89-87EB-49C32662AFE0}</a:tableStyleId>
+              </a:tblPr>
+              <a:tblGrid>
+                <a:gridCol w="687964">
+                  <a:extLst>
+                    <a:ext uri="{9D8B030D-6E8A-4147-A177-3AD203B41FA5}">
+                      <a16:colId xmlns:a16="http://schemas.microsoft.com/office/drawing/2014/main" val="1975731961"/>
+                    </a:ext>
+                  </a:extLst>
+                </a:gridCol>
+                <a:gridCol w="728041">
+                  <a:extLst>
+                    <a:ext uri="{9D8B030D-6E8A-4147-A177-3AD203B41FA5}">
+                      <a16:colId xmlns:a16="http://schemas.microsoft.com/office/drawing/2014/main" val="3147134053"/>
+                    </a:ext>
+                  </a:extLst>
+                </a:gridCol>
+              </a:tblGrid>
+              <a:tr h="180000">
+                <a:tc>
+                  <a:txBody>
+                    <a:bodyPr/>
+                    <a:lstStyle/>
+                    <a:p>
+                      <a:r>
+                        <a:rPr lang="de-DE" sz="800" dirty="0"/>
+                        <a:t>Name vereinfacht</a:t>
+                      </a:r>
+                    </a:p>
+                  </a:txBody>
+                  <a:tcPr/>
+                </a:tc>
+                <a:tc>
+                  <a:txBody>
+                    <a:bodyPr/>
+                    <a:lstStyle/>
+                    <a:p>
+                      <a:r>
+                        <a:rPr lang="de-DE" sz="800" dirty="0"/>
+                        <a:t>Name in Studie</a:t>
+                      </a:r>
+                    </a:p>
+                  </a:txBody>
+                  <a:tcPr/>
+                </a:tc>
+                <a:extLst>
+                  <a:ext uri="{0D108BD9-81ED-4DB2-BD59-A6C34878D82A}">
+                    <a16:rowId xmlns:a16="http://schemas.microsoft.com/office/drawing/2014/main" val="4233368179"/>
+                  </a:ext>
+                </a:extLst>
+              </a:tr>
+              <a:tr h="180000">
+                <a:tc>
+                  <a:txBody>
+                    <a:bodyPr/>
+                    <a:lstStyle/>
+                    <a:p>
+                      <a:pPr algn="l" fontAlgn="b"/>
+                      <a:r>
+                        <a:rPr lang="de-DE" sz="800" u="none" strike="noStrike" dirty="0">
+                          <a:effectLst/>
+                        </a:rPr>
+                        <a:t>P1</a:t>
+                      </a:r>
+                      <a:endParaRPr lang="de-DE" sz="800" b="0" i="0" u="none" strike="noStrike" dirty="0">
+                        <a:solidFill>
+                          <a:srgbClr val="000000"/>
+                        </a:solidFill>
+                        <a:effectLst/>
+                        <a:latin typeface="Calibri" panose="020F0502020204030204" pitchFamily="34" charset="0"/>
+                      </a:endParaRPr>
+                    </a:p>
+                  </a:txBody>
+                  <a:tcPr marL="7620" marR="7620" marT="7620" marB="0" anchor="b"/>
+                </a:tc>
+                <a:tc>
+                  <a:txBody>
+                    <a:bodyPr/>
+                    <a:lstStyle/>
+                    <a:p>
+                      <a:r>
+                        <a:rPr lang="de-DE" sz="800" dirty="0"/>
+                        <a:t>01</a:t>
+                      </a:r>
+                    </a:p>
+                  </a:txBody>
+                  <a:tcPr/>
+                </a:tc>
+                <a:extLst>
+                  <a:ext uri="{0D108BD9-81ED-4DB2-BD59-A6C34878D82A}">
+                    <a16:rowId xmlns:a16="http://schemas.microsoft.com/office/drawing/2014/main" val="838003262"/>
+                  </a:ext>
+                </a:extLst>
+              </a:tr>
+              <a:tr h="180000">
+                <a:tc>
+                  <a:txBody>
+                    <a:bodyPr/>
+                    <a:lstStyle/>
+                    <a:p>
+                      <a:pPr algn="l" fontAlgn="b"/>
+                      <a:r>
+                        <a:rPr lang="de-DE" sz="800" u="none" strike="noStrike" dirty="0">
+                          <a:effectLst/>
+                        </a:rPr>
+                        <a:t>P2</a:t>
+                      </a:r>
+                      <a:endParaRPr lang="de-DE" sz="800" b="0" i="0" u="none" strike="noStrike" dirty="0">
+                        <a:solidFill>
+                          <a:srgbClr val="000000"/>
+                        </a:solidFill>
+                        <a:effectLst/>
+                        <a:latin typeface="Calibri" panose="020F0502020204030204" pitchFamily="34" charset="0"/>
+                      </a:endParaRPr>
+                    </a:p>
+                  </a:txBody>
+                  <a:tcPr marL="7620" marR="7620" marT="7620" marB="0" anchor="b"/>
+                </a:tc>
+                <a:tc>
+                  <a:txBody>
+                    <a:bodyPr/>
+                    <a:lstStyle/>
+                    <a:p>
+                      <a:r>
+                        <a:rPr lang="de-DE" sz="800" dirty="0"/>
+                        <a:t>03</a:t>
+                      </a:r>
+                    </a:p>
+                  </a:txBody>
+                  <a:tcPr/>
+                </a:tc>
+                <a:extLst>
+                  <a:ext uri="{0D108BD9-81ED-4DB2-BD59-A6C34878D82A}">
+                    <a16:rowId xmlns:a16="http://schemas.microsoft.com/office/drawing/2014/main" val="2037680900"/>
+                  </a:ext>
+                </a:extLst>
+              </a:tr>
+              <a:tr h="180000">
+                <a:tc>
+                  <a:txBody>
+                    <a:bodyPr/>
+                    <a:lstStyle/>
+                    <a:p>
+                      <a:pPr algn="l" fontAlgn="b"/>
+                      <a:r>
+                        <a:rPr lang="de-DE" sz="800" u="none" strike="noStrike">
+                          <a:effectLst/>
+                        </a:rPr>
+                        <a:t>P3</a:t>
+                      </a:r>
+                      <a:endParaRPr lang="de-DE" sz="800" b="0" i="0" u="none" strike="noStrike">
+                        <a:solidFill>
+                          <a:srgbClr val="000000"/>
+                        </a:solidFill>
+                        <a:effectLst/>
+                        <a:latin typeface="Calibri" panose="020F0502020204030204" pitchFamily="34" charset="0"/>
+                      </a:endParaRPr>
+                    </a:p>
+                  </a:txBody>
+                  <a:tcPr marL="7620" marR="7620" marT="7620" marB="0" anchor="b"/>
+                </a:tc>
+                <a:tc>
+                  <a:txBody>
+                    <a:bodyPr/>
+                    <a:lstStyle/>
+                    <a:p>
+                      <a:r>
+                        <a:rPr lang="de-DE" sz="800" dirty="0"/>
+                        <a:t>06</a:t>
+                      </a:r>
+                    </a:p>
+                  </a:txBody>
+                  <a:tcPr/>
+                </a:tc>
+                <a:extLst>
+                  <a:ext uri="{0D108BD9-81ED-4DB2-BD59-A6C34878D82A}">
+                    <a16:rowId xmlns:a16="http://schemas.microsoft.com/office/drawing/2014/main" val="722062138"/>
+                  </a:ext>
+                </a:extLst>
+              </a:tr>
+              <a:tr h="180000">
+                <a:tc>
+                  <a:txBody>
+                    <a:bodyPr/>
+                    <a:lstStyle/>
+                    <a:p>
+                      <a:pPr algn="l" fontAlgn="b"/>
+                      <a:r>
+                        <a:rPr lang="de-DE" sz="800" u="none" strike="noStrike">
+                          <a:effectLst/>
+                        </a:rPr>
+                        <a:t>P4</a:t>
+                      </a:r>
+                      <a:endParaRPr lang="de-DE" sz="800" b="0" i="0" u="none" strike="noStrike">
+                        <a:solidFill>
+                          <a:srgbClr val="000000"/>
+                        </a:solidFill>
+                        <a:effectLst/>
+                        <a:latin typeface="Calibri" panose="020F0502020204030204" pitchFamily="34" charset="0"/>
+                      </a:endParaRPr>
+                    </a:p>
+                  </a:txBody>
+                  <a:tcPr marL="7620" marR="7620" marT="7620" marB="0" anchor="b"/>
+                </a:tc>
+                <a:tc>
+                  <a:txBody>
+                    <a:bodyPr/>
+                    <a:lstStyle/>
+                    <a:p>
+                      <a:r>
+                        <a:rPr lang="de-DE" sz="800" dirty="0"/>
+                        <a:t>09</a:t>
+                      </a:r>
+                    </a:p>
+                  </a:txBody>
+                  <a:tcPr/>
+                </a:tc>
+                <a:extLst>
+                  <a:ext uri="{0D108BD9-81ED-4DB2-BD59-A6C34878D82A}">
+                    <a16:rowId xmlns:a16="http://schemas.microsoft.com/office/drawing/2014/main" val="459563783"/>
+                  </a:ext>
+                </a:extLst>
+              </a:tr>
+              <a:tr h="180000">
+                <a:tc>
+                  <a:txBody>
+                    <a:bodyPr/>
+                    <a:lstStyle/>
+                    <a:p>
+                      <a:pPr algn="l" fontAlgn="b"/>
+                      <a:r>
+                        <a:rPr lang="de-DE" sz="800" u="none" strike="noStrike">
+                          <a:effectLst/>
+                        </a:rPr>
+                        <a:t>P5</a:t>
+                      </a:r>
+                      <a:endParaRPr lang="de-DE" sz="800" b="0" i="0" u="none" strike="noStrike">
+                        <a:solidFill>
+                          <a:srgbClr val="000000"/>
+                        </a:solidFill>
+                        <a:effectLst/>
+                        <a:latin typeface="Calibri" panose="020F0502020204030204" pitchFamily="34" charset="0"/>
+                      </a:endParaRPr>
+                    </a:p>
+                  </a:txBody>
+                  <a:tcPr marL="7620" marR="7620" marT="7620" marB="0" anchor="b"/>
+                </a:tc>
+                <a:tc>
+                  <a:txBody>
+                    <a:bodyPr/>
+                    <a:lstStyle/>
+                    <a:p>
+                      <a:r>
+                        <a:rPr lang="de-DE" sz="800" dirty="0"/>
+                        <a:t>10</a:t>
+                      </a:r>
+                    </a:p>
+                  </a:txBody>
+                  <a:tcPr/>
+                </a:tc>
+                <a:extLst>
+                  <a:ext uri="{0D108BD9-81ED-4DB2-BD59-A6C34878D82A}">
+                    <a16:rowId xmlns:a16="http://schemas.microsoft.com/office/drawing/2014/main" val="1636671969"/>
+                  </a:ext>
+                </a:extLst>
+              </a:tr>
+              <a:tr h="180000">
+                <a:tc>
+                  <a:txBody>
+                    <a:bodyPr/>
+                    <a:lstStyle/>
+                    <a:p>
+                      <a:pPr algn="l" fontAlgn="b"/>
+                      <a:r>
+                        <a:rPr lang="de-DE" sz="800" u="none" strike="noStrike" dirty="0">
+                          <a:effectLst/>
+                        </a:rPr>
+                        <a:t>P6</a:t>
+                      </a:r>
+                      <a:endParaRPr lang="de-DE" sz="800" b="0" i="0" u="none" strike="noStrike" dirty="0">
+                        <a:solidFill>
+                          <a:srgbClr val="000000"/>
+                        </a:solidFill>
+                        <a:effectLst/>
+                        <a:latin typeface="Calibri" panose="020F0502020204030204" pitchFamily="34" charset="0"/>
+                      </a:endParaRPr>
+                    </a:p>
+                  </a:txBody>
+                  <a:tcPr marL="7620" marR="7620" marT="7620" marB="0" anchor="b"/>
+                </a:tc>
+                <a:tc>
+                  <a:txBody>
+                    <a:bodyPr/>
+                    <a:lstStyle/>
+                    <a:p>
+                      <a:r>
+                        <a:rPr lang="de-DE" sz="800" dirty="0"/>
+                        <a:t>13</a:t>
+                      </a:r>
+                    </a:p>
+                  </a:txBody>
+                  <a:tcPr/>
+                </a:tc>
+                <a:extLst>
+                  <a:ext uri="{0D108BD9-81ED-4DB2-BD59-A6C34878D82A}">
+                    <a16:rowId xmlns:a16="http://schemas.microsoft.com/office/drawing/2014/main" val="3760018317"/>
+                  </a:ext>
+                </a:extLst>
+              </a:tr>
+              <a:tr h="180000">
+                <a:tc>
+                  <a:txBody>
+                    <a:bodyPr/>
+                    <a:lstStyle/>
+                    <a:p>
+                      <a:pPr algn="l" fontAlgn="b"/>
+                      <a:r>
+                        <a:rPr lang="de-DE" sz="800" u="none" strike="noStrike">
+                          <a:effectLst/>
+                        </a:rPr>
+                        <a:t>P7</a:t>
+                      </a:r>
+                      <a:endParaRPr lang="de-DE" sz="800" b="0" i="0" u="none" strike="noStrike">
+                        <a:solidFill>
+                          <a:srgbClr val="000000"/>
+                        </a:solidFill>
+                        <a:effectLst/>
+                        <a:latin typeface="Calibri" panose="020F0502020204030204" pitchFamily="34" charset="0"/>
+                      </a:endParaRPr>
+                    </a:p>
+                  </a:txBody>
+                  <a:tcPr marL="7620" marR="7620" marT="7620" marB="0" anchor="b"/>
+                </a:tc>
+                <a:tc>
+                  <a:txBody>
+                    <a:bodyPr/>
+                    <a:lstStyle/>
+                    <a:p>
+                      <a:r>
+                        <a:rPr lang="de-DE" sz="800" dirty="0"/>
+                        <a:t>14</a:t>
+                      </a:r>
+                    </a:p>
+                  </a:txBody>
+                  <a:tcPr/>
+                </a:tc>
+                <a:extLst>
+                  <a:ext uri="{0D108BD9-81ED-4DB2-BD59-A6C34878D82A}">
+                    <a16:rowId xmlns:a16="http://schemas.microsoft.com/office/drawing/2014/main" val="994391060"/>
+                  </a:ext>
+                </a:extLst>
+              </a:tr>
+              <a:tr h="180000">
+                <a:tc>
+                  <a:txBody>
+                    <a:bodyPr/>
+                    <a:lstStyle/>
+                    <a:p>
+                      <a:pPr algn="l" fontAlgn="b"/>
+                      <a:r>
+                        <a:rPr lang="de-DE" sz="800" u="none" strike="noStrike">
+                          <a:effectLst/>
+                        </a:rPr>
+                        <a:t>P8</a:t>
+                      </a:r>
+                      <a:endParaRPr lang="de-DE" sz="800" b="0" i="0" u="none" strike="noStrike">
+                        <a:solidFill>
+                          <a:srgbClr val="000000"/>
+                        </a:solidFill>
+                        <a:effectLst/>
+                        <a:latin typeface="Calibri" panose="020F0502020204030204" pitchFamily="34" charset="0"/>
+                      </a:endParaRPr>
+                    </a:p>
+                  </a:txBody>
+                  <a:tcPr marL="7620" marR="7620" marT="7620" marB="0" anchor="b"/>
+                </a:tc>
+                <a:tc>
+                  <a:txBody>
+                    <a:bodyPr/>
+                    <a:lstStyle/>
+                    <a:p>
+                      <a:r>
+                        <a:rPr lang="de-DE" sz="800" dirty="0"/>
+                        <a:t>17</a:t>
+                      </a:r>
+                    </a:p>
+                  </a:txBody>
+                  <a:tcPr/>
+                </a:tc>
+                <a:extLst>
+                  <a:ext uri="{0D108BD9-81ED-4DB2-BD59-A6C34878D82A}">
+                    <a16:rowId xmlns:a16="http://schemas.microsoft.com/office/drawing/2014/main" val="2856202599"/>
+                  </a:ext>
+                </a:extLst>
+              </a:tr>
+              <a:tr h="180000">
+                <a:tc>
+                  <a:txBody>
+                    <a:bodyPr/>
+                    <a:lstStyle/>
+                    <a:p>
+                      <a:pPr algn="l" fontAlgn="b"/>
+                      <a:r>
+                        <a:rPr lang="de-DE" sz="800" u="none" strike="noStrike">
+                          <a:effectLst/>
+                        </a:rPr>
+                        <a:t>P9</a:t>
+                      </a:r>
+                      <a:endParaRPr lang="de-DE" sz="800" b="0" i="0" u="none" strike="noStrike">
+                        <a:solidFill>
+                          <a:srgbClr val="000000"/>
+                        </a:solidFill>
+                        <a:effectLst/>
+                        <a:latin typeface="Calibri" panose="020F0502020204030204" pitchFamily="34" charset="0"/>
+                      </a:endParaRPr>
+                    </a:p>
+                  </a:txBody>
+                  <a:tcPr marL="7620" marR="7620" marT="7620" marB="0" anchor="b"/>
+                </a:tc>
+                <a:tc>
+                  <a:txBody>
+                    <a:bodyPr/>
+                    <a:lstStyle/>
+                    <a:p>
+                      <a:r>
+                        <a:rPr lang="de-DE" sz="800" dirty="0"/>
+                        <a:t>18</a:t>
+                      </a:r>
+                    </a:p>
+                  </a:txBody>
+                  <a:tcPr/>
+                </a:tc>
+                <a:extLst>
+                  <a:ext uri="{0D108BD9-81ED-4DB2-BD59-A6C34878D82A}">
+                    <a16:rowId xmlns:a16="http://schemas.microsoft.com/office/drawing/2014/main" val="3102006988"/>
+                  </a:ext>
+                </a:extLst>
+              </a:tr>
+              <a:tr h="180000">
+                <a:tc>
+                  <a:txBody>
+                    <a:bodyPr/>
+                    <a:lstStyle/>
+                    <a:p>
+                      <a:pPr algn="l" fontAlgn="b"/>
+                      <a:r>
+                        <a:rPr lang="de-DE" sz="800" u="none" strike="noStrike">
+                          <a:effectLst/>
+                        </a:rPr>
+                        <a:t>P10</a:t>
+                      </a:r>
+                      <a:endParaRPr lang="de-DE" sz="800" b="0" i="0" u="none" strike="noStrike">
+                        <a:solidFill>
+                          <a:srgbClr val="000000"/>
+                        </a:solidFill>
+                        <a:effectLst/>
+                        <a:latin typeface="Calibri" panose="020F0502020204030204" pitchFamily="34" charset="0"/>
+                      </a:endParaRPr>
+                    </a:p>
+                  </a:txBody>
+                  <a:tcPr marL="7620" marR="7620" marT="7620" marB="0" anchor="b"/>
+                </a:tc>
+                <a:tc>
+                  <a:txBody>
+                    <a:bodyPr/>
+                    <a:lstStyle/>
+                    <a:p>
+                      <a:r>
+                        <a:rPr lang="de-DE" sz="800" dirty="0"/>
+                        <a:t>19</a:t>
+                      </a:r>
+                    </a:p>
+                  </a:txBody>
+                  <a:tcPr/>
+                </a:tc>
+                <a:extLst>
+                  <a:ext uri="{0D108BD9-81ED-4DB2-BD59-A6C34878D82A}">
+                    <a16:rowId xmlns:a16="http://schemas.microsoft.com/office/drawing/2014/main" val="2306867264"/>
+                  </a:ext>
+                </a:extLst>
+              </a:tr>
+              <a:tr h="180000">
+                <a:tc>
+                  <a:txBody>
+                    <a:bodyPr/>
+                    <a:lstStyle/>
+                    <a:p>
+                      <a:pPr algn="l" fontAlgn="b"/>
+                      <a:r>
+                        <a:rPr lang="de-DE" sz="800" u="none" strike="noStrike">
+                          <a:effectLst/>
+                        </a:rPr>
+                        <a:t>P11</a:t>
+                      </a:r>
+                      <a:endParaRPr lang="de-DE" sz="800" b="0" i="0" u="none" strike="noStrike">
+                        <a:solidFill>
+                          <a:srgbClr val="000000"/>
+                        </a:solidFill>
+                        <a:effectLst/>
+                        <a:latin typeface="Calibri" panose="020F0502020204030204" pitchFamily="34" charset="0"/>
+                      </a:endParaRPr>
+                    </a:p>
+                  </a:txBody>
+                  <a:tcPr marL="7620" marR="7620" marT="7620" marB="0" anchor="b"/>
+                </a:tc>
+                <a:tc>
+                  <a:txBody>
+                    <a:bodyPr/>
+                    <a:lstStyle/>
+                    <a:p>
+                      <a:r>
+                        <a:rPr lang="de-DE" sz="800" dirty="0"/>
+                        <a:t>20</a:t>
+                      </a:r>
+                    </a:p>
+                  </a:txBody>
+                  <a:tcPr/>
+                </a:tc>
+                <a:extLst>
+                  <a:ext uri="{0D108BD9-81ED-4DB2-BD59-A6C34878D82A}">
+                    <a16:rowId xmlns:a16="http://schemas.microsoft.com/office/drawing/2014/main" val="522877056"/>
+                  </a:ext>
+                </a:extLst>
+              </a:tr>
+              <a:tr h="180000">
+                <a:tc>
+                  <a:txBody>
+                    <a:bodyPr/>
+                    <a:lstStyle/>
+                    <a:p>
+                      <a:pPr algn="l" fontAlgn="b"/>
+                      <a:r>
+                        <a:rPr lang="de-DE" sz="800" u="none" strike="noStrike">
+                          <a:effectLst/>
+                        </a:rPr>
+                        <a:t>P12</a:t>
+                      </a:r>
+                      <a:endParaRPr lang="de-DE" sz="800" b="0" i="0" u="none" strike="noStrike">
+                        <a:solidFill>
+                          <a:srgbClr val="000000"/>
+                        </a:solidFill>
+                        <a:effectLst/>
+                        <a:latin typeface="Calibri" panose="020F0502020204030204" pitchFamily="34" charset="0"/>
+                      </a:endParaRPr>
+                    </a:p>
+                  </a:txBody>
+                  <a:tcPr marL="7620" marR="7620" marT="7620" marB="0" anchor="b"/>
+                </a:tc>
+                <a:tc>
+                  <a:txBody>
+                    <a:bodyPr/>
+                    <a:lstStyle/>
+                    <a:p>
+                      <a:r>
+                        <a:rPr lang="de-DE" sz="800" dirty="0"/>
+                        <a:t>21</a:t>
+                      </a:r>
+                    </a:p>
+                  </a:txBody>
+                  <a:tcPr/>
+                </a:tc>
+                <a:extLst>
+                  <a:ext uri="{0D108BD9-81ED-4DB2-BD59-A6C34878D82A}">
+                    <a16:rowId xmlns:a16="http://schemas.microsoft.com/office/drawing/2014/main" val="1434615662"/>
+                  </a:ext>
+                </a:extLst>
+              </a:tr>
+              <a:tr h="180000">
+                <a:tc>
+                  <a:txBody>
+                    <a:bodyPr/>
+                    <a:lstStyle/>
+                    <a:p>
+                      <a:pPr algn="l" fontAlgn="b"/>
+                      <a:r>
+                        <a:rPr lang="de-DE" sz="800" u="none" strike="noStrike">
+                          <a:effectLst/>
+                        </a:rPr>
+                        <a:t>P13</a:t>
+                      </a:r>
+                      <a:endParaRPr lang="de-DE" sz="800" b="0" i="0" u="none" strike="noStrike">
+                        <a:solidFill>
+                          <a:srgbClr val="000000"/>
+                        </a:solidFill>
+                        <a:effectLst/>
+                        <a:latin typeface="Calibri" panose="020F0502020204030204" pitchFamily="34" charset="0"/>
+                      </a:endParaRPr>
+                    </a:p>
+                  </a:txBody>
+                  <a:tcPr marL="7620" marR="7620" marT="7620" marB="0" anchor="b"/>
+                </a:tc>
+                <a:tc>
+                  <a:txBody>
+                    <a:bodyPr/>
+                    <a:lstStyle/>
+                    <a:p>
+                      <a:r>
+                        <a:rPr lang="de-DE" sz="800" dirty="0"/>
+                        <a:t>22</a:t>
+                      </a:r>
+                    </a:p>
+                  </a:txBody>
+                  <a:tcPr/>
+                </a:tc>
+                <a:extLst>
+                  <a:ext uri="{0D108BD9-81ED-4DB2-BD59-A6C34878D82A}">
+                    <a16:rowId xmlns:a16="http://schemas.microsoft.com/office/drawing/2014/main" val="557139340"/>
+                  </a:ext>
+                </a:extLst>
+              </a:tr>
+              <a:tr h="180000">
+                <a:tc>
+                  <a:txBody>
+                    <a:bodyPr/>
+                    <a:lstStyle/>
+                    <a:p>
+                      <a:pPr algn="l" fontAlgn="b"/>
+                      <a:r>
+                        <a:rPr lang="de-DE" sz="800" u="none" strike="noStrike">
+                          <a:effectLst/>
+                        </a:rPr>
+                        <a:t>P14</a:t>
+                      </a:r>
+                      <a:endParaRPr lang="de-DE" sz="800" b="0" i="0" u="none" strike="noStrike">
+                        <a:solidFill>
+                          <a:srgbClr val="000000"/>
+                        </a:solidFill>
+                        <a:effectLst/>
+                        <a:latin typeface="Calibri" panose="020F0502020204030204" pitchFamily="34" charset="0"/>
+                      </a:endParaRPr>
+                    </a:p>
+                  </a:txBody>
+                  <a:tcPr marL="7620" marR="7620" marT="7620" marB="0" anchor="b"/>
+                </a:tc>
+                <a:tc>
+                  <a:txBody>
+                    <a:bodyPr/>
+                    <a:lstStyle/>
+                    <a:p>
+                      <a:r>
+                        <a:rPr lang="de-DE" sz="800" dirty="0"/>
+                        <a:t>24</a:t>
+                      </a:r>
+                    </a:p>
+                  </a:txBody>
+                  <a:tcPr/>
+                </a:tc>
+                <a:extLst>
+                  <a:ext uri="{0D108BD9-81ED-4DB2-BD59-A6C34878D82A}">
+                    <a16:rowId xmlns:a16="http://schemas.microsoft.com/office/drawing/2014/main" val="1855355169"/>
+                  </a:ext>
+                </a:extLst>
+              </a:tr>
+              <a:tr h="180000">
+                <a:tc>
+                  <a:txBody>
+                    <a:bodyPr/>
+                    <a:lstStyle/>
+                    <a:p>
+                      <a:pPr algn="l" fontAlgn="b"/>
+                      <a:r>
+                        <a:rPr lang="de-DE" sz="800" u="none" strike="noStrike">
+                          <a:effectLst/>
+                        </a:rPr>
+                        <a:t>P15</a:t>
+                      </a:r>
+                      <a:endParaRPr lang="de-DE" sz="800" b="0" i="0" u="none" strike="noStrike">
+                        <a:solidFill>
+                          <a:srgbClr val="000000"/>
+                        </a:solidFill>
+                        <a:effectLst/>
+                        <a:latin typeface="Calibri" panose="020F0502020204030204" pitchFamily="34" charset="0"/>
+                      </a:endParaRPr>
+                    </a:p>
+                  </a:txBody>
+                  <a:tcPr marL="7620" marR="7620" marT="7620" marB="0" anchor="b"/>
+                </a:tc>
+                <a:tc>
+                  <a:txBody>
+                    <a:bodyPr/>
+                    <a:lstStyle/>
+                    <a:p>
+                      <a:r>
+                        <a:rPr lang="de-DE" sz="800" dirty="0"/>
+                        <a:t>25</a:t>
+                      </a:r>
+                    </a:p>
+                  </a:txBody>
+                  <a:tcPr/>
+                </a:tc>
+                <a:extLst>
+                  <a:ext uri="{0D108BD9-81ED-4DB2-BD59-A6C34878D82A}">
+                    <a16:rowId xmlns:a16="http://schemas.microsoft.com/office/drawing/2014/main" val="1836365254"/>
+                  </a:ext>
+                </a:extLst>
+              </a:tr>
+              <a:tr h="180000">
+                <a:tc>
+                  <a:txBody>
+                    <a:bodyPr/>
+                    <a:lstStyle/>
+                    <a:p>
+                      <a:pPr algn="l" fontAlgn="b"/>
+                      <a:r>
+                        <a:rPr lang="de-DE" sz="800" u="none" strike="noStrike">
+                          <a:effectLst/>
+                        </a:rPr>
+                        <a:t>P16</a:t>
+                      </a:r>
+                      <a:endParaRPr lang="de-DE" sz="800" b="0" i="0" u="none" strike="noStrike">
+                        <a:solidFill>
+                          <a:srgbClr val="000000"/>
+                        </a:solidFill>
+                        <a:effectLst/>
+                        <a:latin typeface="Calibri" panose="020F0502020204030204" pitchFamily="34" charset="0"/>
+                      </a:endParaRPr>
+                    </a:p>
+                  </a:txBody>
+                  <a:tcPr marL="7620" marR="7620" marT="7620" marB="0" anchor="b"/>
+                </a:tc>
+                <a:tc>
+                  <a:txBody>
+                    <a:bodyPr/>
+                    <a:lstStyle/>
+                    <a:p>
+                      <a:r>
+                        <a:rPr lang="de-DE" sz="800" dirty="0"/>
+                        <a:t>26</a:t>
+                      </a:r>
+                    </a:p>
+                  </a:txBody>
+                  <a:tcPr/>
+                </a:tc>
+                <a:extLst>
+                  <a:ext uri="{0D108BD9-81ED-4DB2-BD59-A6C34878D82A}">
+                    <a16:rowId xmlns:a16="http://schemas.microsoft.com/office/drawing/2014/main" val="2794397227"/>
+                  </a:ext>
+                </a:extLst>
+              </a:tr>
+              <a:tr h="180000">
+                <a:tc>
+                  <a:txBody>
+                    <a:bodyPr/>
+                    <a:lstStyle/>
+                    <a:p>
+                      <a:pPr algn="l" fontAlgn="b"/>
+                      <a:r>
+                        <a:rPr lang="de-DE" sz="800" u="none" strike="noStrike">
+                          <a:effectLst/>
+                        </a:rPr>
+                        <a:t>P17</a:t>
+                      </a:r>
+                      <a:endParaRPr lang="de-DE" sz="800" b="0" i="0" u="none" strike="noStrike">
+                        <a:solidFill>
+                          <a:srgbClr val="000000"/>
+                        </a:solidFill>
+                        <a:effectLst/>
+                        <a:latin typeface="Calibri" panose="020F0502020204030204" pitchFamily="34" charset="0"/>
+                      </a:endParaRPr>
+                    </a:p>
+                  </a:txBody>
+                  <a:tcPr marL="7620" marR="7620" marT="7620" marB="0" anchor="b"/>
+                </a:tc>
+                <a:tc>
+                  <a:txBody>
+                    <a:bodyPr/>
+                    <a:lstStyle/>
+                    <a:p>
+                      <a:r>
+                        <a:rPr lang="de-DE" sz="800" dirty="0"/>
+                        <a:t>27</a:t>
+                      </a:r>
+                    </a:p>
+                  </a:txBody>
+                  <a:tcPr/>
+                </a:tc>
+                <a:extLst>
+                  <a:ext uri="{0D108BD9-81ED-4DB2-BD59-A6C34878D82A}">
+                    <a16:rowId xmlns:a16="http://schemas.microsoft.com/office/drawing/2014/main" val="1895521726"/>
+                  </a:ext>
+                </a:extLst>
+              </a:tr>
+              <a:tr h="180000">
+                <a:tc>
+                  <a:txBody>
+                    <a:bodyPr/>
+                    <a:lstStyle/>
+                    <a:p>
+                      <a:pPr algn="l" fontAlgn="b"/>
+                      <a:r>
+                        <a:rPr lang="de-DE" sz="800" u="none" strike="noStrike">
+                          <a:effectLst/>
+                        </a:rPr>
+                        <a:t>P18</a:t>
+                      </a:r>
+                      <a:endParaRPr lang="de-DE" sz="800" b="0" i="0" u="none" strike="noStrike">
+                        <a:solidFill>
+                          <a:srgbClr val="000000"/>
+                        </a:solidFill>
+                        <a:effectLst/>
+                        <a:latin typeface="Calibri" panose="020F0502020204030204" pitchFamily="34" charset="0"/>
+                      </a:endParaRPr>
+                    </a:p>
+                  </a:txBody>
+                  <a:tcPr marL="7620" marR="7620" marT="7620" marB="0" anchor="b"/>
+                </a:tc>
+                <a:tc>
+                  <a:txBody>
+                    <a:bodyPr/>
+                    <a:lstStyle/>
+                    <a:p>
+                      <a:r>
+                        <a:rPr lang="de-DE" sz="800" dirty="0"/>
+                        <a:t>28</a:t>
+                      </a:r>
+                    </a:p>
+                  </a:txBody>
+                  <a:tcPr/>
+                </a:tc>
+                <a:extLst>
+                  <a:ext uri="{0D108BD9-81ED-4DB2-BD59-A6C34878D82A}">
+                    <a16:rowId xmlns:a16="http://schemas.microsoft.com/office/drawing/2014/main" val="501268314"/>
+                  </a:ext>
+                </a:extLst>
+              </a:tr>
+              <a:tr h="180000">
+                <a:tc>
+                  <a:txBody>
+                    <a:bodyPr/>
+                    <a:lstStyle/>
+                    <a:p>
+                      <a:pPr algn="l" fontAlgn="b"/>
+                      <a:r>
+                        <a:rPr lang="de-DE" sz="800" u="none" strike="noStrike" dirty="0">
+                          <a:effectLst/>
+                        </a:rPr>
+                        <a:t>P19</a:t>
+                      </a:r>
+                      <a:endParaRPr lang="de-DE" sz="800" b="0" i="0" u="none" strike="noStrike" dirty="0">
+                        <a:solidFill>
+                          <a:srgbClr val="000000"/>
+                        </a:solidFill>
+                        <a:effectLst/>
+                        <a:latin typeface="Calibri" panose="020F0502020204030204" pitchFamily="34" charset="0"/>
+                      </a:endParaRPr>
+                    </a:p>
+                  </a:txBody>
+                  <a:tcPr marL="7620" marR="7620" marT="7620" marB="0" anchor="b"/>
+                </a:tc>
+                <a:tc>
+                  <a:txBody>
+                    <a:bodyPr/>
+                    <a:lstStyle/>
+                    <a:p>
+                      <a:r>
+                        <a:rPr lang="de-DE" sz="800" dirty="0"/>
+                        <a:t>29</a:t>
+                      </a:r>
+                    </a:p>
+                  </a:txBody>
+                  <a:tcPr/>
+                </a:tc>
+                <a:extLst>
+                  <a:ext uri="{0D108BD9-81ED-4DB2-BD59-A6C34878D82A}">
+                    <a16:rowId xmlns:a16="http://schemas.microsoft.com/office/drawing/2014/main" val="976129848"/>
+                  </a:ext>
+                </a:extLst>
+              </a:tr>
+            </a:tbl>
+          </a:graphicData>
+        </a:graphic>
+      </p:graphicFrame>
+      <p:sp>
+        <p:nvSpPr>
+          <p:cNvPr id="86" name="Textfeld 85">
+            <a:extLst>
+              <a:ext uri="{FF2B5EF4-FFF2-40B4-BE49-F238E27FC236}">
+                <a16:creationId xmlns:a16="http://schemas.microsoft.com/office/drawing/2014/main" id="{5B16C945-43E9-4751-AD1F-1B741E1C97E0}"/>
+              </a:ext>
+            </a:extLst>
+          </p:cNvPr>
+          <p:cNvSpPr txBox="1"/>
+          <p:nvPr/>
+        </p:nvSpPr>
+        <p:spPr>
+          <a:xfrm>
+            <a:off x="10672208" y="843240"/>
+            <a:ext cx="1209049" cy="369332"/>
+          </a:xfrm>
+          <a:prstGeom prst="rect">
+            <a:avLst/>
+          </a:prstGeom>
+          <a:noFill/>
+        </p:spPr>
+        <p:txBody>
+          <a:bodyPr wrap="none" rtlCol="0">
+            <a:spAutoFit/>
+          </a:bodyPr>
+          <a:lstStyle/>
+          <a:p>
+            <a:r>
+              <a:rPr lang="de-DE" dirty="0"/>
+              <a:t>Zuordnung</a:t>
+            </a:r>
+          </a:p>
+        </p:txBody>
+      </p:sp>
+      <p:sp>
+        <p:nvSpPr>
+          <p:cNvPr id="87" name="Textfeld 86">
+            <a:extLst>
+              <a:ext uri="{FF2B5EF4-FFF2-40B4-BE49-F238E27FC236}">
+                <a16:creationId xmlns:a16="http://schemas.microsoft.com/office/drawing/2014/main" id="{D9820A75-38BC-4EFC-9DDD-90CDBEF43AEE}"/>
+              </a:ext>
+            </a:extLst>
+          </p:cNvPr>
+          <p:cNvSpPr txBox="1"/>
+          <p:nvPr/>
+        </p:nvSpPr>
+        <p:spPr>
+          <a:xfrm>
+            <a:off x="1841042" y="926663"/>
+            <a:ext cx="3162687" cy="307777"/>
+          </a:xfrm>
+          <a:prstGeom prst="rect">
+            <a:avLst/>
+          </a:prstGeom>
+          <a:noFill/>
+        </p:spPr>
+        <p:txBody>
+          <a:bodyPr wrap="square" rtlCol="0">
+            <a:spAutoFit/>
+          </a:bodyPr>
+          <a:lstStyle/>
+          <a:p>
+            <a:pPr algn="ctr"/>
+            <a:r>
+              <a:rPr lang="de-DE" sz="1400" dirty="0"/>
+              <a:t>Stärksten Ausreißer über alle TFs</a:t>
+            </a:r>
+          </a:p>
+        </p:txBody>
+      </p:sp>
+      <p:sp>
+        <p:nvSpPr>
+          <p:cNvPr id="5" name="Textfeld 4">
+            <a:extLst>
+              <a:ext uri="{FF2B5EF4-FFF2-40B4-BE49-F238E27FC236}">
+                <a16:creationId xmlns:a16="http://schemas.microsoft.com/office/drawing/2014/main" id="{E9DE7943-F3B7-4CD6-A303-B4CC77E87724}"/>
+              </a:ext>
+            </a:extLst>
+          </p:cNvPr>
+          <p:cNvSpPr txBox="1"/>
+          <p:nvPr/>
+        </p:nvSpPr>
+        <p:spPr>
+          <a:xfrm>
+            <a:off x="5233363" y="926663"/>
+            <a:ext cx="5240828" cy="1938992"/>
+          </a:xfrm>
+          <a:prstGeom prst="rect">
+            <a:avLst/>
+          </a:prstGeom>
+          <a:noFill/>
+        </p:spPr>
+        <p:txBody>
+          <a:bodyPr wrap="square" rtlCol="0">
+            <a:spAutoFit/>
+          </a:bodyPr>
+          <a:lstStyle/>
+          <a:p>
+            <a:r>
+              <a:rPr lang="de-DE" dirty="0"/>
+              <a:t>Können Ausreißer bei absolut Werten herausgefiltert werden?</a:t>
+            </a:r>
+          </a:p>
+          <a:p>
+            <a:pPr marL="285750" indent="-285750">
+              <a:buFontTx/>
+              <a:buChar char="-"/>
+            </a:pPr>
+            <a:endParaRPr lang="de-DE" sz="1400" dirty="0"/>
+          </a:p>
+          <a:p>
+            <a:pPr marL="285750" indent="-285750">
+              <a:buFontTx/>
+              <a:buChar char="-"/>
+            </a:pPr>
+            <a:r>
+              <a:rPr lang="de-DE" sz="1400" dirty="0"/>
+              <a:t>Über ROI Größe (</a:t>
+            </a:r>
+            <a:r>
+              <a:rPr lang="el-GR" sz="1400" dirty="0"/>
+              <a:t>Δ</a:t>
+            </a:r>
+            <a:r>
+              <a:rPr lang="de-DE" sz="1400" dirty="0"/>
+              <a:t> 121 </a:t>
+            </a:r>
+            <a:r>
+              <a:rPr lang="de-DE" sz="1400" dirty="0" err="1"/>
+              <a:t>Voxel</a:t>
+            </a:r>
+            <a:r>
+              <a:rPr lang="de-DE" sz="1400" dirty="0"/>
+              <a:t>) fallen 6 von 8 häufigsten Ausreißern raus</a:t>
+            </a:r>
+          </a:p>
+          <a:p>
+            <a:pPr marL="285750" indent="-285750">
+              <a:buFontTx/>
+              <a:buChar char="-"/>
+            </a:pPr>
+            <a:r>
+              <a:rPr lang="de-DE" sz="1400" dirty="0"/>
+              <a:t>Masken von P18 und P3 zeigen keine Auffälligkeiten </a:t>
+            </a:r>
+          </a:p>
+          <a:p>
+            <a:pPr marL="285750" indent="-285750">
+              <a:buFontTx/>
+              <a:buChar char="-"/>
+            </a:pPr>
+            <a:r>
+              <a:rPr lang="de-DE" sz="1400" dirty="0"/>
+              <a:t>Ausreißer sind die Werte die außerhalb des Median +/- 1,5 x Interquartilsabstand liegen (Whisker – Standard - Wiki)</a:t>
+            </a:r>
+          </a:p>
+        </p:txBody>
+      </p:sp>
+      <p:graphicFrame>
+        <p:nvGraphicFramePr>
+          <p:cNvPr id="24" name="Tabelle 23">
+            <a:extLst>
+              <a:ext uri="{FF2B5EF4-FFF2-40B4-BE49-F238E27FC236}">
+                <a16:creationId xmlns:a16="http://schemas.microsoft.com/office/drawing/2014/main" id="{4B346B26-5554-4F73-8998-534AD84A33C4}"/>
+              </a:ext>
+            </a:extLst>
+          </p:cNvPr>
+          <p:cNvGraphicFramePr>
+            <a:graphicFrameLocks noGrp="1"/>
+          </p:cNvGraphicFramePr>
+          <p:nvPr>
+            <p:extLst>
+              <p:ext uri="{D42A27DB-BD31-4B8C-83A1-F6EECF244321}">
+                <p14:modId xmlns:p14="http://schemas.microsoft.com/office/powerpoint/2010/main" val="1909306154"/>
+              </p:ext>
+            </p:extLst>
+          </p:nvPr>
+        </p:nvGraphicFramePr>
+        <p:xfrm>
+          <a:off x="207264" y="1212040"/>
+          <a:ext cx="1251334" cy="3787140"/>
+        </p:xfrm>
+        <a:graphic>
+          <a:graphicData uri="http://schemas.openxmlformats.org/drawingml/2006/table">
+            <a:tbl>
+              <a:tblPr>
+                <a:tableStyleId>{775DCB02-9BB8-47FD-8907-85C794F793BA}</a:tableStyleId>
+              </a:tblPr>
+              <a:tblGrid>
+                <a:gridCol w="625667">
+                  <a:extLst>
+                    <a:ext uri="{9D8B030D-6E8A-4147-A177-3AD203B41FA5}">
+                      <a16:colId xmlns:a16="http://schemas.microsoft.com/office/drawing/2014/main" val="1806396588"/>
+                    </a:ext>
+                  </a:extLst>
+                </a:gridCol>
+                <a:gridCol w="625667">
+                  <a:extLst>
+                    <a:ext uri="{9D8B030D-6E8A-4147-A177-3AD203B41FA5}">
+                      <a16:colId xmlns:a16="http://schemas.microsoft.com/office/drawing/2014/main" val="4271409140"/>
+                    </a:ext>
+                  </a:extLst>
+                </a:gridCol>
+              </a:tblGrid>
+              <a:tr h="182880">
+                <a:tc>
+                  <a:txBody>
+                    <a:bodyPr/>
+                    <a:lstStyle/>
+                    <a:p>
+                      <a:pPr algn="l" fontAlgn="b"/>
+                      <a:r>
+                        <a:rPr lang="de-DE" sz="1000" b="1" u="none" strike="noStrike" dirty="0">
+                          <a:effectLst/>
+                        </a:rPr>
+                        <a:t>ID vereinfacht</a:t>
+                      </a:r>
+                      <a:endParaRPr lang="de-DE" sz="1000" b="1" i="0" u="none" strike="noStrike" dirty="0">
+                        <a:solidFill>
+                          <a:srgbClr val="000000"/>
+                        </a:solidFill>
+                        <a:effectLst/>
+                        <a:latin typeface="Calibri" panose="020F0502020204030204" pitchFamily="34" charset="0"/>
+                      </a:endParaRPr>
+                    </a:p>
+                  </a:txBody>
+                  <a:tcPr marL="7620" marR="7620" marT="7620" marB="0" anchor="b"/>
+                </a:tc>
+                <a:tc>
+                  <a:txBody>
+                    <a:bodyPr/>
+                    <a:lstStyle/>
+                    <a:p>
+                      <a:pPr algn="l" fontAlgn="b"/>
+                      <a:r>
+                        <a:rPr lang="de-DE" sz="1000" b="1" u="none" strike="noStrike" dirty="0">
+                          <a:effectLst/>
+                        </a:rPr>
+                        <a:t>ROI Sizes</a:t>
+                      </a:r>
+                      <a:endParaRPr lang="de-DE" sz="1000" b="1" i="0" u="none" strike="noStrike" dirty="0">
+                        <a:solidFill>
+                          <a:srgbClr val="000000"/>
+                        </a:solidFill>
+                        <a:effectLst/>
+                        <a:latin typeface="Calibri" panose="020F0502020204030204" pitchFamily="34" charset="0"/>
+                      </a:endParaRPr>
+                    </a:p>
+                  </a:txBody>
+                  <a:tcPr marL="7620" marR="7620" marT="7620" marB="0" anchor="b"/>
+                </a:tc>
+                <a:extLst>
+                  <a:ext uri="{0D108BD9-81ED-4DB2-BD59-A6C34878D82A}">
+                    <a16:rowId xmlns:a16="http://schemas.microsoft.com/office/drawing/2014/main" val="2209741334"/>
+                  </a:ext>
+                </a:extLst>
+              </a:tr>
+              <a:tr h="182880">
+                <a:tc>
+                  <a:txBody>
+                    <a:bodyPr/>
+                    <a:lstStyle/>
+                    <a:p>
+                      <a:pPr algn="l" fontAlgn="b"/>
+                      <a:r>
+                        <a:rPr lang="de-DE" sz="1000" b="1" u="none" strike="noStrike" dirty="0">
+                          <a:solidFill>
+                            <a:srgbClr val="00B050"/>
+                          </a:solidFill>
+                          <a:effectLst/>
+                        </a:rPr>
+                        <a:t>P1</a:t>
+                      </a:r>
+                      <a:endParaRPr lang="de-DE" sz="1000" b="1" i="0" u="none" strike="noStrike" dirty="0">
+                        <a:solidFill>
+                          <a:srgbClr val="00B050"/>
+                        </a:solidFill>
+                        <a:effectLst/>
+                        <a:latin typeface="Calibri" panose="020F0502020204030204" pitchFamily="34" charset="0"/>
+                      </a:endParaRPr>
+                    </a:p>
+                  </a:txBody>
+                  <a:tcPr marL="7620" marR="7620" marT="7620" marB="0" anchor="b"/>
+                </a:tc>
+                <a:tc>
+                  <a:txBody>
+                    <a:bodyPr/>
+                    <a:lstStyle/>
+                    <a:p>
+                      <a:pPr algn="l" fontAlgn="ctr"/>
+                      <a:r>
+                        <a:rPr lang="de-DE" sz="1000" b="1" u="none" strike="noStrike" dirty="0">
+                          <a:solidFill>
+                            <a:srgbClr val="00B050"/>
+                          </a:solidFill>
+                          <a:effectLst/>
+                        </a:rPr>
+                        <a:t>6594</a:t>
+                      </a:r>
+                      <a:endParaRPr lang="de-DE" sz="1000" b="1" i="0" u="none" strike="noStrike" dirty="0">
+                        <a:solidFill>
+                          <a:srgbClr val="00B050"/>
+                        </a:solidFill>
+                        <a:effectLst/>
+                        <a:latin typeface="Lucida Console" panose="020B0609040504020204" pitchFamily="49" charset="0"/>
+                      </a:endParaRPr>
+                    </a:p>
+                  </a:txBody>
+                  <a:tcPr marL="7620" marR="7620" marT="7620" marB="0" anchor="ctr"/>
+                </a:tc>
+                <a:extLst>
+                  <a:ext uri="{0D108BD9-81ED-4DB2-BD59-A6C34878D82A}">
+                    <a16:rowId xmlns:a16="http://schemas.microsoft.com/office/drawing/2014/main" val="1176350488"/>
+                  </a:ext>
+                </a:extLst>
+              </a:tr>
+              <a:tr h="182880">
+                <a:tc>
+                  <a:txBody>
+                    <a:bodyPr/>
+                    <a:lstStyle/>
+                    <a:p>
+                      <a:pPr algn="l" fontAlgn="b"/>
+                      <a:r>
+                        <a:rPr lang="de-DE" sz="1000" b="1" u="none" strike="noStrike" dirty="0">
+                          <a:solidFill>
+                            <a:srgbClr val="00B050"/>
+                          </a:solidFill>
+                          <a:effectLst/>
+                        </a:rPr>
+                        <a:t>P2</a:t>
+                      </a:r>
+                      <a:endParaRPr lang="de-DE" sz="1000" b="1" i="0" u="none" strike="noStrike" dirty="0">
+                        <a:solidFill>
+                          <a:srgbClr val="00B050"/>
+                        </a:solidFill>
+                        <a:effectLst/>
+                        <a:latin typeface="Calibri" panose="020F0502020204030204" pitchFamily="34" charset="0"/>
+                      </a:endParaRPr>
+                    </a:p>
+                  </a:txBody>
+                  <a:tcPr marL="7620" marR="7620" marT="7620" marB="0" anchor="b"/>
+                </a:tc>
+                <a:tc>
+                  <a:txBody>
+                    <a:bodyPr/>
+                    <a:lstStyle/>
+                    <a:p>
+                      <a:pPr algn="l" fontAlgn="b"/>
+                      <a:r>
+                        <a:rPr lang="de-DE" sz="1000" b="1" u="none" strike="noStrike" dirty="0">
+                          <a:solidFill>
+                            <a:srgbClr val="00B050"/>
+                          </a:solidFill>
+                          <a:effectLst/>
+                        </a:rPr>
+                        <a:t>6689</a:t>
+                      </a:r>
+                      <a:endParaRPr lang="de-DE" sz="1000" b="1" i="0" u="none" strike="noStrike" dirty="0">
+                        <a:solidFill>
+                          <a:srgbClr val="00B050"/>
+                        </a:solidFill>
+                        <a:effectLst/>
+                        <a:latin typeface="Lucida Console" panose="020B0609040504020204" pitchFamily="49" charset="0"/>
+                      </a:endParaRPr>
+                    </a:p>
+                  </a:txBody>
+                  <a:tcPr marL="7620" marR="7620" marT="7620" marB="0" anchor="b"/>
+                </a:tc>
+                <a:extLst>
+                  <a:ext uri="{0D108BD9-81ED-4DB2-BD59-A6C34878D82A}">
+                    <a16:rowId xmlns:a16="http://schemas.microsoft.com/office/drawing/2014/main" val="1615203847"/>
+                  </a:ext>
+                </a:extLst>
+              </a:tr>
+              <a:tr h="182880">
+                <a:tc>
+                  <a:txBody>
+                    <a:bodyPr/>
+                    <a:lstStyle/>
+                    <a:p>
+                      <a:pPr algn="l" fontAlgn="b"/>
+                      <a:r>
+                        <a:rPr lang="de-DE" sz="1000" b="1" u="none" strike="noStrike" dirty="0">
+                          <a:solidFill>
+                            <a:schemeClr val="accent2"/>
+                          </a:solidFill>
+                          <a:effectLst/>
+                        </a:rPr>
+                        <a:t>P3</a:t>
+                      </a:r>
+                      <a:endParaRPr lang="de-DE" sz="1000" b="1" i="0" u="none" strike="noStrike" dirty="0">
+                        <a:solidFill>
+                          <a:schemeClr val="accent2"/>
+                        </a:solidFill>
+                        <a:effectLst/>
+                        <a:latin typeface="Calibri" panose="020F0502020204030204" pitchFamily="34" charset="0"/>
+                      </a:endParaRPr>
+                    </a:p>
+                  </a:txBody>
+                  <a:tcPr marL="7620" marR="7620" marT="7620" marB="0" anchor="b"/>
+                </a:tc>
+                <a:tc>
+                  <a:txBody>
+                    <a:bodyPr/>
+                    <a:lstStyle/>
+                    <a:p>
+                      <a:pPr algn="l" fontAlgn="b"/>
+                      <a:r>
+                        <a:rPr lang="de-DE" sz="1000" b="1" u="none" strike="noStrike" dirty="0">
+                          <a:solidFill>
+                            <a:schemeClr val="accent2"/>
+                          </a:solidFill>
+                          <a:effectLst/>
+                        </a:rPr>
+                        <a:t>6694</a:t>
+                      </a:r>
+                      <a:endParaRPr lang="de-DE" sz="1000" b="1" i="0" u="none" strike="noStrike" dirty="0">
+                        <a:solidFill>
+                          <a:schemeClr val="accent2"/>
+                        </a:solidFill>
+                        <a:effectLst/>
+                        <a:latin typeface="Lucida Console" panose="020B0609040504020204" pitchFamily="49" charset="0"/>
+                      </a:endParaRPr>
+                    </a:p>
+                  </a:txBody>
+                  <a:tcPr marL="7620" marR="7620" marT="7620" marB="0" anchor="b"/>
+                </a:tc>
+                <a:extLst>
+                  <a:ext uri="{0D108BD9-81ED-4DB2-BD59-A6C34878D82A}">
+                    <a16:rowId xmlns:a16="http://schemas.microsoft.com/office/drawing/2014/main" val="3445577238"/>
+                  </a:ext>
+                </a:extLst>
+              </a:tr>
+              <a:tr h="182880">
+                <a:tc>
+                  <a:txBody>
+                    <a:bodyPr/>
+                    <a:lstStyle/>
+                    <a:p>
+                      <a:pPr algn="l" fontAlgn="b"/>
+                      <a:r>
+                        <a:rPr lang="de-DE" sz="1000" b="1" u="none" strike="noStrike" dirty="0">
+                          <a:solidFill>
+                            <a:srgbClr val="C00000"/>
+                          </a:solidFill>
+                          <a:effectLst/>
+                        </a:rPr>
+                        <a:t>P4</a:t>
+                      </a:r>
+                      <a:endParaRPr lang="de-DE" sz="1000" b="1" i="0" u="none" strike="noStrike" dirty="0">
+                        <a:solidFill>
+                          <a:srgbClr val="C00000"/>
+                        </a:solidFill>
+                        <a:effectLst/>
+                        <a:latin typeface="Calibri" panose="020F0502020204030204" pitchFamily="34" charset="0"/>
+                      </a:endParaRPr>
+                    </a:p>
+                  </a:txBody>
+                  <a:tcPr marL="7620" marR="7620" marT="7620" marB="0" anchor="b"/>
+                </a:tc>
+                <a:tc>
+                  <a:txBody>
+                    <a:bodyPr/>
+                    <a:lstStyle/>
+                    <a:p>
+                      <a:pPr algn="l" fontAlgn="b"/>
+                      <a:r>
+                        <a:rPr lang="de-DE" sz="1000" b="1" u="none" strike="noStrike">
+                          <a:solidFill>
+                            <a:srgbClr val="C00000"/>
+                          </a:solidFill>
+                          <a:effectLst/>
+                        </a:rPr>
+                        <a:t>2475</a:t>
+                      </a:r>
+                      <a:endParaRPr lang="de-DE" sz="1000" b="1" i="0" u="none" strike="noStrike">
+                        <a:solidFill>
+                          <a:srgbClr val="C00000"/>
+                        </a:solidFill>
+                        <a:effectLst/>
+                        <a:latin typeface="Lucida Console" panose="020B0609040504020204" pitchFamily="49" charset="0"/>
+                      </a:endParaRPr>
+                    </a:p>
+                  </a:txBody>
+                  <a:tcPr marL="7620" marR="7620" marT="7620" marB="0" anchor="b"/>
+                </a:tc>
+                <a:extLst>
+                  <a:ext uri="{0D108BD9-81ED-4DB2-BD59-A6C34878D82A}">
+                    <a16:rowId xmlns:a16="http://schemas.microsoft.com/office/drawing/2014/main" val="1999003871"/>
+                  </a:ext>
+                </a:extLst>
+              </a:tr>
+              <a:tr h="182880">
+                <a:tc>
+                  <a:txBody>
+                    <a:bodyPr/>
+                    <a:lstStyle/>
+                    <a:p>
+                      <a:pPr algn="l" fontAlgn="b"/>
+                      <a:r>
+                        <a:rPr lang="de-DE" sz="1000" b="1" u="none" strike="noStrike">
+                          <a:solidFill>
+                            <a:srgbClr val="C00000"/>
+                          </a:solidFill>
+                          <a:effectLst/>
+                        </a:rPr>
+                        <a:t>P5</a:t>
+                      </a:r>
+                      <a:endParaRPr lang="de-DE" sz="1000" b="1" i="0" u="none" strike="noStrike">
+                        <a:solidFill>
+                          <a:srgbClr val="C00000"/>
+                        </a:solidFill>
+                        <a:effectLst/>
+                        <a:latin typeface="Calibri" panose="020F0502020204030204" pitchFamily="34" charset="0"/>
+                      </a:endParaRPr>
+                    </a:p>
+                  </a:txBody>
+                  <a:tcPr marL="7620" marR="7620" marT="7620" marB="0" anchor="b"/>
+                </a:tc>
+                <a:tc>
+                  <a:txBody>
+                    <a:bodyPr/>
+                    <a:lstStyle/>
+                    <a:p>
+                      <a:pPr algn="l" fontAlgn="b"/>
+                      <a:r>
+                        <a:rPr lang="de-DE" sz="1000" b="1" u="none" strike="noStrike" dirty="0">
+                          <a:solidFill>
+                            <a:srgbClr val="C00000"/>
+                          </a:solidFill>
+                          <a:effectLst/>
+                        </a:rPr>
+                        <a:t>3628</a:t>
+                      </a:r>
+                      <a:endParaRPr lang="de-DE" sz="1000" b="1" i="0" u="none" strike="noStrike" dirty="0">
+                        <a:solidFill>
+                          <a:srgbClr val="C00000"/>
+                        </a:solidFill>
+                        <a:effectLst/>
+                        <a:latin typeface="Lucida Console" panose="020B0609040504020204" pitchFamily="49" charset="0"/>
+                      </a:endParaRPr>
+                    </a:p>
+                  </a:txBody>
+                  <a:tcPr marL="7620" marR="7620" marT="7620" marB="0" anchor="b"/>
+                </a:tc>
+                <a:extLst>
+                  <a:ext uri="{0D108BD9-81ED-4DB2-BD59-A6C34878D82A}">
+                    <a16:rowId xmlns:a16="http://schemas.microsoft.com/office/drawing/2014/main" val="230639085"/>
+                  </a:ext>
+                </a:extLst>
+              </a:tr>
+              <a:tr h="182880">
+                <a:tc>
+                  <a:txBody>
+                    <a:bodyPr/>
+                    <a:lstStyle/>
+                    <a:p>
+                      <a:pPr algn="l" fontAlgn="b"/>
+                      <a:r>
+                        <a:rPr lang="de-DE" sz="1000" b="1" u="none" strike="noStrike">
+                          <a:solidFill>
+                            <a:srgbClr val="00B050"/>
+                          </a:solidFill>
+                          <a:effectLst/>
+                        </a:rPr>
+                        <a:t>P6</a:t>
+                      </a:r>
+                      <a:endParaRPr lang="de-DE" sz="1000" b="1" i="0" u="none" strike="noStrike">
+                        <a:solidFill>
+                          <a:srgbClr val="00B050"/>
+                        </a:solidFill>
+                        <a:effectLst/>
+                        <a:latin typeface="Calibri" panose="020F0502020204030204" pitchFamily="34" charset="0"/>
+                      </a:endParaRPr>
+                    </a:p>
+                  </a:txBody>
+                  <a:tcPr marL="7620" marR="7620" marT="7620" marB="0" anchor="b"/>
+                </a:tc>
+                <a:tc>
+                  <a:txBody>
+                    <a:bodyPr/>
+                    <a:lstStyle/>
+                    <a:p>
+                      <a:pPr algn="l" fontAlgn="b"/>
+                      <a:r>
+                        <a:rPr lang="de-DE" sz="1000" b="1" u="none" strike="noStrike" dirty="0">
+                          <a:solidFill>
+                            <a:srgbClr val="00B050"/>
+                          </a:solidFill>
+                          <a:effectLst/>
+                        </a:rPr>
+                        <a:t>6687</a:t>
+                      </a:r>
+                      <a:endParaRPr lang="de-DE" sz="1000" b="1" i="0" u="none" strike="noStrike" dirty="0">
+                        <a:solidFill>
+                          <a:srgbClr val="00B050"/>
+                        </a:solidFill>
+                        <a:effectLst/>
+                        <a:latin typeface="Lucida Console" panose="020B0609040504020204" pitchFamily="49" charset="0"/>
+                      </a:endParaRPr>
+                    </a:p>
+                  </a:txBody>
+                  <a:tcPr marL="7620" marR="7620" marT="7620" marB="0" anchor="b"/>
+                </a:tc>
+                <a:extLst>
+                  <a:ext uri="{0D108BD9-81ED-4DB2-BD59-A6C34878D82A}">
+                    <a16:rowId xmlns:a16="http://schemas.microsoft.com/office/drawing/2014/main" val="450758782"/>
+                  </a:ext>
+                </a:extLst>
+              </a:tr>
+              <a:tr h="182880">
+                <a:tc>
+                  <a:txBody>
+                    <a:bodyPr/>
+                    <a:lstStyle/>
+                    <a:p>
+                      <a:pPr algn="l" fontAlgn="b"/>
+                      <a:r>
+                        <a:rPr lang="de-DE" sz="1000" b="1" u="none" strike="noStrike" dirty="0">
+                          <a:solidFill>
+                            <a:srgbClr val="C00000"/>
+                          </a:solidFill>
+                          <a:effectLst/>
+                        </a:rPr>
+                        <a:t>P7</a:t>
+                      </a:r>
+                      <a:endParaRPr lang="de-DE" sz="1000" b="1" i="0" u="none" strike="noStrike" dirty="0">
+                        <a:solidFill>
+                          <a:srgbClr val="C00000"/>
+                        </a:solidFill>
+                        <a:effectLst/>
+                        <a:latin typeface="Calibri" panose="020F0502020204030204" pitchFamily="34" charset="0"/>
+                      </a:endParaRPr>
+                    </a:p>
+                  </a:txBody>
+                  <a:tcPr marL="7620" marR="7620" marT="7620" marB="0" anchor="b"/>
+                </a:tc>
+                <a:tc>
+                  <a:txBody>
+                    <a:bodyPr/>
+                    <a:lstStyle/>
+                    <a:p>
+                      <a:pPr algn="l" fontAlgn="b"/>
+                      <a:r>
+                        <a:rPr lang="de-DE" sz="1000" b="1" u="none" strike="noStrike" dirty="0">
+                          <a:solidFill>
+                            <a:srgbClr val="C00000"/>
+                          </a:solidFill>
+                          <a:effectLst/>
+                        </a:rPr>
+                        <a:t>4096</a:t>
+                      </a:r>
+                      <a:endParaRPr lang="de-DE" sz="1000" b="1" i="0" u="none" strike="noStrike" dirty="0">
+                        <a:solidFill>
+                          <a:srgbClr val="C00000"/>
+                        </a:solidFill>
+                        <a:effectLst/>
+                        <a:latin typeface="Lucida Console" panose="020B0609040504020204" pitchFamily="49" charset="0"/>
+                      </a:endParaRPr>
+                    </a:p>
+                  </a:txBody>
+                  <a:tcPr marL="7620" marR="7620" marT="7620" marB="0" anchor="b"/>
+                </a:tc>
+                <a:extLst>
+                  <a:ext uri="{0D108BD9-81ED-4DB2-BD59-A6C34878D82A}">
+                    <a16:rowId xmlns:a16="http://schemas.microsoft.com/office/drawing/2014/main" val="596856664"/>
+                  </a:ext>
+                </a:extLst>
+              </a:tr>
+              <a:tr h="182880">
+                <a:tc>
+                  <a:txBody>
+                    <a:bodyPr/>
+                    <a:lstStyle/>
+                    <a:p>
+                      <a:pPr algn="l" fontAlgn="b"/>
+                      <a:r>
+                        <a:rPr lang="de-DE" sz="1000" b="1" u="none" strike="noStrike">
+                          <a:solidFill>
+                            <a:srgbClr val="00B050"/>
+                          </a:solidFill>
+                          <a:effectLst/>
+                        </a:rPr>
+                        <a:t>P8</a:t>
+                      </a:r>
+                      <a:endParaRPr lang="de-DE" sz="1000" b="1" i="0" u="none" strike="noStrike">
+                        <a:solidFill>
+                          <a:srgbClr val="00B050"/>
+                        </a:solidFill>
+                        <a:effectLst/>
+                        <a:latin typeface="Calibri" panose="020F0502020204030204" pitchFamily="34" charset="0"/>
+                      </a:endParaRPr>
+                    </a:p>
+                  </a:txBody>
+                  <a:tcPr marL="7620" marR="7620" marT="7620" marB="0" anchor="b"/>
+                </a:tc>
+                <a:tc>
+                  <a:txBody>
+                    <a:bodyPr/>
+                    <a:lstStyle/>
+                    <a:p>
+                      <a:pPr algn="l" fontAlgn="b"/>
+                      <a:r>
+                        <a:rPr lang="de-DE" sz="1000" b="1" u="none" strike="noStrike" dirty="0">
+                          <a:solidFill>
+                            <a:srgbClr val="00B050"/>
+                          </a:solidFill>
+                          <a:effectLst/>
+                        </a:rPr>
+                        <a:t>6714</a:t>
+                      </a:r>
+                      <a:endParaRPr lang="de-DE" sz="1000" b="1" i="0" u="none" strike="noStrike" dirty="0">
+                        <a:solidFill>
+                          <a:srgbClr val="00B050"/>
+                        </a:solidFill>
+                        <a:effectLst/>
+                        <a:latin typeface="Lucida Console" panose="020B0609040504020204" pitchFamily="49" charset="0"/>
+                      </a:endParaRPr>
+                    </a:p>
+                  </a:txBody>
+                  <a:tcPr marL="7620" marR="7620" marT="7620" marB="0" anchor="b"/>
+                </a:tc>
+                <a:extLst>
+                  <a:ext uri="{0D108BD9-81ED-4DB2-BD59-A6C34878D82A}">
+                    <a16:rowId xmlns:a16="http://schemas.microsoft.com/office/drawing/2014/main" val="2126118623"/>
+                  </a:ext>
+                </a:extLst>
+              </a:tr>
+              <a:tr h="182880">
+                <a:tc>
+                  <a:txBody>
+                    <a:bodyPr/>
+                    <a:lstStyle/>
+                    <a:p>
+                      <a:pPr algn="l" fontAlgn="b"/>
+                      <a:r>
+                        <a:rPr lang="de-DE" sz="1000" b="1" u="none" strike="noStrike">
+                          <a:solidFill>
+                            <a:srgbClr val="C00000"/>
+                          </a:solidFill>
+                          <a:effectLst/>
+                        </a:rPr>
+                        <a:t>P9</a:t>
+                      </a:r>
+                      <a:endParaRPr lang="de-DE" sz="1000" b="1" i="0" u="none" strike="noStrike">
+                        <a:solidFill>
+                          <a:srgbClr val="C00000"/>
+                        </a:solidFill>
+                        <a:effectLst/>
+                        <a:latin typeface="Calibri" panose="020F0502020204030204" pitchFamily="34" charset="0"/>
+                      </a:endParaRPr>
+                    </a:p>
+                  </a:txBody>
+                  <a:tcPr marL="7620" marR="7620" marT="7620" marB="0" anchor="b"/>
+                </a:tc>
+                <a:tc>
+                  <a:txBody>
+                    <a:bodyPr/>
+                    <a:lstStyle/>
+                    <a:p>
+                      <a:pPr algn="l" fontAlgn="b"/>
+                      <a:r>
+                        <a:rPr lang="de-DE" sz="1000" b="1" u="none" strike="noStrike">
+                          <a:solidFill>
+                            <a:srgbClr val="C00000"/>
+                          </a:solidFill>
+                          <a:effectLst/>
+                        </a:rPr>
+                        <a:t>7194</a:t>
+                      </a:r>
+                      <a:endParaRPr lang="de-DE" sz="1000" b="1" i="0" u="none" strike="noStrike">
+                        <a:solidFill>
+                          <a:srgbClr val="C00000"/>
+                        </a:solidFill>
+                        <a:effectLst/>
+                        <a:latin typeface="Lucida Console" panose="020B0609040504020204" pitchFamily="49" charset="0"/>
+                      </a:endParaRPr>
+                    </a:p>
+                  </a:txBody>
+                  <a:tcPr marL="7620" marR="7620" marT="7620" marB="0" anchor="b"/>
+                </a:tc>
+                <a:extLst>
+                  <a:ext uri="{0D108BD9-81ED-4DB2-BD59-A6C34878D82A}">
+                    <a16:rowId xmlns:a16="http://schemas.microsoft.com/office/drawing/2014/main" val="2407895176"/>
+                  </a:ext>
+                </a:extLst>
+              </a:tr>
+              <a:tr h="182880">
+                <a:tc>
+                  <a:txBody>
+                    <a:bodyPr/>
+                    <a:lstStyle/>
+                    <a:p>
+                      <a:pPr algn="l" fontAlgn="b"/>
+                      <a:r>
+                        <a:rPr lang="de-DE" sz="1000" b="1" u="none" strike="noStrike" dirty="0">
+                          <a:solidFill>
+                            <a:srgbClr val="C00000"/>
+                          </a:solidFill>
+                          <a:effectLst/>
+                        </a:rPr>
+                        <a:t>P10</a:t>
+                      </a:r>
+                      <a:endParaRPr lang="de-DE" sz="1000" b="1" i="0" u="none" strike="noStrike" dirty="0">
+                        <a:solidFill>
+                          <a:srgbClr val="C00000"/>
+                        </a:solidFill>
+                        <a:effectLst/>
+                        <a:latin typeface="Calibri" panose="020F0502020204030204" pitchFamily="34" charset="0"/>
+                      </a:endParaRPr>
+                    </a:p>
+                  </a:txBody>
+                  <a:tcPr marL="7620" marR="7620" marT="7620" marB="0" anchor="b"/>
+                </a:tc>
+                <a:tc>
+                  <a:txBody>
+                    <a:bodyPr/>
+                    <a:lstStyle/>
+                    <a:p>
+                      <a:pPr algn="l" fontAlgn="b"/>
+                      <a:r>
+                        <a:rPr lang="de-DE" sz="1000" b="1" u="none" strike="noStrike" dirty="0">
+                          <a:solidFill>
+                            <a:srgbClr val="C00000"/>
+                          </a:solidFill>
+                          <a:effectLst/>
+                        </a:rPr>
+                        <a:t>5049</a:t>
+                      </a:r>
+                      <a:endParaRPr lang="de-DE" sz="1000" b="1" i="0" u="none" strike="noStrike" dirty="0">
+                        <a:solidFill>
+                          <a:srgbClr val="C00000"/>
+                        </a:solidFill>
+                        <a:effectLst/>
+                        <a:latin typeface="Lucida Console" panose="020B0609040504020204" pitchFamily="49" charset="0"/>
+                      </a:endParaRPr>
+                    </a:p>
+                  </a:txBody>
+                  <a:tcPr marL="7620" marR="7620" marT="7620" marB="0" anchor="b"/>
+                </a:tc>
+                <a:extLst>
+                  <a:ext uri="{0D108BD9-81ED-4DB2-BD59-A6C34878D82A}">
+                    <a16:rowId xmlns:a16="http://schemas.microsoft.com/office/drawing/2014/main" val="2730860293"/>
+                  </a:ext>
+                </a:extLst>
+              </a:tr>
+              <a:tr h="182880">
+                <a:tc>
+                  <a:txBody>
+                    <a:bodyPr/>
+                    <a:lstStyle/>
+                    <a:p>
+                      <a:pPr algn="l" fontAlgn="b"/>
+                      <a:r>
+                        <a:rPr lang="de-DE" sz="1000" b="1" u="none" strike="noStrike">
+                          <a:solidFill>
+                            <a:srgbClr val="00B050"/>
+                          </a:solidFill>
+                          <a:effectLst/>
+                        </a:rPr>
+                        <a:t>P11</a:t>
+                      </a:r>
+                      <a:endParaRPr lang="de-DE" sz="1000" b="1" i="0" u="none" strike="noStrike">
+                        <a:solidFill>
+                          <a:srgbClr val="00B050"/>
+                        </a:solidFill>
+                        <a:effectLst/>
+                        <a:latin typeface="Calibri" panose="020F0502020204030204" pitchFamily="34" charset="0"/>
+                      </a:endParaRPr>
+                    </a:p>
+                  </a:txBody>
+                  <a:tcPr marL="7620" marR="7620" marT="7620" marB="0" anchor="b"/>
+                </a:tc>
+                <a:tc>
+                  <a:txBody>
+                    <a:bodyPr/>
+                    <a:lstStyle/>
+                    <a:p>
+                      <a:pPr algn="l" fontAlgn="b"/>
+                      <a:r>
+                        <a:rPr lang="de-DE" sz="1000" b="1" u="none" strike="noStrike" dirty="0">
+                          <a:solidFill>
+                            <a:srgbClr val="00B050"/>
+                          </a:solidFill>
+                          <a:effectLst/>
+                        </a:rPr>
+                        <a:t>6688</a:t>
+                      </a:r>
+                      <a:endParaRPr lang="de-DE" sz="1000" b="1" i="0" u="none" strike="noStrike" dirty="0">
+                        <a:solidFill>
+                          <a:srgbClr val="00B050"/>
+                        </a:solidFill>
+                        <a:effectLst/>
+                        <a:latin typeface="Lucida Console" panose="020B0609040504020204" pitchFamily="49" charset="0"/>
+                      </a:endParaRPr>
+                    </a:p>
+                  </a:txBody>
+                  <a:tcPr marL="7620" marR="7620" marT="7620" marB="0" anchor="b"/>
+                </a:tc>
+                <a:extLst>
+                  <a:ext uri="{0D108BD9-81ED-4DB2-BD59-A6C34878D82A}">
+                    <a16:rowId xmlns:a16="http://schemas.microsoft.com/office/drawing/2014/main" val="1356165197"/>
+                  </a:ext>
+                </a:extLst>
+              </a:tr>
+              <a:tr h="182880">
+                <a:tc>
+                  <a:txBody>
+                    <a:bodyPr/>
+                    <a:lstStyle/>
+                    <a:p>
+                      <a:pPr algn="l" fontAlgn="b"/>
+                      <a:r>
+                        <a:rPr lang="de-DE" sz="1000" b="1" u="none" strike="noStrike" dirty="0">
+                          <a:solidFill>
+                            <a:srgbClr val="C00000"/>
+                          </a:solidFill>
+                          <a:effectLst/>
+                        </a:rPr>
+                        <a:t>P12</a:t>
+                      </a:r>
+                      <a:endParaRPr lang="de-DE" sz="1000" b="1" i="0" u="none" strike="noStrike" dirty="0">
+                        <a:solidFill>
+                          <a:srgbClr val="C00000"/>
+                        </a:solidFill>
+                        <a:effectLst/>
+                        <a:latin typeface="Calibri" panose="020F0502020204030204" pitchFamily="34" charset="0"/>
+                      </a:endParaRPr>
+                    </a:p>
+                  </a:txBody>
+                  <a:tcPr marL="7620" marR="7620" marT="7620" marB="0" anchor="b"/>
+                </a:tc>
+                <a:tc>
+                  <a:txBody>
+                    <a:bodyPr/>
+                    <a:lstStyle/>
+                    <a:p>
+                      <a:pPr algn="l" fontAlgn="b"/>
+                      <a:r>
+                        <a:rPr lang="de-DE" sz="1000" b="1" u="none" strike="noStrike" dirty="0">
+                          <a:solidFill>
+                            <a:srgbClr val="C00000"/>
+                          </a:solidFill>
+                          <a:effectLst/>
+                        </a:rPr>
+                        <a:t>2052</a:t>
+                      </a:r>
+                      <a:endParaRPr lang="de-DE" sz="1000" b="1" i="0" u="none" strike="noStrike" dirty="0">
+                        <a:solidFill>
+                          <a:srgbClr val="C00000"/>
+                        </a:solidFill>
+                        <a:effectLst/>
+                        <a:latin typeface="Lucida Console" panose="020B0609040504020204" pitchFamily="49" charset="0"/>
+                      </a:endParaRPr>
+                    </a:p>
+                  </a:txBody>
+                  <a:tcPr marL="7620" marR="7620" marT="7620" marB="0" anchor="b"/>
+                </a:tc>
+                <a:extLst>
+                  <a:ext uri="{0D108BD9-81ED-4DB2-BD59-A6C34878D82A}">
+                    <a16:rowId xmlns:a16="http://schemas.microsoft.com/office/drawing/2014/main" val="3160094554"/>
+                  </a:ext>
+                </a:extLst>
+              </a:tr>
+              <a:tr h="182880">
+                <a:tc>
+                  <a:txBody>
+                    <a:bodyPr/>
+                    <a:lstStyle/>
+                    <a:p>
+                      <a:pPr algn="l" fontAlgn="b"/>
+                      <a:r>
+                        <a:rPr lang="de-DE" sz="1000" b="1" u="none" strike="noStrike" dirty="0">
+                          <a:solidFill>
+                            <a:srgbClr val="C00000"/>
+                          </a:solidFill>
+                          <a:effectLst/>
+                        </a:rPr>
+                        <a:t>P13</a:t>
+                      </a:r>
+                      <a:endParaRPr lang="de-DE" sz="1000" b="1" i="0" u="none" strike="noStrike" dirty="0">
+                        <a:solidFill>
+                          <a:srgbClr val="C00000"/>
+                        </a:solidFill>
+                        <a:effectLst/>
+                        <a:latin typeface="Calibri" panose="020F0502020204030204" pitchFamily="34" charset="0"/>
+                      </a:endParaRPr>
+                    </a:p>
+                  </a:txBody>
+                  <a:tcPr marL="7620" marR="7620" marT="7620" marB="0" anchor="b"/>
+                </a:tc>
+                <a:tc>
+                  <a:txBody>
+                    <a:bodyPr/>
+                    <a:lstStyle/>
+                    <a:p>
+                      <a:pPr algn="l" fontAlgn="b"/>
+                      <a:r>
+                        <a:rPr lang="de-DE" sz="1000" b="1" u="none" strike="noStrike" dirty="0">
+                          <a:solidFill>
+                            <a:srgbClr val="C00000"/>
+                          </a:solidFill>
+                          <a:effectLst/>
+                        </a:rPr>
+                        <a:t>7255</a:t>
+                      </a:r>
+                      <a:endParaRPr lang="de-DE" sz="1000" b="1" i="0" u="none" strike="noStrike" dirty="0">
+                        <a:solidFill>
+                          <a:srgbClr val="C00000"/>
+                        </a:solidFill>
+                        <a:effectLst/>
+                        <a:latin typeface="Lucida Console" panose="020B0609040504020204" pitchFamily="49" charset="0"/>
+                      </a:endParaRPr>
+                    </a:p>
+                  </a:txBody>
+                  <a:tcPr marL="7620" marR="7620" marT="7620" marB="0" anchor="b"/>
+                </a:tc>
+                <a:extLst>
+                  <a:ext uri="{0D108BD9-81ED-4DB2-BD59-A6C34878D82A}">
+                    <a16:rowId xmlns:a16="http://schemas.microsoft.com/office/drawing/2014/main" val="74824998"/>
+                  </a:ext>
+                </a:extLst>
+              </a:tr>
+              <a:tr h="182880">
+                <a:tc>
+                  <a:txBody>
+                    <a:bodyPr/>
+                    <a:lstStyle/>
+                    <a:p>
+                      <a:pPr algn="l" fontAlgn="b"/>
+                      <a:r>
+                        <a:rPr lang="de-DE" sz="1000" b="1" u="none" strike="noStrike" dirty="0">
+                          <a:solidFill>
+                            <a:srgbClr val="C00000"/>
+                          </a:solidFill>
+                          <a:effectLst/>
+                        </a:rPr>
+                        <a:t>P14</a:t>
+                      </a:r>
+                      <a:endParaRPr lang="de-DE" sz="1000" b="1" i="0" u="none" strike="noStrike" dirty="0">
+                        <a:solidFill>
+                          <a:srgbClr val="C00000"/>
+                        </a:solidFill>
+                        <a:effectLst/>
+                        <a:latin typeface="Calibri" panose="020F0502020204030204" pitchFamily="34" charset="0"/>
+                      </a:endParaRPr>
+                    </a:p>
+                  </a:txBody>
+                  <a:tcPr marL="7620" marR="7620" marT="7620" marB="0" anchor="b"/>
+                </a:tc>
+                <a:tc>
+                  <a:txBody>
+                    <a:bodyPr/>
+                    <a:lstStyle/>
+                    <a:p>
+                      <a:pPr algn="l" fontAlgn="b"/>
+                      <a:r>
+                        <a:rPr lang="de-DE" sz="1000" b="1" u="none" strike="noStrike" dirty="0">
+                          <a:solidFill>
+                            <a:srgbClr val="C00000"/>
+                          </a:solidFill>
+                          <a:effectLst/>
+                        </a:rPr>
+                        <a:t>7262</a:t>
+                      </a:r>
+                      <a:endParaRPr lang="de-DE" sz="1000" b="1" i="0" u="none" strike="noStrike" dirty="0">
+                        <a:solidFill>
+                          <a:srgbClr val="C00000"/>
+                        </a:solidFill>
+                        <a:effectLst/>
+                        <a:latin typeface="Lucida Console" panose="020B0609040504020204" pitchFamily="49" charset="0"/>
+                      </a:endParaRPr>
+                    </a:p>
+                  </a:txBody>
+                  <a:tcPr marL="7620" marR="7620" marT="7620" marB="0" anchor="b"/>
+                </a:tc>
+                <a:extLst>
+                  <a:ext uri="{0D108BD9-81ED-4DB2-BD59-A6C34878D82A}">
+                    <a16:rowId xmlns:a16="http://schemas.microsoft.com/office/drawing/2014/main" val="2096088475"/>
+                  </a:ext>
+                </a:extLst>
+              </a:tr>
+              <a:tr h="182880">
+                <a:tc>
+                  <a:txBody>
+                    <a:bodyPr/>
+                    <a:lstStyle/>
+                    <a:p>
+                      <a:pPr algn="l" fontAlgn="b"/>
+                      <a:r>
+                        <a:rPr lang="de-DE" sz="1000" b="1" u="none" strike="noStrike" dirty="0">
+                          <a:solidFill>
+                            <a:srgbClr val="C00000"/>
+                          </a:solidFill>
+                          <a:effectLst/>
+                        </a:rPr>
+                        <a:t>P15</a:t>
+                      </a:r>
+                      <a:endParaRPr lang="de-DE" sz="1000" b="1" i="0" u="none" strike="noStrike" dirty="0">
+                        <a:solidFill>
+                          <a:srgbClr val="C00000"/>
+                        </a:solidFill>
+                        <a:effectLst/>
+                        <a:latin typeface="Calibri" panose="020F0502020204030204" pitchFamily="34" charset="0"/>
+                      </a:endParaRPr>
+                    </a:p>
+                  </a:txBody>
+                  <a:tcPr marL="7620" marR="7620" marT="7620" marB="0" anchor="b"/>
+                </a:tc>
+                <a:tc>
+                  <a:txBody>
+                    <a:bodyPr/>
+                    <a:lstStyle/>
+                    <a:p>
+                      <a:pPr algn="l" fontAlgn="b"/>
+                      <a:r>
+                        <a:rPr lang="de-DE" sz="1000" b="1" u="none" strike="noStrike" dirty="0">
+                          <a:solidFill>
+                            <a:srgbClr val="C00000"/>
+                          </a:solidFill>
+                          <a:effectLst/>
+                        </a:rPr>
+                        <a:t>7143</a:t>
+                      </a:r>
+                      <a:endParaRPr lang="de-DE" sz="1000" b="1" i="0" u="none" strike="noStrike" dirty="0">
+                        <a:solidFill>
+                          <a:srgbClr val="C00000"/>
+                        </a:solidFill>
+                        <a:effectLst/>
+                        <a:latin typeface="Lucida Console" panose="020B0609040504020204" pitchFamily="49" charset="0"/>
+                      </a:endParaRPr>
+                    </a:p>
+                  </a:txBody>
+                  <a:tcPr marL="7620" marR="7620" marT="7620" marB="0" anchor="b"/>
+                </a:tc>
+                <a:extLst>
+                  <a:ext uri="{0D108BD9-81ED-4DB2-BD59-A6C34878D82A}">
+                    <a16:rowId xmlns:a16="http://schemas.microsoft.com/office/drawing/2014/main" val="864847021"/>
+                  </a:ext>
+                </a:extLst>
+              </a:tr>
+              <a:tr h="182880">
+                <a:tc>
+                  <a:txBody>
+                    <a:bodyPr/>
+                    <a:lstStyle/>
+                    <a:p>
+                      <a:pPr algn="l" fontAlgn="b"/>
+                      <a:r>
+                        <a:rPr lang="de-DE" sz="1000" b="1" u="none" strike="noStrike" dirty="0">
+                          <a:solidFill>
+                            <a:srgbClr val="C00000"/>
+                          </a:solidFill>
+                          <a:effectLst/>
+                        </a:rPr>
+                        <a:t>P16</a:t>
+                      </a:r>
+                      <a:endParaRPr lang="de-DE" sz="1000" b="1" i="0" u="none" strike="noStrike" dirty="0">
+                        <a:solidFill>
+                          <a:srgbClr val="C00000"/>
+                        </a:solidFill>
+                        <a:effectLst/>
+                        <a:latin typeface="Calibri" panose="020F0502020204030204" pitchFamily="34" charset="0"/>
+                      </a:endParaRPr>
+                    </a:p>
+                  </a:txBody>
+                  <a:tcPr marL="7620" marR="7620" marT="7620" marB="0" anchor="b"/>
+                </a:tc>
+                <a:tc>
+                  <a:txBody>
+                    <a:bodyPr/>
+                    <a:lstStyle/>
+                    <a:p>
+                      <a:pPr algn="l" fontAlgn="b"/>
+                      <a:r>
+                        <a:rPr lang="de-DE" sz="1000" b="1" u="none" strike="noStrike" dirty="0">
+                          <a:solidFill>
+                            <a:srgbClr val="C00000"/>
+                          </a:solidFill>
+                          <a:effectLst/>
+                        </a:rPr>
+                        <a:t>7226</a:t>
+                      </a:r>
+                      <a:endParaRPr lang="de-DE" sz="1000" b="1" i="0" u="none" strike="noStrike" dirty="0">
+                        <a:solidFill>
+                          <a:srgbClr val="C00000"/>
+                        </a:solidFill>
+                        <a:effectLst/>
+                        <a:latin typeface="Lucida Console" panose="020B0609040504020204" pitchFamily="49" charset="0"/>
+                      </a:endParaRPr>
+                    </a:p>
+                  </a:txBody>
+                  <a:tcPr marL="7620" marR="7620" marT="7620" marB="0" anchor="b"/>
+                </a:tc>
+                <a:extLst>
+                  <a:ext uri="{0D108BD9-81ED-4DB2-BD59-A6C34878D82A}">
+                    <a16:rowId xmlns:a16="http://schemas.microsoft.com/office/drawing/2014/main" val="4092379780"/>
+                  </a:ext>
+                </a:extLst>
+              </a:tr>
+              <a:tr h="182880">
+                <a:tc>
+                  <a:txBody>
+                    <a:bodyPr/>
+                    <a:lstStyle/>
+                    <a:p>
+                      <a:pPr algn="l" fontAlgn="b"/>
+                      <a:r>
+                        <a:rPr lang="de-DE" sz="1000" b="1" u="none" strike="noStrike" dirty="0">
+                          <a:solidFill>
+                            <a:srgbClr val="C00000"/>
+                          </a:solidFill>
+                          <a:effectLst/>
+                        </a:rPr>
+                        <a:t>P17</a:t>
+                      </a:r>
+                      <a:endParaRPr lang="de-DE" sz="1000" b="1" i="0" u="none" strike="noStrike" dirty="0">
+                        <a:solidFill>
+                          <a:srgbClr val="C00000"/>
+                        </a:solidFill>
+                        <a:effectLst/>
+                        <a:latin typeface="Calibri" panose="020F0502020204030204" pitchFamily="34" charset="0"/>
+                      </a:endParaRPr>
+                    </a:p>
+                  </a:txBody>
+                  <a:tcPr marL="7620" marR="7620" marT="7620" marB="0" anchor="b"/>
+                </a:tc>
+                <a:tc>
+                  <a:txBody>
+                    <a:bodyPr/>
+                    <a:lstStyle/>
+                    <a:p>
+                      <a:pPr algn="l" fontAlgn="b"/>
+                      <a:r>
+                        <a:rPr lang="de-DE" sz="1000" b="1" u="none" strike="noStrike" dirty="0">
+                          <a:solidFill>
+                            <a:srgbClr val="C00000"/>
+                          </a:solidFill>
+                          <a:effectLst/>
+                        </a:rPr>
+                        <a:t>4692</a:t>
+                      </a:r>
+                      <a:endParaRPr lang="de-DE" sz="1000" b="1" i="0" u="none" strike="noStrike" dirty="0">
+                        <a:solidFill>
+                          <a:srgbClr val="C00000"/>
+                        </a:solidFill>
+                        <a:effectLst/>
+                        <a:latin typeface="Lucida Console" panose="020B0609040504020204" pitchFamily="49" charset="0"/>
+                      </a:endParaRPr>
+                    </a:p>
+                  </a:txBody>
+                  <a:tcPr marL="7620" marR="7620" marT="7620" marB="0" anchor="b"/>
+                </a:tc>
+                <a:extLst>
+                  <a:ext uri="{0D108BD9-81ED-4DB2-BD59-A6C34878D82A}">
+                    <a16:rowId xmlns:a16="http://schemas.microsoft.com/office/drawing/2014/main" val="1942924838"/>
+                  </a:ext>
+                </a:extLst>
+              </a:tr>
+              <a:tr h="182880">
+                <a:tc>
+                  <a:txBody>
+                    <a:bodyPr/>
+                    <a:lstStyle/>
+                    <a:p>
+                      <a:pPr algn="l" fontAlgn="b"/>
+                      <a:r>
+                        <a:rPr lang="de-DE" sz="1000" b="1" u="none" strike="noStrike" dirty="0">
+                          <a:solidFill>
+                            <a:schemeClr val="accent2"/>
+                          </a:solidFill>
+                          <a:effectLst/>
+                        </a:rPr>
+                        <a:t>P18</a:t>
+                      </a:r>
+                      <a:endParaRPr lang="de-DE" sz="1000" b="1" i="0" u="none" strike="noStrike" dirty="0">
+                        <a:solidFill>
+                          <a:schemeClr val="accent2"/>
+                        </a:solidFill>
+                        <a:effectLst/>
+                        <a:latin typeface="Calibri" panose="020F0502020204030204" pitchFamily="34" charset="0"/>
+                      </a:endParaRPr>
+                    </a:p>
+                  </a:txBody>
+                  <a:tcPr marL="7620" marR="7620" marT="7620" marB="0" anchor="b"/>
+                </a:tc>
+                <a:tc>
+                  <a:txBody>
+                    <a:bodyPr/>
+                    <a:lstStyle/>
+                    <a:p>
+                      <a:pPr algn="l" fontAlgn="b"/>
+                      <a:r>
+                        <a:rPr lang="de-DE" sz="1000" b="1" u="none" strike="noStrike" dirty="0">
+                          <a:solidFill>
+                            <a:schemeClr val="accent2"/>
+                          </a:solidFill>
+                          <a:effectLst/>
+                        </a:rPr>
+                        <a:t>6602</a:t>
+                      </a:r>
+                      <a:endParaRPr lang="de-DE" sz="1000" b="1" i="0" u="none" strike="noStrike" dirty="0">
+                        <a:solidFill>
+                          <a:schemeClr val="accent2"/>
+                        </a:solidFill>
+                        <a:effectLst/>
+                        <a:latin typeface="Lucida Console" panose="020B0609040504020204" pitchFamily="49" charset="0"/>
+                      </a:endParaRPr>
+                    </a:p>
+                  </a:txBody>
+                  <a:tcPr marL="7620" marR="7620" marT="7620" marB="0" anchor="b"/>
+                </a:tc>
+                <a:extLst>
+                  <a:ext uri="{0D108BD9-81ED-4DB2-BD59-A6C34878D82A}">
+                    <a16:rowId xmlns:a16="http://schemas.microsoft.com/office/drawing/2014/main" val="2701336776"/>
+                  </a:ext>
+                </a:extLst>
+              </a:tr>
+              <a:tr h="182880">
+                <a:tc>
+                  <a:txBody>
+                    <a:bodyPr/>
+                    <a:lstStyle/>
+                    <a:p>
+                      <a:pPr algn="l" fontAlgn="b"/>
+                      <a:r>
+                        <a:rPr lang="de-DE" sz="1000" b="1" u="none" strike="noStrike" dirty="0">
+                          <a:solidFill>
+                            <a:srgbClr val="00B050"/>
+                          </a:solidFill>
+                          <a:effectLst/>
+                        </a:rPr>
+                        <a:t>P19</a:t>
+                      </a:r>
+                      <a:endParaRPr lang="de-DE" sz="1000" b="1" i="0" u="none" strike="noStrike" dirty="0">
+                        <a:solidFill>
+                          <a:srgbClr val="00B050"/>
+                        </a:solidFill>
+                        <a:effectLst/>
+                        <a:latin typeface="Calibri" panose="020F0502020204030204" pitchFamily="34" charset="0"/>
+                      </a:endParaRPr>
+                    </a:p>
+                  </a:txBody>
+                  <a:tcPr marL="7620" marR="7620" marT="7620" marB="0" anchor="b"/>
+                </a:tc>
+                <a:tc>
+                  <a:txBody>
+                    <a:bodyPr/>
+                    <a:lstStyle/>
+                    <a:p>
+                      <a:pPr algn="l" fontAlgn="b"/>
+                      <a:r>
+                        <a:rPr lang="de-DE" sz="1000" b="1" u="none" strike="noStrike" dirty="0">
+                          <a:solidFill>
+                            <a:srgbClr val="00B050"/>
+                          </a:solidFill>
+                          <a:effectLst/>
+                        </a:rPr>
+                        <a:t>6715</a:t>
+                      </a:r>
+                      <a:endParaRPr lang="de-DE" sz="1000" b="1" i="0" u="none" strike="noStrike" dirty="0">
+                        <a:solidFill>
+                          <a:srgbClr val="00B050"/>
+                        </a:solidFill>
+                        <a:effectLst/>
+                        <a:latin typeface="Lucida Console" panose="020B0609040504020204" pitchFamily="49" charset="0"/>
+                      </a:endParaRPr>
+                    </a:p>
+                  </a:txBody>
+                  <a:tcPr marL="7620" marR="7620" marT="7620" marB="0" anchor="b"/>
+                </a:tc>
+                <a:extLst>
+                  <a:ext uri="{0D108BD9-81ED-4DB2-BD59-A6C34878D82A}">
+                    <a16:rowId xmlns:a16="http://schemas.microsoft.com/office/drawing/2014/main" val="2861386176"/>
+                  </a:ext>
+                </a:extLst>
+              </a:tr>
+            </a:tbl>
+          </a:graphicData>
+        </a:graphic>
+      </p:graphicFrame>
+      <p:pic>
+        <p:nvPicPr>
+          <p:cNvPr id="4" name="Grafik 3">
+            <a:extLst>
+              <a:ext uri="{FF2B5EF4-FFF2-40B4-BE49-F238E27FC236}">
+                <a16:creationId xmlns:a16="http://schemas.microsoft.com/office/drawing/2014/main" id="{55FF885F-6A9D-45EF-BDC8-BB2152C6F31D}"/>
+              </a:ext>
+            </a:extLst>
+          </p:cNvPr>
+          <p:cNvPicPr>
+            <a:picLocks noChangeAspect="1"/>
+          </p:cNvPicPr>
+          <p:nvPr/>
+        </p:nvPicPr>
+        <p:blipFill>
+          <a:blip r:embed="rId2">
+            <a:extLst>
+              <a:ext uri="{28A0092B-C50C-407E-A947-70E740481C1C}">
+                <a14:useLocalDpi xmlns:a14="http://schemas.microsoft.com/office/drawing/2010/main" val="0"/>
+              </a:ext>
+            </a:extLst>
+          </a:blip>
+          <a:stretch>
+            <a:fillRect/>
+          </a:stretch>
+        </p:blipFill>
+        <p:spPr>
+          <a:xfrm>
+            <a:off x="5807112" y="3274205"/>
+            <a:ext cx="3880199" cy="1549157"/>
+          </a:xfrm>
+          <a:prstGeom prst="rect">
+            <a:avLst/>
+          </a:prstGeom>
+        </p:spPr>
+      </p:pic>
+    </p:spTree>
+    <p:extLst>
+      <p:ext uri="{BB962C8B-B14F-4D97-AF65-F5344CB8AC3E}">
+        <p14:creationId xmlns:p14="http://schemas.microsoft.com/office/powerpoint/2010/main" val="2595295548"/>
+      </p:ext>
+    </p:extLst>
+  </p:cSld>
+  <p:clrMapOvr>
+    <a:masterClrMapping/>
+  </p:clrMapOvr>
+</p:sld>
+</file>
+
+<file path=ppt/slides/slide4.xml><?xml version="1.0" encoding="utf-8"?>
+<p:sld xmlns:a="http://schemas.openxmlformats.org/drawingml/2006/main" xmlns:r="http://schemas.openxmlformats.org/officeDocument/2006/relationships" xmlns:p="http://schemas.openxmlformats.org/presentationml/2006/main">
+  <p:cSld>
+    <p:spTree>
+      <p:nvGrpSpPr>
+        <p:cNvPr id="1" name=""/>
+        <p:cNvGrpSpPr/>
+        <p:nvPr/>
+      </p:nvGrpSpPr>
+      <p:grpSpPr>
+        <a:xfrm>
+          <a:off x="0" y="0"/>
+          <a:ext cx="0" cy="0"/>
+          <a:chOff x="0" y="0"/>
+          <a:chExt cx="0" cy="0"/>
+        </a:xfrm>
+      </p:grpSpPr>
+      <p:sp>
+        <p:nvSpPr>
+          <p:cNvPr id="84" name="Textfeld 83">
+            <a:extLst>
+              <a:ext uri="{FF2B5EF4-FFF2-40B4-BE49-F238E27FC236}">
+                <a16:creationId xmlns:a16="http://schemas.microsoft.com/office/drawing/2014/main" id="{8A49F223-8579-43F3-B7D0-900E4BD2BF33}"/>
+              </a:ext>
+            </a:extLst>
+          </p:cNvPr>
+          <p:cNvSpPr txBox="1"/>
+          <p:nvPr/>
+        </p:nvSpPr>
+        <p:spPr>
+          <a:xfrm>
+            <a:off x="0" y="-5107"/>
+            <a:ext cx="12192000" cy="523220"/>
+          </a:xfrm>
+          <a:prstGeom prst="rect">
+            <a:avLst/>
+          </a:prstGeom>
+          <a:noFill/>
+        </p:spPr>
+        <p:txBody>
+          <a:bodyPr wrap="square" rtlCol="0">
+            <a:spAutoFit/>
+          </a:bodyPr>
+          <a:lstStyle/>
+          <a:p>
+            <a:pPr algn="ctr"/>
+            <a:r>
+              <a:rPr lang="de-DE" sz="2800" dirty="0"/>
+              <a:t>Grundmenge ROI 2 – absolut Werte</a:t>
+            </a:r>
+          </a:p>
+        </p:txBody>
+      </p:sp>
+      <p:graphicFrame>
+        <p:nvGraphicFramePr>
+          <p:cNvPr id="2" name="Tabelle 1">
+            <a:extLst>
+              <a:ext uri="{FF2B5EF4-FFF2-40B4-BE49-F238E27FC236}">
+                <a16:creationId xmlns:a16="http://schemas.microsoft.com/office/drawing/2014/main" id="{A202405E-8839-41E0-8B5B-F89F25E9DFCF}"/>
+              </a:ext>
+            </a:extLst>
+          </p:cNvPr>
+          <p:cNvGraphicFramePr>
+            <a:graphicFrameLocks noGrp="1"/>
+          </p:cNvGraphicFramePr>
+          <p:nvPr>
+            <p:extLst>
+              <p:ext uri="{D42A27DB-BD31-4B8C-83A1-F6EECF244321}">
+                <p14:modId xmlns:p14="http://schemas.microsoft.com/office/powerpoint/2010/main" val="1309115856"/>
+              </p:ext>
+            </p:extLst>
+          </p:nvPr>
+        </p:nvGraphicFramePr>
+        <p:xfrm>
+          <a:off x="1825234" y="1210976"/>
+          <a:ext cx="3194304" cy="3515360"/>
+        </p:xfrm>
+        <a:graphic>
+          <a:graphicData uri="http://schemas.openxmlformats.org/drawingml/2006/table">
+            <a:tbl>
+              <a:tblPr firstRow="1" bandRow="1">
+                <a:tableStyleId>{00A15C55-8517-42AA-B614-E9B94910E393}</a:tableStyleId>
+              </a:tblPr>
+              <a:tblGrid>
+                <a:gridCol w="414528">
+                  <a:extLst>
+                    <a:ext uri="{9D8B030D-6E8A-4147-A177-3AD203B41FA5}">
+                      <a16:colId xmlns:a16="http://schemas.microsoft.com/office/drawing/2014/main" val="955975988"/>
+                    </a:ext>
+                  </a:extLst>
+                </a:gridCol>
+                <a:gridCol w="841248">
+                  <a:extLst>
+                    <a:ext uri="{9D8B030D-6E8A-4147-A177-3AD203B41FA5}">
+                      <a16:colId xmlns:a16="http://schemas.microsoft.com/office/drawing/2014/main" val="555965979"/>
+                    </a:ext>
+                  </a:extLst>
+                </a:gridCol>
+                <a:gridCol w="896112">
+                  <a:extLst>
+                    <a:ext uri="{9D8B030D-6E8A-4147-A177-3AD203B41FA5}">
+                      <a16:colId xmlns:a16="http://schemas.microsoft.com/office/drawing/2014/main" val="3903549877"/>
+                    </a:ext>
+                  </a:extLst>
+                </a:gridCol>
+                <a:gridCol w="1042416">
+                  <a:extLst>
+                    <a:ext uri="{9D8B030D-6E8A-4147-A177-3AD203B41FA5}">
+                      <a16:colId xmlns:a16="http://schemas.microsoft.com/office/drawing/2014/main" val="1685591517"/>
+                    </a:ext>
+                  </a:extLst>
+                </a:gridCol>
+              </a:tblGrid>
+              <a:tr h="370840">
+                <a:tc>
+                  <a:txBody>
+                    <a:bodyPr/>
+                    <a:lstStyle/>
+                    <a:p>
+                      <a:r>
+                        <a:rPr lang="de-DE" sz="1000" dirty="0"/>
+                        <a:t>Nr.</a:t>
+                      </a:r>
+                    </a:p>
+                  </a:txBody>
+                  <a:tcPr/>
+                </a:tc>
+                <a:tc>
+                  <a:txBody>
+                    <a:bodyPr/>
+                    <a:lstStyle/>
+                    <a:p>
+                      <a:r>
+                        <a:rPr lang="de-DE" sz="1000" dirty="0"/>
+                        <a:t>Name vereinfacht</a:t>
+                      </a:r>
+                    </a:p>
+                  </a:txBody>
+                  <a:tcPr/>
+                </a:tc>
+                <a:tc>
+                  <a:txBody>
+                    <a:bodyPr/>
+                    <a:lstStyle/>
+                    <a:p>
+                      <a:r>
+                        <a:rPr lang="de-DE" sz="1000" dirty="0"/>
+                        <a:t>ROI Größe</a:t>
+                      </a:r>
+                    </a:p>
+                  </a:txBody>
+                  <a:tcPr/>
+                </a:tc>
+                <a:tc>
+                  <a:txBody>
+                    <a:bodyPr/>
+                    <a:lstStyle/>
+                    <a:p>
+                      <a:r>
+                        <a:rPr lang="de-DE" sz="1000" dirty="0"/>
+                        <a:t>Anzahl der Ausreißer über alle TFs</a:t>
+                      </a:r>
+                    </a:p>
+                  </a:txBody>
+                  <a:tcPr/>
+                </a:tc>
+                <a:extLst>
+                  <a:ext uri="{0D108BD9-81ED-4DB2-BD59-A6C34878D82A}">
+                    <a16:rowId xmlns:a16="http://schemas.microsoft.com/office/drawing/2014/main" val="470140596"/>
+                  </a:ext>
+                </a:extLst>
+              </a:tr>
+              <a:tr h="370840">
+                <a:tc>
+                  <a:txBody>
+                    <a:bodyPr/>
+                    <a:lstStyle/>
+                    <a:p>
+                      <a:r>
+                        <a:rPr lang="de-DE" sz="1000" dirty="0"/>
+                        <a:t>1</a:t>
+                      </a:r>
+                    </a:p>
+                  </a:txBody>
+                  <a:tcPr/>
+                </a:tc>
+                <a:tc>
+                  <a:txBody>
+                    <a:bodyPr/>
+                    <a:lstStyle/>
+                    <a:p>
+                      <a:r>
+                        <a:rPr lang="de-DE" sz="1000" dirty="0">
+                          <a:solidFill>
+                            <a:srgbClr val="FF0000"/>
+                          </a:solidFill>
+                        </a:rPr>
+                        <a:t>P13</a:t>
+                      </a:r>
+                    </a:p>
+                  </a:txBody>
+                  <a:tcPr/>
+                </a:tc>
+                <a:tc>
+                  <a:txBody>
+                    <a:bodyPr/>
+                    <a:lstStyle/>
+                    <a:p>
+                      <a:r>
+                        <a:rPr lang="de-DE" sz="1000">
+                          <a:solidFill>
+                            <a:srgbClr val="FF0000"/>
+                          </a:solidFill>
+                        </a:rPr>
+                        <a:t>7255</a:t>
+                      </a:r>
+                      <a:endParaRPr lang="de-DE" sz="1000" dirty="0">
+                        <a:solidFill>
+                          <a:srgbClr val="FF0000"/>
+                        </a:solidFill>
+                      </a:endParaRPr>
+                    </a:p>
+                  </a:txBody>
+                  <a:tcPr/>
+                </a:tc>
+                <a:tc>
+                  <a:txBody>
+                    <a:bodyPr/>
+                    <a:lstStyle/>
+                    <a:p>
+                      <a:r>
+                        <a:rPr lang="de-DE" sz="1000">
+                          <a:solidFill>
+                            <a:srgbClr val="FF0000"/>
+                          </a:solidFill>
+                        </a:rPr>
+                        <a:t>36</a:t>
+                      </a:r>
+                      <a:endParaRPr lang="de-DE" sz="1000" dirty="0">
+                        <a:solidFill>
+                          <a:srgbClr val="FF0000"/>
+                        </a:solidFill>
+                      </a:endParaRPr>
+                    </a:p>
+                  </a:txBody>
+                  <a:tcPr/>
+                </a:tc>
+                <a:extLst>
+                  <a:ext uri="{0D108BD9-81ED-4DB2-BD59-A6C34878D82A}">
+                    <a16:rowId xmlns:a16="http://schemas.microsoft.com/office/drawing/2014/main" val="1607950166"/>
+                  </a:ext>
+                </a:extLst>
+              </a:tr>
+              <a:tr h="370840">
+                <a:tc>
+                  <a:txBody>
+                    <a:bodyPr/>
+                    <a:lstStyle/>
+                    <a:p>
+                      <a:r>
+                        <a:rPr lang="de-DE" sz="1000" dirty="0"/>
+                        <a:t>2</a:t>
+                      </a:r>
+                    </a:p>
+                  </a:txBody>
+                  <a:tcPr/>
+                </a:tc>
+                <a:tc>
+                  <a:txBody>
+                    <a:bodyPr/>
+                    <a:lstStyle/>
+                    <a:p>
+                      <a:r>
+                        <a:rPr lang="de-DE" sz="1000">
+                          <a:solidFill>
+                            <a:srgbClr val="FF0000"/>
+                          </a:solidFill>
+                        </a:rPr>
+                        <a:t>P9</a:t>
+                      </a:r>
+                      <a:endParaRPr lang="de-DE" sz="1000" dirty="0">
+                        <a:solidFill>
+                          <a:srgbClr val="FF0000"/>
+                        </a:solidFill>
+                      </a:endParaRPr>
+                    </a:p>
+                  </a:txBody>
+                  <a:tcPr/>
+                </a:tc>
+                <a:tc>
+                  <a:txBody>
+                    <a:bodyPr/>
+                    <a:lstStyle/>
+                    <a:p>
+                      <a:r>
+                        <a:rPr lang="de-DE" sz="1000">
+                          <a:solidFill>
+                            <a:srgbClr val="FF0000"/>
+                          </a:solidFill>
+                        </a:rPr>
+                        <a:t>7194</a:t>
+                      </a:r>
+                      <a:endParaRPr lang="de-DE" sz="1000" dirty="0">
+                        <a:solidFill>
+                          <a:srgbClr val="FF0000"/>
+                        </a:solidFill>
+                      </a:endParaRPr>
+                    </a:p>
+                  </a:txBody>
+                  <a:tcPr/>
+                </a:tc>
+                <a:tc>
+                  <a:txBody>
+                    <a:bodyPr/>
+                    <a:lstStyle/>
+                    <a:p>
+                      <a:r>
+                        <a:rPr lang="de-DE" sz="1000">
+                          <a:solidFill>
+                            <a:srgbClr val="FF0000"/>
+                          </a:solidFill>
+                        </a:rPr>
+                        <a:t>34</a:t>
+                      </a:r>
+                      <a:endParaRPr lang="de-DE" sz="1000" dirty="0">
+                        <a:solidFill>
+                          <a:srgbClr val="FF0000"/>
+                        </a:solidFill>
+                      </a:endParaRPr>
+                    </a:p>
+                  </a:txBody>
+                  <a:tcPr/>
+                </a:tc>
+                <a:extLst>
+                  <a:ext uri="{0D108BD9-81ED-4DB2-BD59-A6C34878D82A}">
+                    <a16:rowId xmlns:a16="http://schemas.microsoft.com/office/drawing/2014/main" val="830403483"/>
+                  </a:ext>
+                </a:extLst>
+              </a:tr>
+              <a:tr h="370840">
+                <a:tc>
+                  <a:txBody>
+                    <a:bodyPr/>
+                    <a:lstStyle/>
+                    <a:p>
+                      <a:r>
+                        <a:rPr lang="de-DE" sz="1000" dirty="0"/>
+                        <a:t>3</a:t>
+                      </a:r>
+                    </a:p>
+                  </a:txBody>
+                  <a:tcPr/>
+                </a:tc>
+                <a:tc>
+                  <a:txBody>
+                    <a:bodyPr/>
+                    <a:lstStyle/>
+                    <a:p>
+                      <a:r>
+                        <a:rPr lang="de-DE" sz="1000">
+                          <a:solidFill>
+                            <a:srgbClr val="FF0000"/>
+                          </a:solidFill>
+                        </a:rPr>
+                        <a:t>P18</a:t>
+                      </a:r>
+                      <a:endParaRPr lang="de-DE" sz="1000" dirty="0">
+                        <a:solidFill>
+                          <a:srgbClr val="FF0000"/>
+                        </a:solidFill>
+                      </a:endParaRPr>
+                    </a:p>
+                  </a:txBody>
+                  <a:tcPr/>
+                </a:tc>
+                <a:tc>
+                  <a:txBody>
+                    <a:bodyPr/>
+                    <a:lstStyle/>
+                    <a:p>
+                      <a:r>
+                        <a:rPr lang="de-DE" sz="1000">
+                          <a:solidFill>
+                            <a:srgbClr val="FF0000"/>
+                          </a:solidFill>
+                        </a:rPr>
+                        <a:t>6602</a:t>
+                      </a:r>
+                      <a:endParaRPr lang="de-DE" sz="1000" dirty="0">
+                        <a:solidFill>
+                          <a:srgbClr val="FF0000"/>
+                        </a:solidFill>
+                      </a:endParaRPr>
+                    </a:p>
+                  </a:txBody>
+                  <a:tcPr/>
+                </a:tc>
+                <a:tc>
+                  <a:txBody>
+                    <a:bodyPr/>
+                    <a:lstStyle/>
+                    <a:p>
+                      <a:r>
+                        <a:rPr lang="de-DE" sz="1000">
+                          <a:solidFill>
+                            <a:srgbClr val="FF0000"/>
+                          </a:solidFill>
+                        </a:rPr>
+                        <a:t>17</a:t>
+                      </a:r>
+                      <a:endParaRPr lang="de-DE" sz="1000" dirty="0">
+                        <a:solidFill>
+                          <a:srgbClr val="FF0000"/>
+                        </a:solidFill>
+                      </a:endParaRPr>
+                    </a:p>
+                  </a:txBody>
+                  <a:tcPr/>
+                </a:tc>
+                <a:extLst>
+                  <a:ext uri="{0D108BD9-81ED-4DB2-BD59-A6C34878D82A}">
+                    <a16:rowId xmlns:a16="http://schemas.microsoft.com/office/drawing/2014/main" val="313824966"/>
+                  </a:ext>
+                </a:extLst>
+              </a:tr>
+              <a:tr h="370840">
+                <a:tc>
+                  <a:txBody>
+                    <a:bodyPr/>
+                    <a:lstStyle/>
+                    <a:p>
+                      <a:r>
+                        <a:rPr lang="de-DE" sz="1000" dirty="0"/>
+                        <a:t>4</a:t>
+                      </a:r>
+                    </a:p>
+                  </a:txBody>
+                  <a:tcPr/>
+                </a:tc>
+                <a:tc>
+                  <a:txBody>
+                    <a:bodyPr/>
+                    <a:lstStyle/>
+                    <a:p>
+                      <a:r>
+                        <a:rPr lang="de-DE" sz="1000">
+                          <a:solidFill>
+                            <a:srgbClr val="FF0000"/>
+                          </a:solidFill>
+                        </a:rPr>
+                        <a:t>P3</a:t>
+                      </a:r>
+                      <a:endParaRPr lang="de-DE" sz="1000" dirty="0">
+                        <a:solidFill>
+                          <a:srgbClr val="FF0000"/>
+                        </a:solidFill>
+                      </a:endParaRPr>
+                    </a:p>
+                  </a:txBody>
+                  <a:tcPr/>
+                </a:tc>
+                <a:tc>
+                  <a:txBody>
+                    <a:bodyPr/>
+                    <a:lstStyle/>
+                    <a:p>
+                      <a:r>
+                        <a:rPr lang="de-DE" sz="1000">
+                          <a:solidFill>
+                            <a:srgbClr val="FF0000"/>
+                          </a:solidFill>
+                        </a:rPr>
+                        <a:t>6694</a:t>
+                      </a:r>
+                      <a:endParaRPr lang="de-DE" sz="1000" dirty="0">
+                        <a:solidFill>
+                          <a:srgbClr val="FF0000"/>
+                        </a:solidFill>
+                      </a:endParaRPr>
+                    </a:p>
+                  </a:txBody>
+                  <a:tcPr/>
+                </a:tc>
+                <a:tc>
+                  <a:txBody>
+                    <a:bodyPr/>
+                    <a:lstStyle/>
+                    <a:p>
+                      <a:r>
+                        <a:rPr lang="de-DE" sz="1000">
+                          <a:solidFill>
+                            <a:srgbClr val="FF0000"/>
+                          </a:solidFill>
+                        </a:rPr>
+                        <a:t>15</a:t>
+                      </a:r>
+                      <a:endParaRPr lang="de-DE" sz="1000" dirty="0">
+                        <a:solidFill>
+                          <a:srgbClr val="FF0000"/>
+                        </a:solidFill>
+                      </a:endParaRPr>
+                    </a:p>
+                  </a:txBody>
+                  <a:tcPr/>
+                </a:tc>
+                <a:extLst>
+                  <a:ext uri="{0D108BD9-81ED-4DB2-BD59-A6C34878D82A}">
+                    <a16:rowId xmlns:a16="http://schemas.microsoft.com/office/drawing/2014/main" val="4041828381"/>
+                  </a:ext>
+                </a:extLst>
+              </a:tr>
+              <a:tr h="370840">
+                <a:tc>
+                  <a:txBody>
+                    <a:bodyPr/>
+                    <a:lstStyle/>
+                    <a:p>
+                      <a:r>
+                        <a:rPr lang="de-DE" sz="1000" dirty="0"/>
+                        <a:t>5</a:t>
+                      </a:r>
+                    </a:p>
+                  </a:txBody>
+                  <a:tcPr/>
+                </a:tc>
+                <a:tc>
+                  <a:txBody>
+                    <a:bodyPr/>
+                    <a:lstStyle/>
+                    <a:p>
+                      <a:r>
+                        <a:rPr lang="de-DE" sz="1000">
+                          <a:solidFill>
+                            <a:srgbClr val="FF0000"/>
+                          </a:solidFill>
+                        </a:rPr>
+                        <a:t>P12</a:t>
+                      </a:r>
+                      <a:endParaRPr lang="de-DE" sz="1000" dirty="0">
+                        <a:solidFill>
+                          <a:srgbClr val="FF0000"/>
+                        </a:solidFill>
+                      </a:endParaRPr>
+                    </a:p>
+                  </a:txBody>
+                  <a:tcPr/>
+                </a:tc>
+                <a:tc>
+                  <a:txBody>
+                    <a:bodyPr/>
+                    <a:lstStyle/>
+                    <a:p>
+                      <a:r>
+                        <a:rPr lang="de-DE" sz="1000">
+                          <a:solidFill>
+                            <a:srgbClr val="FF0000"/>
+                          </a:solidFill>
+                        </a:rPr>
+                        <a:t>2052</a:t>
+                      </a:r>
+                      <a:endParaRPr lang="de-DE" sz="1000" dirty="0">
+                        <a:solidFill>
+                          <a:srgbClr val="FF0000"/>
+                        </a:solidFill>
+                      </a:endParaRPr>
+                    </a:p>
+                  </a:txBody>
+                  <a:tcPr/>
+                </a:tc>
+                <a:tc>
+                  <a:txBody>
+                    <a:bodyPr/>
+                    <a:lstStyle/>
+                    <a:p>
+                      <a:r>
+                        <a:rPr lang="de-DE" sz="1000">
+                          <a:solidFill>
+                            <a:srgbClr val="FF0000"/>
+                          </a:solidFill>
+                        </a:rPr>
+                        <a:t>15</a:t>
+                      </a:r>
+                      <a:endParaRPr lang="de-DE" sz="1000" dirty="0">
+                        <a:solidFill>
+                          <a:srgbClr val="FF0000"/>
+                        </a:solidFill>
+                      </a:endParaRPr>
+                    </a:p>
+                  </a:txBody>
+                  <a:tcPr/>
+                </a:tc>
+                <a:extLst>
+                  <a:ext uri="{0D108BD9-81ED-4DB2-BD59-A6C34878D82A}">
+                    <a16:rowId xmlns:a16="http://schemas.microsoft.com/office/drawing/2014/main" val="3772716032"/>
+                  </a:ext>
+                </a:extLst>
+              </a:tr>
+              <a:tr h="370840">
+                <a:tc>
+                  <a:txBody>
+                    <a:bodyPr/>
+                    <a:lstStyle/>
+                    <a:p>
+                      <a:r>
+                        <a:rPr lang="de-DE" sz="1000" dirty="0"/>
+                        <a:t>6</a:t>
+                      </a:r>
+                    </a:p>
+                  </a:txBody>
+                  <a:tcPr/>
+                </a:tc>
+                <a:tc>
+                  <a:txBody>
+                    <a:bodyPr/>
+                    <a:lstStyle/>
+                    <a:p>
+                      <a:r>
+                        <a:rPr lang="de-DE" sz="1000">
+                          <a:solidFill>
+                            <a:srgbClr val="FF0000"/>
+                          </a:solidFill>
+                        </a:rPr>
+                        <a:t>P17</a:t>
+                      </a:r>
+                      <a:endParaRPr lang="de-DE" sz="1000" dirty="0">
+                        <a:solidFill>
+                          <a:srgbClr val="FF0000"/>
+                        </a:solidFill>
+                      </a:endParaRPr>
+                    </a:p>
+                  </a:txBody>
+                  <a:tcPr/>
+                </a:tc>
+                <a:tc>
+                  <a:txBody>
+                    <a:bodyPr/>
+                    <a:lstStyle/>
+                    <a:p>
+                      <a:r>
+                        <a:rPr lang="de-DE" sz="1000">
+                          <a:solidFill>
+                            <a:srgbClr val="FF0000"/>
+                          </a:solidFill>
+                        </a:rPr>
+                        <a:t>4692</a:t>
+                      </a:r>
+                      <a:endParaRPr lang="de-DE" sz="1000" dirty="0">
+                        <a:solidFill>
+                          <a:srgbClr val="FF0000"/>
+                        </a:solidFill>
+                      </a:endParaRPr>
+                    </a:p>
+                  </a:txBody>
+                  <a:tcPr/>
+                </a:tc>
+                <a:tc>
+                  <a:txBody>
+                    <a:bodyPr/>
+                    <a:lstStyle/>
+                    <a:p>
+                      <a:r>
+                        <a:rPr lang="de-DE" sz="1000">
+                          <a:solidFill>
+                            <a:srgbClr val="FF0000"/>
+                          </a:solidFill>
+                        </a:rPr>
+                        <a:t>12</a:t>
+                      </a:r>
+                      <a:endParaRPr lang="de-DE" sz="1000" dirty="0">
+                        <a:solidFill>
+                          <a:srgbClr val="FF0000"/>
+                        </a:solidFill>
+                      </a:endParaRPr>
+                    </a:p>
+                  </a:txBody>
+                  <a:tcPr/>
+                </a:tc>
+                <a:extLst>
+                  <a:ext uri="{0D108BD9-81ED-4DB2-BD59-A6C34878D82A}">
+                    <a16:rowId xmlns:a16="http://schemas.microsoft.com/office/drawing/2014/main" val="3119712114"/>
+                  </a:ext>
+                </a:extLst>
+              </a:tr>
+              <a:tr h="370840">
+                <a:tc>
+                  <a:txBody>
+                    <a:bodyPr/>
+                    <a:lstStyle/>
+                    <a:p>
+                      <a:r>
+                        <a:rPr lang="de-DE" sz="1000" dirty="0"/>
+                        <a:t>7</a:t>
+                      </a:r>
+                    </a:p>
+                  </a:txBody>
+                  <a:tcPr/>
+                </a:tc>
+                <a:tc>
+                  <a:txBody>
+                    <a:bodyPr/>
+                    <a:lstStyle/>
+                    <a:p>
+                      <a:r>
+                        <a:rPr lang="de-DE" sz="1000">
+                          <a:solidFill>
+                            <a:srgbClr val="FF0000"/>
+                          </a:solidFill>
+                        </a:rPr>
+                        <a:t>P4</a:t>
+                      </a:r>
+                      <a:endParaRPr lang="de-DE" sz="1000" dirty="0">
+                        <a:solidFill>
+                          <a:srgbClr val="FF0000"/>
+                        </a:solidFill>
+                      </a:endParaRPr>
+                    </a:p>
+                  </a:txBody>
+                  <a:tcPr/>
+                </a:tc>
+                <a:tc>
+                  <a:txBody>
+                    <a:bodyPr/>
+                    <a:lstStyle/>
+                    <a:p>
+                      <a:r>
+                        <a:rPr lang="de-DE" sz="1000">
+                          <a:solidFill>
+                            <a:srgbClr val="FF0000"/>
+                          </a:solidFill>
+                        </a:rPr>
+                        <a:t>2475</a:t>
+                      </a:r>
+                      <a:endParaRPr lang="de-DE" sz="1000" dirty="0">
+                        <a:solidFill>
+                          <a:srgbClr val="FF0000"/>
+                        </a:solidFill>
+                      </a:endParaRPr>
+                    </a:p>
+                  </a:txBody>
+                  <a:tcPr/>
+                </a:tc>
+                <a:tc>
+                  <a:txBody>
+                    <a:bodyPr/>
+                    <a:lstStyle/>
+                    <a:p>
+                      <a:r>
+                        <a:rPr lang="de-DE" sz="1000">
+                          <a:solidFill>
+                            <a:srgbClr val="FF0000"/>
+                          </a:solidFill>
+                        </a:rPr>
+                        <a:t>11</a:t>
+                      </a:r>
+                      <a:endParaRPr lang="de-DE" sz="1000" dirty="0">
+                        <a:solidFill>
+                          <a:srgbClr val="FF0000"/>
+                        </a:solidFill>
+                      </a:endParaRPr>
+                    </a:p>
+                  </a:txBody>
+                  <a:tcPr/>
+                </a:tc>
+                <a:extLst>
+                  <a:ext uri="{0D108BD9-81ED-4DB2-BD59-A6C34878D82A}">
+                    <a16:rowId xmlns:a16="http://schemas.microsoft.com/office/drawing/2014/main" val="755863571"/>
+                  </a:ext>
+                </a:extLst>
+              </a:tr>
+              <a:tr h="370840">
+                <a:tc>
+                  <a:txBody>
+                    <a:bodyPr/>
+                    <a:lstStyle/>
+                    <a:p>
+                      <a:r>
+                        <a:rPr lang="de-DE" sz="1000" dirty="0"/>
+                        <a:t>8</a:t>
+                      </a:r>
+                    </a:p>
+                  </a:txBody>
+                  <a:tcPr/>
+                </a:tc>
+                <a:tc>
+                  <a:txBody>
+                    <a:bodyPr/>
+                    <a:lstStyle/>
+                    <a:p>
+                      <a:r>
+                        <a:rPr lang="de-DE" sz="1000">
+                          <a:solidFill>
+                            <a:srgbClr val="FF0000"/>
+                          </a:solidFill>
+                        </a:rPr>
+                        <a:t>P14</a:t>
+                      </a:r>
+                      <a:endParaRPr lang="de-DE" sz="1000" dirty="0">
+                        <a:solidFill>
+                          <a:srgbClr val="FF0000"/>
+                        </a:solidFill>
+                      </a:endParaRPr>
+                    </a:p>
+                  </a:txBody>
+                  <a:tcPr/>
+                </a:tc>
+                <a:tc>
+                  <a:txBody>
+                    <a:bodyPr/>
+                    <a:lstStyle/>
+                    <a:p>
+                      <a:r>
+                        <a:rPr lang="de-DE" sz="1000">
+                          <a:solidFill>
+                            <a:srgbClr val="FF0000"/>
+                          </a:solidFill>
+                        </a:rPr>
+                        <a:t>7262</a:t>
+                      </a:r>
+                      <a:endParaRPr lang="de-DE" sz="1000" dirty="0">
+                        <a:solidFill>
+                          <a:srgbClr val="FF0000"/>
+                        </a:solidFill>
+                      </a:endParaRPr>
+                    </a:p>
+                  </a:txBody>
+                  <a:tcPr/>
+                </a:tc>
+                <a:tc>
+                  <a:txBody>
+                    <a:bodyPr/>
+                    <a:lstStyle/>
+                    <a:p>
+                      <a:r>
+                        <a:rPr lang="de-DE" sz="1000" dirty="0">
+                          <a:solidFill>
+                            <a:srgbClr val="FF0000"/>
+                          </a:solidFill>
+                        </a:rPr>
+                        <a:t>9</a:t>
+                      </a:r>
+                    </a:p>
+                  </a:txBody>
+                  <a:tcPr/>
+                </a:tc>
+                <a:extLst>
+                  <a:ext uri="{0D108BD9-81ED-4DB2-BD59-A6C34878D82A}">
+                    <a16:rowId xmlns:a16="http://schemas.microsoft.com/office/drawing/2014/main" val="397919606"/>
+                  </a:ext>
+                </a:extLst>
+              </a:tr>
+            </a:tbl>
+          </a:graphicData>
+        </a:graphic>
+      </p:graphicFrame>
+      <p:graphicFrame>
+        <p:nvGraphicFramePr>
+          <p:cNvPr id="85" name="Tabelle 84">
+            <a:extLst>
+              <a:ext uri="{FF2B5EF4-FFF2-40B4-BE49-F238E27FC236}">
+                <a16:creationId xmlns:a16="http://schemas.microsoft.com/office/drawing/2014/main" id="{9C0CC078-AB2E-4EC8-9C1F-4FCDA088CA4F}"/>
+              </a:ext>
+            </a:extLst>
+          </p:cNvPr>
+          <p:cNvGraphicFramePr>
+            <a:graphicFrameLocks noGrp="1"/>
+          </p:cNvGraphicFramePr>
+          <p:nvPr>
+            <p:extLst/>
+          </p:nvPr>
+        </p:nvGraphicFramePr>
+        <p:xfrm>
+          <a:off x="10568731" y="1234440"/>
+          <a:ext cx="1416005" cy="4389120"/>
+        </p:xfrm>
+        <a:graphic>
+          <a:graphicData uri="http://schemas.openxmlformats.org/drawingml/2006/table">
+            <a:tbl>
+              <a:tblPr firstRow="1" bandRow="1">
+                <a:tableStyleId>{21E4AEA4-8DFA-4A89-87EB-49C32662AFE0}</a:tableStyleId>
+              </a:tblPr>
+              <a:tblGrid>
+                <a:gridCol w="687964">
+                  <a:extLst>
+                    <a:ext uri="{9D8B030D-6E8A-4147-A177-3AD203B41FA5}">
+                      <a16:colId xmlns:a16="http://schemas.microsoft.com/office/drawing/2014/main" val="1975731961"/>
+                    </a:ext>
+                  </a:extLst>
+                </a:gridCol>
+                <a:gridCol w="728041">
+                  <a:extLst>
+                    <a:ext uri="{9D8B030D-6E8A-4147-A177-3AD203B41FA5}">
+                      <a16:colId xmlns:a16="http://schemas.microsoft.com/office/drawing/2014/main" val="3147134053"/>
+                    </a:ext>
+                  </a:extLst>
+                </a:gridCol>
+              </a:tblGrid>
+              <a:tr h="180000">
+                <a:tc>
+                  <a:txBody>
+                    <a:bodyPr/>
+                    <a:lstStyle/>
+                    <a:p>
+                      <a:r>
+                        <a:rPr lang="de-DE" sz="800" dirty="0"/>
+                        <a:t>Name vereinfacht</a:t>
+                      </a:r>
+                    </a:p>
+                  </a:txBody>
+                  <a:tcPr/>
+                </a:tc>
+                <a:tc>
+                  <a:txBody>
+                    <a:bodyPr/>
+                    <a:lstStyle/>
+                    <a:p>
+                      <a:r>
+                        <a:rPr lang="de-DE" sz="800" dirty="0"/>
+                        <a:t>Name in Studie</a:t>
+                      </a:r>
+                    </a:p>
+                  </a:txBody>
+                  <a:tcPr/>
+                </a:tc>
+                <a:extLst>
+                  <a:ext uri="{0D108BD9-81ED-4DB2-BD59-A6C34878D82A}">
+                    <a16:rowId xmlns:a16="http://schemas.microsoft.com/office/drawing/2014/main" val="4233368179"/>
+                  </a:ext>
+                </a:extLst>
+              </a:tr>
+              <a:tr h="180000">
+                <a:tc>
+                  <a:txBody>
+                    <a:bodyPr/>
+                    <a:lstStyle/>
+                    <a:p>
+                      <a:pPr algn="l" fontAlgn="b"/>
+                      <a:r>
+                        <a:rPr lang="de-DE" sz="800" u="none" strike="noStrike" dirty="0">
+                          <a:effectLst/>
+                        </a:rPr>
+                        <a:t>P1</a:t>
+                      </a:r>
+                      <a:endParaRPr lang="de-DE" sz="800" b="0" i="0" u="none" strike="noStrike" dirty="0">
+                        <a:solidFill>
+                          <a:srgbClr val="000000"/>
+                        </a:solidFill>
+                        <a:effectLst/>
+                        <a:latin typeface="Calibri" panose="020F0502020204030204" pitchFamily="34" charset="0"/>
+                      </a:endParaRPr>
+                    </a:p>
+                  </a:txBody>
+                  <a:tcPr marL="7620" marR="7620" marT="7620" marB="0" anchor="b"/>
+                </a:tc>
+                <a:tc>
+                  <a:txBody>
+                    <a:bodyPr/>
+                    <a:lstStyle/>
+                    <a:p>
+                      <a:r>
+                        <a:rPr lang="de-DE" sz="800" dirty="0"/>
+                        <a:t>01</a:t>
+                      </a:r>
+                    </a:p>
+                  </a:txBody>
+                  <a:tcPr/>
+                </a:tc>
+                <a:extLst>
+                  <a:ext uri="{0D108BD9-81ED-4DB2-BD59-A6C34878D82A}">
+                    <a16:rowId xmlns:a16="http://schemas.microsoft.com/office/drawing/2014/main" val="838003262"/>
+                  </a:ext>
+                </a:extLst>
+              </a:tr>
+              <a:tr h="180000">
+                <a:tc>
+                  <a:txBody>
+                    <a:bodyPr/>
+                    <a:lstStyle/>
+                    <a:p>
+                      <a:pPr algn="l" fontAlgn="b"/>
+                      <a:r>
+                        <a:rPr lang="de-DE" sz="800" u="none" strike="noStrike" dirty="0">
+                          <a:effectLst/>
+                        </a:rPr>
+                        <a:t>P2</a:t>
+                      </a:r>
+                      <a:endParaRPr lang="de-DE" sz="800" b="0" i="0" u="none" strike="noStrike" dirty="0">
+                        <a:solidFill>
+                          <a:srgbClr val="000000"/>
+                        </a:solidFill>
+                        <a:effectLst/>
+                        <a:latin typeface="Calibri" panose="020F0502020204030204" pitchFamily="34" charset="0"/>
+                      </a:endParaRPr>
+                    </a:p>
+                  </a:txBody>
+                  <a:tcPr marL="7620" marR="7620" marT="7620" marB="0" anchor="b"/>
+                </a:tc>
+                <a:tc>
+                  <a:txBody>
+                    <a:bodyPr/>
+                    <a:lstStyle/>
+                    <a:p>
+                      <a:r>
+                        <a:rPr lang="de-DE" sz="800" dirty="0"/>
+                        <a:t>03</a:t>
+                      </a:r>
+                    </a:p>
+                  </a:txBody>
+                  <a:tcPr/>
+                </a:tc>
+                <a:extLst>
+                  <a:ext uri="{0D108BD9-81ED-4DB2-BD59-A6C34878D82A}">
+                    <a16:rowId xmlns:a16="http://schemas.microsoft.com/office/drawing/2014/main" val="2037680900"/>
+                  </a:ext>
+                </a:extLst>
+              </a:tr>
+              <a:tr h="180000">
+                <a:tc>
+                  <a:txBody>
+                    <a:bodyPr/>
+                    <a:lstStyle/>
+                    <a:p>
+                      <a:pPr algn="l" fontAlgn="b"/>
+                      <a:r>
+                        <a:rPr lang="de-DE" sz="800" u="none" strike="noStrike">
+                          <a:effectLst/>
+                        </a:rPr>
+                        <a:t>P3</a:t>
+                      </a:r>
+                      <a:endParaRPr lang="de-DE" sz="800" b="0" i="0" u="none" strike="noStrike">
+                        <a:solidFill>
+                          <a:srgbClr val="000000"/>
+                        </a:solidFill>
+                        <a:effectLst/>
+                        <a:latin typeface="Calibri" panose="020F0502020204030204" pitchFamily="34" charset="0"/>
+                      </a:endParaRPr>
+                    </a:p>
+                  </a:txBody>
+                  <a:tcPr marL="7620" marR="7620" marT="7620" marB="0" anchor="b"/>
+                </a:tc>
+                <a:tc>
+                  <a:txBody>
+                    <a:bodyPr/>
+                    <a:lstStyle/>
+                    <a:p>
+                      <a:r>
+                        <a:rPr lang="de-DE" sz="800" dirty="0"/>
+                        <a:t>06</a:t>
+                      </a:r>
+                    </a:p>
+                  </a:txBody>
+                  <a:tcPr/>
+                </a:tc>
+                <a:extLst>
+                  <a:ext uri="{0D108BD9-81ED-4DB2-BD59-A6C34878D82A}">
+                    <a16:rowId xmlns:a16="http://schemas.microsoft.com/office/drawing/2014/main" val="722062138"/>
+                  </a:ext>
+                </a:extLst>
+              </a:tr>
+              <a:tr h="180000">
+                <a:tc>
+                  <a:txBody>
+                    <a:bodyPr/>
+                    <a:lstStyle/>
+                    <a:p>
+                      <a:pPr algn="l" fontAlgn="b"/>
+                      <a:r>
+                        <a:rPr lang="de-DE" sz="800" u="none" strike="noStrike">
+                          <a:effectLst/>
+                        </a:rPr>
+                        <a:t>P4</a:t>
+                      </a:r>
+                      <a:endParaRPr lang="de-DE" sz="800" b="0" i="0" u="none" strike="noStrike">
+                        <a:solidFill>
+                          <a:srgbClr val="000000"/>
+                        </a:solidFill>
+                        <a:effectLst/>
+                        <a:latin typeface="Calibri" panose="020F0502020204030204" pitchFamily="34" charset="0"/>
+                      </a:endParaRPr>
+                    </a:p>
+                  </a:txBody>
+                  <a:tcPr marL="7620" marR="7620" marT="7620" marB="0" anchor="b"/>
+                </a:tc>
+                <a:tc>
+                  <a:txBody>
+                    <a:bodyPr/>
+                    <a:lstStyle/>
+                    <a:p>
+                      <a:r>
+                        <a:rPr lang="de-DE" sz="800" dirty="0"/>
+                        <a:t>09</a:t>
+                      </a:r>
+                    </a:p>
+                  </a:txBody>
+                  <a:tcPr/>
+                </a:tc>
+                <a:extLst>
+                  <a:ext uri="{0D108BD9-81ED-4DB2-BD59-A6C34878D82A}">
+                    <a16:rowId xmlns:a16="http://schemas.microsoft.com/office/drawing/2014/main" val="459563783"/>
+                  </a:ext>
+                </a:extLst>
+              </a:tr>
+              <a:tr h="180000">
+                <a:tc>
+                  <a:txBody>
+                    <a:bodyPr/>
+                    <a:lstStyle/>
+                    <a:p>
+                      <a:pPr algn="l" fontAlgn="b"/>
+                      <a:r>
+                        <a:rPr lang="de-DE" sz="800" u="none" strike="noStrike">
+                          <a:effectLst/>
+                        </a:rPr>
+                        <a:t>P5</a:t>
+                      </a:r>
+                      <a:endParaRPr lang="de-DE" sz="800" b="0" i="0" u="none" strike="noStrike">
+                        <a:solidFill>
+                          <a:srgbClr val="000000"/>
+                        </a:solidFill>
+                        <a:effectLst/>
+                        <a:latin typeface="Calibri" panose="020F0502020204030204" pitchFamily="34" charset="0"/>
+                      </a:endParaRPr>
+                    </a:p>
+                  </a:txBody>
+                  <a:tcPr marL="7620" marR="7620" marT="7620" marB="0" anchor="b"/>
+                </a:tc>
+                <a:tc>
+                  <a:txBody>
+                    <a:bodyPr/>
+                    <a:lstStyle/>
+                    <a:p>
+                      <a:r>
+                        <a:rPr lang="de-DE" sz="800" dirty="0"/>
+                        <a:t>10</a:t>
+                      </a:r>
+                    </a:p>
+                  </a:txBody>
+                  <a:tcPr/>
+                </a:tc>
+                <a:extLst>
+                  <a:ext uri="{0D108BD9-81ED-4DB2-BD59-A6C34878D82A}">
+                    <a16:rowId xmlns:a16="http://schemas.microsoft.com/office/drawing/2014/main" val="1636671969"/>
+                  </a:ext>
+                </a:extLst>
+              </a:tr>
+              <a:tr h="180000">
+                <a:tc>
+                  <a:txBody>
+                    <a:bodyPr/>
+                    <a:lstStyle/>
+                    <a:p>
+                      <a:pPr algn="l" fontAlgn="b"/>
+                      <a:r>
+                        <a:rPr lang="de-DE" sz="800" u="none" strike="noStrike" dirty="0">
+                          <a:effectLst/>
+                        </a:rPr>
+                        <a:t>P6</a:t>
+                      </a:r>
+                      <a:endParaRPr lang="de-DE" sz="800" b="0" i="0" u="none" strike="noStrike" dirty="0">
+                        <a:solidFill>
+                          <a:srgbClr val="000000"/>
+                        </a:solidFill>
+                        <a:effectLst/>
+                        <a:latin typeface="Calibri" panose="020F0502020204030204" pitchFamily="34" charset="0"/>
+                      </a:endParaRPr>
+                    </a:p>
+                  </a:txBody>
+                  <a:tcPr marL="7620" marR="7620" marT="7620" marB="0" anchor="b"/>
+                </a:tc>
+                <a:tc>
+                  <a:txBody>
+                    <a:bodyPr/>
+                    <a:lstStyle/>
+                    <a:p>
+                      <a:r>
+                        <a:rPr lang="de-DE" sz="800" dirty="0"/>
+                        <a:t>13</a:t>
+                      </a:r>
+                    </a:p>
+                  </a:txBody>
+                  <a:tcPr/>
+                </a:tc>
+                <a:extLst>
+                  <a:ext uri="{0D108BD9-81ED-4DB2-BD59-A6C34878D82A}">
+                    <a16:rowId xmlns:a16="http://schemas.microsoft.com/office/drawing/2014/main" val="3760018317"/>
+                  </a:ext>
+                </a:extLst>
+              </a:tr>
+              <a:tr h="180000">
+                <a:tc>
+                  <a:txBody>
+                    <a:bodyPr/>
+                    <a:lstStyle/>
+                    <a:p>
+                      <a:pPr algn="l" fontAlgn="b"/>
+                      <a:r>
+                        <a:rPr lang="de-DE" sz="800" u="none" strike="noStrike">
+                          <a:effectLst/>
+                        </a:rPr>
+                        <a:t>P7</a:t>
+                      </a:r>
+                      <a:endParaRPr lang="de-DE" sz="800" b="0" i="0" u="none" strike="noStrike">
+                        <a:solidFill>
+                          <a:srgbClr val="000000"/>
+                        </a:solidFill>
+                        <a:effectLst/>
+                        <a:latin typeface="Calibri" panose="020F0502020204030204" pitchFamily="34" charset="0"/>
+                      </a:endParaRPr>
+                    </a:p>
+                  </a:txBody>
+                  <a:tcPr marL="7620" marR="7620" marT="7620" marB="0" anchor="b"/>
+                </a:tc>
+                <a:tc>
+                  <a:txBody>
+                    <a:bodyPr/>
+                    <a:lstStyle/>
+                    <a:p>
+                      <a:r>
+                        <a:rPr lang="de-DE" sz="800" dirty="0"/>
+                        <a:t>14</a:t>
+                      </a:r>
+                    </a:p>
+                  </a:txBody>
+                  <a:tcPr/>
+                </a:tc>
+                <a:extLst>
+                  <a:ext uri="{0D108BD9-81ED-4DB2-BD59-A6C34878D82A}">
+                    <a16:rowId xmlns:a16="http://schemas.microsoft.com/office/drawing/2014/main" val="994391060"/>
+                  </a:ext>
+                </a:extLst>
+              </a:tr>
+              <a:tr h="180000">
+                <a:tc>
+                  <a:txBody>
+                    <a:bodyPr/>
+                    <a:lstStyle/>
+                    <a:p>
+                      <a:pPr algn="l" fontAlgn="b"/>
+                      <a:r>
+                        <a:rPr lang="de-DE" sz="800" u="none" strike="noStrike">
+                          <a:effectLst/>
+                        </a:rPr>
+                        <a:t>P8</a:t>
+                      </a:r>
+                      <a:endParaRPr lang="de-DE" sz="800" b="0" i="0" u="none" strike="noStrike">
+                        <a:solidFill>
+                          <a:srgbClr val="000000"/>
+                        </a:solidFill>
+                        <a:effectLst/>
+                        <a:latin typeface="Calibri" panose="020F0502020204030204" pitchFamily="34" charset="0"/>
+                      </a:endParaRPr>
+                    </a:p>
+                  </a:txBody>
+                  <a:tcPr marL="7620" marR="7620" marT="7620" marB="0" anchor="b"/>
+                </a:tc>
+                <a:tc>
+                  <a:txBody>
+                    <a:bodyPr/>
+                    <a:lstStyle/>
+                    <a:p>
+                      <a:r>
+                        <a:rPr lang="de-DE" sz="800" dirty="0"/>
+                        <a:t>17</a:t>
+                      </a:r>
+                    </a:p>
+                  </a:txBody>
+                  <a:tcPr/>
+                </a:tc>
+                <a:extLst>
+                  <a:ext uri="{0D108BD9-81ED-4DB2-BD59-A6C34878D82A}">
+                    <a16:rowId xmlns:a16="http://schemas.microsoft.com/office/drawing/2014/main" val="2856202599"/>
+                  </a:ext>
+                </a:extLst>
+              </a:tr>
+              <a:tr h="180000">
+                <a:tc>
+                  <a:txBody>
+                    <a:bodyPr/>
+                    <a:lstStyle/>
+                    <a:p>
+                      <a:pPr algn="l" fontAlgn="b"/>
+                      <a:r>
+                        <a:rPr lang="de-DE" sz="800" u="none" strike="noStrike">
+                          <a:effectLst/>
+                        </a:rPr>
+                        <a:t>P9</a:t>
+                      </a:r>
+                      <a:endParaRPr lang="de-DE" sz="800" b="0" i="0" u="none" strike="noStrike">
+                        <a:solidFill>
+                          <a:srgbClr val="000000"/>
+                        </a:solidFill>
+                        <a:effectLst/>
+                        <a:latin typeface="Calibri" panose="020F0502020204030204" pitchFamily="34" charset="0"/>
+                      </a:endParaRPr>
+                    </a:p>
+                  </a:txBody>
+                  <a:tcPr marL="7620" marR="7620" marT="7620" marB="0" anchor="b"/>
+                </a:tc>
+                <a:tc>
+                  <a:txBody>
+                    <a:bodyPr/>
+                    <a:lstStyle/>
+                    <a:p>
+                      <a:r>
+                        <a:rPr lang="de-DE" sz="800" dirty="0"/>
+                        <a:t>18</a:t>
+                      </a:r>
+                    </a:p>
+                  </a:txBody>
+                  <a:tcPr/>
+                </a:tc>
+                <a:extLst>
+                  <a:ext uri="{0D108BD9-81ED-4DB2-BD59-A6C34878D82A}">
+                    <a16:rowId xmlns:a16="http://schemas.microsoft.com/office/drawing/2014/main" val="3102006988"/>
+                  </a:ext>
+                </a:extLst>
+              </a:tr>
+              <a:tr h="180000">
+                <a:tc>
+                  <a:txBody>
+                    <a:bodyPr/>
+                    <a:lstStyle/>
+                    <a:p>
+                      <a:pPr algn="l" fontAlgn="b"/>
+                      <a:r>
+                        <a:rPr lang="de-DE" sz="800" u="none" strike="noStrike">
+                          <a:effectLst/>
+                        </a:rPr>
+                        <a:t>P10</a:t>
+                      </a:r>
+                      <a:endParaRPr lang="de-DE" sz="800" b="0" i="0" u="none" strike="noStrike">
+                        <a:solidFill>
+                          <a:srgbClr val="000000"/>
+                        </a:solidFill>
+                        <a:effectLst/>
+                        <a:latin typeface="Calibri" panose="020F0502020204030204" pitchFamily="34" charset="0"/>
+                      </a:endParaRPr>
+                    </a:p>
+                  </a:txBody>
+                  <a:tcPr marL="7620" marR="7620" marT="7620" marB="0" anchor="b"/>
+                </a:tc>
+                <a:tc>
+                  <a:txBody>
+                    <a:bodyPr/>
+                    <a:lstStyle/>
+                    <a:p>
+                      <a:r>
+                        <a:rPr lang="de-DE" sz="800" dirty="0"/>
+                        <a:t>19</a:t>
+                      </a:r>
+                    </a:p>
+                  </a:txBody>
+                  <a:tcPr/>
+                </a:tc>
+                <a:extLst>
+                  <a:ext uri="{0D108BD9-81ED-4DB2-BD59-A6C34878D82A}">
+                    <a16:rowId xmlns:a16="http://schemas.microsoft.com/office/drawing/2014/main" val="2306867264"/>
+                  </a:ext>
+                </a:extLst>
+              </a:tr>
+              <a:tr h="180000">
+                <a:tc>
+                  <a:txBody>
+                    <a:bodyPr/>
+                    <a:lstStyle/>
+                    <a:p>
+                      <a:pPr algn="l" fontAlgn="b"/>
+                      <a:r>
+                        <a:rPr lang="de-DE" sz="800" u="none" strike="noStrike">
+                          <a:effectLst/>
+                        </a:rPr>
+                        <a:t>P11</a:t>
+                      </a:r>
+                      <a:endParaRPr lang="de-DE" sz="800" b="0" i="0" u="none" strike="noStrike">
+                        <a:solidFill>
+                          <a:srgbClr val="000000"/>
+                        </a:solidFill>
+                        <a:effectLst/>
+                        <a:latin typeface="Calibri" panose="020F0502020204030204" pitchFamily="34" charset="0"/>
+                      </a:endParaRPr>
+                    </a:p>
+                  </a:txBody>
+                  <a:tcPr marL="7620" marR="7620" marT="7620" marB="0" anchor="b"/>
+                </a:tc>
+                <a:tc>
+                  <a:txBody>
+                    <a:bodyPr/>
+                    <a:lstStyle/>
+                    <a:p>
+                      <a:r>
+                        <a:rPr lang="de-DE" sz="800" dirty="0"/>
+                        <a:t>20</a:t>
+                      </a:r>
+                    </a:p>
+                  </a:txBody>
+                  <a:tcPr/>
+                </a:tc>
+                <a:extLst>
+                  <a:ext uri="{0D108BD9-81ED-4DB2-BD59-A6C34878D82A}">
+                    <a16:rowId xmlns:a16="http://schemas.microsoft.com/office/drawing/2014/main" val="522877056"/>
+                  </a:ext>
+                </a:extLst>
+              </a:tr>
+              <a:tr h="180000">
+                <a:tc>
+                  <a:txBody>
+                    <a:bodyPr/>
+                    <a:lstStyle/>
+                    <a:p>
+                      <a:pPr algn="l" fontAlgn="b"/>
+                      <a:r>
+                        <a:rPr lang="de-DE" sz="800" u="none" strike="noStrike">
+                          <a:effectLst/>
+                        </a:rPr>
+                        <a:t>P12</a:t>
+                      </a:r>
+                      <a:endParaRPr lang="de-DE" sz="800" b="0" i="0" u="none" strike="noStrike">
+                        <a:solidFill>
+                          <a:srgbClr val="000000"/>
+                        </a:solidFill>
+                        <a:effectLst/>
+                        <a:latin typeface="Calibri" panose="020F0502020204030204" pitchFamily="34" charset="0"/>
+                      </a:endParaRPr>
+                    </a:p>
+                  </a:txBody>
+                  <a:tcPr marL="7620" marR="7620" marT="7620" marB="0" anchor="b"/>
+                </a:tc>
+                <a:tc>
+                  <a:txBody>
+                    <a:bodyPr/>
+                    <a:lstStyle/>
+                    <a:p>
+                      <a:r>
+                        <a:rPr lang="de-DE" sz="800" dirty="0"/>
+                        <a:t>21</a:t>
+                      </a:r>
+                    </a:p>
+                  </a:txBody>
+                  <a:tcPr/>
+                </a:tc>
+                <a:extLst>
+                  <a:ext uri="{0D108BD9-81ED-4DB2-BD59-A6C34878D82A}">
+                    <a16:rowId xmlns:a16="http://schemas.microsoft.com/office/drawing/2014/main" val="1434615662"/>
+                  </a:ext>
+                </a:extLst>
+              </a:tr>
+              <a:tr h="180000">
+                <a:tc>
+                  <a:txBody>
+                    <a:bodyPr/>
+                    <a:lstStyle/>
+                    <a:p>
+                      <a:pPr algn="l" fontAlgn="b"/>
+                      <a:r>
+                        <a:rPr lang="de-DE" sz="800" u="none" strike="noStrike">
+                          <a:effectLst/>
+                        </a:rPr>
+                        <a:t>P13</a:t>
+                      </a:r>
+                      <a:endParaRPr lang="de-DE" sz="800" b="0" i="0" u="none" strike="noStrike">
+                        <a:solidFill>
+                          <a:srgbClr val="000000"/>
+                        </a:solidFill>
+                        <a:effectLst/>
+                        <a:latin typeface="Calibri" panose="020F0502020204030204" pitchFamily="34" charset="0"/>
+                      </a:endParaRPr>
+                    </a:p>
+                  </a:txBody>
+                  <a:tcPr marL="7620" marR="7620" marT="7620" marB="0" anchor="b"/>
+                </a:tc>
+                <a:tc>
+                  <a:txBody>
+                    <a:bodyPr/>
+                    <a:lstStyle/>
+                    <a:p>
+                      <a:r>
+                        <a:rPr lang="de-DE" sz="800" dirty="0"/>
+                        <a:t>22</a:t>
+                      </a:r>
+                    </a:p>
+                  </a:txBody>
+                  <a:tcPr/>
+                </a:tc>
+                <a:extLst>
+                  <a:ext uri="{0D108BD9-81ED-4DB2-BD59-A6C34878D82A}">
+                    <a16:rowId xmlns:a16="http://schemas.microsoft.com/office/drawing/2014/main" val="557139340"/>
+                  </a:ext>
+                </a:extLst>
+              </a:tr>
+              <a:tr h="180000">
+                <a:tc>
+                  <a:txBody>
+                    <a:bodyPr/>
+                    <a:lstStyle/>
+                    <a:p>
+                      <a:pPr algn="l" fontAlgn="b"/>
+                      <a:r>
+                        <a:rPr lang="de-DE" sz="800" u="none" strike="noStrike">
+                          <a:effectLst/>
+                        </a:rPr>
+                        <a:t>P14</a:t>
+                      </a:r>
+                      <a:endParaRPr lang="de-DE" sz="800" b="0" i="0" u="none" strike="noStrike">
+                        <a:solidFill>
+                          <a:srgbClr val="000000"/>
+                        </a:solidFill>
+                        <a:effectLst/>
+                        <a:latin typeface="Calibri" panose="020F0502020204030204" pitchFamily="34" charset="0"/>
+                      </a:endParaRPr>
+                    </a:p>
+                  </a:txBody>
+                  <a:tcPr marL="7620" marR="7620" marT="7620" marB="0" anchor="b"/>
+                </a:tc>
+                <a:tc>
+                  <a:txBody>
+                    <a:bodyPr/>
+                    <a:lstStyle/>
+                    <a:p>
+                      <a:r>
+                        <a:rPr lang="de-DE" sz="800" dirty="0"/>
+                        <a:t>24</a:t>
+                      </a:r>
+                    </a:p>
+                  </a:txBody>
+                  <a:tcPr/>
+                </a:tc>
+                <a:extLst>
+                  <a:ext uri="{0D108BD9-81ED-4DB2-BD59-A6C34878D82A}">
+                    <a16:rowId xmlns:a16="http://schemas.microsoft.com/office/drawing/2014/main" val="1855355169"/>
+                  </a:ext>
+                </a:extLst>
+              </a:tr>
+              <a:tr h="180000">
+                <a:tc>
+                  <a:txBody>
+                    <a:bodyPr/>
+                    <a:lstStyle/>
+                    <a:p>
+                      <a:pPr algn="l" fontAlgn="b"/>
+                      <a:r>
+                        <a:rPr lang="de-DE" sz="800" u="none" strike="noStrike">
+                          <a:effectLst/>
+                        </a:rPr>
+                        <a:t>P15</a:t>
+                      </a:r>
+                      <a:endParaRPr lang="de-DE" sz="800" b="0" i="0" u="none" strike="noStrike">
+                        <a:solidFill>
+                          <a:srgbClr val="000000"/>
+                        </a:solidFill>
+                        <a:effectLst/>
+                        <a:latin typeface="Calibri" panose="020F0502020204030204" pitchFamily="34" charset="0"/>
+                      </a:endParaRPr>
+                    </a:p>
+                  </a:txBody>
+                  <a:tcPr marL="7620" marR="7620" marT="7620" marB="0" anchor="b"/>
+                </a:tc>
+                <a:tc>
+                  <a:txBody>
+                    <a:bodyPr/>
+                    <a:lstStyle/>
+                    <a:p>
+                      <a:r>
+                        <a:rPr lang="de-DE" sz="800" dirty="0"/>
+                        <a:t>25</a:t>
+                      </a:r>
+                    </a:p>
+                  </a:txBody>
+                  <a:tcPr/>
+                </a:tc>
+                <a:extLst>
+                  <a:ext uri="{0D108BD9-81ED-4DB2-BD59-A6C34878D82A}">
+                    <a16:rowId xmlns:a16="http://schemas.microsoft.com/office/drawing/2014/main" val="1836365254"/>
+                  </a:ext>
+                </a:extLst>
+              </a:tr>
+              <a:tr h="180000">
+                <a:tc>
+                  <a:txBody>
+                    <a:bodyPr/>
+                    <a:lstStyle/>
+                    <a:p>
+                      <a:pPr algn="l" fontAlgn="b"/>
+                      <a:r>
+                        <a:rPr lang="de-DE" sz="800" u="none" strike="noStrike">
+                          <a:effectLst/>
+                        </a:rPr>
+                        <a:t>P16</a:t>
+                      </a:r>
+                      <a:endParaRPr lang="de-DE" sz="800" b="0" i="0" u="none" strike="noStrike">
+                        <a:solidFill>
+                          <a:srgbClr val="000000"/>
+                        </a:solidFill>
+                        <a:effectLst/>
+                        <a:latin typeface="Calibri" panose="020F0502020204030204" pitchFamily="34" charset="0"/>
+                      </a:endParaRPr>
+                    </a:p>
+                  </a:txBody>
+                  <a:tcPr marL="7620" marR="7620" marT="7620" marB="0" anchor="b"/>
+                </a:tc>
+                <a:tc>
+                  <a:txBody>
+                    <a:bodyPr/>
+                    <a:lstStyle/>
+                    <a:p>
+                      <a:r>
+                        <a:rPr lang="de-DE" sz="800" dirty="0"/>
+                        <a:t>26</a:t>
+                      </a:r>
+                    </a:p>
+                  </a:txBody>
+                  <a:tcPr/>
+                </a:tc>
+                <a:extLst>
+                  <a:ext uri="{0D108BD9-81ED-4DB2-BD59-A6C34878D82A}">
+                    <a16:rowId xmlns:a16="http://schemas.microsoft.com/office/drawing/2014/main" val="2794397227"/>
+                  </a:ext>
+                </a:extLst>
+              </a:tr>
+              <a:tr h="180000">
+                <a:tc>
+                  <a:txBody>
+                    <a:bodyPr/>
+                    <a:lstStyle/>
+                    <a:p>
+                      <a:pPr algn="l" fontAlgn="b"/>
+                      <a:r>
+                        <a:rPr lang="de-DE" sz="800" u="none" strike="noStrike">
+                          <a:effectLst/>
+                        </a:rPr>
+                        <a:t>P17</a:t>
+                      </a:r>
+                      <a:endParaRPr lang="de-DE" sz="800" b="0" i="0" u="none" strike="noStrike">
+                        <a:solidFill>
+                          <a:srgbClr val="000000"/>
+                        </a:solidFill>
+                        <a:effectLst/>
+                        <a:latin typeface="Calibri" panose="020F0502020204030204" pitchFamily="34" charset="0"/>
+                      </a:endParaRPr>
+                    </a:p>
+                  </a:txBody>
+                  <a:tcPr marL="7620" marR="7620" marT="7620" marB="0" anchor="b"/>
+                </a:tc>
+                <a:tc>
+                  <a:txBody>
+                    <a:bodyPr/>
+                    <a:lstStyle/>
+                    <a:p>
+                      <a:r>
+                        <a:rPr lang="de-DE" sz="800" dirty="0"/>
+                        <a:t>27</a:t>
+                      </a:r>
+                    </a:p>
+                  </a:txBody>
+                  <a:tcPr/>
+                </a:tc>
+                <a:extLst>
+                  <a:ext uri="{0D108BD9-81ED-4DB2-BD59-A6C34878D82A}">
+                    <a16:rowId xmlns:a16="http://schemas.microsoft.com/office/drawing/2014/main" val="1895521726"/>
+                  </a:ext>
+                </a:extLst>
+              </a:tr>
+              <a:tr h="180000">
+                <a:tc>
+                  <a:txBody>
+                    <a:bodyPr/>
+                    <a:lstStyle/>
+                    <a:p>
+                      <a:pPr algn="l" fontAlgn="b"/>
+                      <a:r>
+                        <a:rPr lang="de-DE" sz="800" u="none" strike="noStrike">
+                          <a:effectLst/>
+                        </a:rPr>
+                        <a:t>P18</a:t>
+                      </a:r>
+                      <a:endParaRPr lang="de-DE" sz="800" b="0" i="0" u="none" strike="noStrike">
+                        <a:solidFill>
+                          <a:srgbClr val="000000"/>
+                        </a:solidFill>
+                        <a:effectLst/>
+                        <a:latin typeface="Calibri" panose="020F0502020204030204" pitchFamily="34" charset="0"/>
+                      </a:endParaRPr>
+                    </a:p>
+                  </a:txBody>
+                  <a:tcPr marL="7620" marR="7620" marT="7620" marB="0" anchor="b"/>
+                </a:tc>
+                <a:tc>
+                  <a:txBody>
+                    <a:bodyPr/>
+                    <a:lstStyle/>
+                    <a:p>
+                      <a:r>
+                        <a:rPr lang="de-DE" sz="800" dirty="0"/>
+                        <a:t>28</a:t>
+                      </a:r>
+                    </a:p>
+                  </a:txBody>
+                  <a:tcPr/>
+                </a:tc>
+                <a:extLst>
+                  <a:ext uri="{0D108BD9-81ED-4DB2-BD59-A6C34878D82A}">
+                    <a16:rowId xmlns:a16="http://schemas.microsoft.com/office/drawing/2014/main" val="501268314"/>
+                  </a:ext>
+                </a:extLst>
+              </a:tr>
+              <a:tr h="180000">
+                <a:tc>
+                  <a:txBody>
+                    <a:bodyPr/>
+                    <a:lstStyle/>
+                    <a:p>
+                      <a:pPr algn="l" fontAlgn="b"/>
+                      <a:r>
+                        <a:rPr lang="de-DE" sz="800" u="none" strike="noStrike" dirty="0">
+                          <a:effectLst/>
+                        </a:rPr>
+                        <a:t>P19</a:t>
+                      </a:r>
+                      <a:endParaRPr lang="de-DE" sz="800" b="0" i="0" u="none" strike="noStrike" dirty="0">
+                        <a:solidFill>
+                          <a:srgbClr val="000000"/>
+                        </a:solidFill>
+                        <a:effectLst/>
+                        <a:latin typeface="Calibri" panose="020F0502020204030204" pitchFamily="34" charset="0"/>
+                      </a:endParaRPr>
+                    </a:p>
+                  </a:txBody>
+                  <a:tcPr marL="7620" marR="7620" marT="7620" marB="0" anchor="b"/>
+                </a:tc>
+                <a:tc>
+                  <a:txBody>
+                    <a:bodyPr/>
+                    <a:lstStyle/>
+                    <a:p>
+                      <a:r>
+                        <a:rPr lang="de-DE" sz="800" dirty="0"/>
+                        <a:t>29</a:t>
+                      </a:r>
+                    </a:p>
+                  </a:txBody>
+                  <a:tcPr/>
+                </a:tc>
+                <a:extLst>
+                  <a:ext uri="{0D108BD9-81ED-4DB2-BD59-A6C34878D82A}">
+                    <a16:rowId xmlns:a16="http://schemas.microsoft.com/office/drawing/2014/main" val="976129848"/>
+                  </a:ext>
+                </a:extLst>
+              </a:tr>
+            </a:tbl>
+          </a:graphicData>
+        </a:graphic>
+      </p:graphicFrame>
+      <p:sp>
+        <p:nvSpPr>
+          <p:cNvPr id="86" name="Textfeld 85">
+            <a:extLst>
+              <a:ext uri="{FF2B5EF4-FFF2-40B4-BE49-F238E27FC236}">
+                <a16:creationId xmlns:a16="http://schemas.microsoft.com/office/drawing/2014/main" id="{5B16C945-43E9-4751-AD1F-1B741E1C97E0}"/>
+              </a:ext>
+            </a:extLst>
+          </p:cNvPr>
+          <p:cNvSpPr txBox="1"/>
+          <p:nvPr/>
+        </p:nvSpPr>
+        <p:spPr>
+          <a:xfrm>
+            <a:off x="10672208" y="843240"/>
+            <a:ext cx="1209049" cy="369332"/>
+          </a:xfrm>
+          <a:prstGeom prst="rect">
+            <a:avLst/>
+          </a:prstGeom>
+          <a:noFill/>
+        </p:spPr>
+        <p:txBody>
+          <a:bodyPr wrap="none" rtlCol="0">
+            <a:spAutoFit/>
+          </a:bodyPr>
+          <a:lstStyle/>
+          <a:p>
+            <a:r>
+              <a:rPr lang="de-DE" dirty="0"/>
+              <a:t>Zuordnung</a:t>
+            </a:r>
+          </a:p>
+        </p:txBody>
+      </p:sp>
+      <p:sp>
+        <p:nvSpPr>
+          <p:cNvPr id="87" name="Textfeld 86">
+            <a:extLst>
+              <a:ext uri="{FF2B5EF4-FFF2-40B4-BE49-F238E27FC236}">
+                <a16:creationId xmlns:a16="http://schemas.microsoft.com/office/drawing/2014/main" id="{D9820A75-38BC-4EFC-9DDD-90CDBEF43AEE}"/>
+              </a:ext>
+            </a:extLst>
+          </p:cNvPr>
+          <p:cNvSpPr txBox="1"/>
+          <p:nvPr/>
+        </p:nvSpPr>
+        <p:spPr>
+          <a:xfrm>
+            <a:off x="1841042" y="926663"/>
+            <a:ext cx="3162687" cy="307777"/>
+          </a:xfrm>
+          <a:prstGeom prst="rect">
+            <a:avLst/>
+          </a:prstGeom>
+          <a:noFill/>
+        </p:spPr>
+        <p:txBody>
+          <a:bodyPr wrap="square" rtlCol="0">
+            <a:spAutoFit/>
+          </a:bodyPr>
+          <a:lstStyle/>
+          <a:p>
+            <a:pPr algn="ctr"/>
+            <a:r>
+              <a:rPr lang="de-DE" sz="1400" dirty="0"/>
+              <a:t>Stärksten Ausreißer über alle TFs</a:t>
+            </a:r>
+          </a:p>
+        </p:txBody>
+      </p:sp>
+      <p:sp>
+        <p:nvSpPr>
+          <p:cNvPr id="5" name="Textfeld 4">
+            <a:extLst>
+              <a:ext uri="{FF2B5EF4-FFF2-40B4-BE49-F238E27FC236}">
+                <a16:creationId xmlns:a16="http://schemas.microsoft.com/office/drawing/2014/main" id="{E9DE7943-F3B7-4CD6-A303-B4CC77E87724}"/>
+              </a:ext>
+            </a:extLst>
+          </p:cNvPr>
+          <p:cNvSpPr txBox="1"/>
+          <p:nvPr/>
+        </p:nvSpPr>
+        <p:spPr>
+          <a:xfrm>
+            <a:off x="5233363" y="926663"/>
+            <a:ext cx="5240828" cy="1938992"/>
+          </a:xfrm>
+          <a:prstGeom prst="rect">
+            <a:avLst/>
+          </a:prstGeom>
+          <a:noFill/>
+        </p:spPr>
+        <p:txBody>
+          <a:bodyPr wrap="square" rtlCol="0">
+            <a:spAutoFit/>
+          </a:bodyPr>
+          <a:lstStyle/>
+          <a:p>
+            <a:r>
+              <a:rPr lang="de-DE" dirty="0">
+                <a:solidFill>
+                  <a:srgbClr val="FF0000"/>
+                </a:solidFill>
+              </a:rPr>
+              <a:t>Können Ausreißer bei absolut Werten herausgefiltert werden?</a:t>
+            </a:r>
+          </a:p>
+          <a:p>
+            <a:pPr marL="285750" indent="-285750">
+              <a:buFontTx/>
+              <a:buChar char="-"/>
+            </a:pPr>
+            <a:endParaRPr lang="de-DE" sz="1400" dirty="0">
+              <a:solidFill>
+                <a:srgbClr val="FF0000"/>
+              </a:solidFill>
+            </a:endParaRPr>
+          </a:p>
+          <a:p>
+            <a:pPr marL="285750" indent="-285750">
+              <a:buFontTx/>
+              <a:buChar char="-"/>
+            </a:pPr>
+            <a:r>
+              <a:rPr lang="de-DE" sz="1400" dirty="0">
+                <a:solidFill>
+                  <a:srgbClr val="FF0000"/>
+                </a:solidFill>
+              </a:rPr>
+              <a:t>Über ROI Größe (</a:t>
+            </a:r>
+            <a:r>
+              <a:rPr lang="el-GR" sz="1400" dirty="0">
+                <a:solidFill>
+                  <a:srgbClr val="FF0000"/>
+                </a:solidFill>
+              </a:rPr>
+              <a:t>Δ</a:t>
+            </a:r>
+            <a:r>
+              <a:rPr lang="de-DE" sz="1400" dirty="0">
+                <a:solidFill>
+                  <a:srgbClr val="FF0000"/>
+                </a:solidFill>
+              </a:rPr>
+              <a:t> 121 </a:t>
+            </a:r>
+            <a:r>
+              <a:rPr lang="de-DE" sz="1400" dirty="0" err="1">
+                <a:solidFill>
+                  <a:srgbClr val="FF0000"/>
+                </a:solidFill>
+              </a:rPr>
+              <a:t>Voxel</a:t>
+            </a:r>
+            <a:r>
+              <a:rPr lang="de-DE" sz="1400" dirty="0">
+                <a:solidFill>
+                  <a:srgbClr val="FF0000"/>
+                </a:solidFill>
+              </a:rPr>
+              <a:t>) fallen 6 von 8 häufigsten Ausreißern raus</a:t>
+            </a:r>
+          </a:p>
+          <a:p>
+            <a:pPr marL="285750" indent="-285750">
+              <a:buFontTx/>
+              <a:buChar char="-"/>
+            </a:pPr>
+            <a:r>
+              <a:rPr lang="de-DE" sz="1400" dirty="0">
+                <a:solidFill>
+                  <a:srgbClr val="FF0000"/>
+                </a:solidFill>
+              </a:rPr>
+              <a:t>Masken von P18 und P3 zeigen keine Auffälligkeiten </a:t>
+            </a:r>
+          </a:p>
+          <a:p>
+            <a:pPr marL="285750" indent="-285750">
+              <a:buFontTx/>
+              <a:buChar char="-"/>
+            </a:pPr>
+            <a:r>
+              <a:rPr lang="de-DE" sz="1400" dirty="0">
+                <a:solidFill>
+                  <a:srgbClr val="FF0000"/>
+                </a:solidFill>
+              </a:rPr>
+              <a:t>Ausreißer sind die Werte die außerhalb des Median +/- 1,5 x Interquartilsabstand liegen (Whisker – Standard - Wiki)</a:t>
+            </a:r>
+          </a:p>
+        </p:txBody>
+      </p:sp>
+      <p:graphicFrame>
+        <p:nvGraphicFramePr>
+          <p:cNvPr id="24" name="Tabelle 23">
+            <a:extLst>
+              <a:ext uri="{FF2B5EF4-FFF2-40B4-BE49-F238E27FC236}">
+                <a16:creationId xmlns:a16="http://schemas.microsoft.com/office/drawing/2014/main" id="{4B346B26-5554-4F73-8998-534AD84A33C4}"/>
+              </a:ext>
+            </a:extLst>
+          </p:cNvPr>
+          <p:cNvGraphicFramePr>
+            <a:graphicFrameLocks noGrp="1"/>
+          </p:cNvGraphicFramePr>
+          <p:nvPr>
+            <p:extLst>
+              <p:ext uri="{D42A27DB-BD31-4B8C-83A1-F6EECF244321}">
+                <p14:modId xmlns:p14="http://schemas.microsoft.com/office/powerpoint/2010/main" val="1806156565"/>
+              </p:ext>
+            </p:extLst>
+          </p:nvPr>
+        </p:nvGraphicFramePr>
+        <p:xfrm>
+          <a:off x="207264" y="1212040"/>
+          <a:ext cx="1251334" cy="3787140"/>
+        </p:xfrm>
+        <a:graphic>
+          <a:graphicData uri="http://schemas.openxmlformats.org/drawingml/2006/table">
+            <a:tbl>
+              <a:tblPr>
+                <a:tableStyleId>{775DCB02-9BB8-47FD-8907-85C794F793BA}</a:tableStyleId>
+              </a:tblPr>
+              <a:tblGrid>
+                <a:gridCol w="625667">
+                  <a:extLst>
+                    <a:ext uri="{9D8B030D-6E8A-4147-A177-3AD203B41FA5}">
+                      <a16:colId xmlns:a16="http://schemas.microsoft.com/office/drawing/2014/main" val="1806396588"/>
+                    </a:ext>
+                  </a:extLst>
+                </a:gridCol>
+                <a:gridCol w="625667">
+                  <a:extLst>
+                    <a:ext uri="{9D8B030D-6E8A-4147-A177-3AD203B41FA5}">
+                      <a16:colId xmlns:a16="http://schemas.microsoft.com/office/drawing/2014/main" val="4271409140"/>
+                    </a:ext>
+                  </a:extLst>
+                </a:gridCol>
+              </a:tblGrid>
+              <a:tr h="182880">
+                <a:tc>
+                  <a:txBody>
+                    <a:bodyPr/>
+                    <a:lstStyle/>
+                    <a:p>
+                      <a:pPr algn="l" fontAlgn="b"/>
+                      <a:r>
+                        <a:rPr lang="de-DE" sz="1000" b="1" u="none" strike="noStrike" dirty="0">
+                          <a:effectLst/>
+                        </a:rPr>
+                        <a:t>ID vereinfacht</a:t>
+                      </a:r>
+                      <a:endParaRPr lang="de-DE" sz="1000" b="1" i="0" u="none" strike="noStrike" dirty="0">
+                        <a:solidFill>
+                          <a:srgbClr val="000000"/>
+                        </a:solidFill>
+                        <a:effectLst/>
+                        <a:latin typeface="Calibri" panose="020F0502020204030204" pitchFamily="34" charset="0"/>
+                      </a:endParaRPr>
+                    </a:p>
+                  </a:txBody>
+                  <a:tcPr marL="7620" marR="7620" marT="7620" marB="0" anchor="b"/>
+                </a:tc>
+                <a:tc>
+                  <a:txBody>
+                    <a:bodyPr/>
+                    <a:lstStyle/>
+                    <a:p>
+                      <a:pPr algn="l" fontAlgn="b"/>
+                      <a:r>
+                        <a:rPr lang="de-DE" sz="1000" b="1" u="none" strike="noStrike" dirty="0">
+                          <a:effectLst/>
+                        </a:rPr>
+                        <a:t>ROI Sizes</a:t>
+                      </a:r>
+                      <a:endParaRPr lang="de-DE" sz="1000" b="1" i="0" u="none" strike="noStrike" dirty="0">
+                        <a:solidFill>
+                          <a:srgbClr val="000000"/>
+                        </a:solidFill>
+                        <a:effectLst/>
+                        <a:latin typeface="Calibri" panose="020F0502020204030204" pitchFamily="34" charset="0"/>
+                      </a:endParaRPr>
+                    </a:p>
+                  </a:txBody>
+                  <a:tcPr marL="7620" marR="7620" marT="7620" marB="0" anchor="b"/>
+                </a:tc>
+                <a:extLst>
+                  <a:ext uri="{0D108BD9-81ED-4DB2-BD59-A6C34878D82A}">
+                    <a16:rowId xmlns:a16="http://schemas.microsoft.com/office/drawing/2014/main" val="2209741334"/>
+                  </a:ext>
+                </a:extLst>
+              </a:tr>
+              <a:tr h="182880">
+                <a:tc>
+                  <a:txBody>
+                    <a:bodyPr/>
+                    <a:lstStyle/>
+                    <a:p>
+                      <a:pPr algn="l" fontAlgn="b"/>
+                      <a:r>
+                        <a:rPr lang="de-DE" sz="1000" b="1" u="none" strike="noStrike" dirty="0">
+                          <a:solidFill>
+                            <a:srgbClr val="00B050"/>
+                          </a:solidFill>
+                          <a:effectLst/>
+                        </a:rPr>
+                        <a:t>P1</a:t>
+                      </a:r>
+                      <a:endParaRPr lang="de-DE" sz="1000" b="1" i="0" u="none" strike="noStrike" dirty="0">
+                        <a:solidFill>
+                          <a:srgbClr val="00B050"/>
+                        </a:solidFill>
+                        <a:effectLst/>
+                        <a:latin typeface="Calibri" panose="020F0502020204030204" pitchFamily="34" charset="0"/>
+                      </a:endParaRPr>
+                    </a:p>
+                  </a:txBody>
+                  <a:tcPr marL="7620" marR="7620" marT="7620" marB="0" anchor="b"/>
+                </a:tc>
+                <a:tc>
+                  <a:txBody>
+                    <a:bodyPr/>
+                    <a:lstStyle/>
+                    <a:p>
+                      <a:pPr algn="l" fontAlgn="ctr"/>
+                      <a:endParaRPr lang="de-DE" sz="1000" b="1" i="0" u="none" strike="noStrike" dirty="0">
+                        <a:solidFill>
+                          <a:srgbClr val="00B050"/>
+                        </a:solidFill>
+                        <a:effectLst/>
+                        <a:latin typeface="Lucida Console" panose="020B0609040504020204" pitchFamily="49" charset="0"/>
+                      </a:endParaRPr>
+                    </a:p>
+                  </a:txBody>
+                  <a:tcPr marL="7620" marR="7620" marT="7620" marB="0" anchor="ctr"/>
+                </a:tc>
+                <a:extLst>
+                  <a:ext uri="{0D108BD9-81ED-4DB2-BD59-A6C34878D82A}">
+                    <a16:rowId xmlns:a16="http://schemas.microsoft.com/office/drawing/2014/main" val="1176350488"/>
+                  </a:ext>
+                </a:extLst>
+              </a:tr>
+              <a:tr h="182880">
+                <a:tc>
+                  <a:txBody>
+                    <a:bodyPr/>
+                    <a:lstStyle/>
+                    <a:p>
+                      <a:pPr algn="l" fontAlgn="b"/>
+                      <a:r>
+                        <a:rPr lang="de-DE" sz="1000" b="1" u="none" strike="noStrike" dirty="0">
+                          <a:solidFill>
+                            <a:srgbClr val="00B050"/>
+                          </a:solidFill>
+                          <a:effectLst/>
+                        </a:rPr>
+                        <a:t>P2</a:t>
+                      </a:r>
+                      <a:endParaRPr lang="de-DE" sz="1000" b="1" i="0" u="none" strike="noStrike" dirty="0">
+                        <a:solidFill>
+                          <a:srgbClr val="00B050"/>
+                        </a:solidFill>
+                        <a:effectLst/>
+                        <a:latin typeface="Calibri" panose="020F0502020204030204" pitchFamily="34" charset="0"/>
+                      </a:endParaRPr>
+                    </a:p>
+                  </a:txBody>
+                  <a:tcPr marL="7620" marR="7620" marT="7620" marB="0" anchor="b"/>
+                </a:tc>
+                <a:tc>
+                  <a:txBody>
+                    <a:bodyPr/>
+                    <a:lstStyle/>
+                    <a:p>
+                      <a:pPr algn="l" fontAlgn="b"/>
+                      <a:endParaRPr lang="de-DE" sz="1000" b="1" i="0" u="none" strike="noStrike" dirty="0">
+                        <a:solidFill>
+                          <a:srgbClr val="00B050"/>
+                        </a:solidFill>
+                        <a:effectLst/>
+                        <a:latin typeface="Lucida Console" panose="020B0609040504020204" pitchFamily="49" charset="0"/>
+                      </a:endParaRPr>
+                    </a:p>
+                  </a:txBody>
+                  <a:tcPr marL="7620" marR="7620" marT="7620" marB="0" anchor="b"/>
+                </a:tc>
+                <a:extLst>
+                  <a:ext uri="{0D108BD9-81ED-4DB2-BD59-A6C34878D82A}">
+                    <a16:rowId xmlns:a16="http://schemas.microsoft.com/office/drawing/2014/main" val="1615203847"/>
+                  </a:ext>
+                </a:extLst>
+              </a:tr>
+              <a:tr h="182880">
+                <a:tc>
+                  <a:txBody>
+                    <a:bodyPr/>
+                    <a:lstStyle/>
+                    <a:p>
+                      <a:pPr algn="l" fontAlgn="b"/>
+                      <a:r>
+                        <a:rPr lang="de-DE" sz="1000" b="1" u="none" strike="noStrike" dirty="0">
+                          <a:solidFill>
+                            <a:schemeClr val="accent2"/>
+                          </a:solidFill>
+                          <a:effectLst/>
+                        </a:rPr>
+                        <a:t>P3</a:t>
+                      </a:r>
+                      <a:endParaRPr lang="de-DE" sz="1000" b="1" i="0" u="none" strike="noStrike" dirty="0">
+                        <a:solidFill>
+                          <a:schemeClr val="accent2"/>
+                        </a:solidFill>
+                        <a:effectLst/>
+                        <a:latin typeface="Calibri" panose="020F0502020204030204" pitchFamily="34" charset="0"/>
+                      </a:endParaRPr>
+                    </a:p>
+                  </a:txBody>
+                  <a:tcPr marL="7620" marR="7620" marT="7620" marB="0" anchor="b"/>
+                </a:tc>
+                <a:tc>
+                  <a:txBody>
+                    <a:bodyPr/>
+                    <a:lstStyle/>
+                    <a:p>
+                      <a:pPr algn="l" fontAlgn="b"/>
+                      <a:endParaRPr lang="de-DE" sz="1000" b="1" i="0" u="none" strike="noStrike" dirty="0">
+                        <a:solidFill>
+                          <a:schemeClr val="accent2"/>
+                        </a:solidFill>
+                        <a:effectLst/>
+                        <a:latin typeface="Lucida Console" panose="020B0609040504020204" pitchFamily="49" charset="0"/>
+                      </a:endParaRPr>
+                    </a:p>
+                  </a:txBody>
+                  <a:tcPr marL="7620" marR="7620" marT="7620" marB="0" anchor="b"/>
+                </a:tc>
+                <a:extLst>
+                  <a:ext uri="{0D108BD9-81ED-4DB2-BD59-A6C34878D82A}">
+                    <a16:rowId xmlns:a16="http://schemas.microsoft.com/office/drawing/2014/main" val="3445577238"/>
+                  </a:ext>
+                </a:extLst>
+              </a:tr>
+              <a:tr h="182880">
+                <a:tc>
+                  <a:txBody>
+                    <a:bodyPr/>
+                    <a:lstStyle/>
+                    <a:p>
+                      <a:pPr algn="l" fontAlgn="b"/>
+                      <a:r>
+                        <a:rPr lang="de-DE" sz="1000" b="1" u="none" strike="noStrike" dirty="0">
+                          <a:solidFill>
+                            <a:srgbClr val="C00000"/>
+                          </a:solidFill>
+                          <a:effectLst/>
+                        </a:rPr>
+                        <a:t>P4</a:t>
+                      </a:r>
+                      <a:endParaRPr lang="de-DE" sz="1000" b="1" i="0" u="none" strike="noStrike" dirty="0">
+                        <a:solidFill>
+                          <a:srgbClr val="C00000"/>
+                        </a:solidFill>
+                        <a:effectLst/>
+                        <a:latin typeface="Calibri" panose="020F0502020204030204" pitchFamily="34" charset="0"/>
+                      </a:endParaRPr>
+                    </a:p>
+                  </a:txBody>
+                  <a:tcPr marL="7620" marR="7620" marT="7620" marB="0" anchor="b"/>
+                </a:tc>
+                <a:tc>
+                  <a:txBody>
+                    <a:bodyPr/>
+                    <a:lstStyle/>
+                    <a:p>
+                      <a:pPr algn="l" fontAlgn="b"/>
+                      <a:endParaRPr lang="de-DE" sz="1000" b="1" i="0" u="none" strike="noStrike" dirty="0">
+                        <a:solidFill>
+                          <a:srgbClr val="C00000"/>
+                        </a:solidFill>
+                        <a:effectLst/>
+                        <a:latin typeface="Lucida Console" panose="020B0609040504020204" pitchFamily="49" charset="0"/>
+                      </a:endParaRPr>
+                    </a:p>
+                  </a:txBody>
+                  <a:tcPr marL="7620" marR="7620" marT="7620" marB="0" anchor="b"/>
+                </a:tc>
+                <a:extLst>
+                  <a:ext uri="{0D108BD9-81ED-4DB2-BD59-A6C34878D82A}">
+                    <a16:rowId xmlns:a16="http://schemas.microsoft.com/office/drawing/2014/main" val="1999003871"/>
+                  </a:ext>
+                </a:extLst>
+              </a:tr>
+              <a:tr h="182880">
+                <a:tc>
+                  <a:txBody>
+                    <a:bodyPr/>
+                    <a:lstStyle/>
+                    <a:p>
+                      <a:pPr algn="l" fontAlgn="b"/>
+                      <a:r>
+                        <a:rPr lang="de-DE" sz="1000" b="1" u="none" strike="noStrike">
+                          <a:solidFill>
+                            <a:srgbClr val="C00000"/>
+                          </a:solidFill>
+                          <a:effectLst/>
+                        </a:rPr>
+                        <a:t>P5</a:t>
+                      </a:r>
+                      <a:endParaRPr lang="de-DE" sz="1000" b="1" i="0" u="none" strike="noStrike">
+                        <a:solidFill>
+                          <a:srgbClr val="C00000"/>
+                        </a:solidFill>
+                        <a:effectLst/>
+                        <a:latin typeface="Calibri" panose="020F0502020204030204" pitchFamily="34" charset="0"/>
+                      </a:endParaRPr>
+                    </a:p>
+                  </a:txBody>
+                  <a:tcPr marL="7620" marR="7620" marT="7620" marB="0" anchor="b"/>
+                </a:tc>
+                <a:tc>
+                  <a:txBody>
+                    <a:bodyPr/>
+                    <a:lstStyle/>
+                    <a:p>
+                      <a:pPr algn="l" fontAlgn="b"/>
+                      <a:endParaRPr lang="de-DE" sz="1000" b="1" i="0" u="none" strike="noStrike" dirty="0">
+                        <a:solidFill>
+                          <a:srgbClr val="C00000"/>
+                        </a:solidFill>
+                        <a:effectLst/>
+                        <a:latin typeface="Lucida Console" panose="020B0609040504020204" pitchFamily="49" charset="0"/>
+                      </a:endParaRPr>
+                    </a:p>
+                  </a:txBody>
+                  <a:tcPr marL="7620" marR="7620" marT="7620" marB="0" anchor="b"/>
+                </a:tc>
+                <a:extLst>
+                  <a:ext uri="{0D108BD9-81ED-4DB2-BD59-A6C34878D82A}">
+                    <a16:rowId xmlns:a16="http://schemas.microsoft.com/office/drawing/2014/main" val="230639085"/>
+                  </a:ext>
+                </a:extLst>
+              </a:tr>
+              <a:tr h="182880">
+                <a:tc>
+                  <a:txBody>
+                    <a:bodyPr/>
+                    <a:lstStyle/>
+                    <a:p>
+                      <a:pPr algn="l" fontAlgn="b"/>
+                      <a:r>
+                        <a:rPr lang="de-DE" sz="1000" b="1" u="none" strike="noStrike">
+                          <a:solidFill>
+                            <a:srgbClr val="00B050"/>
+                          </a:solidFill>
+                          <a:effectLst/>
+                        </a:rPr>
+                        <a:t>P6</a:t>
+                      </a:r>
+                      <a:endParaRPr lang="de-DE" sz="1000" b="1" i="0" u="none" strike="noStrike">
+                        <a:solidFill>
+                          <a:srgbClr val="00B050"/>
+                        </a:solidFill>
+                        <a:effectLst/>
+                        <a:latin typeface="Calibri" panose="020F0502020204030204" pitchFamily="34" charset="0"/>
+                      </a:endParaRPr>
+                    </a:p>
+                  </a:txBody>
+                  <a:tcPr marL="7620" marR="7620" marT="7620" marB="0" anchor="b"/>
+                </a:tc>
+                <a:tc>
+                  <a:txBody>
+                    <a:bodyPr/>
+                    <a:lstStyle/>
+                    <a:p>
+                      <a:pPr algn="l" fontAlgn="b"/>
+                      <a:endParaRPr lang="de-DE" sz="1000" b="1" i="0" u="none" strike="noStrike" dirty="0">
+                        <a:solidFill>
+                          <a:srgbClr val="00B050"/>
+                        </a:solidFill>
+                        <a:effectLst/>
+                        <a:latin typeface="Lucida Console" panose="020B0609040504020204" pitchFamily="49" charset="0"/>
+                      </a:endParaRPr>
+                    </a:p>
+                  </a:txBody>
+                  <a:tcPr marL="7620" marR="7620" marT="7620" marB="0" anchor="b"/>
+                </a:tc>
+                <a:extLst>
+                  <a:ext uri="{0D108BD9-81ED-4DB2-BD59-A6C34878D82A}">
+                    <a16:rowId xmlns:a16="http://schemas.microsoft.com/office/drawing/2014/main" val="450758782"/>
+                  </a:ext>
+                </a:extLst>
+              </a:tr>
+              <a:tr h="182880">
+                <a:tc>
+                  <a:txBody>
+                    <a:bodyPr/>
+                    <a:lstStyle/>
+                    <a:p>
+                      <a:pPr algn="l" fontAlgn="b"/>
+                      <a:r>
+                        <a:rPr lang="de-DE" sz="1000" b="1" u="none" strike="noStrike" dirty="0">
+                          <a:solidFill>
+                            <a:srgbClr val="C00000"/>
+                          </a:solidFill>
+                          <a:effectLst/>
+                        </a:rPr>
+                        <a:t>P7</a:t>
+                      </a:r>
+                      <a:endParaRPr lang="de-DE" sz="1000" b="1" i="0" u="none" strike="noStrike" dirty="0">
+                        <a:solidFill>
+                          <a:srgbClr val="C00000"/>
+                        </a:solidFill>
+                        <a:effectLst/>
+                        <a:latin typeface="Calibri" panose="020F0502020204030204" pitchFamily="34" charset="0"/>
+                      </a:endParaRPr>
+                    </a:p>
+                  </a:txBody>
+                  <a:tcPr marL="7620" marR="7620" marT="7620" marB="0" anchor="b"/>
+                </a:tc>
+                <a:tc>
+                  <a:txBody>
+                    <a:bodyPr/>
+                    <a:lstStyle/>
+                    <a:p>
+                      <a:pPr algn="l" fontAlgn="b"/>
+                      <a:endParaRPr lang="de-DE" sz="1000" b="1" i="0" u="none" strike="noStrike" dirty="0">
+                        <a:solidFill>
+                          <a:srgbClr val="C00000"/>
+                        </a:solidFill>
+                        <a:effectLst/>
+                        <a:latin typeface="Lucida Console" panose="020B0609040504020204" pitchFamily="49" charset="0"/>
+                      </a:endParaRPr>
+                    </a:p>
+                  </a:txBody>
+                  <a:tcPr marL="7620" marR="7620" marT="7620" marB="0" anchor="b"/>
+                </a:tc>
+                <a:extLst>
+                  <a:ext uri="{0D108BD9-81ED-4DB2-BD59-A6C34878D82A}">
+                    <a16:rowId xmlns:a16="http://schemas.microsoft.com/office/drawing/2014/main" val="596856664"/>
+                  </a:ext>
+                </a:extLst>
+              </a:tr>
+              <a:tr h="182880">
+                <a:tc>
+                  <a:txBody>
+                    <a:bodyPr/>
+                    <a:lstStyle/>
+                    <a:p>
+                      <a:pPr algn="l" fontAlgn="b"/>
+                      <a:r>
+                        <a:rPr lang="de-DE" sz="1000" b="1" u="none" strike="noStrike">
+                          <a:solidFill>
+                            <a:srgbClr val="00B050"/>
+                          </a:solidFill>
+                          <a:effectLst/>
+                        </a:rPr>
+                        <a:t>P8</a:t>
+                      </a:r>
+                      <a:endParaRPr lang="de-DE" sz="1000" b="1" i="0" u="none" strike="noStrike">
+                        <a:solidFill>
+                          <a:srgbClr val="00B050"/>
+                        </a:solidFill>
+                        <a:effectLst/>
+                        <a:latin typeface="Calibri" panose="020F0502020204030204" pitchFamily="34" charset="0"/>
+                      </a:endParaRPr>
+                    </a:p>
+                  </a:txBody>
+                  <a:tcPr marL="7620" marR="7620" marT="7620" marB="0" anchor="b"/>
+                </a:tc>
+                <a:tc>
+                  <a:txBody>
+                    <a:bodyPr/>
+                    <a:lstStyle/>
+                    <a:p>
+                      <a:pPr algn="l" fontAlgn="b"/>
+                      <a:endParaRPr lang="de-DE" sz="1000" b="1" i="0" u="none" strike="noStrike" dirty="0">
+                        <a:solidFill>
+                          <a:srgbClr val="00B050"/>
+                        </a:solidFill>
+                        <a:effectLst/>
+                        <a:latin typeface="Lucida Console" panose="020B0609040504020204" pitchFamily="49" charset="0"/>
+                      </a:endParaRPr>
+                    </a:p>
+                  </a:txBody>
+                  <a:tcPr marL="7620" marR="7620" marT="7620" marB="0" anchor="b"/>
+                </a:tc>
+                <a:extLst>
+                  <a:ext uri="{0D108BD9-81ED-4DB2-BD59-A6C34878D82A}">
+                    <a16:rowId xmlns:a16="http://schemas.microsoft.com/office/drawing/2014/main" val="2126118623"/>
+                  </a:ext>
+                </a:extLst>
+              </a:tr>
+              <a:tr h="182880">
+                <a:tc>
+                  <a:txBody>
+                    <a:bodyPr/>
+                    <a:lstStyle/>
+                    <a:p>
+                      <a:pPr algn="l" fontAlgn="b"/>
+                      <a:r>
+                        <a:rPr lang="de-DE" sz="1000" b="1" u="none" strike="noStrike">
+                          <a:solidFill>
+                            <a:srgbClr val="C00000"/>
+                          </a:solidFill>
+                          <a:effectLst/>
+                        </a:rPr>
+                        <a:t>P9</a:t>
+                      </a:r>
+                      <a:endParaRPr lang="de-DE" sz="1000" b="1" i="0" u="none" strike="noStrike">
+                        <a:solidFill>
+                          <a:srgbClr val="C00000"/>
+                        </a:solidFill>
+                        <a:effectLst/>
+                        <a:latin typeface="Calibri" panose="020F0502020204030204" pitchFamily="34" charset="0"/>
+                      </a:endParaRPr>
+                    </a:p>
+                  </a:txBody>
+                  <a:tcPr marL="7620" marR="7620" marT="7620" marB="0" anchor="b"/>
+                </a:tc>
+                <a:tc>
+                  <a:txBody>
+                    <a:bodyPr/>
+                    <a:lstStyle/>
+                    <a:p>
+                      <a:pPr algn="l" fontAlgn="b"/>
+                      <a:endParaRPr lang="de-DE" sz="1000" b="1" i="0" u="none" strike="noStrike" dirty="0">
+                        <a:solidFill>
+                          <a:srgbClr val="C00000"/>
+                        </a:solidFill>
+                        <a:effectLst/>
+                        <a:latin typeface="Lucida Console" panose="020B0609040504020204" pitchFamily="49" charset="0"/>
+                      </a:endParaRPr>
+                    </a:p>
+                  </a:txBody>
+                  <a:tcPr marL="7620" marR="7620" marT="7620" marB="0" anchor="b"/>
+                </a:tc>
+                <a:extLst>
+                  <a:ext uri="{0D108BD9-81ED-4DB2-BD59-A6C34878D82A}">
+                    <a16:rowId xmlns:a16="http://schemas.microsoft.com/office/drawing/2014/main" val="2407895176"/>
+                  </a:ext>
+                </a:extLst>
+              </a:tr>
+              <a:tr h="182880">
+                <a:tc>
+                  <a:txBody>
+                    <a:bodyPr/>
+                    <a:lstStyle/>
+                    <a:p>
+                      <a:pPr algn="l" fontAlgn="b"/>
+                      <a:r>
+                        <a:rPr lang="de-DE" sz="1000" b="1" u="none" strike="noStrike" dirty="0">
+                          <a:solidFill>
+                            <a:srgbClr val="C00000"/>
+                          </a:solidFill>
+                          <a:effectLst/>
+                        </a:rPr>
+                        <a:t>P10</a:t>
+                      </a:r>
+                      <a:endParaRPr lang="de-DE" sz="1000" b="1" i="0" u="none" strike="noStrike" dirty="0">
+                        <a:solidFill>
+                          <a:srgbClr val="C00000"/>
+                        </a:solidFill>
+                        <a:effectLst/>
+                        <a:latin typeface="Calibri" panose="020F0502020204030204" pitchFamily="34" charset="0"/>
+                      </a:endParaRPr>
+                    </a:p>
+                  </a:txBody>
+                  <a:tcPr marL="7620" marR="7620" marT="7620" marB="0" anchor="b"/>
+                </a:tc>
+                <a:tc>
+                  <a:txBody>
+                    <a:bodyPr/>
+                    <a:lstStyle/>
+                    <a:p>
+                      <a:pPr algn="l" fontAlgn="b"/>
+                      <a:endParaRPr lang="de-DE" sz="1000" b="1" i="0" u="none" strike="noStrike" dirty="0">
+                        <a:solidFill>
+                          <a:srgbClr val="C00000"/>
+                        </a:solidFill>
+                        <a:effectLst/>
+                        <a:latin typeface="Lucida Console" panose="020B0609040504020204" pitchFamily="49" charset="0"/>
+                      </a:endParaRPr>
+                    </a:p>
+                  </a:txBody>
+                  <a:tcPr marL="7620" marR="7620" marT="7620" marB="0" anchor="b"/>
+                </a:tc>
+                <a:extLst>
+                  <a:ext uri="{0D108BD9-81ED-4DB2-BD59-A6C34878D82A}">
+                    <a16:rowId xmlns:a16="http://schemas.microsoft.com/office/drawing/2014/main" val="2730860293"/>
+                  </a:ext>
+                </a:extLst>
+              </a:tr>
+              <a:tr h="182880">
+                <a:tc>
+                  <a:txBody>
+                    <a:bodyPr/>
+                    <a:lstStyle/>
+                    <a:p>
+                      <a:pPr algn="l" fontAlgn="b"/>
+                      <a:r>
+                        <a:rPr lang="de-DE" sz="1000" b="1" u="none" strike="noStrike">
+                          <a:solidFill>
+                            <a:srgbClr val="00B050"/>
+                          </a:solidFill>
+                          <a:effectLst/>
+                        </a:rPr>
+                        <a:t>P11</a:t>
+                      </a:r>
+                      <a:endParaRPr lang="de-DE" sz="1000" b="1" i="0" u="none" strike="noStrike">
+                        <a:solidFill>
+                          <a:srgbClr val="00B050"/>
+                        </a:solidFill>
+                        <a:effectLst/>
+                        <a:latin typeface="Calibri" panose="020F0502020204030204" pitchFamily="34" charset="0"/>
+                      </a:endParaRPr>
+                    </a:p>
+                  </a:txBody>
+                  <a:tcPr marL="7620" marR="7620" marT="7620" marB="0" anchor="b"/>
+                </a:tc>
+                <a:tc>
+                  <a:txBody>
+                    <a:bodyPr/>
+                    <a:lstStyle/>
+                    <a:p>
+                      <a:pPr algn="l" fontAlgn="b"/>
+                      <a:endParaRPr lang="de-DE" sz="1000" b="1" i="0" u="none" strike="noStrike" dirty="0">
+                        <a:solidFill>
+                          <a:srgbClr val="00B050"/>
+                        </a:solidFill>
+                        <a:effectLst/>
+                        <a:latin typeface="Lucida Console" panose="020B0609040504020204" pitchFamily="49" charset="0"/>
+                      </a:endParaRPr>
+                    </a:p>
+                  </a:txBody>
+                  <a:tcPr marL="7620" marR="7620" marT="7620" marB="0" anchor="b"/>
+                </a:tc>
+                <a:extLst>
+                  <a:ext uri="{0D108BD9-81ED-4DB2-BD59-A6C34878D82A}">
+                    <a16:rowId xmlns:a16="http://schemas.microsoft.com/office/drawing/2014/main" val="1356165197"/>
+                  </a:ext>
+                </a:extLst>
+              </a:tr>
+              <a:tr h="182880">
+                <a:tc>
+                  <a:txBody>
+                    <a:bodyPr/>
+                    <a:lstStyle/>
+                    <a:p>
+                      <a:pPr algn="l" fontAlgn="b"/>
+                      <a:r>
+                        <a:rPr lang="de-DE" sz="1000" b="1" u="none" strike="noStrike" dirty="0">
+                          <a:solidFill>
+                            <a:srgbClr val="C00000"/>
+                          </a:solidFill>
+                          <a:effectLst/>
+                        </a:rPr>
+                        <a:t>P12</a:t>
+                      </a:r>
+                      <a:endParaRPr lang="de-DE" sz="1000" b="1" i="0" u="none" strike="noStrike" dirty="0">
+                        <a:solidFill>
+                          <a:srgbClr val="C00000"/>
+                        </a:solidFill>
+                        <a:effectLst/>
+                        <a:latin typeface="Calibri" panose="020F0502020204030204" pitchFamily="34" charset="0"/>
+                      </a:endParaRPr>
+                    </a:p>
+                  </a:txBody>
+                  <a:tcPr marL="7620" marR="7620" marT="7620" marB="0" anchor="b"/>
+                </a:tc>
+                <a:tc>
+                  <a:txBody>
+                    <a:bodyPr/>
+                    <a:lstStyle/>
+                    <a:p>
+                      <a:pPr algn="l" fontAlgn="b"/>
+                      <a:endParaRPr lang="de-DE" sz="1000" b="1" i="0" u="none" strike="noStrike" dirty="0">
+                        <a:solidFill>
+                          <a:srgbClr val="C00000"/>
+                        </a:solidFill>
+                        <a:effectLst/>
+                        <a:latin typeface="Lucida Console" panose="020B0609040504020204" pitchFamily="49" charset="0"/>
+                      </a:endParaRPr>
+                    </a:p>
+                  </a:txBody>
+                  <a:tcPr marL="7620" marR="7620" marT="7620" marB="0" anchor="b"/>
+                </a:tc>
+                <a:extLst>
+                  <a:ext uri="{0D108BD9-81ED-4DB2-BD59-A6C34878D82A}">
+                    <a16:rowId xmlns:a16="http://schemas.microsoft.com/office/drawing/2014/main" val="3160094554"/>
+                  </a:ext>
+                </a:extLst>
+              </a:tr>
+              <a:tr h="182880">
+                <a:tc>
+                  <a:txBody>
+                    <a:bodyPr/>
+                    <a:lstStyle/>
+                    <a:p>
+                      <a:pPr algn="l" fontAlgn="b"/>
+                      <a:r>
+                        <a:rPr lang="de-DE" sz="1000" b="1" u="none" strike="noStrike" dirty="0">
+                          <a:solidFill>
+                            <a:srgbClr val="C00000"/>
+                          </a:solidFill>
+                          <a:effectLst/>
+                        </a:rPr>
+                        <a:t>P13</a:t>
+                      </a:r>
+                      <a:endParaRPr lang="de-DE" sz="1000" b="1" i="0" u="none" strike="noStrike" dirty="0">
+                        <a:solidFill>
+                          <a:srgbClr val="C00000"/>
+                        </a:solidFill>
+                        <a:effectLst/>
+                        <a:latin typeface="Calibri" panose="020F0502020204030204" pitchFamily="34" charset="0"/>
+                      </a:endParaRPr>
+                    </a:p>
+                  </a:txBody>
+                  <a:tcPr marL="7620" marR="7620" marT="7620" marB="0" anchor="b"/>
+                </a:tc>
+                <a:tc>
+                  <a:txBody>
+                    <a:bodyPr/>
+                    <a:lstStyle/>
+                    <a:p>
+                      <a:pPr algn="l" fontAlgn="b"/>
+                      <a:endParaRPr lang="de-DE" sz="1000" b="1" i="0" u="none" strike="noStrike" dirty="0">
+                        <a:solidFill>
+                          <a:srgbClr val="C00000"/>
+                        </a:solidFill>
+                        <a:effectLst/>
+                        <a:latin typeface="Lucida Console" panose="020B0609040504020204" pitchFamily="49" charset="0"/>
+                      </a:endParaRPr>
+                    </a:p>
+                  </a:txBody>
+                  <a:tcPr marL="7620" marR="7620" marT="7620" marB="0" anchor="b"/>
+                </a:tc>
+                <a:extLst>
+                  <a:ext uri="{0D108BD9-81ED-4DB2-BD59-A6C34878D82A}">
+                    <a16:rowId xmlns:a16="http://schemas.microsoft.com/office/drawing/2014/main" val="74824998"/>
+                  </a:ext>
+                </a:extLst>
+              </a:tr>
+              <a:tr h="182880">
+                <a:tc>
+                  <a:txBody>
+                    <a:bodyPr/>
+                    <a:lstStyle/>
+                    <a:p>
+                      <a:pPr algn="l" fontAlgn="b"/>
+                      <a:r>
+                        <a:rPr lang="de-DE" sz="1000" b="1" u="none" strike="noStrike" dirty="0">
+                          <a:solidFill>
+                            <a:srgbClr val="C00000"/>
+                          </a:solidFill>
+                          <a:effectLst/>
+                        </a:rPr>
+                        <a:t>P14</a:t>
+                      </a:r>
+                      <a:endParaRPr lang="de-DE" sz="1000" b="1" i="0" u="none" strike="noStrike" dirty="0">
+                        <a:solidFill>
+                          <a:srgbClr val="C00000"/>
+                        </a:solidFill>
+                        <a:effectLst/>
+                        <a:latin typeface="Calibri" panose="020F0502020204030204" pitchFamily="34" charset="0"/>
+                      </a:endParaRPr>
+                    </a:p>
+                  </a:txBody>
+                  <a:tcPr marL="7620" marR="7620" marT="7620" marB="0" anchor="b"/>
+                </a:tc>
+                <a:tc>
+                  <a:txBody>
+                    <a:bodyPr/>
+                    <a:lstStyle/>
+                    <a:p>
+                      <a:pPr algn="l" fontAlgn="b"/>
+                      <a:endParaRPr lang="de-DE" sz="1000" b="1" i="0" u="none" strike="noStrike" dirty="0">
+                        <a:solidFill>
+                          <a:srgbClr val="C00000"/>
+                        </a:solidFill>
+                        <a:effectLst/>
+                        <a:latin typeface="Lucida Console" panose="020B0609040504020204" pitchFamily="49" charset="0"/>
+                      </a:endParaRPr>
+                    </a:p>
+                  </a:txBody>
+                  <a:tcPr marL="7620" marR="7620" marT="7620" marB="0" anchor="b"/>
+                </a:tc>
+                <a:extLst>
+                  <a:ext uri="{0D108BD9-81ED-4DB2-BD59-A6C34878D82A}">
+                    <a16:rowId xmlns:a16="http://schemas.microsoft.com/office/drawing/2014/main" val="2096088475"/>
+                  </a:ext>
+                </a:extLst>
+              </a:tr>
+              <a:tr h="182880">
+                <a:tc>
+                  <a:txBody>
+                    <a:bodyPr/>
+                    <a:lstStyle/>
+                    <a:p>
+                      <a:pPr algn="l" fontAlgn="b"/>
+                      <a:r>
+                        <a:rPr lang="de-DE" sz="1000" b="1" u="none" strike="noStrike" dirty="0">
+                          <a:solidFill>
+                            <a:srgbClr val="C00000"/>
+                          </a:solidFill>
+                          <a:effectLst/>
+                        </a:rPr>
+                        <a:t>P15</a:t>
+                      </a:r>
+                      <a:endParaRPr lang="de-DE" sz="1000" b="1" i="0" u="none" strike="noStrike" dirty="0">
+                        <a:solidFill>
+                          <a:srgbClr val="C00000"/>
+                        </a:solidFill>
+                        <a:effectLst/>
+                        <a:latin typeface="Calibri" panose="020F0502020204030204" pitchFamily="34" charset="0"/>
+                      </a:endParaRPr>
+                    </a:p>
+                  </a:txBody>
+                  <a:tcPr marL="7620" marR="7620" marT="7620" marB="0" anchor="b"/>
+                </a:tc>
+                <a:tc>
+                  <a:txBody>
+                    <a:bodyPr/>
+                    <a:lstStyle/>
+                    <a:p>
+                      <a:pPr algn="l" fontAlgn="b"/>
+                      <a:endParaRPr lang="de-DE" sz="1000" b="1" i="0" u="none" strike="noStrike" dirty="0">
+                        <a:solidFill>
+                          <a:srgbClr val="C00000"/>
+                        </a:solidFill>
+                        <a:effectLst/>
+                        <a:latin typeface="Lucida Console" panose="020B0609040504020204" pitchFamily="49" charset="0"/>
+                      </a:endParaRPr>
+                    </a:p>
+                  </a:txBody>
+                  <a:tcPr marL="7620" marR="7620" marT="7620" marB="0" anchor="b"/>
+                </a:tc>
+                <a:extLst>
+                  <a:ext uri="{0D108BD9-81ED-4DB2-BD59-A6C34878D82A}">
+                    <a16:rowId xmlns:a16="http://schemas.microsoft.com/office/drawing/2014/main" val="864847021"/>
+                  </a:ext>
+                </a:extLst>
+              </a:tr>
+              <a:tr h="182880">
+                <a:tc>
+                  <a:txBody>
+                    <a:bodyPr/>
+                    <a:lstStyle/>
+                    <a:p>
+                      <a:pPr algn="l" fontAlgn="b"/>
+                      <a:r>
+                        <a:rPr lang="de-DE" sz="1000" b="1" u="none" strike="noStrike" dirty="0">
+                          <a:solidFill>
+                            <a:srgbClr val="C00000"/>
+                          </a:solidFill>
+                          <a:effectLst/>
+                        </a:rPr>
+                        <a:t>P16</a:t>
+                      </a:r>
+                      <a:endParaRPr lang="de-DE" sz="1000" b="1" i="0" u="none" strike="noStrike" dirty="0">
+                        <a:solidFill>
+                          <a:srgbClr val="C00000"/>
+                        </a:solidFill>
+                        <a:effectLst/>
+                        <a:latin typeface="Calibri" panose="020F0502020204030204" pitchFamily="34" charset="0"/>
+                      </a:endParaRPr>
+                    </a:p>
+                  </a:txBody>
+                  <a:tcPr marL="7620" marR="7620" marT="7620" marB="0" anchor="b"/>
+                </a:tc>
+                <a:tc>
+                  <a:txBody>
+                    <a:bodyPr/>
+                    <a:lstStyle/>
+                    <a:p>
+                      <a:pPr algn="l" fontAlgn="b"/>
+                      <a:endParaRPr lang="de-DE" sz="1000" b="1" i="0" u="none" strike="noStrike" dirty="0">
+                        <a:solidFill>
+                          <a:srgbClr val="C00000"/>
+                        </a:solidFill>
+                        <a:effectLst/>
+                        <a:latin typeface="Lucida Console" panose="020B0609040504020204" pitchFamily="49" charset="0"/>
+                      </a:endParaRPr>
+                    </a:p>
+                  </a:txBody>
+                  <a:tcPr marL="7620" marR="7620" marT="7620" marB="0" anchor="b"/>
+                </a:tc>
+                <a:extLst>
+                  <a:ext uri="{0D108BD9-81ED-4DB2-BD59-A6C34878D82A}">
+                    <a16:rowId xmlns:a16="http://schemas.microsoft.com/office/drawing/2014/main" val="4092379780"/>
+                  </a:ext>
+                </a:extLst>
+              </a:tr>
+              <a:tr h="182880">
+                <a:tc>
+                  <a:txBody>
+                    <a:bodyPr/>
+                    <a:lstStyle/>
+                    <a:p>
+                      <a:pPr algn="l" fontAlgn="b"/>
+                      <a:r>
+                        <a:rPr lang="de-DE" sz="1000" b="1" u="none" strike="noStrike" dirty="0">
+                          <a:solidFill>
+                            <a:srgbClr val="C00000"/>
+                          </a:solidFill>
+                          <a:effectLst/>
+                        </a:rPr>
+                        <a:t>P17</a:t>
+                      </a:r>
+                      <a:endParaRPr lang="de-DE" sz="1000" b="1" i="0" u="none" strike="noStrike" dirty="0">
+                        <a:solidFill>
+                          <a:srgbClr val="C00000"/>
+                        </a:solidFill>
+                        <a:effectLst/>
+                        <a:latin typeface="Calibri" panose="020F0502020204030204" pitchFamily="34" charset="0"/>
+                      </a:endParaRPr>
+                    </a:p>
+                  </a:txBody>
+                  <a:tcPr marL="7620" marR="7620" marT="7620" marB="0" anchor="b"/>
+                </a:tc>
+                <a:tc>
+                  <a:txBody>
+                    <a:bodyPr/>
+                    <a:lstStyle/>
+                    <a:p>
+                      <a:pPr algn="l" fontAlgn="b"/>
+                      <a:endParaRPr lang="de-DE" sz="1000" b="1" i="0" u="none" strike="noStrike" dirty="0">
+                        <a:solidFill>
+                          <a:srgbClr val="C00000"/>
+                        </a:solidFill>
+                        <a:effectLst/>
+                        <a:latin typeface="Lucida Console" panose="020B0609040504020204" pitchFamily="49" charset="0"/>
+                      </a:endParaRPr>
+                    </a:p>
+                  </a:txBody>
+                  <a:tcPr marL="7620" marR="7620" marT="7620" marB="0" anchor="b"/>
+                </a:tc>
+                <a:extLst>
+                  <a:ext uri="{0D108BD9-81ED-4DB2-BD59-A6C34878D82A}">
+                    <a16:rowId xmlns:a16="http://schemas.microsoft.com/office/drawing/2014/main" val="1942924838"/>
+                  </a:ext>
+                </a:extLst>
+              </a:tr>
+              <a:tr h="182880">
+                <a:tc>
+                  <a:txBody>
+                    <a:bodyPr/>
+                    <a:lstStyle/>
+                    <a:p>
+                      <a:pPr algn="l" fontAlgn="b"/>
+                      <a:r>
+                        <a:rPr lang="de-DE" sz="1000" b="1" u="none" strike="noStrike" dirty="0">
+                          <a:solidFill>
+                            <a:schemeClr val="accent2"/>
+                          </a:solidFill>
+                          <a:effectLst/>
+                        </a:rPr>
+                        <a:t>P18</a:t>
+                      </a:r>
+                      <a:endParaRPr lang="de-DE" sz="1000" b="1" i="0" u="none" strike="noStrike" dirty="0">
+                        <a:solidFill>
+                          <a:schemeClr val="accent2"/>
+                        </a:solidFill>
+                        <a:effectLst/>
+                        <a:latin typeface="Calibri" panose="020F0502020204030204" pitchFamily="34" charset="0"/>
+                      </a:endParaRPr>
+                    </a:p>
+                  </a:txBody>
+                  <a:tcPr marL="7620" marR="7620" marT="7620" marB="0" anchor="b"/>
+                </a:tc>
+                <a:tc>
+                  <a:txBody>
+                    <a:bodyPr/>
+                    <a:lstStyle/>
+                    <a:p>
+                      <a:pPr algn="l" fontAlgn="b"/>
+                      <a:endParaRPr lang="de-DE" sz="1000" b="1" i="0" u="none" strike="noStrike" dirty="0">
+                        <a:solidFill>
+                          <a:schemeClr val="accent2"/>
+                        </a:solidFill>
+                        <a:effectLst/>
+                        <a:latin typeface="Lucida Console" panose="020B0609040504020204" pitchFamily="49" charset="0"/>
+                      </a:endParaRPr>
+                    </a:p>
+                  </a:txBody>
+                  <a:tcPr marL="7620" marR="7620" marT="7620" marB="0" anchor="b"/>
+                </a:tc>
+                <a:extLst>
+                  <a:ext uri="{0D108BD9-81ED-4DB2-BD59-A6C34878D82A}">
+                    <a16:rowId xmlns:a16="http://schemas.microsoft.com/office/drawing/2014/main" val="2701336776"/>
+                  </a:ext>
+                </a:extLst>
+              </a:tr>
+              <a:tr h="182880">
+                <a:tc>
+                  <a:txBody>
+                    <a:bodyPr/>
+                    <a:lstStyle/>
+                    <a:p>
+                      <a:pPr algn="l" fontAlgn="b"/>
+                      <a:r>
+                        <a:rPr lang="de-DE" sz="1000" b="1" u="none" strike="noStrike" dirty="0">
+                          <a:solidFill>
+                            <a:srgbClr val="00B050"/>
+                          </a:solidFill>
+                          <a:effectLst/>
+                        </a:rPr>
+                        <a:t>P19</a:t>
+                      </a:r>
+                      <a:endParaRPr lang="de-DE" sz="1000" b="1" i="0" u="none" strike="noStrike" dirty="0">
+                        <a:solidFill>
+                          <a:srgbClr val="00B050"/>
+                        </a:solidFill>
+                        <a:effectLst/>
+                        <a:latin typeface="Calibri" panose="020F0502020204030204" pitchFamily="34" charset="0"/>
+                      </a:endParaRPr>
+                    </a:p>
+                  </a:txBody>
+                  <a:tcPr marL="7620" marR="7620" marT="7620" marB="0" anchor="b"/>
+                </a:tc>
+                <a:tc>
+                  <a:txBody>
+                    <a:bodyPr/>
+                    <a:lstStyle/>
+                    <a:p>
+                      <a:pPr algn="l" fontAlgn="b"/>
+                      <a:endParaRPr lang="de-DE" sz="1000" b="1" i="0" u="none" strike="noStrike" dirty="0">
+                        <a:solidFill>
+                          <a:srgbClr val="00B050"/>
+                        </a:solidFill>
+                        <a:effectLst/>
+                        <a:latin typeface="Lucida Console" panose="020B0609040504020204" pitchFamily="49" charset="0"/>
+                      </a:endParaRPr>
+                    </a:p>
+                  </a:txBody>
+                  <a:tcPr marL="7620" marR="7620" marT="7620" marB="0" anchor="b"/>
+                </a:tc>
+                <a:extLst>
+                  <a:ext uri="{0D108BD9-81ED-4DB2-BD59-A6C34878D82A}">
+                    <a16:rowId xmlns:a16="http://schemas.microsoft.com/office/drawing/2014/main" val="2861386176"/>
+                  </a:ext>
+                </a:extLst>
+              </a:tr>
+            </a:tbl>
+          </a:graphicData>
+        </a:graphic>
+      </p:graphicFrame>
+      <p:pic>
+        <p:nvPicPr>
+          <p:cNvPr id="4" name="Grafik 3">
+            <a:extLst>
+              <a:ext uri="{FF2B5EF4-FFF2-40B4-BE49-F238E27FC236}">
+                <a16:creationId xmlns:a16="http://schemas.microsoft.com/office/drawing/2014/main" id="{55FF885F-6A9D-45EF-BDC8-BB2152C6F31D}"/>
+              </a:ext>
+            </a:extLst>
+          </p:cNvPr>
+          <p:cNvPicPr>
+            <a:picLocks noChangeAspect="1"/>
+          </p:cNvPicPr>
+          <p:nvPr/>
+        </p:nvPicPr>
+        <p:blipFill>
+          <a:blip r:embed="rId2">
+            <a:extLst>
+              <a:ext uri="{28A0092B-C50C-407E-A947-70E740481C1C}">
+                <a14:useLocalDpi xmlns:a14="http://schemas.microsoft.com/office/drawing/2010/main" val="0"/>
+              </a:ext>
+            </a:extLst>
+          </a:blip>
+          <a:stretch>
+            <a:fillRect/>
+          </a:stretch>
+        </p:blipFill>
+        <p:spPr>
+          <a:xfrm>
+            <a:off x="5807112" y="3274205"/>
+            <a:ext cx="3880199" cy="1549157"/>
+          </a:xfrm>
+          <a:prstGeom prst="rect">
+            <a:avLst/>
+          </a:prstGeom>
+        </p:spPr>
+      </p:pic>
+      <p:sp>
+        <p:nvSpPr>
+          <p:cNvPr id="10" name="Textfeld 9">
+            <a:extLst>
+              <a:ext uri="{FF2B5EF4-FFF2-40B4-BE49-F238E27FC236}">
+                <a16:creationId xmlns:a16="http://schemas.microsoft.com/office/drawing/2014/main" id="{900DAFE0-746B-416B-A2FC-66A640261991}"/>
+              </a:ext>
+            </a:extLst>
+          </p:cNvPr>
+          <p:cNvSpPr txBox="1"/>
+          <p:nvPr/>
+        </p:nvSpPr>
+        <p:spPr>
+          <a:xfrm>
+            <a:off x="1697683" y="5010649"/>
+            <a:ext cx="5240828" cy="1723549"/>
+          </a:xfrm>
+          <a:prstGeom prst="rect">
+            <a:avLst/>
+          </a:prstGeom>
+          <a:noFill/>
+        </p:spPr>
+        <p:txBody>
+          <a:bodyPr wrap="square" rtlCol="0">
+            <a:spAutoFit/>
+          </a:bodyPr>
+          <a:lstStyle/>
+          <a:p>
+            <a:r>
+              <a:rPr lang="de-DE" dirty="0"/>
+              <a:t>Schlussfolgerung des Vergleichs Grundmenge ROI1 zu ROI 2</a:t>
+            </a:r>
+          </a:p>
+          <a:p>
+            <a:pPr marL="285750" indent="-285750">
+              <a:buFontTx/>
+              <a:buChar char="-"/>
+            </a:pPr>
+            <a:r>
+              <a:rPr lang="de-DE" sz="1400" dirty="0"/>
+              <a:t>Ausreißer können zum Teil über ROI-Größen (wie Paper vorausgesagt haben) exkludiert werden</a:t>
+            </a:r>
+          </a:p>
+          <a:p>
+            <a:pPr marL="285750" indent="-285750">
+              <a:buFontTx/>
+              <a:buChar char="-"/>
+            </a:pPr>
+            <a:r>
+              <a:rPr lang="de-DE" sz="1400" dirty="0"/>
+              <a:t>Jedoch können nicht alle Ausreißer exkludiert werden, da bei ROI 1: P18 und P3 viele TF Ausreißer haben und bei ROI 2 diese nicht unter den stärksten Ausreißern auftauchen</a:t>
+            </a:r>
+          </a:p>
+        </p:txBody>
+      </p:sp>
+    </p:spTree>
+    <p:extLst>
+      <p:ext uri="{BB962C8B-B14F-4D97-AF65-F5344CB8AC3E}">
+        <p14:creationId xmlns:p14="http://schemas.microsoft.com/office/powerpoint/2010/main" val="2273503633"/>
+      </p:ext>
+    </p:extLst>
+  </p:cSld>
+  <p:clrMapOvr>
+    <a:masterClrMapping/>
+  </p:clrMapOvr>
+</p:sld>
+</file>
+
+<file path=ppt/slides/slide5.xml><?xml version="1.0" encoding="utf-8"?>
 <p:sld xmlns:a="http://schemas.openxmlformats.org/drawingml/2006/main" xmlns:r="http://schemas.openxmlformats.org/officeDocument/2006/relationships" xmlns:p="http://schemas.openxmlformats.org/presentationml/2006/main">
   <p:cSld>
     <p:spTree>

--- a/Matthias/02-Patients3MBq/Was_wird_wie_getestet.pptx
+++ b/Matthias/02-Patients3MBq/Was_wird_wie_getestet.pptx
@@ -9,7 +9,8 @@
     <p:sldId id="259" r:id="rId3"/>
     <p:sldId id="260" r:id="rId4"/>
     <p:sldId id="261" r:id="rId5"/>
-    <p:sldId id="257" r:id="rId6"/>
+    <p:sldId id="262" r:id="rId6"/>
+    <p:sldId id="257" r:id="rId7"/>
   </p:sldIdLst>
   <p:sldSz cx="12192000" cy="6858000"/>
   <p:notesSz cx="6858000" cy="9144000"/>
@@ -263,7 +264,7 @@
           <a:p>
             <a:fld id="{6E20447D-E185-4F8E-8A5E-B1C6AF407A2E}" type="datetimeFigureOut">
               <a:rPr lang="de-DE" smtClean="0"/>
-              <a:t>02.04.2018</a:t>
+              <a:t>05.04.2018</a:t>
             </a:fld>
             <a:endParaRPr lang="de-DE"/>
           </a:p>
@@ -461,7 +462,7 @@
           <a:p>
             <a:fld id="{6E20447D-E185-4F8E-8A5E-B1C6AF407A2E}" type="datetimeFigureOut">
               <a:rPr lang="de-DE" smtClean="0"/>
-              <a:t>02.04.2018</a:t>
+              <a:t>05.04.2018</a:t>
             </a:fld>
             <a:endParaRPr lang="de-DE"/>
           </a:p>
@@ -669,7 +670,7 @@
           <a:p>
             <a:fld id="{6E20447D-E185-4F8E-8A5E-B1C6AF407A2E}" type="datetimeFigureOut">
               <a:rPr lang="de-DE" smtClean="0"/>
-              <a:t>02.04.2018</a:t>
+              <a:t>05.04.2018</a:t>
             </a:fld>
             <a:endParaRPr lang="de-DE"/>
           </a:p>
@@ -867,7 +868,7 @@
           <a:p>
             <a:fld id="{6E20447D-E185-4F8E-8A5E-B1C6AF407A2E}" type="datetimeFigureOut">
               <a:rPr lang="de-DE" smtClean="0"/>
-              <a:t>02.04.2018</a:t>
+              <a:t>05.04.2018</a:t>
             </a:fld>
             <a:endParaRPr lang="de-DE"/>
           </a:p>
@@ -1142,7 +1143,7 @@
           <a:p>
             <a:fld id="{6E20447D-E185-4F8E-8A5E-B1C6AF407A2E}" type="datetimeFigureOut">
               <a:rPr lang="de-DE" smtClean="0"/>
-              <a:t>02.04.2018</a:t>
+              <a:t>05.04.2018</a:t>
             </a:fld>
             <a:endParaRPr lang="de-DE"/>
           </a:p>
@@ -1407,7 +1408,7 @@
           <a:p>
             <a:fld id="{6E20447D-E185-4F8E-8A5E-B1C6AF407A2E}" type="datetimeFigureOut">
               <a:rPr lang="de-DE" smtClean="0"/>
-              <a:t>02.04.2018</a:t>
+              <a:t>05.04.2018</a:t>
             </a:fld>
             <a:endParaRPr lang="de-DE"/>
           </a:p>
@@ -1819,7 +1820,7 @@
           <a:p>
             <a:fld id="{6E20447D-E185-4F8E-8A5E-B1C6AF407A2E}" type="datetimeFigureOut">
               <a:rPr lang="de-DE" smtClean="0"/>
-              <a:t>02.04.2018</a:t>
+              <a:t>05.04.2018</a:t>
             </a:fld>
             <a:endParaRPr lang="de-DE"/>
           </a:p>
@@ -1960,7 +1961,7 @@
           <a:p>
             <a:fld id="{6E20447D-E185-4F8E-8A5E-B1C6AF407A2E}" type="datetimeFigureOut">
               <a:rPr lang="de-DE" smtClean="0"/>
-              <a:t>02.04.2018</a:t>
+              <a:t>05.04.2018</a:t>
             </a:fld>
             <a:endParaRPr lang="de-DE"/>
           </a:p>
@@ -2073,7 +2074,7 @@
           <a:p>
             <a:fld id="{6E20447D-E185-4F8E-8A5E-B1C6AF407A2E}" type="datetimeFigureOut">
               <a:rPr lang="de-DE" smtClean="0"/>
-              <a:t>02.04.2018</a:t>
+              <a:t>05.04.2018</a:t>
             </a:fld>
             <a:endParaRPr lang="de-DE"/>
           </a:p>
@@ -2384,7 +2385,7 @@
           <a:p>
             <a:fld id="{6E20447D-E185-4F8E-8A5E-B1C6AF407A2E}" type="datetimeFigureOut">
               <a:rPr lang="de-DE" smtClean="0"/>
-              <a:t>02.04.2018</a:t>
+              <a:t>05.04.2018</a:t>
             </a:fld>
             <a:endParaRPr lang="de-DE"/>
           </a:p>
@@ -2672,7 +2673,7 @@
           <a:p>
             <a:fld id="{6E20447D-E185-4F8E-8A5E-B1C6AF407A2E}" type="datetimeFigureOut">
               <a:rPr lang="de-DE" smtClean="0"/>
-              <a:t>02.04.2018</a:t>
+              <a:t>05.04.2018</a:t>
             </a:fld>
             <a:endParaRPr lang="de-DE"/>
           </a:p>
@@ -2913,7 +2914,7 @@
           <a:p>
             <a:fld id="{6E20447D-E185-4F8E-8A5E-B1C6AF407A2E}" type="datetimeFigureOut">
               <a:rPr lang="de-DE" smtClean="0"/>
-              <a:t>02.04.2018</a:t>
+              <a:t>05.04.2018</a:t>
             </a:fld>
             <a:endParaRPr lang="de-DE"/>
           </a:p>
@@ -16798,6 +16799,1333 @@
           <p:cNvPr id="2" name="Titel 1">
             <a:extLst>
               <a:ext uri="{FF2B5EF4-FFF2-40B4-BE49-F238E27FC236}">
+                <a16:creationId xmlns:a16="http://schemas.microsoft.com/office/drawing/2014/main" id="{3304AB23-EAB1-44C8-BB64-83B0E327A233}"/>
+              </a:ext>
+            </a:extLst>
+          </p:cNvPr>
+          <p:cNvSpPr>
+            <a:spLocks noGrp="1"/>
+          </p:cNvSpPr>
+          <p:nvPr>
+            <p:ph type="title"/>
+          </p:nvPr>
+        </p:nvSpPr>
+        <p:spPr/>
+        <p:txBody>
+          <a:bodyPr/>
+          <a:lstStyle/>
+          <a:p>
+            <a:r>
+              <a:rPr lang="de-DE" dirty="0"/>
+              <a:t>Gemischtes Lineares Modell</a:t>
+            </a:r>
+          </a:p>
+        </p:txBody>
+      </p:sp>
+      <p:sp>
+        <p:nvSpPr>
+          <p:cNvPr id="3" name="Inhaltsplatzhalter 2">
+            <a:extLst>
+              <a:ext uri="{FF2B5EF4-FFF2-40B4-BE49-F238E27FC236}">
+                <a16:creationId xmlns:a16="http://schemas.microsoft.com/office/drawing/2014/main" id="{F5B9BD46-02B4-4131-A450-83B2868DA8A6}"/>
+              </a:ext>
+            </a:extLst>
+          </p:cNvPr>
+          <p:cNvSpPr>
+            <a:spLocks noGrp="1"/>
+          </p:cNvSpPr>
+          <p:nvPr>
+            <p:ph idx="1"/>
+          </p:nvPr>
+        </p:nvSpPr>
+        <p:spPr>
+          <a:xfrm>
+            <a:off x="838200" y="2575868"/>
+            <a:ext cx="10515600" cy="3766208"/>
+          </a:xfrm>
+        </p:spPr>
+        <p:txBody>
+          <a:bodyPr>
+            <a:normAutofit/>
+          </a:bodyPr>
+          <a:lstStyle/>
+          <a:p>
+            <a:r>
+              <a:rPr lang="de-DE" sz="1400" dirty="0"/>
+              <a:t>Die Zeile </a:t>
+            </a:r>
+            <a:r>
+              <a:rPr lang="de-DE" sz="1400" dirty="0" err="1"/>
+              <a:t>StrengthOfDose</a:t>
+            </a:r>
+            <a:r>
+              <a:rPr lang="de-DE" sz="1400" dirty="0"/>
+              <a:t> ist wichtig</a:t>
+            </a:r>
+          </a:p>
+          <a:p>
+            <a:r>
+              <a:rPr lang="de-DE" sz="1400" dirty="0"/>
+              <a:t>p-Wert: ist der Wahrscheinlichkeitswert der Nullhypothese</a:t>
+            </a:r>
+          </a:p>
+          <a:p>
+            <a:r>
+              <a:rPr lang="de-DE" sz="1400" dirty="0"/>
+              <a:t>Nullhypothese: die Dosenstärke hat keinen Einfluss auf die Werte der TFs</a:t>
+            </a:r>
+          </a:p>
+          <a:p>
+            <a:r>
+              <a:rPr lang="de-DE" sz="1400" dirty="0" err="1"/>
+              <a:t>Estimate</a:t>
+            </a:r>
+            <a:r>
+              <a:rPr lang="de-DE" sz="1400" dirty="0"/>
+              <a:t>: ist der geschätzte Wert der pro Dosis Schritt am absoluten Wert geändert wird</a:t>
+            </a:r>
+          </a:p>
+          <a:p>
+            <a:r>
+              <a:rPr lang="de-DE" sz="1400" dirty="0"/>
+              <a:t>Beispiel: p=5*10^-23 -&gt; zu 0,000.. % ist es möglich dass die Werte zufällig so geworden sind, also nicht mit der Dosenstärker zusammenhängen</a:t>
+            </a:r>
+          </a:p>
+          <a:p>
+            <a:endParaRPr lang="de-DE" sz="1400" dirty="0"/>
+          </a:p>
+        </p:txBody>
+      </p:sp>
+      <p:sp>
+        <p:nvSpPr>
+          <p:cNvPr id="6" name="Inhaltsplatzhalter 2">
+            <a:extLst>
+              <a:ext uri="{FF2B5EF4-FFF2-40B4-BE49-F238E27FC236}">
+                <a16:creationId xmlns:a16="http://schemas.microsoft.com/office/drawing/2014/main" id="{B72ED00F-7B7E-44A6-878C-1FBC9083AC99}"/>
+              </a:ext>
+            </a:extLst>
+          </p:cNvPr>
+          <p:cNvSpPr txBox="1">
+            <a:spLocks/>
+          </p:cNvSpPr>
+          <p:nvPr/>
+        </p:nvSpPr>
+        <p:spPr>
+          <a:xfrm>
+            <a:off x="913701" y="2580103"/>
+            <a:ext cx="10515600" cy="1325563"/>
+          </a:xfrm>
+          <a:prstGeom prst="rect">
+            <a:avLst/>
+          </a:prstGeom>
+        </p:spPr>
+        <p:txBody>
+          <a:bodyPr vert="horz" lIns="91440" tIns="45720" rIns="91440" bIns="45720" rtlCol="0">
+            <a:noAutofit/>
+          </a:bodyPr>
+          <a:lstStyle>
+            <a:lvl1pPr marL="228600" indent="-228600" algn="l" defTabSz="914400" rtl="0" eaLnBrk="1" latinLnBrk="0" hangingPunct="1">
+              <a:lnSpc>
+                <a:spcPct val="90000"/>
+              </a:lnSpc>
+              <a:spcBef>
+                <a:spcPts val="1000"/>
+              </a:spcBef>
+              <a:buFont typeface="Arial" panose="020B0604020202020204" pitchFamily="34" charset="0"/>
+              <a:buChar char="•"/>
+              <a:defRPr sz="2800" kern="1200">
+                <a:solidFill>
+                  <a:schemeClr val="tx1"/>
+                </a:solidFill>
+                <a:latin typeface="+mn-lt"/>
+                <a:ea typeface="+mn-ea"/>
+                <a:cs typeface="+mn-cs"/>
+              </a:defRPr>
+            </a:lvl1pPr>
+            <a:lvl2pPr marL="685800" indent="-228600" algn="l" defTabSz="914400" rtl="0" eaLnBrk="1" latinLnBrk="0" hangingPunct="1">
+              <a:lnSpc>
+                <a:spcPct val="90000"/>
+              </a:lnSpc>
+              <a:spcBef>
+                <a:spcPts val="500"/>
+              </a:spcBef>
+              <a:buFont typeface="Arial" panose="020B0604020202020204" pitchFamily="34" charset="0"/>
+              <a:buChar char="•"/>
+              <a:defRPr sz="2400" kern="1200">
+                <a:solidFill>
+                  <a:schemeClr val="tx1"/>
+                </a:solidFill>
+                <a:latin typeface="+mn-lt"/>
+                <a:ea typeface="+mn-ea"/>
+                <a:cs typeface="+mn-cs"/>
+              </a:defRPr>
+            </a:lvl2pPr>
+            <a:lvl3pPr marL="1143000" indent="-228600" algn="l" defTabSz="914400" rtl="0" eaLnBrk="1" latinLnBrk="0" hangingPunct="1">
+              <a:lnSpc>
+                <a:spcPct val="90000"/>
+              </a:lnSpc>
+              <a:spcBef>
+                <a:spcPts val="500"/>
+              </a:spcBef>
+              <a:buFont typeface="Arial" panose="020B0604020202020204" pitchFamily="34" charset="0"/>
+              <a:buChar char="•"/>
+              <a:defRPr sz="2000" kern="1200">
+                <a:solidFill>
+                  <a:schemeClr val="tx1"/>
+                </a:solidFill>
+                <a:latin typeface="+mn-lt"/>
+                <a:ea typeface="+mn-ea"/>
+                <a:cs typeface="+mn-cs"/>
+              </a:defRPr>
+            </a:lvl3pPr>
+            <a:lvl4pPr marL="1600200" indent="-228600" algn="l" defTabSz="914400" rtl="0" eaLnBrk="1" latinLnBrk="0" hangingPunct="1">
+              <a:lnSpc>
+                <a:spcPct val="90000"/>
+              </a:lnSpc>
+              <a:spcBef>
+                <a:spcPts val="500"/>
+              </a:spcBef>
+              <a:buFont typeface="Arial" panose="020B0604020202020204" pitchFamily="34" charset="0"/>
+              <a:buChar char="•"/>
+              <a:defRPr sz="1800" kern="1200">
+                <a:solidFill>
+                  <a:schemeClr val="tx1"/>
+                </a:solidFill>
+                <a:latin typeface="+mn-lt"/>
+                <a:ea typeface="+mn-ea"/>
+                <a:cs typeface="+mn-cs"/>
+              </a:defRPr>
+            </a:lvl4pPr>
+            <a:lvl5pPr marL="2057400" indent="-228600" algn="l" defTabSz="914400" rtl="0" eaLnBrk="1" latinLnBrk="0" hangingPunct="1">
+              <a:lnSpc>
+                <a:spcPct val="90000"/>
+              </a:lnSpc>
+              <a:spcBef>
+                <a:spcPts val="500"/>
+              </a:spcBef>
+              <a:buFont typeface="Arial" panose="020B0604020202020204" pitchFamily="34" charset="0"/>
+              <a:buChar char="•"/>
+              <a:defRPr sz="1800" kern="1200">
+                <a:solidFill>
+                  <a:schemeClr val="tx1"/>
+                </a:solidFill>
+                <a:latin typeface="+mn-lt"/>
+                <a:ea typeface="+mn-ea"/>
+                <a:cs typeface="+mn-cs"/>
+              </a:defRPr>
+            </a:lvl5pPr>
+            <a:lvl6pPr marL="2514600" indent="-228600" algn="l" defTabSz="914400" rtl="0" eaLnBrk="1" latinLnBrk="0" hangingPunct="1">
+              <a:lnSpc>
+                <a:spcPct val="90000"/>
+              </a:lnSpc>
+              <a:spcBef>
+                <a:spcPts val="500"/>
+              </a:spcBef>
+              <a:buFont typeface="Arial" panose="020B0604020202020204" pitchFamily="34" charset="0"/>
+              <a:buChar char="•"/>
+              <a:defRPr sz="1800" kern="1200">
+                <a:solidFill>
+                  <a:schemeClr val="tx1"/>
+                </a:solidFill>
+                <a:latin typeface="+mn-lt"/>
+                <a:ea typeface="+mn-ea"/>
+                <a:cs typeface="+mn-cs"/>
+              </a:defRPr>
+            </a:lvl6pPr>
+            <a:lvl7pPr marL="2971800" indent="-228600" algn="l" defTabSz="914400" rtl="0" eaLnBrk="1" latinLnBrk="0" hangingPunct="1">
+              <a:lnSpc>
+                <a:spcPct val="90000"/>
+              </a:lnSpc>
+              <a:spcBef>
+                <a:spcPts val="500"/>
+              </a:spcBef>
+              <a:buFont typeface="Arial" panose="020B0604020202020204" pitchFamily="34" charset="0"/>
+              <a:buChar char="•"/>
+              <a:defRPr sz="1800" kern="1200">
+                <a:solidFill>
+                  <a:schemeClr val="tx1"/>
+                </a:solidFill>
+                <a:latin typeface="+mn-lt"/>
+                <a:ea typeface="+mn-ea"/>
+                <a:cs typeface="+mn-cs"/>
+              </a:defRPr>
+            </a:lvl7pPr>
+            <a:lvl8pPr marL="3429000" indent="-228600" algn="l" defTabSz="914400" rtl="0" eaLnBrk="1" latinLnBrk="0" hangingPunct="1">
+              <a:lnSpc>
+                <a:spcPct val="90000"/>
+              </a:lnSpc>
+              <a:spcBef>
+                <a:spcPts val="500"/>
+              </a:spcBef>
+              <a:buFont typeface="Arial" panose="020B0604020202020204" pitchFamily="34" charset="0"/>
+              <a:buChar char="•"/>
+              <a:defRPr sz="1800" kern="1200">
+                <a:solidFill>
+                  <a:schemeClr val="tx1"/>
+                </a:solidFill>
+                <a:latin typeface="+mn-lt"/>
+                <a:ea typeface="+mn-ea"/>
+                <a:cs typeface="+mn-cs"/>
+              </a:defRPr>
+            </a:lvl8pPr>
+            <a:lvl9pPr marL="3886200" indent="-228600" algn="l" defTabSz="914400" rtl="0" eaLnBrk="1" latinLnBrk="0" hangingPunct="1">
+              <a:lnSpc>
+                <a:spcPct val="90000"/>
+              </a:lnSpc>
+              <a:spcBef>
+                <a:spcPts val="500"/>
+              </a:spcBef>
+              <a:buFont typeface="Arial" panose="020B0604020202020204" pitchFamily="34" charset="0"/>
+              <a:buChar char="•"/>
+              <a:defRPr sz="1800" kern="1200">
+                <a:solidFill>
+                  <a:schemeClr val="tx1"/>
+                </a:solidFill>
+                <a:latin typeface="+mn-lt"/>
+                <a:ea typeface="+mn-ea"/>
+                <a:cs typeface="+mn-cs"/>
+              </a:defRPr>
+            </a:lvl9pPr>
+          </a:lstStyle>
+          <a:p>
+            <a:endParaRPr lang="de-DE" sz="1400" dirty="0"/>
+          </a:p>
+          <a:p>
+            <a:endParaRPr lang="de-DE" sz="1400" dirty="0"/>
+          </a:p>
+        </p:txBody>
+      </p:sp>
+      <p:graphicFrame>
+        <p:nvGraphicFramePr>
+          <p:cNvPr id="7" name="Tabelle 6">
+            <a:extLst>
+              <a:ext uri="{FF2B5EF4-FFF2-40B4-BE49-F238E27FC236}">
+                <a16:creationId xmlns:a16="http://schemas.microsoft.com/office/drawing/2014/main" id="{99253A36-E31C-482A-BE5E-D55B3616DBA3}"/>
+              </a:ext>
+            </a:extLst>
+          </p:cNvPr>
+          <p:cNvGraphicFramePr>
+            <a:graphicFrameLocks noGrp="1"/>
+          </p:cNvGraphicFramePr>
+          <p:nvPr>
+            <p:extLst>
+              <p:ext uri="{D42A27DB-BD31-4B8C-83A1-F6EECF244321}">
+                <p14:modId xmlns:p14="http://schemas.microsoft.com/office/powerpoint/2010/main" val="3611631583"/>
+              </p:ext>
+            </p:extLst>
+          </p:nvPr>
+        </p:nvGraphicFramePr>
+        <p:xfrm>
+          <a:off x="838199" y="1470968"/>
+          <a:ext cx="10001700" cy="1104900"/>
+        </p:xfrm>
+        <a:graphic>
+          <a:graphicData uri="http://schemas.openxmlformats.org/drawingml/2006/table">
+            <a:tbl>
+              <a:tblPr>
+                <a:tableStyleId>{8A107856-5554-42FB-B03E-39F5DBC370BA}</a:tableStyleId>
+              </a:tblPr>
+              <a:tblGrid>
+                <a:gridCol w="2623630">
+                  <a:extLst>
+                    <a:ext uri="{9D8B030D-6E8A-4147-A177-3AD203B41FA5}">
+                      <a16:colId xmlns:a16="http://schemas.microsoft.com/office/drawing/2014/main" val="2542116936"/>
+                    </a:ext>
+                  </a:extLst>
+                </a:gridCol>
+                <a:gridCol w="1054010">
+                  <a:extLst>
+                    <a:ext uri="{9D8B030D-6E8A-4147-A177-3AD203B41FA5}">
+                      <a16:colId xmlns:a16="http://schemas.microsoft.com/office/drawing/2014/main" val="125776357"/>
+                    </a:ext>
+                  </a:extLst>
+                </a:gridCol>
+                <a:gridCol w="1054010">
+                  <a:extLst>
+                    <a:ext uri="{9D8B030D-6E8A-4147-A177-3AD203B41FA5}">
+                      <a16:colId xmlns:a16="http://schemas.microsoft.com/office/drawing/2014/main" val="2183516949"/>
+                    </a:ext>
+                  </a:extLst>
+                </a:gridCol>
+                <a:gridCol w="1054010">
+                  <a:extLst>
+                    <a:ext uri="{9D8B030D-6E8A-4147-A177-3AD203B41FA5}">
+                      <a16:colId xmlns:a16="http://schemas.microsoft.com/office/drawing/2014/main" val="343360517"/>
+                    </a:ext>
+                  </a:extLst>
+                </a:gridCol>
+                <a:gridCol w="1054010">
+                  <a:extLst>
+                    <a:ext uri="{9D8B030D-6E8A-4147-A177-3AD203B41FA5}">
+                      <a16:colId xmlns:a16="http://schemas.microsoft.com/office/drawing/2014/main" val="663814472"/>
+                    </a:ext>
+                  </a:extLst>
+                </a:gridCol>
+                <a:gridCol w="1054010">
+                  <a:extLst>
+                    <a:ext uri="{9D8B030D-6E8A-4147-A177-3AD203B41FA5}">
+                      <a16:colId xmlns:a16="http://schemas.microsoft.com/office/drawing/2014/main" val="3349237374"/>
+                    </a:ext>
+                  </a:extLst>
+                </a:gridCol>
+                <a:gridCol w="1054010">
+                  <a:extLst>
+                    <a:ext uri="{9D8B030D-6E8A-4147-A177-3AD203B41FA5}">
+                      <a16:colId xmlns:a16="http://schemas.microsoft.com/office/drawing/2014/main" val="1067376469"/>
+                    </a:ext>
+                  </a:extLst>
+                </a:gridCol>
+                <a:gridCol w="1054010">
+                  <a:extLst>
+                    <a:ext uri="{9D8B030D-6E8A-4147-A177-3AD203B41FA5}">
+                      <a16:colId xmlns:a16="http://schemas.microsoft.com/office/drawing/2014/main" val="4170930356"/>
+                    </a:ext>
+                  </a:extLst>
+                </a:gridCol>
+              </a:tblGrid>
+              <a:tr h="182880">
+                <a:tc>
+                  <a:txBody>
+                    <a:bodyPr/>
+                    <a:lstStyle/>
+                    <a:p>
+                      <a:pPr algn="l" fontAlgn="b"/>
+                      <a:r>
+                        <a:rPr lang="de-DE" sz="1400" b="1" i="0" u="none" strike="noStrike" dirty="0">
+                          <a:solidFill>
+                            <a:srgbClr val="000000"/>
+                          </a:solidFill>
+                          <a:effectLst/>
+                          <a:latin typeface="Calibri" panose="020F0502020204030204" pitchFamily="34" charset="0"/>
+                        </a:rPr>
+                        <a:t>ROI1: TF 16</a:t>
+                      </a:r>
+                    </a:p>
+                  </a:txBody>
+                  <a:tcPr marL="7620" marR="7620" marT="7620" marB="0" anchor="b"/>
+                </a:tc>
+                <a:tc>
+                  <a:txBody>
+                    <a:bodyPr/>
+                    <a:lstStyle/>
+                    <a:p>
+                      <a:pPr algn="l" fontAlgn="b"/>
+                      <a:endParaRPr lang="de-DE" sz="1400" b="0" i="0" u="none" strike="noStrike">
+                        <a:solidFill>
+                          <a:srgbClr val="000000"/>
+                        </a:solidFill>
+                        <a:effectLst/>
+                        <a:latin typeface="Calibri" panose="020F0502020204030204" pitchFamily="34" charset="0"/>
+                      </a:endParaRPr>
+                    </a:p>
+                  </a:txBody>
+                  <a:tcPr marL="7620" marR="7620" marT="7620" marB="0" anchor="b"/>
+                </a:tc>
+                <a:tc>
+                  <a:txBody>
+                    <a:bodyPr/>
+                    <a:lstStyle/>
+                    <a:p>
+                      <a:pPr algn="l" fontAlgn="b"/>
+                      <a:endParaRPr lang="de-DE" sz="1400" b="0" i="0" u="none" strike="noStrike">
+                        <a:solidFill>
+                          <a:srgbClr val="000000"/>
+                        </a:solidFill>
+                        <a:effectLst/>
+                        <a:latin typeface="Calibri" panose="020F0502020204030204" pitchFamily="34" charset="0"/>
+                      </a:endParaRPr>
+                    </a:p>
+                  </a:txBody>
+                  <a:tcPr marL="7620" marR="7620" marT="7620" marB="0" anchor="b"/>
+                </a:tc>
+                <a:tc>
+                  <a:txBody>
+                    <a:bodyPr/>
+                    <a:lstStyle/>
+                    <a:p>
+                      <a:pPr algn="l" fontAlgn="b"/>
+                      <a:endParaRPr lang="de-DE" sz="1400" b="0" i="0" u="none" strike="noStrike">
+                        <a:solidFill>
+                          <a:srgbClr val="000000"/>
+                        </a:solidFill>
+                        <a:effectLst/>
+                        <a:latin typeface="Calibri" panose="020F0502020204030204" pitchFamily="34" charset="0"/>
+                      </a:endParaRPr>
+                    </a:p>
+                  </a:txBody>
+                  <a:tcPr marL="7620" marR="7620" marT="7620" marB="0" anchor="b"/>
+                </a:tc>
+                <a:tc>
+                  <a:txBody>
+                    <a:bodyPr/>
+                    <a:lstStyle/>
+                    <a:p>
+                      <a:pPr algn="l" fontAlgn="b"/>
+                      <a:endParaRPr lang="de-DE" sz="1400" b="0" i="0" u="none" strike="noStrike">
+                        <a:solidFill>
+                          <a:srgbClr val="000000"/>
+                        </a:solidFill>
+                        <a:effectLst/>
+                        <a:latin typeface="Calibri" panose="020F0502020204030204" pitchFamily="34" charset="0"/>
+                      </a:endParaRPr>
+                    </a:p>
+                  </a:txBody>
+                  <a:tcPr marL="7620" marR="7620" marT="7620" marB="0" anchor="b"/>
+                </a:tc>
+                <a:tc>
+                  <a:txBody>
+                    <a:bodyPr/>
+                    <a:lstStyle/>
+                    <a:p>
+                      <a:pPr algn="l" fontAlgn="b"/>
+                      <a:endParaRPr lang="de-DE" sz="1400" b="0" i="0" u="none" strike="noStrike">
+                        <a:solidFill>
+                          <a:srgbClr val="000000"/>
+                        </a:solidFill>
+                        <a:effectLst/>
+                        <a:latin typeface="Calibri" panose="020F0502020204030204" pitchFamily="34" charset="0"/>
+                      </a:endParaRPr>
+                    </a:p>
+                  </a:txBody>
+                  <a:tcPr marL="7620" marR="7620" marT="7620" marB="0" anchor="b"/>
+                </a:tc>
+                <a:tc>
+                  <a:txBody>
+                    <a:bodyPr/>
+                    <a:lstStyle/>
+                    <a:p>
+                      <a:pPr algn="l" fontAlgn="b"/>
+                      <a:endParaRPr lang="de-DE" sz="1400" b="0" i="0" u="none" strike="noStrike">
+                        <a:solidFill>
+                          <a:srgbClr val="000000"/>
+                        </a:solidFill>
+                        <a:effectLst/>
+                        <a:latin typeface="Calibri" panose="020F0502020204030204" pitchFamily="34" charset="0"/>
+                      </a:endParaRPr>
+                    </a:p>
+                  </a:txBody>
+                  <a:tcPr marL="7620" marR="7620" marT="7620" marB="0" anchor="b"/>
+                </a:tc>
+                <a:tc>
+                  <a:txBody>
+                    <a:bodyPr/>
+                    <a:lstStyle/>
+                    <a:p>
+                      <a:pPr algn="l" fontAlgn="b"/>
+                      <a:endParaRPr lang="de-DE" sz="1400" b="0" i="0" u="none" strike="noStrike" dirty="0">
+                        <a:solidFill>
+                          <a:srgbClr val="000000"/>
+                        </a:solidFill>
+                        <a:effectLst/>
+                        <a:latin typeface="Calibri" panose="020F0502020204030204" pitchFamily="34" charset="0"/>
+                      </a:endParaRPr>
+                    </a:p>
+                  </a:txBody>
+                  <a:tcPr marL="7620" marR="7620" marT="7620" marB="0" anchor="b"/>
+                </a:tc>
+                <a:extLst>
+                  <a:ext uri="{0D108BD9-81ED-4DB2-BD59-A6C34878D82A}">
+                    <a16:rowId xmlns:a16="http://schemas.microsoft.com/office/drawing/2014/main" val="1252974037"/>
+                  </a:ext>
+                </a:extLst>
+              </a:tr>
+              <a:tr h="182880">
+                <a:tc>
+                  <a:txBody>
+                    <a:bodyPr/>
+                    <a:lstStyle/>
+                    <a:p>
+                      <a:pPr algn="l" fontAlgn="b"/>
+                      <a:r>
+                        <a:rPr lang="de-DE" sz="1400" b="0" u="none" strike="noStrike" dirty="0">
+                          <a:effectLst/>
+                        </a:rPr>
+                        <a:t>Fixed </a:t>
+                      </a:r>
+                      <a:r>
+                        <a:rPr lang="de-DE" sz="1400" b="0" u="none" strike="noStrike" dirty="0" err="1">
+                          <a:effectLst/>
+                        </a:rPr>
+                        <a:t>effects</a:t>
+                      </a:r>
+                      <a:r>
+                        <a:rPr lang="de-DE" sz="1400" b="0" u="none" strike="noStrike" dirty="0">
+                          <a:effectLst/>
+                        </a:rPr>
+                        <a:t> </a:t>
+                      </a:r>
+                      <a:r>
+                        <a:rPr lang="de-DE" sz="1400" b="0" u="none" strike="noStrike" dirty="0" err="1">
+                          <a:effectLst/>
+                        </a:rPr>
+                        <a:t>coefficients</a:t>
+                      </a:r>
+                      <a:r>
+                        <a:rPr lang="de-DE" sz="1400" b="0" u="none" strike="noStrike" dirty="0">
+                          <a:effectLst/>
+                        </a:rPr>
+                        <a:t> (95% CIs):</a:t>
+                      </a:r>
+                      <a:endParaRPr lang="de-DE" sz="1400" b="0" i="0" u="none" strike="noStrike" dirty="0">
+                        <a:solidFill>
+                          <a:srgbClr val="000000"/>
+                        </a:solidFill>
+                        <a:effectLst/>
+                        <a:latin typeface="Calibri" panose="020F0502020204030204" pitchFamily="34" charset="0"/>
+                      </a:endParaRPr>
+                    </a:p>
+                  </a:txBody>
+                  <a:tcPr marL="7620" marR="7620" marT="7620" marB="0" anchor="b"/>
+                </a:tc>
+                <a:tc>
+                  <a:txBody>
+                    <a:bodyPr/>
+                    <a:lstStyle/>
+                    <a:p>
+                      <a:pPr algn="l" fontAlgn="b"/>
+                      <a:endParaRPr lang="de-DE" sz="1400" b="0" i="0" u="none" strike="noStrike">
+                        <a:solidFill>
+                          <a:srgbClr val="000000"/>
+                        </a:solidFill>
+                        <a:effectLst/>
+                        <a:latin typeface="Calibri" panose="020F0502020204030204" pitchFamily="34" charset="0"/>
+                      </a:endParaRPr>
+                    </a:p>
+                  </a:txBody>
+                  <a:tcPr marL="7620" marR="7620" marT="7620" marB="0" anchor="b"/>
+                </a:tc>
+                <a:tc>
+                  <a:txBody>
+                    <a:bodyPr/>
+                    <a:lstStyle/>
+                    <a:p>
+                      <a:pPr algn="l" fontAlgn="b"/>
+                      <a:endParaRPr lang="de-DE" sz="1400" b="0" i="0" u="none" strike="noStrike">
+                        <a:solidFill>
+                          <a:srgbClr val="000000"/>
+                        </a:solidFill>
+                        <a:effectLst/>
+                        <a:latin typeface="Calibri" panose="020F0502020204030204" pitchFamily="34" charset="0"/>
+                      </a:endParaRPr>
+                    </a:p>
+                  </a:txBody>
+                  <a:tcPr marL="7620" marR="7620" marT="7620" marB="0" anchor="b"/>
+                </a:tc>
+                <a:tc>
+                  <a:txBody>
+                    <a:bodyPr/>
+                    <a:lstStyle/>
+                    <a:p>
+                      <a:pPr algn="l" fontAlgn="b"/>
+                      <a:endParaRPr lang="de-DE" sz="1400" b="0" i="0" u="none" strike="noStrike">
+                        <a:solidFill>
+                          <a:srgbClr val="000000"/>
+                        </a:solidFill>
+                        <a:effectLst/>
+                        <a:latin typeface="Calibri" panose="020F0502020204030204" pitchFamily="34" charset="0"/>
+                      </a:endParaRPr>
+                    </a:p>
+                  </a:txBody>
+                  <a:tcPr marL="7620" marR="7620" marT="7620" marB="0" anchor="b"/>
+                </a:tc>
+                <a:tc>
+                  <a:txBody>
+                    <a:bodyPr/>
+                    <a:lstStyle/>
+                    <a:p>
+                      <a:pPr algn="l" fontAlgn="b"/>
+                      <a:endParaRPr lang="de-DE" sz="1400" b="0" i="0" u="none" strike="noStrike">
+                        <a:solidFill>
+                          <a:srgbClr val="000000"/>
+                        </a:solidFill>
+                        <a:effectLst/>
+                        <a:latin typeface="Calibri" panose="020F0502020204030204" pitchFamily="34" charset="0"/>
+                      </a:endParaRPr>
+                    </a:p>
+                  </a:txBody>
+                  <a:tcPr marL="7620" marR="7620" marT="7620" marB="0" anchor="b"/>
+                </a:tc>
+                <a:tc>
+                  <a:txBody>
+                    <a:bodyPr/>
+                    <a:lstStyle/>
+                    <a:p>
+                      <a:pPr algn="l" fontAlgn="b"/>
+                      <a:endParaRPr lang="de-DE" sz="1400" b="0" i="0" u="none" strike="noStrike">
+                        <a:solidFill>
+                          <a:srgbClr val="000000"/>
+                        </a:solidFill>
+                        <a:effectLst/>
+                        <a:latin typeface="Calibri" panose="020F0502020204030204" pitchFamily="34" charset="0"/>
+                      </a:endParaRPr>
+                    </a:p>
+                  </a:txBody>
+                  <a:tcPr marL="7620" marR="7620" marT="7620" marB="0" anchor="b"/>
+                </a:tc>
+                <a:tc>
+                  <a:txBody>
+                    <a:bodyPr/>
+                    <a:lstStyle/>
+                    <a:p>
+                      <a:pPr algn="l" fontAlgn="b"/>
+                      <a:endParaRPr lang="de-DE" sz="1400" b="0" i="0" u="none" strike="noStrike">
+                        <a:solidFill>
+                          <a:srgbClr val="000000"/>
+                        </a:solidFill>
+                        <a:effectLst/>
+                        <a:latin typeface="Calibri" panose="020F0502020204030204" pitchFamily="34" charset="0"/>
+                      </a:endParaRPr>
+                    </a:p>
+                  </a:txBody>
+                  <a:tcPr marL="7620" marR="7620" marT="7620" marB="0" anchor="b"/>
+                </a:tc>
+                <a:tc>
+                  <a:txBody>
+                    <a:bodyPr/>
+                    <a:lstStyle/>
+                    <a:p>
+                      <a:pPr algn="l" fontAlgn="b"/>
+                      <a:endParaRPr lang="de-DE" sz="1400" b="0" i="0" u="none" strike="noStrike">
+                        <a:solidFill>
+                          <a:srgbClr val="000000"/>
+                        </a:solidFill>
+                        <a:effectLst/>
+                        <a:latin typeface="Calibri" panose="020F0502020204030204" pitchFamily="34" charset="0"/>
+                      </a:endParaRPr>
+                    </a:p>
+                  </a:txBody>
+                  <a:tcPr marL="7620" marR="7620" marT="7620" marB="0" anchor="b"/>
+                </a:tc>
+                <a:extLst>
+                  <a:ext uri="{0D108BD9-81ED-4DB2-BD59-A6C34878D82A}">
+                    <a16:rowId xmlns:a16="http://schemas.microsoft.com/office/drawing/2014/main" val="2250442649"/>
+                  </a:ext>
+                </a:extLst>
+              </a:tr>
+              <a:tr h="182880">
+                <a:tc>
+                  <a:txBody>
+                    <a:bodyPr/>
+                    <a:lstStyle/>
+                    <a:p>
+                      <a:pPr algn="l" fontAlgn="b"/>
+                      <a:r>
+                        <a:rPr lang="de-DE" sz="1400" u="none" strike="noStrike">
+                          <a:effectLst/>
+                        </a:rPr>
+                        <a:t>Name</a:t>
+                      </a:r>
+                      <a:endParaRPr lang="de-DE" sz="1400" b="0" i="0" u="none" strike="noStrike">
+                        <a:solidFill>
+                          <a:srgbClr val="000000"/>
+                        </a:solidFill>
+                        <a:effectLst/>
+                        <a:latin typeface="Calibri" panose="020F0502020204030204" pitchFamily="34" charset="0"/>
+                      </a:endParaRPr>
+                    </a:p>
+                  </a:txBody>
+                  <a:tcPr marL="7620" marR="7620" marT="7620" marB="0" anchor="b"/>
+                </a:tc>
+                <a:tc>
+                  <a:txBody>
+                    <a:bodyPr/>
+                    <a:lstStyle/>
+                    <a:p>
+                      <a:pPr algn="l" fontAlgn="b"/>
+                      <a:r>
+                        <a:rPr lang="de-DE" sz="1400" u="none" strike="noStrike">
+                          <a:effectLst/>
+                        </a:rPr>
+                        <a:t>Estimate</a:t>
+                      </a:r>
+                      <a:endParaRPr lang="de-DE" sz="1400" b="0" i="0" u="none" strike="noStrike">
+                        <a:solidFill>
+                          <a:srgbClr val="000000"/>
+                        </a:solidFill>
+                        <a:effectLst/>
+                        <a:latin typeface="Calibri" panose="020F0502020204030204" pitchFamily="34" charset="0"/>
+                      </a:endParaRPr>
+                    </a:p>
+                  </a:txBody>
+                  <a:tcPr marL="7620" marR="7620" marT="7620" marB="0" anchor="b"/>
+                </a:tc>
+                <a:tc>
+                  <a:txBody>
+                    <a:bodyPr/>
+                    <a:lstStyle/>
+                    <a:p>
+                      <a:pPr algn="l" fontAlgn="b"/>
+                      <a:r>
+                        <a:rPr lang="de-DE" sz="1400" u="none" strike="noStrike">
+                          <a:effectLst/>
+                        </a:rPr>
+                        <a:t>SE</a:t>
+                      </a:r>
+                      <a:endParaRPr lang="de-DE" sz="1400" b="0" i="0" u="none" strike="noStrike">
+                        <a:solidFill>
+                          <a:srgbClr val="000000"/>
+                        </a:solidFill>
+                        <a:effectLst/>
+                        <a:latin typeface="Calibri" panose="020F0502020204030204" pitchFamily="34" charset="0"/>
+                      </a:endParaRPr>
+                    </a:p>
+                  </a:txBody>
+                  <a:tcPr marL="7620" marR="7620" marT="7620" marB="0" anchor="b"/>
+                </a:tc>
+                <a:tc>
+                  <a:txBody>
+                    <a:bodyPr/>
+                    <a:lstStyle/>
+                    <a:p>
+                      <a:pPr algn="l" fontAlgn="b"/>
+                      <a:r>
+                        <a:rPr lang="de-DE" sz="1400" u="none" strike="noStrike">
+                          <a:effectLst/>
+                        </a:rPr>
+                        <a:t>tStat</a:t>
+                      </a:r>
+                      <a:endParaRPr lang="de-DE" sz="1400" b="0" i="0" u="none" strike="noStrike">
+                        <a:solidFill>
+                          <a:srgbClr val="000000"/>
+                        </a:solidFill>
+                        <a:effectLst/>
+                        <a:latin typeface="Calibri" panose="020F0502020204030204" pitchFamily="34" charset="0"/>
+                      </a:endParaRPr>
+                    </a:p>
+                  </a:txBody>
+                  <a:tcPr marL="7620" marR="7620" marT="7620" marB="0" anchor="b"/>
+                </a:tc>
+                <a:tc>
+                  <a:txBody>
+                    <a:bodyPr/>
+                    <a:lstStyle/>
+                    <a:p>
+                      <a:pPr algn="l" fontAlgn="b"/>
+                      <a:r>
+                        <a:rPr lang="de-DE" sz="1400" u="none" strike="noStrike">
+                          <a:effectLst/>
+                        </a:rPr>
+                        <a:t>DF</a:t>
+                      </a:r>
+                      <a:endParaRPr lang="de-DE" sz="1400" b="0" i="0" u="none" strike="noStrike">
+                        <a:solidFill>
+                          <a:srgbClr val="000000"/>
+                        </a:solidFill>
+                        <a:effectLst/>
+                        <a:latin typeface="Calibri" panose="020F0502020204030204" pitchFamily="34" charset="0"/>
+                      </a:endParaRPr>
+                    </a:p>
+                  </a:txBody>
+                  <a:tcPr marL="7620" marR="7620" marT="7620" marB="0" anchor="b"/>
+                </a:tc>
+                <a:tc>
+                  <a:txBody>
+                    <a:bodyPr/>
+                    <a:lstStyle/>
+                    <a:p>
+                      <a:pPr algn="l" fontAlgn="b"/>
+                      <a:r>
+                        <a:rPr lang="de-DE" sz="1400" u="none" strike="noStrike">
+                          <a:effectLst/>
+                        </a:rPr>
+                        <a:t>pValue</a:t>
+                      </a:r>
+                      <a:endParaRPr lang="de-DE" sz="1400" b="0" i="0" u="none" strike="noStrike">
+                        <a:solidFill>
+                          <a:srgbClr val="000000"/>
+                        </a:solidFill>
+                        <a:effectLst/>
+                        <a:latin typeface="Calibri" panose="020F0502020204030204" pitchFamily="34" charset="0"/>
+                      </a:endParaRPr>
+                    </a:p>
+                  </a:txBody>
+                  <a:tcPr marL="7620" marR="7620" marT="7620" marB="0" anchor="b"/>
+                </a:tc>
+                <a:tc>
+                  <a:txBody>
+                    <a:bodyPr/>
+                    <a:lstStyle/>
+                    <a:p>
+                      <a:pPr algn="l" fontAlgn="b"/>
+                      <a:r>
+                        <a:rPr lang="de-DE" sz="1400" u="none" strike="noStrike">
+                          <a:effectLst/>
+                        </a:rPr>
+                        <a:t>Lower</a:t>
+                      </a:r>
+                      <a:endParaRPr lang="de-DE" sz="1400" b="0" i="0" u="none" strike="noStrike">
+                        <a:solidFill>
+                          <a:srgbClr val="000000"/>
+                        </a:solidFill>
+                        <a:effectLst/>
+                        <a:latin typeface="Calibri" panose="020F0502020204030204" pitchFamily="34" charset="0"/>
+                      </a:endParaRPr>
+                    </a:p>
+                  </a:txBody>
+                  <a:tcPr marL="7620" marR="7620" marT="7620" marB="0" anchor="b"/>
+                </a:tc>
+                <a:tc>
+                  <a:txBody>
+                    <a:bodyPr/>
+                    <a:lstStyle/>
+                    <a:p>
+                      <a:pPr algn="l" fontAlgn="b"/>
+                      <a:r>
+                        <a:rPr lang="de-DE" sz="1400" u="none" strike="noStrike">
+                          <a:effectLst/>
+                        </a:rPr>
+                        <a:t>Upper</a:t>
+                      </a:r>
+                      <a:endParaRPr lang="de-DE" sz="1400" b="0" i="0" u="none" strike="noStrike">
+                        <a:solidFill>
+                          <a:srgbClr val="000000"/>
+                        </a:solidFill>
+                        <a:effectLst/>
+                        <a:latin typeface="Calibri" panose="020F0502020204030204" pitchFamily="34" charset="0"/>
+                      </a:endParaRPr>
+                    </a:p>
+                  </a:txBody>
+                  <a:tcPr marL="7620" marR="7620" marT="7620" marB="0" anchor="b"/>
+                </a:tc>
+                <a:extLst>
+                  <a:ext uri="{0D108BD9-81ED-4DB2-BD59-A6C34878D82A}">
+                    <a16:rowId xmlns:a16="http://schemas.microsoft.com/office/drawing/2014/main" val="2380245755"/>
+                  </a:ext>
+                </a:extLst>
+              </a:tr>
+              <a:tr h="182880">
+                <a:tc>
+                  <a:txBody>
+                    <a:bodyPr/>
+                    <a:lstStyle/>
+                    <a:p>
+                      <a:pPr algn="l" fontAlgn="b"/>
+                      <a:r>
+                        <a:rPr lang="de-DE" sz="1400" u="none" strike="noStrike" dirty="0">
+                          <a:effectLst/>
+                        </a:rPr>
+                        <a:t>'(</a:t>
+                      </a:r>
+                      <a:r>
+                        <a:rPr lang="de-DE" sz="1400" u="none" strike="noStrike" dirty="0" err="1">
+                          <a:effectLst/>
+                        </a:rPr>
+                        <a:t>Intercept</a:t>
+                      </a:r>
+                      <a:r>
+                        <a:rPr lang="de-DE" sz="1400" u="none" strike="noStrike" dirty="0">
+                          <a:effectLst/>
+                        </a:rPr>
+                        <a:t>)'</a:t>
+                      </a:r>
+                      <a:endParaRPr lang="de-DE" sz="1400" b="0" i="0" u="none" strike="noStrike" dirty="0">
+                        <a:solidFill>
+                          <a:srgbClr val="000000"/>
+                        </a:solidFill>
+                        <a:effectLst/>
+                        <a:latin typeface="Calibri" panose="020F0502020204030204" pitchFamily="34" charset="0"/>
+                      </a:endParaRPr>
+                    </a:p>
+                  </a:txBody>
+                  <a:tcPr marL="7620" marR="7620" marT="7620" marB="0" anchor="b"/>
+                </a:tc>
+                <a:tc>
+                  <a:txBody>
+                    <a:bodyPr/>
+                    <a:lstStyle/>
+                    <a:p>
+                      <a:pPr algn="l" fontAlgn="b"/>
+                      <a:r>
+                        <a:rPr lang="de-DE" sz="1400" u="none" strike="noStrike">
+                          <a:effectLst/>
+                        </a:rPr>
+                        <a:t>0.8968</a:t>
+                      </a:r>
+                      <a:endParaRPr lang="de-DE" sz="1400" b="0" i="0" u="none" strike="noStrike">
+                        <a:solidFill>
+                          <a:srgbClr val="000000"/>
+                        </a:solidFill>
+                        <a:effectLst/>
+                        <a:latin typeface="Calibri" panose="020F0502020204030204" pitchFamily="34" charset="0"/>
+                      </a:endParaRPr>
+                    </a:p>
+                  </a:txBody>
+                  <a:tcPr marL="7620" marR="7620" marT="7620" marB="0" anchor="b"/>
+                </a:tc>
+                <a:tc>
+                  <a:txBody>
+                    <a:bodyPr/>
+                    <a:lstStyle/>
+                    <a:p>
+                      <a:pPr algn="l" fontAlgn="b"/>
+                      <a:r>
+                        <a:rPr lang="de-DE" sz="1400" u="none" strike="noStrike">
+                          <a:effectLst/>
+                        </a:rPr>
+                        <a:t>0.038953</a:t>
+                      </a:r>
+                      <a:endParaRPr lang="de-DE" sz="1400" b="0" i="0" u="none" strike="noStrike">
+                        <a:solidFill>
+                          <a:srgbClr val="000000"/>
+                        </a:solidFill>
+                        <a:effectLst/>
+                        <a:latin typeface="Calibri" panose="020F0502020204030204" pitchFamily="34" charset="0"/>
+                      </a:endParaRPr>
+                    </a:p>
+                  </a:txBody>
+                  <a:tcPr marL="7620" marR="7620" marT="7620" marB="0" anchor="b"/>
+                </a:tc>
+                <a:tc>
+                  <a:txBody>
+                    <a:bodyPr/>
+                    <a:lstStyle/>
+                    <a:p>
+                      <a:pPr algn="r" fontAlgn="b"/>
+                      <a:r>
+                        <a:rPr lang="de-DE" sz="1400" u="none" strike="noStrike">
+                          <a:effectLst/>
+                        </a:rPr>
+                        <a:t>23.023</a:t>
+                      </a:r>
+                      <a:endParaRPr lang="de-DE" sz="1400" b="0" i="0" u="none" strike="noStrike">
+                        <a:solidFill>
+                          <a:srgbClr val="000000"/>
+                        </a:solidFill>
+                        <a:effectLst/>
+                        <a:latin typeface="Calibri" panose="020F0502020204030204" pitchFamily="34" charset="0"/>
+                      </a:endParaRPr>
+                    </a:p>
+                  </a:txBody>
+                  <a:tcPr marL="7620" marR="7620" marT="7620" marB="0" anchor="b"/>
+                </a:tc>
+                <a:tc>
+                  <a:txBody>
+                    <a:bodyPr/>
+                    <a:lstStyle/>
+                    <a:p>
+                      <a:pPr algn="r" fontAlgn="b"/>
+                      <a:r>
+                        <a:rPr lang="de-DE" sz="1400" u="none" strike="noStrike">
+                          <a:effectLst/>
+                        </a:rPr>
+                        <a:t>207</a:t>
+                      </a:r>
+                      <a:endParaRPr lang="de-DE" sz="1400" b="0" i="0" u="none" strike="noStrike">
+                        <a:solidFill>
+                          <a:srgbClr val="000000"/>
+                        </a:solidFill>
+                        <a:effectLst/>
+                        <a:latin typeface="Calibri" panose="020F0502020204030204" pitchFamily="34" charset="0"/>
+                      </a:endParaRPr>
+                    </a:p>
+                  </a:txBody>
+                  <a:tcPr marL="7620" marR="7620" marT="7620" marB="0" anchor="b"/>
+                </a:tc>
+                <a:tc>
+                  <a:txBody>
+                    <a:bodyPr/>
+                    <a:lstStyle/>
+                    <a:p>
+                      <a:pPr algn="r" fontAlgn="b"/>
+                      <a:r>
+                        <a:rPr lang="de-DE" sz="1400" u="none" strike="noStrike">
+                          <a:effectLst/>
+                        </a:rPr>
+                        <a:t>5,39E-55</a:t>
+                      </a:r>
+                      <a:endParaRPr lang="de-DE" sz="1400" b="0" i="0" u="none" strike="noStrike">
+                        <a:solidFill>
+                          <a:srgbClr val="000000"/>
+                        </a:solidFill>
+                        <a:effectLst/>
+                        <a:latin typeface="Calibri" panose="020F0502020204030204" pitchFamily="34" charset="0"/>
+                      </a:endParaRPr>
+                    </a:p>
+                  </a:txBody>
+                  <a:tcPr marL="7620" marR="7620" marT="7620" marB="0" anchor="b"/>
+                </a:tc>
+                <a:tc>
+                  <a:txBody>
+                    <a:bodyPr/>
+                    <a:lstStyle/>
+                    <a:p>
+                      <a:pPr algn="l" fontAlgn="b"/>
+                      <a:r>
+                        <a:rPr lang="de-DE" sz="1400" u="none" strike="noStrike">
+                          <a:effectLst/>
+                        </a:rPr>
+                        <a:t>0.82001</a:t>
+                      </a:r>
+                      <a:endParaRPr lang="de-DE" sz="1400" b="0" i="0" u="none" strike="noStrike">
+                        <a:solidFill>
+                          <a:srgbClr val="000000"/>
+                        </a:solidFill>
+                        <a:effectLst/>
+                        <a:latin typeface="Calibri" panose="020F0502020204030204" pitchFamily="34" charset="0"/>
+                      </a:endParaRPr>
+                    </a:p>
+                  </a:txBody>
+                  <a:tcPr marL="7620" marR="7620" marT="7620" marB="0" anchor="b"/>
+                </a:tc>
+                <a:tc>
+                  <a:txBody>
+                    <a:bodyPr/>
+                    <a:lstStyle/>
+                    <a:p>
+                      <a:pPr algn="l" fontAlgn="b"/>
+                      <a:r>
+                        <a:rPr lang="de-DE" sz="1400" u="none" strike="noStrike">
+                          <a:effectLst/>
+                        </a:rPr>
+                        <a:t>0.9736</a:t>
+                      </a:r>
+                      <a:endParaRPr lang="de-DE" sz="1400" b="0" i="0" u="none" strike="noStrike">
+                        <a:solidFill>
+                          <a:srgbClr val="000000"/>
+                        </a:solidFill>
+                        <a:effectLst/>
+                        <a:latin typeface="Calibri" panose="020F0502020204030204" pitchFamily="34" charset="0"/>
+                      </a:endParaRPr>
+                    </a:p>
+                  </a:txBody>
+                  <a:tcPr marL="7620" marR="7620" marT="7620" marB="0" anchor="b"/>
+                </a:tc>
+                <a:extLst>
+                  <a:ext uri="{0D108BD9-81ED-4DB2-BD59-A6C34878D82A}">
+                    <a16:rowId xmlns:a16="http://schemas.microsoft.com/office/drawing/2014/main" val="544428444"/>
+                  </a:ext>
+                </a:extLst>
+              </a:tr>
+              <a:tr h="182880">
+                <a:tc>
+                  <a:txBody>
+                    <a:bodyPr/>
+                    <a:lstStyle/>
+                    <a:p>
+                      <a:pPr algn="l" fontAlgn="b"/>
+                      <a:r>
+                        <a:rPr lang="de-DE" sz="1400" u="none" strike="noStrike">
+                          <a:effectLst/>
+                        </a:rPr>
+                        <a:t>'StrengthOfDose'</a:t>
+                      </a:r>
+                      <a:endParaRPr lang="de-DE" sz="1400" b="0" i="0" u="none" strike="noStrike">
+                        <a:solidFill>
+                          <a:srgbClr val="000000"/>
+                        </a:solidFill>
+                        <a:effectLst/>
+                        <a:latin typeface="Calibri" panose="020F0502020204030204" pitchFamily="34" charset="0"/>
+                      </a:endParaRPr>
+                    </a:p>
+                  </a:txBody>
+                  <a:tcPr marL="7620" marR="7620" marT="7620" marB="0" anchor="b"/>
+                </a:tc>
+                <a:tc>
+                  <a:txBody>
+                    <a:bodyPr/>
+                    <a:lstStyle/>
+                    <a:p>
+                      <a:pPr algn="l" fontAlgn="b"/>
+                      <a:r>
+                        <a:rPr lang="de-DE" sz="1400" u="none" strike="noStrike">
+                          <a:effectLst/>
+                        </a:rPr>
+                        <a:t>-0.015576</a:t>
+                      </a:r>
+                      <a:endParaRPr lang="de-DE" sz="1400" b="0" i="0" u="none" strike="noStrike">
+                        <a:solidFill>
+                          <a:srgbClr val="000000"/>
+                        </a:solidFill>
+                        <a:effectLst/>
+                        <a:latin typeface="Calibri" panose="020F0502020204030204" pitchFamily="34" charset="0"/>
+                      </a:endParaRPr>
+                    </a:p>
+                  </a:txBody>
+                  <a:tcPr marL="7620" marR="7620" marT="7620" marB="0" anchor="b"/>
+                </a:tc>
+                <a:tc>
+                  <a:txBody>
+                    <a:bodyPr/>
+                    <a:lstStyle/>
+                    <a:p>
+                      <a:pPr algn="l" fontAlgn="b"/>
+                      <a:r>
+                        <a:rPr lang="de-DE" sz="1400" u="none" strike="noStrike">
+                          <a:effectLst/>
+                        </a:rPr>
+                        <a:t>0.0012483</a:t>
+                      </a:r>
+                      <a:endParaRPr lang="de-DE" sz="1400" b="0" i="0" u="none" strike="noStrike">
+                        <a:solidFill>
+                          <a:srgbClr val="000000"/>
+                        </a:solidFill>
+                        <a:effectLst/>
+                        <a:latin typeface="Calibri" panose="020F0502020204030204" pitchFamily="34" charset="0"/>
+                      </a:endParaRPr>
+                    </a:p>
+                  </a:txBody>
+                  <a:tcPr marL="7620" marR="7620" marT="7620" marB="0" anchor="b"/>
+                </a:tc>
+                <a:tc>
+                  <a:txBody>
+                    <a:bodyPr/>
+                    <a:lstStyle/>
+                    <a:p>
+                      <a:pPr algn="r" fontAlgn="b"/>
+                      <a:r>
+                        <a:rPr lang="de-DE" sz="1400" u="none" strike="noStrike">
+                          <a:effectLst/>
+                        </a:rPr>
+                        <a:t>-12.478</a:t>
+                      </a:r>
+                      <a:endParaRPr lang="de-DE" sz="1400" b="0" i="0" u="none" strike="noStrike">
+                        <a:solidFill>
+                          <a:srgbClr val="000000"/>
+                        </a:solidFill>
+                        <a:effectLst/>
+                        <a:latin typeface="Calibri" panose="020F0502020204030204" pitchFamily="34" charset="0"/>
+                      </a:endParaRPr>
+                    </a:p>
+                  </a:txBody>
+                  <a:tcPr marL="7620" marR="7620" marT="7620" marB="0" anchor="b"/>
+                </a:tc>
+                <a:tc>
+                  <a:txBody>
+                    <a:bodyPr/>
+                    <a:lstStyle/>
+                    <a:p>
+                      <a:pPr algn="r" fontAlgn="b"/>
+                      <a:r>
+                        <a:rPr lang="de-DE" sz="1400" u="none" strike="noStrike">
+                          <a:effectLst/>
+                        </a:rPr>
+                        <a:t>207</a:t>
+                      </a:r>
+                      <a:endParaRPr lang="de-DE" sz="1400" b="0" i="0" u="none" strike="noStrike">
+                        <a:solidFill>
+                          <a:srgbClr val="000000"/>
+                        </a:solidFill>
+                        <a:effectLst/>
+                        <a:latin typeface="Calibri" panose="020F0502020204030204" pitchFamily="34" charset="0"/>
+                      </a:endParaRPr>
+                    </a:p>
+                  </a:txBody>
+                  <a:tcPr marL="7620" marR="7620" marT="7620" marB="0" anchor="b"/>
+                </a:tc>
+                <a:tc>
+                  <a:txBody>
+                    <a:bodyPr/>
+                    <a:lstStyle/>
+                    <a:p>
+                      <a:pPr algn="r" fontAlgn="b"/>
+                      <a:r>
+                        <a:rPr lang="de-DE" sz="1400" u="none" strike="noStrike">
+                          <a:effectLst/>
+                        </a:rPr>
+                        <a:t>5,18E-23</a:t>
+                      </a:r>
+                      <a:endParaRPr lang="de-DE" sz="1400" b="0" i="0" u="none" strike="noStrike">
+                        <a:solidFill>
+                          <a:srgbClr val="000000"/>
+                        </a:solidFill>
+                        <a:effectLst/>
+                        <a:latin typeface="Calibri" panose="020F0502020204030204" pitchFamily="34" charset="0"/>
+                      </a:endParaRPr>
+                    </a:p>
+                  </a:txBody>
+                  <a:tcPr marL="7620" marR="7620" marT="7620" marB="0" anchor="b"/>
+                </a:tc>
+                <a:tc>
+                  <a:txBody>
+                    <a:bodyPr/>
+                    <a:lstStyle/>
+                    <a:p>
+                      <a:pPr algn="l" fontAlgn="b"/>
+                      <a:r>
+                        <a:rPr lang="de-DE" sz="1400" u="none" strike="noStrike">
+                          <a:effectLst/>
+                        </a:rPr>
+                        <a:t>-0.018037</a:t>
+                      </a:r>
+                      <a:endParaRPr lang="de-DE" sz="1400" b="0" i="0" u="none" strike="noStrike">
+                        <a:solidFill>
+                          <a:srgbClr val="000000"/>
+                        </a:solidFill>
+                        <a:effectLst/>
+                        <a:latin typeface="Calibri" panose="020F0502020204030204" pitchFamily="34" charset="0"/>
+                      </a:endParaRPr>
+                    </a:p>
+                  </a:txBody>
+                  <a:tcPr marL="7620" marR="7620" marT="7620" marB="0" anchor="b"/>
+                </a:tc>
+                <a:tc>
+                  <a:txBody>
+                    <a:bodyPr/>
+                    <a:lstStyle/>
+                    <a:p>
+                      <a:pPr algn="l" fontAlgn="b"/>
+                      <a:r>
+                        <a:rPr lang="de-DE" sz="1400" u="none" strike="noStrike" dirty="0">
+                          <a:effectLst/>
+                        </a:rPr>
+                        <a:t>-0.013115</a:t>
+                      </a:r>
+                      <a:endParaRPr lang="de-DE" sz="1400" b="0" i="0" u="none" strike="noStrike" dirty="0">
+                        <a:solidFill>
+                          <a:srgbClr val="000000"/>
+                        </a:solidFill>
+                        <a:effectLst/>
+                        <a:latin typeface="Calibri" panose="020F0502020204030204" pitchFamily="34" charset="0"/>
+                      </a:endParaRPr>
+                    </a:p>
+                  </a:txBody>
+                  <a:tcPr marL="7620" marR="7620" marT="7620" marB="0" anchor="b"/>
+                </a:tc>
+                <a:extLst>
+                  <a:ext uri="{0D108BD9-81ED-4DB2-BD59-A6C34878D82A}">
+                    <a16:rowId xmlns:a16="http://schemas.microsoft.com/office/drawing/2014/main" val="3884053982"/>
+                  </a:ext>
+                </a:extLst>
+              </a:tr>
+            </a:tbl>
+          </a:graphicData>
+        </a:graphic>
+      </p:graphicFrame>
+    </p:spTree>
+    <p:extLst>
+      <p:ext uri="{BB962C8B-B14F-4D97-AF65-F5344CB8AC3E}">
+        <p14:creationId xmlns:p14="http://schemas.microsoft.com/office/powerpoint/2010/main" val="2074323075"/>
+      </p:ext>
+    </p:extLst>
+  </p:cSld>
+  <p:clrMapOvr>
+    <a:masterClrMapping/>
+  </p:clrMapOvr>
+</p:sld>
+</file>
+
+<file path=ppt/slides/slide6.xml><?xml version="1.0" encoding="utf-8"?>
+<p:sld xmlns:a="http://schemas.openxmlformats.org/drawingml/2006/main" xmlns:r="http://schemas.openxmlformats.org/officeDocument/2006/relationships" xmlns:p="http://schemas.openxmlformats.org/presentationml/2006/main">
+  <p:cSld>
+    <p:spTree>
+      <p:nvGrpSpPr>
+        <p:cNvPr id="1" name=""/>
+        <p:cNvGrpSpPr/>
+        <p:nvPr/>
+      </p:nvGrpSpPr>
+      <p:grpSpPr>
+        <a:xfrm>
+          <a:off x="0" y="0"/>
+          <a:ext cx="0" cy="0"/>
+          <a:chOff x="0" y="0"/>
+          <a:chExt cx="0" cy="0"/>
+        </a:xfrm>
+      </p:grpSpPr>
+      <p:sp>
+        <p:nvSpPr>
+          <p:cNvPr id="2" name="Titel 1">
+            <a:extLst>
+              <a:ext uri="{FF2B5EF4-FFF2-40B4-BE49-F238E27FC236}">
                 <a16:creationId xmlns:a16="http://schemas.microsoft.com/office/drawing/2014/main" id="{E17A9C01-F5C9-423E-9364-7C2359D6729D}"/>
               </a:ext>
             </a:extLst>

--- a/Matthias/02-Patients3MBq/Was_wird_wie_getestet.pptx
+++ b/Matthias/02-Patients3MBq/Was_wird_wie_getestet.pptx
@@ -10,10 +10,11 @@
     <p:sldId id="260" r:id="rId4"/>
     <p:sldId id="261" r:id="rId5"/>
     <p:sldId id="262" r:id="rId6"/>
-    <p:sldId id="257" r:id="rId7"/>
+    <p:sldId id="263" r:id="rId7"/>
+    <p:sldId id="257" r:id="rId8"/>
   </p:sldIdLst>
   <p:sldSz cx="12192000" cy="6858000"/>
-  <p:notesSz cx="6858000" cy="9144000"/>
+  <p:notesSz cx="7104063" cy="10234613"/>
   <p:defaultTextStyle>
     <a:defPPr>
       <a:defRPr lang="de-DE"/>
@@ -18123,6 +18124,1395 @@
       </p:grpSpPr>
       <p:sp>
         <p:nvSpPr>
+          <p:cNvPr id="122" name="Rechteck: diagonal liegende Ecken abgerundet 121">
+            <a:extLst>
+              <a:ext uri="{FF2B5EF4-FFF2-40B4-BE49-F238E27FC236}">
+                <a16:creationId xmlns:a16="http://schemas.microsoft.com/office/drawing/2014/main" id="{3715AE71-27B8-4F39-B965-AE747EB46A30}"/>
+              </a:ext>
+            </a:extLst>
+          </p:cNvPr>
+          <p:cNvSpPr/>
+          <p:nvPr/>
+        </p:nvSpPr>
+        <p:spPr>
+          <a:xfrm>
+            <a:off x="8139830" y="1858838"/>
+            <a:ext cx="2632946" cy="4030909"/>
+          </a:xfrm>
+          <a:prstGeom prst="round2DiagRect">
+            <a:avLst/>
+          </a:prstGeom>
+          <a:noFill/>
+          <a:ln w="38100">
+            <a:solidFill>
+              <a:srgbClr val="C00000">
+                <a:alpha val="51000"/>
+              </a:srgbClr>
+            </a:solidFill>
+          </a:ln>
+        </p:spPr>
+        <p:style>
+          <a:lnRef idx="2">
+            <a:schemeClr val="accent1">
+              <a:shade val="50000"/>
+            </a:schemeClr>
+          </a:lnRef>
+          <a:fillRef idx="1">
+            <a:schemeClr val="accent1"/>
+          </a:fillRef>
+          <a:effectRef idx="0">
+            <a:schemeClr val="accent1"/>
+          </a:effectRef>
+          <a:fontRef idx="minor">
+            <a:schemeClr val="lt1"/>
+          </a:fontRef>
+        </p:style>
+        <p:txBody>
+          <a:bodyPr rtlCol="0" anchor="b"/>
+          <a:lstStyle/>
+          <a:p>
+            <a:pPr algn="ctr"/>
+            <a:r>
+              <a:rPr lang="de-DE" sz="1600" dirty="0">
+                <a:solidFill>
+                  <a:srgbClr val="C00000"/>
+                </a:solidFill>
+              </a:rPr>
+              <a:t>Varianz der </a:t>
+            </a:r>
+            <a:r>
+              <a:rPr lang="de-DE" sz="1600" dirty="0" err="1">
+                <a:solidFill>
+                  <a:srgbClr val="C00000"/>
+                </a:solidFill>
+              </a:rPr>
+              <a:t>Variationskoeffizenten</a:t>
+            </a:r>
+            <a:r>
+              <a:rPr lang="de-DE" sz="1600" dirty="0">
+                <a:solidFill>
+                  <a:srgbClr val="C00000"/>
+                </a:solidFill>
+              </a:rPr>
+              <a:t>? aller V</a:t>
+            </a:r>
+            <a:r>
+              <a:rPr lang="de-DE" sz="1600" baseline="-25000" dirty="0">
+                <a:solidFill>
+                  <a:srgbClr val="C00000"/>
+                </a:solidFill>
+              </a:rPr>
+              <a:t>TFX(HD-LD) </a:t>
+            </a:r>
+            <a:r>
+              <a:rPr lang="de-DE" sz="1600" dirty="0">
+                <a:solidFill>
+                  <a:srgbClr val="C00000"/>
+                </a:solidFill>
+              </a:rPr>
+              <a:t> bzw. Eigentlich Gütekriterium der Variationskoeffizienten</a:t>
+            </a:r>
+          </a:p>
+        </p:txBody>
+      </p:sp>
+      <p:sp>
+        <p:nvSpPr>
+          <p:cNvPr id="2" name="Titel 1">
+            <a:extLst>
+              <a:ext uri="{FF2B5EF4-FFF2-40B4-BE49-F238E27FC236}">
+                <a16:creationId xmlns:a16="http://schemas.microsoft.com/office/drawing/2014/main" id="{AB7D8AD4-A854-4FA2-B392-02AE7D9FEA61}"/>
+              </a:ext>
+            </a:extLst>
+          </p:cNvPr>
+          <p:cNvSpPr>
+            <a:spLocks noGrp="1"/>
+          </p:cNvSpPr>
+          <p:nvPr>
+            <p:ph type="title"/>
+          </p:nvPr>
+        </p:nvSpPr>
+        <p:spPr>
+          <a:xfrm>
+            <a:off x="838200" y="365125"/>
+            <a:ext cx="3419565" cy="652723"/>
+          </a:xfrm>
+        </p:spPr>
+        <p:txBody>
+          <a:bodyPr>
+            <a:normAutofit/>
+          </a:bodyPr>
+          <a:lstStyle/>
+          <a:p>
+            <a:r>
+              <a:rPr lang="de-DE" sz="3100" dirty="0">
+                <a:solidFill>
+                  <a:srgbClr val="FF0000"/>
+                </a:solidFill>
+              </a:rPr>
+              <a:t>Variationskoeffizient</a:t>
+            </a:r>
+            <a:endParaRPr lang="de-DE" dirty="0">
+              <a:solidFill>
+                <a:srgbClr val="FF0000"/>
+              </a:solidFill>
+            </a:endParaRPr>
+          </a:p>
+        </p:txBody>
+      </p:sp>
+      <p:grpSp>
+        <p:nvGrpSpPr>
+          <p:cNvPr id="103" name="Gruppieren 102">
+            <a:extLst>
+              <a:ext uri="{FF2B5EF4-FFF2-40B4-BE49-F238E27FC236}">
+                <a16:creationId xmlns:a16="http://schemas.microsoft.com/office/drawing/2014/main" id="{5A60EC0D-1205-4E5A-AF1F-D048589FFD8F}"/>
+              </a:ext>
+            </a:extLst>
+          </p:cNvPr>
+          <p:cNvGrpSpPr/>
+          <p:nvPr/>
+        </p:nvGrpSpPr>
+        <p:grpSpPr>
+          <a:xfrm>
+            <a:off x="239523" y="1690688"/>
+            <a:ext cx="3703927" cy="4030908"/>
+            <a:chOff x="239523" y="1690688"/>
+            <a:chExt cx="3703927" cy="4030908"/>
+          </a:xfrm>
+        </p:grpSpPr>
+        <p:sp>
+          <p:nvSpPr>
+            <p:cNvPr id="40" name="Rechteck: abgerundete Ecken 39">
+              <a:extLst>
+                <a:ext uri="{FF2B5EF4-FFF2-40B4-BE49-F238E27FC236}">
+                  <a16:creationId xmlns:a16="http://schemas.microsoft.com/office/drawing/2014/main" id="{EDF16CDB-102C-4468-9DFF-46076FA4EB69}"/>
+                </a:ext>
+              </a:extLst>
+            </p:cNvPr>
+            <p:cNvSpPr/>
+            <p:nvPr/>
+          </p:nvSpPr>
+          <p:spPr>
+            <a:xfrm>
+              <a:off x="1862980" y="1690688"/>
+              <a:ext cx="2080470" cy="4030908"/>
+            </a:xfrm>
+            <a:prstGeom prst="roundRect">
+              <a:avLst/>
+            </a:prstGeom>
+          </p:spPr>
+          <p:style>
+            <a:lnRef idx="2">
+              <a:schemeClr val="accent1">
+                <a:shade val="50000"/>
+              </a:schemeClr>
+            </a:lnRef>
+            <a:fillRef idx="1">
+              <a:schemeClr val="accent1"/>
+            </a:fillRef>
+            <a:effectRef idx="0">
+              <a:schemeClr val="accent1"/>
+            </a:effectRef>
+            <a:fontRef idx="minor">
+              <a:schemeClr val="lt1"/>
+            </a:fontRef>
+          </p:style>
+          <p:txBody>
+            <a:bodyPr rtlCol="0" anchor="t"/>
+            <a:lstStyle/>
+            <a:p>
+              <a:pPr algn="ctr"/>
+              <a:r>
+                <a:rPr lang="de-DE" dirty="0"/>
+                <a:t>Patient 01 – ROI Y</a:t>
+              </a:r>
+            </a:p>
+          </p:txBody>
+        </p:sp>
+        <p:sp>
+          <p:nvSpPr>
+            <p:cNvPr id="41" name="Rechteck: abgerundete Ecken 40">
+              <a:extLst>
+                <a:ext uri="{FF2B5EF4-FFF2-40B4-BE49-F238E27FC236}">
+                  <a16:creationId xmlns:a16="http://schemas.microsoft.com/office/drawing/2014/main" id="{4BCD1A16-465C-42B5-A383-DF96C2308C27}"/>
+                </a:ext>
+              </a:extLst>
+            </p:cNvPr>
+            <p:cNvSpPr/>
+            <p:nvPr/>
+          </p:nvSpPr>
+          <p:spPr>
+            <a:xfrm>
+              <a:off x="2041117" y="4700435"/>
+              <a:ext cx="1724192" cy="540617"/>
+            </a:xfrm>
+            <a:prstGeom prst="roundRect">
+              <a:avLst/>
+            </a:prstGeom>
+          </p:spPr>
+          <p:style>
+            <a:lnRef idx="2">
+              <a:schemeClr val="accent5">
+                <a:shade val="50000"/>
+              </a:schemeClr>
+            </a:lnRef>
+            <a:fillRef idx="1">
+              <a:schemeClr val="accent5"/>
+            </a:fillRef>
+            <a:effectRef idx="0">
+              <a:schemeClr val="accent5"/>
+            </a:effectRef>
+            <a:fontRef idx="minor">
+              <a:schemeClr val="lt1"/>
+            </a:fontRef>
+          </p:style>
+          <p:txBody>
+            <a:bodyPr rtlCol="0" anchor="ctr"/>
+            <a:lstStyle/>
+            <a:p>
+              <a:pPr lvl="0" algn="ctr"/>
+              <a:r>
+                <a:rPr lang="de-DE" sz="1200" dirty="0">
+                  <a:solidFill>
+                    <a:prstClr val="white"/>
+                  </a:solidFill>
+                </a:rPr>
+                <a:t>… weitere Dosen …</a:t>
+              </a:r>
+            </a:p>
+          </p:txBody>
+        </p:sp>
+        <p:sp>
+          <p:nvSpPr>
+            <p:cNvPr id="44" name="Rechteck: abgerundete Ecken 43">
+              <a:extLst>
+                <a:ext uri="{FF2B5EF4-FFF2-40B4-BE49-F238E27FC236}">
+                  <a16:creationId xmlns:a16="http://schemas.microsoft.com/office/drawing/2014/main" id="{30971608-D2F8-42F2-81A9-268A5170B067}"/>
+                </a:ext>
+              </a:extLst>
+            </p:cNvPr>
+            <p:cNvSpPr/>
+            <p:nvPr/>
+          </p:nvSpPr>
+          <p:spPr>
+            <a:xfrm>
+              <a:off x="2041119" y="2217075"/>
+              <a:ext cx="1724192" cy="709695"/>
+            </a:xfrm>
+            <a:prstGeom prst="roundRect">
+              <a:avLst/>
+            </a:prstGeom>
+          </p:spPr>
+          <p:style>
+            <a:lnRef idx="2">
+              <a:schemeClr val="accent5">
+                <a:shade val="50000"/>
+              </a:schemeClr>
+            </a:lnRef>
+            <a:fillRef idx="1">
+              <a:schemeClr val="accent5"/>
+            </a:fillRef>
+            <a:effectRef idx="0">
+              <a:schemeClr val="accent5"/>
+            </a:effectRef>
+            <a:fontRef idx="minor">
+              <a:schemeClr val="lt1"/>
+            </a:fontRef>
+          </p:style>
+          <p:txBody>
+            <a:bodyPr rtlCol="0" anchor="t"/>
+            <a:lstStyle/>
+            <a:p>
+              <a:pPr algn="ctr"/>
+              <a:r>
+                <a:rPr lang="de-DE" sz="1000" dirty="0"/>
+                <a:t>Dose 3.00 mit TFX</a:t>
+              </a:r>
+            </a:p>
+          </p:txBody>
+        </p:sp>
+        <p:sp>
+          <p:nvSpPr>
+            <p:cNvPr id="60" name="Rechteck: abgerundete Ecken 59">
+              <a:extLst>
+                <a:ext uri="{FF2B5EF4-FFF2-40B4-BE49-F238E27FC236}">
+                  <a16:creationId xmlns:a16="http://schemas.microsoft.com/office/drawing/2014/main" id="{A4B149DF-01C4-4234-9388-D8B60FAC80A5}"/>
+                </a:ext>
+              </a:extLst>
+            </p:cNvPr>
+            <p:cNvSpPr/>
+            <p:nvPr/>
+          </p:nvSpPr>
+          <p:spPr>
+            <a:xfrm>
+              <a:off x="2041119" y="3016251"/>
+              <a:ext cx="1724192" cy="709695"/>
+            </a:xfrm>
+            <a:prstGeom prst="roundRect">
+              <a:avLst/>
+            </a:prstGeom>
+          </p:spPr>
+          <p:style>
+            <a:lnRef idx="2">
+              <a:schemeClr val="accent5">
+                <a:shade val="50000"/>
+              </a:schemeClr>
+            </a:lnRef>
+            <a:fillRef idx="1">
+              <a:schemeClr val="accent5"/>
+            </a:fillRef>
+            <a:effectRef idx="0">
+              <a:schemeClr val="accent5"/>
+            </a:effectRef>
+            <a:fontRef idx="minor">
+              <a:schemeClr val="lt1"/>
+            </a:fontRef>
+          </p:style>
+          <p:txBody>
+            <a:bodyPr rtlCol="0" anchor="t"/>
+            <a:lstStyle/>
+            <a:p>
+              <a:pPr algn="ctr"/>
+              <a:r>
+                <a:rPr lang="de-DE" sz="1000" dirty="0"/>
+                <a:t>Dose 2.75 mit TFX</a:t>
+              </a:r>
+            </a:p>
+          </p:txBody>
+        </p:sp>
+        <p:sp>
+          <p:nvSpPr>
+            <p:cNvPr id="63" name="Rechteck: abgerundete Ecken 62">
+              <a:extLst>
+                <a:ext uri="{FF2B5EF4-FFF2-40B4-BE49-F238E27FC236}">
+                  <a16:creationId xmlns:a16="http://schemas.microsoft.com/office/drawing/2014/main" id="{0ED9BB24-67D9-480D-B1B3-3F3DC833F93B}"/>
+                </a:ext>
+              </a:extLst>
+            </p:cNvPr>
+            <p:cNvSpPr/>
+            <p:nvPr/>
+          </p:nvSpPr>
+          <p:spPr>
+            <a:xfrm>
+              <a:off x="2041118" y="3813636"/>
+              <a:ext cx="1724192" cy="709695"/>
+            </a:xfrm>
+            <a:prstGeom prst="roundRect">
+              <a:avLst/>
+            </a:prstGeom>
+          </p:spPr>
+          <p:style>
+            <a:lnRef idx="2">
+              <a:schemeClr val="accent5">
+                <a:shade val="50000"/>
+              </a:schemeClr>
+            </a:lnRef>
+            <a:fillRef idx="1">
+              <a:schemeClr val="accent5"/>
+            </a:fillRef>
+            <a:effectRef idx="0">
+              <a:schemeClr val="accent5"/>
+            </a:effectRef>
+            <a:fontRef idx="minor">
+              <a:schemeClr val="lt1"/>
+            </a:fontRef>
+          </p:style>
+          <p:txBody>
+            <a:bodyPr rtlCol="0" anchor="t"/>
+            <a:lstStyle/>
+            <a:p>
+              <a:pPr algn="ctr"/>
+              <a:r>
+                <a:rPr lang="de-DE" sz="1000" dirty="0"/>
+                <a:t>Dose 2.5 mit TFX</a:t>
+              </a:r>
+            </a:p>
+          </p:txBody>
+        </p:sp>
+        <p:sp>
+          <p:nvSpPr>
+            <p:cNvPr id="81" name="Rechteck 80">
+              <a:extLst>
+                <a:ext uri="{FF2B5EF4-FFF2-40B4-BE49-F238E27FC236}">
+                  <a16:creationId xmlns:a16="http://schemas.microsoft.com/office/drawing/2014/main" id="{997A78D9-B8D5-4846-9291-BA663FDC2B93}"/>
+                </a:ext>
+              </a:extLst>
+            </p:cNvPr>
+            <p:cNvSpPr/>
+            <p:nvPr/>
+          </p:nvSpPr>
+          <p:spPr>
+            <a:xfrm>
+              <a:off x="245358" y="2720117"/>
+              <a:ext cx="1303307" cy="502787"/>
+            </a:xfrm>
+            <a:prstGeom prst="rect">
+              <a:avLst/>
+            </a:prstGeom>
+          </p:spPr>
+          <p:style>
+            <a:lnRef idx="2">
+              <a:schemeClr val="accent2">
+                <a:shade val="50000"/>
+              </a:schemeClr>
+            </a:lnRef>
+            <a:fillRef idx="1">
+              <a:schemeClr val="accent2"/>
+            </a:fillRef>
+            <a:effectRef idx="0">
+              <a:schemeClr val="accent2"/>
+            </a:effectRef>
+            <a:fontRef idx="minor">
+              <a:schemeClr val="lt1"/>
+            </a:fontRef>
+          </p:style>
+          <p:txBody>
+            <a:bodyPr rtlCol="0" anchor="ctr"/>
+            <a:lstStyle/>
+            <a:p>
+              <a:pPr algn="ctr"/>
+              <a:r>
+                <a:rPr lang="el-GR" sz="1200" dirty="0"/>
+                <a:t>Δ</a:t>
+              </a:r>
+              <a:r>
+                <a:rPr lang="de-DE" sz="1200" dirty="0"/>
+                <a:t>=TFX</a:t>
+              </a:r>
+              <a:r>
+                <a:rPr lang="de-DE" sz="1200" baseline="-25000" dirty="0"/>
+                <a:t>3.00</a:t>
+              </a:r>
+              <a:r>
+                <a:rPr lang="de-DE" sz="1200" dirty="0"/>
+                <a:t> – TFX</a:t>
+              </a:r>
+              <a:r>
+                <a:rPr lang="de-DE" sz="1200" baseline="-25000" dirty="0"/>
+                <a:t>2.75</a:t>
+              </a:r>
+              <a:r>
+                <a:rPr lang="de-DE" sz="1200" dirty="0"/>
+                <a:t> </a:t>
+              </a:r>
+            </a:p>
+          </p:txBody>
+        </p:sp>
+        <p:sp>
+          <p:nvSpPr>
+            <p:cNvPr id="82" name="Rechteck 81">
+              <a:extLst>
+                <a:ext uri="{FF2B5EF4-FFF2-40B4-BE49-F238E27FC236}">
+                  <a16:creationId xmlns:a16="http://schemas.microsoft.com/office/drawing/2014/main" id="{BF786991-2181-43EB-90F8-094A3A39E954}"/>
+                </a:ext>
+              </a:extLst>
+            </p:cNvPr>
+            <p:cNvSpPr/>
+            <p:nvPr/>
+          </p:nvSpPr>
+          <p:spPr>
+            <a:xfrm>
+              <a:off x="239523" y="3530745"/>
+              <a:ext cx="1303305" cy="502787"/>
+            </a:xfrm>
+            <a:prstGeom prst="rect">
+              <a:avLst/>
+            </a:prstGeom>
+          </p:spPr>
+          <p:style>
+            <a:lnRef idx="2">
+              <a:schemeClr val="accent2">
+                <a:shade val="50000"/>
+              </a:schemeClr>
+            </a:lnRef>
+            <a:fillRef idx="1">
+              <a:schemeClr val="accent2"/>
+            </a:fillRef>
+            <a:effectRef idx="0">
+              <a:schemeClr val="accent2"/>
+            </a:effectRef>
+            <a:fontRef idx="minor">
+              <a:schemeClr val="lt1"/>
+            </a:fontRef>
+          </p:style>
+          <p:txBody>
+            <a:bodyPr rtlCol="0" anchor="ctr"/>
+            <a:lstStyle/>
+            <a:p>
+              <a:pPr algn="ctr"/>
+              <a:r>
+                <a:rPr lang="el-GR" sz="1200" dirty="0"/>
+                <a:t>Δ</a:t>
+              </a:r>
+              <a:r>
+                <a:rPr lang="de-DE" sz="1200" dirty="0"/>
+                <a:t>=TFX</a:t>
+              </a:r>
+              <a:r>
+                <a:rPr lang="de-DE" sz="1200" baseline="-25000" dirty="0"/>
+                <a:t>2.75</a:t>
+              </a:r>
+              <a:r>
+                <a:rPr lang="de-DE" sz="1200" dirty="0"/>
+                <a:t> – TFX</a:t>
+              </a:r>
+              <a:r>
+                <a:rPr lang="de-DE" sz="1200" baseline="-25000" dirty="0"/>
+                <a:t>2.50</a:t>
+              </a:r>
+              <a:r>
+                <a:rPr lang="de-DE" sz="1200" dirty="0"/>
+                <a:t> </a:t>
+              </a:r>
+            </a:p>
+          </p:txBody>
+        </p:sp>
+        <p:cxnSp>
+          <p:nvCxnSpPr>
+            <p:cNvPr id="84" name="Verbinder: gewinkelt 83">
+              <a:extLst>
+                <a:ext uri="{FF2B5EF4-FFF2-40B4-BE49-F238E27FC236}">
+                  <a16:creationId xmlns:a16="http://schemas.microsoft.com/office/drawing/2014/main" id="{572E8392-E833-4462-B563-753AB615E6C3}"/>
+                </a:ext>
+              </a:extLst>
+            </p:cNvPr>
+            <p:cNvCxnSpPr>
+              <a:cxnSpLocks/>
+              <a:stCxn id="44" idx="1"/>
+              <a:endCxn id="60" idx="1"/>
+            </p:cNvCxnSpPr>
+            <p:nvPr/>
+          </p:nvCxnSpPr>
+          <p:spPr>
+            <a:xfrm rot="10800000" flipV="1">
+              <a:off x="2041119" y="2571923"/>
+              <a:ext cx="12700" cy="799176"/>
+            </a:xfrm>
+            <a:prstGeom prst="bentConnector3">
+              <a:avLst>
+                <a:gd name="adj1" fmla="val 3979819"/>
+              </a:avLst>
+            </a:prstGeom>
+            <a:ln>
+              <a:headEnd type="triangle"/>
+              <a:tailEnd type="triangle"/>
+            </a:ln>
+          </p:spPr>
+          <p:style>
+            <a:lnRef idx="3">
+              <a:schemeClr val="accent2"/>
+            </a:lnRef>
+            <a:fillRef idx="0">
+              <a:schemeClr val="accent2"/>
+            </a:fillRef>
+            <a:effectRef idx="2">
+              <a:schemeClr val="accent2"/>
+            </a:effectRef>
+            <a:fontRef idx="minor">
+              <a:schemeClr val="tx1"/>
+            </a:fontRef>
+          </p:style>
+        </p:cxnSp>
+        <p:cxnSp>
+          <p:nvCxnSpPr>
+            <p:cNvPr id="102" name="Verbinder: gewinkelt 101">
+              <a:extLst>
+                <a:ext uri="{FF2B5EF4-FFF2-40B4-BE49-F238E27FC236}">
+                  <a16:creationId xmlns:a16="http://schemas.microsoft.com/office/drawing/2014/main" id="{74CCA3F5-B152-4EA9-8CA7-466941BBB300}"/>
+                </a:ext>
+              </a:extLst>
+            </p:cNvPr>
+            <p:cNvCxnSpPr>
+              <a:cxnSpLocks/>
+            </p:cNvCxnSpPr>
+            <p:nvPr/>
+          </p:nvCxnSpPr>
+          <p:spPr>
+            <a:xfrm rot="10800000" flipV="1">
+              <a:off x="2044132" y="3382551"/>
+              <a:ext cx="12700" cy="799176"/>
+            </a:xfrm>
+            <a:prstGeom prst="bentConnector3">
+              <a:avLst>
+                <a:gd name="adj1" fmla="val 3979819"/>
+              </a:avLst>
+            </a:prstGeom>
+            <a:ln>
+              <a:headEnd type="triangle"/>
+              <a:tailEnd type="triangle"/>
+            </a:ln>
+          </p:spPr>
+          <p:style>
+            <a:lnRef idx="3">
+              <a:schemeClr val="accent2"/>
+            </a:lnRef>
+            <a:fillRef idx="0">
+              <a:schemeClr val="accent2"/>
+            </a:fillRef>
+            <a:effectRef idx="2">
+              <a:schemeClr val="accent2"/>
+            </a:effectRef>
+            <a:fontRef idx="minor">
+              <a:schemeClr val="tx1"/>
+            </a:fontRef>
+          </p:style>
+        </p:cxnSp>
+      </p:grpSp>
+      <p:grpSp>
+        <p:nvGrpSpPr>
+          <p:cNvPr id="104" name="Gruppieren 103">
+            <a:extLst>
+              <a:ext uri="{FF2B5EF4-FFF2-40B4-BE49-F238E27FC236}">
+                <a16:creationId xmlns:a16="http://schemas.microsoft.com/office/drawing/2014/main" id="{80173822-0968-445E-89E9-2EF0769D5482}"/>
+              </a:ext>
+            </a:extLst>
+          </p:cNvPr>
+          <p:cNvGrpSpPr/>
+          <p:nvPr/>
+        </p:nvGrpSpPr>
+        <p:grpSpPr>
+          <a:xfrm>
+            <a:off x="4257765" y="1690688"/>
+            <a:ext cx="3703927" cy="4030908"/>
+            <a:chOff x="239523" y="1690688"/>
+            <a:chExt cx="3703927" cy="4030908"/>
+          </a:xfrm>
+        </p:grpSpPr>
+        <p:sp>
+          <p:nvSpPr>
+            <p:cNvPr id="105" name="Rechteck: abgerundete Ecken 104">
+              <a:extLst>
+                <a:ext uri="{FF2B5EF4-FFF2-40B4-BE49-F238E27FC236}">
+                  <a16:creationId xmlns:a16="http://schemas.microsoft.com/office/drawing/2014/main" id="{C0756CD7-4A6A-4627-9947-D27167808953}"/>
+                </a:ext>
+              </a:extLst>
+            </p:cNvPr>
+            <p:cNvSpPr/>
+            <p:nvPr/>
+          </p:nvSpPr>
+          <p:spPr>
+            <a:xfrm>
+              <a:off x="1862980" y="1690688"/>
+              <a:ext cx="2080470" cy="4030908"/>
+            </a:xfrm>
+            <a:prstGeom prst="roundRect">
+              <a:avLst/>
+            </a:prstGeom>
+          </p:spPr>
+          <p:style>
+            <a:lnRef idx="2">
+              <a:schemeClr val="accent1">
+                <a:shade val="50000"/>
+              </a:schemeClr>
+            </a:lnRef>
+            <a:fillRef idx="1">
+              <a:schemeClr val="accent1"/>
+            </a:fillRef>
+            <a:effectRef idx="0">
+              <a:schemeClr val="accent1"/>
+            </a:effectRef>
+            <a:fontRef idx="minor">
+              <a:schemeClr val="lt1"/>
+            </a:fontRef>
+          </p:style>
+          <p:txBody>
+            <a:bodyPr rtlCol="0" anchor="t"/>
+            <a:lstStyle/>
+            <a:p>
+              <a:pPr algn="ctr"/>
+              <a:r>
+                <a:rPr lang="de-DE" dirty="0"/>
+                <a:t>Patient 03 – ROI Y</a:t>
+              </a:r>
+            </a:p>
+          </p:txBody>
+        </p:sp>
+        <p:sp>
+          <p:nvSpPr>
+            <p:cNvPr id="106" name="Rechteck: abgerundete Ecken 105">
+              <a:extLst>
+                <a:ext uri="{FF2B5EF4-FFF2-40B4-BE49-F238E27FC236}">
+                  <a16:creationId xmlns:a16="http://schemas.microsoft.com/office/drawing/2014/main" id="{5A8F11AA-E64A-4526-A539-5728D5D5AEA5}"/>
+                </a:ext>
+              </a:extLst>
+            </p:cNvPr>
+            <p:cNvSpPr/>
+            <p:nvPr/>
+          </p:nvSpPr>
+          <p:spPr>
+            <a:xfrm>
+              <a:off x="2041117" y="4700435"/>
+              <a:ext cx="1724192" cy="540617"/>
+            </a:xfrm>
+            <a:prstGeom prst="roundRect">
+              <a:avLst/>
+            </a:prstGeom>
+          </p:spPr>
+          <p:style>
+            <a:lnRef idx="2">
+              <a:schemeClr val="accent5">
+                <a:shade val="50000"/>
+              </a:schemeClr>
+            </a:lnRef>
+            <a:fillRef idx="1">
+              <a:schemeClr val="accent5"/>
+            </a:fillRef>
+            <a:effectRef idx="0">
+              <a:schemeClr val="accent5"/>
+            </a:effectRef>
+            <a:fontRef idx="minor">
+              <a:schemeClr val="lt1"/>
+            </a:fontRef>
+          </p:style>
+          <p:txBody>
+            <a:bodyPr rtlCol="0" anchor="ctr"/>
+            <a:lstStyle/>
+            <a:p>
+              <a:pPr lvl="0" algn="ctr"/>
+              <a:r>
+                <a:rPr lang="de-DE" sz="1200" dirty="0">
+                  <a:solidFill>
+                    <a:prstClr val="white"/>
+                  </a:solidFill>
+                </a:rPr>
+                <a:t>… weitere Dosen …</a:t>
+              </a:r>
+            </a:p>
+          </p:txBody>
+        </p:sp>
+        <p:sp>
+          <p:nvSpPr>
+            <p:cNvPr id="118" name="Rechteck: abgerundete Ecken 117">
+              <a:extLst>
+                <a:ext uri="{FF2B5EF4-FFF2-40B4-BE49-F238E27FC236}">
+                  <a16:creationId xmlns:a16="http://schemas.microsoft.com/office/drawing/2014/main" id="{E53A8A42-1D7B-4F22-A6CF-33813C130E9F}"/>
+                </a:ext>
+              </a:extLst>
+            </p:cNvPr>
+            <p:cNvSpPr/>
+            <p:nvPr/>
+          </p:nvSpPr>
+          <p:spPr>
+            <a:xfrm>
+              <a:off x="2041119" y="2217075"/>
+              <a:ext cx="1724192" cy="709695"/>
+            </a:xfrm>
+            <a:prstGeom prst="roundRect">
+              <a:avLst/>
+            </a:prstGeom>
+          </p:spPr>
+          <p:style>
+            <a:lnRef idx="2">
+              <a:schemeClr val="accent5">
+                <a:shade val="50000"/>
+              </a:schemeClr>
+            </a:lnRef>
+            <a:fillRef idx="1">
+              <a:schemeClr val="accent5"/>
+            </a:fillRef>
+            <a:effectRef idx="0">
+              <a:schemeClr val="accent5"/>
+            </a:effectRef>
+            <a:fontRef idx="minor">
+              <a:schemeClr val="lt1"/>
+            </a:fontRef>
+          </p:style>
+          <p:txBody>
+            <a:bodyPr rtlCol="0" anchor="t"/>
+            <a:lstStyle/>
+            <a:p>
+              <a:pPr algn="ctr"/>
+              <a:r>
+                <a:rPr lang="de-DE" sz="1000" dirty="0"/>
+                <a:t>Dose 3.00 mit TFX</a:t>
+              </a:r>
+            </a:p>
+          </p:txBody>
+        </p:sp>
+        <p:sp>
+          <p:nvSpPr>
+            <p:cNvPr id="116" name="Rechteck: abgerundete Ecken 115">
+              <a:extLst>
+                <a:ext uri="{FF2B5EF4-FFF2-40B4-BE49-F238E27FC236}">
+                  <a16:creationId xmlns:a16="http://schemas.microsoft.com/office/drawing/2014/main" id="{46353D68-B6C4-4E3A-A0CE-0E2B0FCFAAD8}"/>
+                </a:ext>
+              </a:extLst>
+            </p:cNvPr>
+            <p:cNvSpPr/>
+            <p:nvPr/>
+          </p:nvSpPr>
+          <p:spPr>
+            <a:xfrm>
+              <a:off x="2041119" y="3016251"/>
+              <a:ext cx="1724192" cy="709695"/>
+            </a:xfrm>
+            <a:prstGeom prst="roundRect">
+              <a:avLst/>
+            </a:prstGeom>
+          </p:spPr>
+          <p:style>
+            <a:lnRef idx="2">
+              <a:schemeClr val="accent5">
+                <a:shade val="50000"/>
+              </a:schemeClr>
+            </a:lnRef>
+            <a:fillRef idx="1">
+              <a:schemeClr val="accent5"/>
+            </a:fillRef>
+            <a:effectRef idx="0">
+              <a:schemeClr val="accent5"/>
+            </a:effectRef>
+            <a:fontRef idx="minor">
+              <a:schemeClr val="lt1"/>
+            </a:fontRef>
+          </p:style>
+          <p:txBody>
+            <a:bodyPr rtlCol="0" anchor="t"/>
+            <a:lstStyle/>
+            <a:p>
+              <a:pPr algn="ctr"/>
+              <a:r>
+                <a:rPr lang="de-DE" sz="1000" dirty="0"/>
+                <a:t>Dose 2.75 mit TFX</a:t>
+              </a:r>
+            </a:p>
+          </p:txBody>
+        </p:sp>
+        <p:sp>
+          <p:nvSpPr>
+            <p:cNvPr id="114" name="Rechteck: abgerundete Ecken 113">
+              <a:extLst>
+                <a:ext uri="{FF2B5EF4-FFF2-40B4-BE49-F238E27FC236}">
+                  <a16:creationId xmlns:a16="http://schemas.microsoft.com/office/drawing/2014/main" id="{958C964F-19FB-4034-855C-E9BC1F0AA799}"/>
+                </a:ext>
+              </a:extLst>
+            </p:cNvPr>
+            <p:cNvSpPr/>
+            <p:nvPr/>
+          </p:nvSpPr>
+          <p:spPr>
+            <a:xfrm>
+              <a:off x="2041118" y="3813636"/>
+              <a:ext cx="1724192" cy="709695"/>
+            </a:xfrm>
+            <a:prstGeom prst="roundRect">
+              <a:avLst/>
+            </a:prstGeom>
+          </p:spPr>
+          <p:style>
+            <a:lnRef idx="2">
+              <a:schemeClr val="accent5">
+                <a:shade val="50000"/>
+              </a:schemeClr>
+            </a:lnRef>
+            <a:fillRef idx="1">
+              <a:schemeClr val="accent5"/>
+            </a:fillRef>
+            <a:effectRef idx="0">
+              <a:schemeClr val="accent5"/>
+            </a:effectRef>
+            <a:fontRef idx="minor">
+              <a:schemeClr val="lt1"/>
+            </a:fontRef>
+          </p:style>
+          <p:txBody>
+            <a:bodyPr rtlCol="0" anchor="t"/>
+            <a:lstStyle/>
+            <a:p>
+              <a:pPr algn="ctr"/>
+              <a:r>
+                <a:rPr lang="de-DE" sz="1000" dirty="0"/>
+                <a:t>Dose 2.5 mit TFX</a:t>
+              </a:r>
+            </a:p>
+          </p:txBody>
+        </p:sp>
+        <p:sp>
+          <p:nvSpPr>
+            <p:cNvPr id="110" name="Rechteck 109">
+              <a:extLst>
+                <a:ext uri="{FF2B5EF4-FFF2-40B4-BE49-F238E27FC236}">
+                  <a16:creationId xmlns:a16="http://schemas.microsoft.com/office/drawing/2014/main" id="{D261BAA8-5CE4-41E3-9B0F-D11D935EDBD9}"/>
+                </a:ext>
+              </a:extLst>
+            </p:cNvPr>
+            <p:cNvSpPr/>
+            <p:nvPr/>
+          </p:nvSpPr>
+          <p:spPr>
+            <a:xfrm>
+              <a:off x="245358" y="2720117"/>
+              <a:ext cx="1303307" cy="502787"/>
+            </a:xfrm>
+            <a:prstGeom prst="rect">
+              <a:avLst/>
+            </a:prstGeom>
+          </p:spPr>
+          <p:style>
+            <a:lnRef idx="2">
+              <a:schemeClr val="accent2">
+                <a:shade val="50000"/>
+              </a:schemeClr>
+            </a:lnRef>
+            <a:fillRef idx="1">
+              <a:schemeClr val="accent2"/>
+            </a:fillRef>
+            <a:effectRef idx="0">
+              <a:schemeClr val="accent2"/>
+            </a:effectRef>
+            <a:fontRef idx="minor">
+              <a:schemeClr val="lt1"/>
+            </a:fontRef>
+          </p:style>
+          <p:txBody>
+            <a:bodyPr rtlCol="0" anchor="ctr"/>
+            <a:lstStyle/>
+            <a:p>
+              <a:pPr algn="ctr"/>
+              <a:r>
+                <a:rPr lang="el-GR" sz="1200" dirty="0"/>
+                <a:t>Δ</a:t>
+              </a:r>
+              <a:r>
+                <a:rPr lang="de-DE" sz="1200" dirty="0"/>
+                <a:t>=TFX</a:t>
+              </a:r>
+              <a:r>
+                <a:rPr lang="de-DE" sz="1200" baseline="-25000" dirty="0"/>
+                <a:t>3.00</a:t>
+              </a:r>
+              <a:r>
+                <a:rPr lang="de-DE" sz="1200" dirty="0"/>
+                <a:t> – TFX</a:t>
+              </a:r>
+              <a:r>
+                <a:rPr lang="de-DE" sz="1200" baseline="-25000" dirty="0"/>
+                <a:t>2.75</a:t>
+              </a:r>
+              <a:r>
+                <a:rPr lang="de-DE" sz="1200" dirty="0"/>
+                <a:t> </a:t>
+              </a:r>
+            </a:p>
+          </p:txBody>
+        </p:sp>
+        <p:sp>
+          <p:nvSpPr>
+            <p:cNvPr id="111" name="Rechteck 110">
+              <a:extLst>
+                <a:ext uri="{FF2B5EF4-FFF2-40B4-BE49-F238E27FC236}">
+                  <a16:creationId xmlns:a16="http://schemas.microsoft.com/office/drawing/2014/main" id="{6BA5F125-C666-4FD4-9201-B9128F39FC1F}"/>
+                </a:ext>
+              </a:extLst>
+            </p:cNvPr>
+            <p:cNvSpPr/>
+            <p:nvPr/>
+          </p:nvSpPr>
+          <p:spPr>
+            <a:xfrm>
+              <a:off x="239523" y="3530745"/>
+              <a:ext cx="1303305" cy="502787"/>
+            </a:xfrm>
+            <a:prstGeom prst="rect">
+              <a:avLst/>
+            </a:prstGeom>
+          </p:spPr>
+          <p:style>
+            <a:lnRef idx="2">
+              <a:schemeClr val="accent2">
+                <a:shade val="50000"/>
+              </a:schemeClr>
+            </a:lnRef>
+            <a:fillRef idx="1">
+              <a:schemeClr val="accent2"/>
+            </a:fillRef>
+            <a:effectRef idx="0">
+              <a:schemeClr val="accent2"/>
+            </a:effectRef>
+            <a:fontRef idx="minor">
+              <a:schemeClr val="lt1"/>
+            </a:fontRef>
+          </p:style>
+          <p:txBody>
+            <a:bodyPr rtlCol="0" anchor="ctr"/>
+            <a:lstStyle/>
+            <a:p>
+              <a:pPr algn="ctr"/>
+              <a:r>
+                <a:rPr lang="el-GR" sz="1200" dirty="0"/>
+                <a:t>Δ</a:t>
+              </a:r>
+              <a:r>
+                <a:rPr lang="de-DE" sz="1200" dirty="0"/>
+                <a:t>=TFX</a:t>
+              </a:r>
+              <a:r>
+                <a:rPr lang="de-DE" sz="1200" baseline="-25000" dirty="0"/>
+                <a:t>2.75</a:t>
+              </a:r>
+              <a:r>
+                <a:rPr lang="de-DE" sz="1200" dirty="0"/>
+                <a:t> – TFX</a:t>
+              </a:r>
+              <a:r>
+                <a:rPr lang="de-DE" sz="1200" baseline="-25000" dirty="0"/>
+                <a:t>2.50</a:t>
+              </a:r>
+              <a:r>
+                <a:rPr lang="de-DE" sz="1200" dirty="0"/>
+                <a:t> </a:t>
+              </a:r>
+            </a:p>
+          </p:txBody>
+        </p:sp>
+        <p:cxnSp>
+          <p:nvCxnSpPr>
+            <p:cNvPr id="112" name="Verbinder: gewinkelt 111">
+              <a:extLst>
+                <a:ext uri="{FF2B5EF4-FFF2-40B4-BE49-F238E27FC236}">
+                  <a16:creationId xmlns:a16="http://schemas.microsoft.com/office/drawing/2014/main" id="{FDCD4DC3-73AF-45A4-A569-95D5BE25293F}"/>
+                </a:ext>
+              </a:extLst>
+            </p:cNvPr>
+            <p:cNvCxnSpPr>
+              <a:cxnSpLocks/>
+              <a:stCxn id="118" idx="1"/>
+              <a:endCxn id="116" idx="1"/>
+            </p:cNvCxnSpPr>
+            <p:nvPr/>
+          </p:nvCxnSpPr>
+          <p:spPr>
+            <a:xfrm rot="10800000" flipV="1">
+              <a:off x="2041119" y="2571923"/>
+              <a:ext cx="12700" cy="799176"/>
+            </a:xfrm>
+            <a:prstGeom prst="bentConnector3">
+              <a:avLst>
+                <a:gd name="adj1" fmla="val 3979819"/>
+              </a:avLst>
+            </a:prstGeom>
+            <a:ln>
+              <a:headEnd type="triangle"/>
+              <a:tailEnd type="triangle"/>
+            </a:ln>
+          </p:spPr>
+          <p:style>
+            <a:lnRef idx="3">
+              <a:schemeClr val="accent2"/>
+            </a:lnRef>
+            <a:fillRef idx="0">
+              <a:schemeClr val="accent2"/>
+            </a:fillRef>
+            <a:effectRef idx="2">
+              <a:schemeClr val="accent2"/>
+            </a:effectRef>
+            <a:fontRef idx="minor">
+              <a:schemeClr val="tx1"/>
+            </a:fontRef>
+          </p:style>
+        </p:cxnSp>
+        <p:cxnSp>
+          <p:nvCxnSpPr>
+            <p:cNvPr id="113" name="Verbinder: gewinkelt 112">
+              <a:extLst>
+                <a:ext uri="{FF2B5EF4-FFF2-40B4-BE49-F238E27FC236}">
+                  <a16:creationId xmlns:a16="http://schemas.microsoft.com/office/drawing/2014/main" id="{C3C90FC8-5C4B-4073-881B-BBB36BAFDF9E}"/>
+                </a:ext>
+              </a:extLst>
+            </p:cNvPr>
+            <p:cNvCxnSpPr>
+              <a:cxnSpLocks/>
+            </p:cNvCxnSpPr>
+            <p:nvPr/>
+          </p:nvCxnSpPr>
+          <p:spPr>
+            <a:xfrm rot="10800000" flipV="1">
+              <a:off x="2044132" y="3382551"/>
+              <a:ext cx="12700" cy="799176"/>
+            </a:xfrm>
+            <a:prstGeom prst="bentConnector3">
+              <a:avLst>
+                <a:gd name="adj1" fmla="val 3979819"/>
+              </a:avLst>
+            </a:prstGeom>
+            <a:ln>
+              <a:headEnd type="triangle"/>
+              <a:tailEnd type="triangle"/>
+            </a:ln>
+          </p:spPr>
+          <p:style>
+            <a:lnRef idx="3">
+              <a:schemeClr val="accent2"/>
+            </a:lnRef>
+            <a:fillRef idx="0">
+              <a:schemeClr val="accent2"/>
+            </a:fillRef>
+            <a:effectRef idx="2">
+              <a:schemeClr val="accent2"/>
+            </a:effectRef>
+            <a:fontRef idx="minor">
+              <a:schemeClr val="tx1"/>
+            </a:fontRef>
+          </p:style>
+        </p:cxnSp>
+      </p:grpSp>
+      <p:sp>
+        <p:nvSpPr>
+          <p:cNvPr id="120" name="Rechteck: abgerundete Ecken 119">
+            <a:extLst>
+              <a:ext uri="{FF2B5EF4-FFF2-40B4-BE49-F238E27FC236}">
+                <a16:creationId xmlns:a16="http://schemas.microsoft.com/office/drawing/2014/main" id="{8CB6C03E-CFEF-4724-AB35-00A5FD1DBA76}"/>
+              </a:ext>
+            </a:extLst>
+          </p:cNvPr>
+          <p:cNvSpPr/>
+          <p:nvPr/>
+        </p:nvSpPr>
+        <p:spPr>
+          <a:xfrm>
+            <a:off x="83890" y="2665177"/>
+            <a:ext cx="9891958" cy="616441"/>
+          </a:xfrm>
+          <a:prstGeom prst="roundRect">
+            <a:avLst/>
+          </a:prstGeom>
+          <a:noFill/>
+          <a:ln w="38100">
+            <a:solidFill>
+              <a:srgbClr val="FF0000"/>
+            </a:solidFill>
+          </a:ln>
+        </p:spPr>
+        <p:style>
+          <a:lnRef idx="2">
+            <a:schemeClr val="accent1">
+              <a:shade val="50000"/>
+            </a:schemeClr>
+          </a:lnRef>
+          <a:fillRef idx="1">
+            <a:schemeClr val="accent1"/>
+          </a:fillRef>
+          <a:effectRef idx="0">
+            <a:schemeClr val="accent1"/>
+          </a:effectRef>
+          <a:fontRef idx="minor">
+            <a:schemeClr val="lt1"/>
+          </a:fontRef>
+        </p:style>
+        <p:txBody>
+          <a:bodyPr rtlCol="0" anchor="ctr"/>
+          <a:lstStyle/>
+          <a:p>
+            <a:pPr algn="r"/>
+            <a:r>
+              <a:rPr lang="de-DE" sz="2000" dirty="0">
+                <a:solidFill>
+                  <a:srgbClr val="FF0000"/>
+                </a:solidFill>
+              </a:rPr>
+              <a:t>V</a:t>
+            </a:r>
+            <a:r>
+              <a:rPr lang="de-DE" sz="2000" baseline="-25000" dirty="0">
+                <a:solidFill>
+                  <a:srgbClr val="FF0000"/>
+                </a:solidFill>
+              </a:rPr>
+              <a:t>TFX(3.00-2.75)</a:t>
+            </a:r>
+            <a:endParaRPr lang="de-DE" sz="2000" dirty="0">
+              <a:solidFill>
+                <a:srgbClr val="FF0000"/>
+              </a:solidFill>
+            </a:endParaRPr>
+          </a:p>
+        </p:txBody>
+      </p:sp>
+      <p:sp>
+        <p:nvSpPr>
+          <p:cNvPr id="121" name="Rechteck: abgerundete Ecken 120">
+            <a:extLst>
+              <a:ext uri="{FF2B5EF4-FFF2-40B4-BE49-F238E27FC236}">
+                <a16:creationId xmlns:a16="http://schemas.microsoft.com/office/drawing/2014/main" id="{BFB10DB4-7243-4FB6-AF2B-23BD78F2E5BF}"/>
+              </a:ext>
+            </a:extLst>
+          </p:cNvPr>
+          <p:cNvSpPr/>
+          <p:nvPr/>
+        </p:nvSpPr>
+        <p:spPr>
+          <a:xfrm>
+            <a:off x="83890" y="3457827"/>
+            <a:ext cx="9891958" cy="616441"/>
+          </a:xfrm>
+          <a:prstGeom prst="roundRect">
+            <a:avLst/>
+          </a:prstGeom>
+          <a:noFill/>
+          <a:ln w="38100">
+            <a:solidFill>
+              <a:srgbClr val="FF0000"/>
+            </a:solidFill>
+          </a:ln>
+        </p:spPr>
+        <p:style>
+          <a:lnRef idx="2">
+            <a:schemeClr val="accent1">
+              <a:shade val="50000"/>
+            </a:schemeClr>
+          </a:lnRef>
+          <a:fillRef idx="1">
+            <a:schemeClr val="accent1"/>
+          </a:fillRef>
+          <a:effectRef idx="0">
+            <a:schemeClr val="accent1"/>
+          </a:effectRef>
+          <a:fontRef idx="minor">
+            <a:schemeClr val="lt1"/>
+          </a:fontRef>
+        </p:style>
+        <p:txBody>
+          <a:bodyPr rtlCol="0" anchor="ctr"/>
+          <a:lstStyle/>
+          <a:p>
+            <a:pPr algn="r"/>
+            <a:r>
+              <a:rPr lang="de-DE" sz="2000" dirty="0">
+                <a:solidFill>
+                  <a:srgbClr val="FF0000"/>
+                </a:solidFill>
+              </a:rPr>
+              <a:t>V</a:t>
+            </a:r>
+            <a:r>
+              <a:rPr lang="de-DE" sz="2000" baseline="-25000" dirty="0">
+                <a:solidFill>
+                  <a:srgbClr val="FF0000"/>
+                </a:solidFill>
+              </a:rPr>
+              <a:t>TFX(2.75-2.50)</a:t>
+            </a:r>
+            <a:endParaRPr lang="de-DE" sz="2000" dirty="0">
+              <a:solidFill>
+                <a:srgbClr val="FF0000"/>
+              </a:solidFill>
+            </a:endParaRPr>
+          </a:p>
+        </p:txBody>
+      </p:sp>
+      <p:sp>
+        <p:nvSpPr>
+          <p:cNvPr id="123" name="Textfeld 122">
+            <a:extLst>
+              <a:ext uri="{FF2B5EF4-FFF2-40B4-BE49-F238E27FC236}">
+                <a16:creationId xmlns:a16="http://schemas.microsoft.com/office/drawing/2014/main" id="{9802930E-B967-4D01-8BF1-30D9D6A37256}"/>
+              </a:ext>
+            </a:extLst>
+          </p:cNvPr>
+          <p:cNvSpPr txBox="1"/>
+          <p:nvPr/>
+        </p:nvSpPr>
+        <p:spPr>
+          <a:xfrm>
+            <a:off x="4895850" y="365125"/>
+            <a:ext cx="6859088" cy="1200329"/>
+          </a:xfrm>
+          <a:prstGeom prst="rect">
+            <a:avLst/>
+          </a:prstGeom>
+          <a:noFill/>
+        </p:spPr>
+        <p:txBody>
+          <a:bodyPr wrap="square" rtlCol="0">
+            <a:spAutoFit/>
+          </a:bodyPr>
+          <a:lstStyle/>
+          <a:p>
+            <a:r>
+              <a:rPr lang="de-DE" dirty="0">
+                <a:solidFill>
+                  <a:srgbClr val="FF0000"/>
+                </a:solidFill>
+              </a:rPr>
+              <a:t>Daumenregel: </a:t>
+            </a:r>
+          </a:p>
+          <a:p>
+            <a:r>
+              <a:rPr lang="de-DE" dirty="0">
+                <a:solidFill>
+                  <a:srgbClr val="FF0000"/>
+                </a:solidFill>
+              </a:rPr>
+              <a:t>Die Streuung gilt als gering, wenn V </a:t>
+            </a:r>
+            <a:r>
+              <a:rPr lang="de-DE" altLang="ko-KR" dirty="0">
+                <a:solidFill>
+                  <a:srgbClr val="FF0000"/>
+                </a:solidFill>
+              </a:rPr>
+              <a:t>&lt;100% </a:t>
+            </a:r>
+            <a:r>
+              <a:rPr lang="de-DE" dirty="0">
+                <a:solidFill>
+                  <a:srgbClr val="FF0000"/>
+                </a:solidFill>
+              </a:rPr>
+              <a:t>ist. Das arithmetische Mittel </a:t>
+            </a:r>
+          </a:p>
+          <a:p>
+            <a:r>
+              <a:rPr lang="de-DE" dirty="0">
+                <a:solidFill>
+                  <a:srgbClr val="FF0000"/>
+                </a:solidFill>
+              </a:rPr>
+              <a:t>gilt in diesem Fall als guter Repräsentant der Verteilung.</a:t>
+            </a:r>
+          </a:p>
+          <a:p>
+            <a:endParaRPr lang="de-DE" dirty="0">
+              <a:solidFill>
+                <a:srgbClr val="FF0000"/>
+              </a:solidFill>
+            </a:endParaRPr>
+          </a:p>
+        </p:txBody>
+      </p:sp>
+    </p:spTree>
+    <p:extLst>
+      <p:ext uri="{BB962C8B-B14F-4D97-AF65-F5344CB8AC3E}">
+        <p14:creationId xmlns:p14="http://schemas.microsoft.com/office/powerpoint/2010/main" val="2789694128"/>
+      </p:ext>
+    </p:extLst>
+  </p:cSld>
+  <p:clrMapOvr>
+    <a:masterClrMapping/>
+  </p:clrMapOvr>
+</p:sld>
+</file>
+
+<file path=ppt/slides/slide7.xml><?xml version="1.0" encoding="utf-8"?>
+<p:sld xmlns:a="http://schemas.openxmlformats.org/drawingml/2006/main" xmlns:r="http://schemas.openxmlformats.org/officeDocument/2006/relationships" xmlns:p="http://schemas.openxmlformats.org/presentationml/2006/main">
+  <p:cSld>
+    <p:spTree>
+      <p:nvGrpSpPr>
+        <p:cNvPr id="1" name=""/>
+        <p:cNvGrpSpPr/>
+        <p:nvPr/>
+      </p:nvGrpSpPr>
+      <p:grpSpPr>
+        <a:xfrm>
+          <a:off x="0" y="0"/>
+          <a:ext cx="0" cy="0"/>
+          <a:chOff x="0" y="0"/>
+          <a:chExt cx="0" cy="0"/>
+        </a:xfrm>
+      </p:grpSpPr>
+      <p:sp>
+        <p:nvSpPr>
           <p:cNvPr id="2" name="Titel 1">
             <a:extLst>
               <a:ext uri="{FF2B5EF4-FFF2-40B4-BE49-F238E27FC236}">

--- a/Matthias/02-Patients3MBq/Was_wird_wie_getestet.pptx
+++ b/Matthias/02-Patients3MBq/Was_wird_wie_getestet.pptx
@@ -265,7 +265,7 @@
           <a:p>
             <a:fld id="{6E20447D-E185-4F8E-8A5E-B1C6AF407A2E}" type="datetimeFigureOut">
               <a:rPr lang="de-DE" smtClean="0"/>
-              <a:t>05.04.2018</a:t>
+              <a:t>07.04.2018</a:t>
             </a:fld>
             <a:endParaRPr lang="de-DE"/>
           </a:p>
@@ -463,7 +463,7 @@
           <a:p>
             <a:fld id="{6E20447D-E185-4F8E-8A5E-B1C6AF407A2E}" type="datetimeFigureOut">
               <a:rPr lang="de-DE" smtClean="0"/>
-              <a:t>05.04.2018</a:t>
+              <a:t>07.04.2018</a:t>
             </a:fld>
             <a:endParaRPr lang="de-DE"/>
           </a:p>
@@ -671,7 +671,7 @@
           <a:p>
             <a:fld id="{6E20447D-E185-4F8E-8A5E-B1C6AF407A2E}" type="datetimeFigureOut">
               <a:rPr lang="de-DE" smtClean="0"/>
-              <a:t>05.04.2018</a:t>
+              <a:t>07.04.2018</a:t>
             </a:fld>
             <a:endParaRPr lang="de-DE"/>
           </a:p>
@@ -869,7 +869,7 @@
           <a:p>
             <a:fld id="{6E20447D-E185-4F8E-8A5E-B1C6AF407A2E}" type="datetimeFigureOut">
               <a:rPr lang="de-DE" smtClean="0"/>
-              <a:t>05.04.2018</a:t>
+              <a:t>07.04.2018</a:t>
             </a:fld>
             <a:endParaRPr lang="de-DE"/>
           </a:p>
@@ -1144,7 +1144,7 @@
           <a:p>
             <a:fld id="{6E20447D-E185-4F8E-8A5E-B1C6AF407A2E}" type="datetimeFigureOut">
               <a:rPr lang="de-DE" smtClean="0"/>
-              <a:t>05.04.2018</a:t>
+              <a:t>07.04.2018</a:t>
             </a:fld>
             <a:endParaRPr lang="de-DE"/>
           </a:p>
@@ -1409,7 +1409,7 @@
           <a:p>
             <a:fld id="{6E20447D-E185-4F8E-8A5E-B1C6AF407A2E}" type="datetimeFigureOut">
               <a:rPr lang="de-DE" smtClean="0"/>
-              <a:t>05.04.2018</a:t>
+              <a:t>07.04.2018</a:t>
             </a:fld>
             <a:endParaRPr lang="de-DE"/>
           </a:p>
@@ -1821,7 +1821,7 @@
           <a:p>
             <a:fld id="{6E20447D-E185-4F8E-8A5E-B1C6AF407A2E}" type="datetimeFigureOut">
               <a:rPr lang="de-DE" smtClean="0"/>
-              <a:t>05.04.2018</a:t>
+              <a:t>07.04.2018</a:t>
             </a:fld>
             <a:endParaRPr lang="de-DE"/>
           </a:p>
@@ -1962,7 +1962,7 @@
           <a:p>
             <a:fld id="{6E20447D-E185-4F8E-8A5E-B1C6AF407A2E}" type="datetimeFigureOut">
               <a:rPr lang="de-DE" smtClean="0"/>
-              <a:t>05.04.2018</a:t>
+              <a:t>07.04.2018</a:t>
             </a:fld>
             <a:endParaRPr lang="de-DE"/>
           </a:p>
@@ -2075,7 +2075,7 @@
           <a:p>
             <a:fld id="{6E20447D-E185-4F8E-8A5E-B1C6AF407A2E}" type="datetimeFigureOut">
               <a:rPr lang="de-DE" smtClean="0"/>
-              <a:t>05.04.2018</a:t>
+              <a:t>07.04.2018</a:t>
             </a:fld>
             <a:endParaRPr lang="de-DE"/>
           </a:p>
@@ -2386,7 +2386,7 @@
           <a:p>
             <a:fld id="{6E20447D-E185-4F8E-8A5E-B1C6AF407A2E}" type="datetimeFigureOut">
               <a:rPr lang="de-DE" smtClean="0"/>
-              <a:t>05.04.2018</a:t>
+              <a:t>07.04.2018</a:t>
             </a:fld>
             <a:endParaRPr lang="de-DE"/>
           </a:p>
@@ -2674,7 +2674,7 @@
           <a:p>
             <a:fld id="{6E20447D-E185-4F8E-8A5E-B1C6AF407A2E}" type="datetimeFigureOut">
               <a:rPr lang="de-DE" smtClean="0"/>
-              <a:t>05.04.2018</a:t>
+              <a:t>07.04.2018</a:t>
             </a:fld>
             <a:endParaRPr lang="de-DE"/>
           </a:p>
@@ -2915,7 +2915,7 @@
           <a:p>
             <a:fld id="{6E20447D-E185-4F8E-8A5E-B1C6AF407A2E}" type="datetimeFigureOut">
               <a:rPr lang="de-DE" smtClean="0"/>
-              <a:t>05.04.2018</a:t>
+              <a:t>07.04.2018</a:t>
             </a:fld>
             <a:endParaRPr lang="de-DE"/>
           </a:p>
@@ -18124,6 +18124,63 @@
       </p:grpSpPr>
       <p:sp>
         <p:nvSpPr>
+          <p:cNvPr id="51" name="Textfeld 50">
+            <a:extLst>
+              <a:ext uri="{FF2B5EF4-FFF2-40B4-BE49-F238E27FC236}">
+                <a16:creationId xmlns:a16="http://schemas.microsoft.com/office/drawing/2014/main" id="{F89747A7-1544-4316-B9D2-7DD3FB8317FB}"/>
+              </a:ext>
+            </a:extLst>
+          </p:cNvPr>
+          <p:cNvSpPr txBox="1"/>
+          <p:nvPr/>
+        </p:nvSpPr>
+        <p:spPr>
+          <a:xfrm>
+            <a:off x="3210891" y="3452257"/>
+            <a:ext cx="3647109" cy="584775"/>
+          </a:xfrm>
+          <a:prstGeom prst="rect">
+            <a:avLst/>
+          </a:prstGeom>
+          <a:ln w="25400">
+            <a:noFill/>
+          </a:ln>
+        </p:spPr>
+        <p:style>
+          <a:lnRef idx="2">
+            <a:schemeClr val="accent2"/>
+          </a:lnRef>
+          <a:fillRef idx="1">
+            <a:schemeClr val="lt1"/>
+          </a:fillRef>
+          <a:effectRef idx="0">
+            <a:schemeClr val="accent2"/>
+          </a:effectRef>
+          <a:fontRef idx="minor">
+            <a:schemeClr val="dk1"/>
+          </a:fontRef>
+        </p:style>
+        <p:txBody>
+          <a:bodyPr wrap="square" rtlCol="0" anchor="t">
+            <a:spAutoFit/>
+          </a:bodyPr>
+          <a:lstStyle/>
+          <a:p>
+            <a:pPr algn="ctr"/>
+            <a:r>
+              <a:rPr lang="de-DE" sz="3200" dirty="0"/>
+              <a:t>… </a:t>
+            </a:r>
+            <a:r>
+              <a:rPr lang="de-DE" sz="1200" dirty="0"/>
+              <a:t>(17 weitere Patienten)</a:t>
+            </a:r>
+            <a:endParaRPr lang="de-DE" sz="3200" dirty="0"/>
+          </a:p>
+        </p:txBody>
+      </p:sp>
+      <p:sp>
+        <p:nvSpPr>
           <p:cNvPr id="122" name="Rechteck: diagonal liegende Ecken abgerundet 121">
             <a:extLst>
               <a:ext uri="{FF2B5EF4-FFF2-40B4-BE49-F238E27FC236}">
@@ -18136,11 +18193,14 @@
         </p:nvSpPr>
         <p:spPr>
           <a:xfrm>
-            <a:off x="8139830" y="1858838"/>
-            <a:ext cx="2632946" cy="4030909"/>
+            <a:off x="8263654" y="1046744"/>
+            <a:ext cx="2929685" cy="4793408"/>
           </a:xfrm>
           <a:prstGeom prst="round2DiagRect">
-            <a:avLst/>
+            <a:avLst>
+              <a:gd name="adj1" fmla="val 21544"/>
+              <a:gd name="adj2" fmla="val 25034"/>
+            </a:avLst>
           </a:prstGeom>
           <a:noFill/>
           <a:ln w="38100">
@@ -18178,7 +18238,91 @@
                   <a:srgbClr val="C00000"/>
                 </a:solidFill>
               </a:rPr>
-              <a:t>Varianz der </a:t>
+              <a:t>Für jedes TF</a:t>
+            </a:r>
+          </a:p>
+          <a:p>
+            <a:pPr marL="342900" indent="-342900">
+              <a:buAutoNum type="arabicPeriod"/>
+            </a:pPr>
+            <a:r>
+              <a:rPr lang="de-DE" sz="1600" dirty="0" err="1">
+                <a:solidFill>
+                  <a:srgbClr val="C00000"/>
+                </a:solidFill>
+              </a:rPr>
+              <a:t>Boxplots</a:t>
+            </a:r>
+            <a:r>
+              <a:rPr lang="de-DE" sz="1600" dirty="0">
+                <a:solidFill>
+                  <a:srgbClr val="C00000"/>
+                </a:solidFill>
+              </a:rPr>
+              <a:t> aller V</a:t>
+            </a:r>
+            <a:r>
+              <a:rPr lang="el-GR" sz="1600" baseline="-25000" dirty="0">
+                <a:solidFill>
+                  <a:srgbClr val="C00000"/>
+                </a:solidFill>
+              </a:rPr>
+              <a:t>Δ</a:t>
+            </a:r>
+            <a:endParaRPr lang="de-DE" sz="1600" baseline="-25000" dirty="0">
+              <a:solidFill>
+                <a:srgbClr val="C00000"/>
+              </a:solidFill>
+            </a:endParaRPr>
+          </a:p>
+          <a:p>
+            <a:pPr marL="342900" indent="-342900">
+              <a:buAutoNum type="arabicPeriod"/>
+            </a:pPr>
+            <a:r>
+              <a:rPr lang="de-DE" sz="1600" dirty="0">
+                <a:solidFill>
+                  <a:srgbClr val="C00000"/>
+                </a:solidFill>
+              </a:rPr>
+              <a:t>Plot der V</a:t>
+            </a:r>
+            <a:r>
+              <a:rPr lang="el-GR" sz="1600" baseline="-25000" dirty="0">
+                <a:solidFill>
+                  <a:srgbClr val="C00000"/>
+                </a:solidFill>
+              </a:rPr>
+              <a:t>Δ</a:t>
+            </a:r>
+            <a:r>
+              <a:rPr lang="de-DE" sz="1600" baseline="-25000" dirty="0">
+                <a:solidFill>
+                  <a:srgbClr val="C00000"/>
+                </a:solidFill>
+              </a:rPr>
+              <a:t> </a:t>
+            </a:r>
+            <a:r>
+              <a:rPr lang="de-DE" sz="1600" dirty="0">
+                <a:solidFill>
+                  <a:srgbClr val="C00000"/>
+                </a:solidFill>
+              </a:rPr>
+              <a:t> über Dosen</a:t>
+            </a:r>
+          </a:p>
+          <a:p>
+            <a:pPr marL="342900" indent="-342900">
+              <a:buAutoNum type="arabicPeriod"/>
+            </a:pPr>
+            <a:r>
+              <a:rPr lang="de-DE" sz="1600" dirty="0">
+                <a:solidFill>
+                  <a:srgbClr val="C00000"/>
+                </a:solidFill>
+              </a:rPr>
+              <a:t>Summe der </a:t>
             </a:r>
             <a:r>
               <a:rPr lang="de-DE" sz="1600" dirty="0" err="1">
@@ -18186,7 +18330,7 @@
                   <a:srgbClr val="C00000"/>
                 </a:solidFill>
               </a:rPr>
-              <a:t>Variationskoeffizenten</a:t>
+              <a:t>abs</a:t>
             </a:r>
             <a:r>
               <a:rPr lang="de-DE" sz="1600" dirty="0">
@@ -18194,15 +18338,15 @@
                   <a:srgbClr val="C00000"/>
                 </a:solidFill>
               </a:rPr>
-              <a:t>? aller V</a:t>
+              <a:t>(V</a:t>
             </a:r>
             <a:r>
-              <a:rPr lang="de-DE" sz="1600" baseline="-25000" dirty="0">
+              <a:rPr lang="el-GR" sz="1600" baseline="-25000" dirty="0">
                 <a:solidFill>
                   <a:srgbClr val="C00000"/>
                 </a:solidFill>
               </a:rPr>
-              <a:t>TFX(HD-LD) </a:t>
+              <a:t>Δ</a:t>
             </a:r>
             <a:r>
               <a:rPr lang="de-DE" sz="1600" dirty="0">
@@ -18210,8 +18354,18 @@
                   <a:srgbClr val="C00000"/>
                 </a:solidFill>
               </a:rPr>
-              <a:t> bzw. Eigentlich Gütekriterium der Variationskoeffizienten</a:t>
+              <a:t>) </a:t>
             </a:r>
+          </a:p>
+          <a:p>
+            <a:pPr marL="342900" indent="-342900" algn="ctr">
+              <a:buAutoNum type="arabicPeriod"/>
+            </a:pPr>
+            <a:endParaRPr lang="de-DE" sz="1600" dirty="0">
+              <a:solidFill>
+                <a:srgbClr val="C00000"/>
+              </a:solidFill>
+            </a:endParaRPr>
           </a:p>
         </p:txBody>
       </p:sp>
@@ -18233,7 +18387,7 @@
         </p:nvSpPr>
         <p:spPr>
           <a:xfrm>
-            <a:off x="838200" y="365125"/>
+            <a:off x="4295264" y="153573"/>
             <a:ext cx="3419565" cy="652723"/>
           </a:xfrm>
         </p:spPr>
@@ -18273,7 +18427,7 @@
         </p:nvGrpSpPr>
         <p:grpSpPr>
           <a:xfrm>
-            <a:off x="239523" y="1690688"/>
+            <a:off x="363348" y="1184856"/>
             <a:ext cx="3703927" cy="4030908"/>
             <a:chOff x="239523" y="1690688"/>
             <a:chExt cx="3703927" cy="4030908"/>
@@ -18771,7 +18925,7 @@
         </p:nvGrpSpPr>
         <p:grpSpPr>
           <a:xfrm>
-            <a:off x="4257765" y="1690688"/>
+            <a:off x="4381590" y="1184856"/>
             <a:ext cx="3703927" cy="4030908"/>
             <a:chOff x="239523" y="1690688"/>
             <a:chExt cx="3703927" cy="4030908"/>
@@ -18821,7 +18975,7 @@
               <a:pPr algn="ctr"/>
               <a:r>
                 <a:rPr lang="de-DE" dirty="0"/>
-                <a:t>Patient 03 – ROI Y</a:t>
+                <a:t>Patient 29 – ROI Y</a:t>
               </a:r>
             </a:p>
           </p:txBody>
@@ -19269,7 +19423,7 @@
         </p:nvSpPr>
         <p:spPr>
           <a:xfrm>
-            <a:off x="83890" y="2665177"/>
+            <a:off x="207715" y="2159345"/>
             <a:ext cx="9891958" cy="616441"/>
           </a:xfrm>
           <a:prstGeom prst="roundRect">
@@ -19312,12 +19466,20 @@
               <a:t>V</a:t>
             </a:r>
             <a:r>
+              <a:rPr lang="el-GR" sz="2000" baseline="-25000" dirty="0">
+                <a:solidFill>
+                  <a:srgbClr val="FF0000"/>
+                </a:solidFill>
+              </a:rPr>
+              <a:t>Δ</a:t>
+            </a:r>
+            <a:r>
               <a:rPr lang="de-DE" sz="2000" baseline="-25000" dirty="0">
                 <a:solidFill>
                   <a:srgbClr val="FF0000"/>
                 </a:solidFill>
               </a:rPr>
-              <a:t>TFX(3.00-2.75)</a:t>
+              <a:t> (3.00-2.75)</a:t>
             </a:r>
             <a:endParaRPr lang="de-DE" sz="2000" dirty="0">
               <a:solidFill>
@@ -19341,7 +19503,7 @@
         </p:nvSpPr>
         <p:spPr>
           <a:xfrm>
-            <a:off x="83890" y="3457827"/>
+            <a:off x="207715" y="2951995"/>
             <a:ext cx="9891958" cy="616441"/>
           </a:xfrm>
           <a:prstGeom prst="roundRect">
@@ -19384,12 +19546,20 @@
               <a:t>V</a:t>
             </a:r>
             <a:r>
+              <a:rPr lang="el-GR" sz="2000" baseline="-25000" dirty="0">
+                <a:solidFill>
+                  <a:srgbClr val="FF0000"/>
+                </a:solidFill>
+              </a:rPr>
+              <a:t> Δ</a:t>
+            </a:r>
+            <a:r>
               <a:rPr lang="de-DE" sz="2000" baseline="-25000" dirty="0">
                 <a:solidFill>
                   <a:srgbClr val="FF0000"/>
                 </a:solidFill>
               </a:rPr>
-              <a:t>TFX(2.75-2.50)</a:t>
+              <a:t>(2.75-2.50)</a:t>
             </a:r>
             <a:endParaRPr lang="de-DE" sz="2000" dirty="0">
               <a:solidFill>
@@ -19413,8 +19583,8 @@
         </p:nvSpPr>
         <p:spPr>
           <a:xfrm>
-            <a:off x="4895850" y="365125"/>
-            <a:ext cx="6859088" cy="1200329"/>
+            <a:off x="6722948" y="5734977"/>
+            <a:ext cx="5426319" cy="954107"/>
           </a:xfrm>
           <a:prstGeom prst="rect">
             <a:avLst/>
@@ -19428,7 +19598,7 @@
           <a:lstStyle/>
           <a:p>
             <a:r>
-              <a:rPr lang="de-DE" dirty="0">
+              <a:rPr lang="de-DE" sz="1400" dirty="0">
                 <a:solidFill>
                   <a:srgbClr val="FF0000"/>
                 </a:solidFill>
@@ -19438,7 +19608,7 @@
           </a:p>
           <a:p>
             <a:r>
-              <a:rPr lang="de-DE" dirty="0">
+              <a:rPr lang="de-DE" sz="1400" dirty="0">
                 <a:solidFill>
                   <a:srgbClr val="FF0000"/>
                 </a:solidFill>
@@ -19446,7 +19616,7 @@
               <a:t>Die Streuung gilt als gering, wenn V </a:t>
             </a:r>
             <a:r>
-              <a:rPr lang="de-DE" altLang="ko-KR" dirty="0">
+              <a:rPr lang="de-DE" altLang="ko-KR" sz="1400" dirty="0">
                 <a:solidFill>
                   <a:srgbClr val="FF0000"/>
                 </a:solidFill>
@@ -19454,7 +19624,7 @@
               <a:t>&lt;100% </a:t>
             </a:r>
             <a:r>
-              <a:rPr lang="de-DE" dirty="0">
+              <a:rPr lang="de-DE" sz="1400" dirty="0">
                 <a:solidFill>
                   <a:srgbClr val="FF0000"/>
                 </a:solidFill>
@@ -19464,7 +19634,7 @@
           </a:p>
           <a:p>
             <a:r>
-              <a:rPr lang="de-DE" dirty="0">
+              <a:rPr lang="de-DE" sz="1400" dirty="0">
                 <a:solidFill>
                   <a:srgbClr val="FF0000"/>
                 </a:solidFill>
@@ -19473,7 +19643,7 @@
             </a:r>
           </a:p>
           <a:p>
-            <a:endParaRPr lang="de-DE" dirty="0">
+            <a:endParaRPr lang="de-DE" sz="1400" dirty="0">
               <a:solidFill>
                 <a:srgbClr val="FF0000"/>
               </a:solidFill>
@@ -19481,6 +19651,339 @@
           </a:p>
         </p:txBody>
       </p:sp>
+      <p:sp>
+        <p:nvSpPr>
+          <p:cNvPr id="34" name="Textfeld 33">
+            <a:extLst>
+              <a:ext uri="{FF2B5EF4-FFF2-40B4-BE49-F238E27FC236}">
+                <a16:creationId xmlns:a16="http://schemas.microsoft.com/office/drawing/2014/main" id="{809C7275-730F-4645-AD53-FAFD02350FF3}"/>
+              </a:ext>
+            </a:extLst>
+          </p:cNvPr>
+          <p:cNvSpPr txBox="1"/>
+          <p:nvPr/>
+        </p:nvSpPr>
+        <p:spPr>
+          <a:xfrm rot="5400000">
+            <a:off x="9229516" y="3834443"/>
+            <a:ext cx="380976" cy="584775"/>
+          </a:xfrm>
+          <a:prstGeom prst="rect">
+            <a:avLst/>
+          </a:prstGeom>
+          <a:ln w="25400">
+            <a:noFill/>
+          </a:ln>
+        </p:spPr>
+        <p:style>
+          <a:lnRef idx="2">
+            <a:schemeClr val="accent2"/>
+          </a:lnRef>
+          <a:fillRef idx="1">
+            <a:schemeClr val="lt1"/>
+          </a:fillRef>
+          <a:effectRef idx="0">
+            <a:schemeClr val="accent2"/>
+          </a:effectRef>
+          <a:fontRef idx="minor">
+            <a:schemeClr val="dk1"/>
+          </a:fontRef>
+        </p:style>
+        <p:txBody>
+          <a:bodyPr wrap="square" rtlCol="0" anchor="t">
+            <a:spAutoFit/>
+          </a:bodyPr>
+          <a:lstStyle/>
+          <a:p>
+            <a:pPr algn="ctr"/>
+            <a:r>
+              <a:rPr lang="de-DE" sz="3200" dirty="0"/>
+              <a:t>…</a:t>
+            </a:r>
+          </a:p>
+        </p:txBody>
+      </p:sp>
+      <p:sp>
+        <p:nvSpPr>
+          <p:cNvPr id="7" name="Textfeld 6">
+            <a:extLst>
+              <a:ext uri="{FF2B5EF4-FFF2-40B4-BE49-F238E27FC236}">
+                <a16:creationId xmlns:a16="http://schemas.microsoft.com/office/drawing/2014/main" id="{4BFF68E6-191E-4122-9B83-9E8EE35CFAA1}"/>
+              </a:ext>
+            </a:extLst>
+          </p:cNvPr>
+          <p:cNvSpPr txBox="1"/>
+          <p:nvPr/>
+        </p:nvSpPr>
+        <p:spPr>
+          <a:xfrm>
+            <a:off x="9064147" y="1025769"/>
+            <a:ext cx="1328697" cy="646331"/>
+          </a:xfrm>
+          <a:prstGeom prst="rect">
+            <a:avLst/>
+          </a:prstGeom>
+          <a:noFill/>
+        </p:spPr>
+        <p:txBody>
+          <a:bodyPr wrap="none" rtlCol="0">
+            <a:spAutoFit/>
+          </a:bodyPr>
+          <a:lstStyle/>
+          <a:p>
+            <a:r>
+              <a:rPr lang="de-DE" dirty="0">
+                <a:solidFill>
+                  <a:srgbClr val="C00000"/>
+                </a:solidFill>
+              </a:rPr>
+              <a:t>Analyse und</a:t>
+            </a:r>
+          </a:p>
+          <a:p>
+            <a:r>
+              <a:rPr lang="de-DE" dirty="0">
+                <a:solidFill>
+                  <a:srgbClr val="C00000"/>
+                </a:solidFill>
+              </a:rPr>
+              <a:t>Darstellung</a:t>
+            </a:r>
+          </a:p>
+        </p:txBody>
+      </p:sp>
+      <p:grpSp>
+        <p:nvGrpSpPr>
+          <p:cNvPr id="9" name="Gruppieren 8">
+            <a:extLst>
+              <a:ext uri="{FF2B5EF4-FFF2-40B4-BE49-F238E27FC236}">
+                <a16:creationId xmlns:a16="http://schemas.microsoft.com/office/drawing/2014/main" id="{459606D6-D67B-4244-BAE8-09354A5A3563}"/>
+              </a:ext>
+            </a:extLst>
+          </p:cNvPr>
+          <p:cNvGrpSpPr/>
+          <p:nvPr/>
+        </p:nvGrpSpPr>
+        <p:grpSpPr>
+          <a:xfrm>
+            <a:off x="542341" y="3936344"/>
+            <a:ext cx="945317" cy="657974"/>
+            <a:chOff x="542341" y="3936344"/>
+            <a:chExt cx="945317" cy="657974"/>
+          </a:xfrm>
+        </p:grpSpPr>
+        <p:sp>
+          <p:nvSpPr>
+            <p:cNvPr id="5" name="Textfeld 4">
+              <a:extLst>
+                <a:ext uri="{FF2B5EF4-FFF2-40B4-BE49-F238E27FC236}">
+                  <a16:creationId xmlns:a16="http://schemas.microsoft.com/office/drawing/2014/main" id="{00105F6D-09CF-46D8-BE57-4546DB7C79BD}"/>
+                </a:ext>
+              </a:extLst>
+            </p:cNvPr>
+            <p:cNvSpPr txBox="1"/>
+            <p:nvPr/>
+          </p:nvSpPr>
+          <p:spPr>
+            <a:xfrm rot="5400000">
+              <a:off x="940099" y="3834444"/>
+              <a:ext cx="380976" cy="584775"/>
+            </a:xfrm>
+            <a:prstGeom prst="rect">
+              <a:avLst/>
+            </a:prstGeom>
+            <a:ln w="25400">
+              <a:noFill/>
+            </a:ln>
+          </p:spPr>
+          <p:style>
+            <a:lnRef idx="2">
+              <a:schemeClr val="accent2"/>
+            </a:lnRef>
+            <a:fillRef idx="1">
+              <a:schemeClr val="lt1"/>
+            </a:fillRef>
+            <a:effectRef idx="0">
+              <a:schemeClr val="accent2"/>
+            </a:effectRef>
+            <a:fontRef idx="minor">
+              <a:schemeClr val="dk1"/>
+            </a:fontRef>
+          </p:style>
+          <p:txBody>
+            <a:bodyPr wrap="square" rtlCol="0" anchor="t">
+              <a:spAutoFit/>
+            </a:bodyPr>
+            <a:lstStyle/>
+            <a:p>
+              <a:pPr algn="ctr"/>
+              <a:r>
+                <a:rPr lang="de-DE" sz="3200" dirty="0"/>
+                <a:t>…</a:t>
+              </a:r>
+            </a:p>
+          </p:txBody>
+        </p:sp>
+        <p:sp>
+          <p:nvSpPr>
+            <p:cNvPr id="8" name="Textfeld 7">
+              <a:extLst>
+                <a:ext uri="{FF2B5EF4-FFF2-40B4-BE49-F238E27FC236}">
+                  <a16:creationId xmlns:a16="http://schemas.microsoft.com/office/drawing/2014/main" id="{EE67ACFF-ABD2-4D4B-B2DA-C28C788BDEBB}"/>
+                </a:ext>
+              </a:extLst>
+            </p:cNvPr>
+            <p:cNvSpPr txBox="1"/>
+            <p:nvPr/>
+          </p:nvSpPr>
+          <p:spPr>
+            <a:xfrm>
+              <a:off x="542341" y="4317319"/>
+              <a:ext cx="945317" cy="276999"/>
+            </a:xfrm>
+            <a:prstGeom prst="rect">
+              <a:avLst/>
+            </a:prstGeom>
+            <a:noFill/>
+          </p:spPr>
+          <p:txBody>
+            <a:bodyPr wrap="square" rtlCol="0">
+              <a:spAutoFit/>
+            </a:bodyPr>
+            <a:lstStyle/>
+            <a:p>
+              <a:r>
+                <a:rPr lang="de-DE" sz="1200" dirty="0"/>
+                <a:t>8 weitere </a:t>
+              </a:r>
+              <a:r>
+                <a:rPr lang="el-GR" sz="1200" dirty="0"/>
+                <a:t>Δ</a:t>
+              </a:r>
+              <a:r>
+                <a:rPr lang="de-DE" sz="1200" dirty="0"/>
+                <a:t> </a:t>
+              </a:r>
+            </a:p>
+          </p:txBody>
+        </p:sp>
+      </p:grpSp>
+      <p:grpSp>
+        <p:nvGrpSpPr>
+          <p:cNvPr id="53" name="Gruppieren 52">
+            <a:extLst>
+              <a:ext uri="{FF2B5EF4-FFF2-40B4-BE49-F238E27FC236}">
+                <a16:creationId xmlns:a16="http://schemas.microsoft.com/office/drawing/2014/main" id="{6A1A9ABC-53C1-4D63-BC70-27CC4482F35F}"/>
+              </a:ext>
+            </a:extLst>
+          </p:cNvPr>
+          <p:cNvGrpSpPr/>
+          <p:nvPr/>
+        </p:nvGrpSpPr>
+        <p:grpSpPr>
+          <a:xfrm>
+            <a:off x="4563502" y="3936342"/>
+            <a:ext cx="945317" cy="657974"/>
+            <a:chOff x="542341" y="3936344"/>
+            <a:chExt cx="945317" cy="657974"/>
+          </a:xfrm>
+        </p:grpSpPr>
+        <p:sp>
+          <p:nvSpPr>
+            <p:cNvPr id="54" name="Textfeld 53">
+              <a:extLst>
+                <a:ext uri="{FF2B5EF4-FFF2-40B4-BE49-F238E27FC236}">
+                  <a16:creationId xmlns:a16="http://schemas.microsoft.com/office/drawing/2014/main" id="{618246C5-05BD-4986-A0CD-F43E24055F98}"/>
+                </a:ext>
+              </a:extLst>
+            </p:cNvPr>
+            <p:cNvSpPr txBox="1"/>
+            <p:nvPr/>
+          </p:nvSpPr>
+          <p:spPr>
+            <a:xfrm rot="5400000">
+              <a:off x="940099" y="3834444"/>
+              <a:ext cx="380976" cy="584775"/>
+            </a:xfrm>
+            <a:prstGeom prst="rect">
+              <a:avLst/>
+            </a:prstGeom>
+            <a:ln w="25400">
+              <a:noFill/>
+            </a:ln>
+          </p:spPr>
+          <p:style>
+            <a:lnRef idx="2">
+              <a:schemeClr val="accent2"/>
+            </a:lnRef>
+            <a:fillRef idx="1">
+              <a:schemeClr val="lt1"/>
+            </a:fillRef>
+            <a:effectRef idx="0">
+              <a:schemeClr val="accent2"/>
+            </a:effectRef>
+            <a:fontRef idx="minor">
+              <a:schemeClr val="dk1"/>
+            </a:fontRef>
+          </p:style>
+          <p:txBody>
+            <a:bodyPr wrap="square" rtlCol="0" anchor="t">
+              <a:spAutoFit/>
+            </a:bodyPr>
+            <a:lstStyle/>
+            <a:p>
+              <a:pPr algn="ctr"/>
+              <a:r>
+                <a:rPr lang="de-DE" sz="3200" dirty="0"/>
+                <a:t>…</a:t>
+              </a:r>
+            </a:p>
+          </p:txBody>
+        </p:sp>
+        <p:sp>
+          <p:nvSpPr>
+            <p:cNvPr id="55" name="Textfeld 54">
+              <a:extLst>
+                <a:ext uri="{FF2B5EF4-FFF2-40B4-BE49-F238E27FC236}">
+                  <a16:creationId xmlns:a16="http://schemas.microsoft.com/office/drawing/2014/main" id="{FE2BC22E-CF4D-4A5A-BFD7-AFFE268BED07}"/>
+                </a:ext>
+              </a:extLst>
+            </p:cNvPr>
+            <p:cNvSpPr txBox="1"/>
+            <p:nvPr/>
+          </p:nvSpPr>
+          <p:spPr>
+            <a:xfrm>
+              <a:off x="542341" y="4317319"/>
+              <a:ext cx="945317" cy="276999"/>
+            </a:xfrm>
+            <a:prstGeom prst="rect">
+              <a:avLst/>
+            </a:prstGeom>
+            <a:noFill/>
+          </p:spPr>
+          <p:txBody>
+            <a:bodyPr wrap="square" rtlCol="0">
+              <a:spAutoFit/>
+            </a:bodyPr>
+            <a:lstStyle/>
+            <a:p>
+              <a:r>
+                <a:rPr lang="de-DE" sz="1200" dirty="0"/>
+                <a:t>8 weitere </a:t>
+              </a:r>
+              <a:r>
+                <a:rPr lang="el-GR" sz="1200" dirty="0"/>
+                <a:t>Δ</a:t>
+              </a:r>
+              <a:r>
+                <a:rPr lang="de-DE" sz="1200" dirty="0"/>
+                <a:t> </a:t>
+              </a:r>
+            </a:p>
+          </p:txBody>
+        </p:sp>
+      </p:grpSp>
     </p:spTree>
     <p:extLst>
       <p:ext uri="{BB962C8B-B14F-4D97-AF65-F5344CB8AC3E}">

--- a/Matthias/02-Patients3MBq/Was_wird_wie_getestet.pptx
+++ b/Matthias/02-Patients3MBq/Was_wird_wie_getestet.pptx
@@ -11,7 +11,8 @@
     <p:sldId id="261" r:id="rId5"/>
     <p:sldId id="262" r:id="rId6"/>
     <p:sldId id="263" r:id="rId7"/>
-    <p:sldId id="257" r:id="rId8"/>
+    <p:sldId id="264" r:id="rId8"/>
+    <p:sldId id="257" r:id="rId9"/>
   </p:sldIdLst>
   <p:sldSz cx="12192000" cy="6858000"/>
   <p:notesSz cx="7104063" cy="10234613"/>
@@ -265,7 +266,7 @@
           <a:p>
             <a:fld id="{6E20447D-E185-4F8E-8A5E-B1C6AF407A2E}" type="datetimeFigureOut">
               <a:rPr lang="de-DE" smtClean="0"/>
-              <a:t>07.04.2018</a:t>
+              <a:t>11.04.2018</a:t>
             </a:fld>
             <a:endParaRPr lang="de-DE"/>
           </a:p>
@@ -463,7 +464,7 @@
           <a:p>
             <a:fld id="{6E20447D-E185-4F8E-8A5E-B1C6AF407A2E}" type="datetimeFigureOut">
               <a:rPr lang="de-DE" smtClean="0"/>
-              <a:t>07.04.2018</a:t>
+              <a:t>11.04.2018</a:t>
             </a:fld>
             <a:endParaRPr lang="de-DE"/>
           </a:p>
@@ -671,7 +672,7 @@
           <a:p>
             <a:fld id="{6E20447D-E185-4F8E-8A5E-B1C6AF407A2E}" type="datetimeFigureOut">
               <a:rPr lang="de-DE" smtClean="0"/>
-              <a:t>07.04.2018</a:t>
+              <a:t>11.04.2018</a:t>
             </a:fld>
             <a:endParaRPr lang="de-DE"/>
           </a:p>
@@ -869,7 +870,7 @@
           <a:p>
             <a:fld id="{6E20447D-E185-4F8E-8A5E-B1C6AF407A2E}" type="datetimeFigureOut">
               <a:rPr lang="de-DE" smtClean="0"/>
-              <a:t>07.04.2018</a:t>
+              <a:t>11.04.2018</a:t>
             </a:fld>
             <a:endParaRPr lang="de-DE"/>
           </a:p>
@@ -1144,7 +1145,7 @@
           <a:p>
             <a:fld id="{6E20447D-E185-4F8E-8A5E-B1C6AF407A2E}" type="datetimeFigureOut">
               <a:rPr lang="de-DE" smtClean="0"/>
-              <a:t>07.04.2018</a:t>
+              <a:t>11.04.2018</a:t>
             </a:fld>
             <a:endParaRPr lang="de-DE"/>
           </a:p>
@@ -1409,7 +1410,7 @@
           <a:p>
             <a:fld id="{6E20447D-E185-4F8E-8A5E-B1C6AF407A2E}" type="datetimeFigureOut">
               <a:rPr lang="de-DE" smtClean="0"/>
-              <a:t>07.04.2018</a:t>
+              <a:t>11.04.2018</a:t>
             </a:fld>
             <a:endParaRPr lang="de-DE"/>
           </a:p>
@@ -1821,7 +1822,7 @@
           <a:p>
             <a:fld id="{6E20447D-E185-4F8E-8A5E-B1C6AF407A2E}" type="datetimeFigureOut">
               <a:rPr lang="de-DE" smtClean="0"/>
-              <a:t>07.04.2018</a:t>
+              <a:t>11.04.2018</a:t>
             </a:fld>
             <a:endParaRPr lang="de-DE"/>
           </a:p>
@@ -1962,7 +1963,7 @@
           <a:p>
             <a:fld id="{6E20447D-E185-4F8E-8A5E-B1C6AF407A2E}" type="datetimeFigureOut">
               <a:rPr lang="de-DE" smtClean="0"/>
-              <a:t>07.04.2018</a:t>
+              <a:t>11.04.2018</a:t>
             </a:fld>
             <a:endParaRPr lang="de-DE"/>
           </a:p>
@@ -2075,7 +2076,7 @@
           <a:p>
             <a:fld id="{6E20447D-E185-4F8E-8A5E-B1C6AF407A2E}" type="datetimeFigureOut">
               <a:rPr lang="de-DE" smtClean="0"/>
-              <a:t>07.04.2018</a:t>
+              <a:t>11.04.2018</a:t>
             </a:fld>
             <a:endParaRPr lang="de-DE"/>
           </a:p>
@@ -2386,7 +2387,7 @@
           <a:p>
             <a:fld id="{6E20447D-E185-4F8E-8A5E-B1C6AF407A2E}" type="datetimeFigureOut">
               <a:rPr lang="de-DE" smtClean="0"/>
-              <a:t>07.04.2018</a:t>
+              <a:t>11.04.2018</a:t>
             </a:fld>
             <a:endParaRPr lang="de-DE"/>
           </a:p>
@@ -2674,7 +2675,7 @@
           <a:p>
             <a:fld id="{6E20447D-E185-4F8E-8A5E-B1C6AF407A2E}" type="datetimeFigureOut">
               <a:rPr lang="de-DE" smtClean="0"/>
-              <a:t>07.04.2018</a:t>
+              <a:t>11.04.2018</a:t>
             </a:fld>
             <a:endParaRPr lang="de-DE"/>
           </a:p>
@@ -2915,7 +2916,7 @@
           <a:p>
             <a:fld id="{6E20447D-E185-4F8E-8A5E-B1C6AF407A2E}" type="datetimeFigureOut">
               <a:rPr lang="de-DE" smtClean="0"/>
-              <a:t>07.04.2018</a:t>
+              <a:t>11.04.2018</a:t>
             </a:fld>
             <a:endParaRPr lang="de-DE"/>
           </a:p>
@@ -18387,13 +18388,13 @@
         </p:nvSpPr>
         <p:spPr>
           <a:xfrm>
-            <a:off x="4295264" y="153573"/>
-            <a:ext cx="3419565" cy="652723"/>
+            <a:off x="3145871" y="114872"/>
+            <a:ext cx="5357523" cy="652723"/>
           </a:xfrm>
         </p:spPr>
         <p:txBody>
           <a:bodyPr>
-            <a:normAutofit/>
+            <a:normAutofit fontScale="90000"/>
           </a:bodyPr>
           <a:lstStyle/>
           <a:p>
@@ -18403,7 +18404,7 @@
                   <a:srgbClr val="FF0000"/>
                 </a:solidFill>
               </a:rPr>
-              <a:t>Variationskoeffizient</a:t>
+              <a:t>Variationskoeffizient - stufenweise</a:t>
             </a:r>
             <a:endParaRPr lang="de-DE" dirty="0">
               <a:solidFill>
@@ -20016,6 +20017,1898 @@
       </p:grpSpPr>
       <p:sp>
         <p:nvSpPr>
+          <p:cNvPr id="51" name="Textfeld 50">
+            <a:extLst>
+              <a:ext uri="{FF2B5EF4-FFF2-40B4-BE49-F238E27FC236}">
+                <a16:creationId xmlns:a16="http://schemas.microsoft.com/office/drawing/2014/main" id="{F89747A7-1544-4316-B9D2-7DD3FB8317FB}"/>
+              </a:ext>
+            </a:extLst>
+          </p:cNvPr>
+          <p:cNvSpPr txBox="1"/>
+          <p:nvPr/>
+        </p:nvSpPr>
+        <p:spPr>
+          <a:xfrm>
+            <a:off x="3210891" y="3452257"/>
+            <a:ext cx="3647109" cy="584775"/>
+          </a:xfrm>
+          <a:prstGeom prst="rect">
+            <a:avLst/>
+          </a:prstGeom>
+          <a:ln w="25400">
+            <a:noFill/>
+          </a:ln>
+        </p:spPr>
+        <p:style>
+          <a:lnRef idx="2">
+            <a:schemeClr val="accent2"/>
+          </a:lnRef>
+          <a:fillRef idx="1">
+            <a:schemeClr val="lt1"/>
+          </a:fillRef>
+          <a:effectRef idx="0">
+            <a:schemeClr val="accent2"/>
+          </a:effectRef>
+          <a:fontRef idx="minor">
+            <a:schemeClr val="dk1"/>
+          </a:fontRef>
+        </p:style>
+        <p:txBody>
+          <a:bodyPr wrap="square" rtlCol="0" anchor="t">
+            <a:spAutoFit/>
+          </a:bodyPr>
+          <a:lstStyle/>
+          <a:p>
+            <a:pPr algn="ctr"/>
+            <a:r>
+              <a:rPr lang="de-DE" sz="3200" dirty="0"/>
+              <a:t>… </a:t>
+            </a:r>
+            <a:r>
+              <a:rPr lang="de-DE" sz="1200" dirty="0"/>
+              <a:t>(17 weitere Patienten)</a:t>
+            </a:r>
+            <a:endParaRPr lang="de-DE" sz="3200" dirty="0"/>
+          </a:p>
+        </p:txBody>
+      </p:sp>
+      <p:sp>
+        <p:nvSpPr>
+          <p:cNvPr id="122" name="Rechteck: diagonal liegende Ecken abgerundet 121">
+            <a:extLst>
+              <a:ext uri="{FF2B5EF4-FFF2-40B4-BE49-F238E27FC236}">
+                <a16:creationId xmlns:a16="http://schemas.microsoft.com/office/drawing/2014/main" id="{3715AE71-27B8-4F39-B965-AE747EB46A30}"/>
+              </a:ext>
+            </a:extLst>
+          </p:cNvPr>
+          <p:cNvSpPr/>
+          <p:nvPr/>
+        </p:nvSpPr>
+        <p:spPr>
+          <a:xfrm>
+            <a:off x="8263654" y="1046744"/>
+            <a:ext cx="2929685" cy="4793408"/>
+          </a:xfrm>
+          <a:prstGeom prst="round2DiagRect">
+            <a:avLst>
+              <a:gd name="adj1" fmla="val 21544"/>
+              <a:gd name="adj2" fmla="val 25034"/>
+            </a:avLst>
+          </a:prstGeom>
+          <a:noFill/>
+          <a:ln w="38100">
+            <a:solidFill>
+              <a:srgbClr val="C00000">
+                <a:alpha val="51000"/>
+              </a:srgbClr>
+            </a:solidFill>
+          </a:ln>
+        </p:spPr>
+        <p:style>
+          <a:lnRef idx="2">
+            <a:schemeClr val="accent1">
+              <a:shade val="50000"/>
+            </a:schemeClr>
+          </a:lnRef>
+          <a:fillRef idx="1">
+            <a:schemeClr val="accent1"/>
+          </a:fillRef>
+          <a:effectRef idx="0">
+            <a:schemeClr val="accent1"/>
+          </a:effectRef>
+          <a:fontRef idx="minor">
+            <a:schemeClr val="lt1"/>
+          </a:fontRef>
+        </p:style>
+        <p:txBody>
+          <a:bodyPr rtlCol="0" anchor="b"/>
+          <a:lstStyle/>
+          <a:p>
+            <a:pPr algn="ctr"/>
+            <a:r>
+              <a:rPr lang="de-DE" sz="1600" dirty="0">
+                <a:solidFill>
+                  <a:srgbClr val="C00000"/>
+                </a:solidFill>
+              </a:rPr>
+              <a:t>Für jedes TF</a:t>
+            </a:r>
+          </a:p>
+          <a:p>
+            <a:pPr marL="342900" indent="-342900">
+              <a:buAutoNum type="arabicPeriod"/>
+            </a:pPr>
+            <a:r>
+              <a:rPr lang="de-DE" sz="1600" dirty="0" err="1">
+                <a:solidFill>
+                  <a:srgbClr val="C00000"/>
+                </a:solidFill>
+              </a:rPr>
+              <a:t>Boxplots</a:t>
+            </a:r>
+            <a:r>
+              <a:rPr lang="de-DE" sz="1600" dirty="0">
+                <a:solidFill>
+                  <a:srgbClr val="C00000"/>
+                </a:solidFill>
+              </a:rPr>
+              <a:t> aller V</a:t>
+            </a:r>
+            <a:r>
+              <a:rPr lang="el-GR" sz="1600" baseline="-25000" dirty="0">
+                <a:solidFill>
+                  <a:srgbClr val="C00000"/>
+                </a:solidFill>
+              </a:rPr>
+              <a:t>Δ</a:t>
+            </a:r>
+            <a:endParaRPr lang="de-DE" sz="1600" baseline="-25000" dirty="0">
+              <a:solidFill>
+                <a:srgbClr val="C00000"/>
+              </a:solidFill>
+            </a:endParaRPr>
+          </a:p>
+          <a:p>
+            <a:pPr marL="342900" indent="-342900">
+              <a:buAutoNum type="arabicPeriod"/>
+            </a:pPr>
+            <a:r>
+              <a:rPr lang="de-DE" sz="1600" dirty="0">
+                <a:solidFill>
+                  <a:srgbClr val="C00000"/>
+                </a:solidFill>
+              </a:rPr>
+              <a:t>Plot der V</a:t>
+            </a:r>
+            <a:r>
+              <a:rPr lang="el-GR" sz="1600" baseline="-25000" dirty="0">
+                <a:solidFill>
+                  <a:srgbClr val="C00000"/>
+                </a:solidFill>
+              </a:rPr>
+              <a:t>Δ</a:t>
+            </a:r>
+            <a:r>
+              <a:rPr lang="de-DE" sz="1600" baseline="-25000" dirty="0">
+                <a:solidFill>
+                  <a:srgbClr val="C00000"/>
+                </a:solidFill>
+              </a:rPr>
+              <a:t> </a:t>
+            </a:r>
+            <a:r>
+              <a:rPr lang="de-DE" sz="1600" dirty="0">
+                <a:solidFill>
+                  <a:srgbClr val="C00000"/>
+                </a:solidFill>
+              </a:rPr>
+              <a:t> über Dosen</a:t>
+            </a:r>
+          </a:p>
+          <a:p>
+            <a:pPr marL="342900" indent="-342900">
+              <a:buAutoNum type="arabicPeriod"/>
+            </a:pPr>
+            <a:r>
+              <a:rPr lang="de-DE" sz="1600" dirty="0">
+                <a:solidFill>
+                  <a:srgbClr val="C00000"/>
+                </a:solidFill>
+              </a:rPr>
+              <a:t>Summe der </a:t>
+            </a:r>
+            <a:r>
+              <a:rPr lang="de-DE" sz="1600" dirty="0" err="1">
+                <a:solidFill>
+                  <a:srgbClr val="C00000"/>
+                </a:solidFill>
+              </a:rPr>
+              <a:t>abs</a:t>
+            </a:r>
+            <a:r>
+              <a:rPr lang="de-DE" sz="1600" dirty="0">
+                <a:solidFill>
+                  <a:srgbClr val="C00000"/>
+                </a:solidFill>
+              </a:rPr>
+              <a:t>(V</a:t>
+            </a:r>
+            <a:r>
+              <a:rPr lang="el-GR" sz="1600" baseline="-25000" dirty="0">
+                <a:solidFill>
+                  <a:srgbClr val="C00000"/>
+                </a:solidFill>
+              </a:rPr>
+              <a:t>Δ</a:t>
+            </a:r>
+            <a:r>
+              <a:rPr lang="de-DE" sz="1600" dirty="0">
+                <a:solidFill>
+                  <a:srgbClr val="C00000"/>
+                </a:solidFill>
+              </a:rPr>
+              <a:t>) </a:t>
+            </a:r>
+          </a:p>
+          <a:p>
+            <a:pPr marL="342900" indent="-342900" algn="ctr">
+              <a:buAutoNum type="arabicPeriod"/>
+            </a:pPr>
+            <a:endParaRPr lang="de-DE" sz="1600" dirty="0">
+              <a:solidFill>
+                <a:srgbClr val="C00000"/>
+              </a:solidFill>
+            </a:endParaRPr>
+          </a:p>
+        </p:txBody>
+      </p:sp>
+      <p:sp>
+        <p:nvSpPr>
+          <p:cNvPr id="2" name="Titel 1">
+            <a:extLst>
+              <a:ext uri="{FF2B5EF4-FFF2-40B4-BE49-F238E27FC236}">
+                <a16:creationId xmlns:a16="http://schemas.microsoft.com/office/drawing/2014/main" id="{AB7D8AD4-A854-4FA2-B392-02AE7D9FEA61}"/>
+              </a:ext>
+            </a:extLst>
+          </p:cNvPr>
+          <p:cNvSpPr>
+            <a:spLocks noGrp="1"/>
+          </p:cNvSpPr>
+          <p:nvPr>
+            <p:ph type="title"/>
+          </p:nvPr>
+        </p:nvSpPr>
+        <p:spPr>
+          <a:xfrm>
+            <a:off x="1487658" y="114872"/>
+            <a:ext cx="8612015" cy="652723"/>
+          </a:xfrm>
+        </p:spPr>
+        <p:txBody>
+          <a:bodyPr>
+            <a:normAutofit/>
+          </a:bodyPr>
+          <a:lstStyle/>
+          <a:p>
+            <a:r>
+              <a:rPr lang="de-DE" sz="3100" dirty="0">
+                <a:solidFill>
+                  <a:srgbClr val="FF0000"/>
+                </a:solidFill>
+              </a:rPr>
+              <a:t>Variationskoeffizient – von Startpunkt 3MBq</a:t>
+            </a:r>
+            <a:endParaRPr lang="de-DE" dirty="0">
+              <a:solidFill>
+                <a:srgbClr val="FF0000"/>
+              </a:solidFill>
+            </a:endParaRPr>
+          </a:p>
+        </p:txBody>
+      </p:sp>
+      <p:grpSp>
+        <p:nvGrpSpPr>
+          <p:cNvPr id="103" name="Gruppieren 102">
+            <a:extLst>
+              <a:ext uri="{FF2B5EF4-FFF2-40B4-BE49-F238E27FC236}">
+                <a16:creationId xmlns:a16="http://schemas.microsoft.com/office/drawing/2014/main" id="{5A60EC0D-1205-4E5A-AF1F-D048589FFD8F}"/>
+              </a:ext>
+            </a:extLst>
+          </p:cNvPr>
+          <p:cNvGrpSpPr/>
+          <p:nvPr/>
+        </p:nvGrpSpPr>
+        <p:grpSpPr>
+          <a:xfrm>
+            <a:off x="363348" y="1184856"/>
+            <a:ext cx="3703927" cy="4030908"/>
+            <a:chOff x="239523" y="1690688"/>
+            <a:chExt cx="3703927" cy="4030908"/>
+          </a:xfrm>
+        </p:grpSpPr>
+        <p:sp>
+          <p:nvSpPr>
+            <p:cNvPr id="40" name="Rechteck: abgerundete Ecken 39">
+              <a:extLst>
+                <a:ext uri="{FF2B5EF4-FFF2-40B4-BE49-F238E27FC236}">
+                  <a16:creationId xmlns:a16="http://schemas.microsoft.com/office/drawing/2014/main" id="{EDF16CDB-102C-4468-9DFF-46076FA4EB69}"/>
+                </a:ext>
+              </a:extLst>
+            </p:cNvPr>
+            <p:cNvSpPr/>
+            <p:nvPr/>
+          </p:nvSpPr>
+          <p:spPr>
+            <a:xfrm>
+              <a:off x="1862980" y="1690688"/>
+              <a:ext cx="2080470" cy="4030908"/>
+            </a:xfrm>
+            <a:prstGeom prst="roundRect">
+              <a:avLst/>
+            </a:prstGeom>
+          </p:spPr>
+          <p:style>
+            <a:lnRef idx="2">
+              <a:schemeClr val="accent1">
+                <a:shade val="50000"/>
+              </a:schemeClr>
+            </a:lnRef>
+            <a:fillRef idx="1">
+              <a:schemeClr val="accent1"/>
+            </a:fillRef>
+            <a:effectRef idx="0">
+              <a:schemeClr val="accent1"/>
+            </a:effectRef>
+            <a:fontRef idx="minor">
+              <a:schemeClr val="lt1"/>
+            </a:fontRef>
+          </p:style>
+          <p:txBody>
+            <a:bodyPr rtlCol="0" anchor="t"/>
+            <a:lstStyle/>
+            <a:p>
+              <a:pPr algn="ctr"/>
+              <a:r>
+                <a:rPr lang="de-DE" dirty="0"/>
+                <a:t>Patient 01 – ROI Y</a:t>
+              </a:r>
+            </a:p>
+          </p:txBody>
+        </p:sp>
+        <p:sp>
+          <p:nvSpPr>
+            <p:cNvPr id="41" name="Rechteck: abgerundete Ecken 40">
+              <a:extLst>
+                <a:ext uri="{FF2B5EF4-FFF2-40B4-BE49-F238E27FC236}">
+                  <a16:creationId xmlns:a16="http://schemas.microsoft.com/office/drawing/2014/main" id="{4BCD1A16-465C-42B5-A383-DF96C2308C27}"/>
+                </a:ext>
+              </a:extLst>
+            </p:cNvPr>
+            <p:cNvSpPr/>
+            <p:nvPr/>
+          </p:nvSpPr>
+          <p:spPr>
+            <a:xfrm>
+              <a:off x="2041117" y="4700435"/>
+              <a:ext cx="1724192" cy="540617"/>
+            </a:xfrm>
+            <a:prstGeom prst="roundRect">
+              <a:avLst/>
+            </a:prstGeom>
+          </p:spPr>
+          <p:style>
+            <a:lnRef idx="2">
+              <a:schemeClr val="accent5">
+                <a:shade val="50000"/>
+              </a:schemeClr>
+            </a:lnRef>
+            <a:fillRef idx="1">
+              <a:schemeClr val="accent5"/>
+            </a:fillRef>
+            <a:effectRef idx="0">
+              <a:schemeClr val="accent5"/>
+            </a:effectRef>
+            <a:fontRef idx="minor">
+              <a:schemeClr val="lt1"/>
+            </a:fontRef>
+          </p:style>
+          <p:txBody>
+            <a:bodyPr rtlCol="0" anchor="ctr"/>
+            <a:lstStyle/>
+            <a:p>
+              <a:pPr lvl="0" algn="ctr"/>
+              <a:r>
+                <a:rPr lang="de-DE" sz="1200" dirty="0">
+                  <a:solidFill>
+                    <a:prstClr val="white"/>
+                  </a:solidFill>
+                </a:rPr>
+                <a:t>… weitere Dosen …</a:t>
+              </a:r>
+            </a:p>
+          </p:txBody>
+        </p:sp>
+        <p:sp>
+          <p:nvSpPr>
+            <p:cNvPr id="44" name="Rechteck: abgerundete Ecken 43">
+              <a:extLst>
+                <a:ext uri="{FF2B5EF4-FFF2-40B4-BE49-F238E27FC236}">
+                  <a16:creationId xmlns:a16="http://schemas.microsoft.com/office/drawing/2014/main" id="{30971608-D2F8-42F2-81A9-268A5170B067}"/>
+                </a:ext>
+              </a:extLst>
+            </p:cNvPr>
+            <p:cNvSpPr/>
+            <p:nvPr/>
+          </p:nvSpPr>
+          <p:spPr>
+            <a:xfrm>
+              <a:off x="2041119" y="2217075"/>
+              <a:ext cx="1724192" cy="709695"/>
+            </a:xfrm>
+            <a:prstGeom prst="roundRect">
+              <a:avLst/>
+            </a:prstGeom>
+          </p:spPr>
+          <p:style>
+            <a:lnRef idx="2">
+              <a:schemeClr val="accent5">
+                <a:shade val="50000"/>
+              </a:schemeClr>
+            </a:lnRef>
+            <a:fillRef idx="1">
+              <a:schemeClr val="accent5"/>
+            </a:fillRef>
+            <a:effectRef idx="0">
+              <a:schemeClr val="accent5"/>
+            </a:effectRef>
+            <a:fontRef idx="minor">
+              <a:schemeClr val="lt1"/>
+            </a:fontRef>
+          </p:style>
+          <p:txBody>
+            <a:bodyPr rtlCol="0" anchor="t"/>
+            <a:lstStyle/>
+            <a:p>
+              <a:pPr algn="ctr"/>
+              <a:r>
+                <a:rPr lang="de-DE" sz="1000" dirty="0"/>
+                <a:t>Dose 3.00 mit TFX</a:t>
+              </a:r>
+            </a:p>
+          </p:txBody>
+        </p:sp>
+        <p:sp>
+          <p:nvSpPr>
+            <p:cNvPr id="60" name="Rechteck: abgerundete Ecken 59">
+              <a:extLst>
+                <a:ext uri="{FF2B5EF4-FFF2-40B4-BE49-F238E27FC236}">
+                  <a16:creationId xmlns:a16="http://schemas.microsoft.com/office/drawing/2014/main" id="{A4B149DF-01C4-4234-9388-D8B60FAC80A5}"/>
+                </a:ext>
+              </a:extLst>
+            </p:cNvPr>
+            <p:cNvSpPr/>
+            <p:nvPr/>
+          </p:nvSpPr>
+          <p:spPr>
+            <a:xfrm>
+              <a:off x="2041119" y="3016251"/>
+              <a:ext cx="1724192" cy="709695"/>
+            </a:xfrm>
+            <a:prstGeom prst="roundRect">
+              <a:avLst/>
+            </a:prstGeom>
+          </p:spPr>
+          <p:style>
+            <a:lnRef idx="2">
+              <a:schemeClr val="accent5">
+                <a:shade val="50000"/>
+              </a:schemeClr>
+            </a:lnRef>
+            <a:fillRef idx="1">
+              <a:schemeClr val="accent5"/>
+            </a:fillRef>
+            <a:effectRef idx="0">
+              <a:schemeClr val="accent5"/>
+            </a:effectRef>
+            <a:fontRef idx="minor">
+              <a:schemeClr val="lt1"/>
+            </a:fontRef>
+          </p:style>
+          <p:txBody>
+            <a:bodyPr rtlCol="0" anchor="t"/>
+            <a:lstStyle/>
+            <a:p>
+              <a:pPr algn="ctr"/>
+              <a:r>
+                <a:rPr lang="de-DE" sz="1000" dirty="0"/>
+                <a:t>Dose 2.75 mit TFX</a:t>
+              </a:r>
+            </a:p>
+          </p:txBody>
+        </p:sp>
+        <p:sp>
+          <p:nvSpPr>
+            <p:cNvPr id="63" name="Rechteck: abgerundete Ecken 62">
+              <a:extLst>
+                <a:ext uri="{FF2B5EF4-FFF2-40B4-BE49-F238E27FC236}">
+                  <a16:creationId xmlns:a16="http://schemas.microsoft.com/office/drawing/2014/main" id="{0ED9BB24-67D9-480D-B1B3-3F3DC833F93B}"/>
+                </a:ext>
+              </a:extLst>
+            </p:cNvPr>
+            <p:cNvSpPr/>
+            <p:nvPr/>
+          </p:nvSpPr>
+          <p:spPr>
+            <a:xfrm>
+              <a:off x="2041118" y="3813636"/>
+              <a:ext cx="1724192" cy="709695"/>
+            </a:xfrm>
+            <a:prstGeom prst="roundRect">
+              <a:avLst/>
+            </a:prstGeom>
+          </p:spPr>
+          <p:style>
+            <a:lnRef idx="2">
+              <a:schemeClr val="accent5">
+                <a:shade val="50000"/>
+              </a:schemeClr>
+            </a:lnRef>
+            <a:fillRef idx="1">
+              <a:schemeClr val="accent5"/>
+            </a:fillRef>
+            <a:effectRef idx="0">
+              <a:schemeClr val="accent5"/>
+            </a:effectRef>
+            <a:fontRef idx="minor">
+              <a:schemeClr val="lt1"/>
+            </a:fontRef>
+          </p:style>
+          <p:txBody>
+            <a:bodyPr rtlCol="0" anchor="t"/>
+            <a:lstStyle/>
+            <a:p>
+              <a:pPr algn="ctr"/>
+              <a:r>
+                <a:rPr lang="de-DE" sz="1000" dirty="0"/>
+                <a:t>Dose 2.5 mit TFX</a:t>
+              </a:r>
+            </a:p>
+          </p:txBody>
+        </p:sp>
+        <p:sp>
+          <p:nvSpPr>
+            <p:cNvPr id="81" name="Rechteck 80">
+              <a:extLst>
+                <a:ext uri="{FF2B5EF4-FFF2-40B4-BE49-F238E27FC236}">
+                  <a16:creationId xmlns:a16="http://schemas.microsoft.com/office/drawing/2014/main" id="{997A78D9-B8D5-4846-9291-BA663FDC2B93}"/>
+                </a:ext>
+              </a:extLst>
+            </p:cNvPr>
+            <p:cNvSpPr/>
+            <p:nvPr/>
+          </p:nvSpPr>
+          <p:spPr>
+            <a:xfrm>
+              <a:off x="245358" y="2720117"/>
+              <a:ext cx="1303307" cy="502787"/>
+            </a:xfrm>
+            <a:prstGeom prst="rect">
+              <a:avLst/>
+            </a:prstGeom>
+          </p:spPr>
+          <p:style>
+            <a:lnRef idx="2">
+              <a:schemeClr val="accent2">
+                <a:shade val="50000"/>
+              </a:schemeClr>
+            </a:lnRef>
+            <a:fillRef idx="1">
+              <a:schemeClr val="accent2"/>
+            </a:fillRef>
+            <a:effectRef idx="0">
+              <a:schemeClr val="accent2"/>
+            </a:effectRef>
+            <a:fontRef idx="minor">
+              <a:schemeClr val="lt1"/>
+            </a:fontRef>
+          </p:style>
+          <p:txBody>
+            <a:bodyPr rtlCol="0" anchor="ctr"/>
+            <a:lstStyle/>
+            <a:p>
+              <a:pPr algn="ctr"/>
+              <a:r>
+                <a:rPr lang="el-GR" sz="1200" dirty="0"/>
+                <a:t>Δ</a:t>
+              </a:r>
+              <a:r>
+                <a:rPr lang="de-DE" sz="1200" dirty="0"/>
+                <a:t>=TFX</a:t>
+              </a:r>
+              <a:r>
+                <a:rPr lang="de-DE" sz="1200" baseline="-25000" dirty="0"/>
+                <a:t>3.00</a:t>
+              </a:r>
+              <a:r>
+                <a:rPr lang="de-DE" sz="1200" dirty="0"/>
+                <a:t> – TFX</a:t>
+              </a:r>
+              <a:r>
+                <a:rPr lang="de-DE" sz="1200" baseline="-25000" dirty="0"/>
+                <a:t>2.75</a:t>
+              </a:r>
+              <a:r>
+                <a:rPr lang="de-DE" sz="1200" dirty="0"/>
+                <a:t> </a:t>
+              </a:r>
+            </a:p>
+          </p:txBody>
+        </p:sp>
+        <p:sp>
+          <p:nvSpPr>
+            <p:cNvPr id="82" name="Rechteck 81">
+              <a:extLst>
+                <a:ext uri="{FF2B5EF4-FFF2-40B4-BE49-F238E27FC236}">
+                  <a16:creationId xmlns:a16="http://schemas.microsoft.com/office/drawing/2014/main" id="{BF786991-2181-43EB-90F8-094A3A39E954}"/>
+                </a:ext>
+              </a:extLst>
+            </p:cNvPr>
+            <p:cNvSpPr/>
+            <p:nvPr/>
+          </p:nvSpPr>
+          <p:spPr>
+            <a:xfrm>
+              <a:off x="239523" y="3530745"/>
+              <a:ext cx="1303305" cy="502787"/>
+            </a:xfrm>
+            <a:prstGeom prst="rect">
+              <a:avLst/>
+            </a:prstGeom>
+          </p:spPr>
+          <p:style>
+            <a:lnRef idx="2">
+              <a:schemeClr val="accent2">
+                <a:shade val="50000"/>
+              </a:schemeClr>
+            </a:lnRef>
+            <a:fillRef idx="1">
+              <a:schemeClr val="accent2"/>
+            </a:fillRef>
+            <a:effectRef idx="0">
+              <a:schemeClr val="accent2"/>
+            </a:effectRef>
+            <a:fontRef idx="minor">
+              <a:schemeClr val="lt1"/>
+            </a:fontRef>
+          </p:style>
+          <p:txBody>
+            <a:bodyPr rtlCol="0" anchor="ctr"/>
+            <a:lstStyle/>
+            <a:p>
+              <a:pPr algn="ctr"/>
+              <a:r>
+                <a:rPr lang="el-GR" sz="1200" dirty="0"/>
+                <a:t>Δ</a:t>
+              </a:r>
+              <a:r>
+                <a:rPr lang="de-DE" sz="1200" dirty="0"/>
+                <a:t>=TFX</a:t>
+              </a:r>
+              <a:r>
+                <a:rPr lang="de-DE" sz="1200" baseline="-25000" dirty="0"/>
+                <a:t>2.75</a:t>
+              </a:r>
+              <a:r>
+                <a:rPr lang="de-DE" sz="1200" dirty="0"/>
+                <a:t> – TFX</a:t>
+              </a:r>
+              <a:r>
+                <a:rPr lang="de-DE" sz="1200" baseline="-25000" dirty="0"/>
+                <a:t>2.50</a:t>
+              </a:r>
+              <a:r>
+                <a:rPr lang="de-DE" sz="1200" dirty="0"/>
+                <a:t> </a:t>
+              </a:r>
+            </a:p>
+          </p:txBody>
+        </p:sp>
+        <p:cxnSp>
+          <p:nvCxnSpPr>
+            <p:cNvPr id="84" name="Verbinder: gewinkelt 83">
+              <a:extLst>
+                <a:ext uri="{FF2B5EF4-FFF2-40B4-BE49-F238E27FC236}">
+                  <a16:creationId xmlns:a16="http://schemas.microsoft.com/office/drawing/2014/main" id="{572E8392-E833-4462-B563-753AB615E6C3}"/>
+                </a:ext>
+              </a:extLst>
+            </p:cNvPr>
+            <p:cNvCxnSpPr>
+              <a:cxnSpLocks/>
+              <a:stCxn id="44" idx="1"/>
+              <a:endCxn id="60" idx="1"/>
+            </p:cNvCxnSpPr>
+            <p:nvPr/>
+          </p:nvCxnSpPr>
+          <p:spPr>
+            <a:xfrm rot="10800000" flipV="1">
+              <a:off x="2041119" y="2571923"/>
+              <a:ext cx="12700" cy="799176"/>
+            </a:xfrm>
+            <a:prstGeom prst="bentConnector3">
+              <a:avLst>
+                <a:gd name="adj1" fmla="val 3979819"/>
+              </a:avLst>
+            </a:prstGeom>
+            <a:ln>
+              <a:headEnd type="triangle"/>
+              <a:tailEnd type="triangle"/>
+            </a:ln>
+          </p:spPr>
+          <p:style>
+            <a:lnRef idx="3">
+              <a:schemeClr val="accent2"/>
+            </a:lnRef>
+            <a:fillRef idx="0">
+              <a:schemeClr val="accent2"/>
+            </a:fillRef>
+            <a:effectRef idx="2">
+              <a:schemeClr val="accent2"/>
+            </a:effectRef>
+            <a:fontRef idx="minor">
+              <a:schemeClr val="tx1"/>
+            </a:fontRef>
+          </p:style>
+        </p:cxnSp>
+        <p:cxnSp>
+          <p:nvCxnSpPr>
+            <p:cNvPr id="102" name="Verbinder: gewinkelt 101">
+              <a:extLst>
+                <a:ext uri="{FF2B5EF4-FFF2-40B4-BE49-F238E27FC236}">
+                  <a16:creationId xmlns:a16="http://schemas.microsoft.com/office/drawing/2014/main" id="{74CCA3F5-B152-4EA9-8CA7-466941BBB300}"/>
+                </a:ext>
+              </a:extLst>
+            </p:cNvPr>
+            <p:cNvCxnSpPr>
+              <a:cxnSpLocks/>
+            </p:cNvCxnSpPr>
+            <p:nvPr/>
+          </p:nvCxnSpPr>
+          <p:spPr>
+            <a:xfrm rot="10800000" flipV="1">
+              <a:off x="2044132" y="3382551"/>
+              <a:ext cx="12700" cy="799176"/>
+            </a:xfrm>
+            <a:prstGeom prst="bentConnector3">
+              <a:avLst>
+                <a:gd name="adj1" fmla="val 3979819"/>
+              </a:avLst>
+            </a:prstGeom>
+            <a:ln>
+              <a:headEnd type="triangle"/>
+              <a:tailEnd type="triangle"/>
+            </a:ln>
+          </p:spPr>
+          <p:style>
+            <a:lnRef idx="3">
+              <a:schemeClr val="accent2"/>
+            </a:lnRef>
+            <a:fillRef idx="0">
+              <a:schemeClr val="accent2"/>
+            </a:fillRef>
+            <a:effectRef idx="2">
+              <a:schemeClr val="accent2"/>
+            </a:effectRef>
+            <a:fontRef idx="minor">
+              <a:schemeClr val="tx1"/>
+            </a:fontRef>
+          </p:style>
+        </p:cxnSp>
+      </p:grpSp>
+      <p:grpSp>
+        <p:nvGrpSpPr>
+          <p:cNvPr id="104" name="Gruppieren 103">
+            <a:extLst>
+              <a:ext uri="{FF2B5EF4-FFF2-40B4-BE49-F238E27FC236}">
+                <a16:creationId xmlns:a16="http://schemas.microsoft.com/office/drawing/2014/main" id="{80173822-0968-445E-89E9-2EF0769D5482}"/>
+              </a:ext>
+            </a:extLst>
+          </p:cNvPr>
+          <p:cNvGrpSpPr/>
+          <p:nvPr/>
+        </p:nvGrpSpPr>
+        <p:grpSpPr>
+          <a:xfrm>
+            <a:off x="4381590" y="1184856"/>
+            <a:ext cx="3703927" cy="4030908"/>
+            <a:chOff x="239523" y="1690688"/>
+            <a:chExt cx="3703927" cy="4030908"/>
+          </a:xfrm>
+        </p:grpSpPr>
+        <p:sp>
+          <p:nvSpPr>
+            <p:cNvPr id="105" name="Rechteck: abgerundete Ecken 104">
+              <a:extLst>
+                <a:ext uri="{FF2B5EF4-FFF2-40B4-BE49-F238E27FC236}">
+                  <a16:creationId xmlns:a16="http://schemas.microsoft.com/office/drawing/2014/main" id="{C0756CD7-4A6A-4627-9947-D27167808953}"/>
+                </a:ext>
+              </a:extLst>
+            </p:cNvPr>
+            <p:cNvSpPr/>
+            <p:nvPr/>
+          </p:nvSpPr>
+          <p:spPr>
+            <a:xfrm>
+              <a:off x="1862980" y="1690688"/>
+              <a:ext cx="2080470" cy="4030908"/>
+            </a:xfrm>
+            <a:prstGeom prst="roundRect">
+              <a:avLst/>
+            </a:prstGeom>
+          </p:spPr>
+          <p:style>
+            <a:lnRef idx="2">
+              <a:schemeClr val="accent1">
+                <a:shade val="50000"/>
+              </a:schemeClr>
+            </a:lnRef>
+            <a:fillRef idx="1">
+              <a:schemeClr val="accent1"/>
+            </a:fillRef>
+            <a:effectRef idx="0">
+              <a:schemeClr val="accent1"/>
+            </a:effectRef>
+            <a:fontRef idx="minor">
+              <a:schemeClr val="lt1"/>
+            </a:fontRef>
+          </p:style>
+          <p:txBody>
+            <a:bodyPr rtlCol="0" anchor="t"/>
+            <a:lstStyle/>
+            <a:p>
+              <a:pPr algn="ctr"/>
+              <a:r>
+                <a:rPr lang="de-DE" dirty="0"/>
+                <a:t>Patient 29 – ROI Y</a:t>
+              </a:r>
+            </a:p>
+          </p:txBody>
+        </p:sp>
+        <p:sp>
+          <p:nvSpPr>
+            <p:cNvPr id="106" name="Rechteck: abgerundete Ecken 105">
+              <a:extLst>
+                <a:ext uri="{FF2B5EF4-FFF2-40B4-BE49-F238E27FC236}">
+                  <a16:creationId xmlns:a16="http://schemas.microsoft.com/office/drawing/2014/main" id="{5A8F11AA-E64A-4526-A539-5728D5D5AEA5}"/>
+                </a:ext>
+              </a:extLst>
+            </p:cNvPr>
+            <p:cNvSpPr/>
+            <p:nvPr/>
+          </p:nvSpPr>
+          <p:spPr>
+            <a:xfrm>
+              <a:off x="2041117" y="4700435"/>
+              <a:ext cx="1724192" cy="540617"/>
+            </a:xfrm>
+            <a:prstGeom prst="roundRect">
+              <a:avLst/>
+            </a:prstGeom>
+          </p:spPr>
+          <p:style>
+            <a:lnRef idx="2">
+              <a:schemeClr val="accent5">
+                <a:shade val="50000"/>
+              </a:schemeClr>
+            </a:lnRef>
+            <a:fillRef idx="1">
+              <a:schemeClr val="accent5"/>
+            </a:fillRef>
+            <a:effectRef idx="0">
+              <a:schemeClr val="accent5"/>
+            </a:effectRef>
+            <a:fontRef idx="minor">
+              <a:schemeClr val="lt1"/>
+            </a:fontRef>
+          </p:style>
+          <p:txBody>
+            <a:bodyPr rtlCol="0" anchor="ctr"/>
+            <a:lstStyle/>
+            <a:p>
+              <a:pPr lvl="0" algn="ctr"/>
+              <a:r>
+                <a:rPr lang="de-DE" sz="1200" dirty="0">
+                  <a:solidFill>
+                    <a:prstClr val="white"/>
+                  </a:solidFill>
+                </a:rPr>
+                <a:t>… weitere Dosen …</a:t>
+              </a:r>
+            </a:p>
+          </p:txBody>
+        </p:sp>
+        <p:sp>
+          <p:nvSpPr>
+            <p:cNvPr id="118" name="Rechteck: abgerundete Ecken 117">
+              <a:extLst>
+                <a:ext uri="{FF2B5EF4-FFF2-40B4-BE49-F238E27FC236}">
+                  <a16:creationId xmlns:a16="http://schemas.microsoft.com/office/drawing/2014/main" id="{E53A8A42-1D7B-4F22-A6CF-33813C130E9F}"/>
+                </a:ext>
+              </a:extLst>
+            </p:cNvPr>
+            <p:cNvSpPr/>
+            <p:nvPr/>
+          </p:nvSpPr>
+          <p:spPr>
+            <a:xfrm>
+              <a:off x="2041119" y="2217075"/>
+              <a:ext cx="1724192" cy="709695"/>
+            </a:xfrm>
+            <a:prstGeom prst="roundRect">
+              <a:avLst/>
+            </a:prstGeom>
+          </p:spPr>
+          <p:style>
+            <a:lnRef idx="2">
+              <a:schemeClr val="accent5">
+                <a:shade val="50000"/>
+              </a:schemeClr>
+            </a:lnRef>
+            <a:fillRef idx="1">
+              <a:schemeClr val="accent5"/>
+            </a:fillRef>
+            <a:effectRef idx="0">
+              <a:schemeClr val="accent5"/>
+            </a:effectRef>
+            <a:fontRef idx="minor">
+              <a:schemeClr val="lt1"/>
+            </a:fontRef>
+          </p:style>
+          <p:txBody>
+            <a:bodyPr rtlCol="0" anchor="t"/>
+            <a:lstStyle/>
+            <a:p>
+              <a:pPr algn="ctr"/>
+              <a:r>
+                <a:rPr lang="de-DE" sz="1000" dirty="0"/>
+                <a:t>Dose 3.00 mit TFX</a:t>
+              </a:r>
+            </a:p>
+          </p:txBody>
+        </p:sp>
+        <p:sp>
+          <p:nvSpPr>
+            <p:cNvPr id="116" name="Rechteck: abgerundete Ecken 115">
+              <a:extLst>
+                <a:ext uri="{FF2B5EF4-FFF2-40B4-BE49-F238E27FC236}">
+                  <a16:creationId xmlns:a16="http://schemas.microsoft.com/office/drawing/2014/main" id="{46353D68-B6C4-4E3A-A0CE-0E2B0FCFAAD8}"/>
+                </a:ext>
+              </a:extLst>
+            </p:cNvPr>
+            <p:cNvSpPr/>
+            <p:nvPr/>
+          </p:nvSpPr>
+          <p:spPr>
+            <a:xfrm>
+              <a:off x="2041119" y="3016251"/>
+              <a:ext cx="1724192" cy="709695"/>
+            </a:xfrm>
+            <a:prstGeom prst="roundRect">
+              <a:avLst/>
+            </a:prstGeom>
+          </p:spPr>
+          <p:style>
+            <a:lnRef idx="2">
+              <a:schemeClr val="accent5">
+                <a:shade val="50000"/>
+              </a:schemeClr>
+            </a:lnRef>
+            <a:fillRef idx="1">
+              <a:schemeClr val="accent5"/>
+            </a:fillRef>
+            <a:effectRef idx="0">
+              <a:schemeClr val="accent5"/>
+            </a:effectRef>
+            <a:fontRef idx="minor">
+              <a:schemeClr val="lt1"/>
+            </a:fontRef>
+          </p:style>
+          <p:txBody>
+            <a:bodyPr rtlCol="0" anchor="t"/>
+            <a:lstStyle/>
+            <a:p>
+              <a:pPr algn="ctr"/>
+              <a:r>
+                <a:rPr lang="de-DE" sz="1000" dirty="0"/>
+                <a:t>Dose 2.75 mit TFX</a:t>
+              </a:r>
+            </a:p>
+          </p:txBody>
+        </p:sp>
+        <p:sp>
+          <p:nvSpPr>
+            <p:cNvPr id="114" name="Rechteck: abgerundete Ecken 113">
+              <a:extLst>
+                <a:ext uri="{FF2B5EF4-FFF2-40B4-BE49-F238E27FC236}">
+                  <a16:creationId xmlns:a16="http://schemas.microsoft.com/office/drawing/2014/main" id="{958C964F-19FB-4034-855C-E9BC1F0AA799}"/>
+                </a:ext>
+              </a:extLst>
+            </p:cNvPr>
+            <p:cNvSpPr/>
+            <p:nvPr/>
+          </p:nvSpPr>
+          <p:spPr>
+            <a:xfrm>
+              <a:off x="2041118" y="3813636"/>
+              <a:ext cx="1724192" cy="709695"/>
+            </a:xfrm>
+            <a:prstGeom prst="roundRect">
+              <a:avLst/>
+            </a:prstGeom>
+          </p:spPr>
+          <p:style>
+            <a:lnRef idx="2">
+              <a:schemeClr val="accent5">
+                <a:shade val="50000"/>
+              </a:schemeClr>
+            </a:lnRef>
+            <a:fillRef idx="1">
+              <a:schemeClr val="accent5"/>
+            </a:fillRef>
+            <a:effectRef idx="0">
+              <a:schemeClr val="accent5"/>
+            </a:effectRef>
+            <a:fontRef idx="minor">
+              <a:schemeClr val="lt1"/>
+            </a:fontRef>
+          </p:style>
+          <p:txBody>
+            <a:bodyPr rtlCol="0" anchor="t"/>
+            <a:lstStyle/>
+            <a:p>
+              <a:pPr algn="ctr"/>
+              <a:r>
+                <a:rPr lang="de-DE" sz="1000" dirty="0"/>
+                <a:t>Dose 2.5 mit TFX</a:t>
+              </a:r>
+            </a:p>
+          </p:txBody>
+        </p:sp>
+        <p:sp>
+          <p:nvSpPr>
+            <p:cNvPr id="110" name="Rechteck 109">
+              <a:extLst>
+                <a:ext uri="{FF2B5EF4-FFF2-40B4-BE49-F238E27FC236}">
+                  <a16:creationId xmlns:a16="http://schemas.microsoft.com/office/drawing/2014/main" id="{D261BAA8-5CE4-41E3-9B0F-D11D935EDBD9}"/>
+                </a:ext>
+              </a:extLst>
+            </p:cNvPr>
+            <p:cNvSpPr/>
+            <p:nvPr/>
+          </p:nvSpPr>
+          <p:spPr>
+            <a:xfrm>
+              <a:off x="245358" y="2720117"/>
+              <a:ext cx="1303307" cy="502787"/>
+            </a:xfrm>
+            <a:prstGeom prst="rect">
+              <a:avLst/>
+            </a:prstGeom>
+          </p:spPr>
+          <p:style>
+            <a:lnRef idx="2">
+              <a:schemeClr val="accent2">
+                <a:shade val="50000"/>
+              </a:schemeClr>
+            </a:lnRef>
+            <a:fillRef idx="1">
+              <a:schemeClr val="accent2"/>
+            </a:fillRef>
+            <a:effectRef idx="0">
+              <a:schemeClr val="accent2"/>
+            </a:effectRef>
+            <a:fontRef idx="minor">
+              <a:schemeClr val="lt1"/>
+            </a:fontRef>
+          </p:style>
+          <p:txBody>
+            <a:bodyPr rtlCol="0" anchor="ctr"/>
+            <a:lstStyle/>
+            <a:p>
+              <a:pPr algn="ctr"/>
+              <a:r>
+                <a:rPr lang="el-GR" sz="1200" dirty="0"/>
+                <a:t>Δ</a:t>
+              </a:r>
+              <a:r>
+                <a:rPr lang="de-DE" sz="1200" dirty="0"/>
+                <a:t>=TFX</a:t>
+              </a:r>
+              <a:r>
+                <a:rPr lang="de-DE" sz="1200" baseline="-25000" dirty="0"/>
+                <a:t>3.00</a:t>
+              </a:r>
+              <a:r>
+                <a:rPr lang="de-DE" sz="1200" dirty="0"/>
+                <a:t> – TFX</a:t>
+              </a:r>
+              <a:r>
+                <a:rPr lang="de-DE" sz="1200" baseline="-25000" dirty="0"/>
+                <a:t>2.75</a:t>
+              </a:r>
+              <a:r>
+                <a:rPr lang="de-DE" sz="1200" dirty="0"/>
+                <a:t> </a:t>
+              </a:r>
+            </a:p>
+          </p:txBody>
+        </p:sp>
+        <p:sp>
+          <p:nvSpPr>
+            <p:cNvPr id="111" name="Rechteck 110">
+              <a:extLst>
+                <a:ext uri="{FF2B5EF4-FFF2-40B4-BE49-F238E27FC236}">
+                  <a16:creationId xmlns:a16="http://schemas.microsoft.com/office/drawing/2014/main" id="{6BA5F125-C666-4FD4-9201-B9128F39FC1F}"/>
+                </a:ext>
+              </a:extLst>
+            </p:cNvPr>
+            <p:cNvSpPr/>
+            <p:nvPr/>
+          </p:nvSpPr>
+          <p:spPr>
+            <a:xfrm>
+              <a:off x="239523" y="3530745"/>
+              <a:ext cx="1303305" cy="502787"/>
+            </a:xfrm>
+            <a:prstGeom prst="rect">
+              <a:avLst/>
+            </a:prstGeom>
+          </p:spPr>
+          <p:style>
+            <a:lnRef idx="2">
+              <a:schemeClr val="accent2">
+                <a:shade val="50000"/>
+              </a:schemeClr>
+            </a:lnRef>
+            <a:fillRef idx="1">
+              <a:schemeClr val="accent2"/>
+            </a:fillRef>
+            <a:effectRef idx="0">
+              <a:schemeClr val="accent2"/>
+            </a:effectRef>
+            <a:fontRef idx="minor">
+              <a:schemeClr val="lt1"/>
+            </a:fontRef>
+          </p:style>
+          <p:txBody>
+            <a:bodyPr rtlCol="0" anchor="ctr"/>
+            <a:lstStyle/>
+            <a:p>
+              <a:pPr algn="ctr"/>
+              <a:r>
+                <a:rPr lang="el-GR" sz="1200" dirty="0"/>
+                <a:t>Δ</a:t>
+              </a:r>
+              <a:r>
+                <a:rPr lang="de-DE" sz="1200" dirty="0"/>
+                <a:t>=TFX</a:t>
+              </a:r>
+              <a:r>
+                <a:rPr lang="de-DE" sz="1200" baseline="-25000" dirty="0"/>
+                <a:t>2.75</a:t>
+              </a:r>
+              <a:r>
+                <a:rPr lang="de-DE" sz="1200" dirty="0"/>
+                <a:t> – TFX</a:t>
+              </a:r>
+              <a:r>
+                <a:rPr lang="de-DE" sz="1200" baseline="-25000" dirty="0"/>
+                <a:t>2.50</a:t>
+              </a:r>
+              <a:r>
+                <a:rPr lang="de-DE" sz="1200" dirty="0"/>
+                <a:t> </a:t>
+              </a:r>
+            </a:p>
+          </p:txBody>
+        </p:sp>
+        <p:cxnSp>
+          <p:nvCxnSpPr>
+            <p:cNvPr id="112" name="Verbinder: gewinkelt 111">
+              <a:extLst>
+                <a:ext uri="{FF2B5EF4-FFF2-40B4-BE49-F238E27FC236}">
+                  <a16:creationId xmlns:a16="http://schemas.microsoft.com/office/drawing/2014/main" id="{FDCD4DC3-73AF-45A4-A569-95D5BE25293F}"/>
+                </a:ext>
+              </a:extLst>
+            </p:cNvPr>
+            <p:cNvCxnSpPr>
+              <a:cxnSpLocks/>
+              <a:stCxn id="118" idx="1"/>
+              <a:endCxn id="116" idx="1"/>
+            </p:cNvCxnSpPr>
+            <p:nvPr/>
+          </p:nvCxnSpPr>
+          <p:spPr>
+            <a:xfrm rot="10800000" flipV="1">
+              <a:off x="2041119" y="2571923"/>
+              <a:ext cx="12700" cy="799176"/>
+            </a:xfrm>
+            <a:prstGeom prst="bentConnector3">
+              <a:avLst>
+                <a:gd name="adj1" fmla="val 3979819"/>
+              </a:avLst>
+            </a:prstGeom>
+            <a:ln>
+              <a:headEnd type="triangle"/>
+              <a:tailEnd type="triangle"/>
+            </a:ln>
+          </p:spPr>
+          <p:style>
+            <a:lnRef idx="3">
+              <a:schemeClr val="accent2"/>
+            </a:lnRef>
+            <a:fillRef idx="0">
+              <a:schemeClr val="accent2"/>
+            </a:fillRef>
+            <a:effectRef idx="2">
+              <a:schemeClr val="accent2"/>
+            </a:effectRef>
+            <a:fontRef idx="minor">
+              <a:schemeClr val="tx1"/>
+            </a:fontRef>
+          </p:style>
+        </p:cxnSp>
+        <p:cxnSp>
+          <p:nvCxnSpPr>
+            <p:cNvPr id="113" name="Verbinder: gewinkelt 112">
+              <a:extLst>
+                <a:ext uri="{FF2B5EF4-FFF2-40B4-BE49-F238E27FC236}">
+                  <a16:creationId xmlns:a16="http://schemas.microsoft.com/office/drawing/2014/main" id="{C3C90FC8-5C4B-4073-881B-BBB36BAFDF9E}"/>
+                </a:ext>
+              </a:extLst>
+            </p:cNvPr>
+            <p:cNvCxnSpPr>
+              <a:cxnSpLocks/>
+            </p:cNvCxnSpPr>
+            <p:nvPr/>
+          </p:nvCxnSpPr>
+          <p:spPr>
+            <a:xfrm rot="10800000" flipV="1">
+              <a:off x="2044132" y="3382551"/>
+              <a:ext cx="12700" cy="799176"/>
+            </a:xfrm>
+            <a:prstGeom prst="bentConnector3">
+              <a:avLst>
+                <a:gd name="adj1" fmla="val 3979819"/>
+              </a:avLst>
+            </a:prstGeom>
+            <a:ln>
+              <a:headEnd type="triangle"/>
+              <a:tailEnd type="triangle"/>
+            </a:ln>
+          </p:spPr>
+          <p:style>
+            <a:lnRef idx="3">
+              <a:schemeClr val="accent2"/>
+            </a:lnRef>
+            <a:fillRef idx="0">
+              <a:schemeClr val="accent2"/>
+            </a:fillRef>
+            <a:effectRef idx="2">
+              <a:schemeClr val="accent2"/>
+            </a:effectRef>
+            <a:fontRef idx="minor">
+              <a:schemeClr val="tx1"/>
+            </a:fontRef>
+          </p:style>
+        </p:cxnSp>
+      </p:grpSp>
+      <p:sp>
+        <p:nvSpPr>
+          <p:cNvPr id="120" name="Rechteck: abgerundete Ecken 119">
+            <a:extLst>
+              <a:ext uri="{FF2B5EF4-FFF2-40B4-BE49-F238E27FC236}">
+                <a16:creationId xmlns:a16="http://schemas.microsoft.com/office/drawing/2014/main" id="{8CB6C03E-CFEF-4724-AB35-00A5FD1DBA76}"/>
+              </a:ext>
+            </a:extLst>
+          </p:cNvPr>
+          <p:cNvSpPr/>
+          <p:nvPr/>
+        </p:nvSpPr>
+        <p:spPr>
+          <a:xfrm>
+            <a:off x="207715" y="2159345"/>
+            <a:ext cx="9891958" cy="616441"/>
+          </a:xfrm>
+          <a:prstGeom prst="roundRect">
+            <a:avLst/>
+          </a:prstGeom>
+          <a:noFill/>
+          <a:ln w="38100">
+            <a:solidFill>
+              <a:srgbClr val="FF0000"/>
+            </a:solidFill>
+          </a:ln>
+        </p:spPr>
+        <p:style>
+          <a:lnRef idx="2">
+            <a:schemeClr val="accent1">
+              <a:shade val="50000"/>
+            </a:schemeClr>
+          </a:lnRef>
+          <a:fillRef idx="1">
+            <a:schemeClr val="accent1"/>
+          </a:fillRef>
+          <a:effectRef idx="0">
+            <a:schemeClr val="accent1"/>
+          </a:effectRef>
+          <a:fontRef idx="minor">
+            <a:schemeClr val="lt1"/>
+          </a:fontRef>
+        </p:style>
+        <p:txBody>
+          <a:bodyPr rtlCol="0" anchor="ctr"/>
+          <a:lstStyle/>
+          <a:p>
+            <a:pPr algn="r"/>
+            <a:r>
+              <a:rPr lang="de-DE" sz="2000" dirty="0">
+                <a:solidFill>
+                  <a:srgbClr val="FF0000"/>
+                </a:solidFill>
+              </a:rPr>
+              <a:t>V</a:t>
+            </a:r>
+            <a:r>
+              <a:rPr lang="el-GR" sz="2000" baseline="-25000" dirty="0">
+                <a:solidFill>
+                  <a:srgbClr val="FF0000"/>
+                </a:solidFill>
+              </a:rPr>
+              <a:t>Δ</a:t>
+            </a:r>
+            <a:r>
+              <a:rPr lang="de-DE" sz="2000" baseline="-25000" dirty="0">
+                <a:solidFill>
+                  <a:srgbClr val="FF0000"/>
+                </a:solidFill>
+              </a:rPr>
+              <a:t> (3.00-2.75)</a:t>
+            </a:r>
+            <a:endParaRPr lang="de-DE" sz="2000" dirty="0">
+              <a:solidFill>
+                <a:srgbClr val="FF0000"/>
+              </a:solidFill>
+            </a:endParaRPr>
+          </a:p>
+        </p:txBody>
+      </p:sp>
+      <p:sp>
+        <p:nvSpPr>
+          <p:cNvPr id="121" name="Rechteck: abgerundete Ecken 120">
+            <a:extLst>
+              <a:ext uri="{FF2B5EF4-FFF2-40B4-BE49-F238E27FC236}">
+                <a16:creationId xmlns:a16="http://schemas.microsoft.com/office/drawing/2014/main" id="{BFB10DB4-7243-4FB6-AF2B-23BD78F2E5BF}"/>
+              </a:ext>
+            </a:extLst>
+          </p:cNvPr>
+          <p:cNvSpPr/>
+          <p:nvPr/>
+        </p:nvSpPr>
+        <p:spPr>
+          <a:xfrm>
+            <a:off x="207715" y="2951995"/>
+            <a:ext cx="9891958" cy="616441"/>
+          </a:xfrm>
+          <a:prstGeom prst="roundRect">
+            <a:avLst/>
+          </a:prstGeom>
+          <a:noFill/>
+          <a:ln w="38100">
+            <a:solidFill>
+              <a:srgbClr val="FF0000"/>
+            </a:solidFill>
+          </a:ln>
+        </p:spPr>
+        <p:style>
+          <a:lnRef idx="2">
+            <a:schemeClr val="accent1">
+              <a:shade val="50000"/>
+            </a:schemeClr>
+          </a:lnRef>
+          <a:fillRef idx="1">
+            <a:schemeClr val="accent1"/>
+          </a:fillRef>
+          <a:effectRef idx="0">
+            <a:schemeClr val="accent1"/>
+          </a:effectRef>
+          <a:fontRef idx="minor">
+            <a:schemeClr val="lt1"/>
+          </a:fontRef>
+        </p:style>
+        <p:txBody>
+          <a:bodyPr rtlCol="0" anchor="ctr"/>
+          <a:lstStyle/>
+          <a:p>
+            <a:pPr algn="r"/>
+            <a:r>
+              <a:rPr lang="de-DE" sz="2000" dirty="0">
+                <a:solidFill>
+                  <a:srgbClr val="FF0000"/>
+                </a:solidFill>
+              </a:rPr>
+              <a:t>V</a:t>
+            </a:r>
+            <a:r>
+              <a:rPr lang="el-GR" sz="2000" baseline="-25000" dirty="0">
+                <a:solidFill>
+                  <a:srgbClr val="FF0000"/>
+                </a:solidFill>
+              </a:rPr>
+              <a:t> Δ</a:t>
+            </a:r>
+            <a:r>
+              <a:rPr lang="de-DE" sz="2000" baseline="-25000" dirty="0">
+                <a:solidFill>
+                  <a:srgbClr val="FF0000"/>
+                </a:solidFill>
+              </a:rPr>
+              <a:t>(2.75-2.50)</a:t>
+            </a:r>
+            <a:endParaRPr lang="de-DE" sz="2000" dirty="0">
+              <a:solidFill>
+                <a:srgbClr val="FF0000"/>
+              </a:solidFill>
+            </a:endParaRPr>
+          </a:p>
+        </p:txBody>
+      </p:sp>
+      <p:sp>
+        <p:nvSpPr>
+          <p:cNvPr id="123" name="Textfeld 122">
+            <a:extLst>
+              <a:ext uri="{FF2B5EF4-FFF2-40B4-BE49-F238E27FC236}">
+                <a16:creationId xmlns:a16="http://schemas.microsoft.com/office/drawing/2014/main" id="{9802930E-B967-4D01-8BF1-30D9D6A37256}"/>
+              </a:ext>
+            </a:extLst>
+          </p:cNvPr>
+          <p:cNvSpPr txBox="1"/>
+          <p:nvPr/>
+        </p:nvSpPr>
+        <p:spPr>
+          <a:xfrm>
+            <a:off x="6722948" y="5734977"/>
+            <a:ext cx="5426319" cy="954107"/>
+          </a:xfrm>
+          <a:prstGeom prst="rect">
+            <a:avLst/>
+          </a:prstGeom>
+          <a:noFill/>
+        </p:spPr>
+        <p:txBody>
+          <a:bodyPr wrap="square" rtlCol="0">
+            <a:spAutoFit/>
+          </a:bodyPr>
+          <a:lstStyle/>
+          <a:p>
+            <a:r>
+              <a:rPr lang="de-DE" sz="1400" dirty="0">
+                <a:solidFill>
+                  <a:srgbClr val="FF0000"/>
+                </a:solidFill>
+              </a:rPr>
+              <a:t>Daumenregel: </a:t>
+            </a:r>
+          </a:p>
+          <a:p>
+            <a:r>
+              <a:rPr lang="de-DE" sz="1400" dirty="0">
+                <a:solidFill>
+                  <a:srgbClr val="FF0000"/>
+                </a:solidFill>
+              </a:rPr>
+              <a:t>Die Streuung gilt als gering, wenn V </a:t>
+            </a:r>
+            <a:r>
+              <a:rPr lang="de-DE" altLang="ko-KR" sz="1400" dirty="0">
+                <a:solidFill>
+                  <a:srgbClr val="FF0000"/>
+                </a:solidFill>
+              </a:rPr>
+              <a:t>&lt;100% </a:t>
+            </a:r>
+            <a:r>
+              <a:rPr lang="de-DE" sz="1400" dirty="0">
+                <a:solidFill>
+                  <a:srgbClr val="FF0000"/>
+                </a:solidFill>
+              </a:rPr>
+              <a:t>ist. Das arithmetische Mittel </a:t>
+            </a:r>
+          </a:p>
+          <a:p>
+            <a:r>
+              <a:rPr lang="de-DE" sz="1400" dirty="0">
+                <a:solidFill>
+                  <a:srgbClr val="FF0000"/>
+                </a:solidFill>
+              </a:rPr>
+              <a:t>gilt in diesem Fall als guter Repräsentant der Verteilung.</a:t>
+            </a:r>
+          </a:p>
+          <a:p>
+            <a:endParaRPr lang="de-DE" sz="1400" dirty="0">
+              <a:solidFill>
+                <a:srgbClr val="FF0000"/>
+              </a:solidFill>
+            </a:endParaRPr>
+          </a:p>
+        </p:txBody>
+      </p:sp>
+      <p:sp>
+        <p:nvSpPr>
+          <p:cNvPr id="34" name="Textfeld 33">
+            <a:extLst>
+              <a:ext uri="{FF2B5EF4-FFF2-40B4-BE49-F238E27FC236}">
+                <a16:creationId xmlns:a16="http://schemas.microsoft.com/office/drawing/2014/main" id="{809C7275-730F-4645-AD53-FAFD02350FF3}"/>
+              </a:ext>
+            </a:extLst>
+          </p:cNvPr>
+          <p:cNvSpPr txBox="1"/>
+          <p:nvPr/>
+        </p:nvSpPr>
+        <p:spPr>
+          <a:xfrm rot="5400000">
+            <a:off x="9229516" y="3834443"/>
+            <a:ext cx="380976" cy="584775"/>
+          </a:xfrm>
+          <a:prstGeom prst="rect">
+            <a:avLst/>
+          </a:prstGeom>
+          <a:ln w="25400">
+            <a:noFill/>
+          </a:ln>
+        </p:spPr>
+        <p:style>
+          <a:lnRef idx="2">
+            <a:schemeClr val="accent2"/>
+          </a:lnRef>
+          <a:fillRef idx="1">
+            <a:schemeClr val="lt1"/>
+          </a:fillRef>
+          <a:effectRef idx="0">
+            <a:schemeClr val="accent2"/>
+          </a:effectRef>
+          <a:fontRef idx="minor">
+            <a:schemeClr val="dk1"/>
+          </a:fontRef>
+        </p:style>
+        <p:txBody>
+          <a:bodyPr wrap="square" rtlCol="0" anchor="t">
+            <a:spAutoFit/>
+          </a:bodyPr>
+          <a:lstStyle/>
+          <a:p>
+            <a:pPr algn="ctr"/>
+            <a:r>
+              <a:rPr lang="de-DE" sz="3200" dirty="0"/>
+              <a:t>…</a:t>
+            </a:r>
+          </a:p>
+        </p:txBody>
+      </p:sp>
+      <p:sp>
+        <p:nvSpPr>
+          <p:cNvPr id="7" name="Textfeld 6">
+            <a:extLst>
+              <a:ext uri="{FF2B5EF4-FFF2-40B4-BE49-F238E27FC236}">
+                <a16:creationId xmlns:a16="http://schemas.microsoft.com/office/drawing/2014/main" id="{4BFF68E6-191E-4122-9B83-9E8EE35CFAA1}"/>
+              </a:ext>
+            </a:extLst>
+          </p:cNvPr>
+          <p:cNvSpPr txBox="1"/>
+          <p:nvPr/>
+        </p:nvSpPr>
+        <p:spPr>
+          <a:xfrm>
+            <a:off x="9064147" y="1025769"/>
+            <a:ext cx="1328697" cy="646331"/>
+          </a:xfrm>
+          <a:prstGeom prst="rect">
+            <a:avLst/>
+          </a:prstGeom>
+          <a:noFill/>
+        </p:spPr>
+        <p:txBody>
+          <a:bodyPr wrap="none" rtlCol="0">
+            <a:spAutoFit/>
+          </a:bodyPr>
+          <a:lstStyle/>
+          <a:p>
+            <a:r>
+              <a:rPr lang="de-DE" dirty="0">
+                <a:solidFill>
+                  <a:srgbClr val="C00000"/>
+                </a:solidFill>
+              </a:rPr>
+              <a:t>Analyse und</a:t>
+            </a:r>
+          </a:p>
+          <a:p>
+            <a:r>
+              <a:rPr lang="de-DE" dirty="0">
+                <a:solidFill>
+                  <a:srgbClr val="C00000"/>
+                </a:solidFill>
+              </a:rPr>
+              <a:t>Darstellung</a:t>
+            </a:r>
+          </a:p>
+        </p:txBody>
+      </p:sp>
+      <p:grpSp>
+        <p:nvGrpSpPr>
+          <p:cNvPr id="9" name="Gruppieren 8">
+            <a:extLst>
+              <a:ext uri="{FF2B5EF4-FFF2-40B4-BE49-F238E27FC236}">
+                <a16:creationId xmlns:a16="http://schemas.microsoft.com/office/drawing/2014/main" id="{459606D6-D67B-4244-BAE8-09354A5A3563}"/>
+              </a:ext>
+            </a:extLst>
+          </p:cNvPr>
+          <p:cNvGrpSpPr/>
+          <p:nvPr/>
+        </p:nvGrpSpPr>
+        <p:grpSpPr>
+          <a:xfrm>
+            <a:off x="542341" y="3936344"/>
+            <a:ext cx="945317" cy="657974"/>
+            <a:chOff x="542341" y="3936344"/>
+            <a:chExt cx="945317" cy="657974"/>
+          </a:xfrm>
+        </p:grpSpPr>
+        <p:sp>
+          <p:nvSpPr>
+            <p:cNvPr id="5" name="Textfeld 4">
+              <a:extLst>
+                <a:ext uri="{FF2B5EF4-FFF2-40B4-BE49-F238E27FC236}">
+                  <a16:creationId xmlns:a16="http://schemas.microsoft.com/office/drawing/2014/main" id="{00105F6D-09CF-46D8-BE57-4546DB7C79BD}"/>
+                </a:ext>
+              </a:extLst>
+            </p:cNvPr>
+            <p:cNvSpPr txBox="1"/>
+            <p:nvPr/>
+          </p:nvSpPr>
+          <p:spPr>
+            <a:xfrm rot="5400000">
+              <a:off x="940099" y="3834444"/>
+              <a:ext cx="380976" cy="584775"/>
+            </a:xfrm>
+            <a:prstGeom prst="rect">
+              <a:avLst/>
+            </a:prstGeom>
+            <a:ln w="25400">
+              <a:noFill/>
+            </a:ln>
+          </p:spPr>
+          <p:style>
+            <a:lnRef idx="2">
+              <a:schemeClr val="accent2"/>
+            </a:lnRef>
+            <a:fillRef idx="1">
+              <a:schemeClr val="lt1"/>
+            </a:fillRef>
+            <a:effectRef idx="0">
+              <a:schemeClr val="accent2"/>
+            </a:effectRef>
+            <a:fontRef idx="minor">
+              <a:schemeClr val="dk1"/>
+            </a:fontRef>
+          </p:style>
+          <p:txBody>
+            <a:bodyPr wrap="square" rtlCol="0" anchor="t">
+              <a:spAutoFit/>
+            </a:bodyPr>
+            <a:lstStyle/>
+            <a:p>
+              <a:pPr algn="ctr"/>
+              <a:r>
+                <a:rPr lang="de-DE" sz="3200" dirty="0"/>
+                <a:t>…</a:t>
+              </a:r>
+            </a:p>
+          </p:txBody>
+        </p:sp>
+        <p:sp>
+          <p:nvSpPr>
+            <p:cNvPr id="8" name="Textfeld 7">
+              <a:extLst>
+                <a:ext uri="{FF2B5EF4-FFF2-40B4-BE49-F238E27FC236}">
+                  <a16:creationId xmlns:a16="http://schemas.microsoft.com/office/drawing/2014/main" id="{EE67ACFF-ABD2-4D4B-B2DA-C28C788BDEBB}"/>
+                </a:ext>
+              </a:extLst>
+            </p:cNvPr>
+            <p:cNvSpPr txBox="1"/>
+            <p:nvPr/>
+          </p:nvSpPr>
+          <p:spPr>
+            <a:xfrm>
+              <a:off x="542341" y="4317319"/>
+              <a:ext cx="945317" cy="276999"/>
+            </a:xfrm>
+            <a:prstGeom prst="rect">
+              <a:avLst/>
+            </a:prstGeom>
+            <a:noFill/>
+          </p:spPr>
+          <p:txBody>
+            <a:bodyPr wrap="square" rtlCol="0">
+              <a:spAutoFit/>
+            </a:bodyPr>
+            <a:lstStyle/>
+            <a:p>
+              <a:r>
+                <a:rPr lang="de-DE" sz="1200" dirty="0"/>
+                <a:t>8 weitere </a:t>
+              </a:r>
+              <a:r>
+                <a:rPr lang="el-GR" sz="1200" dirty="0"/>
+                <a:t>Δ</a:t>
+              </a:r>
+              <a:r>
+                <a:rPr lang="de-DE" sz="1200" dirty="0"/>
+                <a:t> </a:t>
+              </a:r>
+            </a:p>
+          </p:txBody>
+        </p:sp>
+      </p:grpSp>
+      <p:grpSp>
+        <p:nvGrpSpPr>
+          <p:cNvPr id="53" name="Gruppieren 52">
+            <a:extLst>
+              <a:ext uri="{FF2B5EF4-FFF2-40B4-BE49-F238E27FC236}">
+                <a16:creationId xmlns:a16="http://schemas.microsoft.com/office/drawing/2014/main" id="{6A1A9ABC-53C1-4D63-BC70-27CC4482F35F}"/>
+              </a:ext>
+            </a:extLst>
+          </p:cNvPr>
+          <p:cNvGrpSpPr/>
+          <p:nvPr/>
+        </p:nvGrpSpPr>
+        <p:grpSpPr>
+          <a:xfrm>
+            <a:off x="4563502" y="3936342"/>
+            <a:ext cx="945317" cy="657974"/>
+            <a:chOff x="542341" y="3936344"/>
+            <a:chExt cx="945317" cy="657974"/>
+          </a:xfrm>
+        </p:grpSpPr>
+        <p:sp>
+          <p:nvSpPr>
+            <p:cNvPr id="54" name="Textfeld 53">
+              <a:extLst>
+                <a:ext uri="{FF2B5EF4-FFF2-40B4-BE49-F238E27FC236}">
+                  <a16:creationId xmlns:a16="http://schemas.microsoft.com/office/drawing/2014/main" id="{618246C5-05BD-4986-A0CD-F43E24055F98}"/>
+                </a:ext>
+              </a:extLst>
+            </p:cNvPr>
+            <p:cNvSpPr txBox="1"/>
+            <p:nvPr/>
+          </p:nvSpPr>
+          <p:spPr>
+            <a:xfrm rot="5400000">
+              <a:off x="940099" y="3834444"/>
+              <a:ext cx="380976" cy="584775"/>
+            </a:xfrm>
+            <a:prstGeom prst="rect">
+              <a:avLst/>
+            </a:prstGeom>
+            <a:ln w="25400">
+              <a:noFill/>
+            </a:ln>
+          </p:spPr>
+          <p:style>
+            <a:lnRef idx="2">
+              <a:schemeClr val="accent2"/>
+            </a:lnRef>
+            <a:fillRef idx="1">
+              <a:schemeClr val="lt1"/>
+            </a:fillRef>
+            <a:effectRef idx="0">
+              <a:schemeClr val="accent2"/>
+            </a:effectRef>
+            <a:fontRef idx="minor">
+              <a:schemeClr val="dk1"/>
+            </a:fontRef>
+          </p:style>
+          <p:txBody>
+            <a:bodyPr wrap="square" rtlCol="0" anchor="t">
+              <a:spAutoFit/>
+            </a:bodyPr>
+            <a:lstStyle/>
+            <a:p>
+              <a:pPr algn="ctr"/>
+              <a:r>
+                <a:rPr lang="de-DE" sz="3200" dirty="0"/>
+                <a:t>…</a:t>
+              </a:r>
+            </a:p>
+          </p:txBody>
+        </p:sp>
+        <p:sp>
+          <p:nvSpPr>
+            <p:cNvPr id="55" name="Textfeld 54">
+              <a:extLst>
+                <a:ext uri="{FF2B5EF4-FFF2-40B4-BE49-F238E27FC236}">
+                  <a16:creationId xmlns:a16="http://schemas.microsoft.com/office/drawing/2014/main" id="{FE2BC22E-CF4D-4A5A-BFD7-AFFE268BED07}"/>
+                </a:ext>
+              </a:extLst>
+            </p:cNvPr>
+            <p:cNvSpPr txBox="1"/>
+            <p:nvPr/>
+          </p:nvSpPr>
+          <p:spPr>
+            <a:xfrm>
+              <a:off x="542341" y="4317319"/>
+              <a:ext cx="945317" cy="276999"/>
+            </a:xfrm>
+            <a:prstGeom prst="rect">
+              <a:avLst/>
+            </a:prstGeom>
+            <a:noFill/>
+          </p:spPr>
+          <p:txBody>
+            <a:bodyPr wrap="square" rtlCol="0">
+              <a:spAutoFit/>
+            </a:bodyPr>
+            <a:lstStyle/>
+            <a:p>
+              <a:r>
+                <a:rPr lang="de-DE" sz="1200" dirty="0"/>
+                <a:t>8 weitere </a:t>
+              </a:r>
+              <a:r>
+                <a:rPr lang="el-GR" sz="1200" dirty="0"/>
+                <a:t>Δ</a:t>
+              </a:r>
+              <a:r>
+                <a:rPr lang="de-DE" sz="1200" dirty="0"/>
+                <a:t> </a:t>
+              </a:r>
+            </a:p>
+          </p:txBody>
+        </p:sp>
+      </p:grpSp>
+    </p:spTree>
+    <p:extLst>
+      <p:ext uri="{BB962C8B-B14F-4D97-AF65-F5344CB8AC3E}">
+        <p14:creationId xmlns:p14="http://schemas.microsoft.com/office/powerpoint/2010/main" val="2829524049"/>
+      </p:ext>
+    </p:extLst>
+  </p:cSld>
+  <p:clrMapOvr>
+    <a:masterClrMapping/>
+  </p:clrMapOvr>
+</p:sld>
+</file>
+
+<file path=ppt/slides/slide8.xml><?xml version="1.0" encoding="utf-8"?>
+<p:sld xmlns:a="http://schemas.openxmlformats.org/drawingml/2006/main" xmlns:r="http://schemas.openxmlformats.org/officeDocument/2006/relationships" xmlns:p="http://schemas.openxmlformats.org/presentationml/2006/main">
+  <p:cSld>
+    <p:spTree>
+      <p:nvGrpSpPr>
+        <p:cNvPr id="1" name=""/>
+        <p:cNvGrpSpPr/>
+        <p:nvPr/>
+      </p:nvGrpSpPr>
+      <p:grpSpPr>
+        <a:xfrm>
+          <a:off x="0" y="0"/>
+          <a:ext cx="0" cy="0"/>
+          <a:chOff x="0" y="0"/>
+          <a:chExt cx="0" cy="0"/>
+        </a:xfrm>
+      </p:grpSpPr>
+      <p:sp>
+        <p:nvSpPr>
           <p:cNvPr id="2" name="Titel 1">
             <a:extLst>
               <a:ext uri="{FF2B5EF4-FFF2-40B4-BE49-F238E27FC236}">

--- a/Matthias/02-Patients3MBq/Was_wird_wie_getestet.pptx
+++ b/Matthias/02-Patients3MBq/Was_wird_wie_getestet.pptx
@@ -5,7 +5,7 @@
     <p:sldMasterId id="2147483648" r:id="rId1"/>
   </p:sldMasterIdLst>
   <p:sldIdLst>
-    <p:sldId id="256" r:id="rId2"/>
+    <p:sldId id="265" r:id="rId2"/>
     <p:sldId id="259" r:id="rId3"/>
     <p:sldId id="260" r:id="rId4"/>
     <p:sldId id="261" r:id="rId5"/>
@@ -13,6 +13,7 @@
     <p:sldId id="263" r:id="rId7"/>
     <p:sldId id="264" r:id="rId8"/>
     <p:sldId id="257" r:id="rId9"/>
+    <p:sldId id="256" r:id="rId10"/>
   </p:sldIdLst>
   <p:sldSz cx="12192000" cy="6858000"/>
   <p:notesSz cx="7104063" cy="10234613"/>
@@ -266,7 +267,7 @@
           <a:p>
             <a:fld id="{6E20447D-E185-4F8E-8A5E-B1C6AF407A2E}" type="datetimeFigureOut">
               <a:rPr lang="de-DE" smtClean="0"/>
-              <a:t>11.04.2018</a:t>
+              <a:t>27.04.2018</a:t>
             </a:fld>
             <a:endParaRPr lang="de-DE"/>
           </a:p>
@@ -464,7 +465,7 @@
           <a:p>
             <a:fld id="{6E20447D-E185-4F8E-8A5E-B1C6AF407A2E}" type="datetimeFigureOut">
               <a:rPr lang="de-DE" smtClean="0"/>
-              <a:t>11.04.2018</a:t>
+              <a:t>27.04.2018</a:t>
             </a:fld>
             <a:endParaRPr lang="de-DE"/>
           </a:p>
@@ -672,7 +673,7 @@
           <a:p>
             <a:fld id="{6E20447D-E185-4F8E-8A5E-B1C6AF407A2E}" type="datetimeFigureOut">
               <a:rPr lang="de-DE" smtClean="0"/>
-              <a:t>11.04.2018</a:t>
+              <a:t>27.04.2018</a:t>
             </a:fld>
             <a:endParaRPr lang="de-DE"/>
           </a:p>
@@ -870,7 +871,7 @@
           <a:p>
             <a:fld id="{6E20447D-E185-4F8E-8A5E-B1C6AF407A2E}" type="datetimeFigureOut">
               <a:rPr lang="de-DE" smtClean="0"/>
-              <a:t>11.04.2018</a:t>
+              <a:t>27.04.2018</a:t>
             </a:fld>
             <a:endParaRPr lang="de-DE"/>
           </a:p>
@@ -1145,7 +1146,7 @@
           <a:p>
             <a:fld id="{6E20447D-E185-4F8E-8A5E-B1C6AF407A2E}" type="datetimeFigureOut">
               <a:rPr lang="de-DE" smtClean="0"/>
-              <a:t>11.04.2018</a:t>
+              <a:t>27.04.2018</a:t>
             </a:fld>
             <a:endParaRPr lang="de-DE"/>
           </a:p>
@@ -1410,7 +1411,7 @@
           <a:p>
             <a:fld id="{6E20447D-E185-4F8E-8A5E-B1C6AF407A2E}" type="datetimeFigureOut">
               <a:rPr lang="de-DE" smtClean="0"/>
-              <a:t>11.04.2018</a:t>
+              <a:t>27.04.2018</a:t>
             </a:fld>
             <a:endParaRPr lang="de-DE"/>
           </a:p>
@@ -1822,7 +1823,7 @@
           <a:p>
             <a:fld id="{6E20447D-E185-4F8E-8A5E-B1C6AF407A2E}" type="datetimeFigureOut">
               <a:rPr lang="de-DE" smtClean="0"/>
-              <a:t>11.04.2018</a:t>
+              <a:t>27.04.2018</a:t>
             </a:fld>
             <a:endParaRPr lang="de-DE"/>
           </a:p>
@@ -1963,7 +1964,7 @@
           <a:p>
             <a:fld id="{6E20447D-E185-4F8E-8A5E-B1C6AF407A2E}" type="datetimeFigureOut">
               <a:rPr lang="de-DE" smtClean="0"/>
-              <a:t>11.04.2018</a:t>
+              <a:t>27.04.2018</a:t>
             </a:fld>
             <a:endParaRPr lang="de-DE"/>
           </a:p>
@@ -2076,7 +2077,7 @@
           <a:p>
             <a:fld id="{6E20447D-E185-4F8E-8A5E-B1C6AF407A2E}" type="datetimeFigureOut">
               <a:rPr lang="de-DE" smtClean="0"/>
-              <a:t>11.04.2018</a:t>
+              <a:t>27.04.2018</a:t>
             </a:fld>
             <a:endParaRPr lang="de-DE"/>
           </a:p>
@@ -2387,7 +2388,7 @@
           <a:p>
             <a:fld id="{6E20447D-E185-4F8E-8A5E-B1C6AF407A2E}" type="datetimeFigureOut">
               <a:rPr lang="de-DE" smtClean="0"/>
-              <a:t>11.04.2018</a:t>
+              <a:t>27.04.2018</a:t>
             </a:fld>
             <a:endParaRPr lang="de-DE"/>
           </a:p>
@@ -2675,7 +2676,7 @@
           <a:p>
             <a:fld id="{6E20447D-E185-4F8E-8A5E-B1C6AF407A2E}" type="datetimeFigureOut">
               <a:rPr lang="de-DE" smtClean="0"/>
-              <a:t>11.04.2018</a:t>
+              <a:t>27.04.2018</a:t>
             </a:fld>
             <a:endParaRPr lang="de-DE"/>
           </a:p>
@@ -2916,7 +2917,7 @@
           <a:p>
             <a:fld id="{6E20447D-E185-4F8E-8A5E-B1C6AF407A2E}" type="datetimeFigureOut">
               <a:rPr lang="de-DE" smtClean="0"/>
-              <a:t>11.04.2018</a:t>
+              <a:t>27.04.2018</a:t>
             </a:fld>
             <a:endParaRPr lang="de-DE"/>
           </a:p>
@@ -3333,12 +3334,405 @@
           <a:chExt cx="0" cy="0"/>
         </a:xfrm>
       </p:grpSpPr>
+      <p:sp>
+        <p:nvSpPr>
+          <p:cNvPr id="84" name="Textfeld 83">
+            <a:extLst>
+              <a:ext uri="{FF2B5EF4-FFF2-40B4-BE49-F238E27FC236}">
+                <a16:creationId xmlns:a16="http://schemas.microsoft.com/office/drawing/2014/main" id="{8A49F223-8579-43F3-B7D0-900E4BD2BF33}"/>
+              </a:ext>
+            </a:extLst>
+          </p:cNvPr>
+          <p:cNvSpPr txBox="1"/>
+          <p:nvPr/>
+        </p:nvSpPr>
+        <p:spPr>
+          <a:xfrm>
+            <a:off x="146794" y="-5107"/>
+            <a:ext cx="12192000" cy="523220"/>
+          </a:xfrm>
+          <a:prstGeom prst="rect">
+            <a:avLst/>
+          </a:prstGeom>
+          <a:noFill/>
+        </p:spPr>
+        <p:txBody>
+          <a:bodyPr wrap="square" rtlCol="0">
+            <a:spAutoFit/>
+          </a:bodyPr>
+          <a:lstStyle/>
+          <a:p>
+            <a:pPr algn="ctr"/>
+            <a:r>
+              <a:rPr lang="de-DE" sz="2800" dirty="0"/>
+              <a:t>Ausgangslage </a:t>
+            </a:r>
+          </a:p>
+        </p:txBody>
+      </p:sp>
+      <p:graphicFrame>
+        <p:nvGraphicFramePr>
+          <p:cNvPr id="2" name="Tabelle 1">
+            <a:extLst>
+              <a:ext uri="{FF2B5EF4-FFF2-40B4-BE49-F238E27FC236}">
+                <a16:creationId xmlns:a16="http://schemas.microsoft.com/office/drawing/2014/main" id="{5330B0B2-D72C-470F-92C3-E5BD6674649A}"/>
+              </a:ext>
+            </a:extLst>
+          </p:cNvPr>
+          <p:cNvGraphicFramePr>
+            <a:graphicFrameLocks noGrp="1"/>
+          </p:cNvGraphicFramePr>
+          <p:nvPr>
+            <p:extLst/>
+          </p:nvPr>
+        </p:nvGraphicFramePr>
+        <p:xfrm>
+          <a:off x="27974" y="5029200"/>
+          <a:ext cx="3055258" cy="1828800"/>
+        </p:xfrm>
+        <a:graphic>
+          <a:graphicData uri="http://schemas.openxmlformats.org/drawingml/2006/table">
+            <a:tbl>
+              <a:tblPr firstRow="1" bandRow="1">
+                <a:tableStyleId>{5C22544A-7EE6-4342-B048-85BDC9FD1C3A}</a:tableStyleId>
+              </a:tblPr>
+              <a:tblGrid>
+                <a:gridCol w="1187767">
+                  <a:extLst>
+                    <a:ext uri="{9D8B030D-6E8A-4147-A177-3AD203B41FA5}">
+                      <a16:colId xmlns:a16="http://schemas.microsoft.com/office/drawing/2014/main" val="3362956487"/>
+                    </a:ext>
+                  </a:extLst>
+                </a:gridCol>
+                <a:gridCol w="1867491">
+                  <a:extLst>
+                    <a:ext uri="{9D8B030D-6E8A-4147-A177-3AD203B41FA5}">
+                      <a16:colId xmlns:a16="http://schemas.microsoft.com/office/drawing/2014/main" val="2563171433"/>
+                    </a:ext>
+                  </a:extLst>
+                </a:gridCol>
+              </a:tblGrid>
+              <a:tr h="250653">
+                <a:tc>
+                  <a:txBody>
+                    <a:bodyPr/>
+                    <a:lstStyle/>
+                    <a:p>
+                      <a:r>
+                        <a:rPr lang="de-DE" sz="1400" dirty="0"/>
+                        <a:t>Dosenanzahl</a:t>
+                      </a:r>
+                    </a:p>
+                  </a:txBody>
+                  <a:tcPr marT="36000"/>
+                </a:tc>
+                <a:tc>
+                  <a:txBody>
+                    <a:bodyPr/>
+                    <a:lstStyle/>
+                    <a:p>
+                      <a:r>
+                        <a:rPr lang="de-DE" sz="1400" dirty="0"/>
+                        <a:t>Patientenanzahl</a:t>
+                      </a:r>
+                    </a:p>
+                  </a:txBody>
+                  <a:tcPr/>
+                </a:tc>
+                <a:extLst>
+                  <a:ext uri="{0D108BD9-81ED-4DB2-BD59-A6C34878D82A}">
+                    <a16:rowId xmlns:a16="http://schemas.microsoft.com/office/drawing/2014/main" val="1463051051"/>
+                  </a:ext>
+                </a:extLst>
+              </a:tr>
+              <a:tr h="250653">
+                <a:tc>
+                  <a:txBody>
+                    <a:bodyPr/>
+                    <a:lstStyle/>
+                    <a:p>
+                      <a:r>
+                        <a:rPr lang="de-DE" sz="1400" dirty="0"/>
+                        <a:t>11</a:t>
+                      </a:r>
+                    </a:p>
+                  </a:txBody>
+                  <a:tcPr/>
+                </a:tc>
+                <a:tc>
+                  <a:txBody>
+                    <a:bodyPr/>
+                    <a:lstStyle/>
+                    <a:p>
+                      <a:r>
+                        <a:rPr lang="de-DE" sz="1400" dirty="0"/>
+                        <a:t>9</a:t>
+                      </a:r>
+                    </a:p>
+                  </a:txBody>
+                  <a:tcPr/>
+                </a:tc>
+                <a:extLst>
+                  <a:ext uri="{0D108BD9-81ED-4DB2-BD59-A6C34878D82A}">
+                    <a16:rowId xmlns:a16="http://schemas.microsoft.com/office/drawing/2014/main" val="3090364559"/>
+                  </a:ext>
+                </a:extLst>
+              </a:tr>
+              <a:tr h="250653">
+                <a:tc>
+                  <a:txBody>
+                    <a:bodyPr/>
+                    <a:lstStyle/>
+                    <a:p>
+                      <a:r>
+                        <a:rPr lang="de-DE" sz="1400" dirty="0"/>
+                        <a:t>12</a:t>
+                      </a:r>
+                    </a:p>
+                  </a:txBody>
+                  <a:tcPr/>
+                </a:tc>
+                <a:tc>
+                  <a:txBody>
+                    <a:bodyPr/>
+                    <a:lstStyle/>
+                    <a:p>
+                      <a:r>
+                        <a:rPr lang="de-DE" sz="1400" dirty="0"/>
+                        <a:t>6</a:t>
+                      </a:r>
+                    </a:p>
+                  </a:txBody>
+                  <a:tcPr/>
+                </a:tc>
+                <a:extLst>
+                  <a:ext uri="{0D108BD9-81ED-4DB2-BD59-A6C34878D82A}">
+                    <a16:rowId xmlns:a16="http://schemas.microsoft.com/office/drawing/2014/main" val="1403292757"/>
+                  </a:ext>
+                </a:extLst>
+              </a:tr>
+              <a:tr h="250653">
+                <a:tc>
+                  <a:txBody>
+                    <a:bodyPr/>
+                    <a:lstStyle/>
+                    <a:p>
+                      <a:r>
+                        <a:rPr lang="de-DE" sz="1400" dirty="0"/>
+                        <a:t>13</a:t>
+                      </a:r>
+                    </a:p>
+                  </a:txBody>
+                  <a:tcPr/>
+                </a:tc>
+                <a:tc>
+                  <a:txBody>
+                    <a:bodyPr/>
+                    <a:lstStyle/>
+                    <a:p>
+                      <a:r>
+                        <a:rPr lang="de-DE" sz="1400" dirty="0"/>
+                        <a:t>2</a:t>
+                      </a:r>
+                    </a:p>
+                  </a:txBody>
+                  <a:tcPr/>
+                </a:tc>
+                <a:extLst>
+                  <a:ext uri="{0D108BD9-81ED-4DB2-BD59-A6C34878D82A}">
+                    <a16:rowId xmlns:a16="http://schemas.microsoft.com/office/drawing/2014/main" val="2409457019"/>
+                  </a:ext>
+                </a:extLst>
+              </a:tr>
+              <a:tr h="250653">
+                <a:tc>
+                  <a:txBody>
+                    <a:bodyPr/>
+                    <a:lstStyle/>
+                    <a:p>
+                      <a:r>
+                        <a:rPr lang="de-DE" sz="1400" dirty="0"/>
+                        <a:t>14</a:t>
+                      </a:r>
+                    </a:p>
+                  </a:txBody>
+                  <a:tcPr/>
+                </a:tc>
+                <a:tc>
+                  <a:txBody>
+                    <a:bodyPr/>
+                    <a:lstStyle/>
+                    <a:p>
+                      <a:r>
+                        <a:rPr lang="de-DE" sz="1400" dirty="0"/>
+                        <a:t>2</a:t>
+                      </a:r>
+                    </a:p>
+                  </a:txBody>
+                  <a:tcPr/>
+                </a:tc>
+                <a:extLst>
+                  <a:ext uri="{0D108BD9-81ED-4DB2-BD59-A6C34878D82A}">
+                    <a16:rowId xmlns:a16="http://schemas.microsoft.com/office/drawing/2014/main" val="1160694831"/>
+                  </a:ext>
+                </a:extLst>
+              </a:tr>
+              <a:tr h="250653">
+                <a:tc>
+                  <a:txBody>
+                    <a:bodyPr/>
+                    <a:lstStyle/>
+                    <a:p>
+                      <a:r>
+                        <a:rPr lang="de-DE" sz="1400" dirty="0"/>
+                        <a:t>-</a:t>
+                      </a:r>
+                    </a:p>
+                  </a:txBody>
+                  <a:tcPr/>
+                </a:tc>
+                <a:tc>
+                  <a:txBody>
+                    <a:bodyPr/>
+                    <a:lstStyle/>
+                    <a:p>
+                      <a:r>
+                        <a:rPr lang="de-DE" sz="1400" dirty="0"/>
+                        <a:t>19 insgesamt</a:t>
+                      </a:r>
+                    </a:p>
+                  </a:txBody>
+                  <a:tcPr/>
+                </a:tc>
+                <a:extLst>
+                  <a:ext uri="{0D108BD9-81ED-4DB2-BD59-A6C34878D82A}">
+                    <a16:rowId xmlns:a16="http://schemas.microsoft.com/office/drawing/2014/main" val="4263791781"/>
+                  </a:ext>
+                </a:extLst>
+              </a:tr>
+            </a:tbl>
+          </a:graphicData>
+        </a:graphic>
+      </p:graphicFrame>
+      <p:sp>
+        <p:nvSpPr>
+          <p:cNvPr id="5" name="Textfeld 4">
+            <a:extLst>
+              <a:ext uri="{FF2B5EF4-FFF2-40B4-BE49-F238E27FC236}">
+                <a16:creationId xmlns:a16="http://schemas.microsoft.com/office/drawing/2014/main" id="{E0D51173-85C5-4635-951F-AFA1FB5D9AA1}"/>
+              </a:ext>
+            </a:extLst>
+          </p:cNvPr>
+          <p:cNvSpPr txBox="1"/>
+          <p:nvPr/>
+        </p:nvSpPr>
+        <p:spPr>
+          <a:xfrm>
+            <a:off x="3220942" y="5066437"/>
+            <a:ext cx="7946572" cy="1815882"/>
+          </a:xfrm>
+          <a:prstGeom prst="rect">
+            <a:avLst/>
+          </a:prstGeom>
+          <a:noFill/>
+        </p:spPr>
+        <p:txBody>
+          <a:bodyPr wrap="square" rtlCol="0">
+            <a:spAutoFit/>
+          </a:bodyPr>
+          <a:lstStyle/>
+          <a:p>
+            <a:r>
+              <a:rPr lang="de-DE" sz="1600" dirty="0"/>
+              <a:t>Alle Patienten haben die Dosen 3,0MBq - 0,5MBq in 0,25MBq Schritten:</a:t>
+            </a:r>
+          </a:p>
+          <a:p>
+            <a:r>
+              <a:rPr lang="de-DE" sz="1600" dirty="0"/>
+              <a:t>11 versch. Dosen * 19 Patienten</a:t>
+            </a:r>
+          </a:p>
+          <a:p>
+            <a:r>
+              <a:rPr lang="de-DE" sz="1600" dirty="0"/>
+              <a:t>Die Patienten P3, P5, P7, P9, P10, P12, P13, P15, P17, P18 haben zusätzlich entsprechend dann noch Dosen über 3,0 </a:t>
+            </a:r>
+            <a:r>
+              <a:rPr lang="de-DE" sz="1600" dirty="0" err="1"/>
+              <a:t>MBq</a:t>
+            </a:r>
+            <a:r>
+              <a:rPr lang="de-DE" sz="1600" dirty="0"/>
+              <a:t> -&gt;11 3,5MBq, 4,0MBq und 4,5MBq (werden ignoriert)</a:t>
+            </a:r>
+          </a:p>
+          <a:p>
+            <a:r>
+              <a:rPr lang="de-DE" sz="1600" dirty="0"/>
+              <a:t>n ≠ o ≠ p ≠ n, aber </a:t>
+            </a:r>
+            <a:r>
+              <a:rPr lang="de-DE" sz="1600" dirty="0" err="1"/>
+              <a:t>n,o,p</a:t>
+            </a:r>
+            <a:r>
+              <a:rPr lang="de-DE" sz="1600" dirty="0"/>
+              <a:t> &gt;=1</a:t>
+            </a:r>
+          </a:p>
+          <a:p>
+            <a:r>
+              <a:rPr lang="de-DE" sz="1600" dirty="0" err="1"/>
+              <a:t>Slicethickness</a:t>
+            </a:r>
+            <a:r>
+              <a:rPr lang="de-DE" sz="1600" dirty="0"/>
+              <a:t> = 2,0313 – </a:t>
+            </a:r>
+            <a:r>
+              <a:rPr lang="de-DE" sz="1600" dirty="0" err="1"/>
+              <a:t>Pixelspacing</a:t>
+            </a:r>
+            <a:r>
+              <a:rPr lang="de-DE" sz="1600" dirty="0"/>
+              <a:t> = 2,8034 (gleich wie bei </a:t>
+            </a:r>
+            <a:r>
+              <a:rPr lang="de-DE" sz="1600" dirty="0" err="1"/>
+              <a:t>NemaPhantom</a:t>
+            </a:r>
+            <a:r>
+              <a:rPr lang="de-DE" sz="1600" dirty="0"/>
+              <a:t>)</a:t>
+            </a:r>
+          </a:p>
+          <a:p>
+            <a:r>
+              <a:rPr lang="de-DE" sz="1600" dirty="0" err="1"/>
+              <a:t>One</a:t>
+            </a:r>
+            <a:r>
+              <a:rPr lang="de-DE" sz="1600" dirty="0"/>
+              <a:t> </a:t>
+            </a:r>
+            <a:r>
+              <a:rPr lang="de-DE" sz="1600" dirty="0" err="1"/>
+              <a:t>Voxelvolume</a:t>
+            </a:r>
+            <a:r>
+              <a:rPr lang="de-DE" sz="1600" dirty="0"/>
+              <a:t> = 0,01596cm³</a:t>
+            </a:r>
+          </a:p>
+        </p:txBody>
+      </p:sp>
       <p:grpSp>
         <p:nvGrpSpPr>
-          <p:cNvPr id="53" name="Gruppieren 52">
+          <p:cNvPr id="11" name="Gruppieren 10">
             <a:extLst>
               <a:ext uri="{FF2B5EF4-FFF2-40B4-BE49-F238E27FC236}">
-                <a16:creationId xmlns:a16="http://schemas.microsoft.com/office/drawing/2014/main" id="{6FD7842D-2B69-45DB-846B-3827B004B234}"/>
+                <a16:creationId xmlns:a16="http://schemas.microsoft.com/office/drawing/2014/main" id="{39004794-2209-4534-9A3D-6F184CB18363}"/>
               </a:ext>
             </a:extLst>
           </p:cNvPr>
@@ -3347,10 +3741,10 @@
         </p:nvGrpSpPr>
         <p:grpSpPr>
           <a:xfrm>
-            <a:off x="1140472" y="544869"/>
-            <a:ext cx="9627877" cy="4030908"/>
-            <a:chOff x="1258349" y="843093"/>
-            <a:chExt cx="9627877" cy="4030908"/>
+            <a:off x="2358731" y="518113"/>
+            <a:ext cx="7474538" cy="4452626"/>
+            <a:chOff x="802281" y="544869"/>
+            <a:chExt cx="7474538" cy="4452626"/>
           </a:xfrm>
         </p:grpSpPr>
         <p:sp>
@@ -3367,7 +3761,7 @@
           </p:nvSpPr>
           <p:spPr>
             <a:xfrm>
-              <a:off x="6241409" y="2371986"/>
+              <a:off x="6123532" y="2073762"/>
               <a:ext cx="2153287" cy="673400"/>
             </a:xfrm>
             <a:prstGeom prst="rect">
@@ -3400,7 +3794,7 @@
                     <a:prstClr val="white"/>
                   </a:solidFill>
                 </a:rPr>
-                <a:t>… 16 weitere Patienten …</a:t>
+                <a:t>… 17 weitere Patienten …</a:t>
               </a:r>
             </a:p>
           </p:txBody>
@@ -3419,7 +3813,7 @@
           </p:nvGrpSpPr>
           <p:grpSpPr>
             <a:xfrm>
-              <a:off x="1258349" y="843093"/>
+              <a:off x="1140472" y="544869"/>
               <a:ext cx="2080470" cy="4030908"/>
               <a:chOff x="1224793" y="956345"/>
               <a:chExt cx="1677798" cy="3565321"/>
@@ -3468,7 +3862,7 @@
                 <a:pPr algn="ctr"/>
                 <a:r>
                   <a:rPr lang="de-DE" dirty="0"/>
-                  <a:t>Patient 01 – ROI n</a:t>
+                  <a:t>Patient 1 – ROI 2</a:t>
                 </a:r>
               </a:p>
             </p:txBody>
@@ -4134,7 +4528,7 @@
           </p:nvGrpSpPr>
           <p:grpSpPr>
             <a:xfrm>
-              <a:off x="3749879" y="843093"/>
+              <a:off x="3632002" y="544869"/>
               <a:ext cx="2080470" cy="4030908"/>
               <a:chOff x="1224793" y="956345"/>
               <a:chExt cx="1677798" cy="3565321"/>
@@ -4183,7 +4577,7 @@
                 <a:pPr algn="ctr"/>
                 <a:r>
                   <a:rPr lang="de-DE" dirty="0"/>
-                  <a:t>Patient 03 – ROI o</a:t>
+                  <a:t>Patient 2 – ROI 2</a:t>
                 </a:r>
               </a:p>
             </p:txBody>
@@ -4835,742 +5229,6 @@
             </p:sp>
           </p:grpSp>
         </p:grpSp>
-        <p:grpSp>
-          <p:nvGrpSpPr>
-            <p:cNvPr id="88" name="Gruppieren 87">
-              <a:extLst>
-                <a:ext uri="{FF2B5EF4-FFF2-40B4-BE49-F238E27FC236}">
-                  <a16:creationId xmlns:a16="http://schemas.microsoft.com/office/drawing/2014/main" id="{AD5EC664-03B2-4829-B94F-B4564A6861DD}"/>
-                </a:ext>
-              </a:extLst>
-            </p:cNvPr>
-            <p:cNvGrpSpPr/>
-            <p:nvPr/>
-          </p:nvGrpSpPr>
-          <p:grpSpPr>
-            <a:xfrm>
-              <a:off x="8805756" y="843093"/>
-              <a:ext cx="2080470" cy="4030908"/>
-              <a:chOff x="1224793" y="956345"/>
-              <a:chExt cx="1677798" cy="3565321"/>
-            </a:xfrm>
-          </p:grpSpPr>
-          <p:sp>
-            <p:nvSpPr>
-              <p:cNvPr id="89" name="Rechteck: abgerundete Ecken 88">
-                <a:extLst>
-                  <a:ext uri="{FF2B5EF4-FFF2-40B4-BE49-F238E27FC236}">
-                    <a16:creationId xmlns:a16="http://schemas.microsoft.com/office/drawing/2014/main" id="{3577ABB2-F0A5-4B2C-8BA0-0DA249AC4D61}"/>
-                  </a:ext>
-                </a:extLst>
-              </p:cNvPr>
-              <p:cNvSpPr/>
-              <p:nvPr/>
-            </p:nvSpPr>
-            <p:spPr>
-              <a:xfrm>
-                <a:off x="1224793" y="956345"/>
-                <a:ext cx="1677798" cy="3565321"/>
-              </a:xfrm>
-              <a:prstGeom prst="roundRect">
-                <a:avLst/>
-              </a:prstGeom>
-              <a:ln/>
-            </p:spPr>
-            <p:style>
-              <a:lnRef idx="1">
-                <a:schemeClr val="accent5"/>
-              </a:lnRef>
-              <a:fillRef idx="2">
-                <a:schemeClr val="accent5"/>
-              </a:fillRef>
-              <a:effectRef idx="1">
-                <a:schemeClr val="accent5"/>
-              </a:effectRef>
-              <a:fontRef idx="minor">
-                <a:schemeClr val="dk1"/>
-              </a:fontRef>
-            </p:style>
-            <p:txBody>
-              <a:bodyPr rtlCol="0" anchor="t"/>
-              <a:lstStyle/>
-              <a:p>
-                <a:pPr algn="ctr"/>
-                <a:r>
-                  <a:rPr lang="de-DE" dirty="0"/>
-                  <a:t>Patient 29 – ROI p</a:t>
-                </a:r>
-              </a:p>
-            </p:txBody>
-          </p:sp>
-          <p:sp>
-            <p:nvSpPr>
-              <p:cNvPr id="90" name="Rechteck: abgerundete Ecken 89">
-                <a:extLst>
-                  <a:ext uri="{FF2B5EF4-FFF2-40B4-BE49-F238E27FC236}">
-                    <a16:creationId xmlns:a16="http://schemas.microsoft.com/office/drawing/2014/main" id="{79FE6544-D56C-48BF-9AD0-BD6B59444E36}"/>
-                  </a:ext>
-                </a:extLst>
-              </p:cNvPr>
-              <p:cNvSpPr/>
-              <p:nvPr/>
-            </p:nvSpPr>
-            <p:spPr>
-              <a:xfrm>
-                <a:off x="1368452" y="2543961"/>
-                <a:ext cx="1390477" cy="478173"/>
-              </a:xfrm>
-              <a:prstGeom prst="roundRect">
-                <a:avLst/>
-              </a:prstGeom>
-              <a:ln/>
-            </p:spPr>
-            <p:style>
-              <a:lnRef idx="1">
-                <a:schemeClr val="accent5"/>
-              </a:lnRef>
-              <a:fillRef idx="2">
-                <a:schemeClr val="accent5"/>
-              </a:fillRef>
-              <a:effectRef idx="1">
-                <a:schemeClr val="accent5"/>
-              </a:effectRef>
-              <a:fontRef idx="minor">
-                <a:schemeClr val="dk1"/>
-              </a:fontRef>
-            </p:style>
-            <p:txBody>
-              <a:bodyPr rtlCol="0" anchor="ctr"/>
-              <a:lstStyle/>
-              <a:p>
-                <a:pPr lvl="0" algn="ctr"/>
-                <a:r>
-                  <a:rPr lang="de-DE" sz="1200" dirty="0">
-                    <a:solidFill>
-                      <a:prstClr val="white"/>
-                    </a:solidFill>
-                  </a:rPr>
-                  <a:t>… 5 weitere Dosen …</a:t>
-                </a:r>
-              </a:p>
-            </p:txBody>
-          </p:sp>
-          <p:grpSp>
-            <p:nvGrpSpPr>
-              <p:cNvPr id="91" name="Gruppieren 90">
-                <a:extLst>
-                  <a:ext uri="{FF2B5EF4-FFF2-40B4-BE49-F238E27FC236}">
-                    <a16:creationId xmlns:a16="http://schemas.microsoft.com/office/drawing/2014/main" id="{271B1D98-680A-453B-A427-917E88DA2957}"/>
-                  </a:ext>
-                </a:extLst>
-              </p:cNvPr>
-              <p:cNvGrpSpPr/>
-              <p:nvPr/>
-            </p:nvGrpSpPr>
-            <p:grpSpPr>
-              <a:xfrm>
-                <a:off x="1368453" y="1421932"/>
-                <a:ext cx="1390477" cy="1044431"/>
-                <a:chOff x="1368453" y="1421932"/>
-                <a:chExt cx="1390477" cy="1044431"/>
-              </a:xfrm>
-            </p:grpSpPr>
-            <p:sp>
-              <p:nvSpPr>
-                <p:cNvPr id="98" name="Rechteck: abgerundete Ecken 97">
-                  <a:extLst>
-                    <a:ext uri="{FF2B5EF4-FFF2-40B4-BE49-F238E27FC236}">
-                      <a16:creationId xmlns:a16="http://schemas.microsoft.com/office/drawing/2014/main" id="{BD9AA82F-7D4C-40B8-A38C-E1C707A15CE6}"/>
-                    </a:ext>
-                  </a:extLst>
-                </p:cNvPr>
-                <p:cNvSpPr/>
-                <p:nvPr/>
-              </p:nvSpPr>
-              <p:spPr>
-                <a:xfrm>
-                  <a:off x="1368453" y="1421932"/>
-                  <a:ext cx="1390477" cy="1044431"/>
-                </a:xfrm>
-                <a:prstGeom prst="roundRect">
-                  <a:avLst/>
-                </a:prstGeom>
-                <a:ln/>
-              </p:spPr>
-              <p:style>
-                <a:lnRef idx="1">
-                  <a:schemeClr val="accent5"/>
-                </a:lnRef>
-                <a:fillRef idx="2">
-                  <a:schemeClr val="accent5"/>
-                </a:fillRef>
-                <a:effectRef idx="1">
-                  <a:schemeClr val="accent5"/>
-                </a:effectRef>
-                <a:fontRef idx="minor">
-                  <a:schemeClr val="dk1"/>
-                </a:fontRef>
-              </p:style>
-              <p:txBody>
-                <a:bodyPr rtlCol="0" anchor="t"/>
-                <a:lstStyle/>
-                <a:p>
-                  <a:pPr algn="ctr"/>
-                  <a:r>
-                    <a:rPr lang="de-DE" sz="1000" dirty="0"/>
-                    <a:t>Dose 3.5</a:t>
-                  </a:r>
-                </a:p>
-              </p:txBody>
-            </p:sp>
-            <p:sp>
-              <p:nvSpPr>
-                <p:cNvPr id="99" name="Rechteck: abgerundete Ecken 98">
-                  <a:extLst>
-                    <a:ext uri="{FF2B5EF4-FFF2-40B4-BE49-F238E27FC236}">
-                      <a16:creationId xmlns:a16="http://schemas.microsoft.com/office/drawing/2014/main" id="{1D2B1EC2-5B72-4EC8-B108-0E0AD0B0A992}"/>
-                    </a:ext>
-                  </a:extLst>
-                </p:cNvPr>
-                <p:cNvSpPr/>
-                <p:nvPr/>
-              </p:nvSpPr>
-              <p:spPr>
-                <a:xfrm>
-                  <a:off x="1440281" y="1684089"/>
-                  <a:ext cx="547909" cy="260060"/>
-                </a:xfrm>
-                <a:prstGeom prst="roundRect">
-                  <a:avLst/>
-                </a:prstGeom>
-                <a:ln/>
-              </p:spPr>
-              <p:style>
-                <a:lnRef idx="1">
-                  <a:schemeClr val="accent5"/>
-                </a:lnRef>
-                <a:fillRef idx="2">
-                  <a:schemeClr val="accent5"/>
-                </a:fillRef>
-                <a:effectRef idx="1">
-                  <a:schemeClr val="accent5"/>
-                </a:effectRef>
-                <a:fontRef idx="minor">
-                  <a:schemeClr val="dk1"/>
-                </a:fontRef>
-              </p:style>
-              <p:txBody>
-                <a:bodyPr rtlCol="0" anchor="ctr"/>
-                <a:lstStyle/>
-                <a:p>
-                  <a:pPr algn="ctr"/>
-                  <a:r>
-                    <a:rPr lang="de-DE" sz="1200" dirty="0">
-                      <a:solidFill>
-                        <a:schemeClr val="tx1"/>
-                      </a:solidFill>
-                    </a:rPr>
-                    <a:t>TF1</a:t>
-                  </a:r>
-                  <a:endParaRPr lang="de-DE" dirty="0">
-                    <a:solidFill>
-                      <a:schemeClr val="tx1"/>
-                    </a:solidFill>
-                  </a:endParaRPr>
-                </a:p>
-              </p:txBody>
-            </p:sp>
-            <p:sp>
-              <p:nvSpPr>
-                <p:cNvPr id="100" name="Rechteck: abgerundete Ecken 99">
-                  <a:extLst>
-                    <a:ext uri="{FF2B5EF4-FFF2-40B4-BE49-F238E27FC236}">
-                      <a16:creationId xmlns:a16="http://schemas.microsoft.com/office/drawing/2014/main" id="{DB08E345-21C2-4865-B5D0-B7EA98852067}"/>
-                    </a:ext>
-                  </a:extLst>
-                </p:cNvPr>
-                <p:cNvSpPr/>
-                <p:nvPr/>
-              </p:nvSpPr>
-              <p:spPr>
-                <a:xfrm>
-                  <a:off x="2060017" y="1684089"/>
-                  <a:ext cx="547909" cy="260060"/>
-                </a:xfrm>
-                <a:prstGeom prst="roundRect">
-                  <a:avLst/>
-                </a:prstGeom>
-                <a:ln/>
-              </p:spPr>
-              <p:style>
-                <a:lnRef idx="1">
-                  <a:schemeClr val="accent5"/>
-                </a:lnRef>
-                <a:fillRef idx="2">
-                  <a:schemeClr val="accent5"/>
-                </a:fillRef>
-                <a:effectRef idx="1">
-                  <a:schemeClr val="accent5"/>
-                </a:effectRef>
-                <a:fontRef idx="minor">
-                  <a:schemeClr val="dk1"/>
-                </a:fontRef>
-              </p:style>
-              <p:txBody>
-                <a:bodyPr rtlCol="0" anchor="ctr"/>
-                <a:lstStyle/>
-                <a:p>
-                  <a:pPr algn="ctr"/>
-                  <a:r>
-                    <a:rPr lang="de-DE" sz="1200" dirty="0">
-                      <a:solidFill>
-                        <a:schemeClr val="tx1"/>
-                      </a:solidFill>
-                    </a:rPr>
-                    <a:t>TF2</a:t>
-                  </a:r>
-                  <a:endParaRPr lang="de-DE" dirty="0">
-                    <a:solidFill>
-                      <a:schemeClr val="tx1"/>
-                    </a:solidFill>
-                  </a:endParaRPr>
-                </a:p>
-              </p:txBody>
-            </p:sp>
-            <p:sp>
-              <p:nvSpPr>
-                <p:cNvPr id="101" name="Rechteck: abgerundete Ecken 100">
-                  <a:extLst>
-                    <a:ext uri="{FF2B5EF4-FFF2-40B4-BE49-F238E27FC236}">
-                      <a16:creationId xmlns:a16="http://schemas.microsoft.com/office/drawing/2014/main" id="{3BB24C21-0610-4FE2-9828-E5CCB20E99C7}"/>
-                    </a:ext>
-                  </a:extLst>
-                </p:cNvPr>
-                <p:cNvSpPr/>
-                <p:nvPr/>
-              </p:nvSpPr>
-              <p:spPr>
-                <a:xfrm>
-                  <a:off x="1440281" y="2033280"/>
-                  <a:ext cx="547909" cy="260060"/>
-                </a:xfrm>
-                <a:prstGeom prst="roundRect">
-                  <a:avLst/>
-                </a:prstGeom>
-                <a:ln/>
-              </p:spPr>
-              <p:style>
-                <a:lnRef idx="1">
-                  <a:schemeClr val="accent5"/>
-                </a:lnRef>
-                <a:fillRef idx="2">
-                  <a:schemeClr val="accent5"/>
-                </a:fillRef>
-                <a:effectRef idx="1">
-                  <a:schemeClr val="accent5"/>
-                </a:effectRef>
-                <a:fontRef idx="minor">
-                  <a:schemeClr val="dk1"/>
-                </a:fontRef>
-              </p:style>
-              <p:txBody>
-                <a:bodyPr rtlCol="0" anchor="ctr"/>
-                <a:lstStyle/>
-                <a:p>
-                  <a:pPr algn="ctr"/>
-                  <a:r>
-                    <a:rPr lang="de-DE" sz="1200" dirty="0">
-                      <a:solidFill>
-                        <a:schemeClr val="tx1"/>
-                      </a:solidFill>
-                    </a:rPr>
-                    <a:t>…</a:t>
-                  </a:r>
-                  <a:endParaRPr lang="de-DE" dirty="0">
-                    <a:solidFill>
-                      <a:schemeClr val="tx1"/>
-                    </a:solidFill>
-                  </a:endParaRPr>
-                </a:p>
-              </p:txBody>
-            </p:sp>
-            <p:sp>
-              <p:nvSpPr>
-                <p:cNvPr id="102" name="Rechteck: abgerundete Ecken 101">
-                  <a:extLst>
-                    <a:ext uri="{FF2B5EF4-FFF2-40B4-BE49-F238E27FC236}">
-                      <a16:creationId xmlns:a16="http://schemas.microsoft.com/office/drawing/2014/main" id="{475EE0F3-E598-4673-BFDF-BE73995458CA}"/>
-                    </a:ext>
-                  </a:extLst>
-                </p:cNvPr>
-                <p:cNvSpPr/>
-                <p:nvPr/>
-              </p:nvSpPr>
-              <p:spPr>
-                <a:xfrm>
-                  <a:off x="2060017" y="2036426"/>
-                  <a:ext cx="547909" cy="260060"/>
-                </a:xfrm>
-                <a:prstGeom prst="roundRect">
-                  <a:avLst/>
-                </a:prstGeom>
-                <a:ln/>
-              </p:spPr>
-              <p:style>
-                <a:lnRef idx="1">
-                  <a:schemeClr val="accent5"/>
-                </a:lnRef>
-                <a:fillRef idx="2">
-                  <a:schemeClr val="accent5"/>
-                </a:fillRef>
-                <a:effectRef idx="1">
-                  <a:schemeClr val="accent5"/>
-                </a:effectRef>
-                <a:fontRef idx="minor">
-                  <a:schemeClr val="dk1"/>
-                </a:fontRef>
-              </p:style>
-              <p:txBody>
-                <a:bodyPr rtlCol="0" anchor="ctr"/>
-                <a:lstStyle/>
-                <a:p>
-                  <a:pPr algn="ctr"/>
-                  <a:r>
-                    <a:rPr lang="de-DE" sz="1200" dirty="0">
-                      <a:solidFill>
-                        <a:schemeClr val="tx1"/>
-                      </a:solidFill>
-                    </a:rPr>
-                    <a:t>TF42</a:t>
-                  </a:r>
-                  <a:endParaRPr lang="de-DE" dirty="0">
-                    <a:solidFill>
-                      <a:schemeClr val="tx1"/>
-                    </a:solidFill>
-                  </a:endParaRPr>
-                </a:p>
-              </p:txBody>
-            </p:sp>
-          </p:grpSp>
-          <p:grpSp>
-            <p:nvGrpSpPr>
-              <p:cNvPr id="92" name="Gruppieren 91">
-                <a:extLst>
-                  <a:ext uri="{FF2B5EF4-FFF2-40B4-BE49-F238E27FC236}">
-                    <a16:creationId xmlns:a16="http://schemas.microsoft.com/office/drawing/2014/main" id="{A05911E1-6636-4E12-88B8-9564C257E969}"/>
-                  </a:ext>
-                </a:extLst>
-              </p:cNvPr>
-              <p:cNvGrpSpPr/>
-              <p:nvPr/>
-            </p:nvGrpSpPr>
-            <p:grpSpPr>
-              <a:xfrm>
-                <a:off x="1364778" y="3099732"/>
-                <a:ext cx="1390477" cy="1044431"/>
-                <a:chOff x="1368453" y="1421932"/>
-                <a:chExt cx="1390477" cy="1044431"/>
-              </a:xfrm>
-            </p:grpSpPr>
-            <p:sp>
-              <p:nvSpPr>
-                <p:cNvPr id="93" name="Rechteck: abgerundete Ecken 92">
-                  <a:extLst>
-                    <a:ext uri="{FF2B5EF4-FFF2-40B4-BE49-F238E27FC236}">
-                      <a16:creationId xmlns:a16="http://schemas.microsoft.com/office/drawing/2014/main" id="{77512F47-0554-465B-A79B-9927F0C55558}"/>
-                    </a:ext>
-                  </a:extLst>
-                </p:cNvPr>
-                <p:cNvSpPr/>
-                <p:nvPr/>
-              </p:nvSpPr>
-              <p:spPr>
-                <a:xfrm>
-                  <a:off x="1368453" y="1421932"/>
-                  <a:ext cx="1390477" cy="1044431"/>
-                </a:xfrm>
-                <a:prstGeom prst="roundRect">
-                  <a:avLst/>
-                </a:prstGeom>
-                <a:ln/>
-              </p:spPr>
-              <p:style>
-                <a:lnRef idx="1">
-                  <a:schemeClr val="accent5"/>
-                </a:lnRef>
-                <a:fillRef idx="2">
-                  <a:schemeClr val="accent5"/>
-                </a:fillRef>
-                <a:effectRef idx="1">
-                  <a:schemeClr val="accent5"/>
-                </a:effectRef>
-                <a:fontRef idx="minor">
-                  <a:schemeClr val="dk1"/>
-                </a:fontRef>
-              </p:style>
-              <p:txBody>
-                <a:bodyPr rtlCol="0" anchor="t"/>
-                <a:lstStyle/>
-                <a:p>
-                  <a:pPr algn="ctr"/>
-                  <a:r>
-                    <a:rPr lang="de-DE" sz="1000" dirty="0"/>
-                    <a:t>Dose 0.5</a:t>
-                  </a:r>
-                </a:p>
-              </p:txBody>
-            </p:sp>
-            <p:sp>
-              <p:nvSpPr>
-                <p:cNvPr id="94" name="Rechteck: abgerundete Ecken 93">
-                  <a:extLst>
-                    <a:ext uri="{FF2B5EF4-FFF2-40B4-BE49-F238E27FC236}">
-                      <a16:creationId xmlns:a16="http://schemas.microsoft.com/office/drawing/2014/main" id="{C2613478-57E5-46EE-B86E-D1149D60396B}"/>
-                    </a:ext>
-                  </a:extLst>
-                </p:cNvPr>
-                <p:cNvSpPr/>
-                <p:nvPr/>
-              </p:nvSpPr>
-              <p:spPr>
-                <a:xfrm>
-                  <a:off x="1440281" y="1684089"/>
-                  <a:ext cx="547909" cy="260060"/>
-                </a:xfrm>
-                <a:prstGeom prst="roundRect">
-                  <a:avLst/>
-                </a:prstGeom>
-                <a:ln/>
-              </p:spPr>
-              <p:style>
-                <a:lnRef idx="1">
-                  <a:schemeClr val="accent5"/>
-                </a:lnRef>
-                <a:fillRef idx="2">
-                  <a:schemeClr val="accent5"/>
-                </a:fillRef>
-                <a:effectRef idx="1">
-                  <a:schemeClr val="accent5"/>
-                </a:effectRef>
-                <a:fontRef idx="minor">
-                  <a:schemeClr val="dk1"/>
-                </a:fontRef>
-              </p:style>
-              <p:txBody>
-                <a:bodyPr rtlCol="0" anchor="ctr"/>
-                <a:lstStyle/>
-                <a:p>
-                  <a:pPr algn="ctr"/>
-                  <a:r>
-                    <a:rPr lang="de-DE" sz="1200" dirty="0">
-                      <a:solidFill>
-                        <a:schemeClr val="tx1"/>
-                      </a:solidFill>
-                    </a:rPr>
-                    <a:t>TF1</a:t>
-                  </a:r>
-                  <a:endParaRPr lang="de-DE" dirty="0">
-                    <a:solidFill>
-                      <a:schemeClr val="tx1"/>
-                    </a:solidFill>
-                  </a:endParaRPr>
-                </a:p>
-              </p:txBody>
-            </p:sp>
-            <p:sp>
-              <p:nvSpPr>
-                <p:cNvPr id="95" name="Rechteck: abgerundete Ecken 94">
-                  <a:extLst>
-                    <a:ext uri="{FF2B5EF4-FFF2-40B4-BE49-F238E27FC236}">
-                      <a16:creationId xmlns:a16="http://schemas.microsoft.com/office/drawing/2014/main" id="{52147555-4267-47FF-927B-996EB5A268E7}"/>
-                    </a:ext>
-                  </a:extLst>
-                </p:cNvPr>
-                <p:cNvSpPr/>
-                <p:nvPr/>
-              </p:nvSpPr>
-              <p:spPr>
-                <a:xfrm>
-                  <a:off x="2060017" y="1684089"/>
-                  <a:ext cx="547909" cy="260060"/>
-                </a:xfrm>
-                <a:prstGeom prst="roundRect">
-                  <a:avLst/>
-                </a:prstGeom>
-                <a:ln/>
-              </p:spPr>
-              <p:style>
-                <a:lnRef idx="1">
-                  <a:schemeClr val="accent5"/>
-                </a:lnRef>
-                <a:fillRef idx="2">
-                  <a:schemeClr val="accent5"/>
-                </a:fillRef>
-                <a:effectRef idx="1">
-                  <a:schemeClr val="accent5"/>
-                </a:effectRef>
-                <a:fontRef idx="minor">
-                  <a:schemeClr val="dk1"/>
-                </a:fontRef>
-              </p:style>
-              <p:txBody>
-                <a:bodyPr rtlCol="0" anchor="ctr"/>
-                <a:lstStyle/>
-                <a:p>
-                  <a:pPr algn="ctr"/>
-                  <a:r>
-                    <a:rPr lang="de-DE" sz="1200" dirty="0">
-                      <a:solidFill>
-                        <a:schemeClr val="tx1"/>
-                      </a:solidFill>
-                    </a:rPr>
-                    <a:t>TF2</a:t>
-                  </a:r>
-                  <a:endParaRPr lang="de-DE" dirty="0">
-                    <a:solidFill>
-                      <a:schemeClr val="tx1"/>
-                    </a:solidFill>
-                  </a:endParaRPr>
-                </a:p>
-              </p:txBody>
-            </p:sp>
-            <p:sp>
-              <p:nvSpPr>
-                <p:cNvPr id="96" name="Rechteck: abgerundete Ecken 95">
-                  <a:extLst>
-                    <a:ext uri="{FF2B5EF4-FFF2-40B4-BE49-F238E27FC236}">
-                      <a16:creationId xmlns:a16="http://schemas.microsoft.com/office/drawing/2014/main" id="{6FCCD018-22AA-4EEE-8133-03DE3808F1EB}"/>
-                    </a:ext>
-                  </a:extLst>
-                </p:cNvPr>
-                <p:cNvSpPr/>
-                <p:nvPr/>
-              </p:nvSpPr>
-              <p:spPr>
-                <a:xfrm>
-                  <a:off x="1440281" y="2033280"/>
-                  <a:ext cx="547909" cy="260060"/>
-                </a:xfrm>
-                <a:prstGeom prst="roundRect">
-                  <a:avLst/>
-                </a:prstGeom>
-                <a:ln/>
-              </p:spPr>
-              <p:style>
-                <a:lnRef idx="1">
-                  <a:schemeClr val="accent5"/>
-                </a:lnRef>
-                <a:fillRef idx="2">
-                  <a:schemeClr val="accent5"/>
-                </a:fillRef>
-                <a:effectRef idx="1">
-                  <a:schemeClr val="accent5"/>
-                </a:effectRef>
-                <a:fontRef idx="minor">
-                  <a:schemeClr val="dk1"/>
-                </a:fontRef>
-              </p:style>
-              <p:txBody>
-                <a:bodyPr rtlCol="0" anchor="ctr"/>
-                <a:lstStyle/>
-                <a:p>
-                  <a:pPr algn="ctr"/>
-                  <a:r>
-                    <a:rPr lang="de-DE" sz="1200" dirty="0">
-                      <a:solidFill>
-                        <a:schemeClr val="tx1"/>
-                      </a:solidFill>
-                    </a:rPr>
-                    <a:t>…</a:t>
-                  </a:r>
-                  <a:endParaRPr lang="de-DE" dirty="0">
-                    <a:solidFill>
-                      <a:schemeClr val="tx1"/>
-                    </a:solidFill>
-                  </a:endParaRPr>
-                </a:p>
-              </p:txBody>
-            </p:sp>
-            <p:sp>
-              <p:nvSpPr>
-                <p:cNvPr id="97" name="Rechteck: abgerundete Ecken 96">
-                  <a:extLst>
-                    <a:ext uri="{FF2B5EF4-FFF2-40B4-BE49-F238E27FC236}">
-                      <a16:creationId xmlns:a16="http://schemas.microsoft.com/office/drawing/2014/main" id="{B8566C7C-8FC4-40FE-948B-BF3737EF9D08}"/>
-                    </a:ext>
-                  </a:extLst>
-                </p:cNvPr>
-                <p:cNvSpPr/>
-                <p:nvPr/>
-              </p:nvSpPr>
-              <p:spPr>
-                <a:xfrm>
-                  <a:off x="2060017" y="2036426"/>
-                  <a:ext cx="547909" cy="260060"/>
-                </a:xfrm>
-                <a:prstGeom prst="roundRect">
-                  <a:avLst/>
-                </a:prstGeom>
-                <a:ln/>
-              </p:spPr>
-              <p:style>
-                <a:lnRef idx="1">
-                  <a:schemeClr val="accent5"/>
-                </a:lnRef>
-                <a:fillRef idx="2">
-                  <a:schemeClr val="accent5"/>
-                </a:fillRef>
-                <a:effectRef idx="1">
-                  <a:schemeClr val="accent5"/>
-                </a:effectRef>
-                <a:fontRef idx="minor">
-                  <a:schemeClr val="dk1"/>
-                </a:fontRef>
-              </p:style>
-              <p:txBody>
-                <a:bodyPr rtlCol="0" anchor="ctr"/>
-                <a:lstStyle/>
-                <a:p>
-                  <a:pPr algn="ctr"/>
-                  <a:r>
-                    <a:rPr lang="de-DE" sz="1200" dirty="0">
-                      <a:solidFill>
-                        <a:schemeClr val="tx1"/>
-                      </a:solidFill>
-                    </a:rPr>
-                    <a:t>TF42</a:t>
-                  </a:r>
-                  <a:endParaRPr lang="de-DE" dirty="0">
-                    <a:solidFill>
-                      <a:schemeClr val="tx1"/>
-                    </a:solidFill>
-                  </a:endParaRPr>
-                </a:p>
-              </p:txBody>
-            </p:sp>
-          </p:grpSp>
-        </p:grpSp>
-      </p:grpSp>
-      <p:grpSp>
-        <p:nvGrpSpPr>
-          <p:cNvPr id="3" name="Gruppieren 2">
-            <a:extLst>
-              <a:ext uri="{FF2B5EF4-FFF2-40B4-BE49-F238E27FC236}">
-                <a16:creationId xmlns:a16="http://schemas.microsoft.com/office/drawing/2014/main" id="{1CB3A14A-7062-473D-BFB2-056059B9F9C7}"/>
-              </a:ext>
-            </a:extLst>
-          </p:cNvPr>
-          <p:cNvGrpSpPr/>
-          <p:nvPr/>
-        </p:nvGrpSpPr>
-        <p:grpSpPr>
-          <a:xfrm>
-            <a:off x="802281" y="966587"/>
-            <a:ext cx="9627877" cy="4030908"/>
-            <a:chOff x="1258349" y="843093"/>
-            <a:chExt cx="9627877" cy="4030908"/>
-          </a:xfrm>
-        </p:grpSpPr>
         <p:sp>
           <p:nvSpPr>
             <p:cNvPr id="7" name="Rechteck 6">
@@ -5585,7 +5243,7 @@
           </p:nvSpPr>
           <p:spPr>
             <a:xfrm>
-              <a:off x="6241409" y="2371986"/>
+              <a:off x="5785341" y="2495480"/>
               <a:ext cx="2153287" cy="673400"/>
             </a:xfrm>
             <a:prstGeom prst="rect">
@@ -5619,7 +5277,7 @@
                     <a:prstClr val="white"/>
                   </a:solidFill>
                 </a:rPr>
-                <a:t>… 16 weitere Patienten …</a:t>
+                <a:t>… 17 weitere Patienten …</a:t>
               </a:r>
             </a:p>
           </p:txBody>
@@ -5638,7 +5296,7 @@
           </p:nvGrpSpPr>
           <p:grpSpPr>
             <a:xfrm>
-              <a:off x="1258349" y="843093"/>
+              <a:off x="802281" y="966587"/>
               <a:ext cx="2080470" cy="4030908"/>
               <a:chOff x="1224793" y="956345"/>
               <a:chExt cx="1677798" cy="3565321"/>
@@ -5664,6 +5322,11 @@
               <a:prstGeom prst="roundRect">
                 <a:avLst/>
               </a:prstGeom>
+              <a:solidFill>
+                <a:schemeClr val="accent5">
+                  <a:lumMod val="75000"/>
+                </a:schemeClr>
+              </a:solidFill>
             </p:spPr>
             <p:style>
               <a:lnRef idx="2">
@@ -5688,7 +5351,7 @@
                 <a:pPr algn="ctr"/>
                 <a:r>
                   <a:rPr lang="de-DE" dirty="0"/>
-                  <a:t>Patient 01 – ROI 1</a:t>
+                  <a:t>Patient 1 – ROI 1</a:t>
                 </a:r>
               </a:p>
             </p:txBody>
@@ -5707,12 +5370,19 @@
             </p:nvSpPr>
             <p:spPr>
               <a:xfrm>
-                <a:off x="1368452" y="2543961"/>
+                <a:off x="1368452" y="2739414"/>
                 <a:ext cx="1390477" cy="478173"/>
               </a:xfrm>
               <a:prstGeom prst="roundRect">
                 <a:avLst/>
               </a:prstGeom>
+              <a:ln>
+                <a:solidFill>
+                  <a:schemeClr val="bg2">
+                    <a:lumMod val="10000"/>
+                  </a:schemeClr>
+                </a:solidFill>
+              </a:ln>
             </p:spPr>
             <p:style>
               <a:lnRef idx="2">
@@ -5741,7 +5411,7 @@
                       <a:prstClr val="white"/>
                     </a:solidFill>
                   </a:rPr>
-                  <a:t>… 11 weitere Dosen …</a:t>
+                  <a:t>… 9 weitere simulierte Dosen …</a:t>
                 </a:r>
               </a:p>
             </p:txBody>
@@ -5760,9 +5430,9 @@
             </p:nvGrpSpPr>
             <p:grpSpPr>
               <a:xfrm>
-                <a:off x="1368453" y="1421932"/>
+                <a:off x="1368453" y="1617392"/>
                 <a:ext cx="1390477" cy="1044431"/>
-                <a:chOff x="1368453" y="1421932"/>
+                <a:chOff x="1368453" y="1617392"/>
                 <a:chExt cx="1390477" cy="1044431"/>
               </a:xfrm>
             </p:grpSpPr>
@@ -5780,24 +5450,36 @@
               </p:nvSpPr>
               <p:spPr>
                 <a:xfrm>
-                  <a:off x="1368453" y="1421932"/>
+                  <a:off x="1368453" y="1617392"/>
                   <a:ext cx="1390477" cy="1044431"/>
                 </a:xfrm>
                 <a:prstGeom prst="roundRect">
                   <a:avLst/>
                 </a:prstGeom>
+                <a:solidFill>
+                  <a:schemeClr val="accent1">
+                    <a:lumMod val="50000"/>
+                  </a:schemeClr>
+                </a:solidFill>
+                <a:ln>
+                  <a:solidFill>
+                    <a:schemeClr val="bg2">
+                      <a:lumMod val="10000"/>
+                    </a:schemeClr>
+                  </a:solidFill>
+                </a:ln>
               </p:spPr>
               <p:style>
                 <a:lnRef idx="2">
-                  <a:schemeClr val="accent5">
+                  <a:schemeClr val="dk1">
                     <a:shade val="50000"/>
                   </a:schemeClr>
                 </a:lnRef>
                 <a:fillRef idx="1">
-                  <a:schemeClr val="accent5"/>
+                  <a:schemeClr val="dk1"/>
                 </a:fillRef>
                 <a:effectRef idx="0">
-                  <a:schemeClr val="accent5"/>
+                  <a:schemeClr val="dk1"/>
                 </a:effectRef>
                 <a:fontRef idx="minor">
                   <a:schemeClr val="lt1"/>
@@ -5810,7 +5492,7 @@
                   <a:pPr algn="ctr"/>
                   <a:r>
                     <a:rPr lang="de-DE" sz="1000" dirty="0"/>
-                    <a:t>Dose 3.5</a:t>
+                    <a:t>Dose 3.0</a:t>
                   </a:r>
                 </a:p>
               </p:txBody>
@@ -5829,7 +5511,7 @@
               </p:nvSpPr>
               <p:spPr>
                 <a:xfrm>
-                  <a:off x="1440281" y="1684089"/>
+                  <a:off x="1440281" y="1879549"/>
                   <a:ext cx="547909" cy="260060"/>
                 </a:xfrm>
                 <a:prstGeom prst="roundRect">
@@ -5887,7 +5569,7 @@
               </p:nvSpPr>
               <p:spPr>
                 <a:xfrm>
-                  <a:off x="2060017" y="1684089"/>
+                  <a:off x="2060017" y="1879549"/>
                   <a:ext cx="547909" cy="260060"/>
                 </a:xfrm>
                 <a:prstGeom prst="roundRect">
@@ -5945,7 +5627,7 @@
               </p:nvSpPr>
               <p:spPr>
                 <a:xfrm>
-                  <a:off x="1440281" y="2033280"/>
+                  <a:off x="1440281" y="2228735"/>
                   <a:ext cx="547909" cy="260060"/>
                 </a:xfrm>
                 <a:prstGeom prst="roundRect">
@@ -6003,7 +5685,7 @@
               </p:nvSpPr>
               <p:spPr>
                 <a:xfrm>
-                  <a:off x="2060017" y="2036426"/>
+                  <a:off x="2060017" y="2231881"/>
                   <a:ext cx="547909" cy="260060"/>
                 </a:xfrm>
                 <a:prstGeom prst="roundRect">
@@ -6062,9 +5744,9 @@
             </p:nvGrpSpPr>
             <p:grpSpPr>
               <a:xfrm>
-                <a:off x="1364778" y="3099732"/>
+                <a:off x="1364778" y="3295192"/>
                 <a:ext cx="1390477" cy="1044431"/>
-                <a:chOff x="1368453" y="1421932"/>
+                <a:chOff x="1368453" y="1617392"/>
                 <a:chExt cx="1390477" cy="1044431"/>
               </a:xfrm>
             </p:grpSpPr>
@@ -6082,12 +5764,19 @@
               </p:nvSpPr>
               <p:spPr>
                 <a:xfrm>
-                  <a:off x="1368453" y="1421932"/>
+                  <a:off x="1368453" y="1617392"/>
                   <a:ext cx="1390477" cy="1044431"/>
                 </a:xfrm>
                 <a:prstGeom prst="roundRect">
                   <a:avLst/>
                 </a:prstGeom>
+                <a:ln>
+                  <a:solidFill>
+                    <a:schemeClr val="bg2">
+                      <a:lumMod val="10000"/>
+                    </a:schemeClr>
+                  </a:solidFill>
+                </a:ln>
               </p:spPr>
               <p:style>
                 <a:lnRef idx="2">
@@ -6112,7 +5801,7 @@
                   <a:pPr algn="ctr"/>
                   <a:r>
                     <a:rPr lang="de-DE" sz="1000" dirty="0"/>
-                    <a:t>Dose 0.5</a:t>
+                    <a:t>Simulierte Dose 0.5</a:t>
                   </a:r>
                 </a:p>
               </p:txBody>
@@ -6131,7 +5820,7 @@
               </p:nvSpPr>
               <p:spPr>
                 <a:xfrm>
-                  <a:off x="1440281" y="1684089"/>
+                  <a:off x="1440281" y="1879549"/>
                   <a:ext cx="547909" cy="260060"/>
                 </a:xfrm>
                 <a:prstGeom prst="roundRect">
@@ -6189,7 +5878,7 @@
               </p:nvSpPr>
               <p:spPr>
                 <a:xfrm>
-                  <a:off x="2060017" y="1684089"/>
+                  <a:off x="2060017" y="1879549"/>
                   <a:ext cx="547909" cy="260060"/>
                 </a:xfrm>
                 <a:prstGeom prst="roundRect">
@@ -6247,7 +5936,7 @@
               </p:nvSpPr>
               <p:spPr>
                 <a:xfrm>
-                  <a:off x="1440281" y="2033280"/>
+                  <a:off x="1440281" y="2228740"/>
                   <a:ext cx="547909" cy="260060"/>
                 </a:xfrm>
                 <a:prstGeom prst="roundRect">
@@ -6305,7 +5994,7 @@
               </p:nvSpPr>
               <p:spPr>
                 <a:xfrm>
-                  <a:off x="2060017" y="2036426"/>
+                  <a:off x="2060017" y="2231885"/>
                   <a:ext cx="547909" cy="260060"/>
                 </a:xfrm>
                 <a:prstGeom prst="roundRect">
@@ -6365,7 +6054,7 @@
           </p:nvGrpSpPr>
           <p:grpSpPr>
             <a:xfrm>
-              <a:off x="3749879" y="843093"/>
+              <a:off x="3293811" y="966587"/>
               <a:ext cx="2080470" cy="4030908"/>
               <a:chOff x="1224793" y="956345"/>
               <a:chExt cx="1677798" cy="3565321"/>
@@ -6391,6 +6080,11 @@
               <a:prstGeom prst="roundRect">
                 <a:avLst/>
               </a:prstGeom>
+              <a:solidFill>
+                <a:schemeClr val="accent5">
+                  <a:lumMod val="75000"/>
+                </a:schemeClr>
+              </a:solidFill>
             </p:spPr>
             <p:style>
               <a:lnRef idx="2">
@@ -6415,7 +6109,7 @@
                 <a:pPr algn="ctr"/>
                 <a:r>
                   <a:rPr lang="de-DE" dirty="0"/>
-                  <a:t>Patient 03 – ROI 1</a:t>
+                  <a:t>Patient 2 – ROI 1</a:t>
                 </a:r>
               </a:p>
             </p:txBody>
@@ -6434,12 +6128,22 @@
             </p:nvSpPr>
             <p:spPr>
               <a:xfrm>
-                <a:off x="1368452" y="2543961"/>
+                <a:off x="1368452" y="2739414"/>
                 <a:ext cx="1390477" cy="478173"/>
               </a:xfrm>
               <a:prstGeom prst="roundRect">
                 <a:avLst/>
               </a:prstGeom>
+              <a:solidFill>
+                <a:srgbClr val="5B9BD5"/>
+              </a:solidFill>
+              <a:ln>
+                <a:solidFill>
+                  <a:schemeClr val="bg2">
+                    <a:lumMod val="10000"/>
+                  </a:schemeClr>
+                </a:solidFill>
+              </a:ln>
             </p:spPr>
             <p:style>
               <a:lnRef idx="2">
@@ -6468,7 +6172,7 @@
                       <a:prstClr val="white"/>
                     </a:solidFill>
                   </a:rPr>
-                  <a:t>… 11 weitere Dosen …</a:t>
+                  <a:t>… 9 weitere simulierte Dosen …</a:t>
                 </a:r>
               </a:p>
             </p:txBody>
@@ -6487,9 +6191,9 @@
             </p:nvGrpSpPr>
             <p:grpSpPr>
               <a:xfrm>
-                <a:off x="1368453" y="1421932"/>
+                <a:off x="1368453" y="1617392"/>
                 <a:ext cx="1390477" cy="1044431"/>
-                <a:chOff x="1368453" y="1421932"/>
+                <a:chOff x="1368453" y="1617392"/>
                 <a:chExt cx="1390477" cy="1044431"/>
               </a:xfrm>
             </p:grpSpPr>
@@ -6507,24 +6211,34 @@
               </p:nvSpPr>
               <p:spPr>
                 <a:xfrm>
-                  <a:off x="1368453" y="1421932"/>
+                  <a:off x="1368453" y="1617392"/>
                   <a:ext cx="1390477" cy="1044431"/>
                 </a:xfrm>
                 <a:prstGeom prst="roundRect">
                   <a:avLst/>
                 </a:prstGeom>
+                <a:solidFill>
+                  <a:srgbClr val="5B9BD5"/>
+                </a:solidFill>
+                <a:ln>
+                  <a:solidFill>
+                    <a:schemeClr val="bg2">
+                      <a:lumMod val="10000"/>
+                    </a:schemeClr>
+                  </a:solidFill>
+                </a:ln>
               </p:spPr>
               <p:style>
                 <a:lnRef idx="2">
-                  <a:schemeClr val="accent5">
+                  <a:schemeClr val="dk1">
                     <a:shade val="50000"/>
                   </a:schemeClr>
                 </a:lnRef>
                 <a:fillRef idx="1">
-                  <a:schemeClr val="accent5"/>
+                  <a:schemeClr val="dk1"/>
                 </a:fillRef>
                 <a:effectRef idx="0">
-                  <a:schemeClr val="accent5"/>
+                  <a:schemeClr val="dk1"/>
                 </a:effectRef>
                 <a:fontRef idx="minor">
                   <a:schemeClr val="lt1"/>
@@ -6537,7 +6251,7 @@
                   <a:pPr algn="ctr"/>
                   <a:r>
                     <a:rPr lang="de-DE" sz="1000" dirty="0"/>
-                    <a:t>Dose 3.5</a:t>
+                    <a:t>Simulierte Dose 3.0</a:t>
                   </a:r>
                 </a:p>
               </p:txBody>
@@ -6556,7 +6270,7 @@
               </p:nvSpPr>
               <p:spPr>
                 <a:xfrm>
-                  <a:off x="1440281" y="1684089"/>
+                  <a:off x="1440281" y="1879549"/>
                   <a:ext cx="547909" cy="260060"/>
                 </a:xfrm>
                 <a:prstGeom prst="roundRect">
@@ -6614,7 +6328,7 @@
               </p:nvSpPr>
               <p:spPr>
                 <a:xfrm>
-                  <a:off x="2060017" y="1684089"/>
+                  <a:off x="2060017" y="1879549"/>
                   <a:ext cx="547909" cy="260060"/>
                 </a:xfrm>
                 <a:prstGeom prst="roundRect">
@@ -6672,7 +6386,7 @@
               </p:nvSpPr>
               <p:spPr>
                 <a:xfrm>
-                  <a:off x="1440281" y="2033280"/>
+                  <a:off x="1440281" y="2228735"/>
                   <a:ext cx="547909" cy="260060"/>
                 </a:xfrm>
                 <a:prstGeom prst="roundRect">
@@ -6730,7 +6444,7 @@
               </p:nvSpPr>
               <p:spPr>
                 <a:xfrm>
-                  <a:off x="2060017" y="2036426"/>
+                  <a:off x="2060017" y="2231881"/>
                   <a:ext cx="547909" cy="260060"/>
                 </a:xfrm>
                 <a:prstGeom prst="roundRect">
@@ -6789,9 +6503,9 @@
             </p:nvGrpSpPr>
             <p:grpSpPr>
               <a:xfrm>
-                <a:off x="1364778" y="3099732"/>
+                <a:off x="1364778" y="3295192"/>
                 <a:ext cx="1390477" cy="1044431"/>
-                <a:chOff x="1368453" y="1421932"/>
+                <a:chOff x="1368453" y="1617392"/>
                 <a:chExt cx="1390477" cy="1044431"/>
               </a:xfrm>
             </p:grpSpPr>
@@ -6809,12 +6523,19 @@
               </p:nvSpPr>
               <p:spPr>
                 <a:xfrm>
-                  <a:off x="1368453" y="1421932"/>
+                  <a:off x="1368453" y="1617392"/>
                   <a:ext cx="1390477" cy="1044431"/>
                 </a:xfrm>
                 <a:prstGeom prst="roundRect">
                   <a:avLst/>
                 </a:prstGeom>
+                <a:ln>
+                  <a:solidFill>
+                    <a:schemeClr val="bg2">
+                      <a:lumMod val="10000"/>
+                    </a:schemeClr>
+                  </a:solidFill>
+                </a:ln>
               </p:spPr>
               <p:style>
                 <a:lnRef idx="2">
@@ -6839,7 +6560,7 @@
                   <a:pPr algn="ctr"/>
                   <a:r>
                     <a:rPr lang="de-DE" sz="1000" dirty="0"/>
-                    <a:t>Dose 0.5</a:t>
+                    <a:t>Simulierte Dose 0.5</a:t>
                   </a:r>
                 </a:p>
               </p:txBody>
@@ -6858,7 +6579,7 @@
               </p:nvSpPr>
               <p:spPr>
                 <a:xfrm>
-                  <a:off x="1440281" y="1684089"/>
+                  <a:off x="1440281" y="1879549"/>
                   <a:ext cx="547909" cy="260060"/>
                 </a:xfrm>
                 <a:prstGeom prst="roundRect">
@@ -6916,7 +6637,7 @@
               </p:nvSpPr>
               <p:spPr>
                 <a:xfrm>
-                  <a:off x="2060017" y="1684089"/>
+                  <a:off x="2060017" y="1879549"/>
                   <a:ext cx="547909" cy="260060"/>
                 </a:xfrm>
                 <a:prstGeom prst="roundRect">
@@ -6974,7 +6695,7 @@
               </p:nvSpPr>
               <p:spPr>
                 <a:xfrm>
-                  <a:off x="1440281" y="2033280"/>
+                  <a:off x="1440281" y="2228735"/>
                   <a:ext cx="547909" cy="260060"/>
                 </a:xfrm>
                 <a:prstGeom prst="roundRect">
@@ -7032,734 +6753,7 @@
               </p:nvSpPr>
               <p:spPr>
                 <a:xfrm>
-                  <a:off x="2060017" y="2036426"/>
-                  <a:ext cx="547909" cy="260060"/>
-                </a:xfrm>
-                <a:prstGeom prst="roundRect">
-                  <a:avLst/>
-                </a:prstGeom>
-              </p:spPr>
-              <p:style>
-                <a:lnRef idx="2">
-                  <a:schemeClr val="accent4">
-                    <a:shade val="50000"/>
-                  </a:schemeClr>
-                </a:lnRef>
-                <a:fillRef idx="1">
-                  <a:schemeClr val="accent4"/>
-                </a:fillRef>
-                <a:effectRef idx="0">
-                  <a:schemeClr val="accent4"/>
-                </a:effectRef>
-                <a:fontRef idx="minor">
-                  <a:schemeClr val="lt1"/>
-                </a:fontRef>
-              </p:style>
-              <p:txBody>
-                <a:bodyPr rtlCol="0" anchor="ctr"/>
-                <a:lstStyle/>
-                <a:p>
-                  <a:pPr algn="ctr"/>
-                  <a:r>
-                    <a:rPr lang="de-DE" sz="1200" dirty="0">
-                      <a:solidFill>
-                        <a:schemeClr val="tx1"/>
-                      </a:solidFill>
-                    </a:rPr>
-                    <a:t>TF42</a:t>
-                  </a:r>
-                  <a:endParaRPr lang="de-DE" dirty="0">
-                    <a:solidFill>
-                      <a:schemeClr val="tx1"/>
-                    </a:solidFill>
-                  </a:endParaRPr>
-                </a:p>
-              </p:txBody>
-            </p:sp>
-          </p:grpSp>
-        </p:grpSp>
-        <p:grpSp>
-          <p:nvGrpSpPr>
-            <p:cNvPr id="69" name="Gruppieren 68">
-              <a:extLst>
-                <a:ext uri="{FF2B5EF4-FFF2-40B4-BE49-F238E27FC236}">
-                  <a16:creationId xmlns:a16="http://schemas.microsoft.com/office/drawing/2014/main" id="{4D6550F9-9C9B-472D-9805-B6FA95AC66BE}"/>
-                </a:ext>
-              </a:extLst>
-            </p:cNvPr>
-            <p:cNvGrpSpPr/>
-            <p:nvPr/>
-          </p:nvGrpSpPr>
-          <p:grpSpPr>
-            <a:xfrm>
-              <a:off x="8805756" y="843093"/>
-              <a:ext cx="2080470" cy="4030908"/>
-              <a:chOff x="1224793" y="956345"/>
-              <a:chExt cx="1677798" cy="3565321"/>
-            </a:xfrm>
-          </p:grpSpPr>
-          <p:sp>
-            <p:nvSpPr>
-              <p:cNvPr id="70" name="Rechteck: abgerundete Ecken 69">
-                <a:extLst>
-                  <a:ext uri="{FF2B5EF4-FFF2-40B4-BE49-F238E27FC236}">
-                    <a16:creationId xmlns:a16="http://schemas.microsoft.com/office/drawing/2014/main" id="{AD721A68-FC74-40C5-BFD4-888478906D11}"/>
-                  </a:ext>
-                </a:extLst>
-              </p:cNvPr>
-              <p:cNvSpPr/>
-              <p:nvPr/>
-            </p:nvSpPr>
-            <p:spPr>
-              <a:xfrm>
-                <a:off x="1224793" y="956345"/>
-                <a:ext cx="1677798" cy="3565321"/>
-              </a:xfrm>
-              <a:prstGeom prst="roundRect">
-                <a:avLst/>
-              </a:prstGeom>
-            </p:spPr>
-            <p:style>
-              <a:lnRef idx="2">
-                <a:schemeClr val="accent1">
-                  <a:shade val="50000"/>
-                </a:schemeClr>
-              </a:lnRef>
-              <a:fillRef idx="1">
-                <a:schemeClr val="accent1"/>
-              </a:fillRef>
-              <a:effectRef idx="0">
-                <a:schemeClr val="accent1"/>
-              </a:effectRef>
-              <a:fontRef idx="minor">
-                <a:schemeClr val="lt1"/>
-              </a:fontRef>
-            </p:style>
-            <p:txBody>
-              <a:bodyPr rtlCol="0" anchor="t"/>
-              <a:lstStyle/>
-              <a:p>
-                <a:pPr algn="ctr"/>
-                <a:r>
-                  <a:rPr lang="de-DE" dirty="0"/>
-                  <a:t>Patient 29 – ROI 1</a:t>
-                </a:r>
-              </a:p>
-            </p:txBody>
-          </p:sp>
-          <p:sp>
-            <p:nvSpPr>
-              <p:cNvPr id="71" name="Rechteck: abgerundete Ecken 70">
-                <a:extLst>
-                  <a:ext uri="{FF2B5EF4-FFF2-40B4-BE49-F238E27FC236}">
-                    <a16:creationId xmlns:a16="http://schemas.microsoft.com/office/drawing/2014/main" id="{1F69CC88-6EDE-4B63-85F8-5F4749E2DFC8}"/>
-                  </a:ext>
-                </a:extLst>
-              </p:cNvPr>
-              <p:cNvSpPr/>
-              <p:nvPr/>
-            </p:nvSpPr>
-            <p:spPr>
-              <a:xfrm>
-                <a:off x="1368452" y="2543961"/>
-                <a:ext cx="1390477" cy="478173"/>
-              </a:xfrm>
-              <a:prstGeom prst="roundRect">
-                <a:avLst/>
-              </a:prstGeom>
-            </p:spPr>
-            <p:style>
-              <a:lnRef idx="2">
-                <a:schemeClr val="accent5">
-                  <a:shade val="50000"/>
-                </a:schemeClr>
-              </a:lnRef>
-              <a:fillRef idx="1">
-                <a:schemeClr val="accent5"/>
-              </a:fillRef>
-              <a:effectRef idx="0">
-                <a:schemeClr val="accent5"/>
-              </a:effectRef>
-              <a:fontRef idx="minor">
-                <a:schemeClr val="lt1"/>
-              </a:fontRef>
-            </p:style>
-            <p:txBody>
-              <a:bodyPr rtlCol="0" anchor="ctr"/>
-              <a:lstStyle/>
-              <a:p>
-                <a:pPr lvl="0" algn="ctr"/>
-                <a:r>
-                  <a:rPr lang="de-DE" sz="1200" dirty="0">
-                    <a:solidFill>
-                      <a:prstClr val="white"/>
-                    </a:solidFill>
-                  </a:rPr>
-                  <a:t>… 11 weitere Dosen …</a:t>
-                </a:r>
-              </a:p>
-            </p:txBody>
-          </p:sp>
-          <p:grpSp>
-            <p:nvGrpSpPr>
-              <p:cNvPr id="72" name="Gruppieren 71">
-                <a:extLst>
-                  <a:ext uri="{FF2B5EF4-FFF2-40B4-BE49-F238E27FC236}">
-                    <a16:creationId xmlns:a16="http://schemas.microsoft.com/office/drawing/2014/main" id="{A30EE417-5E53-46AE-8DE2-2CABA6AAE9DA}"/>
-                  </a:ext>
-                </a:extLst>
-              </p:cNvPr>
-              <p:cNvGrpSpPr/>
-              <p:nvPr/>
-            </p:nvGrpSpPr>
-            <p:grpSpPr>
-              <a:xfrm>
-                <a:off x="1368453" y="1421932"/>
-                <a:ext cx="1390477" cy="1044431"/>
-                <a:chOff x="1368453" y="1421932"/>
-                <a:chExt cx="1390477" cy="1044431"/>
-              </a:xfrm>
-            </p:grpSpPr>
-            <p:sp>
-              <p:nvSpPr>
-                <p:cNvPr id="79" name="Rechteck: abgerundete Ecken 78">
-                  <a:extLst>
-                    <a:ext uri="{FF2B5EF4-FFF2-40B4-BE49-F238E27FC236}">
-                      <a16:creationId xmlns:a16="http://schemas.microsoft.com/office/drawing/2014/main" id="{C9380762-65CE-4C3A-BAA2-E93ACAE10005}"/>
-                    </a:ext>
-                  </a:extLst>
-                </p:cNvPr>
-                <p:cNvSpPr/>
-                <p:nvPr/>
-              </p:nvSpPr>
-              <p:spPr>
-                <a:xfrm>
-                  <a:off x="1368453" y="1421932"/>
-                  <a:ext cx="1390477" cy="1044431"/>
-                </a:xfrm>
-                <a:prstGeom prst="roundRect">
-                  <a:avLst/>
-                </a:prstGeom>
-              </p:spPr>
-              <p:style>
-                <a:lnRef idx="2">
-                  <a:schemeClr val="accent5">
-                    <a:shade val="50000"/>
-                  </a:schemeClr>
-                </a:lnRef>
-                <a:fillRef idx="1">
-                  <a:schemeClr val="accent5"/>
-                </a:fillRef>
-                <a:effectRef idx="0">
-                  <a:schemeClr val="accent5"/>
-                </a:effectRef>
-                <a:fontRef idx="minor">
-                  <a:schemeClr val="lt1"/>
-                </a:fontRef>
-              </p:style>
-              <p:txBody>
-                <a:bodyPr rtlCol="0" anchor="t"/>
-                <a:lstStyle/>
-                <a:p>
-                  <a:pPr algn="ctr"/>
-                  <a:r>
-                    <a:rPr lang="de-DE" sz="1000" dirty="0"/>
-                    <a:t>Dose 3.5</a:t>
-                  </a:r>
-                </a:p>
-              </p:txBody>
-            </p:sp>
-            <p:sp>
-              <p:nvSpPr>
-                <p:cNvPr id="80" name="Rechteck: abgerundete Ecken 79">
-                  <a:extLst>
-                    <a:ext uri="{FF2B5EF4-FFF2-40B4-BE49-F238E27FC236}">
-                      <a16:creationId xmlns:a16="http://schemas.microsoft.com/office/drawing/2014/main" id="{01186BC2-FA90-47A1-988B-2708E79E9B08}"/>
-                    </a:ext>
-                  </a:extLst>
-                </p:cNvPr>
-                <p:cNvSpPr/>
-                <p:nvPr/>
-              </p:nvSpPr>
-              <p:spPr>
-                <a:xfrm>
-                  <a:off x="1440281" y="1684089"/>
-                  <a:ext cx="547909" cy="260060"/>
-                </a:xfrm>
-                <a:prstGeom prst="roundRect">
-                  <a:avLst/>
-                </a:prstGeom>
-              </p:spPr>
-              <p:style>
-                <a:lnRef idx="2">
-                  <a:schemeClr val="accent4">
-                    <a:shade val="50000"/>
-                  </a:schemeClr>
-                </a:lnRef>
-                <a:fillRef idx="1">
-                  <a:schemeClr val="accent4"/>
-                </a:fillRef>
-                <a:effectRef idx="0">
-                  <a:schemeClr val="accent4"/>
-                </a:effectRef>
-                <a:fontRef idx="minor">
-                  <a:schemeClr val="lt1"/>
-                </a:fontRef>
-              </p:style>
-              <p:txBody>
-                <a:bodyPr rtlCol="0" anchor="ctr"/>
-                <a:lstStyle/>
-                <a:p>
-                  <a:pPr algn="ctr"/>
-                  <a:r>
-                    <a:rPr lang="de-DE" sz="1200" dirty="0">
-                      <a:solidFill>
-                        <a:schemeClr val="tx1"/>
-                      </a:solidFill>
-                    </a:rPr>
-                    <a:t>TF1</a:t>
-                  </a:r>
-                  <a:endParaRPr lang="de-DE" dirty="0">
-                    <a:solidFill>
-                      <a:schemeClr val="tx1"/>
-                    </a:solidFill>
-                  </a:endParaRPr>
-                </a:p>
-              </p:txBody>
-            </p:sp>
-            <p:sp>
-              <p:nvSpPr>
-                <p:cNvPr id="81" name="Rechteck: abgerundete Ecken 80">
-                  <a:extLst>
-                    <a:ext uri="{FF2B5EF4-FFF2-40B4-BE49-F238E27FC236}">
-                      <a16:creationId xmlns:a16="http://schemas.microsoft.com/office/drawing/2014/main" id="{01F28520-CF4C-4C23-A538-0D5093B11FFB}"/>
-                    </a:ext>
-                  </a:extLst>
-                </p:cNvPr>
-                <p:cNvSpPr/>
-                <p:nvPr/>
-              </p:nvSpPr>
-              <p:spPr>
-                <a:xfrm>
-                  <a:off x="2060017" y="1684089"/>
-                  <a:ext cx="547909" cy="260060"/>
-                </a:xfrm>
-                <a:prstGeom prst="roundRect">
-                  <a:avLst/>
-                </a:prstGeom>
-              </p:spPr>
-              <p:style>
-                <a:lnRef idx="2">
-                  <a:schemeClr val="accent4">
-                    <a:shade val="50000"/>
-                  </a:schemeClr>
-                </a:lnRef>
-                <a:fillRef idx="1">
-                  <a:schemeClr val="accent4"/>
-                </a:fillRef>
-                <a:effectRef idx="0">
-                  <a:schemeClr val="accent4"/>
-                </a:effectRef>
-                <a:fontRef idx="minor">
-                  <a:schemeClr val="lt1"/>
-                </a:fontRef>
-              </p:style>
-              <p:txBody>
-                <a:bodyPr rtlCol="0" anchor="ctr"/>
-                <a:lstStyle/>
-                <a:p>
-                  <a:pPr algn="ctr"/>
-                  <a:r>
-                    <a:rPr lang="de-DE" sz="1200" dirty="0">
-                      <a:solidFill>
-                        <a:schemeClr val="tx1"/>
-                      </a:solidFill>
-                    </a:rPr>
-                    <a:t>TF2</a:t>
-                  </a:r>
-                  <a:endParaRPr lang="de-DE" dirty="0">
-                    <a:solidFill>
-                      <a:schemeClr val="tx1"/>
-                    </a:solidFill>
-                  </a:endParaRPr>
-                </a:p>
-              </p:txBody>
-            </p:sp>
-            <p:sp>
-              <p:nvSpPr>
-                <p:cNvPr id="82" name="Rechteck: abgerundete Ecken 81">
-                  <a:extLst>
-                    <a:ext uri="{FF2B5EF4-FFF2-40B4-BE49-F238E27FC236}">
-                      <a16:creationId xmlns:a16="http://schemas.microsoft.com/office/drawing/2014/main" id="{0F55CD09-6B7F-48B6-B4B5-482D3FD2E805}"/>
-                    </a:ext>
-                  </a:extLst>
-                </p:cNvPr>
-                <p:cNvSpPr/>
-                <p:nvPr/>
-              </p:nvSpPr>
-              <p:spPr>
-                <a:xfrm>
-                  <a:off x="1440281" y="2033280"/>
-                  <a:ext cx="547909" cy="260060"/>
-                </a:xfrm>
-                <a:prstGeom prst="roundRect">
-                  <a:avLst/>
-                </a:prstGeom>
-              </p:spPr>
-              <p:style>
-                <a:lnRef idx="2">
-                  <a:schemeClr val="accent4">
-                    <a:shade val="50000"/>
-                  </a:schemeClr>
-                </a:lnRef>
-                <a:fillRef idx="1">
-                  <a:schemeClr val="accent4"/>
-                </a:fillRef>
-                <a:effectRef idx="0">
-                  <a:schemeClr val="accent4"/>
-                </a:effectRef>
-                <a:fontRef idx="minor">
-                  <a:schemeClr val="lt1"/>
-                </a:fontRef>
-              </p:style>
-              <p:txBody>
-                <a:bodyPr rtlCol="0" anchor="ctr"/>
-                <a:lstStyle/>
-                <a:p>
-                  <a:pPr algn="ctr"/>
-                  <a:r>
-                    <a:rPr lang="de-DE" sz="1200" dirty="0">
-                      <a:solidFill>
-                        <a:schemeClr val="tx1"/>
-                      </a:solidFill>
-                    </a:rPr>
-                    <a:t>…</a:t>
-                  </a:r>
-                  <a:endParaRPr lang="de-DE" dirty="0">
-                    <a:solidFill>
-                      <a:schemeClr val="tx1"/>
-                    </a:solidFill>
-                  </a:endParaRPr>
-                </a:p>
-              </p:txBody>
-            </p:sp>
-            <p:sp>
-              <p:nvSpPr>
-                <p:cNvPr id="83" name="Rechteck: abgerundete Ecken 82">
-                  <a:extLst>
-                    <a:ext uri="{FF2B5EF4-FFF2-40B4-BE49-F238E27FC236}">
-                      <a16:creationId xmlns:a16="http://schemas.microsoft.com/office/drawing/2014/main" id="{D7C3A3FF-BB3A-46BF-8EB7-0EC068AB5367}"/>
-                    </a:ext>
-                  </a:extLst>
-                </p:cNvPr>
-                <p:cNvSpPr/>
-                <p:nvPr/>
-              </p:nvSpPr>
-              <p:spPr>
-                <a:xfrm>
-                  <a:off x="2060017" y="2036426"/>
-                  <a:ext cx="547909" cy="260060"/>
-                </a:xfrm>
-                <a:prstGeom prst="roundRect">
-                  <a:avLst/>
-                </a:prstGeom>
-              </p:spPr>
-              <p:style>
-                <a:lnRef idx="2">
-                  <a:schemeClr val="accent4">
-                    <a:shade val="50000"/>
-                  </a:schemeClr>
-                </a:lnRef>
-                <a:fillRef idx="1">
-                  <a:schemeClr val="accent4"/>
-                </a:fillRef>
-                <a:effectRef idx="0">
-                  <a:schemeClr val="accent4"/>
-                </a:effectRef>
-                <a:fontRef idx="minor">
-                  <a:schemeClr val="lt1"/>
-                </a:fontRef>
-              </p:style>
-              <p:txBody>
-                <a:bodyPr rtlCol="0" anchor="ctr"/>
-                <a:lstStyle/>
-                <a:p>
-                  <a:pPr algn="ctr"/>
-                  <a:r>
-                    <a:rPr lang="de-DE" sz="1200" dirty="0">
-                      <a:solidFill>
-                        <a:schemeClr val="tx1"/>
-                      </a:solidFill>
-                    </a:rPr>
-                    <a:t>TF42</a:t>
-                  </a:r>
-                  <a:endParaRPr lang="de-DE" dirty="0">
-                    <a:solidFill>
-                      <a:schemeClr val="tx1"/>
-                    </a:solidFill>
-                  </a:endParaRPr>
-                </a:p>
-              </p:txBody>
-            </p:sp>
-          </p:grpSp>
-          <p:grpSp>
-            <p:nvGrpSpPr>
-              <p:cNvPr id="73" name="Gruppieren 72">
-                <a:extLst>
-                  <a:ext uri="{FF2B5EF4-FFF2-40B4-BE49-F238E27FC236}">
-                    <a16:creationId xmlns:a16="http://schemas.microsoft.com/office/drawing/2014/main" id="{90FB3A8A-D4F4-4C2C-B4EE-044BDFB7837E}"/>
-                  </a:ext>
-                </a:extLst>
-              </p:cNvPr>
-              <p:cNvGrpSpPr/>
-              <p:nvPr/>
-            </p:nvGrpSpPr>
-            <p:grpSpPr>
-              <a:xfrm>
-                <a:off x="1364778" y="3099732"/>
-                <a:ext cx="1390477" cy="1044431"/>
-                <a:chOff x="1368453" y="1421932"/>
-                <a:chExt cx="1390477" cy="1044431"/>
-              </a:xfrm>
-            </p:grpSpPr>
-            <p:sp>
-              <p:nvSpPr>
-                <p:cNvPr id="74" name="Rechteck: abgerundete Ecken 73">
-                  <a:extLst>
-                    <a:ext uri="{FF2B5EF4-FFF2-40B4-BE49-F238E27FC236}">
-                      <a16:creationId xmlns:a16="http://schemas.microsoft.com/office/drawing/2014/main" id="{469451BE-A9BD-43CB-8D60-B5F1DDD2236A}"/>
-                    </a:ext>
-                  </a:extLst>
-                </p:cNvPr>
-                <p:cNvSpPr/>
-                <p:nvPr/>
-              </p:nvSpPr>
-              <p:spPr>
-                <a:xfrm>
-                  <a:off x="1368453" y="1421932"/>
-                  <a:ext cx="1390477" cy="1044431"/>
-                </a:xfrm>
-                <a:prstGeom prst="roundRect">
-                  <a:avLst/>
-                </a:prstGeom>
-              </p:spPr>
-              <p:style>
-                <a:lnRef idx="2">
-                  <a:schemeClr val="accent5">
-                    <a:shade val="50000"/>
-                  </a:schemeClr>
-                </a:lnRef>
-                <a:fillRef idx="1">
-                  <a:schemeClr val="accent5"/>
-                </a:fillRef>
-                <a:effectRef idx="0">
-                  <a:schemeClr val="accent5"/>
-                </a:effectRef>
-                <a:fontRef idx="minor">
-                  <a:schemeClr val="lt1"/>
-                </a:fontRef>
-              </p:style>
-              <p:txBody>
-                <a:bodyPr rtlCol="0" anchor="t"/>
-                <a:lstStyle/>
-                <a:p>
-                  <a:pPr algn="ctr"/>
-                  <a:r>
-                    <a:rPr lang="de-DE" sz="1000" dirty="0"/>
-                    <a:t>Dose 0.5</a:t>
-                  </a:r>
-                </a:p>
-              </p:txBody>
-            </p:sp>
-            <p:sp>
-              <p:nvSpPr>
-                <p:cNvPr id="75" name="Rechteck: abgerundete Ecken 74">
-                  <a:extLst>
-                    <a:ext uri="{FF2B5EF4-FFF2-40B4-BE49-F238E27FC236}">
-                      <a16:creationId xmlns:a16="http://schemas.microsoft.com/office/drawing/2014/main" id="{1048226B-F08A-4324-AA63-3FB0236619B6}"/>
-                    </a:ext>
-                  </a:extLst>
-                </p:cNvPr>
-                <p:cNvSpPr/>
-                <p:nvPr/>
-              </p:nvSpPr>
-              <p:spPr>
-                <a:xfrm>
-                  <a:off x="1440281" y="1684089"/>
-                  <a:ext cx="547909" cy="260060"/>
-                </a:xfrm>
-                <a:prstGeom prst="roundRect">
-                  <a:avLst/>
-                </a:prstGeom>
-              </p:spPr>
-              <p:style>
-                <a:lnRef idx="2">
-                  <a:schemeClr val="accent4">
-                    <a:shade val="50000"/>
-                  </a:schemeClr>
-                </a:lnRef>
-                <a:fillRef idx="1">
-                  <a:schemeClr val="accent4"/>
-                </a:fillRef>
-                <a:effectRef idx="0">
-                  <a:schemeClr val="accent4"/>
-                </a:effectRef>
-                <a:fontRef idx="minor">
-                  <a:schemeClr val="lt1"/>
-                </a:fontRef>
-              </p:style>
-              <p:txBody>
-                <a:bodyPr rtlCol="0" anchor="ctr"/>
-                <a:lstStyle/>
-                <a:p>
-                  <a:pPr algn="ctr"/>
-                  <a:r>
-                    <a:rPr lang="de-DE" sz="1200" dirty="0">
-                      <a:solidFill>
-                        <a:schemeClr val="tx1"/>
-                      </a:solidFill>
-                    </a:rPr>
-                    <a:t>TF1</a:t>
-                  </a:r>
-                  <a:endParaRPr lang="de-DE" dirty="0">
-                    <a:solidFill>
-                      <a:schemeClr val="tx1"/>
-                    </a:solidFill>
-                  </a:endParaRPr>
-                </a:p>
-              </p:txBody>
-            </p:sp>
-            <p:sp>
-              <p:nvSpPr>
-                <p:cNvPr id="76" name="Rechteck: abgerundete Ecken 75">
-                  <a:extLst>
-                    <a:ext uri="{FF2B5EF4-FFF2-40B4-BE49-F238E27FC236}">
-                      <a16:creationId xmlns:a16="http://schemas.microsoft.com/office/drawing/2014/main" id="{2C565888-C4FA-45DC-9035-142D8DE70B9F}"/>
-                    </a:ext>
-                  </a:extLst>
-                </p:cNvPr>
-                <p:cNvSpPr/>
-                <p:nvPr/>
-              </p:nvSpPr>
-              <p:spPr>
-                <a:xfrm>
-                  <a:off x="2060017" y="1684089"/>
-                  <a:ext cx="547909" cy="260060"/>
-                </a:xfrm>
-                <a:prstGeom prst="roundRect">
-                  <a:avLst/>
-                </a:prstGeom>
-              </p:spPr>
-              <p:style>
-                <a:lnRef idx="2">
-                  <a:schemeClr val="accent4">
-                    <a:shade val="50000"/>
-                  </a:schemeClr>
-                </a:lnRef>
-                <a:fillRef idx="1">
-                  <a:schemeClr val="accent4"/>
-                </a:fillRef>
-                <a:effectRef idx="0">
-                  <a:schemeClr val="accent4"/>
-                </a:effectRef>
-                <a:fontRef idx="minor">
-                  <a:schemeClr val="lt1"/>
-                </a:fontRef>
-              </p:style>
-              <p:txBody>
-                <a:bodyPr rtlCol="0" anchor="ctr"/>
-                <a:lstStyle/>
-                <a:p>
-                  <a:pPr algn="ctr"/>
-                  <a:r>
-                    <a:rPr lang="de-DE" sz="1200" dirty="0">
-                      <a:solidFill>
-                        <a:schemeClr val="tx1"/>
-                      </a:solidFill>
-                    </a:rPr>
-                    <a:t>TF2</a:t>
-                  </a:r>
-                  <a:endParaRPr lang="de-DE" dirty="0">
-                    <a:solidFill>
-                      <a:schemeClr val="tx1"/>
-                    </a:solidFill>
-                  </a:endParaRPr>
-                </a:p>
-              </p:txBody>
-            </p:sp>
-            <p:sp>
-              <p:nvSpPr>
-                <p:cNvPr id="77" name="Rechteck: abgerundete Ecken 76">
-                  <a:extLst>
-                    <a:ext uri="{FF2B5EF4-FFF2-40B4-BE49-F238E27FC236}">
-                      <a16:creationId xmlns:a16="http://schemas.microsoft.com/office/drawing/2014/main" id="{8473CDA9-0F94-4F92-B8B9-F4F77734EAC1}"/>
-                    </a:ext>
-                  </a:extLst>
-                </p:cNvPr>
-                <p:cNvSpPr/>
-                <p:nvPr/>
-              </p:nvSpPr>
-              <p:spPr>
-                <a:xfrm>
-                  <a:off x="1440281" y="2033280"/>
-                  <a:ext cx="547909" cy="260060"/>
-                </a:xfrm>
-                <a:prstGeom prst="roundRect">
-                  <a:avLst/>
-                </a:prstGeom>
-              </p:spPr>
-              <p:style>
-                <a:lnRef idx="2">
-                  <a:schemeClr val="accent4">
-                    <a:shade val="50000"/>
-                  </a:schemeClr>
-                </a:lnRef>
-                <a:fillRef idx="1">
-                  <a:schemeClr val="accent4"/>
-                </a:fillRef>
-                <a:effectRef idx="0">
-                  <a:schemeClr val="accent4"/>
-                </a:effectRef>
-                <a:fontRef idx="minor">
-                  <a:schemeClr val="lt1"/>
-                </a:fontRef>
-              </p:style>
-              <p:txBody>
-                <a:bodyPr rtlCol="0" anchor="ctr"/>
-                <a:lstStyle/>
-                <a:p>
-                  <a:pPr algn="ctr"/>
-                  <a:r>
-                    <a:rPr lang="de-DE" sz="1200" dirty="0">
-                      <a:solidFill>
-                        <a:schemeClr val="tx1"/>
-                      </a:solidFill>
-                    </a:rPr>
-                    <a:t>…</a:t>
-                  </a:r>
-                  <a:endParaRPr lang="de-DE" dirty="0">
-                    <a:solidFill>
-                      <a:schemeClr val="tx1"/>
-                    </a:solidFill>
-                  </a:endParaRPr>
-                </a:p>
-              </p:txBody>
-            </p:sp>
-            <p:sp>
-              <p:nvSpPr>
-                <p:cNvPr id="78" name="Rechteck: abgerundete Ecken 77">
-                  <a:extLst>
-                    <a:ext uri="{FF2B5EF4-FFF2-40B4-BE49-F238E27FC236}">
-                      <a16:creationId xmlns:a16="http://schemas.microsoft.com/office/drawing/2014/main" id="{D455D7C4-9A64-455C-B702-9456273AE4A6}"/>
-                    </a:ext>
-                  </a:extLst>
-                </p:cNvPr>
-                <p:cNvSpPr/>
-                <p:nvPr/>
-              </p:nvSpPr>
-              <p:spPr>
-                <a:xfrm>
-                  <a:off x="2060017" y="2036426"/>
+                  <a:off x="2060017" y="2231881"/>
                   <a:ext cx="547909" cy="260060"/>
                 </a:xfrm>
                 <a:prstGeom prst="roundRect">
@@ -7806,399 +6800,196 @@
           </p:grpSp>
         </p:grpSp>
       </p:grpSp>
-      <p:sp>
-        <p:nvSpPr>
-          <p:cNvPr id="84" name="Textfeld 83">
+      <p:grpSp>
+        <p:nvGrpSpPr>
+          <p:cNvPr id="24" name="Gruppieren 23">
             <a:extLst>
               <a:ext uri="{FF2B5EF4-FFF2-40B4-BE49-F238E27FC236}">
-                <a16:creationId xmlns:a16="http://schemas.microsoft.com/office/drawing/2014/main" id="{8A49F223-8579-43F3-B7D0-900E4BD2BF33}"/>
+                <a16:creationId xmlns:a16="http://schemas.microsoft.com/office/drawing/2014/main" id="{EF640A2F-FDC3-4542-AA20-28B6227640A7}"/>
               </a:ext>
             </a:extLst>
           </p:cNvPr>
-          <p:cNvSpPr txBox="1"/>
+          <p:cNvGrpSpPr/>
           <p:nvPr/>
-        </p:nvSpPr>
-        <p:spPr>
+        </p:nvGrpSpPr>
+        <p:grpSpPr>
           <a:xfrm>
-            <a:off x="146794" y="-5107"/>
-            <a:ext cx="12192000" cy="523220"/>
+            <a:off x="5815548" y="1205982"/>
+            <a:ext cx="203052" cy="381505"/>
+            <a:chOff x="8061599" y="907126"/>
+            <a:chExt cx="203052" cy="274747"/>
           </a:xfrm>
-          <a:prstGeom prst="rect">
-            <a:avLst/>
-          </a:prstGeom>
-          <a:noFill/>
-        </p:spPr>
-        <p:txBody>
-          <a:bodyPr wrap="square" rtlCol="0">
-            <a:spAutoFit/>
-          </a:bodyPr>
-          <a:lstStyle/>
-          <a:p>
-            <a:pPr algn="ctr"/>
-            <a:r>
-              <a:rPr lang="de-DE" sz="2800" dirty="0"/>
-              <a:t>Ausgangslage</a:t>
-            </a:r>
-          </a:p>
-        </p:txBody>
-      </p:sp>
-      <p:graphicFrame>
-        <p:nvGraphicFramePr>
-          <p:cNvPr id="2" name="Tabelle 1">
-            <a:extLst>
-              <a:ext uri="{FF2B5EF4-FFF2-40B4-BE49-F238E27FC236}">
-                <a16:creationId xmlns:a16="http://schemas.microsoft.com/office/drawing/2014/main" id="{5330B0B2-D72C-470F-92C3-E5BD6674649A}"/>
-              </a:ext>
-            </a:extLst>
-          </p:cNvPr>
-          <p:cNvGraphicFramePr>
-            <a:graphicFrameLocks noGrp="1"/>
-          </p:cNvGraphicFramePr>
-          <p:nvPr>
-            <p:extLst>
-              <p:ext uri="{D42A27DB-BD31-4B8C-83A1-F6EECF244321}">
-                <p14:modId xmlns:p14="http://schemas.microsoft.com/office/powerpoint/2010/main" val="4080754791"/>
-              </p:ext>
-            </p:extLst>
-          </p:nvPr>
-        </p:nvGraphicFramePr>
-        <p:xfrm>
-          <a:off x="27974" y="5029200"/>
-          <a:ext cx="3055258" cy="1828800"/>
-        </p:xfrm>
-        <a:graphic>
-          <a:graphicData uri="http://schemas.openxmlformats.org/drawingml/2006/table">
-            <a:tbl>
-              <a:tblPr firstRow="1" bandRow="1">
-                <a:tableStyleId>{5C22544A-7EE6-4342-B048-85BDC9FD1C3A}</a:tableStyleId>
-              </a:tblPr>
-              <a:tblGrid>
-                <a:gridCol w="1187767">
-                  <a:extLst>
-                    <a:ext uri="{9D8B030D-6E8A-4147-A177-3AD203B41FA5}">
-                      <a16:colId xmlns:a16="http://schemas.microsoft.com/office/drawing/2014/main" val="3362956487"/>
-                    </a:ext>
-                  </a:extLst>
-                </a:gridCol>
-                <a:gridCol w="1867491">
-                  <a:extLst>
-                    <a:ext uri="{9D8B030D-6E8A-4147-A177-3AD203B41FA5}">
-                      <a16:colId xmlns:a16="http://schemas.microsoft.com/office/drawing/2014/main" val="2563171433"/>
-                    </a:ext>
-                  </a:extLst>
-                </a:gridCol>
-              </a:tblGrid>
-              <a:tr h="250653">
-                <a:tc>
-                  <a:txBody>
-                    <a:bodyPr/>
-                    <a:lstStyle/>
-                    <a:p>
-                      <a:r>
-                        <a:rPr lang="de-DE" sz="1400" dirty="0"/>
-                        <a:t>Dosenanzahl</a:t>
-                      </a:r>
-                    </a:p>
-                  </a:txBody>
-                  <a:tcPr marT="36000"/>
-                </a:tc>
-                <a:tc>
-                  <a:txBody>
-                    <a:bodyPr/>
-                    <a:lstStyle/>
-                    <a:p>
-                      <a:r>
-                        <a:rPr lang="de-DE" sz="1400" dirty="0"/>
-                        <a:t>Patientenanzahl</a:t>
-                      </a:r>
-                    </a:p>
-                  </a:txBody>
-                  <a:tcPr/>
-                </a:tc>
-                <a:extLst>
-                  <a:ext uri="{0D108BD9-81ED-4DB2-BD59-A6C34878D82A}">
-                    <a16:rowId xmlns:a16="http://schemas.microsoft.com/office/drawing/2014/main" val="1463051051"/>
-                  </a:ext>
-                </a:extLst>
-              </a:tr>
-              <a:tr h="250653">
-                <a:tc>
-                  <a:txBody>
-                    <a:bodyPr/>
-                    <a:lstStyle/>
-                    <a:p>
-                      <a:r>
-                        <a:rPr lang="de-DE" sz="1400" dirty="0"/>
-                        <a:t>11</a:t>
-                      </a:r>
-                    </a:p>
-                  </a:txBody>
-                  <a:tcPr/>
-                </a:tc>
-                <a:tc>
-                  <a:txBody>
-                    <a:bodyPr/>
-                    <a:lstStyle/>
-                    <a:p>
-                      <a:r>
-                        <a:rPr lang="de-DE" sz="1400" dirty="0"/>
-                        <a:t>9</a:t>
-                      </a:r>
-                    </a:p>
-                  </a:txBody>
-                  <a:tcPr/>
-                </a:tc>
-                <a:extLst>
-                  <a:ext uri="{0D108BD9-81ED-4DB2-BD59-A6C34878D82A}">
-                    <a16:rowId xmlns:a16="http://schemas.microsoft.com/office/drawing/2014/main" val="3090364559"/>
-                  </a:ext>
-                </a:extLst>
-              </a:tr>
-              <a:tr h="250653">
-                <a:tc>
-                  <a:txBody>
-                    <a:bodyPr/>
-                    <a:lstStyle/>
-                    <a:p>
-                      <a:r>
-                        <a:rPr lang="de-DE" sz="1400" dirty="0"/>
-                        <a:t>12</a:t>
-                      </a:r>
-                    </a:p>
-                  </a:txBody>
-                  <a:tcPr/>
-                </a:tc>
-                <a:tc>
-                  <a:txBody>
-                    <a:bodyPr/>
-                    <a:lstStyle/>
-                    <a:p>
-                      <a:r>
-                        <a:rPr lang="de-DE" sz="1400" dirty="0"/>
-                        <a:t>6</a:t>
-                      </a:r>
-                    </a:p>
-                  </a:txBody>
-                  <a:tcPr/>
-                </a:tc>
-                <a:extLst>
-                  <a:ext uri="{0D108BD9-81ED-4DB2-BD59-A6C34878D82A}">
-                    <a16:rowId xmlns:a16="http://schemas.microsoft.com/office/drawing/2014/main" val="1403292757"/>
-                  </a:ext>
-                </a:extLst>
-              </a:tr>
-              <a:tr h="250653">
-                <a:tc>
-                  <a:txBody>
-                    <a:bodyPr/>
-                    <a:lstStyle/>
-                    <a:p>
-                      <a:r>
-                        <a:rPr lang="de-DE" sz="1400" dirty="0"/>
-                        <a:t>13</a:t>
-                      </a:r>
-                    </a:p>
-                  </a:txBody>
-                  <a:tcPr/>
-                </a:tc>
-                <a:tc>
-                  <a:txBody>
-                    <a:bodyPr/>
-                    <a:lstStyle/>
-                    <a:p>
-                      <a:r>
-                        <a:rPr lang="de-DE" sz="1400" dirty="0"/>
-                        <a:t>2</a:t>
-                      </a:r>
-                    </a:p>
-                  </a:txBody>
-                  <a:tcPr/>
-                </a:tc>
-                <a:extLst>
-                  <a:ext uri="{0D108BD9-81ED-4DB2-BD59-A6C34878D82A}">
-                    <a16:rowId xmlns:a16="http://schemas.microsoft.com/office/drawing/2014/main" val="2409457019"/>
-                  </a:ext>
-                </a:extLst>
-              </a:tr>
-              <a:tr h="250653">
-                <a:tc>
-                  <a:txBody>
-                    <a:bodyPr/>
-                    <a:lstStyle/>
-                    <a:p>
-                      <a:r>
-                        <a:rPr lang="de-DE" sz="1400" dirty="0"/>
-                        <a:t>14</a:t>
-                      </a:r>
-                    </a:p>
-                  </a:txBody>
-                  <a:tcPr/>
-                </a:tc>
-                <a:tc>
-                  <a:txBody>
-                    <a:bodyPr/>
-                    <a:lstStyle/>
-                    <a:p>
-                      <a:r>
-                        <a:rPr lang="de-DE" sz="1400" dirty="0"/>
-                        <a:t>2</a:t>
-                      </a:r>
-                    </a:p>
-                  </a:txBody>
-                  <a:tcPr/>
-                </a:tc>
-                <a:extLst>
-                  <a:ext uri="{0D108BD9-81ED-4DB2-BD59-A6C34878D82A}">
-                    <a16:rowId xmlns:a16="http://schemas.microsoft.com/office/drawing/2014/main" val="1160694831"/>
-                  </a:ext>
-                </a:extLst>
-              </a:tr>
-              <a:tr h="250653">
-                <a:tc>
-                  <a:txBody>
-                    <a:bodyPr/>
-                    <a:lstStyle/>
-                    <a:p>
-                      <a:r>
-                        <a:rPr lang="de-DE" sz="1400" dirty="0"/>
-                        <a:t>-</a:t>
-                      </a:r>
-                    </a:p>
-                  </a:txBody>
-                  <a:tcPr/>
-                </a:tc>
-                <a:tc>
-                  <a:txBody>
-                    <a:bodyPr/>
-                    <a:lstStyle/>
-                    <a:p>
-                      <a:r>
-                        <a:rPr lang="de-DE" sz="1400" dirty="0"/>
-                        <a:t>19 insgesamt</a:t>
-                      </a:r>
-                    </a:p>
-                  </a:txBody>
-                  <a:tcPr/>
-                </a:tc>
-                <a:extLst>
-                  <a:ext uri="{0D108BD9-81ED-4DB2-BD59-A6C34878D82A}">
-                    <a16:rowId xmlns:a16="http://schemas.microsoft.com/office/drawing/2014/main" val="4263791781"/>
-                  </a:ext>
-                </a:extLst>
-              </a:tr>
-            </a:tbl>
-          </a:graphicData>
-        </a:graphic>
-      </p:graphicFrame>
-      <p:sp>
-        <p:nvSpPr>
-          <p:cNvPr id="5" name="Textfeld 4">
-            <a:extLst>
-              <a:ext uri="{FF2B5EF4-FFF2-40B4-BE49-F238E27FC236}">
-                <a16:creationId xmlns:a16="http://schemas.microsoft.com/office/drawing/2014/main" id="{E0D51173-85C5-4635-951F-AFA1FB5D9AA1}"/>
-              </a:ext>
-            </a:extLst>
-          </p:cNvPr>
-          <p:cNvSpPr txBox="1"/>
-          <p:nvPr/>
-        </p:nvSpPr>
-        <p:spPr>
-          <a:xfrm>
-            <a:off x="3220942" y="5066437"/>
-            <a:ext cx="7946572" cy="1815882"/>
-          </a:xfrm>
-          <a:prstGeom prst="rect">
-            <a:avLst/>
-          </a:prstGeom>
-          <a:noFill/>
-        </p:spPr>
-        <p:txBody>
-          <a:bodyPr wrap="square" rtlCol="0">
-            <a:spAutoFit/>
-          </a:bodyPr>
-          <a:lstStyle/>
-          <a:p>
-            <a:r>
-              <a:rPr lang="de-DE" sz="1600" dirty="0"/>
-              <a:t>Alle Patienten haben die Dosen 3,0MBq - 0,5MBq in 0,25MBq Schritten:</a:t>
-            </a:r>
-          </a:p>
-          <a:p>
-            <a:r>
-              <a:rPr lang="de-DE" sz="1600" dirty="0"/>
-              <a:t>11 versch. Dosen * 19 Patienten</a:t>
-            </a:r>
-          </a:p>
-          <a:p>
-            <a:r>
-              <a:rPr lang="de-DE" sz="1600" dirty="0"/>
-              <a:t>Die Patienten mit 12,13,14 versch. Dosen haben zusätzlich entsprechend dann noch die Dosen 3,5MBq, 4,0MBq und 4,5MBq (werden ignoriert)</a:t>
-            </a:r>
-          </a:p>
-          <a:p>
-            <a:r>
-              <a:rPr lang="de-DE" sz="1600" dirty="0"/>
-              <a:t>n ≠ o ≠ p ≠ n, aber </a:t>
-            </a:r>
-            <a:r>
-              <a:rPr lang="de-DE" sz="1600" dirty="0" err="1"/>
-              <a:t>n,o,p</a:t>
-            </a:r>
-            <a:r>
-              <a:rPr lang="de-DE" sz="1600" dirty="0"/>
-              <a:t> &gt;=1</a:t>
-            </a:r>
-          </a:p>
-          <a:p>
-            <a:r>
-              <a:rPr lang="de-DE" sz="1600" dirty="0" err="1"/>
-              <a:t>Slicethickness</a:t>
-            </a:r>
-            <a:r>
-              <a:rPr lang="de-DE" sz="1600" dirty="0"/>
-              <a:t> = 2,0313 – </a:t>
-            </a:r>
-            <a:r>
-              <a:rPr lang="de-DE" sz="1600" dirty="0" err="1"/>
-              <a:t>Pixelspacing</a:t>
-            </a:r>
-            <a:r>
-              <a:rPr lang="de-DE" sz="1600" dirty="0"/>
-              <a:t> = 2,8034 (gleich wie bei </a:t>
-            </a:r>
-            <a:r>
-              <a:rPr lang="de-DE" sz="1600" dirty="0" err="1"/>
-              <a:t>NemaPhantom</a:t>
-            </a:r>
-            <a:r>
-              <a:rPr lang="de-DE" sz="1600" dirty="0"/>
-              <a:t>)</a:t>
-            </a:r>
-          </a:p>
-          <a:p>
-            <a:r>
-              <a:rPr lang="de-DE" sz="1600" dirty="0" err="1"/>
-              <a:t>One</a:t>
-            </a:r>
-            <a:r>
-              <a:rPr lang="de-DE" sz="1600" dirty="0"/>
-              <a:t> </a:t>
-            </a:r>
-            <a:r>
-              <a:rPr lang="de-DE" sz="1600" dirty="0" err="1"/>
-              <a:t>Voxelvolume</a:t>
-            </a:r>
-            <a:r>
-              <a:rPr lang="de-DE" sz="1600" dirty="0"/>
-              <a:t> = 0,01596cm³</a:t>
-            </a:r>
-          </a:p>
-        </p:txBody>
-      </p:sp>
+        </p:grpSpPr>
+        <p:sp>
+          <p:nvSpPr>
+            <p:cNvPr id="134" name="Rechteck 133">
+              <a:extLst>
+                <a:ext uri="{FF2B5EF4-FFF2-40B4-BE49-F238E27FC236}">
+                  <a16:creationId xmlns:a16="http://schemas.microsoft.com/office/drawing/2014/main" id="{E7E6F0FA-3F6C-4E93-AE47-9BE30574ED04}"/>
+                </a:ext>
+              </a:extLst>
+            </p:cNvPr>
+            <p:cNvSpPr/>
+            <p:nvPr/>
+          </p:nvSpPr>
+          <p:spPr>
+            <a:xfrm>
+              <a:off x="8061600" y="1035528"/>
+              <a:ext cx="203051" cy="146345"/>
+            </a:xfrm>
+            <a:prstGeom prst="rect">
+              <a:avLst/>
+            </a:prstGeom>
+            <a:noFill/>
+            <a:ln>
+              <a:noFill/>
+            </a:ln>
+          </p:spPr>
+          <p:style>
+            <a:lnRef idx="0">
+              <a:scrgbClr r="0" g="0" b="0"/>
+            </a:lnRef>
+            <a:fillRef idx="0">
+              <a:scrgbClr r="0" g="0" b="0"/>
+            </a:fillRef>
+            <a:effectRef idx="0">
+              <a:scrgbClr r="0" g="0" b="0"/>
+            </a:effectRef>
+            <a:fontRef idx="minor">
+              <a:schemeClr val="accent1"/>
+            </a:fontRef>
+          </p:style>
+          <p:txBody>
+            <a:bodyPr rtlCol="0" anchor="ctr"/>
+            <a:lstStyle/>
+            <a:p>
+              <a:pPr algn="ctr"/>
+              <a:r>
+                <a:rPr lang="de-DE" sz="3600" dirty="0">
+                  <a:solidFill>
+                    <a:schemeClr val="tx1"/>
+                  </a:solidFill>
+                </a:rPr>
+                <a:t>.</a:t>
+              </a:r>
+            </a:p>
+          </p:txBody>
+        </p:sp>
+        <p:sp>
+          <p:nvSpPr>
+            <p:cNvPr id="135" name="Rechteck 134">
+              <a:extLst>
+                <a:ext uri="{FF2B5EF4-FFF2-40B4-BE49-F238E27FC236}">
+                  <a16:creationId xmlns:a16="http://schemas.microsoft.com/office/drawing/2014/main" id="{2476EDD1-8BCD-41B5-855A-998ADCE46D25}"/>
+                </a:ext>
+              </a:extLst>
+            </p:cNvPr>
+            <p:cNvSpPr/>
+            <p:nvPr/>
+          </p:nvSpPr>
+          <p:spPr>
+            <a:xfrm>
+              <a:off x="8061600" y="971327"/>
+              <a:ext cx="203051" cy="146345"/>
+            </a:xfrm>
+            <a:prstGeom prst="rect">
+              <a:avLst/>
+            </a:prstGeom>
+            <a:noFill/>
+            <a:ln>
+              <a:noFill/>
+            </a:ln>
+          </p:spPr>
+          <p:style>
+            <a:lnRef idx="0">
+              <a:scrgbClr r="0" g="0" b="0"/>
+            </a:lnRef>
+            <a:fillRef idx="0">
+              <a:scrgbClr r="0" g="0" b="0"/>
+            </a:fillRef>
+            <a:effectRef idx="0">
+              <a:scrgbClr r="0" g="0" b="0"/>
+            </a:effectRef>
+            <a:fontRef idx="minor">
+              <a:schemeClr val="accent1"/>
+            </a:fontRef>
+          </p:style>
+          <p:txBody>
+            <a:bodyPr rtlCol="0" anchor="ctr"/>
+            <a:lstStyle/>
+            <a:p>
+              <a:pPr algn="ctr"/>
+              <a:r>
+                <a:rPr lang="de-DE" sz="3600" dirty="0">
+                  <a:solidFill>
+                    <a:schemeClr val="tx1"/>
+                  </a:solidFill>
+                </a:rPr>
+                <a:t>.</a:t>
+              </a:r>
+            </a:p>
+          </p:txBody>
+        </p:sp>
+        <p:sp>
+          <p:nvSpPr>
+            <p:cNvPr id="136" name="Rechteck 135">
+              <a:extLst>
+                <a:ext uri="{FF2B5EF4-FFF2-40B4-BE49-F238E27FC236}">
+                  <a16:creationId xmlns:a16="http://schemas.microsoft.com/office/drawing/2014/main" id="{9541F02F-0E3C-4FDF-B2AB-D5CA51C5A4EF}"/>
+                </a:ext>
+              </a:extLst>
+            </p:cNvPr>
+            <p:cNvSpPr/>
+            <p:nvPr/>
+          </p:nvSpPr>
+          <p:spPr>
+            <a:xfrm>
+              <a:off x="8061599" y="907126"/>
+              <a:ext cx="203051" cy="146345"/>
+            </a:xfrm>
+            <a:prstGeom prst="rect">
+              <a:avLst/>
+            </a:prstGeom>
+            <a:noFill/>
+            <a:ln>
+              <a:noFill/>
+            </a:ln>
+          </p:spPr>
+          <p:style>
+            <a:lnRef idx="0">
+              <a:scrgbClr r="0" g="0" b="0"/>
+            </a:lnRef>
+            <a:fillRef idx="0">
+              <a:scrgbClr r="0" g="0" b="0"/>
+            </a:fillRef>
+            <a:effectRef idx="0">
+              <a:scrgbClr r="0" g="0" b="0"/>
+            </a:effectRef>
+            <a:fontRef idx="minor">
+              <a:schemeClr val="accent1"/>
+            </a:fontRef>
+          </p:style>
+          <p:txBody>
+            <a:bodyPr rtlCol="0" anchor="ctr"/>
+            <a:lstStyle/>
+            <a:p>
+              <a:pPr algn="ctr"/>
+              <a:r>
+                <a:rPr lang="de-DE" sz="3600" dirty="0">
+                  <a:solidFill>
+                    <a:schemeClr val="tx1"/>
+                  </a:solidFill>
+                </a:rPr>
+                <a:t>.</a:t>
+              </a:r>
+            </a:p>
+          </p:txBody>
+        </p:sp>
+      </p:grpSp>
     </p:spTree>
     <p:extLst>
       <p:ext uri="{BB962C8B-B14F-4D97-AF65-F5344CB8AC3E}">
-        <p14:creationId xmlns:p14="http://schemas.microsoft.com/office/powerpoint/2010/main" val="263338697"/>
+        <p14:creationId xmlns:p14="http://schemas.microsoft.com/office/powerpoint/2010/main" val="3486946394"/>
       </p:ext>
     </p:extLst>
   </p:cSld>
@@ -21938,7 +20729,15 @@
             <a:pPr algn="ctr"/>
             <a:r>
               <a:rPr lang="de-DE" sz="1800" b="1" dirty="0"/>
-              <a:t>ROI-Gruppen nach Größe – für Studienarbeit Weinhold obsolet</a:t>
+              <a:t>ROI-Gruppen nach Größe – für Studienarbeit Weinhold </a:t>
+            </a:r>
+            <a:r>
+              <a:rPr lang="de-DE" sz="1800" b="1" dirty="0">
+                <a:solidFill>
+                  <a:srgbClr val="FF0000"/>
+                </a:solidFill>
+              </a:rPr>
+              <a:t>obsolet</a:t>
             </a:r>
           </a:p>
         </p:txBody>
@@ -23375,6 +22174,5173 @@
     <p:extLst>
       <p:ext uri="{BB962C8B-B14F-4D97-AF65-F5344CB8AC3E}">
         <p14:creationId xmlns:p14="http://schemas.microsoft.com/office/powerpoint/2010/main" val="1388193661"/>
+      </p:ext>
+    </p:extLst>
+  </p:cSld>
+  <p:clrMapOvr>
+    <a:masterClrMapping/>
+  </p:clrMapOvr>
+</p:sld>
+</file>
+
+<file path=ppt/slides/slide9.xml><?xml version="1.0" encoding="utf-8"?>
+<p:sld xmlns:a="http://schemas.openxmlformats.org/drawingml/2006/main" xmlns:r="http://schemas.openxmlformats.org/officeDocument/2006/relationships" xmlns:p="http://schemas.openxmlformats.org/presentationml/2006/main">
+  <p:cSld>
+    <p:spTree>
+      <p:nvGrpSpPr>
+        <p:cNvPr id="1" name=""/>
+        <p:cNvGrpSpPr/>
+        <p:nvPr/>
+      </p:nvGrpSpPr>
+      <p:grpSpPr>
+        <a:xfrm>
+          <a:off x="0" y="0"/>
+          <a:ext cx="0" cy="0"/>
+          <a:chOff x="0" y="0"/>
+          <a:chExt cx="0" cy="0"/>
+        </a:xfrm>
+      </p:grpSpPr>
+      <p:grpSp>
+        <p:nvGrpSpPr>
+          <p:cNvPr id="53" name="Gruppieren 52">
+            <a:extLst>
+              <a:ext uri="{FF2B5EF4-FFF2-40B4-BE49-F238E27FC236}">
+                <a16:creationId xmlns:a16="http://schemas.microsoft.com/office/drawing/2014/main" id="{6FD7842D-2B69-45DB-846B-3827B004B234}"/>
+              </a:ext>
+            </a:extLst>
+          </p:cNvPr>
+          <p:cNvGrpSpPr/>
+          <p:nvPr/>
+        </p:nvGrpSpPr>
+        <p:grpSpPr>
+          <a:xfrm>
+            <a:off x="1140472" y="544869"/>
+            <a:ext cx="9627877" cy="4030911"/>
+            <a:chOff x="1258349" y="843093"/>
+            <a:chExt cx="9627877" cy="4030911"/>
+          </a:xfrm>
+        </p:grpSpPr>
+        <p:sp>
+          <p:nvSpPr>
+            <p:cNvPr id="85" name="Rechteck 84">
+              <a:extLst>
+                <a:ext uri="{FF2B5EF4-FFF2-40B4-BE49-F238E27FC236}">
+                  <a16:creationId xmlns:a16="http://schemas.microsoft.com/office/drawing/2014/main" id="{2B5E642E-4F24-4550-B86C-9858AD085F8D}"/>
+                </a:ext>
+              </a:extLst>
+            </p:cNvPr>
+            <p:cNvSpPr/>
+            <p:nvPr/>
+          </p:nvSpPr>
+          <p:spPr>
+            <a:xfrm>
+              <a:off x="6241409" y="2371986"/>
+              <a:ext cx="2153287" cy="673400"/>
+            </a:xfrm>
+            <a:prstGeom prst="rect">
+              <a:avLst/>
+            </a:prstGeom>
+            <a:ln/>
+          </p:spPr>
+          <p:style>
+            <a:lnRef idx="1">
+              <a:schemeClr val="accent5"/>
+            </a:lnRef>
+            <a:fillRef idx="2">
+              <a:schemeClr val="accent5"/>
+            </a:fillRef>
+            <a:effectRef idx="1">
+              <a:schemeClr val="accent5"/>
+            </a:effectRef>
+            <a:fontRef idx="minor">
+              <a:schemeClr val="dk1"/>
+            </a:fontRef>
+          </p:style>
+          <p:txBody>
+            <a:bodyPr rtlCol="0" anchor="ctr"/>
+            <a:lstStyle/>
+            <a:p>
+              <a:pPr lvl="0" algn="ctr"/>
+              <a:r>
+                <a:rPr lang="de-DE" sz="1500" dirty="0">
+                  <a:solidFill>
+                    <a:prstClr val="white"/>
+                  </a:solidFill>
+                </a:rPr>
+                <a:t>… 16 weitere Patienten …</a:t>
+              </a:r>
+            </a:p>
+          </p:txBody>
+        </p:sp>
+        <p:grpSp>
+          <p:nvGrpSpPr>
+            <p:cNvPr id="86" name="Gruppieren 85">
+              <a:extLst>
+                <a:ext uri="{FF2B5EF4-FFF2-40B4-BE49-F238E27FC236}">
+                  <a16:creationId xmlns:a16="http://schemas.microsoft.com/office/drawing/2014/main" id="{D011212D-06CD-4027-A3BA-790F278909B5}"/>
+                </a:ext>
+              </a:extLst>
+            </p:cNvPr>
+            <p:cNvGrpSpPr/>
+            <p:nvPr/>
+          </p:nvGrpSpPr>
+          <p:grpSpPr>
+            <a:xfrm>
+              <a:off x="1258349" y="843093"/>
+              <a:ext cx="2080470" cy="4030908"/>
+              <a:chOff x="1224793" y="956345"/>
+              <a:chExt cx="1677798" cy="3565321"/>
+            </a:xfrm>
+          </p:grpSpPr>
+          <p:sp>
+            <p:nvSpPr>
+              <p:cNvPr id="117" name="Rechteck: abgerundete Ecken 116">
+                <a:extLst>
+                  <a:ext uri="{FF2B5EF4-FFF2-40B4-BE49-F238E27FC236}">
+                    <a16:creationId xmlns:a16="http://schemas.microsoft.com/office/drawing/2014/main" id="{771CA15A-F6CE-4E9B-BADE-71729C4CA279}"/>
+                  </a:ext>
+                </a:extLst>
+              </p:cNvPr>
+              <p:cNvSpPr/>
+              <p:nvPr/>
+            </p:nvSpPr>
+            <p:spPr>
+              <a:xfrm>
+                <a:off x="1224793" y="956345"/>
+                <a:ext cx="1677798" cy="3565321"/>
+              </a:xfrm>
+              <a:prstGeom prst="roundRect">
+                <a:avLst/>
+              </a:prstGeom>
+              <a:ln/>
+            </p:spPr>
+            <p:style>
+              <a:lnRef idx="1">
+                <a:schemeClr val="accent5"/>
+              </a:lnRef>
+              <a:fillRef idx="2">
+                <a:schemeClr val="accent5"/>
+              </a:fillRef>
+              <a:effectRef idx="1">
+                <a:schemeClr val="accent5"/>
+              </a:effectRef>
+              <a:fontRef idx="minor">
+                <a:schemeClr val="dk1"/>
+              </a:fontRef>
+            </p:style>
+            <p:txBody>
+              <a:bodyPr rtlCol="0" anchor="t"/>
+              <a:lstStyle/>
+              <a:p>
+                <a:pPr algn="ctr"/>
+                <a:r>
+                  <a:rPr lang="de-DE" dirty="0"/>
+                  <a:t>Patient 1 – ROI n</a:t>
+                </a:r>
+              </a:p>
+            </p:txBody>
+          </p:sp>
+          <p:sp>
+            <p:nvSpPr>
+              <p:cNvPr id="118" name="Rechteck: abgerundete Ecken 117">
+                <a:extLst>
+                  <a:ext uri="{FF2B5EF4-FFF2-40B4-BE49-F238E27FC236}">
+                    <a16:creationId xmlns:a16="http://schemas.microsoft.com/office/drawing/2014/main" id="{1CCE7EE7-C0E4-4AAE-A7AF-43442EB2B032}"/>
+                  </a:ext>
+                </a:extLst>
+              </p:cNvPr>
+              <p:cNvSpPr/>
+              <p:nvPr/>
+            </p:nvSpPr>
+            <p:spPr>
+              <a:xfrm>
+                <a:off x="1368452" y="2543961"/>
+                <a:ext cx="1390477" cy="478173"/>
+              </a:xfrm>
+              <a:prstGeom prst="roundRect">
+                <a:avLst/>
+              </a:prstGeom>
+              <a:ln/>
+            </p:spPr>
+            <p:style>
+              <a:lnRef idx="1">
+                <a:schemeClr val="accent5"/>
+              </a:lnRef>
+              <a:fillRef idx="2">
+                <a:schemeClr val="accent5"/>
+              </a:fillRef>
+              <a:effectRef idx="1">
+                <a:schemeClr val="accent5"/>
+              </a:effectRef>
+              <a:fontRef idx="minor">
+                <a:schemeClr val="dk1"/>
+              </a:fontRef>
+            </p:style>
+            <p:txBody>
+              <a:bodyPr rtlCol="0" anchor="ctr"/>
+              <a:lstStyle/>
+              <a:p>
+                <a:pPr lvl="0" algn="ctr"/>
+                <a:r>
+                  <a:rPr lang="de-DE" sz="1200" dirty="0">
+                    <a:solidFill>
+                      <a:prstClr val="white"/>
+                    </a:solidFill>
+                  </a:rPr>
+                  <a:t>… 5 weitere Dosen …</a:t>
+                </a:r>
+              </a:p>
+            </p:txBody>
+          </p:sp>
+          <p:grpSp>
+            <p:nvGrpSpPr>
+              <p:cNvPr id="119" name="Gruppieren 118">
+                <a:extLst>
+                  <a:ext uri="{FF2B5EF4-FFF2-40B4-BE49-F238E27FC236}">
+                    <a16:creationId xmlns:a16="http://schemas.microsoft.com/office/drawing/2014/main" id="{94313986-EB45-4F73-8B1C-0DFFA347FF64}"/>
+                  </a:ext>
+                </a:extLst>
+              </p:cNvPr>
+              <p:cNvGrpSpPr/>
+              <p:nvPr/>
+            </p:nvGrpSpPr>
+            <p:grpSpPr>
+              <a:xfrm>
+                <a:off x="1368453" y="1421932"/>
+                <a:ext cx="1390477" cy="1044431"/>
+                <a:chOff x="1368453" y="1421932"/>
+                <a:chExt cx="1390477" cy="1044431"/>
+              </a:xfrm>
+            </p:grpSpPr>
+            <p:sp>
+              <p:nvSpPr>
+                <p:cNvPr id="126" name="Rechteck: abgerundete Ecken 125">
+                  <a:extLst>
+                    <a:ext uri="{FF2B5EF4-FFF2-40B4-BE49-F238E27FC236}">
+                      <a16:creationId xmlns:a16="http://schemas.microsoft.com/office/drawing/2014/main" id="{515EDA77-4034-4C85-934E-564831F98485}"/>
+                    </a:ext>
+                  </a:extLst>
+                </p:cNvPr>
+                <p:cNvSpPr/>
+                <p:nvPr/>
+              </p:nvSpPr>
+              <p:spPr>
+                <a:xfrm>
+                  <a:off x="1368453" y="1421932"/>
+                  <a:ext cx="1390477" cy="1044431"/>
+                </a:xfrm>
+                <a:prstGeom prst="roundRect">
+                  <a:avLst/>
+                </a:prstGeom>
+                <a:ln/>
+              </p:spPr>
+              <p:style>
+                <a:lnRef idx="1">
+                  <a:schemeClr val="accent5"/>
+                </a:lnRef>
+                <a:fillRef idx="2">
+                  <a:schemeClr val="accent5"/>
+                </a:fillRef>
+                <a:effectRef idx="1">
+                  <a:schemeClr val="accent5"/>
+                </a:effectRef>
+                <a:fontRef idx="minor">
+                  <a:schemeClr val="dk1"/>
+                </a:fontRef>
+              </p:style>
+              <p:txBody>
+                <a:bodyPr rtlCol="0" anchor="t"/>
+                <a:lstStyle/>
+                <a:p>
+                  <a:pPr algn="ctr"/>
+                  <a:r>
+                    <a:rPr lang="de-DE" sz="1000" dirty="0"/>
+                    <a:t>Dose 3.5</a:t>
+                  </a:r>
+                </a:p>
+              </p:txBody>
+            </p:sp>
+            <p:sp>
+              <p:nvSpPr>
+                <p:cNvPr id="127" name="Rechteck: abgerundete Ecken 126">
+                  <a:extLst>
+                    <a:ext uri="{FF2B5EF4-FFF2-40B4-BE49-F238E27FC236}">
+                      <a16:creationId xmlns:a16="http://schemas.microsoft.com/office/drawing/2014/main" id="{050795EB-9FD2-4FE1-A444-011D6F5A5585}"/>
+                    </a:ext>
+                  </a:extLst>
+                </p:cNvPr>
+                <p:cNvSpPr/>
+                <p:nvPr/>
+              </p:nvSpPr>
+              <p:spPr>
+                <a:xfrm>
+                  <a:off x="1440281" y="1684089"/>
+                  <a:ext cx="547909" cy="260060"/>
+                </a:xfrm>
+                <a:prstGeom prst="roundRect">
+                  <a:avLst/>
+                </a:prstGeom>
+                <a:ln/>
+              </p:spPr>
+              <p:style>
+                <a:lnRef idx="1">
+                  <a:schemeClr val="accent5"/>
+                </a:lnRef>
+                <a:fillRef idx="2">
+                  <a:schemeClr val="accent5"/>
+                </a:fillRef>
+                <a:effectRef idx="1">
+                  <a:schemeClr val="accent5"/>
+                </a:effectRef>
+                <a:fontRef idx="minor">
+                  <a:schemeClr val="dk1"/>
+                </a:fontRef>
+              </p:style>
+              <p:txBody>
+                <a:bodyPr rtlCol="0" anchor="ctr"/>
+                <a:lstStyle/>
+                <a:p>
+                  <a:pPr algn="ctr"/>
+                  <a:r>
+                    <a:rPr lang="de-DE" sz="1200" dirty="0">
+                      <a:solidFill>
+                        <a:schemeClr val="tx1"/>
+                      </a:solidFill>
+                    </a:rPr>
+                    <a:t>TF1</a:t>
+                  </a:r>
+                  <a:endParaRPr lang="de-DE" dirty="0">
+                    <a:solidFill>
+                      <a:schemeClr val="tx1"/>
+                    </a:solidFill>
+                  </a:endParaRPr>
+                </a:p>
+              </p:txBody>
+            </p:sp>
+            <p:sp>
+              <p:nvSpPr>
+                <p:cNvPr id="128" name="Rechteck: abgerundete Ecken 127">
+                  <a:extLst>
+                    <a:ext uri="{FF2B5EF4-FFF2-40B4-BE49-F238E27FC236}">
+                      <a16:creationId xmlns:a16="http://schemas.microsoft.com/office/drawing/2014/main" id="{77C36FC1-B669-4EA0-AE27-DE4239207F40}"/>
+                    </a:ext>
+                  </a:extLst>
+                </p:cNvPr>
+                <p:cNvSpPr/>
+                <p:nvPr/>
+              </p:nvSpPr>
+              <p:spPr>
+                <a:xfrm>
+                  <a:off x="2060017" y="1684089"/>
+                  <a:ext cx="547909" cy="260060"/>
+                </a:xfrm>
+                <a:prstGeom prst="roundRect">
+                  <a:avLst/>
+                </a:prstGeom>
+                <a:ln/>
+              </p:spPr>
+              <p:style>
+                <a:lnRef idx="1">
+                  <a:schemeClr val="accent5"/>
+                </a:lnRef>
+                <a:fillRef idx="2">
+                  <a:schemeClr val="accent5"/>
+                </a:fillRef>
+                <a:effectRef idx="1">
+                  <a:schemeClr val="accent5"/>
+                </a:effectRef>
+                <a:fontRef idx="minor">
+                  <a:schemeClr val="dk1"/>
+                </a:fontRef>
+              </p:style>
+              <p:txBody>
+                <a:bodyPr rtlCol="0" anchor="ctr"/>
+                <a:lstStyle/>
+                <a:p>
+                  <a:pPr algn="ctr"/>
+                  <a:r>
+                    <a:rPr lang="de-DE" sz="1200" dirty="0">
+                      <a:solidFill>
+                        <a:schemeClr val="tx1"/>
+                      </a:solidFill>
+                    </a:rPr>
+                    <a:t>TF2</a:t>
+                  </a:r>
+                  <a:endParaRPr lang="de-DE" dirty="0">
+                    <a:solidFill>
+                      <a:schemeClr val="tx1"/>
+                    </a:solidFill>
+                  </a:endParaRPr>
+                </a:p>
+              </p:txBody>
+            </p:sp>
+            <p:sp>
+              <p:nvSpPr>
+                <p:cNvPr id="129" name="Rechteck: abgerundete Ecken 128">
+                  <a:extLst>
+                    <a:ext uri="{FF2B5EF4-FFF2-40B4-BE49-F238E27FC236}">
+                      <a16:creationId xmlns:a16="http://schemas.microsoft.com/office/drawing/2014/main" id="{1B1C9087-AB88-4C26-9327-A38770167243}"/>
+                    </a:ext>
+                  </a:extLst>
+                </p:cNvPr>
+                <p:cNvSpPr/>
+                <p:nvPr/>
+              </p:nvSpPr>
+              <p:spPr>
+                <a:xfrm>
+                  <a:off x="1440281" y="2033280"/>
+                  <a:ext cx="547909" cy="260060"/>
+                </a:xfrm>
+                <a:prstGeom prst="roundRect">
+                  <a:avLst/>
+                </a:prstGeom>
+                <a:ln/>
+              </p:spPr>
+              <p:style>
+                <a:lnRef idx="1">
+                  <a:schemeClr val="accent5"/>
+                </a:lnRef>
+                <a:fillRef idx="2">
+                  <a:schemeClr val="accent5"/>
+                </a:fillRef>
+                <a:effectRef idx="1">
+                  <a:schemeClr val="accent5"/>
+                </a:effectRef>
+                <a:fontRef idx="minor">
+                  <a:schemeClr val="dk1"/>
+                </a:fontRef>
+              </p:style>
+              <p:txBody>
+                <a:bodyPr rtlCol="0" anchor="ctr"/>
+                <a:lstStyle/>
+                <a:p>
+                  <a:pPr algn="ctr"/>
+                  <a:r>
+                    <a:rPr lang="de-DE" sz="1200" dirty="0">
+                      <a:solidFill>
+                        <a:schemeClr val="tx1"/>
+                      </a:solidFill>
+                    </a:rPr>
+                    <a:t>…</a:t>
+                  </a:r>
+                  <a:endParaRPr lang="de-DE" dirty="0">
+                    <a:solidFill>
+                      <a:schemeClr val="tx1"/>
+                    </a:solidFill>
+                  </a:endParaRPr>
+                </a:p>
+              </p:txBody>
+            </p:sp>
+            <p:sp>
+              <p:nvSpPr>
+                <p:cNvPr id="130" name="Rechteck: abgerundete Ecken 129">
+                  <a:extLst>
+                    <a:ext uri="{FF2B5EF4-FFF2-40B4-BE49-F238E27FC236}">
+                      <a16:creationId xmlns:a16="http://schemas.microsoft.com/office/drawing/2014/main" id="{1F57B7F0-4E23-4555-BC89-FDEBFF8F49A0}"/>
+                    </a:ext>
+                  </a:extLst>
+                </p:cNvPr>
+                <p:cNvSpPr/>
+                <p:nvPr/>
+              </p:nvSpPr>
+              <p:spPr>
+                <a:xfrm>
+                  <a:off x="2060017" y="2036426"/>
+                  <a:ext cx="547909" cy="260060"/>
+                </a:xfrm>
+                <a:prstGeom prst="roundRect">
+                  <a:avLst/>
+                </a:prstGeom>
+                <a:ln/>
+              </p:spPr>
+              <p:style>
+                <a:lnRef idx="1">
+                  <a:schemeClr val="accent5"/>
+                </a:lnRef>
+                <a:fillRef idx="2">
+                  <a:schemeClr val="accent5"/>
+                </a:fillRef>
+                <a:effectRef idx="1">
+                  <a:schemeClr val="accent5"/>
+                </a:effectRef>
+                <a:fontRef idx="minor">
+                  <a:schemeClr val="dk1"/>
+                </a:fontRef>
+              </p:style>
+              <p:txBody>
+                <a:bodyPr rtlCol="0" anchor="ctr"/>
+                <a:lstStyle/>
+                <a:p>
+                  <a:pPr algn="ctr"/>
+                  <a:r>
+                    <a:rPr lang="de-DE" sz="1200" dirty="0">
+                      <a:solidFill>
+                        <a:schemeClr val="tx1"/>
+                      </a:solidFill>
+                    </a:rPr>
+                    <a:t>TF42</a:t>
+                  </a:r>
+                  <a:endParaRPr lang="de-DE" dirty="0">
+                    <a:solidFill>
+                      <a:schemeClr val="tx1"/>
+                    </a:solidFill>
+                  </a:endParaRPr>
+                </a:p>
+              </p:txBody>
+            </p:sp>
+          </p:grpSp>
+          <p:grpSp>
+            <p:nvGrpSpPr>
+              <p:cNvPr id="120" name="Gruppieren 119">
+                <a:extLst>
+                  <a:ext uri="{FF2B5EF4-FFF2-40B4-BE49-F238E27FC236}">
+                    <a16:creationId xmlns:a16="http://schemas.microsoft.com/office/drawing/2014/main" id="{5D52BBBF-22B5-4AE7-9FEB-632ED4655188}"/>
+                  </a:ext>
+                </a:extLst>
+              </p:cNvPr>
+              <p:cNvGrpSpPr/>
+              <p:nvPr/>
+            </p:nvGrpSpPr>
+            <p:grpSpPr>
+              <a:xfrm>
+                <a:off x="1364778" y="3099732"/>
+                <a:ext cx="1390477" cy="1044431"/>
+                <a:chOff x="1368453" y="1421932"/>
+                <a:chExt cx="1390477" cy="1044431"/>
+              </a:xfrm>
+            </p:grpSpPr>
+            <p:sp>
+              <p:nvSpPr>
+                <p:cNvPr id="121" name="Rechteck: abgerundete Ecken 120">
+                  <a:extLst>
+                    <a:ext uri="{FF2B5EF4-FFF2-40B4-BE49-F238E27FC236}">
+                      <a16:creationId xmlns:a16="http://schemas.microsoft.com/office/drawing/2014/main" id="{CD187F22-AFC1-4771-9C47-BE3D119CA88E}"/>
+                    </a:ext>
+                  </a:extLst>
+                </p:cNvPr>
+                <p:cNvSpPr/>
+                <p:nvPr/>
+              </p:nvSpPr>
+              <p:spPr>
+                <a:xfrm>
+                  <a:off x="1368453" y="1421932"/>
+                  <a:ext cx="1390477" cy="1044431"/>
+                </a:xfrm>
+                <a:prstGeom prst="roundRect">
+                  <a:avLst/>
+                </a:prstGeom>
+                <a:ln/>
+              </p:spPr>
+              <p:style>
+                <a:lnRef idx="1">
+                  <a:schemeClr val="accent5"/>
+                </a:lnRef>
+                <a:fillRef idx="2">
+                  <a:schemeClr val="accent5"/>
+                </a:fillRef>
+                <a:effectRef idx="1">
+                  <a:schemeClr val="accent5"/>
+                </a:effectRef>
+                <a:fontRef idx="minor">
+                  <a:schemeClr val="dk1"/>
+                </a:fontRef>
+              </p:style>
+              <p:txBody>
+                <a:bodyPr rtlCol="0" anchor="t"/>
+                <a:lstStyle/>
+                <a:p>
+                  <a:pPr algn="ctr"/>
+                  <a:r>
+                    <a:rPr lang="de-DE" sz="1000" dirty="0"/>
+                    <a:t>Dose 0.5</a:t>
+                  </a:r>
+                </a:p>
+              </p:txBody>
+            </p:sp>
+            <p:sp>
+              <p:nvSpPr>
+                <p:cNvPr id="122" name="Rechteck: abgerundete Ecken 121">
+                  <a:extLst>
+                    <a:ext uri="{FF2B5EF4-FFF2-40B4-BE49-F238E27FC236}">
+                      <a16:creationId xmlns:a16="http://schemas.microsoft.com/office/drawing/2014/main" id="{C1C4FDCB-EDA0-442E-95EE-E54D92D9FE10}"/>
+                    </a:ext>
+                  </a:extLst>
+                </p:cNvPr>
+                <p:cNvSpPr/>
+                <p:nvPr/>
+              </p:nvSpPr>
+              <p:spPr>
+                <a:xfrm>
+                  <a:off x="1440281" y="1684089"/>
+                  <a:ext cx="547909" cy="260060"/>
+                </a:xfrm>
+                <a:prstGeom prst="roundRect">
+                  <a:avLst/>
+                </a:prstGeom>
+                <a:ln/>
+              </p:spPr>
+              <p:style>
+                <a:lnRef idx="1">
+                  <a:schemeClr val="accent5"/>
+                </a:lnRef>
+                <a:fillRef idx="2">
+                  <a:schemeClr val="accent5"/>
+                </a:fillRef>
+                <a:effectRef idx="1">
+                  <a:schemeClr val="accent5"/>
+                </a:effectRef>
+                <a:fontRef idx="minor">
+                  <a:schemeClr val="dk1"/>
+                </a:fontRef>
+              </p:style>
+              <p:txBody>
+                <a:bodyPr rtlCol="0" anchor="ctr"/>
+                <a:lstStyle/>
+                <a:p>
+                  <a:pPr algn="ctr"/>
+                  <a:r>
+                    <a:rPr lang="de-DE" sz="1200" dirty="0">
+                      <a:solidFill>
+                        <a:schemeClr val="tx1"/>
+                      </a:solidFill>
+                    </a:rPr>
+                    <a:t>TF1</a:t>
+                  </a:r>
+                  <a:endParaRPr lang="de-DE" dirty="0">
+                    <a:solidFill>
+                      <a:schemeClr val="tx1"/>
+                    </a:solidFill>
+                  </a:endParaRPr>
+                </a:p>
+              </p:txBody>
+            </p:sp>
+            <p:sp>
+              <p:nvSpPr>
+                <p:cNvPr id="123" name="Rechteck: abgerundete Ecken 122">
+                  <a:extLst>
+                    <a:ext uri="{FF2B5EF4-FFF2-40B4-BE49-F238E27FC236}">
+                      <a16:creationId xmlns:a16="http://schemas.microsoft.com/office/drawing/2014/main" id="{0ED8C325-5F6D-441E-89F4-15F0B3E81FE0}"/>
+                    </a:ext>
+                  </a:extLst>
+                </p:cNvPr>
+                <p:cNvSpPr/>
+                <p:nvPr/>
+              </p:nvSpPr>
+              <p:spPr>
+                <a:xfrm>
+                  <a:off x="2060017" y="1684089"/>
+                  <a:ext cx="547909" cy="260060"/>
+                </a:xfrm>
+                <a:prstGeom prst="roundRect">
+                  <a:avLst/>
+                </a:prstGeom>
+                <a:ln/>
+              </p:spPr>
+              <p:style>
+                <a:lnRef idx="1">
+                  <a:schemeClr val="accent5"/>
+                </a:lnRef>
+                <a:fillRef idx="2">
+                  <a:schemeClr val="accent5"/>
+                </a:fillRef>
+                <a:effectRef idx="1">
+                  <a:schemeClr val="accent5"/>
+                </a:effectRef>
+                <a:fontRef idx="minor">
+                  <a:schemeClr val="dk1"/>
+                </a:fontRef>
+              </p:style>
+              <p:txBody>
+                <a:bodyPr rtlCol="0" anchor="ctr"/>
+                <a:lstStyle/>
+                <a:p>
+                  <a:pPr algn="ctr"/>
+                  <a:r>
+                    <a:rPr lang="de-DE" sz="1200" dirty="0">
+                      <a:solidFill>
+                        <a:schemeClr val="tx1"/>
+                      </a:solidFill>
+                    </a:rPr>
+                    <a:t>TF2</a:t>
+                  </a:r>
+                  <a:endParaRPr lang="de-DE" dirty="0">
+                    <a:solidFill>
+                      <a:schemeClr val="tx1"/>
+                    </a:solidFill>
+                  </a:endParaRPr>
+                </a:p>
+              </p:txBody>
+            </p:sp>
+            <p:sp>
+              <p:nvSpPr>
+                <p:cNvPr id="124" name="Rechteck: abgerundete Ecken 123">
+                  <a:extLst>
+                    <a:ext uri="{FF2B5EF4-FFF2-40B4-BE49-F238E27FC236}">
+                      <a16:creationId xmlns:a16="http://schemas.microsoft.com/office/drawing/2014/main" id="{F7ABA059-50C3-403F-86EA-70C705F090B7}"/>
+                    </a:ext>
+                  </a:extLst>
+                </p:cNvPr>
+                <p:cNvSpPr/>
+                <p:nvPr/>
+              </p:nvSpPr>
+              <p:spPr>
+                <a:xfrm>
+                  <a:off x="1440281" y="2033280"/>
+                  <a:ext cx="547909" cy="260060"/>
+                </a:xfrm>
+                <a:prstGeom prst="roundRect">
+                  <a:avLst/>
+                </a:prstGeom>
+                <a:ln/>
+              </p:spPr>
+              <p:style>
+                <a:lnRef idx="1">
+                  <a:schemeClr val="accent5"/>
+                </a:lnRef>
+                <a:fillRef idx="2">
+                  <a:schemeClr val="accent5"/>
+                </a:fillRef>
+                <a:effectRef idx="1">
+                  <a:schemeClr val="accent5"/>
+                </a:effectRef>
+                <a:fontRef idx="minor">
+                  <a:schemeClr val="dk1"/>
+                </a:fontRef>
+              </p:style>
+              <p:txBody>
+                <a:bodyPr rtlCol="0" anchor="ctr"/>
+                <a:lstStyle/>
+                <a:p>
+                  <a:pPr algn="ctr"/>
+                  <a:r>
+                    <a:rPr lang="de-DE" sz="1200" dirty="0">
+                      <a:solidFill>
+                        <a:schemeClr val="tx1"/>
+                      </a:solidFill>
+                    </a:rPr>
+                    <a:t>…</a:t>
+                  </a:r>
+                  <a:endParaRPr lang="de-DE" dirty="0">
+                    <a:solidFill>
+                      <a:schemeClr val="tx1"/>
+                    </a:solidFill>
+                  </a:endParaRPr>
+                </a:p>
+              </p:txBody>
+            </p:sp>
+            <p:sp>
+              <p:nvSpPr>
+                <p:cNvPr id="125" name="Rechteck: abgerundete Ecken 124">
+                  <a:extLst>
+                    <a:ext uri="{FF2B5EF4-FFF2-40B4-BE49-F238E27FC236}">
+                      <a16:creationId xmlns:a16="http://schemas.microsoft.com/office/drawing/2014/main" id="{09ABDD5B-F969-4032-BE62-9E90C686FA67}"/>
+                    </a:ext>
+                  </a:extLst>
+                </p:cNvPr>
+                <p:cNvSpPr/>
+                <p:nvPr/>
+              </p:nvSpPr>
+              <p:spPr>
+                <a:xfrm>
+                  <a:off x="2060017" y="2036426"/>
+                  <a:ext cx="547909" cy="260060"/>
+                </a:xfrm>
+                <a:prstGeom prst="roundRect">
+                  <a:avLst/>
+                </a:prstGeom>
+                <a:ln/>
+              </p:spPr>
+              <p:style>
+                <a:lnRef idx="1">
+                  <a:schemeClr val="accent5"/>
+                </a:lnRef>
+                <a:fillRef idx="2">
+                  <a:schemeClr val="accent5"/>
+                </a:fillRef>
+                <a:effectRef idx="1">
+                  <a:schemeClr val="accent5"/>
+                </a:effectRef>
+                <a:fontRef idx="minor">
+                  <a:schemeClr val="dk1"/>
+                </a:fontRef>
+              </p:style>
+              <p:txBody>
+                <a:bodyPr rtlCol="0" anchor="ctr"/>
+                <a:lstStyle/>
+                <a:p>
+                  <a:pPr algn="ctr"/>
+                  <a:r>
+                    <a:rPr lang="de-DE" sz="1200" dirty="0">
+                      <a:solidFill>
+                        <a:schemeClr val="tx1"/>
+                      </a:solidFill>
+                    </a:rPr>
+                    <a:t>TF42</a:t>
+                  </a:r>
+                  <a:endParaRPr lang="de-DE" dirty="0">
+                    <a:solidFill>
+                      <a:schemeClr val="tx1"/>
+                    </a:solidFill>
+                  </a:endParaRPr>
+                </a:p>
+              </p:txBody>
+            </p:sp>
+          </p:grpSp>
+        </p:grpSp>
+        <p:grpSp>
+          <p:nvGrpSpPr>
+            <p:cNvPr id="87" name="Gruppieren 86">
+              <a:extLst>
+                <a:ext uri="{FF2B5EF4-FFF2-40B4-BE49-F238E27FC236}">
+                  <a16:creationId xmlns:a16="http://schemas.microsoft.com/office/drawing/2014/main" id="{45EEF16A-C6B2-42CC-B180-FC5B0ADBE229}"/>
+                </a:ext>
+              </a:extLst>
+            </p:cNvPr>
+            <p:cNvGrpSpPr/>
+            <p:nvPr/>
+          </p:nvGrpSpPr>
+          <p:grpSpPr>
+            <a:xfrm>
+              <a:off x="3749879" y="843093"/>
+              <a:ext cx="2080470" cy="4030908"/>
+              <a:chOff x="1224793" y="956345"/>
+              <a:chExt cx="1677798" cy="3565321"/>
+            </a:xfrm>
+          </p:grpSpPr>
+          <p:sp>
+            <p:nvSpPr>
+              <p:cNvPr id="103" name="Rechteck: abgerundete Ecken 102">
+                <a:extLst>
+                  <a:ext uri="{FF2B5EF4-FFF2-40B4-BE49-F238E27FC236}">
+                    <a16:creationId xmlns:a16="http://schemas.microsoft.com/office/drawing/2014/main" id="{090080D0-FDC1-4C89-B585-238276153EFE}"/>
+                  </a:ext>
+                </a:extLst>
+              </p:cNvPr>
+              <p:cNvSpPr/>
+              <p:nvPr/>
+            </p:nvSpPr>
+            <p:spPr>
+              <a:xfrm>
+                <a:off x="1224793" y="956345"/>
+                <a:ext cx="1677798" cy="3565321"/>
+              </a:xfrm>
+              <a:prstGeom prst="roundRect">
+                <a:avLst/>
+              </a:prstGeom>
+              <a:ln/>
+            </p:spPr>
+            <p:style>
+              <a:lnRef idx="1">
+                <a:schemeClr val="accent5"/>
+              </a:lnRef>
+              <a:fillRef idx="2">
+                <a:schemeClr val="accent5"/>
+              </a:fillRef>
+              <a:effectRef idx="1">
+                <a:schemeClr val="accent5"/>
+              </a:effectRef>
+              <a:fontRef idx="minor">
+                <a:schemeClr val="dk1"/>
+              </a:fontRef>
+            </p:style>
+            <p:txBody>
+              <a:bodyPr rtlCol="0" anchor="t"/>
+              <a:lstStyle/>
+              <a:p>
+                <a:pPr algn="ctr"/>
+                <a:r>
+                  <a:rPr lang="de-DE" dirty="0"/>
+                  <a:t>Patient 2 – ROI o</a:t>
+                </a:r>
+              </a:p>
+            </p:txBody>
+          </p:sp>
+          <p:sp>
+            <p:nvSpPr>
+              <p:cNvPr id="104" name="Rechteck: abgerundete Ecken 103">
+                <a:extLst>
+                  <a:ext uri="{FF2B5EF4-FFF2-40B4-BE49-F238E27FC236}">
+                    <a16:creationId xmlns:a16="http://schemas.microsoft.com/office/drawing/2014/main" id="{B4E4EEFA-59E2-4836-B5B9-563D88AA00C0}"/>
+                  </a:ext>
+                </a:extLst>
+              </p:cNvPr>
+              <p:cNvSpPr/>
+              <p:nvPr/>
+            </p:nvSpPr>
+            <p:spPr>
+              <a:xfrm>
+                <a:off x="1368452" y="2543961"/>
+                <a:ext cx="1390477" cy="478173"/>
+              </a:xfrm>
+              <a:prstGeom prst="roundRect">
+                <a:avLst/>
+              </a:prstGeom>
+              <a:ln/>
+            </p:spPr>
+            <p:style>
+              <a:lnRef idx="1">
+                <a:schemeClr val="accent5"/>
+              </a:lnRef>
+              <a:fillRef idx="2">
+                <a:schemeClr val="accent5"/>
+              </a:fillRef>
+              <a:effectRef idx="1">
+                <a:schemeClr val="accent5"/>
+              </a:effectRef>
+              <a:fontRef idx="minor">
+                <a:schemeClr val="dk1"/>
+              </a:fontRef>
+            </p:style>
+            <p:txBody>
+              <a:bodyPr rtlCol="0" anchor="ctr"/>
+              <a:lstStyle/>
+              <a:p>
+                <a:pPr lvl="0" algn="ctr"/>
+                <a:r>
+                  <a:rPr lang="de-DE" sz="1200" dirty="0">
+                    <a:solidFill>
+                      <a:prstClr val="white"/>
+                    </a:solidFill>
+                  </a:rPr>
+                  <a:t>… 5 weitere Dosen …</a:t>
+                </a:r>
+              </a:p>
+            </p:txBody>
+          </p:sp>
+          <p:grpSp>
+            <p:nvGrpSpPr>
+              <p:cNvPr id="105" name="Gruppieren 104">
+                <a:extLst>
+                  <a:ext uri="{FF2B5EF4-FFF2-40B4-BE49-F238E27FC236}">
+                    <a16:creationId xmlns:a16="http://schemas.microsoft.com/office/drawing/2014/main" id="{6134C09E-8561-4794-9E48-B88B54A919CE}"/>
+                  </a:ext>
+                </a:extLst>
+              </p:cNvPr>
+              <p:cNvGrpSpPr/>
+              <p:nvPr/>
+            </p:nvGrpSpPr>
+            <p:grpSpPr>
+              <a:xfrm>
+                <a:off x="1368453" y="1421932"/>
+                <a:ext cx="1390477" cy="1044431"/>
+                <a:chOff x="1368453" y="1421932"/>
+                <a:chExt cx="1390477" cy="1044431"/>
+              </a:xfrm>
+            </p:grpSpPr>
+            <p:sp>
+              <p:nvSpPr>
+                <p:cNvPr id="112" name="Rechteck: abgerundete Ecken 111">
+                  <a:extLst>
+                    <a:ext uri="{FF2B5EF4-FFF2-40B4-BE49-F238E27FC236}">
+                      <a16:creationId xmlns:a16="http://schemas.microsoft.com/office/drawing/2014/main" id="{A5A27EFD-E629-4AC0-BF4D-7A7F22DE4913}"/>
+                    </a:ext>
+                  </a:extLst>
+                </p:cNvPr>
+                <p:cNvSpPr/>
+                <p:nvPr/>
+              </p:nvSpPr>
+              <p:spPr>
+                <a:xfrm>
+                  <a:off x="1368453" y="1421932"/>
+                  <a:ext cx="1390477" cy="1044431"/>
+                </a:xfrm>
+                <a:prstGeom prst="roundRect">
+                  <a:avLst/>
+                </a:prstGeom>
+                <a:ln/>
+              </p:spPr>
+              <p:style>
+                <a:lnRef idx="1">
+                  <a:schemeClr val="accent5"/>
+                </a:lnRef>
+                <a:fillRef idx="2">
+                  <a:schemeClr val="accent5"/>
+                </a:fillRef>
+                <a:effectRef idx="1">
+                  <a:schemeClr val="accent5"/>
+                </a:effectRef>
+                <a:fontRef idx="minor">
+                  <a:schemeClr val="dk1"/>
+                </a:fontRef>
+              </p:style>
+              <p:txBody>
+                <a:bodyPr rtlCol="0" anchor="t"/>
+                <a:lstStyle/>
+                <a:p>
+                  <a:pPr algn="ctr"/>
+                  <a:r>
+                    <a:rPr lang="de-DE" sz="1000" dirty="0"/>
+                    <a:t>Dose 3.5</a:t>
+                  </a:r>
+                </a:p>
+              </p:txBody>
+            </p:sp>
+            <p:sp>
+              <p:nvSpPr>
+                <p:cNvPr id="113" name="Rechteck: abgerundete Ecken 112">
+                  <a:extLst>
+                    <a:ext uri="{FF2B5EF4-FFF2-40B4-BE49-F238E27FC236}">
+                      <a16:creationId xmlns:a16="http://schemas.microsoft.com/office/drawing/2014/main" id="{31BBAA9B-6FE2-45D4-BE7C-857FE4372558}"/>
+                    </a:ext>
+                  </a:extLst>
+                </p:cNvPr>
+                <p:cNvSpPr/>
+                <p:nvPr/>
+              </p:nvSpPr>
+              <p:spPr>
+                <a:xfrm>
+                  <a:off x="1440281" y="1684089"/>
+                  <a:ext cx="547909" cy="260060"/>
+                </a:xfrm>
+                <a:prstGeom prst="roundRect">
+                  <a:avLst/>
+                </a:prstGeom>
+                <a:ln/>
+              </p:spPr>
+              <p:style>
+                <a:lnRef idx="1">
+                  <a:schemeClr val="accent5"/>
+                </a:lnRef>
+                <a:fillRef idx="2">
+                  <a:schemeClr val="accent5"/>
+                </a:fillRef>
+                <a:effectRef idx="1">
+                  <a:schemeClr val="accent5"/>
+                </a:effectRef>
+                <a:fontRef idx="minor">
+                  <a:schemeClr val="dk1"/>
+                </a:fontRef>
+              </p:style>
+              <p:txBody>
+                <a:bodyPr rtlCol="0" anchor="ctr"/>
+                <a:lstStyle/>
+                <a:p>
+                  <a:pPr algn="ctr"/>
+                  <a:r>
+                    <a:rPr lang="de-DE" sz="1200" dirty="0">
+                      <a:solidFill>
+                        <a:schemeClr val="tx1"/>
+                      </a:solidFill>
+                    </a:rPr>
+                    <a:t>TF1</a:t>
+                  </a:r>
+                  <a:endParaRPr lang="de-DE" dirty="0">
+                    <a:solidFill>
+                      <a:schemeClr val="tx1"/>
+                    </a:solidFill>
+                  </a:endParaRPr>
+                </a:p>
+              </p:txBody>
+            </p:sp>
+            <p:sp>
+              <p:nvSpPr>
+                <p:cNvPr id="114" name="Rechteck: abgerundete Ecken 113">
+                  <a:extLst>
+                    <a:ext uri="{FF2B5EF4-FFF2-40B4-BE49-F238E27FC236}">
+                      <a16:creationId xmlns:a16="http://schemas.microsoft.com/office/drawing/2014/main" id="{4E220425-D3FD-46F1-907E-3A44C129EE48}"/>
+                    </a:ext>
+                  </a:extLst>
+                </p:cNvPr>
+                <p:cNvSpPr/>
+                <p:nvPr/>
+              </p:nvSpPr>
+              <p:spPr>
+                <a:xfrm>
+                  <a:off x="2060017" y="1684089"/>
+                  <a:ext cx="547909" cy="260060"/>
+                </a:xfrm>
+                <a:prstGeom prst="roundRect">
+                  <a:avLst/>
+                </a:prstGeom>
+                <a:ln/>
+              </p:spPr>
+              <p:style>
+                <a:lnRef idx="1">
+                  <a:schemeClr val="accent5"/>
+                </a:lnRef>
+                <a:fillRef idx="2">
+                  <a:schemeClr val="accent5"/>
+                </a:fillRef>
+                <a:effectRef idx="1">
+                  <a:schemeClr val="accent5"/>
+                </a:effectRef>
+                <a:fontRef idx="minor">
+                  <a:schemeClr val="dk1"/>
+                </a:fontRef>
+              </p:style>
+              <p:txBody>
+                <a:bodyPr rtlCol="0" anchor="ctr"/>
+                <a:lstStyle/>
+                <a:p>
+                  <a:pPr algn="ctr"/>
+                  <a:r>
+                    <a:rPr lang="de-DE" sz="1200" dirty="0">
+                      <a:solidFill>
+                        <a:schemeClr val="tx1"/>
+                      </a:solidFill>
+                    </a:rPr>
+                    <a:t>TF2</a:t>
+                  </a:r>
+                  <a:endParaRPr lang="de-DE" dirty="0">
+                    <a:solidFill>
+                      <a:schemeClr val="tx1"/>
+                    </a:solidFill>
+                  </a:endParaRPr>
+                </a:p>
+              </p:txBody>
+            </p:sp>
+            <p:sp>
+              <p:nvSpPr>
+                <p:cNvPr id="115" name="Rechteck: abgerundete Ecken 114">
+                  <a:extLst>
+                    <a:ext uri="{FF2B5EF4-FFF2-40B4-BE49-F238E27FC236}">
+                      <a16:creationId xmlns:a16="http://schemas.microsoft.com/office/drawing/2014/main" id="{5315730F-013E-4C78-89D6-BAA38BA3C4B1}"/>
+                    </a:ext>
+                  </a:extLst>
+                </p:cNvPr>
+                <p:cNvSpPr/>
+                <p:nvPr/>
+              </p:nvSpPr>
+              <p:spPr>
+                <a:xfrm>
+                  <a:off x="1440281" y="2033280"/>
+                  <a:ext cx="547909" cy="260060"/>
+                </a:xfrm>
+                <a:prstGeom prst="roundRect">
+                  <a:avLst/>
+                </a:prstGeom>
+                <a:ln/>
+              </p:spPr>
+              <p:style>
+                <a:lnRef idx="1">
+                  <a:schemeClr val="accent5"/>
+                </a:lnRef>
+                <a:fillRef idx="2">
+                  <a:schemeClr val="accent5"/>
+                </a:fillRef>
+                <a:effectRef idx="1">
+                  <a:schemeClr val="accent5"/>
+                </a:effectRef>
+                <a:fontRef idx="minor">
+                  <a:schemeClr val="dk1"/>
+                </a:fontRef>
+              </p:style>
+              <p:txBody>
+                <a:bodyPr rtlCol="0" anchor="ctr"/>
+                <a:lstStyle/>
+                <a:p>
+                  <a:pPr algn="ctr"/>
+                  <a:r>
+                    <a:rPr lang="de-DE" sz="1200" dirty="0">
+                      <a:solidFill>
+                        <a:schemeClr val="tx1"/>
+                      </a:solidFill>
+                    </a:rPr>
+                    <a:t>…</a:t>
+                  </a:r>
+                  <a:endParaRPr lang="de-DE" dirty="0">
+                    <a:solidFill>
+                      <a:schemeClr val="tx1"/>
+                    </a:solidFill>
+                  </a:endParaRPr>
+                </a:p>
+              </p:txBody>
+            </p:sp>
+            <p:sp>
+              <p:nvSpPr>
+                <p:cNvPr id="116" name="Rechteck: abgerundete Ecken 115">
+                  <a:extLst>
+                    <a:ext uri="{FF2B5EF4-FFF2-40B4-BE49-F238E27FC236}">
+                      <a16:creationId xmlns:a16="http://schemas.microsoft.com/office/drawing/2014/main" id="{D3E0CCF1-6A66-4D9A-A6BD-BBC4483D5417}"/>
+                    </a:ext>
+                  </a:extLst>
+                </p:cNvPr>
+                <p:cNvSpPr/>
+                <p:nvPr/>
+              </p:nvSpPr>
+              <p:spPr>
+                <a:xfrm>
+                  <a:off x="2060017" y="2036426"/>
+                  <a:ext cx="547909" cy="260060"/>
+                </a:xfrm>
+                <a:prstGeom prst="roundRect">
+                  <a:avLst/>
+                </a:prstGeom>
+                <a:ln/>
+              </p:spPr>
+              <p:style>
+                <a:lnRef idx="1">
+                  <a:schemeClr val="accent5"/>
+                </a:lnRef>
+                <a:fillRef idx="2">
+                  <a:schemeClr val="accent5"/>
+                </a:fillRef>
+                <a:effectRef idx="1">
+                  <a:schemeClr val="accent5"/>
+                </a:effectRef>
+                <a:fontRef idx="minor">
+                  <a:schemeClr val="dk1"/>
+                </a:fontRef>
+              </p:style>
+              <p:txBody>
+                <a:bodyPr rtlCol="0" anchor="ctr"/>
+                <a:lstStyle/>
+                <a:p>
+                  <a:pPr algn="ctr"/>
+                  <a:r>
+                    <a:rPr lang="de-DE" sz="1200" dirty="0">
+                      <a:solidFill>
+                        <a:schemeClr val="tx1"/>
+                      </a:solidFill>
+                    </a:rPr>
+                    <a:t>TF42</a:t>
+                  </a:r>
+                  <a:endParaRPr lang="de-DE" dirty="0">
+                    <a:solidFill>
+                      <a:schemeClr val="tx1"/>
+                    </a:solidFill>
+                  </a:endParaRPr>
+                </a:p>
+              </p:txBody>
+            </p:sp>
+          </p:grpSp>
+          <p:grpSp>
+            <p:nvGrpSpPr>
+              <p:cNvPr id="106" name="Gruppieren 105">
+                <a:extLst>
+                  <a:ext uri="{FF2B5EF4-FFF2-40B4-BE49-F238E27FC236}">
+                    <a16:creationId xmlns:a16="http://schemas.microsoft.com/office/drawing/2014/main" id="{F115E1E7-20FF-4CEC-97C5-26E0FDBBE353}"/>
+                  </a:ext>
+                </a:extLst>
+              </p:cNvPr>
+              <p:cNvGrpSpPr/>
+              <p:nvPr/>
+            </p:nvGrpSpPr>
+            <p:grpSpPr>
+              <a:xfrm>
+                <a:off x="1364778" y="3099732"/>
+                <a:ext cx="1390477" cy="1044431"/>
+                <a:chOff x="1368453" y="1421932"/>
+                <a:chExt cx="1390477" cy="1044431"/>
+              </a:xfrm>
+            </p:grpSpPr>
+            <p:sp>
+              <p:nvSpPr>
+                <p:cNvPr id="107" name="Rechteck: abgerundete Ecken 106">
+                  <a:extLst>
+                    <a:ext uri="{FF2B5EF4-FFF2-40B4-BE49-F238E27FC236}">
+                      <a16:creationId xmlns:a16="http://schemas.microsoft.com/office/drawing/2014/main" id="{A4A3F231-E0C9-4B69-978A-80098BE152DE}"/>
+                    </a:ext>
+                  </a:extLst>
+                </p:cNvPr>
+                <p:cNvSpPr/>
+                <p:nvPr/>
+              </p:nvSpPr>
+              <p:spPr>
+                <a:xfrm>
+                  <a:off x="1368453" y="1421932"/>
+                  <a:ext cx="1390477" cy="1044431"/>
+                </a:xfrm>
+                <a:prstGeom prst="roundRect">
+                  <a:avLst/>
+                </a:prstGeom>
+                <a:ln/>
+              </p:spPr>
+              <p:style>
+                <a:lnRef idx="1">
+                  <a:schemeClr val="accent5"/>
+                </a:lnRef>
+                <a:fillRef idx="2">
+                  <a:schemeClr val="accent5"/>
+                </a:fillRef>
+                <a:effectRef idx="1">
+                  <a:schemeClr val="accent5"/>
+                </a:effectRef>
+                <a:fontRef idx="minor">
+                  <a:schemeClr val="dk1"/>
+                </a:fontRef>
+              </p:style>
+              <p:txBody>
+                <a:bodyPr rtlCol="0" anchor="t"/>
+                <a:lstStyle/>
+                <a:p>
+                  <a:pPr algn="ctr"/>
+                  <a:r>
+                    <a:rPr lang="de-DE" sz="1000" dirty="0"/>
+                    <a:t>Dose 0.5</a:t>
+                  </a:r>
+                </a:p>
+              </p:txBody>
+            </p:sp>
+            <p:sp>
+              <p:nvSpPr>
+                <p:cNvPr id="108" name="Rechteck: abgerundete Ecken 107">
+                  <a:extLst>
+                    <a:ext uri="{FF2B5EF4-FFF2-40B4-BE49-F238E27FC236}">
+                      <a16:creationId xmlns:a16="http://schemas.microsoft.com/office/drawing/2014/main" id="{2137DC53-A72D-43E6-881D-151A93B66526}"/>
+                    </a:ext>
+                  </a:extLst>
+                </p:cNvPr>
+                <p:cNvSpPr/>
+                <p:nvPr/>
+              </p:nvSpPr>
+              <p:spPr>
+                <a:xfrm>
+                  <a:off x="1440281" y="1684089"/>
+                  <a:ext cx="547909" cy="260060"/>
+                </a:xfrm>
+                <a:prstGeom prst="roundRect">
+                  <a:avLst/>
+                </a:prstGeom>
+                <a:ln/>
+              </p:spPr>
+              <p:style>
+                <a:lnRef idx="1">
+                  <a:schemeClr val="accent5"/>
+                </a:lnRef>
+                <a:fillRef idx="2">
+                  <a:schemeClr val="accent5"/>
+                </a:fillRef>
+                <a:effectRef idx="1">
+                  <a:schemeClr val="accent5"/>
+                </a:effectRef>
+                <a:fontRef idx="minor">
+                  <a:schemeClr val="dk1"/>
+                </a:fontRef>
+              </p:style>
+              <p:txBody>
+                <a:bodyPr rtlCol="0" anchor="ctr"/>
+                <a:lstStyle/>
+                <a:p>
+                  <a:pPr algn="ctr"/>
+                  <a:r>
+                    <a:rPr lang="de-DE" sz="1200" dirty="0">
+                      <a:solidFill>
+                        <a:schemeClr val="tx1"/>
+                      </a:solidFill>
+                    </a:rPr>
+                    <a:t>TF1</a:t>
+                  </a:r>
+                  <a:endParaRPr lang="de-DE" dirty="0">
+                    <a:solidFill>
+                      <a:schemeClr val="tx1"/>
+                    </a:solidFill>
+                  </a:endParaRPr>
+                </a:p>
+              </p:txBody>
+            </p:sp>
+            <p:sp>
+              <p:nvSpPr>
+                <p:cNvPr id="109" name="Rechteck: abgerundete Ecken 108">
+                  <a:extLst>
+                    <a:ext uri="{FF2B5EF4-FFF2-40B4-BE49-F238E27FC236}">
+                      <a16:creationId xmlns:a16="http://schemas.microsoft.com/office/drawing/2014/main" id="{1CF0DA81-A4CC-41B0-97A6-76587B2A2A82}"/>
+                    </a:ext>
+                  </a:extLst>
+                </p:cNvPr>
+                <p:cNvSpPr/>
+                <p:nvPr/>
+              </p:nvSpPr>
+              <p:spPr>
+                <a:xfrm>
+                  <a:off x="2060017" y="1684089"/>
+                  <a:ext cx="547909" cy="260060"/>
+                </a:xfrm>
+                <a:prstGeom prst="roundRect">
+                  <a:avLst/>
+                </a:prstGeom>
+                <a:ln/>
+              </p:spPr>
+              <p:style>
+                <a:lnRef idx="1">
+                  <a:schemeClr val="accent5"/>
+                </a:lnRef>
+                <a:fillRef idx="2">
+                  <a:schemeClr val="accent5"/>
+                </a:fillRef>
+                <a:effectRef idx="1">
+                  <a:schemeClr val="accent5"/>
+                </a:effectRef>
+                <a:fontRef idx="minor">
+                  <a:schemeClr val="dk1"/>
+                </a:fontRef>
+              </p:style>
+              <p:txBody>
+                <a:bodyPr rtlCol="0" anchor="ctr"/>
+                <a:lstStyle/>
+                <a:p>
+                  <a:pPr algn="ctr"/>
+                  <a:r>
+                    <a:rPr lang="de-DE" sz="1200" dirty="0">
+                      <a:solidFill>
+                        <a:schemeClr val="tx1"/>
+                      </a:solidFill>
+                    </a:rPr>
+                    <a:t>TF2</a:t>
+                  </a:r>
+                  <a:endParaRPr lang="de-DE" dirty="0">
+                    <a:solidFill>
+                      <a:schemeClr val="tx1"/>
+                    </a:solidFill>
+                  </a:endParaRPr>
+                </a:p>
+              </p:txBody>
+            </p:sp>
+            <p:sp>
+              <p:nvSpPr>
+                <p:cNvPr id="110" name="Rechteck: abgerundete Ecken 109">
+                  <a:extLst>
+                    <a:ext uri="{FF2B5EF4-FFF2-40B4-BE49-F238E27FC236}">
+                      <a16:creationId xmlns:a16="http://schemas.microsoft.com/office/drawing/2014/main" id="{29D3564B-52FA-44FB-8C9F-6DD69B515306}"/>
+                    </a:ext>
+                  </a:extLst>
+                </p:cNvPr>
+                <p:cNvSpPr/>
+                <p:nvPr/>
+              </p:nvSpPr>
+              <p:spPr>
+                <a:xfrm>
+                  <a:off x="1440281" y="2033280"/>
+                  <a:ext cx="547909" cy="260060"/>
+                </a:xfrm>
+                <a:prstGeom prst="roundRect">
+                  <a:avLst/>
+                </a:prstGeom>
+                <a:ln/>
+              </p:spPr>
+              <p:style>
+                <a:lnRef idx="1">
+                  <a:schemeClr val="accent5"/>
+                </a:lnRef>
+                <a:fillRef idx="2">
+                  <a:schemeClr val="accent5"/>
+                </a:fillRef>
+                <a:effectRef idx="1">
+                  <a:schemeClr val="accent5"/>
+                </a:effectRef>
+                <a:fontRef idx="minor">
+                  <a:schemeClr val="dk1"/>
+                </a:fontRef>
+              </p:style>
+              <p:txBody>
+                <a:bodyPr rtlCol="0" anchor="ctr"/>
+                <a:lstStyle/>
+                <a:p>
+                  <a:pPr algn="ctr"/>
+                  <a:r>
+                    <a:rPr lang="de-DE" sz="1200" dirty="0">
+                      <a:solidFill>
+                        <a:schemeClr val="tx1"/>
+                      </a:solidFill>
+                    </a:rPr>
+                    <a:t>…</a:t>
+                  </a:r>
+                  <a:endParaRPr lang="de-DE" dirty="0">
+                    <a:solidFill>
+                      <a:schemeClr val="tx1"/>
+                    </a:solidFill>
+                  </a:endParaRPr>
+                </a:p>
+              </p:txBody>
+            </p:sp>
+            <p:sp>
+              <p:nvSpPr>
+                <p:cNvPr id="111" name="Rechteck: abgerundete Ecken 110">
+                  <a:extLst>
+                    <a:ext uri="{FF2B5EF4-FFF2-40B4-BE49-F238E27FC236}">
+                      <a16:creationId xmlns:a16="http://schemas.microsoft.com/office/drawing/2014/main" id="{45EEE637-686B-4D5C-9FE2-9F264863132C}"/>
+                    </a:ext>
+                  </a:extLst>
+                </p:cNvPr>
+                <p:cNvSpPr/>
+                <p:nvPr/>
+              </p:nvSpPr>
+              <p:spPr>
+                <a:xfrm>
+                  <a:off x="2060017" y="2036426"/>
+                  <a:ext cx="547909" cy="260060"/>
+                </a:xfrm>
+                <a:prstGeom prst="roundRect">
+                  <a:avLst/>
+                </a:prstGeom>
+                <a:ln/>
+              </p:spPr>
+              <p:style>
+                <a:lnRef idx="1">
+                  <a:schemeClr val="accent5"/>
+                </a:lnRef>
+                <a:fillRef idx="2">
+                  <a:schemeClr val="accent5"/>
+                </a:fillRef>
+                <a:effectRef idx="1">
+                  <a:schemeClr val="accent5"/>
+                </a:effectRef>
+                <a:fontRef idx="minor">
+                  <a:schemeClr val="dk1"/>
+                </a:fontRef>
+              </p:style>
+              <p:txBody>
+                <a:bodyPr rtlCol="0" anchor="ctr"/>
+                <a:lstStyle/>
+                <a:p>
+                  <a:pPr algn="ctr"/>
+                  <a:r>
+                    <a:rPr lang="de-DE" sz="1200" dirty="0">
+                      <a:solidFill>
+                        <a:schemeClr val="tx1"/>
+                      </a:solidFill>
+                    </a:rPr>
+                    <a:t>TF42</a:t>
+                  </a:r>
+                  <a:endParaRPr lang="de-DE" dirty="0">
+                    <a:solidFill>
+                      <a:schemeClr val="tx1"/>
+                    </a:solidFill>
+                  </a:endParaRPr>
+                </a:p>
+              </p:txBody>
+            </p:sp>
+          </p:grpSp>
+        </p:grpSp>
+        <p:grpSp>
+          <p:nvGrpSpPr>
+            <p:cNvPr id="88" name="Gruppieren 87">
+              <a:extLst>
+                <a:ext uri="{FF2B5EF4-FFF2-40B4-BE49-F238E27FC236}">
+                  <a16:creationId xmlns:a16="http://schemas.microsoft.com/office/drawing/2014/main" id="{AD5EC664-03B2-4829-B94F-B4564A6861DD}"/>
+                </a:ext>
+              </a:extLst>
+            </p:cNvPr>
+            <p:cNvGrpSpPr/>
+            <p:nvPr/>
+          </p:nvGrpSpPr>
+          <p:grpSpPr>
+            <a:xfrm>
+              <a:off x="8805756" y="843094"/>
+              <a:ext cx="2080470" cy="4030910"/>
+              <a:chOff x="1224793" y="956345"/>
+              <a:chExt cx="1677798" cy="3565321"/>
+            </a:xfrm>
+          </p:grpSpPr>
+          <p:sp>
+            <p:nvSpPr>
+              <p:cNvPr id="89" name="Rechteck: abgerundete Ecken 88">
+                <a:extLst>
+                  <a:ext uri="{FF2B5EF4-FFF2-40B4-BE49-F238E27FC236}">
+                    <a16:creationId xmlns:a16="http://schemas.microsoft.com/office/drawing/2014/main" id="{3577ABB2-F0A5-4B2C-8BA0-0DA249AC4D61}"/>
+                  </a:ext>
+                </a:extLst>
+              </p:cNvPr>
+              <p:cNvSpPr/>
+              <p:nvPr/>
+            </p:nvSpPr>
+            <p:spPr>
+              <a:xfrm>
+                <a:off x="1224793" y="956345"/>
+                <a:ext cx="1677798" cy="3565321"/>
+              </a:xfrm>
+              <a:prstGeom prst="roundRect">
+                <a:avLst/>
+              </a:prstGeom>
+              <a:ln/>
+            </p:spPr>
+            <p:style>
+              <a:lnRef idx="1">
+                <a:schemeClr val="accent5"/>
+              </a:lnRef>
+              <a:fillRef idx="2">
+                <a:schemeClr val="accent5"/>
+              </a:fillRef>
+              <a:effectRef idx="1">
+                <a:schemeClr val="accent5"/>
+              </a:effectRef>
+              <a:fontRef idx="minor">
+                <a:schemeClr val="dk1"/>
+              </a:fontRef>
+            </p:style>
+            <p:txBody>
+              <a:bodyPr rtlCol="0" anchor="t"/>
+              <a:lstStyle/>
+              <a:p>
+                <a:pPr algn="ctr"/>
+                <a:r>
+                  <a:rPr lang="de-DE" dirty="0"/>
+                  <a:t>Patient 19 – ROI p</a:t>
+                </a:r>
+              </a:p>
+            </p:txBody>
+          </p:sp>
+          <p:sp>
+            <p:nvSpPr>
+              <p:cNvPr id="90" name="Rechteck: abgerundete Ecken 89">
+                <a:extLst>
+                  <a:ext uri="{FF2B5EF4-FFF2-40B4-BE49-F238E27FC236}">
+                    <a16:creationId xmlns:a16="http://schemas.microsoft.com/office/drawing/2014/main" id="{79FE6544-D56C-48BF-9AD0-BD6B59444E36}"/>
+                  </a:ext>
+                </a:extLst>
+              </p:cNvPr>
+              <p:cNvSpPr/>
+              <p:nvPr/>
+            </p:nvSpPr>
+            <p:spPr>
+              <a:xfrm>
+                <a:off x="1368452" y="2543961"/>
+                <a:ext cx="1390477" cy="478173"/>
+              </a:xfrm>
+              <a:prstGeom prst="roundRect">
+                <a:avLst/>
+              </a:prstGeom>
+              <a:ln/>
+            </p:spPr>
+            <p:style>
+              <a:lnRef idx="1">
+                <a:schemeClr val="accent5"/>
+              </a:lnRef>
+              <a:fillRef idx="2">
+                <a:schemeClr val="accent5"/>
+              </a:fillRef>
+              <a:effectRef idx="1">
+                <a:schemeClr val="accent5"/>
+              </a:effectRef>
+              <a:fontRef idx="minor">
+                <a:schemeClr val="dk1"/>
+              </a:fontRef>
+            </p:style>
+            <p:txBody>
+              <a:bodyPr rtlCol="0" anchor="ctr"/>
+              <a:lstStyle/>
+              <a:p>
+                <a:pPr lvl="0" algn="ctr"/>
+                <a:r>
+                  <a:rPr lang="de-DE" sz="1200" dirty="0">
+                    <a:solidFill>
+                      <a:prstClr val="white"/>
+                    </a:solidFill>
+                  </a:rPr>
+                  <a:t>… 5 weitere Dosen …</a:t>
+                </a:r>
+              </a:p>
+            </p:txBody>
+          </p:sp>
+          <p:grpSp>
+            <p:nvGrpSpPr>
+              <p:cNvPr id="91" name="Gruppieren 90">
+                <a:extLst>
+                  <a:ext uri="{FF2B5EF4-FFF2-40B4-BE49-F238E27FC236}">
+                    <a16:creationId xmlns:a16="http://schemas.microsoft.com/office/drawing/2014/main" id="{271B1D98-680A-453B-A427-917E88DA2957}"/>
+                  </a:ext>
+                </a:extLst>
+              </p:cNvPr>
+              <p:cNvGrpSpPr/>
+              <p:nvPr/>
+            </p:nvGrpSpPr>
+            <p:grpSpPr>
+              <a:xfrm>
+                <a:off x="1368453" y="1421932"/>
+                <a:ext cx="1390477" cy="1044431"/>
+                <a:chOff x="1368453" y="1421932"/>
+                <a:chExt cx="1390477" cy="1044431"/>
+              </a:xfrm>
+            </p:grpSpPr>
+            <p:sp>
+              <p:nvSpPr>
+                <p:cNvPr id="98" name="Rechteck: abgerundete Ecken 97">
+                  <a:extLst>
+                    <a:ext uri="{FF2B5EF4-FFF2-40B4-BE49-F238E27FC236}">
+                      <a16:creationId xmlns:a16="http://schemas.microsoft.com/office/drawing/2014/main" id="{BD9AA82F-7D4C-40B8-A38C-E1C707A15CE6}"/>
+                    </a:ext>
+                  </a:extLst>
+                </p:cNvPr>
+                <p:cNvSpPr/>
+                <p:nvPr/>
+              </p:nvSpPr>
+              <p:spPr>
+                <a:xfrm>
+                  <a:off x="1368453" y="1421932"/>
+                  <a:ext cx="1390477" cy="1044431"/>
+                </a:xfrm>
+                <a:prstGeom prst="roundRect">
+                  <a:avLst/>
+                </a:prstGeom>
+                <a:ln/>
+              </p:spPr>
+              <p:style>
+                <a:lnRef idx="1">
+                  <a:schemeClr val="accent5"/>
+                </a:lnRef>
+                <a:fillRef idx="2">
+                  <a:schemeClr val="accent5"/>
+                </a:fillRef>
+                <a:effectRef idx="1">
+                  <a:schemeClr val="accent5"/>
+                </a:effectRef>
+                <a:fontRef idx="minor">
+                  <a:schemeClr val="dk1"/>
+                </a:fontRef>
+              </p:style>
+              <p:txBody>
+                <a:bodyPr rtlCol="0" anchor="t"/>
+                <a:lstStyle/>
+                <a:p>
+                  <a:pPr algn="ctr"/>
+                  <a:r>
+                    <a:rPr lang="de-DE" sz="1000" dirty="0"/>
+                    <a:t>Dose 3.5</a:t>
+                  </a:r>
+                </a:p>
+              </p:txBody>
+            </p:sp>
+            <p:sp>
+              <p:nvSpPr>
+                <p:cNvPr id="99" name="Rechteck: abgerundete Ecken 98">
+                  <a:extLst>
+                    <a:ext uri="{FF2B5EF4-FFF2-40B4-BE49-F238E27FC236}">
+                      <a16:creationId xmlns:a16="http://schemas.microsoft.com/office/drawing/2014/main" id="{1D2B1EC2-5B72-4EC8-B108-0E0AD0B0A992}"/>
+                    </a:ext>
+                  </a:extLst>
+                </p:cNvPr>
+                <p:cNvSpPr/>
+                <p:nvPr/>
+              </p:nvSpPr>
+              <p:spPr>
+                <a:xfrm>
+                  <a:off x="1440281" y="1684089"/>
+                  <a:ext cx="547909" cy="260060"/>
+                </a:xfrm>
+                <a:prstGeom prst="roundRect">
+                  <a:avLst/>
+                </a:prstGeom>
+                <a:ln/>
+              </p:spPr>
+              <p:style>
+                <a:lnRef idx="1">
+                  <a:schemeClr val="accent5"/>
+                </a:lnRef>
+                <a:fillRef idx="2">
+                  <a:schemeClr val="accent5"/>
+                </a:fillRef>
+                <a:effectRef idx="1">
+                  <a:schemeClr val="accent5"/>
+                </a:effectRef>
+                <a:fontRef idx="minor">
+                  <a:schemeClr val="dk1"/>
+                </a:fontRef>
+              </p:style>
+              <p:txBody>
+                <a:bodyPr rtlCol="0" anchor="ctr"/>
+                <a:lstStyle/>
+                <a:p>
+                  <a:pPr algn="ctr"/>
+                  <a:r>
+                    <a:rPr lang="de-DE" sz="1200" dirty="0">
+                      <a:solidFill>
+                        <a:schemeClr val="tx1"/>
+                      </a:solidFill>
+                    </a:rPr>
+                    <a:t>TF1</a:t>
+                  </a:r>
+                  <a:endParaRPr lang="de-DE" dirty="0">
+                    <a:solidFill>
+                      <a:schemeClr val="tx1"/>
+                    </a:solidFill>
+                  </a:endParaRPr>
+                </a:p>
+              </p:txBody>
+            </p:sp>
+            <p:sp>
+              <p:nvSpPr>
+                <p:cNvPr id="100" name="Rechteck: abgerundete Ecken 99">
+                  <a:extLst>
+                    <a:ext uri="{FF2B5EF4-FFF2-40B4-BE49-F238E27FC236}">
+                      <a16:creationId xmlns:a16="http://schemas.microsoft.com/office/drawing/2014/main" id="{DB08E345-21C2-4865-B5D0-B7EA98852067}"/>
+                    </a:ext>
+                  </a:extLst>
+                </p:cNvPr>
+                <p:cNvSpPr/>
+                <p:nvPr/>
+              </p:nvSpPr>
+              <p:spPr>
+                <a:xfrm>
+                  <a:off x="2060017" y="1684089"/>
+                  <a:ext cx="547909" cy="260060"/>
+                </a:xfrm>
+                <a:prstGeom prst="roundRect">
+                  <a:avLst/>
+                </a:prstGeom>
+                <a:ln/>
+              </p:spPr>
+              <p:style>
+                <a:lnRef idx="1">
+                  <a:schemeClr val="accent5"/>
+                </a:lnRef>
+                <a:fillRef idx="2">
+                  <a:schemeClr val="accent5"/>
+                </a:fillRef>
+                <a:effectRef idx="1">
+                  <a:schemeClr val="accent5"/>
+                </a:effectRef>
+                <a:fontRef idx="minor">
+                  <a:schemeClr val="dk1"/>
+                </a:fontRef>
+              </p:style>
+              <p:txBody>
+                <a:bodyPr rtlCol="0" anchor="ctr"/>
+                <a:lstStyle/>
+                <a:p>
+                  <a:pPr algn="ctr"/>
+                  <a:r>
+                    <a:rPr lang="de-DE" sz="1200" dirty="0">
+                      <a:solidFill>
+                        <a:schemeClr val="tx1"/>
+                      </a:solidFill>
+                    </a:rPr>
+                    <a:t>TF2</a:t>
+                  </a:r>
+                  <a:endParaRPr lang="de-DE" dirty="0">
+                    <a:solidFill>
+                      <a:schemeClr val="tx1"/>
+                    </a:solidFill>
+                  </a:endParaRPr>
+                </a:p>
+              </p:txBody>
+            </p:sp>
+            <p:sp>
+              <p:nvSpPr>
+                <p:cNvPr id="101" name="Rechteck: abgerundete Ecken 100">
+                  <a:extLst>
+                    <a:ext uri="{FF2B5EF4-FFF2-40B4-BE49-F238E27FC236}">
+                      <a16:creationId xmlns:a16="http://schemas.microsoft.com/office/drawing/2014/main" id="{3BB24C21-0610-4FE2-9828-E5CCB20E99C7}"/>
+                    </a:ext>
+                  </a:extLst>
+                </p:cNvPr>
+                <p:cNvSpPr/>
+                <p:nvPr/>
+              </p:nvSpPr>
+              <p:spPr>
+                <a:xfrm>
+                  <a:off x="1440281" y="2033280"/>
+                  <a:ext cx="547909" cy="260060"/>
+                </a:xfrm>
+                <a:prstGeom prst="roundRect">
+                  <a:avLst/>
+                </a:prstGeom>
+                <a:ln/>
+              </p:spPr>
+              <p:style>
+                <a:lnRef idx="1">
+                  <a:schemeClr val="accent5"/>
+                </a:lnRef>
+                <a:fillRef idx="2">
+                  <a:schemeClr val="accent5"/>
+                </a:fillRef>
+                <a:effectRef idx="1">
+                  <a:schemeClr val="accent5"/>
+                </a:effectRef>
+                <a:fontRef idx="minor">
+                  <a:schemeClr val="dk1"/>
+                </a:fontRef>
+              </p:style>
+              <p:txBody>
+                <a:bodyPr rtlCol="0" anchor="ctr"/>
+                <a:lstStyle/>
+                <a:p>
+                  <a:pPr algn="ctr"/>
+                  <a:r>
+                    <a:rPr lang="de-DE" sz="1200" dirty="0">
+                      <a:solidFill>
+                        <a:schemeClr val="tx1"/>
+                      </a:solidFill>
+                    </a:rPr>
+                    <a:t>…</a:t>
+                  </a:r>
+                  <a:endParaRPr lang="de-DE" dirty="0">
+                    <a:solidFill>
+                      <a:schemeClr val="tx1"/>
+                    </a:solidFill>
+                  </a:endParaRPr>
+                </a:p>
+              </p:txBody>
+            </p:sp>
+            <p:sp>
+              <p:nvSpPr>
+                <p:cNvPr id="102" name="Rechteck: abgerundete Ecken 101">
+                  <a:extLst>
+                    <a:ext uri="{FF2B5EF4-FFF2-40B4-BE49-F238E27FC236}">
+                      <a16:creationId xmlns:a16="http://schemas.microsoft.com/office/drawing/2014/main" id="{475EE0F3-E598-4673-BFDF-BE73995458CA}"/>
+                    </a:ext>
+                  </a:extLst>
+                </p:cNvPr>
+                <p:cNvSpPr/>
+                <p:nvPr/>
+              </p:nvSpPr>
+              <p:spPr>
+                <a:xfrm>
+                  <a:off x="2060017" y="2036426"/>
+                  <a:ext cx="547909" cy="260060"/>
+                </a:xfrm>
+                <a:prstGeom prst="roundRect">
+                  <a:avLst/>
+                </a:prstGeom>
+                <a:ln/>
+              </p:spPr>
+              <p:style>
+                <a:lnRef idx="1">
+                  <a:schemeClr val="accent5"/>
+                </a:lnRef>
+                <a:fillRef idx="2">
+                  <a:schemeClr val="accent5"/>
+                </a:fillRef>
+                <a:effectRef idx="1">
+                  <a:schemeClr val="accent5"/>
+                </a:effectRef>
+                <a:fontRef idx="minor">
+                  <a:schemeClr val="dk1"/>
+                </a:fontRef>
+              </p:style>
+              <p:txBody>
+                <a:bodyPr rtlCol="0" anchor="ctr"/>
+                <a:lstStyle/>
+                <a:p>
+                  <a:pPr algn="ctr"/>
+                  <a:r>
+                    <a:rPr lang="de-DE" sz="1200" dirty="0">
+                      <a:solidFill>
+                        <a:schemeClr val="tx1"/>
+                      </a:solidFill>
+                    </a:rPr>
+                    <a:t>TF42</a:t>
+                  </a:r>
+                  <a:endParaRPr lang="de-DE" dirty="0">
+                    <a:solidFill>
+                      <a:schemeClr val="tx1"/>
+                    </a:solidFill>
+                  </a:endParaRPr>
+                </a:p>
+              </p:txBody>
+            </p:sp>
+          </p:grpSp>
+          <p:grpSp>
+            <p:nvGrpSpPr>
+              <p:cNvPr id="92" name="Gruppieren 91">
+                <a:extLst>
+                  <a:ext uri="{FF2B5EF4-FFF2-40B4-BE49-F238E27FC236}">
+                    <a16:creationId xmlns:a16="http://schemas.microsoft.com/office/drawing/2014/main" id="{A05911E1-6636-4E12-88B8-9564C257E969}"/>
+                  </a:ext>
+                </a:extLst>
+              </p:cNvPr>
+              <p:cNvGrpSpPr/>
+              <p:nvPr/>
+            </p:nvGrpSpPr>
+            <p:grpSpPr>
+              <a:xfrm>
+                <a:off x="1364778" y="3099732"/>
+                <a:ext cx="1390477" cy="1044431"/>
+                <a:chOff x="1368453" y="1421932"/>
+                <a:chExt cx="1390477" cy="1044431"/>
+              </a:xfrm>
+            </p:grpSpPr>
+            <p:sp>
+              <p:nvSpPr>
+                <p:cNvPr id="93" name="Rechteck: abgerundete Ecken 92">
+                  <a:extLst>
+                    <a:ext uri="{FF2B5EF4-FFF2-40B4-BE49-F238E27FC236}">
+                      <a16:creationId xmlns:a16="http://schemas.microsoft.com/office/drawing/2014/main" id="{77512F47-0554-465B-A79B-9927F0C55558}"/>
+                    </a:ext>
+                  </a:extLst>
+                </p:cNvPr>
+                <p:cNvSpPr/>
+                <p:nvPr/>
+              </p:nvSpPr>
+              <p:spPr>
+                <a:xfrm>
+                  <a:off x="1368453" y="1421932"/>
+                  <a:ext cx="1390477" cy="1044431"/>
+                </a:xfrm>
+                <a:prstGeom prst="roundRect">
+                  <a:avLst/>
+                </a:prstGeom>
+                <a:ln/>
+              </p:spPr>
+              <p:style>
+                <a:lnRef idx="1">
+                  <a:schemeClr val="accent5"/>
+                </a:lnRef>
+                <a:fillRef idx="2">
+                  <a:schemeClr val="accent5"/>
+                </a:fillRef>
+                <a:effectRef idx="1">
+                  <a:schemeClr val="accent5"/>
+                </a:effectRef>
+                <a:fontRef idx="minor">
+                  <a:schemeClr val="dk1"/>
+                </a:fontRef>
+              </p:style>
+              <p:txBody>
+                <a:bodyPr rtlCol="0" anchor="t"/>
+                <a:lstStyle/>
+                <a:p>
+                  <a:pPr algn="ctr"/>
+                  <a:r>
+                    <a:rPr lang="de-DE" sz="1000" dirty="0"/>
+                    <a:t>Dose 0.5</a:t>
+                  </a:r>
+                </a:p>
+              </p:txBody>
+            </p:sp>
+            <p:sp>
+              <p:nvSpPr>
+                <p:cNvPr id="94" name="Rechteck: abgerundete Ecken 93">
+                  <a:extLst>
+                    <a:ext uri="{FF2B5EF4-FFF2-40B4-BE49-F238E27FC236}">
+                      <a16:creationId xmlns:a16="http://schemas.microsoft.com/office/drawing/2014/main" id="{C2613478-57E5-46EE-B86E-D1149D60396B}"/>
+                    </a:ext>
+                  </a:extLst>
+                </p:cNvPr>
+                <p:cNvSpPr/>
+                <p:nvPr/>
+              </p:nvSpPr>
+              <p:spPr>
+                <a:xfrm>
+                  <a:off x="1440281" y="1684089"/>
+                  <a:ext cx="547909" cy="260060"/>
+                </a:xfrm>
+                <a:prstGeom prst="roundRect">
+                  <a:avLst/>
+                </a:prstGeom>
+                <a:ln/>
+              </p:spPr>
+              <p:style>
+                <a:lnRef idx="1">
+                  <a:schemeClr val="accent5"/>
+                </a:lnRef>
+                <a:fillRef idx="2">
+                  <a:schemeClr val="accent5"/>
+                </a:fillRef>
+                <a:effectRef idx="1">
+                  <a:schemeClr val="accent5"/>
+                </a:effectRef>
+                <a:fontRef idx="minor">
+                  <a:schemeClr val="dk1"/>
+                </a:fontRef>
+              </p:style>
+              <p:txBody>
+                <a:bodyPr rtlCol="0" anchor="ctr"/>
+                <a:lstStyle/>
+                <a:p>
+                  <a:pPr algn="ctr"/>
+                  <a:r>
+                    <a:rPr lang="de-DE" sz="1200" dirty="0">
+                      <a:solidFill>
+                        <a:schemeClr val="tx1"/>
+                      </a:solidFill>
+                    </a:rPr>
+                    <a:t>TF1</a:t>
+                  </a:r>
+                  <a:endParaRPr lang="de-DE" dirty="0">
+                    <a:solidFill>
+                      <a:schemeClr val="tx1"/>
+                    </a:solidFill>
+                  </a:endParaRPr>
+                </a:p>
+              </p:txBody>
+            </p:sp>
+            <p:sp>
+              <p:nvSpPr>
+                <p:cNvPr id="95" name="Rechteck: abgerundete Ecken 94">
+                  <a:extLst>
+                    <a:ext uri="{FF2B5EF4-FFF2-40B4-BE49-F238E27FC236}">
+                      <a16:creationId xmlns:a16="http://schemas.microsoft.com/office/drawing/2014/main" id="{52147555-4267-47FF-927B-996EB5A268E7}"/>
+                    </a:ext>
+                  </a:extLst>
+                </p:cNvPr>
+                <p:cNvSpPr/>
+                <p:nvPr/>
+              </p:nvSpPr>
+              <p:spPr>
+                <a:xfrm>
+                  <a:off x="2060017" y="1684089"/>
+                  <a:ext cx="547909" cy="260060"/>
+                </a:xfrm>
+                <a:prstGeom prst="roundRect">
+                  <a:avLst/>
+                </a:prstGeom>
+                <a:ln/>
+              </p:spPr>
+              <p:style>
+                <a:lnRef idx="1">
+                  <a:schemeClr val="accent5"/>
+                </a:lnRef>
+                <a:fillRef idx="2">
+                  <a:schemeClr val="accent5"/>
+                </a:fillRef>
+                <a:effectRef idx="1">
+                  <a:schemeClr val="accent5"/>
+                </a:effectRef>
+                <a:fontRef idx="minor">
+                  <a:schemeClr val="dk1"/>
+                </a:fontRef>
+              </p:style>
+              <p:txBody>
+                <a:bodyPr rtlCol="0" anchor="ctr"/>
+                <a:lstStyle/>
+                <a:p>
+                  <a:pPr algn="ctr"/>
+                  <a:r>
+                    <a:rPr lang="de-DE" sz="1200" dirty="0">
+                      <a:solidFill>
+                        <a:schemeClr val="tx1"/>
+                      </a:solidFill>
+                    </a:rPr>
+                    <a:t>TF2</a:t>
+                  </a:r>
+                  <a:endParaRPr lang="de-DE" dirty="0">
+                    <a:solidFill>
+                      <a:schemeClr val="tx1"/>
+                    </a:solidFill>
+                  </a:endParaRPr>
+                </a:p>
+              </p:txBody>
+            </p:sp>
+            <p:sp>
+              <p:nvSpPr>
+                <p:cNvPr id="96" name="Rechteck: abgerundete Ecken 95">
+                  <a:extLst>
+                    <a:ext uri="{FF2B5EF4-FFF2-40B4-BE49-F238E27FC236}">
+                      <a16:creationId xmlns:a16="http://schemas.microsoft.com/office/drawing/2014/main" id="{6FCCD018-22AA-4EEE-8133-03DE3808F1EB}"/>
+                    </a:ext>
+                  </a:extLst>
+                </p:cNvPr>
+                <p:cNvSpPr/>
+                <p:nvPr/>
+              </p:nvSpPr>
+              <p:spPr>
+                <a:xfrm>
+                  <a:off x="1440281" y="2033280"/>
+                  <a:ext cx="547909" cy="260060"/>
+                </a:xfrm>
+                <a:prstGeom prst="roundRect">
+                  <a:avLst/>
+                </a:prstGeom>
+                <a:ln/>
+              </p:spPr>
+              <p:style>
+                <a:lnRef idx="1">
+                  <a:schemeClr val="accent5"/>
+                </a:lnRef>
+                <a:fillRef idx="2">
+                  <a:schemeClr val="accent5"/>
+                </a:fillRef>
+                <a:effectRef idx="1">
+                  <a:schemeClr val="accent5"/>
+                </a:effectRef>
+                <a:fontRef idx="minor">
+                  <a:schemeClr val="dk1"/>
+                </a:fontRef>
+              </p:style>
+              <p:txBody>
+                <a:bodyPr rtlCol="0" anchor="ctr"/>
+                <a:lstStyle/>
+                <a:p>
+                  <a:pPr algn="ctr"/>
+                  <a:r>
+                    <a:rPr lang="de-DE" sz="1200" dirty="0">
+                      <a:solidFill>
+                        <a:schemeClr val="tx1"/>
+                      </a:solidFill>
+                    </a:rPr>
+                    <a:t>…</a:t>
+                  </a:r>
+                  <a:endParaRPr lang="de-DE" dirty="0">
+                    <a:solidFill>
+                      <a:schemeClr val="tx1"/>
+                    </a:solidFill>
+                  </a:endParaRPr>
+                </a:p>
+              </p:txBody>
+            </p:sp>
+            <p:sp>
+              <p:nvSpPr>
+                <p:cNvPr id="97" name="Rechteck: abgerundete Ecken 96">
+                  <a:extLst>
+                    <a:ext uri="{FF2B5EF4-FFF2-40B4-BE49-F238E27FC236}">
+                      <a16:creationId xmlns:a16="http://schemas.microsoft.com/office/drawing/2014/main" id="{B8566C7C-8FC4-40FE-948B-BF3737EF9D08}"/>
+                    </a:ext>
+                  </a:extLst>
+                </p:cNvPr>
+                <p:cNvSpPr/>
+                <p:nvPr/>
+              </p:nvSpPr>
+              <p:spPr>
+                <a:xfrm>
+                  <a:off x="2060017" y="2036426"/>
+                  <a:ext cx="547909" cy="260060"/>
+                </a:xfrm>
+                <a:prstGeom prst="roundRect">
+                  <a:avLst/>
+                </a:prstGeom>
+                <a:ln/>
+              </p:spPr>
+              <p:style>
+                <a:lnRef idx="1">
+                  <a:schemeClr val="accent5"/>
+                </a:lnRef>
+                <a:fillRef idx="2">
+                  <a:schemeClr val="accent5"/>
+                </a:fillRef>
+                <a:effectRef idx="1">
+                  <a:schemeClr val="accent5"/>
+                </a:effectRef>
+                <a:fontRef idx="minor">
+                  <a:schemeClr val="dk1"/>
+                </a:fontRef>
+              </p:style>
+              <p:txBody>
+                <a:bodyPr rtlCol="0" anchor="ctr"/>
+                <a:lstStyle/>
+                <a:p>
+                  <a:pPr algn="ctr"/>
+                  <a:r>
+                    <a:rPr lang="de-DE" sz="1200" dirty="0">
+                      <a:solidFill>
+                        <a:schemeClr val="tx1"/>
+                      </a:solidFill>
+                    </a:rPr>
+                    <a:t>TF42</a:t>
+                  </a:r>
+                  <a:endParaRPr lang="de-DE" dirty="0">
+                    <a:solidFill>
+                      <a:schemeClr val="tx1"/>
+                    </a:solidFill>
+                  </a:endParaRPr>
+                </a:p>
+              </p:txBody>
+            </p:sp>
+          </p:grpSp>
+        </p:grpSp>
+      </p:grpSp>
+      <p:grpSp>
+        <p:nvGrpSpPr>
+          <p:cNvPr id="3" name="Gruppieren 2">
+            <a:extLst>
+              <a:ext uri="{FF2B5EF4-FFF2-40B4-BE49-F238E27FC236}">
+                <a16:creationId xmlns:a16="http://schemas.microsoft.com/office/drawing/2014/main" id="{1CB3A14A-7062-473D-BFB2-056059B9F9C7}"/>
+              </a:ext>
+            </a:extLst>
+          </p:cNvPr>
+          <p:cNvGrpSpPr/>
+          <p:nvPr/>
+        </p:nvGrpSpPr>
+        <p:grpSpPr>
+          <a:xfrm>
+            <a:off x="802281" y="966587"/>
+            <a:ext cx="9627877" cy="4030911"/>
+            <a:chOff x="1258349" y="843093"/>
+            <a:chExt cx="9627877" cy="4030911"/>
+          </a:xfrm>
+        </p:grpSpPr>
+        <p:sp>
+          <p:nvSpPr>
+            <p:cNvPr id="7" name="Rechteck 6">
+              <a:extLst>
+                <a:ext uri="{FF2B5EF4-FFF2-40B4-BE49-F238E27FC236}">
+                  <a16:creationId xmlns:a16="http://schemas.microsoft.com/office/drawing/2014/main" id="{1D9A9778-E9DA-4A02-8B6C-8C5B434A67D5}"/>
+                </a:ext>
+              </a:extLst>
+            </p:cNvPr>
+            <p:cNvSpPr/>
+            <p:nvPr/>
+          </p:nvSpPr>
+          <p:spPr>
+            <a:xfrm>
+              <a:off x="6241409" y="2371986"/>
+              <a:ext cx="2153287" cy="673400"/>
+            </a:xfrm>
+            <a:prstGeom prst="rect">
+              <a:avLst/>
+            </a:prstGeom>
+          </p:spPr>
+          <p:style>
+            <a:lnRef idx="2">
+              <a:schemeClr val="accent1">
+                <a:shade val="50000"/>
+              </a:schemeClr>
+            </a:lnRef>
+            <a:fillRef idx="1">
+              <a:schemeClr val="accent1"/>
+            </a:fillRef>
+            <a:effectRef idx="0">
+              <a:schemeClr val="accent1"/>
+            </a:effectRef>
+            <a:fontRef idx="minor">
+              <a:schemeClr val="lt1"/>
+            </a:fontRef>
+          </p:style>
+          <p:txBody>
+            <a:bodyPr rtlCol="0" anchor="ctr"/>
+            <a:lstStyle/>
+            <a:p>
+              <a:pPr lvl="0" algn="ctr"/>
+              <a:r>
+                <a:rPr lang="de-DE" sz="1500" dirty="0">
+                  <a:solidFill>
+                    <a:prstClr val="white"/>
+                  </a:solidFill>
+                </a:rPr>
+                <a:t>… 16 weitere Patienten …</a:t>
+              </a:r>
+            </a:p>
+          </p:txBody>
+        </p:sp>
+        <p:grpSp>
+          <p:nvGrpSpPr>
+            <p:cNvPr id="23" name="Gruppieren 22">
+              <a:extLst>
+                <a:ext uri="{FF2B5EF4-FFF2-40B4-BE49-F238E27FC236}">
+                  <a16:creationId xmlns:a16="http://schemas.microsoft.com/office/drawing/2014/main" id="{F970D5B1-E3F8-4C18-AD01-9227F934D6D9}"/>
+                </a:ext>
+              </a:extLst>
+            </p:cNvPr>
+            <p:cNvGrpSpPr/>
+            <p:nvPr/>
+          </p:nvGrpSpPr>
+          <p:grpSpPr>
+            <a:xfrm>
+              <a:off x="1258349" y="843093"/>
+              <a:ext cx="2080470" cy="4030908"/>
+              <a:chOff x="1224793" y="956345"/>
+              <a:chExt cx="1677798" cy="3565321"/>
+            </a:xfrm>
+          </p:grpSpPr>
+          <p:sp>
+            <p:nvSpPr>
+              <p:cNvPr id="4" name="Rechteck: abgerundete Ecken 3">
+                <a:extLst>
+                  <a:ext uri="{FF2B5EF4-FFF2-40B4-BE49-F238E27FC236}">
+                    <a16:creationId xmlns:a16="http://schemas.microsoft.com/office/drawing/2014/main" id="{8FAFE8AC-7C85-4D62-B131-0DBEA0D03875}"/>
+                  </a:ext>
+                </a:extLst>
+              </p:cNvPr>
+              <p:cNvSpPr/>
+              <p:nvPr/>
+            </p:nvSpPr>
+            <p:spPr>
+              <a:xfrm>
+                <a:off x="1224793" y="956345"/>
+                <a:ext cx="1677798" cy="3565321"/>
+              </a:xfrm>
+              <a:prstGeom prst="roundRect">
+                <a:avLst/>
+              </a:prstGeom>
+              <a:solidFill>
+                <a:schemeClr val="accent5">
+                  <a:lumMod val="75000"/>
+                </a:schemeClr>
+              </a:solidFill>
+            </p:spPr>
+            <p:style>
+              <a:lnRef idx="2">
+                <a:schemeClr val="accent1">
+                  <a:shade val="50000"/>
+                </a:schemeClr>
+              </a:lnRef>
+              <a:fillRef idx="1">
+                <a:schemeClr val="accent1"/>
+              </a:fillRef>
+              <a:effectRef idx="0">
+                <a:schemeClr val="accent1"/>
+              </a:effectRef>
+              <a:fontRef idx="minor">
+                <a:schemeClr val="lt1"/>
+              </a:fontRef>
+            </p:style>
+            <p:txBody>
+              <a:bodyPr rtlCol="0" anchor="t"/>
+              <a:lstStyle/>
+              <a:p>
+                <a:pPr algn="ctr"/>
+                <a:r>
+                  <a:rPr lang="de-DE" dirty="0"/>
+                  <a:t>Patient 1 – ROI 1</a:t>
+                </a:r>
+              </a:p>
+            </p:txBody>
+          </p:sp>
+          <p:sp>
+            <p:nvSpPr>
+              <p:cNvPr id="9" name="Rechteck: abgerundete Ecken 8">
+                <a:extLst>
+                  <a:ext uri="{FF2B5EF4-FFF2-40B4-BE49-F238E27FC236}">
+                    <a16:creationId xmlns:a16="http://schemas.microsoft.com/office/drawing/2014/main" id="{FE7B439F-E1A2-4C5E-86E5-59709FFADE9E}"/>
+                  </a:ext>
+                </a:extLst>
+              </p:cNvPr>
+              <p:cNvSpPr/>
+              <p:nvPr/>
+            </p:nvSpPr>
+            <p:spPr>
+              <a:xfrm>
+                <a:off x="1368452" y="2543961"/>
+                <a:ext cx="1390477" cy="478173"/>
+              </a:xfrm>
+              <a:prstGeom prst="roundRect">
+                <a:avLst/>
+              </a:prstGeom>
+              <a:ln>
+                <a:solidFill>
+                  <a:schemeClr val="bg2">
+                    <a:lumMod val="10000"/>
+                  </a:schemeClr>
+                </a:solidFill>
+              </a:ln>
+            </p:spPr>
+            <p:style>
+              <a:lnRef idx="2">
+                <a:schemeClr val="accent5">
+                  <a:shade val="50000"/>
+                </a:schemeClr>
+              </a:lnRef>
+              <a:fillRef idx="1">
+                <a:schemeClr val="accent5"/>
+              </a:fillRef>
+              <a:effectRef idx="0">
+                <a:schemeClr val="accent5"/>
+              </a:effectRef>
+              <a:fontRef idx="minor">
+                <a:schemeClr val="lt1"/>
+              </a:fontRef>
+            </p:style>
+            <p:txBody>
+              <a:bodyPr rtlCol="0" anchor="ctr"/>
+              <a:lstStyle/>
+              <a:p>
+                <a:pPr lvl="0" algn="ctr"/>
+                <a:r>
+                  <a:rPr lang="de-DE" sz="1200" dirty="0">
+                    <a:solidFill>
+                      <a:prstClr val="white"/>
+                    </a:solidFill>
+                  </a:rPr>
+                  <a:t>… 9 weitere simulierte Dosen …</a:t>
+                </a:r>
+              </a:p>
+            </p:txBody>
+          </p:sp>
+          <p:grpSp>
+            <p:nvGrpSpPr>
+              <p:cNvPr id="16" name="Gruppieren 15">
+                <a:extLst>
+                  <a:ext uri="{FF2B5EF4-FFF2-40B4-BE49-F238E27FC236}">
+                    <a16:creationId xmlns:a16="http://schemas.microsoft.com/office/drawing/2014/main" id="{468D5136-5AC5-4D60-8DBD-F20F91E28059}"/>
+                  </a:ext>
+                </a:extLst>
+              </p:cNvPr>
+              <p:cNvGrpSpPr/>
+              <p:nvPr/>
+            </p:nvGrpSpPr>
+            <p:grpSpPr>
+              <a:xfrm>
+                <a:off x="1368453" y="1421932"/>
+                <a:ext cx="1390477" cy="1044431"/>
+                <a:chOff x="1368453" y="1421932"/>
+                <a:chExt cx="1390477" cy="1044431"/>
+              </a:xfrm>
+            </p:grpSpPr>
+            <p:sp>
+              <p:nvSpPr>
+                <p:cNvPr id="8" name="Rechteck: abgerundete Ecken 7">
+                  <a:extLst>
+                    <a:ext uri="{FF2B5EF4-FFF2-40B4-BE49-F238E27FC236}">
+                      <a16:creationId xmlns:a16="http://schemas.microsoft.com/office/drawing/2014/main" id="{C90409C3-8D0C-4E89-BAF7-2BAF6920D654}"/>
+                    </a:ext>
+                  </a:extLst>
+                </p:cNvPr>
+                <p:cNvSpPr/>
+                <p:nvPr/>
+              </p:nvSpPr>
+              <p:spPr>
+                <a:xfrm>
+                  <a:off x="1368453" y="1421932"/>
+                  <a:ext cx="1390477" cy="1044431"/>
+                </a:xfrm>
+                <a:prstGeom prst="roundRect">
+                  <a:avLst/>
+                </a:prstGeom>
+                <a:solidFill>
+                  <a:schemeClr val="accent1">
+                    <a:lumMod val="50000"/>
+                  </a:schemeClr>
+                </a:solidFill>
+                <a:ln>
+                  <a:solidFill>
+                    <a:schemeClr val="bg2">
+                      <a:lumMod val="10000"/>
+                    </a:schemeClr>
+                  </a:solidFill>
+                </a:ln>
+              </p:spPr>
+              <p:style>
+                <a:lnRef idx="2">
+                  <a:schemeClr val="dk1">
+                    <a:shade val="50000"/>
+                  </a:schemeClr>
+                </a:lnRef>
+                <a:fillRef idx="1">
+                  <a:schemeClr val="dk1"/>
+                </a:fillRef>
+                <a:effectRef idx="0">
+                  <a:schemeClr val="dk1"/>
+                </a:effectRef>
+                <a:fontRef idx="minor">
+                  <a:schemeClr val="lt1"/>
+                </a:fontRef>
+              </p:style>
+              <p:txBody>
+                <a:bodyPr rtlCol="0" anchor="t"/>
+                <a:lstStyle/>
+                <a:p>
+                  <a:pPr algn="ctr"/>
+                  <a:r>
+                    <a:rPr lang="de-DE" sz="1000" dirty="0"/>
+                    <a:t>Dose 3.0</a:t>
+                  </a:r>
+                </a:p>
+              </p:txBody>
+            </p:sp>
+            <p:sp>
+              <p:nvSpPr>
+                <p:cNvPr id="12" name="Rechteck: abgerundete Ecken 11">
+                  <a:extLst>
+                    <a:ext uri="{FF2B5EF4-FFF2-40B4-BE49-F238E27FC236}">
+                      <a16:creationId xmlns:a16="http://schemas.microsoft.com/office/drawing/2014/main" id="{53C8FB86-682D-4453-87A0-40E8AD09B900}"/>
+                    </a:ext>
+                  </a:extLst>
+                </p:cNvPr>
+                <p:cNvSpPr/>
+                <p:nvPr/>
+              </p:nvSpPr>
+              <p:spPr>
+                <a:xfrm>
+                  <a:off x="1440281" y="1684089"/>
+                  <a:ext cx="547909" cy="260060"/>
+                </a:xfrm>
+                <a:prstGeom prst="roundRect">
+                  <a:avLst/>
+                </a:prstGeom>
+              </p:spPr>
+              <p:style>
+                <a:lnRef idx="2">
+                  <a:schemeClr val="accent4">
+                    <a:shade val="50000"/>
+                  </a:schemeClr>
+                </a:lnRef>
+                <a:fillRef idx="1">
+                  <a:schemeClr val="accent4"/>
+                </a:fillRef>
+                <a:effectRef idx="0">
+                  <a:schemeClr val="accent4"/>
+                </a:effectRef>
+                <a:fontRef idx="minor">
+                  <a:schemeClr val="lt1"/>
+                </a:fontRef>
+              </p:style>
+              <p:txBody>
+                <a:bodyPr rtlCol="0" anchor="ctr"/>
+                <a:lstStyle/>
+                <a:p>
+                  <a:pPr algn="ctr"/>
+                  <a:r>
+                    <a:rPr lang="de-DE" sz="1200" dirty="0">
+                      <a:solidFill>
+                        <a:schemeClr val="tx1"/>
+                      </a:solidFill>
+                    </a:rPr>
+                    <a:t>TF1</a:t>
+                  </a:r>
+                  <a:endParaRPr lang="de-DE" dirty="0">
+                    <a:solidFill>
+                      <a:schemeClr val="tx1"/>
+                    </a:solidFill>
+                  </a:endParaRPr>
+                </a:p>
+              </p:txBody>
+            </p:sp>
+            <p:sp>
+              <p:nvSpPr>
+                <p:cNvPr id="13" name="Rechteck: abgerundete Ecken 12">
+                  <a:extLst>
+                    <a:ext uri="{FF2B5EF4-FFF2-40B4-BE49-F238E27FC236}">
+                      <a16:creationId xmlns:a16="http://schemas.microsoft.com/office/drawing/2014/main" id="{01621A6F-615C-4B7E-B765-EFB03E5AD4A0}"/>
+                    </a:ext>
+                  </a:extLst>
+                </p:cNvPr>
+                <p:cNvSpPr/>
+                <p:nvPr/>
+              </p:nvSpPr>
+              <p:spPr>
+                <a:xfrm>
+                  <a:off x="2060017" y="1684089"/>
+                  <a:ext cx="547909" cy="260060"/>
+                </a:xfrm>
+                <a:prstGeom prst="roundRect">
+                  <a:avLst/>
+                </a:prstGeom>
+              </p:spPr>
+              <p:style>
+                <a:lnRef idx="2">
+                  <a:schemeClr val="accent4">
+                    <a:shade val="50000"/>
+                  </a:schemeClr>
+                </a:lnRef>
+                <a:fillRef idx="1">
+                  <a:schemeClr val="accent4"/>
+                </a:fillRef>
+                <a:effectRef idx="0">
+                  <a:schemeClr val="accent4"/>
+                </a:effectRef>
+                <a:fontRef idx="minor">
+                  <a:schemeClr val="lt1"/>
+                </a:fontRef>
+              </p:style>
+              <p:txBody>
+                <a:bodyPr rtlCol="0" anchor="ctr"/>
+                <a:lstStyle/>
+                <a:p>
+                  <a:pPr algn="ctr"/>
+                  <a:r>
+                    <a:rPr lang="de-DE" sz="1200" dirty="0">
+                      <a:solidFill>
+                        <a:schemeClr val="tx1"/>
+                      </a:solidFill>
+                    </a:rPr>
+                    <a:t>TF2</a:t>
+                  </a:r>
+                  <a:endParaRPr lang="de-DE" dirty="0">
+                    <a:solidFill>
+                      <a:schemeClr val="tx1"/>
+                    </a:solidFill>
+                  </a:endParaRPr>
+                </a:p>
+              </p:txBody>
+            </p:sp>
+            <p:sp>
+              <p:nvSpPr>
+                <p:cNvPr id="14" name="Rechteck: abgerundete Ecken 13">
+                  <a:extLst>
+                    <a:ext uri="{FF2B5EF4-FFF2-40B4-BE49-F238E27FC236}">
+                      <a16:creationId xmlns:a16="http://schemas.microsoft.com/office/drawing/2014/main" id="{EB6480CD-C7A6-4278-B561-953779DE0843}"/>
+                    </a:ext>
+                  </a:extLst>
+                </p:cNvPr>
+                <p:cNvSpPr/>
+                <p:nvPr/>
+              </p:nvSpPr>
+              <p:spPr>
+                <a:xfrm>
+                  <a:off x="1440281" y="2033280"/>
+                  <a:ext cx="547909" cy="260060"/>
+                </a:xfrm>
+                <a:prstGeom prst="roundRect">
+                  <a:avLst/>
+                </a:prstGeom>
+              </p:spPr>
+              <p:style>
+                <a:lnRef idx="2">
+                  <a:schemeClr val="accent4">
+                    <a:shade val="50000"/>
+                  </a:schemeClr>
+                </a:lnRef>
+                <a:fillRef idx="1">
+                  <a:schemeClr val="accent4"/>
+                </a:fillRef>
+                <a:effectRef idx="0">
+                  <a:schemeClr val="accent4"/>
+                </a:effectRef>
+                <a:fontRef idx="minor">
+                  <a:schemeClr val="lt1"/>
+                </a:fontRef>
+              </p:style>
+              <p:txBody>
+                <a:bodyPr rtlCol="0" anchor="ctr"/>
+                <a:lstStyle/>
+                <a:p>
+                  <a:pPr algn="ctr"/>
+                  <a:r>
+                    <a:rPr lang="de-DE" sz="1200" dirty="0">
+                      <a:solidFill>
+                        <a:schemeClr val="tx1"/>
+                      </a:solidFill>
+                    </a:rPr>
+                    <a:t>…</a:t>
+                  </a:r>
+                  <a:endParaRPr lang="de-DE" dirty="0">
+                    <a:solidFill>
+                      <a:schemeClr val="tx1"/>
+                    </a:solidFill>
+                  </a:endParaRPr>
+                </a:p>
+              </p:txBody>
+            </p:sp>
+            <p:sp>
+              <p:nvSpPr>
+                <p:cNvPr id="15" name="Rechteck: abgerundete Ecken 14">
+                  <a:extLst>
+                    <a:ext uri="{FF2B5EF4-FFF2-40B4-BE49-F238E27FC236}">
+                      <a16:creationId xmlns:a16="http://schemas.microsoft.com/office/drawing/2014/main" id="{5B07FBAE-40C5-4675-B251-9FE21340A298}"/>
+                    </a:ext>
+                  </a:extLst>
+                </p:cNvPr>
+                <p:cNvSpPr/>
+                <p:nvPr/>
+              </p:nvSpPr>
+              <p:spPr>
+                <a:xfrm>
+                  <a:off x="2060017" y="2036426"/>
+                  <a:ext cx="547909" cy="260060"/>
+                </a:xfrm>
+                <a:prstGeom prst="roundRect">
+                  <a:avLst/>
+                </a:prstGeom>
+              </p:spPr>
+              <p:style>
+                <a:lnRef idx="2">
+                  <a:schemeClr val="accent4">
+                    <a:shade val="50000"/>
+                  </a:schemeClr>
+                </a:lnRef>
+                <a:fillRef idx="1">
+                  <a:schemeClr val="accent4"/>
+                </a:fillRef>
+                <a:effectRef idx="0">
+                  <a:schemeClr val="accent4"/>
+                </a:effectRef>
+                <a:fontRef idx="minor">
+                  <a:schemeClr val="lt1"/>
+                </a:fontRef>
+              </p:style>
+              <p:txBody>
+                <a:bodyPr rtlCol="0" anchor="ctr"/>
+                <a:lstStyle/>
+                <a:p>
+                  <a:pPr algn="ctr"/>
+                  <a:r>
+                    <a:rPr lang="de-DE" sz="1200" dirty="0">
+                      <a:solidFill>
+                        <a:schemeClr val="tx1"/>
+                      </a:solidFill>
+                    </a:rPr>
+                    <a:t>TF42</a:t>
+                  </a:r>
+                  <a:endParaRPr lang="de-DE" dirty="0">
+                    <a:solidFill>
+                      <a:schemeClr val="tx1"/>
+                    </a:solidFill>
+                  </a:endParaRPr>
+                </a:p>
+              </p:txBody>
+            </p:sp>
+          </p:grpSp>
+          <p:grpSp>
+            <p:nvGrpSpPr>
+              <p:cNvPr id="17" name="Gruppieren 16">
+                <a:extLst>
+                  <a:ext uri="{FF2B5EF4-FFF2-40B4-BE49-F238E27FC236}">
+                    <a16:creationId xmlns:a16="http://schemas.microsoft.com/office/drawing/2014/main" id="{2FD86F3D-6D9D-4959-9F3F-C25DD16E508C}"/>
+                  </a:ext>
+                </a:extLst>
+              </p:cNvPr>
+              <p:cNvGrpSpPr/>
+              <p:nvPr/>
+            </p:nvGrpSpPr>
+            <p:grpSpPr>
+              <a:xfrm>
+                <a:off x="1364778" y="3099732"/>
+                <a:ext cx="1390477" cy="1044431"/>
+                <a:chOff x="1368453" y="1421932"/>
+                <a:chExt cx="1390477" cy="1044431"/>
+              </a:xfrm>
+            </p:grpSpPr>
+            <p:sp>
+              <p:nvSpPr>
+                <p:cNvPr id="18" name="Rechteck: abgerundete Ecken 17">
+                  <a:extLst>
+                    <a:ext uri="{FF2B5EF4-FFF2-40B4-BE49-F238E27FC236}">
+                      <a16:creationId xmlns:a16="http://schemas.microsoft.com/office/drawing/2014/main" id="{ABD0B937-FDA7-4819-9511-1B8EB3035FD0}"/>
+                    </a:ext>
+                  </a:extLst>
+                </p:cNvPr>
+                <p:cNvSpPr/>
+                <p:nvPr/>
+              </p:nvSpPr>
+              <p:spPr>
+                <a:xfrm>
+                  <a:off x="1368453" y="1421932"/>
+                  <a:ext cx="1390477" cy="1044431"/>
+                </a:xfrm>
+                <a:prstGeom prst="roundRect">
+                  <a:avLst/>
+                </a:prstGeom>
+                <a:ln>
+                  <a:solidFill>
+                    <a:schemeClr val="bg2">
+                      <a:lumMod val="10000"/>
+                    </a:schemeClr>
+                  </a:solidFill>
+                </a:ln>
+              </p:spPr>
+              <p:style>
+                <a:lnRef idx="2">
+                  <a:schemeClr val="accent5">
+                    <a:shade val="50000"/>
+                  </a:schemeClr>
+                </a:lnRef>
+                <a:fillRef idx="1">
+                  <a:schemeClr val="accent5"/>
+                </a:fillRef>
+                <a:effectRef idx="0">
+                  <a:schemeClr val="accent5"/>
+                </a:effectRef>
+                <a:fontRef idx="minor">
+                  <a:schemeClr val="lt1"/>
+                </a:fontRef>
+              </p:style>
+              <p:txBody>
+                <a:bodyPr rtlCol="0" anchor="t"/>
+                <a:lstStyle/>
+                <a:p>
+                  <a:pPr algn="ctr"/>
+                  <a:r>
+                    <a:rPr lang="de-DE" sz="1000" dirty="0"/>
+                    <a:t>Simulierte Dose 0.5</a:t>
+                  </a:r>
+                </a:p>
+              </p:txBody>
+            </p:sp>
+            <p:sp>
+              <p:nvSpPr>
+                <p:cNvPr id="19" name="Rechteck: abgerundete Ecken 18">
+                  <a:extLst>
+                    <a:ext uri="{FF2B5EF4-FFF2-40B4-BE49-F238E27FC236}">
+                      <a16:creationId xmlns:a16="http://schemas.microsoft.com/office/drawing/2014/main" id="{A68AC7ED-DBC3-4B75-9E20-8820FE2B2DB5}"/>
+                    </a:ext>
+                  </a:extLst>
+                </p:cNvPr>
+                <p:cNvSpPr/>
+                <p:nvPr/>
+              </p:nvSpPr>
+              <p:spPr>
+                <a:xfrm>
+                  <a:off x="1440281" y="1684089"/>
+                  <a:ext cx="547909" cy="260060"/>
+                </a:xfrm>
+                <a:prstGeom prst="roundRect">
+                  <a:avLst/>
+                </a:prstGeom>
+              </p:spPr>
+              <p:style>
+                <a:lnRef idx="2">
+                  <a:schemeClr val="accent4">
+                    <a:shade val="50000"/>
+                  </a:schemeClr>
+                </a:lnRef>
+                <a:fillRef idx="1">
+                  <a:schemeClr val="accent4"/>
+                </a:fillRef>
+                <a:effectRef idx="0">
+                  <a:schemeClr val="accent4"/>
+                </a:effectRef>
+                <a:fontRef idx="minor">
+                  <a:schemeClr val="lt1"/>
+                </a:fontRef>
+              </p:style>
+              <p:txBody>
+                <a:bodyPr rtlCol="0" anchor="ctr"/>
+                <a:lstStyle/>
+                <a:p>
+                  <a:pPr algn="ctr"/>
+                  <a:r>
+                    <a:rPr lang="de-DE" sz="1200" dirty="0">
+                      <a:solidFill>
+                        <a:schemeClr val="tx1"/>
+                      </a:solidFill>
+                    </a:rPr>
+                    <a:t>TF1</a:t>
+                  </a:r>
+                  <a:endParaRPr lang="de-DE" dirty="0">
+                    <a:solidFill>
+                      <a:schemeClr val="tx1"/>
+                    </a:solidFill>
+                  </a:endParaRPr>
+                </a:p>
+              </p:txBody>
+            </p:sp>
+            <p:sp>
+              <p:nvSpPr>
+                <p:cNvPr id="20" name="Rechteck: abgerundete Ecken 19">
+                  <a:extLst>
+                    <a:ext uri="{FF2B5EF4-FFF2-40B4-BE49-F238E27FC236}">
+                      <a16:creationId xmlns:a16="http://schemas.microsoft.com/office/drawing/2014/main" id="{5DF4B9FC-9F51-4CB3-8FBC-6EA44219F151}"/>
+                    </a:ext>
+                  </a:extLst>
+                </p:cNvPr>
+                <p:cNvSpPr/>
+                <p:nvPr/>
+              </p:nvSpPr>
+              <p:spPr>
+                <a:xfrm>
+                  <a:off x="2060017" y="1684089"/>
+                  <a:ext cx="547909" cy="260060"/>
+                </a:xfrm>
+                <a:prstGeom prst="roundRect">
+                  <a:avLst/>
+                </a:prstGeom>
+              </p:spPr>
+              <p:style>
+                <a:lnRef idx="2">
+                  <a:schemeClr val="accent4">
+                    <a:shade val="50000"/>
+                  </a:schemeClr>
+                </a:lnRef>
+                <a:fillRef idx="1">
+                  <a:schemeClr val="accent4"/>
+                </a:fillRef>
+                <a:effectRef idx="0">
+                  <a:schemeClr val="accent4"/>
+                </a:effectRef>
+                <a:fontRef idx="minor">
+                  <a:schemeClr val="lt1"/>
+                </a:fontRef>
+              </p:style>
+              <p:txBody>
+                <a:bodyPr rtlCol="0" anchor="ctr"/>
+                <a:lstStyle/>
+                <a:p>
+                  <a:pPr algn="ctr"/>
+                  <a:r>
+                    <a:rPr lang="de-DE" sz="1200" dirty="0">
+                      <a:solidFill>
+                        <a:schemeClr val="tx1"/>
+                      </a:solidFill>
+                    </a:rPr>
+                    <a:t>TF2</a:t>
+                  </a:r>
+                  <a:endParaRPr lang="de-DE" dirty="0">
+                    <a:solidFill>
+                      <a:schemeClr val="tx1"/>
+                    </a:solidFill>
+                  </a:endParaRPr>
+                </a:p>
+              </p:txBody>
+            </p:sp>
+            <p:sp>
+              <p:nvSpPr>
+                <p:cNvPr id="21" name="Rechteck: abgerundete Ecken 20">
+                  <a:extLst>
+                    <a:ext uri="{FF2B5EF4-FFF2-40B4-BE49-F238E27FC236}">
+                      <a16:creationId xmlns:a16="http://schemas.microsoft.com/office/drawing/2014/main" id="{0E0F4350-28C2-438F-92E2-7819A4BBFBAB}"/>
+                    </a:ext>
+                  </a:extLst>
+                </p:cNvPr>
+                <p:cNvSpPr/>
+                <p:nvPr/>
+              </p:nvSpPr>
+              <p:spPr>
+                <a:xfrm>
+                  <a:off x="1440281" y="2033280"/>
+                  <a:ext cx="547909" cy="260060"/>
+                </a:xfrm>
+                <a:prstGeom prst="roundRect">
+                  <a:avLst/>
+                </a:prstGeom>
+              </p:spPr>
+              <p:style>
+                <a:lnRef idx="2">
+                  <a:schemeClr val="accent4">
+                    <a:shade val="50000"/>
+                  </a:schemeClr>
+                </a:lnRef>
+                <a:fillRef idx="1">
+                  <a:schemeClr val="accent4"/>
+                </a:fillRef>
+                <a:effectRef idx="0">
+                  <a:schemeClr val="accent4"/>
+                </a:effectRef>
+                <a:fontRef idx="minor">
+                  <a:schemeClr val="lt1"/>
+                </a:fontRef>
+              </p:style>
+              <p:txBody>
+                <a:bodyPr rtlCol="0" anchor="ctr"/>
+                <a:lstStyle/>
+                <a:p>
+                  <a:pPr algn="ctr"/>
+                  <a:r>
+                    <a:rPr lang="de-DE" sz="1200" dirty="0">
+                      <a:solidFill>
+                        <a:schemeClr val="tx1"/>
+                      </a:solidFill>
+                    </a:rPr>
+                    <a:t>…</a:t>
+                  </a:r>
+                  <a:endParaRPr lang="de-DE" dirty="0">
+                    <a:solidFill>
+                      <a:schemeClr val="tx1"/>
+                    </a:solidFill>
+                  </a:endParaRPr>
+                </a:p>
+              </p:txBody>
+            </p:sp>
+            <p:sp>
+              <p:nvSpPr>
+                <p:cNvPr id="22" name="Rechteck: abgerundete Ecken 21">
+                  <a:extLst>
+                    <a:ext uri="{FF2B5EF4-FFF2-40B4-BE49-F238E27FC236}">
+                      <a16:creationId xmlns:a16="http://schemas.microsoft.com/office/drawing/2014/main" id="{BB08483E-354B-44FB-8D36-E542A62BAE4D}"/>
+                    </a:ext>
+                  </a:extLst>
+                </p:cNvPr>
+                <p:cNvSpPr/>
+                <p:nvPr/>
+              </p:nvSpPr>
+              <p:spPr>
+                <a:xfrm>
+                  <a:off x="2060017" y="2036426"/>
+                  <a:ext cx="547909" cy="260060"/>
+                </a:xfrm>
+                <a:prstGeom prst="roundRect">
+                  <a:avLst/>
+                </a:prstGeom>
+              </p:spPr>
+              <p:style>
+                <a:lnRef idx="2">
+                  <a:schemeClr val="accent4">
+                    <a:shade val="50000"/>
+                  </a:schemeClr>
+                </a:lnRef>
+                <a:fillRef idx="1">
+                  <a:schemeClr val="accent4"/>
+                </a:fillRef>
+                <a:effectRef idx="0">
+                  <a:schemeClr val="accent4"/>
+                </a:effectRef>
+                <a:fontRef idx="minor">
+                  <a:schemeClr val="lt1"/>
+                </a:fontRef>
+              </p:style>
+              <p:txBody>
+                <a:bodyPr rtlCol="0" anchor="ctr"/>
+                <a:lstStyle/>
+                <a:p>
+                  <a:pPr algn="ctr"/>
+                  <a:r>
+                    <a:rPr lang="de-DE" sz="1200" dirty="0">
+                      <a:solidFill>
+                        <a:schemeClr val="tx1"/>
+                      </a:solidFill>
+                    </a:rPr>
+                    <a:t>TF42</a:t>
+                  </a:r>
+                  <a:endParaRPr lang="de-DE" dirty="0">
+                    <a:solidFill>
+                      <a:schemeClr val="tx1"/>
+                    </a:solidFill>
+                  </a:endParaRPr>
+                </a:p>
+              </p:txBody>
+            </p:sp>
+          </p:grpSp>
+        </p:grpSp>
+        <p:grpSp>
+          <p:nvGrpSpPr>
+            <p:cNvPr id="54" name="Gruppieren 53">
+              <a:extLst>
+                <a:ext uri="{FF2B5EF4-FFF2-40B4-BE49-F238E27FC236}">
+                  <a16:creationId xmlns:a16="http://schemas.microsoft.com/office/drawing/2014/main" id="{56E947F7-E032-4850-B2E8-F3C86960BD69}"/>
+                </a:ext>
+              </a:extLst>
+            </p:cNvPr>
+            <p:cNvGrpSpPr/>
+            <p:nvPr/>
+          </p:nvGrpSpPr>
+          <p:grpSpPr>
+            <a:xfrm>
+              <a:off x="3749879" y="843093"/>
+              <a:ext cx="2080470" cy="4030908"/>
+              <a:chOff x="1224793" y="956345"/>
+              <a:chExt cx="1677798" cy="3565321"/>
+            </a:xfrm>
+          </p:grpSpPr>
+          <p:sp>
+            <p:nvSpPr>
+              <p:cNvPr id="55" name="Rechteck: abgerundete Ecken 54">
+                <a:extLst>
+                  <a:ext uri="{FF2B5EF4-FFF2-40B4-BE49-F238E27FC236}">
+                    <a16:creationId xmlns:a16="http://schemas.microsoft.com/office/drawing/2014/main" id="{B9AAE8AF-4DB9-4225-8F6D-98AE03574BB9}"/>
+                  </a:ext>
+                </a:extLst>
+              </p:cNvPr>
+              <p:cNvSpPr/>
+              <p:nvPr/>
+            </p:nvSpPr>
+            <p:spPr>
+              <a:xfrm>
+                <a:off x="1224793" y="956345"/>
+                <a:ext cx="1677798" cy="3565321"/>
+              </a:xfrm>
+              <a:prstGeom prst="roundRect">
+                <a:avLst/>
+              </a:prstGeom>
+              <a:solidFill>
+                <a:schemeClr val="accent5">
+                  <a:lumMod val="75000"/>
+                </a:schemeClr>
+              </a:solidFill>
+            </p:spPr>
+            <p:style>
+              <a:lnRef idx="2">
+                <a:schemeClr val="accent1">
+                  <a:shade val="50000"/>
+                </a:schemeClr>
+              </a:lnRef>
+              <a:fillRef idx="1">
+                <a:schemeClr val="accent1"/>
+              </a:fillRef>
+              <a:effectRef idx="0">
+                <a:schemeClr val="accent1"/>
+              </a:effectRef>
+              <a:fontRef idx="minor">
+                <a:schemeClr val="lt1"/>
+              </a:fontRef>
+            </p:style>
+            <p:txBody>
+              <a:bodyPr rtlCol="0" anchor="t"/>
+              <a:lstStyle/>
+              <a:p>
+                <a:pPr algn="ctr"/>
+                <a:r>
+                  <a:rPr lang="de-DE" dirty="0"/>
+                  <a:t>Patient 2 – ROI 1</a:t>
+                </a:r>
+              </a:p>
+            </p:txBody>
+          </p:sp>
+          <p:sp>
+            <p:nvSpPr>
+              <p:cNvPr id="56" name="Rechteck: abgerundete Ecken 55">
+                <a:extLst>
+                  <a:ext uri="{FF2B5EF4-FFF2-40B4-BE49-F238E27FC236}">
+                    <a16:creationId xmlns:a16="http://schemas.microsoft.com/office/drawing/2014/main" id="{7BD72794-080E-46B2-907C-E5701BC74A9F}"/>
+                  </a:ext>
+                </a:extLst>
+              </p:cNvPr>
+              <p:cNvSpPr/>
+              <p:nvPr/>
+            </p:nvSpPr>
+            <p:spPr>
+              <a:xfrm>
+                <a:off x="1368452" y="2543961"/>
+                <a:ext cx="1390477" cy="478173"/>
+              </a:xfrm>
+              <a:prstGeom prst="roundRect">
+                <a:avLst/>
+              </a:prstGeom>
+              <a:ln>
+                <a:solidFill>
+                  <a:schemeClr val="bg2">
+                    <a:lumMod val="10000"/>
+                  </a:schemeClr>
+                </a:solidFill>
+              </a:ln>
+            </p:spPr>
+            <p:style>
+              <a:lnRef idx="2">
+                <a:schemeClr val="accent5">
+                  <a:shade val="50000"/>
+                </a:schemeClr>
+              </a:lnRef>
+              <a:fillRef idx="1">
+                <a:schemeClr val="accent5"/>
+              </a:fillRef>
+              <a:effectRef idx="0">
+                <a:schemeClr val="accent5"/>
+              </a:effectRef>
+              <a:fontRef idx="minor">
+                <a:schemeClr val="lt1"/>
+              </a:fontRef>
+            </p:style>
+            <p:txBody>
+              <a:bodyPr rtlCol="0" anchor="ctr"/>
+              <a:lstStyle/>
+              <a:p>
+                <a:pPr lvl="0" algn="ctr"/>
+                <a:r>
+                  <a:rPr lang="de-DE" sz="1200" dirty="0">
+                    <a:solidFill>
+                      <a:prstClr val="white"/>
+                    </a:solidFill>
+                  </a:rPr>
+                  <a:t>… 9 weitere simulierte Dosen …</a:t>
+                </a:r>
+              </a:p>
+            </p:txBody>
+          </p:sp>
+          <p:grpSp>
+            <p:nvGrpSpPr>
+              <p:cNvPr id="57" name="Gruppieren 56">
+                <a:extLst>
+                  <a:ext uri="{FF2B5EF4-FFF2-40B4-BE49-F238E27FC236}">
+                    <a16:creationId xmlns:a16="http://schemas.microsoft.com/office/drawing/2014/main" id="{56DA3584-CFCF-4E0F-97B3-AE975DBFEF5C}"/>
+                  </a:ext>
+                </a:extLst>
+              </p:cNvPr>
+              <p:cNvGrpSpPr/>
+              <p:nvPr/>
+            </p:nvGrpSpPr>
+            <p:grpSpPr>
+              <a:xfrm>
+                <a:off x="1368453" y="1421932"/>
+                <a:ext cx="1390477" cy="1044431"/>
+                <a:chOff x="1368453" y="1421932"/>
+                <a:chExt cx="1390477" cy="1044431"/>
+              </a:xfrm>
+            </p:grpSpPr>
+            <p:sp>
+              <p:nvSpPr>
+                <p:cNvPr id="64" name="Rechteck: abgerundete Ecken 63">
+                  <a:extLst>
+                    <a:ext uri="{FF2B5EF4-FFF2-40B4-BE49-F238E27FC236}">
+                      <a16:creationId xmlns:a16="http://schemas.microsoft.com/office/drawing/2014/main" id="{16F3EA2C-ED23-4FAA-A787-8370D1218316}"/>
+                    </a:ext>
+                  </a:extLst>
+                </p:cNvPr>
+                <p:cNvSpPr/>
+                <p:nvPr/>
+              </p:nvSpPr>
+              <p:spPr>
+                <a:xfrm>
+                  <a:off x="1368453" y="1421932"/>
+                  <a:ext cx="1390477" cy="1044431"/>
+                </a:xfrm>
+                <a:prstGeom prst="roundRect">
+                  <a:avLst/>
+                </a:prstGeom>
+                <a:solidFill>
+                  <a:schemeClr val="accent1">
+                    <a:lumMod val="50000"/>
+                  </a:schemeClr>
+                </a:solidFill>
+                <a:ln>
+                  <a:solidFill>
+                    <a:schemeClr val="bg2">
+                      <a:lumMod val="10000"/>
+                    </a:schemeClr>
+                  </a:solidFill>
+                </a:ln>
+              </p:spPr>
+              <p:style>
+                <a:lnRef idx="2">
+                  <a:schemeClr val="dk1">
+                    <a:shade val="50000"/>
+                  </a:schemeClr>
+                </a:lnRef>
+                <a:fillRef idx="1">
+                  <a:schemeClr val="dk1"/>
+                </a:fillRef>
+                <a:effectRef idx="0">
+                  <a:schemeClr val="dk1"/>
+                </a:effectRef>
+                <a:fontRef idx="minor">
+                  <a:schemeClr val="lt1"/>
+                </a:fontRef>
+              </p:style>
+              <p:txBody>
+                <a:bodyPr rtlCol="0" anchor="t"/>
+                <a:lstStyle/>
+                <a:p>
+                  <a:pPr algn="ctr"/>
+                  <a:r>
+                    <a:rPr lang="de-DE" sz="1000" dirty="0"/>
+                    <a:t>Simulierte Dose 3.0</a:t>
+                  </a:r>
+                </a:p>
+              </p:txBody>
+            </p:sp>
+            <p:sp>
+              <p:nvSpPr>
+                <p:cNvPr id="65" name="Rechteck: abgerundete Ecken 64">
+                  <a:extLst>
+                    <a:ext uri="{FF2B5EF4-FFF2-40B4-BE49-F238E27FC236}">
+                      <a16:creationId xmlns:a16="http://schemas.microsoft.com/office/drawing/2014/main" id="{A272C3B8-A7C2-4BB1-A926-8621884A030C}"/>
+                    </a:ext>
+                  </a:extLst>
+                </p:cNvPr>
+                <p:cNvSpPr/>
+                <p:nvPr/>
+              </p:nvSpPr>
+              <p:spPr>
+                <a:xfrm>
+                  <a:off x="1440281" y="1684089"/>
+                  <a:ext cx="547909" cy="260060"/>
+                </a:xfrm>
+                <a:prstGeom prst="roundRect">
+                  <a:avLst/>
+                </a:prstGeom>
+              </p:spPr>
+              <p:style>
+                <a:lnRef idx="2">
+                  <a:schemeClr val="accent4">
+                    <a:shade val="50000"/>
+                  </a:schemeClr>
+                </a:lnRef>
+                <a:fillRef idx="1">
+                  <a:schemeClr val="accent4"/>
+                </a:fillRef>
+                <a:effectRef idx="0">
+                  <a:schemeClr val="accent4"/>
+                </a:effectRef>
+                <a:fontRef idx="minor">
+                  <a:schemeClr val="lt1"/>
+                </a:fontRef>
+              </p:style>
+              <p:txBody>
+                <a:bodyPr rtlCol="0" anchor="ctr"/>
+                <a:lstStyle/>
+                <a:p>
+                  <a:pPr algn="ctr"/>
+                  <a:r>
+                    <a:rPr lang="de-DE" sz="1200" dirty="0">
+                      <a:solidFill>
+                        <a:schemeClr val="tx1"/>
+                      </a:solidFill>
+                    </a:rPr>
+                    <a:t>TF1</a:t>
+                  </a:r>
+                  <a:endParaRPr lang="de-DE" dirty="0">
+                    <a:solidFill>
+                      <a:schemeClr val="tx1"/>
+                    </a:solidFill>
+                  </a:endParaRPr>
+                </a:p>
+              </p:txBody>
+            </p:sp>
+            <p:sp>
+              <p:nvSpPr>
+                <p:cNvPr id="66" name="Rechteck: abgerundete Ecken 65">
+                  <a:extLst>
+                    <a:ext uri="{FF2B5EF4-FFF2-40B4-BE49-F238E27FC236}">
+                      <a16:creationId xmlns:a16="http://schemas.microsoft.com/office/drawing/2014/main" id="{450F57EB-F8FE-4B9E-B3EF-67AEB70A4AB4}"/>
+                    </a:ext>
+                  </a:extLst>
+                </p:cNvPr>
+                <p:cNvSpPr/>
+                <p:nvPr/>
+              </p:nvSpPr>
+              <p:spPr>
+                <a:xfrm>
+                  <a:off x="2060017" y="1684089"/>
+                  <a:ext cx="547909" cy="260060"/>
+                </a:xfrm>
+                <a:prstGeom prst="roundRect">
+                  <a:avLst/>
+                </a:prstGeom>
+              </p:spPr>
+              <p:style>
+                <a:lnRef idx="2">
+                  <a:schemeClr val="accent4">
+                    <a:shade val="50000"/>
+                  </a:schemeClr>
+                </a:lnRef>
+                <a:fillRef idx="1">
+                  <a:schemeClr val="accent4"/>
+                </a:fillRef>
+                <a:effectRef idx="0">
+                  <a:schemeClr val="accent4"/>
+                </a:effectRef>
+                <a:fontRef idx="minor">
+                  <a:schemeClr val="lt1"/>
+                </a:fontRef>
+              </p:style>
+              <p:txBody>
+                <a:bodyPr rtlCol="0" anchor="ctr"/>
+                <a:lstStyle/>
+                <a:p>
+                  <a:pPr algn="ctr"/>
+                  <a:r>
+                    <a:rPr lang="de-DE" sz="1200" dirty="0">
+                      <a:solidFill>
+                        <a:schemeClr val="tx1"/>
+                      </a:solidFill>
+                    </a:rPr>
+                    <a:t>TF2</a:t>
+                  </a:r>
+                  <a:endParaRPr lang="de-DE" dirty="0">
+                    <a:solidFill>
+                      <a:schemeClr val="tx1"/>
+                    </a:solidFill>
+                  </a:endParaRPr>
+                </a:p>
+              </p:txBody>
+            </p:sp>
+            <p:sp>
+              <p:nvSpPr>
+                <p:cNvPr id="67" name="Rechteck: abgerundete Ecken 66">
+                  <a:extLst>
+                    <a:ext uri="{FF2B5EF4-FFF2-40B4-BE49-F238E27FC236}">
+                      <a16:creationId xmlns:a16="http://schemas.microsoft.com/office/drawing/2014/main" id="{D45269C9-BF44-4BCD-AB49-68AAACD943FB}"/>
+                    </a:ext>
+                  </a:extLst>
+                </p:cNvPr>
+                <p:cNvSpPr/>
+                <p:nvPr/>
+              </p:nvSpPr>
+              <p:spPr>
+                <a:xfrm>
+                  <a:off x="1440281" y="2033280"/>
+                  <a:ext cx="547909" cy="260060"/>
+                </a:xfrm>
+                <a:prstGeom prst="roundRect">
+                  <a:avLst/>
+                </a:prstGeom>
+              </p:spPr>
+              <p:style>
+                <a:lnRef idx="2">
+                  <a:schemeClr val="accent4">
+                    <a:shade val="50000"/>
+                  </a:schemeClr>
+                </a:lnRef>
+                <a:fillRef idx="1">
+                  <a:schemeClr val="accent4"/>
+                </a:fillRef>
+                <a:effectRef idx="0">
+                  <a:schemeClr val="accent4"/>
+                </a:effectRef>
+                <a:fontRef idx="minor">
+                  <a:schemeClr val="lt1"/>
+                </a:fontRef>
+              </p:style>
+              <p:txBody>
+                <a:bodyPr rtlCol="0" anchor="ctr"/>
+                <a:lstStyle/>
+                <a:p>
+                  <a:pPr algn="ctr"/>
+                  <a:r>
+                    <a:rPr lang="de-DE" sz="1200" dirty="0">
+                      <a:solidFill>
+                        <a:schemeClr val="tx1"/>
+                      </a:solidFill>
+                    </a:rPr>
+                    <a:t>…</a:t>
+                  </a:r>
+                  <a:endParaRPr lang="de-DE" dirty="0">
+                    <a:solidFill>
+                      <a:schemeClr val="tx1"/>
+                    </a:solidFill>
+                  </a:endParaRPr>
+                </a:p>
+              </p:txBody>
+            </p:sp>
+            <p:sp>
+              <p:nvSpPr>
+                <p:cNvPr id="68" name="Rechteck: abgerundete Ecken 67">
+                  <a:extLst>
+                    <a:ext uri="{FF2B5EF4-FFF2-40B4-BE49-F238E27FC236}">
+                      <a16:creationId xmlns:a16="http://schemas.microsoft.com/office/drawing/2014/main" id="{9398ADDC-A53E-48DE-9C96-54BEA063351B}"/>
+                    </a:ext>
+                  </a:extLst>
+                </p:cNvPr>
+                <p:cNvSpPr/>
+                <p:nvPr/>
+              </p:nvSpPr>
+              <p:spPr>
+                <a:xfrm>
+                  <a:off x="2060017" y="2036426"/>
+                  <a:ext cx="547909" cy="260060"/>
+                </a:xfrm>
+                <a:prstGeom prst="roundRect">
+                  <a:avLst/>
+                </a:prstGeom>
+              </p:spPr>
+              <p:style>
+                <a:lnRef idx="2">
+                  <a:schemeClr val="accent4">
+                    <a:shade val="50000"/>
+                  </a:schemeClr>
+                </a:lnRef>
+                <a:fillRef idx="1">
+                  <a:schemeClr val="accent4"/>
+                </a:fillRef>
+                <a:effectRef idx="0">
+                  <a:schemeClr val="accent4"/>
+                </a:effectRef>
+                <a:fontRef idx="minor">
+                  <a:schemeClr val="lt1"/>
+                </a:fontRef>
+              </p:style>
+              <p:txBody>
+                <a:bodyPr rtlCol="0" anchor="ctr"/>
+                <a:lstStyle/>
+                <a:p>
+                  <a:pPr algn="ctr"/>
+                  <a:r>
+                    <a:rPr lang="de-DE" sz="1200" dirty="0">
+                      <a:solidFill>
+                        <a:schemeClr val="tx1"/>
+                      </a:solidFill>
+                    </a:rPr>
+                    <a:t>TF42</a:t>
+                  </a:r>
+                  <a:endParaRPr lang="de-DE" dirty="0">
+                    <a:solidFill>
+                      <a:schemeClr val="tx1"/>
+                    </a:solidFill>
+                  </a:endParaRPr>
+                </a:p>
+              </p:txBody>
+            </p:sp>
+          </p:grpSp>
+          <p:grpSp>
+            <p:nvGrpSpPr>
+              <p:cNvPr id="58" name="Gruppieren 57">
+                <a:extLst>
+                  <a:ext uri="{FF2B5EF4-FFF2-40B4-BE49-F238E27FC236}">
+                    <a16:creationId xmlns:a16="http://schemas.microsoft.com/office/drawing/2014/main" id="{8F77A783-7F7F-4C54-9A98-BFEC0424E16C}"/>
+                  </a:ext>
+                </a:extLst>
+              </p:cNvPr>
+              <p:cNvGrpSpPr/>
+              <p:nvPr/>
+            </p:nvGrpSpPr>
+            <p:grpSpPr>
+              <a:xfrm>
+                <a:off x="1364778" y="3099732"/>
+                <a:ext cx="1390477" cy="1044431"/>
+                <a:chOff x="1368453" y="1421932"/>
+                <a:chExt cx="1390477" cy="1044431"/>
+              </a:xfrm>
+            </p:grpSpPr>
+            <p:sp>
+              <p:nvSpPr>
+                <p:cNvPr id="59" name="Rechteck: abgerundete Ecken 58">
+                  <a:extLst>
+                    <a:ext uri="{FF2B5EF4-FFF2-40B4-BE49-F238E27FC236}">
+                      <a16:creationId xmlns:a16="http://schemas.microsoft.com/office/drawing/2014/main" id="{A0C781E4-92C5-45EB-9F14-BB342524F2AA}"/>
+                    </a:ext>
+                  </a:extLst>
+                </p:cNvPr>
+                <p:cNvSpPr/>
+                <p:nvPr/>
+              </p:nvSpPr>
+              <p:spPr>
+                <a:xfrm>
+                  <a:off x="1368453" y="1421932"/>
+                  <a:ext cx="1390477" cy="1044431"/>
+                </a:xfrm>
+                <a:prstGeom prst="roundRect">
+                  <a:avLst/>
+                </a:prstGeom>
+                <a:ln>
+                  <a:solidFill>
+                    <a:schemeClr val="bg2">
+                      <a:lumMod val="10000"/>
+                    </a:schemeClr>
+                  </a:solidFill>
+                </a:ln>
+              </p:spPr>
+              <p:style>
+                <a:lnRef idx="2">
+                  <a:schemeClr val="accent5">
+                    <a:shade val="50000"/>
+                  </a:schemeClr>
+                </a:lnRef>
+                <a:fillRef idx="1">
+                  <a:schemeClr val="accent5"/>
+                </a:fillRef>
+                <a:effectRef idx="0">
+                  <a:schemeClr val="accent5"/>
+                </a:effectRef>
+                <a:fontRef idx="minor">
+                  <a:schemeClr val="lt1"/>
+                </a:fontRef>
+              </p:style>
+              <p:txBody>
+                <a:bodyPr rtlCol="0" anchor="t"/>
+                <a:lstStyle/>
+                <a:p>
+                  <a:pPr algn="ctr"/>
+                  <a:r>
+                    <a:rPr lang="de-DE" sz="1000" dirty="0"/>
+                    <a:t>Simulierte Dose 0.5</a:t>
+                  </a:r>
+                </a:p>
+              </p:txBody>
+            </p:sp>
+            <p:sp>
+              <p:nvSpPr>
+                <p:cNvPr id="60" name="Rechteck: abgerundete Ecken 59">
+                  <a:extLst>
+                    <a:ext uri="{FF2B5EF4-FFF2-40B4-BE49-F238E27FC236}">
+                      <a16:creationId xmlns:a16="http://schemas.microsoft.com/office/drawing/2014/main" id="{55070ED3-B2B0-4A9E-8C3E-4472B7BD41C2}"/>
+                    </a:ext>
+                  </a:extLst>
+                </p:cNvPr>
+                <p:cNvSpPr/>
+                <p:nvPr/>
+              </p:nvSpPr>
+              <p:spPr>
+                <a:xfrm>
+                  <a:off x="1440281" y="1684089"/>
+                  <a:ext cx="547909" cy="260060"/>
+                </a:xfrm>
+                <a:prstGeom prst="roundRect">
+                  <a:avLst/>
+                </a:prstGeom>
+              </p:spPr>
+              <p:style>
+                <a:lnRef idx="2">
+                  <a:schemeClr val="accent4">
+                    <a:shade val="50000"/>
+                  </a:schemeClr>
+                </a:lnRef>
+                <a:fillRef idx="1">
+                  <a:schemeClr val="accent4"/>
+                </a:fillRef>
+                <a:effectRef idx="0">
+                  <a:schemeClr val="accent4"/>
+                </a:effectRef>
+                <a:fontRef idx="minor">
+                  <a:schemeClr val="lt1"/>
+                </a:fontRef>
+              </p:style>
+              <p:txBody>
+                <a:bodyPr rtlCol="0" anchor="ctr"/>
+                <a:lstStyle/>
+                <a:p>
+                  <a:pPr algn="ctr"/>
+                  <a:r>
+                    <a:rPr lang="de-DE" sz="1200" dirty="0">
+                      <a:solidFill>
+                        <a:schemeClr val="tx1"/>
+                      </a:solidFill>
+                    </a:rPr>
+                    <a:t>TF1</a:t>
+                  </a:r>
+                  <a:endParaRPr lang="de-DE" dirty="0">
+                    <a:solidFill>
+                      <a:schemeClr val="tx1"/>
+                    </a:solidFill>
+                  </a:endParaRPr>
+                </a:p>
+              </p:txBody>
+            </p:sp>
+            <p:sp>
+              <p:nvSpPr>
+                <p:cNvPr id="61" name="Rechteck: abgerundete Ecken 60">
+                  <a:extLst>
+                    <a:ext uri="{FF2B5EF4-FFF2-40B4-BE49-F238E27FC236}">
+                      <a16:creationId xmlns:a16="http://schemas.microsoft.com/office/drawing/2014/main" id="{A339BF6E-362F-4FD6-91D8-705CBF4E75C1}"/>
+                    </a:ext>
+                  </a:extLst>
+                </p:cNvPr>
+                <p:cNvSpPr/>
+                <p:nvPr/>
+              </p:nvSpPr>
+              <p:spPr>
+                <a:xfrm>
+                  <a:off x="2060017" y="1684089"/>
+                  <a:ext cx="547909" cy="260060"/>
+                </a:xfrm>
+                <a:prstGeom prst="roundRect">
+                  <a:avLst/>
+                </a:prstGeom>
+              </p:spPr>
+              <p:style>
+                <a:lnRef idx="2">
+                  <a:schemeClr val="accent4">
+                    <a:shade val="50000"/>
+                  </a:schemeClr>
+                </a:lnRef>
+                <a:fillRef idx="1">
+                  <a:schemeClr val="accent4"/>
+                </a:fillRef>
+                <a:effectRef idx="0">
+                  <a:schemeClr val="accent4"/>
+                </a:effectRef>
+                <a:fontRef idx="minor">
+                  <a:schemeClr val="lt1"/>
+                </a:fontRef>
+              </p:style>
+              <p:txBody>
+                <a:bodyPr rtlCol="0" anchor="ctr"/>
+                <a:lstStyle/>
+                <a:p>
+                  <a:pPr algn="ctr"/>
+                  <a:r>
+                    <a:rPr lang="de-DE" sz="1200" dirty="0">
+                      <a:solidFill>
+                        <a:schemeClr val="tx1"/>
+                      </a:solidFill>
+                    </a:rPr>
+                    <a:t>TF2</a:t>
+                  </a:r>
+                  <a:endParaRPr lang="de-DE" dirty="0">
+                    <a:solidFill>
+                      <a:schemeClr val="tx1"/>
+                    </a:solidFill>
+                  </a:endParaRPr>
+                </a:p>
+              </p:txBody>
+            </p:sp>
+            <p:sp>
+              <p:nvSpPr>
+                <p:cNvPr id="62" name="Rechteck: abgerundete Ecken 61">
+                  <a:extLst>
+                    <a:ext uri="{FF2B5EF4-FFF2-40B4-BE49-F238E27FC236}">
+                      <a16:creationId xmlns:a16="http://schemas.microsoft.com/office/drawing/2014/main" id="{7B262FF9-7BBD-41B5-8D71-3560B4CFD0E5}"/>
+                    </a:ext>
+                  </a:extLst>
+                </p:cNvPr>
+                <p:cNvSpPr/>
+                <p:nvPr/>
+              </p:nvSpPr>
+              <p:spPr>
+                <a:xfrm>
+                  <a:off x="1440281" y="2033280"/>
+                  <a:ext cx="547909" cy="260060"/>
+                </a:xfrm>
+                <a:prstGeom prst="roundRect">
+                  <a:avLst/>
+                </a:prstGeom>
+              </p:spPr>
+              <p:style>
+                <a:lnRef idx="2">
+                  <a:schemeClr val="accent4">
+                    <a:shade val="50000"/>
+                  </a:schemeClr>
+                </a:lnRef>
+                <a:fillRef idx="1">
+                  <a:schemeClr val="accent4"/>
+                </a:fillRef>
+                <a:effectRef idx="0">
+                  <a:schemeClr val="accent4"/>
+                </a:effectRef>
+                <a:fontRef idx="minor">
+                  <a:schemeClr val="lt1"/>
+                </a:fontRef>
+              </p:style>
+              <p:txBody>
+                <a:bodyPr rtlCol="0" anchor="ctr"/>
+                <a:lstStyle/>
+                <a:p>
+                  <a:pPr algn="ctr"/>
+                  <a:r>
+                    <a:rPr lang="de-DE" sz="1200" dirty="0">
+                      <a:solidFill>
+                        <a:schemeClr val="tx1"/>
+                      </a:solidFill>
+                    </a:rPr>
+                    <a:t>…</a:t>
+                  </a:r>
+                  <a:endParaRPr lang="de-DE" dirty="0">
+                    <a:solidFill>
+                      <a:schemeClr val="tx1"/>
+                    </a:solidFill>
+                  </a:endParaRPr>
+                </a:p>
+              </p:txBody>
+            </p:sp>
+            <p:sp>
+              <p:nvSpPr>
+                <p:cNvPr id="63" name="Rechteck: abgerundete Ecken 62">
+                  <a:extLst>
+                    <a:ext uri="{FF2B5EF4-FFF2-40B4-BE49-F238E27FC236}">
+                      <a16:creationId xmlns:a16="http://schemas.microsoft.com/office/drawing/2014/main" id="{C04A670C-D3B3-4595-8BC3-C6E2B51F80BD}"/>
+                    </a:ext>
+                  </a:extLst>
+                </p:cNvPr>
+                <p:cNvSpPr/>
+                <p:nvPr/>
+              </p:nvSpPr>
+              <p:spPr>
+                <a:xfrm>
+                  <a:off x="2060017" y="2036426"/>
+                  <a:ext cx="547909" cy="260060"/>
+                </a:xfrm>
+                <a:prstGeom prst="roundRect">
+                  <a:avLst/>
+                </a:prstGeom>
+              </p:spPr>
+              <p:style>
+                <a:lnRef idx="2">
+                  <a:schemeClr val="accent4">
+                    <a:shade val="50000"/>
+                  </a:schemeClr>
+                </a:lnRef>
+                <a:fillRef idx="1">
+                  <a:schemeClr val="accent4"/>
+                </a:fillRef>
+                <a:effectRef idx="0">
+                  <a:schemeClr val="accent4"/>
+                </a:effectRef>
+                <a:fontRef idx="minor">
+                  <a:schemeClr val="lt1"/>
+                </a:fontRef>
+              </p:style>
+              <p:txBody>
+                <a:bodyPr rtlCol="0" anchor="ctr"/>
+                <a:lstStyle/>
+                <a:p>
+                  <a:pPr algn="ctr"/>
+                  <a:r>
+                    <a:rPr lang="de-DE" sz="1200" dirty="0">
+                      <a:solidFill>
+                        <a:schemeClr val="tx1"/>
+                      </a:solidFill>
+                    </a:rPr>
+                    <a:t>TF42</a:t>
+                  </a:r>
+                  <a:endParaRPr lang="de-DE" dirty="0">
+                    <a:solidFill>
+                      <a:schemeClr val="tx1"/>
+                    </a:solidFill>
+                  </a:endParaRPr>
+                </a:p>
+              </p:txBody>
+            </p:sp>
+          </p:grpSp>
+        </p:grpSp>
+        <p:grpSp>
+          <p:nvGrpSpPr>
+            <p:cNvPr id="69" name="Gruppieren 68">
+              <a:extLst>
+                <a:ext uri="{FF2B5EF4-FFF2-40B4-BE49-F238E27FC236}">
+                  <a16:creationId xmlns:a16="http://schemas.microsoft.com/office/drawing/2014/main" id="{4D6550F9-9C9B-472D-9805-B6FA95AC66BE}"/>
+                </a:ext>
+              </a:extLst>
+            </p:cNvPr>
+            <p:cNvGrpSpPr/>
+            <p:nvPr/>
+          </p:nvGrpSpPr>
+          <p:grpSpPr>
+            <a:xfrm>
+              <a:off x="8805756" y="843094"/>
+              <a:ext cx="2080470" cy="4030910"/>
+              <a:chOff x="1224793" y="956345"/>
+              <a:chExt cx="1677798" cy="3565321"/>
+            </a:xfrm>
+          </p:grpSpPr>
+          <p:sp>
+            <p:nvSpPr>
+              <p:cNvPr id="70" name="Rechteck: abgerundete Ecken 69">
+                <a:extLst>
+                  <a:ext uri="{FF2B5EF4-FFF2-40B4-BE49-F238E27FC236}">
+                    <a16:creationId xmlns:a16="http://schemas.microsoft.com/office/drawing/2014/main" id="{AD721A68-FC74-40C5-BFD4-888478906D11}"/>
+                  </a:ext>
+                </a:extLst>
+              </p:cNvPr>
+              <p:cNvSpPr/>
+              <p:nvPr/>
+            </p:nvSpPr>
+            <p:spPr>
+              <a:xfrm>
+                <a:off x="1224793" y="956345"/>
+                <a:ext cx="1677798" cy="3565321"/>
+              </a:xfrm>
+              <a:prstGeom prst="roundRect">
+                <a:avLst/>
+              </a:prstGeom>
+              <a:solidFill>
+                <a:schemeClr val="accent5">
+                  <a:lumMod val="75000"/>
+                </a:schemeClr>
+              </a:solidFill>
+            </p:spPr>
+            <p:style>
+              <a:lnRef idx="2">
+                <a:schemeClr val="accent1">
+                  <a:shade val="50000"/>
+                </a:schemeClr>
+              </a:lnRef>
+              <a:fillRef idx="1">
+                <a:schemeClr val="accent1"/>
+              </a:fillRef>
+              <a:effectRef idx="0">
+                <a:schemeClr val="accent1"/>
+              </a:effectRef>
+              <a:fontRef idx="minor">
+                <a:schemeClr val="lt1"/>
+              </a:fontRef>
+            </p:style>
+            <p:txBody>
+              <a:bodyPr rtlCol="0" anchor="t"/>
+              <a:lstStyle/>
+              <a:p>
+                <a:pPr algn="ctr"/>
+                <a:r>
+                  <a:rPr lang="de-DE" dirty="0"/>
+                  <a:t>Patient 19 – ROI 1</a:t>
+                </a:r>
+              </a:p>
+            </p:txBody>
+          </p:sp>
+          <p:sp>
+            <p:nvSpPr>
+              <p:cNvPr id="71" name="Rechteck: abgerundete Ecken 70">
+                <a:extLst>
+                  <a:ext uri="{FF2B5EF4-FFF2-40B4-BE49-F238E27FC236}">
+                    <a16:creationId xmlns:a16="http://schemas.microsoft.com/office/drawing/2014/main" id="{1F69CC88-6EDE-4B63-85F8-5F4749E2DFC8}"/>
+                  </a:ext>
+                </a:extLst>
+              </p:cNvPr>
+              <p:cNvSpPr/>
+              <p:nvPr/>
+            </p:nvSpPr>
+            <p:spPr>
+              <a:xfrm>
+                <a:off x="1368452" y="2543961"/>
+                <a:ext cx="1390477" cy="478173"/>
+              </a:xfrm>
+              <a:prstGeom prst="roundRect">
+                <a:avLst/>
+              </a:prstGeom>
+              <a:ln>
+                <a:solidFill>
+                  <a:schemeClr val="bg2">
+                    <a:lumMod val="10000"/>
+                  </a:schemeClr>
+                </a:solidFill>
+              </a:ln>
+            </p:spPr>
+            <p:style>
+              <a:lnRef idx="2">
+                <a:schemeClr val="accent5">
+                  <a:shade val="50000"/>
+                </a:schemeClr>
+              </a:lnRef>
+              <a:fillRef idx="1">
+                <a:schemeClr val="accent5"/>
+              </a:fillRef>
+              <a:effectRef idx="0">
+                <a:schemeClr val="accent5"/>
+              </a:effectRef>
+              <a:fontRef idx="minor">
+                <a:schemeClr val="lt1"/>
+              </a:fontRef>
+            </p:style>
+            <p:txBody>
+              <a:bodyPr rtlCol="0" anchor="ctr"/>
+              <a:lstStyle/>
+              <a:p>
+                <a:pPr lvl="0" algn="ctr"/>
+                <a:r>
+                  <a:rPr lang="de-DE" sz="1200" dirty="0">
+                    <a:solidFill>
+                      <a:prstClr val="white"/>
+                    </a:solidFill>
+                  </a:rPr>
+                  <a:t>… 9 weitere simulierte Dosen …</a:t>
+                </a:r>
+              </a:p>
+            </p:txBody>
+          </p:sp>
+          <p:grpSp>
+            <p:nvGrpSpPr>
+              <p:cNvPr id="72" name="Gruppieren 71">
+                <a:extLst>
+                  <a:ext uri="{FF2B5EF4-FFF2-40B4-BE49-F238E27FC236}">
+                    <a16:creationId xmlns:a16="http://schemas.microsoft.com/office/drawing/2014/main" id="{A30EE417-5E53-46AE-8DE2-2CABA6AAE9DA}"/>
+                  </a:ext>
+                </a:extLst>
+              </p:cNvPr>
+              <p:cNvGrpSpPr/>
+              <p:nvPr/>
+            </p:nvGrpSpPr>
+            <p:grpSpPr>
+              <a:xfrm>
+                <a:off x="1368453" y="1421932"/>
+                <a:ext cx="1390477" cy="1044431"/>
+                <a:chOff x="1368453" y="1421932"/>
+                <a:chExt cx="1390477" cy="1044431"/>
+              </a:xfrm>
+            </p:grpSpPr>
+            <p:sp>
+              <p:nvSpPr>
+                <p:cNvPr id="79" name="Rechteck: abgerundete Ecken 78">
+                  <a:extLst>
+                    <a:ext uri="{FF2B5EF4-FFF2-40B4-BE49-F238E27FC236}">
+                      <a16:creationId xmlns:a16="http://schemas.microsoft.com/office/drawing/2014/main" id="{C9380762-65CE-4C3A-BAA2-E93ACAE10005}"/>
+                    </a:ext>
+                  </a:extLst>
+                </p:cNvPr>
+                <p:cNvSpPr/>
+                <p:nvPr/>
+              </p:nvSpPr>
+              <p:spPr>
+                <a:xfrm>
+                  <a:off x="1368453" y="1421932"/>
+                  <a:ext cx="1390477" cy="1044431"/>
+                </a:xfrm>
+                <a:prstGeom prst="roundRect">
+                  <a:avLst/>
+                </a:prstGeom>
+                <a:solidFill>
+                  <a:schemeClr val="accent1">
+                    <a:lumMod val="50000"/>
+                  </a:schemeClr>
+                </a:solidFill>
+                <a:ln>
+                  <a:solidFill>
+                    <a:schemeClr val="bg2">
+                      <a:lumMod val="10000"/>
+                    </a:schemeClr>
+                  </a:solidFill>
+                </a:ln>
+              </p:spPr>
+              <p:style>
+                <a:lnRef idx="2">
+                  <a:schemeClr val="dk1">
+                    <a:shade val="50000"/>
+                  </a:schemeClr>
+                </a:lnRef>
+                <a:fillRef idx="1">
+                  <a:schemeClr val="dk1"/>
+                </a:fillRef>
+                <a:effectRef idx="0">
+                  <a:schemeClr val="dk1"/>
+                </a:effectRef>
+                <a:fontRef idx="minor">
+                  <a:schemeClr val="lt1"/>
+                </a:fontRef>
+              </p:style>
+              <p:txBody>
+                <a:bodyPr rtlCol="0" anchor="t"/>
+                <a:lstStyle/>
+                <a:p>
+                  <a:pPr algn="ctr"/>
+                  <a:r>
+                    <a:rPr lang="de-DE" sz="1000" dirty="0"/>
+                    <a:t>Dose 3.0</a:t>
+                  </a:r>
+                </a:p>
+              </p:txBody>
+            </p:sp>
+            <p:sp>
+              <p:nvSpPr>
+                <p:cNvPr id="80" name="Rechteck: abgerundete Ecken 79">
+                  <a:extLst>
+                    <a:ext uri="{FF2B5EF4-FFF2-40B4-BE49-F238E27FC236}">
+                      <a16:creationId xmlns:a16="http://schemas.microsoft.com/office/drawing/2014/main" id="{01186BC2-FA90-47A1-988B-2708E79E9B08}"/>
+                    </a:ext>
+                  </a:extLst>
+                </p:cNvPr>
+                <p:cNvSpPr/>
+                <p:nvPr/>
+              </p:nvSpPr>
+              <p:spPr>
+                <a:xfrm>
+                  <a:off x="1440281" y="1684089"/>
+                  <a:ext cx="547909" cy="260060"/>
+                </a:xfrm>
+                <a:prstGeom prst="roundRect">
+                  <a:avLst/>
+                </a:prstGeom>
+              </p:spPr>
+              <p:style>
+                <a:lnRef idx="2">
+                  <a:schemeClr val="accent4">
+                    <a:shade val="50000"/>
+                  </a:schemeClr>
+                </a:lnRef>
+                <a:fillRef idx="1">
+                  <a:schemeClr val="accent4"/>
+                </a:fillRef>
+                <a:effectRef idx="0">
+                  <a:schemeClr val="accent4"/>
+                </a:effectRef>
+                <a:fontRef idx="minor">
+                  <a:schemeClr val="lt1"/>
+                </a:fontRef>
+              </p:style>
+              <p:txBody>
+                <a:bodyPr rtlCol="0" anchor="ctr"/>
+                <a:lstStyle/>
+                <a:p>
+                  <a:pPr algn="ctr"/>
+                  <a:r>
+                    <a:rPr lang="de-DE" sz="1200" dirty="0">
+                      <a:solidFill>
+                        <a:schemeClr val="tx1"/>
+                      </a:solidFill>
+                    </a:rPr>
+                    <a:t>TF1</a:t>
+                  </a:r>
+                  <a:endParaRPr lang="de-DE" dirty="0">
+                    <a:solidFill>
+                      <a:schemeClr val="tx1"/>
+                    </a:solidFill>
+                  </a:endParaRPr>
+                </a:p>
+              </p:txBody>
+            </p:sp>
+            <p:sp>
+              <p:nvSpPr>
+                <p:cNvPr id="81" name="Rechteck: abgerundete Ecken 80">
+                  <a:extLst>
+                    <a:ext uri="{FF2B5EF4-FFF2-40B4-BE49-F238E27FC236}">
+                      <a16:creationId xmlns:a16="http://schemas.microsoft.com/office/drawing/2014/main" id="{01F28520-CF4C-4C23-A538-0D5093B11FFB}"/>
+                    </a:ext>
+                  </a:extLst>
+                </p:cNvPr>
+                <p:cNvSpPr/>
+                <p:nvPr/>
+              </p:nvSpPr>
+              <p:spPr>
+                <a:xfrm>
+                  <a:off x="2060017" y="1684089"/>
+                  <a:ext cx="547909" cy="260060"/>
+                </a:xfrm>
+                <a:prstGeom prst="roundRect">
+                  <a:avLst/>
+                </a:prstGeom>
+              </p:spPr>
+              <p:style>
+                <a:lnRef idx="2">
+                  <a:schemeClr val="accent4">
+                    <a:shade val="50000"/>
+                  </a:schemeClr>
+                </a:lnRef>
+                <a:fillRef idx="1">
+                  <a:schemeClr val="accent4"/>
+                </a:fillRef>
+                <a:effectRef idx="0">
+                  <a:schemeClr val="accent4"/>
+                </a:effectRef>
+                <a:fontRef idx="minor">
+                  <a:schemeClr val="lt1"/>
+                </a:fontRef>
+              </p:style>
+              <p:txBody>
+                <a:bodyPr rtlCol="0" anchor="ctr"/>
+                <a:lstStyle/>
+                <a:p>
+                  <a:pPr algn="ctr"/>
+                  <a:r>
+                    <a:rPr lang="de-DE" sz="1200" dirty="0">
+                      <a:solidFill>
+                        <a:schemeClr val="tx1"/>
+                      </a:solidFill>
+                    </a:rPr>
+                    <a:t>TF2</a:t>
+                  </a:r>
+                  <a:endParaRPr lang="de-DE" dirty="0">
+                    <a:solidFill>
+                      <a:schemeClr val="tx1"/>
+                    </a:solidFill>
+                  </a:endParaRPr>
+                </a:p>
+              </p:txBody>
+            </p:sp>
+            <p:sp>
+              <p:nvSpPr>
+                <p:cNvPr id="82" name="Rechteck: abgerundete Ecken 81">
+                  <a:extLst>
+                    <a:ext uri="{FF2B5EF4-FFF2-40B4-BE49-F238E27FC236}">
+                      <a16:creationId xmlns:a16="http://schemas.microsoft.com/office/drawing/2014/main" id="{0F55CD09-6B7F-48B6-B4B5-482D3FD2E805}"/>
+                    </a:ext>
+                  </a:extLst>
+                </p:cNvPr>
+                <p:cNvSpPr/>
+                <p:nvPr/>
+              </p:nvSpPr>
+              <p:spPr>
+                <a:xfrm>
+                  <a:off x="1440281" y="2033280"/>
+                  <a:ext cx="547909" cy="260060"/>
+                </a:xfrm>
+                <a:prstGeom prst="roundRect">
+                  <a:avLst/>
+                </a:prstGeom>
+              </p:spPr>
+              <p:style>
+                <a:lnRef idx="2">
+                  <a:schemeClr val="accent4">
+                    <a:shade val="50000"/>
+                  </a:schemeClr>
+                </a:lnRef>
+                <a:fillRef idx="1">
+                  <a:schemeClr val="accent4"/>
+                </a:fillRef>
+                <a:effectRef idx="0">
+                  <a:schemeClr val="accent4"/>
+                </a:effectRef>
+                <a:fontRef idx="minor">
+                  <a:schemeClr val="lt1"/>
+                </a:fontRef>
+              </p:style>
+              <p:txBody>
+                <a:bodyPr rtlCol="0" anchor="ctr"/>
+                <a:lstStyle/>
+                <a:p>
+                  <a:pPr algn="ctr"/>
+                  <a:r>
+                    <a:rPr lang="de-DE" sz="1200" dirty="0">
+                      <a:solidFill>
+                        <a:schemeClr val="tx1"/>
+                      </a:solidFill>
+                    </a:rPr>
+                    <a:t>…</a:t>
+                  </a:r>
+                  <a:endParaRPr lang="de-DE" dirty="0">
+                    <a:solidFill>
+                      <a:schemeClr val="tx1"/>
+                    </a:solidFill>
+                  </a:endParaRPr>
+                </a:p>
+              </p:txBody>
+            </p:sp>
+            <p:sp>
+              <p:nvSpPr>
+                <p:cNvPr id="83" name="Rechteck: abgerundete Ecken 82">
+                  <a:extLst>
+                    <a:ext uri="{FF2B5EF4-FFF2-40B4-BE49-F238E27FC236}">
+                      <a16:creationId xmlns:a16="http://schemas.microsoft.com/office/drawing/2014/main" id="{D7C3A3FF-BB3A-46BF-8EB7-0EC068AB5367}"/>
+                    </a:ext>
+                  </a:extLst>
+                </p:cNvPr>
+                <p:cNvSpPr/>
+                <p:nvPr/>
+              </p:nvSpPr>
+              <p:spPr>
+                <a:xfrm>
+                  <a:off x="2060017" y="2036426"/>
+                  <a:ext cx="547909" cy="260060"/>
+                </a:xfrm>
+                <a:prstGeom prst="roundRect">
+                  <a:avLst/>
+                </a:prstGeom>
+              </p:spPr>
+              <p:style>
+                <a:lnRef idx="2">
+                  <a:schemeClr val="accent4">
+                    <a:shade val="50000"/>
+                  </a:schemeClr>
+                </a:lnRef>
+                <a:fillRef idx="1">
+                  <a:schemeClr val="accent4"/>
+                </a:fillRef>
+                <a:effectRef idx="0">
+                  <a:schemeClr val="accent4"/>
+                </a:effectRef>
+                <a:fontRef idx="minor">
+                  <a:schemeClr val="lt1"/>
+                </a:fontRef>
+              </p:style>
+              <p:txBody>
+                <a:bodyPr rtlCol="0" anchor="ctr"/>
+                <a:lstStyle/>
+                <a:p>
+                  <a:pPr algn="ctr"/>
+                  <a:r>
+                    <a:rPr lang="de-DE" sz="1200" dirty="0">
+                      <a:solidFill>
+                        <a:schemeClr val="tx1"/>
+                      </a:solidFill>
+                    </a:rPr>
+                    <a:t>TF42</a:t>
+                  </a:r>
+                  <a:endParaRPr lang="de-DE" dirty="0">
+                    <a:solidFill>
+                      <a:schemeClr val="tx1"/>
+                    </a:solidFill>
+                  </a:endParaRPr>
+                </a:p>
+              </p:txBody>
+            </p:sp>
+          </p:grpSp>
+          <p:grpSp>
+            <p:nvGrpSpPr>
+              <p:cNvPr id="73" name="Gruppieren 72">
+                <a:extLst>
+                  <a:ext uri="{FF2B5EF4-FFF2-40B4-BE49-F238E27FC236}">
+                    <a16:creationId xmlns:a16="http://schemas.microsoft.com/office/drawing/2014/main" id="{90FB3A8A-D4F4-4C2C-B4EE-044BDFB7837E}"/>
+                  </a:ext>
+                </a:extLst>
+              </p:cNvPr>
+              <p:cNvGrpSpPr/>
+              <p:nvPr/>
+            </p:nvGrpSpPr>
+            <p:grpSpPr>
+              <a:xfrm>
+                <a:off x="1364778" y="3099732"/>
+                <a:ext cx="1390477" cy="1044431"/>
+                <a:chOff x="1368453" y="1421932"/>
+                <a:chExt cx="1390477" cy="1044431"/>
+              </a:xfrm>
+            </p:grpSpPr>
+            <p:sp>
+              <p:nvSpPr>
+                <p:cNvPr id="74" name="Rechteck: abgerundete Ecken 73">
+                  <a:extLst>
+                    <a:ext uri="{FF2B5EF4-FFF2-40B4-BE49-F238E27FC236}">
+                      <a16:creationId xmlns:a16="http://schemas.microsoft.com/office/drawing/2014/main" id="{469451BE-A9BD-43CB-8D60-B5F1DDD2236A}"/>
+                    </a:ext>
+                  </a:extLst>
+                </p:cNvPr>
+                <p:cNvSpPr/>
+                <p:nvPr/>
+              </p:nvSpPr>
+              <p:spPr>
+                <a:xfrm>
+                  <a:off x="1368453" y="1421932"/>
+                  <a:ext cx="1390477" cy="1044431"/>
+                </a:xfrm>
+                <a:prstGeom prst="roundRect">
+                  <a:avLst/>
+                </a:prstGeom>
+                <a:ln>
+                  <a:solidFill>
+                    <a:schemeClr val="bg2">
+                      <a:lumMod val="10000"/>
+                    </a:schemeClr>
+                  </a:solidFill>
+                </a:ln>
+              </p:spPr>
+              <p:style>
+                <a:lnRef idx="2">
+                  <a:schemeClr val="accent5">
+                    <a:shade val="50000"/>
+                  </a:schemeClr>
+                </a:lnRef>
+                <a:fillRef idx="1">
+                  <a:schemeClr val="accent5"/>
+                </a:fillRef>
+                <a:effectRef idx="0">
+                  <a:schemeClr val="accent5"/>
+                </a:effectRef>
+                <a:fontRef idx="minor">
+                  <a:schemeClr val="lt1"/>
+                </a:fontRef>
+              </p:style>
+              <p:txBody>
+                <a:bodyPr rtlCol="0" anchor="t"/>
+                <a:lstStyle/>
+                <a:p>
+                  <a:pPr algn="ctr"/>
+                  <a:r>
+                    <a:rPr lang="de-DE" sz="1000" dirty="0"/>
+                    <a:t>Simulierte Dose 0.5</a:t>
+                  </a:r>
+                </a:p>
+              </p:txBody>
+            </p:sp>
+            <p:sp>
+              <p:nvSpPr>
+                <p:cNvPr id="75" name="Rechteck: abgerundete Ecken 74">
+                  <a:extLst>
+                    <a:ext uri="{FF2B5EF4-FFF2-40B4-BE49-F238E27FC236}">
+                      <a16:creationId xmlns:a16="http://schemas.microsoft.com/office/drawing/2014/main" id="{1048226B-F08A-4324-AA63-3FB0236619B6}"/>
+                    </a:ext>
+                  </a:extLst>
+                </p:cNvPr>
+                <p:cNvSpPr/>
+                <p:nvPr/>
+              </p:nvSpPr>
+              <p:spPr>
+                <a:xfrm>
+                  <a:off x="1440281" y="1684089"/>
+                  <a:ext cx="547909" cy="260060"/>
+                </a:xfrm>
+                <a:prstGeom prst="roundRect">
+                  <a:avLst/>
+                </a:prstGeom>
+              </p:spPr>
+              <p:style>
+                <a:lnRef idx="2">
+                  <a:schemeClr val="accent4">
+                    <a:shade val="50000"/>
+                  </a:schemeClr>
+                </a:lnRef>
+                <a:fillRef idx="1">
+                  <a:schemeClr val="accent4"/>
+                </a:fillRef>
+                <a:effectRef idx="0">
+                  <a:schemeClr val="accent4"/>
+                </a:effectRef>
+                <a:fontRef idx="minor">
+                  <a:schemeClr val="lt1"/>
+                </a:fontRef>
+              </p:style>
+              <p:txBody>
+                <a:bodyPr rtlCol="0" anchor="ctr"/>
+                <a:lstStyle/>
+                <a:p>
+                  <a:pPr algn="ctr"/>
+                  <a:r>
+                    <a:rPr lang="de-DE" sz="1200" dirty="0">
+                      <a:solidFill>
+                        <a:schemeClr val="tx1"/>
+                      </a:solidFill>
+                    </a:rPr>
+                    <a:t>TF1</a:t>
+                  </a:r>
+                  <a:endParaRPr lang="de-DE" dirty="0">
+                    <a:solidFill>
+                      <a:schemeClr val="tx1"/>
+                    </a:solidFill>
+                  </a:endParaRPr>
+                </a:p>
+              </p:txBody>
+            </p:sp>
+            <p:sp>
+              <p:nvSpPr>
+                <p:cNvPr id="76" name="Rechteck: abgerundete Ecken 75">
+                  <a:extLst>
+                    <a:ext uri="{FF2B5EF4-FFF2-40B4-BE49-F238E27FC236}">
+                      <a16:creationId xmlns:a16="http://schemas.microsoft.com/office/drawing/2014/main" id="{2C565888-C4FA-45DC-9035-142D8DE70B9F}"/>
+                    </a:ext>
+                  </a:extLst>
+                </p:cNvPr>
+                <p:cNvSpPr/>
+                <p:nvPr/>
+              </p:nvSpPr>
+              <p:spPr>
+                <a:xfrm>
+                  <a:off x="2060017" y="1684089"/>
+                  <a:ext cx="547909" cy="260060"/>
+                </a:xfrm>
+                <a:prstGeom prst="roundRect">
+                  <a:avLst/>
+                </a:prstGeom>
+              </p:spPr>
+              <p:style>
+                <a:lnRef idx="2">
+                  <a:schemeClr val="accent4">
+                    <a:shade val="50000"/>
+                  </a:schemeClr>
+                </a:lnRef>
+                <a:fillRef idx="1">
+                  <a:schemeClr val="accent4"/>
+                </a:fillRef>
+                <a:effectRef idx="0">
+                  <a:schemeClr val="accent4"/>
+                </a:effectRef>
+                <a:fontRef idx="minor">
+                  <a:schemeClr val="lt1"/>
+                </a:fontRef>
+              </p:style>
+              <p:txBody>
+                <a:bodyPr rtlCol="0" anchor="ctr"/>
+                <a:lstStyle/>
+                <a:p>
+                  <a:pPr algn="ctr"/>
+                  <a:r>
+                    <a:rPr lang="de-DE" sz="1200" dirty="0">
+                      <a:solidFill>
+                        <a:schemeClr val="tx1"/>
+                      </a:solidFill>
+                    </a:rPr>
+                    <a:t>TF2</a:t>
+                  </a:r>
+                  <a:endParaRPr lang="de-DE" dirty="0">
+                    <a:solidFill>
+                      <a:schemeClr val="tx1"/>
+                    </a:solidFill>
+                  </a:endParaRPr>
+                </a:p>
+              </p:txBody>
+            </p:sp>
+            <p:sp>
+              <p:nvSpPr>
+                <p:cNvPr id="77" name="Rechteck: abgerundete Ecken 76">
+                  <a:extLst>
+                    <a:ext uri="{FF2B5EF4-FFF2-40B4-BE49-F238E27FC236}">
+                      <a16:creationId xmlns:a16="http://schemas.microsoft.com/office/drawing/2014/main" id="{8473CDA9-0F94-4F92-B8B9-F4F77734EAC1}"/>
+                    </a:ext>
+                  </a:extLst>
+                </p:cNvPr>
+                <p:cNvSpPr/>
+                <p:nvPr/>
+              </p:nvSpPr>
+              <p:spPr>
+                <a:xfrm>
+                  <a:off x="1440281" y="2033280"/>
+                  <a:ext cx="547909" cy="260060"/>
+                </a:xfrm>
+                <a:prstGeom prst="roundRect">
+                  <a:avLst/>
+                </a:prstGeom>
+              </p:spPr>
+              <p:style>
+                <a:lnRef idx="2">
+                  <a:schemeClr val="accent4">
+                    <a:shade val="50000"/>
+                  </a:schemeClr>
+                </a:lnRef>
+                <a:fillRef idx="1">
+                  <a:schemeClr val="accent4"/>
+                </a:fillRef>
+                <a:effectRef idx="0">
+                  <a:schemeClr val="accent4"/>
+                </a:effectRef>
+                <a:fontRef idx="minor">
+                  <a:schemeClr val="lt1"/>
+                </a:fontRef>
+              </p:style>
+              <p:txBody>
+                <a:bodyPr rtlCol="0" anchor="ctr"/>
+                <a:lstStyle/>
+                <a:p>
+                  <a:pPr algn="ctr"/>
+                  <a:r>
+                    <a:rPr lang="de-DE" sz="1200" dirty="0">
+                      <a:solidFill>
+                        <a:schemeClr val="tx1"/>
+                      </a:solidFill>
+                    </a:rPr>
+                    <a:t>…</a:t>
+                  </a:r>
+                  <a:endParaRPr lang="de-DE" dirty="0">
+                    <a:solidFill>
+                      <a:schemeClr val="tx1"/>
+                    </a:solidFill>
+                  </a:endParaRPr>
+                </a:p>
+              </p:txBody>
+            </p:sp>
+            <p:sp>
+              <p:nvSpPr>
+                <p:cNvPr id="78" name="Rechteck: abgerundete Ecken 77">
+                  <a:extLst>
+                    <a:ext uri="{FF2B5EF4-FFF2-40B4-BE49-F238E27FC236}">
+                      <a16:creationId xmlns:a16="http://schemas.microsoft.com/office/drawing/2014/main" id="{D455D7C4-9A64-455C-B702-9456273AE4A6}"/>
+                    </a:ext>
+                  </a:extLst>
+                </p:cNvPr>
+                <p:cNvSpPr/>
+                <p:nvPr/>
+              </p:nvSpPr>
+              <p:spPr>
+                <a:xfrm>
+                  <a:off x="2060017" y="2036426"/>
+                  <a:ext cx="547909" cy="260060"/>
+                </a:xfrm>
+                <a:prstGeom prst="roundRect">
+                  <a:avLst/>
+                </a:prstGeom>
+              </p:spPr>
+              <p:style>
+                <a:lnRef idx="2">
+                  <a:schemeClr val="accent4">
+                    <a:shade val="50000"/>
+                  </a:schemeClr>
+                </a:lnRef>
+                <a:fillRef idx="1">
+                  <a:schemeClr val="accent4"/>
+                </a:fillRef>
+                <a:effectRef idx="0">
+                  <a:schemeClr val="accent4"/>
+                </a:effectRef>
+                <a:fontRef idx="minor">
+                  <a:schemeClr val="lt1"/>
+                </a:fontRef>
+              </p:style>
+              <p:txBody>
+                <a:bodyPr rtlCol="0" anchor="ctr"/>
+                <a:lstStyle/>
+                <a:p>
+                  <a:pPr algn="ctr"/>
+                  <a:r>
+                    <a:rPr lang="de-DE" sz="1200" dirty="0">
+                      <a:solidFill>
+                        <a:schemeClr val="tx1"/>
+                      </a:solidFill>
+                    </a:rPr>
+                    <a:t>TF42</a:t>
+                  </a:r>
+                  <a:endParaRPr lang="de-DE" dirty="0">
+                    <a:solidFill>
+                      <a:schemeClr val="tx1"/>
+                    </a:solidFill>
+                  </a:endParaRPr>
+                </a:p>
+              </p:txBody>
+            </p:sp>
+          </p:grpSp>
+        </p:grpSp>
+      </p:grpSp>
+      <p:sp>
+        <p:nvSpPr>
+          <p:cNvPr id="84" name="Textfeld 83">
+            <a:extLst>
+              <a:ext uri="{FF2B5EF4-FFF2-40B4-BE49-F238E27FC236}">
+                <a16:creationId xmlns:a16="http://schemas.microsoft.com/office/drawing/2014/main" id="{8A49F223-8579-43F3-B7D0-900E4BD2BF33}"/>
+              </a:ext>
+            </a:extLst>
+          </p:cNvPr>
+          <p:cNvSpPr txBox="1"/>
+          <p:nvPr/>
+        </p:nvSpPr>
+        <p:spPr>
+          <a:xfrm>
+            <a:off x="146794" y="-5107"/>
+            <a:ext cx="12192000" cy="523220"/>
+          </a:xfrm>
+          <a:prstGeom prst="rect">
+            <a:avLst/>
+          </a:prstGeom>
+          <a:noFill/>
+        </p:spPr>
+        <p:txBody>
+          <a:bodyPr wrap="square" rtlCol="0">
+            <a:spAutoFit/>
+          </a:bodyPr>
+          <a:lstStyle/>
+          <a:p>
+            <a:pPr algn="ctr"/>
+            <a:r>
+              <a:rPr lang="de-DE" sz="2800" dirty="0"/>
+              <a:t>Ausgangslage (obsolet)</a:t>
+            </a:r>
+          </a:p>
+        </p:txBody>
+      </p:sp>
+      <p:graphicFrame>
+        <p:nvGraphicFramePr>
+          <p:cNvPr id="2" name="Tabelle 1">
+            <a:extLst>
+              <a:ext uri="{FF2B5EF4-FFF2-40B4-BE49-F238E27FC236}">
+                <a16:creationId xmlns:a16="http://schemas.microsoft.com/office/drawing/2014/main" id="{5330B0B2-D72C-470F-92C3-E5BD6674649A}"/>
+              </a:ext>
+            </a:extLst>
+          </p:cNvPr>
+          <p:cNvGraphicFramePr>
+            <a:graphicFrameLocks noGrp="1"/>
+          </p:cNvGraphicFramePr>
+          <p:nvPr>
+            <p:extLst>
+              <p:ext uri="{D42A27DB-BD31-4B8C-83A1-F6EECF244321}">
+                <p14:modId xmlns:p14="http://schemas.microsoft.com/office/powerpoint/2010/main" val="4080754791"/>
+              </p:ext>
+            </p:extLst>
+          </p:nvPr>
+        </p:nvGraphicFramePr>
+        <p:xfrm>
+          <a:off x="27974" y="5029200"/>
+          <a:ext cx="3055258" cy="1828800"/>
+        </p:xfrm>
+        <a:graphic>
+          <a:graphicData uri="http://schemas.openxmlformats.org/drawingml/2006/table">
+            <a:tbl>
+              <a:tblPr firstRow="1" bandRow="1">
+                <a:tableStyleId>{5C22544A-7EE6-4342-B048-85BDC9FD1C3A}</a:tableStyleId>
+              </a:tblPr>
+              <a:tblGrid>
+                <a:gridCol w="1187767">
+                  <a:extLst>
+                    <a:ext uri="{9D8B030D-6E8A-4147-A177-3AD203B41FA5}">
+                      <a16:colId xmlns:a16="http://schemas.microsoft.com/office/drawing/2014/main" val="3362956487"/>
+                    </a:ext>
+                  </a:extLst>
+                </a:gridCol>
+                <a:gridCol w="1867491">
+                  <a:extLst>
+                    <a:ext uri="{9D8B030D-6E8A-4147-A177-3AD203B41FA5}">
+                      <a16:colId xmlns:a16="http://schemas.microsoft.com/office/drawing/2014/main" val="2563171433"/>
+                    </a:ext>
+                  </a:extLst>
+                </a:gridCol>
+              </a:tblGrid>
+              <a:tr h="250653">
+                <a:tc>
+                  <a:txBody>
+                    <a:bodyPr/>
+                    <a:lstStyle/>
+                    <a:p>
+                      <a:r>
+                        <a:rPr lang="de-DE" sz="1400" dirty="0"/>
+                        <a:t>Dosenanzahl</a:t>
+                      </a:r>
+                    </a:p>
+                  </a:txBody>
+                  <a:tcPr marT="36000"/>
+                </a:tc>
+                <a:tc>
+                  <a:txBody>
+                    <a:bodyPr/>
+                    <a:lstStyle/>
+                    <a:p>
+                      <a:r>
+                        <a:rPr lang="de-DE" sz="1400" dirty="0"/>
+                        <a:t>Patientenanzahl</a:t>
+                      </a:r>
+                    </a:p>
+                  </a:txBody>
+                  <a:tcPr/>
+                </a:tc>
+                <a:extLst>
+                  <a:ext uri="{0D108BD9-81ED-4DB2-BD59-A6C34878D82A}">
+                    <a16:rowId xmlns:a16="http://schemas.microsoft.com/office/drawing/2014/main" val="1463051051"/>
+                  </a:ext>
+                </a:extLst>
+              </a:tr>
+              <a:tr h="250653">
+                <a:tc>
+                  <a:txBody>
+                    <a:bodyPr/>
+                    <a:lstStyle/>
+                    <a:p>
+                      <a:r>
+                        <a:rPr lang="de-DE" sz="1400" dirty="0"/>
+                        <a:t>11</a:t>
+                      </a:r>
+                    </a:p>
+                  </a:txBody>
+                  <a:tcPr/>
+                </a:tc>
+                <a:tc>
+                  <a:txBody>
+                    <a:bodyPr/>
+                    <a:lstStyle/>
+                    <a:p>
+                      <a:r>
+                        <a:rPr lang="de-DE" sz="1400" dirty="0"/>
+                        <a:t>9</a:t>
+                      </a:r>
+                    </a:p>
+                  </a:txBody>
+                  <a:tcPr/>
+                </a:tc>
+                <a:extLst>
+                  <a:ext uri="{0D108BD9-81ED-4DB2-BD59-A6C34878D82A}">
+                    <a16:rowId xmlns:a16="http://schemas.microsoft.com/office/drawing/2014/main" val="3090364559"/>
+                  </a:ext>
+                </a:extLst>
+              </a:tr>
+              <a:tr h="250653">
+                <a:tc>
+                  <a:txBody>
+                    <a:bodyPr/>
+                    <a:lstStyle/>
+                    <a:p>
+                      <a:r>
+                        <a:rPr lang="de-DE" sz="1400" dirty="0"/>
+                        <a:t>12</a:t>
+                      </a:r>
+                    </a:p>
+                  </a:txBody>
+                  <a:tcPr/>
+                </a:tc>
+                <a:tc>
+                  <a:txBody>
+                    <a:bodyPr/>
+                    <a:lstStyle/>
+                    <a:p>
+                      <a:r>
+                        <a:rPr lang="de-DE" sz="1400" dirty="0"/>
+                        <a:t>6</a:t>
+                      </a:r>
+                    </a:p>
+                  </a:txBody>
+                  <a:tcPr/>
+                </a:tc>
+                <a:extLst>
+                  <a:ext uri="{0D108BD9-81ED-4DB2-BD59-A6C34878D82A}">
+                    <a16:rowId xmlns:a16="http://schemas.microsoft.com/office/drawing/2014/main" val="1403292757"/>
+                  </a:ext>
+                </a:extLst>
+              </a:tr>
+              <a:tr h="250653">
+                <a:tc>
+                  <a:txBody>
+                    <a:bodyPr/>
+                    <a:lstStyle/>
+                    <a:p>
+                      <a:r>
+                        <a:rPr lang="de-DE" sz="1400" dirty="0"/>
+                        <a:t>13</a:t>
+                      </a:r>
+                    </a:p>
+                  </a:txBody>
+                  <a:tcPr/>
+                </a:tc>
+                <a:tc>
+                  <a:txBody>
+                    <a:bodyPr/>
+                    <a:lstStyle/>
+                    <a:p>
+                      <a:r>
+                        <a:rPr lang="de-DE" sz="1400" dirty="0"/>
+                        <a:t>2</a:t>
+                      </a:r>
+                    </a:p>
+                  </a:txBody>
+                  <a:tcPr/>
+                </a:tc>
+                <a:extLst>
+                  <a:ext uri="{0D108BD9-81ED-4DB2-BD59-A6C34878D82A}">
+                    <a16:rowId xmlns:a16="http://schemas.microsoft.com/office/drawing/2014/main" val="2409457019"/>
+                  </a:ext>
+                </a:extLst>
+              </a:tr>
+              <a:tr h="250653">
+                <a:tc>
+                  <a:txBody>
+                    <a:bodyPr/>
+                    <a:lstStyle/>
+                    <a:p>
+                      <a:r>
+                        <a:rPr lang="de-DE" sz="1400" dirty="0"/>
+                        <a:t>14</a:t>
+                      </a:r>
+                    </a:p>
+                  </a:txBody>
+                  <a:tcPr/>
+                </a:tc>
+                <a:tc>
+                  <a:txBody>
+                    <a:bodyPr/>
+                    <a:lstStyle/>
+                    <a:p>
+                      <a:r>
+                        <a:rPr lang="de-DE" sz="1400" dirty="0"/>
+                        <a:t>2</a:t>
+                      </a:r>
+                    </a:p>
+                  </a:txBody>
+                  <a:tcPr/>
+                </a:tc>
+                <a:extLst>
+                  <a:ext uri="{0D108BD9-81ED-4DB2-BD59-A6C34878D82A}">
+                    <a16:rowId xmlns:a16="http://schemas.microsoft.com/office/drawing/2014/main" val="1160694831"/>
+                  </a:ext>
+                </a:extLst>
+              </a:tr>
+              <a:tr h="250653">
+                <a:tc>
+                  <a:txBody>
+                    <a:bodyPr/>
+                    <a:lstStyle/>
+                    <a:p>
+                      <a:r>
+                        <a:rPr lang="de-DE" sz="1400" dirty="0"/>
+                        <a:t>-</a:t>
+                      </a:r>
+                    </a:p>
+                  </a:txBody>
+                  <a:tcPr/>
+                </a:tc>
+                <a:tc>
+                  <a:txBody>
+                    <a:bodyPr/>
+                    <a:lstStyle/>
+                    <a:p>
+                      <a:r>
+                        <a:rPr lang="de-DE" sz="1400" dirty="0"/>
+                        <a:t>19 insgesamt</a:t>
+                      </a:r>
+                    </a:p>
+                  </a:txBody>
+                  <a:tcPr/>
+                </a:tc>
+                <a:extLst>
+                  <a:ext uri="{0D108BD9-81ED-4DB2-BD59-A6C34878D82A}">
+                    <a16:rowId xmlns:a16="http://schemas.microsoft.com/office/drawing/2014/main" val="4263791781"/>
+                  </a:ext>
+                </a:extLst>
+              </a:tr>
+            </a:tbl>
+          </a:graphicData>
+        </a:graphic>
+      </p:graphicFrame>
+      <p:sp>
+        <p:nvSpPr>
+          <p:cNvPr id="5" name="Textfeld 4">
+            <a:extLst>
+              <a:ext uri="{FF2B5EF4-FFF2-40B4-BE49-F238E27FC236}">
+                <a16:creationId xmlns:a16="http://schemas.microsoft.com/office/drawing/2014/main" id="{E0D51173-85C5-4635-951F-AFA1FB5D9AA1}"/>
+              </a:ext>
+            </a:extLst>
+          </p:cNvPr>
+          <p:cNvSpPr txBox="1"/>
+          <p:nvPr/>
+        </p:nvSpPr>
+        <p:spPr>
+          <a:xfrm>
+            <a:off x="3220942" y="5066437"/>
+            <a:ext cx="7946572" cy="1815882"/>
+          </a:xfrm>
+          <a:prstGeom prst="rect">
+            <a:avLst/>
+          </a:prstGeom>
+          <a:noFill/>
+        </p:spPr>
+        <p:txBody>
+          <a:bodyPr wrap="square" rtlCol="0">
+            <a:spAutoFit/>
+          </a:bodyPr>
+          <a:lstStyle/>
+          <a:p>
+            <a:r>
+              <a:rPr lang="de-DE" sz="1600" dirty="0"/>
+              <a:t>Alle Patienten haben die Dosen 3,0MBq - 0,5MBq in 0,25MBq Schritten:</a:t>
+            </a:r>
+          </a:p>
+          <a:p>
+            <a:r>
+              <a:rPr lang="de-DE" sz="1600" dirty="0"/>
+              <a:t>11 versch. Dosen * 19 Patienten</a:t>
+            </a:r>
+          </a:p>
+          <a:p>
+            <a:r>
+              <a:rPr lang="de-DE" sz="1600" dirty="0"/>
+              <a:t>Die Patienten P3, P5, P7, P9, P10, P12, P13, P15, P17, P18 haben zusätzlich entsprechend dann noch Dosen über 3,0 </a:t>
+            </a:r>
+            <a:r>
+              <a:rPr lang="de-DE" sz="1600" dirty="0" err="1"/>
+              <a:t>MBq</a:t>
+            </a:r>
+            <a:r>
+              <a:rPr lang="de-DE" sz="1600" dirty="0"/>
+              <a:t> -&gt;11 3,5MBq, 4,0MBq und 4,5MBq (werden ignoriert)</a:t>
+            </a:r>
+          </a:p>
+          <a:p>
+            <a:r>
+              <a:rPr lang="de-DE" sz="1600" dirty="0"/>
+              <a:t>n ≠ o ≠ p ≠ n, aber </a:t>
+            </a:r>
+            <a:r>
+              <a:rPr lang="de-DE" sz="1600" dirty="0" err="1"/>
+              <a:t>n,o,p</a:t>
+            </a:r>
+            <a:r>
+              <a:rPr lang="de-DE" sz="1600" dirty="0"/>
+              <a:t> &gt;=1</a:t>
+            </a:r>
+          </a:p>
+          <a:p>
+            <a:r>
+              <a:rPr lang="de-DE" sz="1600" dirty="0" err="1"/>
+              <a:t>Slicethickness</a:t>
+            </a:r>
+            <a:r>
+              <a:rPr lang="de-DE" sz="1600" dirty="0"/>
+              <a:t> = 2,0313 – </a:t>
+            </a:r>
+            <a:r>
+              <a:rPr lang="de-DE" sz="1600" dirty="0" err="1"/>
+              <a:t>Pixelspacing</a:t>
+            </a:r>
+            <a:r>
+              <a:rPr lang="de-DE" sz="1600" dirty="0"/>
+              <a:t> = 2,8034 (gleich wie bei </a:t>
+            </a:r>
+            <a:r>
+              <a:rPr lang="de-DE" sz="1600" dirty="0" err="1"/>
+              <a:t>NemaPhantom</a:t>
+            </a:r>
+            <a:r>
+              <a:rPr lang="de-DE" sz="1600" dirty="0"/>
+              <a:t>)</a:t>
+            </a:r>
+          </a:p>
+          <a:p>
+            <a:r>
+              <a:rPr lang="de-DE" sz="1600" dirty="0" err="1"/>
+              <a:t>One</a:t>
+            </a:r>
+            <a:r>
+              <a:rPr lang="de-DE" sz="1600" dirty="0"/>
+              <a:t> </a:t>
+            </a:r>
+            <a:r>
+              <a:rPr lang="de-DE" sz="1600" dirty="0" err="1"/>
+              <a:t>Voxelvolume</a:t>
+            </a:r>
+            <a:r>
+              <a:rPr lang="de-DE" sz="1600" dirty="0"/>
+              <a:t> = 0,01596cm³</a:t>
+            </a:r>
+          </a:p>
+        </p:txBody>
+      </p:sp>
+      <p:grpSp>
+        <p:nvGrpSpPr>
+          <p:cNvPr id="10" name="Gruppieren 9">
+            <a:extLst>
+              <a:ext uri="{FF2B5EF4-FFF2-40B4-BE49-F238E27FC236}">
+                <a16:creationId xmlns:a16="http://schemas.microsoft.com/office/drawing/2014/main" id="{E7A10941-7EC4-4D7B-BDEB-0296EA3D7FCA}"/>
+              </a:ext>
+            </a:extLst>
+          </p:cNvPr>
+          <p:cNvGrpSpPr/>
+          <p:nvPr/>
+        </p:nvGrpSpPr>
+        <p:grpSpPr>
+          <a:xfrm>
+            <a:off x="7114694" y="1652044"/>
+            <a:ext cx="439327" cy="346579"/>
+            <a:chOff x="6726586" y="1441487"/>
+            <a:chExt cx="439327" cy="522184"/>
+          </a:xfrm>
+        </p:grpSpPr>
+        <p:sp>
+          <p:nvSpPr>
+            <p:cNvPr id="6" name="Rechteck 5">
+              <a:extLst>
+                <a:ext uri="{FF2B5EF4-FFF2-40B4-BE49-F238E27FC236}">
+                  <a16:creationId xmlns:a16="http://schemas.microsoft.com/office/drawing/2014/main" id="{472B7AFF-FDB5-4A12-AE02-DE7490EF17D5}"/>
+                </a:ext>
+              </a:extLst>
+            </p:cNvPr>
+            <p:cNvSpPr/>
+            <p:nvPr/>
+          </p:nvSpPr>
+          <p:spPr>
+            <a:xfrm>
+              <a:off x="6726586" y="1661669"/>
+              <a:ext cx="236276" cy="302002"/>
+            </a:xfrm>
+            <a:prstGeom prst="rect">
+              <a:avLst/>
+            </a:prstGeom>
+            <a:noFill/>
+            <a:ln>
+              <a:noFill/>
+            </a:ln>
+          </p:spPr>
+          <p:style>
+            <a:lnRef idx="0">
+              <a:scrgbClr r="0" g="0" b="0"/>
+            </a:lnRef>
+            <a:fillRef idx="0">
+              <a:scrgbClr r="0" g="0" b="0"/>
+            </a:fillRef>
+            <a:effectRef idx="0">
+              <a:scrgbClr r="0" g="0" b="0"/>
+            </a:effectRef>
+            <a:fontRef idx="minor">
+              <a:schemeClr val="accent1"/>
+            </a:fontRef>
+          </p:style>
+          <p:txBody>
+            <a:bodyPr rtlCol="0" anchor="ctr"/>
+            <a:lstStyle/>
+            <a:p>
+              <a:pPr algn="ctr"/>
+              <a:r>
+                <a:rPr lang="de-DE" sz="2000" dirty="0"/>
+                <a:t>.</a:t>
+              </a:r>
+            </a:p>
+          </p:txBody>
+        </p:sp>
+        <p:sp>
+          <p:nvSpPr>
+            <p:cNvPr id="131" name="Rechteck 130">
+              <a:extLst>
+                <a:ext uri="{FF2B5EF4-FFF2-40B4-BE49-F238E27FC236}">
+                  <a16:creationId xmlns:a16="http://schemas.microsoft.com/office/drawing/2014/main" id="{7C7D331E-61E5-4445-AABD-C218E6436B9C}"/>
+                </a:ext>
+              </a:extLst>
+            </p:cNvPr>
+            <p:cNvSpPr/>
+            <p:nvPr/>
+          </p:nvSpPr>
+          <p:spPr>
+            <a:xfrm>
+              <a:off x="6845761" y="1551578"/>
+              <a:ext cx="236276" cy="302002"/>
+            </a:xfrm>
+            <a:prstGeom prst="rect">
+              <a:avLst/>
+            </a:prstGeom>
+            <a:noFill/>
+            <a:ln>
+              <a:noFill/>
+            </a:ln>
+          </p:spPr>
+          <p:style>
+            <a:lnRef idx="0">
+              <a:scrgbClr r="0" g="0" b="0"/>
+            </a:lnRef>
+            <a:fillRef idx="0">
+              <a:scrgbClr r="0" g="0" b="0"/>
+            </a:fillRef>
+            <a:effectRef idx="0">
+              <a:scrgbClr r="0" g="0" b="0"/>
+            </a:effectRef>
+            <a:fontRef idx="minor">
+              <a:schemeClr val="accent1"/>
+            </a:fontRef>
+          </p:style>
+          <p:txBody>
+            <a:bodyPr rtlCol="0" anchor="ctr"/>
+            <a:lstStyle/>
+            <a:p>
+              <a:pPr algn="ctr"/>
+              <a:r>
+                <a:rPr lang="de-DE" sz="2000" dirty="0"/>
+                <a:t>.</a:t>
+              </a:r>
+            </a:p>
+          </p:txBody>
+        </p:sp>
+        <p:sp>
+          <p:nvSpPr>
+            <p:cNvPr id="132" name="Rechteck 131">
+              <a:extLst>
+                <a:ext uri="{FF2B5EF4-FFF2-40B4-BE49-F238E27FC236}">
+                  <a16:creationId xmlns:a16="http://schemas.microsoft.com/office/drawing/2014/main" id="{B731C5DE-8D3A-4C57-8A0C-F1642E666FB5}"/>
+                </a:ext>
+              </a:extLst>
+            </p:cNvPr>
+            <p:cNvSpPr/>
+            <p:nvPr/>
+          </p:nvSpPr>
+          <p:spPr>
+            <a:xfrm>
+              <a:off x="6962862" y="1441487"/>
+              <a:ext cx="203051" cy="303401"/>
+            </a:xfrm>
+            <a:prstGeom prst="rect">
+              <a:avLst/>
+            </a:prstGeom>
+            <a:noFill/>
+            <a:ln>
+              <a:noFill/>
+            </a:ln>
+          </p:spPr>
+          <p:style>
+            <a:lnRef idx="0">
+              <a:scrgbClr r="0" g="0" b="0"/>
+            </a:lnRef>
+            <a:fillRef idx="0">
+              <a:scrgbClr r="0" g="0" b="0"/>
+            </a:fillRef>
+            <a:effectRef idx="0">
+              <a:scrgbClr r="0" g="0" b="0"/>
+            </a:effectRef>
+            <a:fontRef idx="minor">
+              <a:schemeClr val="accent1"/>
+            </a:fontRef>
+          </p:style>
+          <p:txBody>
+            <a:bodyPr rtlCol="0" anchor="ctr"/>
+            <a:lstStyle/>
+            <a:p>
+              <a:pPr algn="ctr"/>
+              <a:r>
+                <a:rPr lang="de-DE" sz="2000" dirty="0"/>
+                <a:t>.</a:t>
+              </a:r>
+            </a:p>
+          </p:txBody>
+        </p:sp>
+      </p:grpSp>
+    </p:spTree>
+    <p:extLst>
+      <p:ext uri="{BB962C8B-B14F-4D97-AF65-F5344CB8AC3E}">
+        <p14:creationId xmlns:p14="http://schemas.microsoft.com/office/powerpoint/2010/main" val="263338697"/>
       </p:ext>
     </p:extLst>
   </p:cSld>

--- a/Matthias/02-Patients3MBq/Was_wird_wie_getestet.pptx
+++ b/Matthias/02-Patients3MBq/Was_wird_wie_getestet.pptx
@@ -267,7 +267,7 @@
           <a:p>
             <a:fld id="{6E20447D-E185-4F8E-8A5E-B1C6AF407A2E}" type="datetimeFigureOut">
               <a:rPr lang="de-DE" smtClean="0"/>
-              <a:t>27.04.2018</a:t>
+              <a:t>09.05.2018</a:t>
             </a:fld>
             <a:endParaRPr lang="de-DE"/>
           </a:p>
@@ -465,7 +465,7 @@
           <a:p>
             <a:fld id="{6E20447D-E185-4F8E-8A5E-B1C6AF407A2E}" type="datetimeFigureOut">
               <a:rPr lang="de-DE" smtClean="0"/>
-              <a:t>27.04.2018</a:t>
+              <a:t>09.05.2018</a:t>
             </a:fld>
             <a:endParaRPr lang="de-DE"/>
           </a:p>
@@ -673,7 +673,7 @@
           <a:p>
             <a:fld id="{6E20447D-E185-4F8E-8A5E-B1C6AF407A2E}" type="datetimeFigureOut">
               <a:rPr lang="de-DE" smtClean="0"/>
-              <a:t>27.04.2018</a:t>
+              <a:t>09.05.2018</a:t>
             </a:fld>
             <a:endParaRPr lang="de-DE"/>
           </a:p>
@@ -871,7 +871,7 @@
           <a:p>
             <a:fld id="{6E20447D-E185-4F8E-8A5E-B1C6AF407A2E}" type="datetimeFigureOut">
               <a:rPr lang="de-DE" smtClean="0"/>
-              <a:t>27.04.2018</a:t>
+              <a:t>09.05.2018</a:t>
             </a:fld>
             <a:endParaRPr lang="de-DE"/>
           </a:p>
@@ -1146,7 +1146,7 @@
           <a:p>
             <a:fld id="{6E20447D-E185-4F8E-8A5E-B1C6AF407A2E}" type="datetimeFigureOut">
               <a:rPr lang="de-DE" smtClean="0"/>
-              <a:t>27.04.2018</a:t>
+              <a:t>09.05.2018</a:t>
             </a:fld>
             <a:endParaRPr lang="de-DE"/>
           </a:p>
@@ -1411,7 +1411,7 @@
           <a:p>
             <a:fld id="{6E20447D-E185-4F8E-8A5E-B1C6AF407A2E}" type="datetimeFigureOut">
               <a:rPr lang="de-DE" smtClean="0"/>
-              <a:t>27.04.2018</a:t>
+              <a:t>09.05.2018</a:t>
             </a:fld>
             <a:endParaRPr lang="de-DE"/>
           </a:p>
@@ -1823,7 +1823,7 @@
           <a:p>
             <a:fld id="{6E20447D-E185-4F8E-8A5E-B1C6AF407A2E}" type="datetimeFigureOut">
               <a:rPr lang="de-DE" smtClean="0"/>
-              <a:t>27.04.2018</a:t>
+              <a:t>09.05.2018</a:t>
             </a:fld>
             <a:endParaRPr lang="de-DE"/>
           </a:p>
@@ -1964,7 +1964,7 @@
           <a:p>
             <a:fld id="{6E20447D-E185-4F8E-8A5E-B1C6AF407A2E}" type="datetimeFigureOut">
               <a:rPr lang="de-DE" smtClean="0"/>
-              <a:t>27.04.2018</a:t>
+              <a:t>09.05.2018</a:t>
             </a:fld>
             <a:endParaRPr lang="de-DE"/>
           </a:p>
@@ -2077,7 +2077,7 @@
           <a:p>
             <a:fld id="{6E20447D-E185-4F8E-8A5E-B1C6AF407A2E}" type="datetimeFigureOut">
               <a:rPr lang="de-DE" smtClean="0"/>
-              <a:t>27.04.2018</a:t>
+              <a:t>09.05.2018</a:t>
             </a:fld>
             <a:endParaRPr lang="de-DE"/>
           </a:p>
@@ -2388,7 +2388,7 @@
           <a:p>
             <a:fld id="{6E20447D-E185-4F8E-8A5E-B1C6AF407A2E}" type="datetimeFigureOut">
               <a:rPr lang="de-DE" smtClean="0"/>
-              <a:t>27.04.2018</a:t>
+              <a:t>09.05.2018</a:t>
             </a:fld>
             <a:endParaRPr lang="de-DE"/>
           </a:p>
@@ -2676,7 +2676,7 @@
           <a:p>
             <a:fld id="{6E20447D-E185-4F8E-8A5E-B1C6AF407A2E}" type="datetimeFigureOut">
               <a:rPr lang="de-DE" smtClean="0"/>
-              <a:t>27.04.2018</a:t>
+              <a:t>09.05.2018</a:t>
             </a:fld>
             <a:endParaRPr lang="de-DE"/>
           </a:p>
@@ -2917,7 +2917,7 @@
           <a:p>
             <a:fld id="{6E20447D-E185-4F8E-8A5E-B1C6AF407A2E}" type="datetimeFigureOut">
               <a:rPr lang="de-DE" smtClean="0"/>
-              <a:t>27.04.2018</a:t>
+              <a:t>09.05.2018</a:t>
             </a:fld>
             <a:endParaRPr lang="de-DE"/>
           </a:p>
@@ -18857,7 +18857,7 @@
             </a:r>
             <a:r>
               <a:rPr lang="de-DE" sz="1200" dirty="0"/>
-              <a:t>(17 weitere Patienten)</a:t>
+              <a:t>(13 weitere Patienten)</a:t>
             </a:r>
             <a:endParaRPr lang="de-DE" sz="3200" dirty="0"/>
           </a:p>
@@ -18878,7 +18878,7 @@
         <p:spPr>
           <a:xfrm>
             <a:off x="8263654" y="1046744"/>
-            <a:ext cx="2929685" cy="4793408"/>
+            <a:ext cx="2881967" cy="4793408"/>
           </a:xfrm>
           <a:prstGeom prst="round2DiagRect">
             <a:avLst>
@@ -19071,7 +19071,7 @@
         </p:nvSpPr>
         <p:spPr>
           <a:xfrm>
-            <a:off x="1487658" y="114872"/>
+            <a:off x="1789992" y="73240"/>
             <a:ext cx="8612015" cy="652723"/>
           </a:xfrm>
         </p:spPr>
@@ -19081,19 +19081,12 @@
           </a:bodyPr>
           <a:lstStyle/>
           <a:p>
+            <a:pPr algn="ctr"/>
             <a:r>
-              <a:rPr lang="de-DE" sz="3100" dirty="0">
-                <a:solidFill>
-                  <a:srgbClr val="FF0000"/>
-                </a:solidFill>
-              </a:rPr>
+              <a:rPr lang="de-DE" sz="3100" b="1" dirty="0"/>
               <a:t>Variationskoeffizient – von Startpunkt 3MBq</a:t>
             </a:r>
-            <a:endParaRPr lang="de-DE" dirty="0">
-              <a:solidFill>
-                <a:srgbClr val="FF0000"/>
-              </a:solidFill>
-            </a:endParaRPr>
+            <a:endParaRPr lang="de-DE" b="1" dirty="0"/>
           </a:p>
         </p:txBody>
       </p:sp>
@@ -19487,7 +19480,7 @@
               </a:r>
               <a:r>
                 <a:rPr lang="de-DE" sz="1200" baseline="-25000" dirty="0"/>
-                <a:t>2.75</a:t>
+                <a:t>3.00</a:t>
               </a:r>
               <a:r>
                 <a:rPr lang="de-DE" sz="1200" dirty="0"/>
@@ -19985,7 +19978,7 @@
               </a:r>
               <a:r>
                 <a:rPr lang="de-DE" sz="1200" baseline="-25000" dirty="0"/>
-                <a:t>2.75</a:t>
+                <a:t>3.00</a:t>
               </a:r>
               <a:r>
                 <a:rPr lang="de-DE" sz="1200" dirty="0"/>
@@ -20243,7 +20236,7 @@
                   <a:srgbClr val="FF0000"/>
                 </a:solidFill>
               </a:rPr>
-              <a:t>(2.75-2.50)</a:t>
+              <a:t>(3.00-2.50)</a:t>
             </a:r>
             <a:endParaRPr lang="de-DE" sz="2000" dirty="0">
               <a:solidFill>
@@ -20267,7 +20260,7 @@
         </p:nvSpPr>
         <p:spPr>
           <a:xfrm>
-            <a:off x="6722948" y="5734977"/>
+            <a:off x="6765681" y="6032536"/>
             <a:ext cx="5426319" cy="954107"/>
           </a:xfrm>
           <a:prstGeom prst="rect">
